--- a/powerpoint.pptx
+++ b/powerpoint.pptx
@@ -10,6 +10,8 @@
     <p:sldId id="258" r:id="rId4"/>
     <p:sldId id="259" r:id="rId5"/>
     <p:sldId id="260" r:id="rId6"/>
+    <p:sldId id="261" r:id="rId7"/>
+    <p:sldId id="262" r:id="rId8"/>
   </p:sldIdLst>
   <p:sldSz cx="9144000" cy="5143500" type="screen16x9"/>
   <p:notesSz cx="6858000" cy="9144000"/>
@@ -3349,36 +3351,6 @@
           </a:p>
         </p:txBody>
       </p:sp>
-      <p:pic>
-        <p:nvPicPr>
-          <p:cNvPr descr="powerpoint_files/figure-pptx/unnamed-chunk-2-1.png" id="0" name="Picture 1"/>
-          <p:cNvPicPr>
-            <a:picLocks noGrp="1" noChangeAspect="1"/>
-          </p:cNvPicPr>
-          <p:nvPr/>
-        </p:nvPicPr>
-        <p:blipFill>
-          <a:blip r:embed="rId2"/>
-          <a:stretch>
-            <a:fillRect/>
-          </a:stretch>
-        </p:blipFill>
-        <p:spPr bwMode="auto">
-          <a:xfrm>
-            <a:off x="2451100" y="1193800"/>
-            <a:ext cx="4241800" cy="3390900"/>
-          </a:xfrm>
-          <a:prstGeom prst="rect">
-            <a:avLst/>
-          </a:prstGeom>
-          <a:noFill/>
-          <a:ln w="9525">
-            <a:noFill/>
-            <a:headEnd/>
-            <a:tailEnd/>
-          </a:ln>
-        </p:spPr>
-      </p:pic>
     </p:spTree>
   </p:cSld>
 </p:sld>
@@ -3411,7 +3383,12 @@
             <p:ph type="title"/>
           </p:nvPr>
         </p:nvSpPr>
-        <p:spPr/>
+        <p:spPr>
+          <a:xfrm>
+            <a:off x="722313" y="3305176"/>
+            <a:ext cx="7772400" cy="1021556"/>
+          </a:xfrm>
+        </p:spPr>
         <p:txBody>
           <a:bodyPr/>
           <a:lstStyle/>
@@ -3421,47 +3398,121 @@
             </a:pPr>
             <a:r>
               <a:rPr/>
-              <a:t>Plot</a:t>
-            </a:r>
-          </a:p>
-        </p:txBody>
-      </p:sp>
-      <p:pic>
-        <p:nvPicPr>
-          <p:cNvPr descr="powerpoint_files/figure-pptx/unnamed-chunk-3-1.png" id="0" name="Picture 1"/>
-          <p:cNvPicPr>
-            <a:picLocks noGrp="1" noChangeAspect="1"/>
-          </p:cNvPicPr>
-          <p:nvPr/>
-        </p:nvPicPr>
-        <p:blipFill>
-          <a:blip r:embed="rId2"/>
-          <a:stretch>
-            <a:fillRect/>
-          </a:stretch>
-        </p:blipFill>
-        <p:spPr bwMode="auto">
-          <a:xfrm>
-            <a:off x="2451100" y="1193800"/>
-            <a:ext cx="4241800" cy="3390900"/>
-          </a:xfrm>
-          <a:prstGeom prst="rect">
-            <a:avLst/>
-          </a:prstGeom>
-          <a:noFill/>
-          <a:ln w="9525">
-            <a:noFill/>
-            <a:headEnd/>
-            <a:tailEnd/>
-          </a:ln>
-        </p:spPr>
-      </p:pic>
+              <a:t>Exploratory Data Analysis</a:t>
+            </a:r>
+          </a:p>
+        </p:txBody>
+      </p:sp>
     </p:spTree>
   </p:cSld>
 </p:sld>
 </file>
 
 <file path=ppt/slides/slide5.xml><?xml version="1.0" encoding="utf-8"?>
+<p:sld xmlns:a="http://schemas.openxmlformats.org/drawingml/2006/main" xmlns:r="http://schemas.openxmlformats.org/officeDocument/2006/relationships" xmlns:p="http://schemas.openxmlformats.org/presentationml/2006/main">
+  <p:cSld>
+    <p:spTree>
+      <p:nvGrpSpPr>
+        <p:cNvPr id="1" name=""/>
+        <p:cNvGrpSpPr/>
+        <p:nvPr/>
+      </p:nvGrpSpPr>
+      <p:grpSpPr>
+        <a:xfrm>
+          <a:off x="0" y="0"/>
+          <a:ext cx="0" cy="0"/>
+          <a:chOff x="0" y="0"/>
+          <a:chExt cx="0" cy="0"/>
+        </a:xfrm>
+      </p:grpSpPr>
+      <p:sp>
+        <p:nvSpPr>
+          <p:cNvPr id="2" name="Title 1"/>
+          <p:cNvSpPr>
+            <a:spLocks noGrp="1"/>
+          </p:cNvSpPr>
+          <p:nvPr>
+            <p:ph type="title"/>
+          </p:nvPr>
+        </p:nvSpPr>
+        <p:spPr>
+          <a:xfrm>
+            <a:off x="722313" y="3305176"/>
+            <a:ext cx="7772400" cy="1021556"/>
+          </a:xfrm>
+        </p:spPr>
+        <p:txBody>
+          <a:bodyPr/>
+          <a:lstStyle/>
+          <a:p>
+            <a:pPr lvl="0" indent="0" marL="0">
+              <a:buNone/>
+            </a:pPr>
+            <a:r>
+              <a:rPr/>
+              <a:t>Model Building</a:t>
+            </a:r>
+          </a:p>
+        </p:txBody>
+      </p:sp>
+    </p:spTree>
+  </p:cSld>
+</p:sld>
+</file>
+
+<file path=ppt/slides/slide6.xml><?xml version="1.0" encoding="utf-8"?>
+<p:sld xmlns:a="http://schemas.openxmlformats.org/drawingml/2006/main" xmlns:r="http://schemas.openxmlformats.org/officeDocument/2006/relationships" xmlns:p="http://schemas.openxmlformats.org/presentationml/2006/main">
+  <p:cSld>
+    <p:spTree>
+      <p:nvGrpSpPr>
+        <p:cNvPr id="1" name=""/>
+        <p:cNvGrpSpPr/>
+        <p:nvPr/>
+      </p:nvGrpSpPr>
+      <p:grpSpPr>
+        <a:xfrm>
+          <a:off x="0" y="0"/>
+          <a:ext cx="0" cy="0"/>
+          <a:chOff x="0" y="0"/>
+          <a:chExt cx="0" cy="0"/>
+        </a:xfrm>
+      </p:grpSpPr>
+      <p:sp>
+        <p:nvSpPr>
+          <p:cNvPr id="2" name="Title 1"/>
+          <p:cNvSpPr>
+            <a:spLocks noGrp="1"/>
+          </p:cNvSpPr>
+          <p:nvPr>
+            <p:ph type="title"/>
+          </p:nvPr>
+        </p:nvSpPr>
+        <p:spPr>
+          <a:xfrm>
+            <a:off x="722313" y="3305176"/>
+            <a:ext cx="7772400" cy="1021556"/>
+          </a:xfrm>
+        </p:spPr>
+        <p:txBody>
+          <a:bodyPr/>
+          <a:lstStyle/>
+          <a:p>
+            <a:pPr lvl="0" indent="0" marL="0">
+              <a:buNone/>
+            </a:pPr>
+            <a:r>
+              <a:rPr/>
+              <a:t>Testing Accuracy</a:t>
+            </a:r>
+          </a:p>
+        </p:txBody>
+      </p:sp>
+    </p:spTree>
+  </p:cSld>
+</p:sld>
+</file>
+
+<file path=ppt/slides/slide7.xml><?xml version="1.0" encoding="utf-8"?>
 <p:sld xmlns:a="http://schemas.openxmlformats.org/drawingml/2006/main" xmlns:r="http://schemas.openxmlformats.org/officeDocument/2006/relationships" xmlns:p="http://schemas.openxmlformats.org/presentationml/2006/main">
   <p:cSld>
     <p:spTree>

--- a/powerpoint.pptx
+++ b/powerpoint.pptx
@@ -1,8 +1,8 @@
 
 <file path=ppt/presentation.xml><?xml version="1.0" encoding="utf-8"?>
-<p:presentation xmlns:a="http://schemas.openxmlformats.org/drawingml/2006/main" xmlns:p="http://schemas.openxmlformats.org/presentationml/2006/main" xmlns:r="http://schemas.openxmlformats.org/officeDocument/2006/relationships" autoCompressPictures="0" saveSubsetFonts="1">
+<p:presentation xmlns:a="http://schemas.openxmlformats.org/drawingml/2006/main" xmlns:r="http://schemas.openxmlformats.org/officeDocument/2006/relationships" xmlns:p="http://schemas.openxmlformats.org/presentationml/2006/main" saveSubsetFonts="1" autoCompressPictures="0">
   <p:sldMasterIdLst>
-    <p:sldMasterId id="2147483648" r:id="rId1"/>
+    <p:sldMasterId id="2147483952" r:id="rId1"/>
   </p:sldMasterIdLst>
   <p:sldIdLst>
     <p:sldId id="256" r:id="rId2"/>
@@ -12,15 +12,18 @@
     <p:sldId id="260" r:id="rId6"/>
     <p:sldId id="261" r:id="rId7"/>
     <p:sldId id="262" r:id="rId8"/>
+    <p:sldId id="263" r:id="rId9"/>
+    <p:sldId id="264" r:id="rId10"/>
+    <p:sldId id="265" r:id="rId11"/>
   </p:sldIdLst>
-  <p:sldSz cx="9144000" cy="5143500" type="screen16x9"/>
+  <p:sldSz cx="12192000" cy="6858000"/>
   <p:notesSz cx="6858000" cy="9144000"/>
   <p:defaultTextStyle>
     <a:defPPr>
       <a:defRPr lang="en-US"/>
     </a:defPPr>
-    <a:lvl1pPr algn="l" defTabSz="457200" eaLnBrk="1" hangingPunct="1" latinLnBrk="0" marL="0" rtl="0">
-      <a:defRPr kern="1200" sz="1800">
+    <a:lvl1pPr marL="0" algn="l" defTabSz="457200" rtl="0" eaLnBrk="1" latinLnBrk="0" hangingPunct="1">
+      <a:defRPr sz="1800" kern="1200">
         <a:solidFill>
           <a:schemeClr val="tx1"/>
         </a:solidFill>
@@ -29,8 +32,8 @@
         <a:cs typeface="+mn-cs"/>
       </a:defRPr>
     </a:lvl1pPr>
-    <a:lvl2pPr algn="l" defTabSz="457200" eaLnBrk="1" hangingPunct="1" latinLnBrk="0" marL="457200" rtl="0">
-      <a:defRPr kern="1200" sz="1800">
+    <a:lvl2pPr marL="457200" algn="l" defTabSz="457200" rtl="0" eaLnBrk="1" latinLnBrk="0" hangingPunct="1">
+      <a:defRPr sz="1800" kern="1200">
         <a:solidFill>
           <a:schemeClr val="tx1"/>
         </a:solidFill>
@@ -39,8 +42,8 @@
         <a:cs typeface="+mn-cs"/>
       </a:defRPr>
     </a:lvl2pPr>
-    <a:lvl3pPr algn="l" defTabSz="457200" eaLnBrk="1" hangingPunct="1" latinLnBrk="0" marL="914400" rtl="0">
-      <a:defRPr kern="1200" sz="1800">
+    <a:lvl3pPr marL="914400" algn="l" defTabSz="457200" rtl="0" eaLnBrk="1" latinLnBrk="0" hangingPunct="1">
+      <a:defRPr sz="1800" kern="1200">
         <a:solidFill>
           <a:schemeClr val="tx1"/>
         </a:solidFill>
@@ -49,8 +52,8 @@
         <a:cs typeface="+mn-cs"/>
       </a:defRPr>
     </a:lvl3pPr>
-    <a:lvl4pPr algn="l" defTabSz="457200" eaLnBrk="1" hangingPunct="1" latinLnBrk="0" marL="1371600" rtl="0">
-      <a:defRPr kern="1200" sz="1800">
+    <a:lvl4pPr marL="1371600" algn="l" defTabSz="457200" rtl="0" eaLnBrk="1" latinLnBrk="0" hangingPunct="1">
+      <a:defRPr sz="1800" kern="1200">
         <a:solidFill>
           <a:schemeClr val="tx1"/>
         </a:solidFill>
@@ -59,8 +62,8 @@
         <a:cs typeface="+mn-cs"/>
       </a:defRPr>
     </a:lvl4pPr>
-    <a:lvl5pPr algn="l" defTabSz="457200" eaLnBrk="1" hangingPunct="1" latinLnBrk="0" marL="1828800" rtl="0">
-      <a:defRPr kern="1200" sz="1800">
+    <a:lvl5pPr marL="1828800" algn="l" defTabSz="457200" rtl="0" eaLnBrk="1" latinLnBrk="0" hangingPunct="1">
+      <a:defRPr sz="1800" kern="1200">
         <a:solidFill>
           <a:schemeClr val="tx1"/>
         </a:solidFill>
@@ -69,8 +72,8 @@
         <a:cs typeface="+mn-cs"/>
       </a:defRPr>
     </a:lvl5pPr>
-    <a:lvl6pPr algn="l" defTabSz="457200" eaLnBrk="1" hangingPunct="1" latinLnBrk="0" marL="2286000" rtl="0">
-      <a:defRPr kern="1200" sz="1800">
+    <a:lvl6pPr marL="2286000" algn="l" defTabSz="457200" rtl="0" eaLnBrk="1" latinLnBrk="0" hangingPunct="1">
+      <a:defRPr sz="1800" kern="1200">
         <a:solidFill>
           <a:schemeClr val="tx1"/>
         </a:solidFill>
@@ -79,8 +82,8 @@
         <a:cs typeface="+mn-cs"/>
       </a:defRPr>
     </a:lvl6pPr>
-    <a:lvl7pPr algn="l" defTabSz="457200" eaLnBrk="1" hangingPunct="1" latinLnBrk="0" marL="2743200" rtl="0">
-      <a:defRPr kern="1200" sz="1800">
+    <a:lvl7pPr marL="2743200" algn="l" defTabSz="457200" rtl="0" eaLnBrk="1" latinLnBrk="0" hangingPunct="1">
+      <a:defRPr sz="1800" kern="1200">
         <a:solidFill>
           <a:schemeClr val="tx1"/>
         </a:solidFill>
@@ -89,8 +92,8 @@
         <a:cs typeface="+mn-cs"/>
       </a:defRPr>
     </a:lvl7pPr>
-    <a:lvl8pPr algn="l" defTabSz="457200" eaLnBrk="1" hangingPunct="1" latinLnBrk="0" marL="3200400" rtl="0">
-      <a:defRPr kern="1200" sz="1800">
+    <a:lvl8pPr marL="3200400" algn="l" defTabSz="457200" rtl="0" eaLnBrk="1" latinLnBrk="0" hangingPunct="1">
+      <a:defRPr sz="1800" kern="1200">
         <a:solidFill>
           <a:schemeClr val="tx1"/>
         </a:solidFill>
@@ -99,8 +102,8 @@
         <a:cs typeface="+mn-cs"/>
       </a:defRPr>
     </a:lvl8pPr>
-    <a:lvl9pPr algn="l" defTabSz="457200" eaLnBrk="1" hangingPunct="1" latinLnBrk="0" marL="3657600" rtl="0">
-      <a:defRPr kern="1200" sz="1800">
+    <a:lvl9pPr marL="3657600" algn="l" defTabSz="457200" rtl="0" eaLnBrk="1" latinLnBrk="0" hangingPunct="1">
+      <a:defRPr sz="1800" kern="1200">
         <a:solidFill>
           <a:schemeClr val="tx1"/>
         </a:solidFill>
@@ -110,27 +113,11 @@
       </a:defRPr>
     </a:lvl9pPr>
   </p:defaultTextStyle>
-  <p:extLst>
-    <p:ext uri="{EFAFB233-063F-42B5-8137-9DF3F51BA10A}">
-      <p15:sldGuideLst xmlns:p15="http://schemas.microsoft.com/office/powerpoint/2012/main">
-        <p15:guide id="1" orient="horz" pos="1620" userDrawn="1">
-          <p15:clr>
-            <a:srgbClr val="A4A3A4"/>
-          </p15:clr>
-        </p15:guide>
-        <p15:guide id="2" pos="2880" userDrawn="1">
-          <p15:clr>
-            <a:srgbClr val="A4A3A4"/>
-          </p15:clr>
-        </p15:guide>
-      </p15:sldGuideLst>
-    </p:ext>
-  </p:extLst>
 </p:presentation>
 </file>
 
 <file path=ppt/slideLayouts/slideLayout1.xml><?xml version="1.0" encoding="utf-8"?>
-<p:sldLayout xmlns:a="http://schemas.openxmlformats.org/drawingml/2006/main" xmlns:r="http://schemas.openxmlformats.org/officeDocument/2006/relationships" xmlns:p="http://schemas.openxmlformats.org/presentationml/2006/main" type="title" preserve="1">
+<p:sldLayout xmlns:a="http://schemas.openxmlformats.org/drawingml/2006/main" xmlns:r="http://schemas.openxmlformats.org/officeDocument/2006/relationships" xmlns:p="http://schemas.openxmlformats.org/presentationml/2006/main" showMasterSp="0" type="title" preserve="1">
   <p:cSld name="Title Slide">
     <p:spTree>
       <p:nvGrpSpPr>
@@ -146,6 +133,538 @@
           <a:chExt cx="0" cy="0"/>
         </a:xfrm>
       </p:grpSpPr>
+      <p:grpSp>
+        <p:nvGrpSpPr>
+          <p:cNvPr id="16" name="Group 15"/>
+          <p:cNvGrpSpPr/>
+          <p:nvPr/>
+        </p:nvGrpSpPr>
+        <p:grpSpPr>
+          <a:xfrm>
+            <a:off x="0" y="-8467"/>
+            <a:ext cx="12192000" cy="6866467"/>
+            <a:chOff x="0" y="-8467"/>
+            <a:chExt cx="12192000" cy="6866467"/>
+          </a:xfrm>
+        </p:grpSpPr>
+        <p:cxnSp>
+          <p:nvCxnSpPr>
+            <p:cNvPr id="19" name="Straight Connector 18"/>
+            <p:cNvCxnSpPr/>
+            <p:nvPr/>
+          </p:nvCxnSpPr>
+          <p:spPr>
+            <a:xfrm>
+              <a:off x="9371012" y="0"/>
+              <a:ext cx="1219200" cy="6858000"/>
+            </a:xfrm>
+            <a:prstGeom prst="line">
+              <a:avLst/>
+            </a:prstGeom>
+            <a:ln w="9525">
+              <a:solidFill>
+                <a:schemeClr val="accent1">
+                  <a:alpha val="70000"/>
+                </a:schemeClr>
+              </a:solidFill>
+            </a:ln>
+          </p:spPr>
+          <p:style>
+            <a:lnRef idx="2">
+              <a:schemeClr val="accent1"/>
+            </a:lnRef>
+            <a:fillRef idx="0">
+              <a:schemeClr val="accent1"/>
+            </a:fillRef>
+            <a:effectRef idx="1">
+              <a:schemeClr val="accent1"/>
+            </a:effectRef>
+            <a:fontRef idx="minor">
+              <a:schemeClr val="tx1"/>
+            </a:fontRef>
+          </p:style>
+        </p:cxnSp>
+        <p:cxnSp>
+          <p:nvCxnSpPr>
+            <p:cNvPr id="20" name="Straight Connector 19"/>
+            <p:cNvCxnSpPr/>
+            <p:nvPr/>
+          </p:nvCxnSpPr>
+          <p:spPr>
+            <a:xfrm flipH="1">
+              <a:off x="7425267" y="3681413"/>
+              <a:ext cx="4763558" cy="3176587"/>
+            </a:xfrm>
+            <a:prstGeom prst="line">
+              <a:avLst/>
+            </a:prstGeom>
+            <a:ln w="9525">
+              <a:solidFill>
+                <a:schemeClr val="accent1">
+                  <a:alpha val="70000"/>
+                </a:schemeClr>
+              </a:solidFill>
+            </a:ln>
+          </p:spPr>
+          <p:style>
+            <a:lnRef idx="2">
+              <a:schemeClr val="accent1"/>
+            </a:lnRef>
+            <a:fillRef idx="0">
+              <a:schemeClr val="accent1"/>
+            </a:fillRef>
+            <a:effectRef idx="1">
+              <a:schemeClr val="accent1"/>
+            </a:effectRef>
+            <a:fontRef idx="minor">
+              <a:schemeClr val="tx1"/>
+            </a:fontRef>
+          </p:style>
+        </p:cxnSp>
+        <p:sp>
+          <p:nvSpPr>
+            <p:cNvPr id="21" name="Rectangle 23"/>
+            <p:cNvSpPr/>
+            <p:nvPr/>
+          </p:nvSpPr>
+          <p:spPr>
+            <a:xfrm>
+              <a:off x="9181476" y="-8467"/>
+              <a:ext cx="3007349" cy="6866467"/>
+            </a:xfrm>
+            <a:custGeom>
+              <a:avLst/>
+              <a:gdLst/>
+              <a:ahLst/>
+              <a:cxnLst/>
+              <a:rect l="l" t="t" r="r" b="b"/>
+              <a:pathLst>
+                <a:path w="3007349" h="6866467">
+                  <a:moveTo>
+                    <a:pt x="2045532" y="0"/>
+                  </a:moveTo>
+                  <a:lnTo>
+                    <a:pt x="3007349" y="0"/>
+                  </a:lnTo>
+                  <a:lnTo>
+                    <a:pt x="3007349" y="6866467"/>
+                  </a:lnTo>
+                  <a:lnTo>
+                    <a:pt x="0" y="6866467"/>
+                  </a:lnTo>
+                  <a:lnTo>
+                    <a:pt x="2045532" y="0"/>
+                  </a:lnTo>
+                  <a:close/>
+                </a:path>
+              </a:pathLst>
+            </a:custGeom>
+            <a:solidFill>
+              <a:schemeClr val="accent1">
+                <a:alpha val="36000"/>
+              </a:schemeClr>
+            </a:solidFill>
+            <a:ln>
+              <a:noFill/>
+            </a:ln>
+            <a:effectLst/>
+          </p:spPr>
+          <p:style>
+            <a:lnRef idx="1">
+              <a:schemeClr val="accent1"/>
+            </a:lnRef>
+            <a:fillRef idx="3">
+              <a:schemeClr val="accent1"/>
+            </a:fillRef>
+            <a:effectRef idx="2">
+              <a:schemeClr val="accent1"/>
+            </a:effectRef>
+            <a:fontRef idx="minor">
+              <a:schemeClr val="lt1"/>
+            </a:fontRef>
+          </p:style>
+        </p:sp>
+        <p:sp>
+          <p:nvSpPr>
+            <p:cNvPr id="22" name="Rectangle 25"/>
+            <p:cNvSpPr/>
+            <p:nvPr/>
+          </p:nvSpPr>
+          <p:spPr>
+            <a:xfrm>
+              <a:off x="9603442" y="-8467"/>
+              <a:ext cx="2588558" cy="6866467"/>
+            </a:xfrm>
+            <a:custGeom>
+              <a:avLst/>
+              <a:gdLst/>
+              <a:ahLst/>
+              <a:cxnLst/>
+              <a:rect l="l" t="t" r="r" b="b"/>
+              <a:pathLst>
+                <a:path w="2573311" h="6866467">
+                  <a:moveTo>
+                    <a:pt x="0" y="0"/>
+                  </a:moveTo>
+                  <a:lnTo>
+                    <a:pt x="2573311" y="0"/>
+                  </a:lnTo>
+                  <a:lnTo>
+                    <a:pt x="2573311" y="6866467"/>
+                  </a:lnTo>
+                  <a:lnTo>
+                    <a:pt x="1202336" y="6866467"/>
+                  </a:lnTo>
+                  <a:lnTo>
+                    <a:pt x="0" y="0"/>
+                  </a:lnTo>
+                  <a:close/>
+                </a:path>
+              </a:pathLst>
+            </a:custGeom>
+            <a:solidFill>
+              <a:schemeClr val="accent1">
+                <a:alpha val="20000"/>
+              </a:schemeClr>
+            </a:solidFill>
+            <a:ln>
+              <a:noFill/>
+            </a:ln>
+            <a:effectLst/>
+          </p:spPr>
+          <p:style>
+            <a:lnRef idx="1">
+              <a:schemeClr val="accent1"/>
+            </a:lnRef>
+            <a:fillRef idx="3">
+              <a:schemeClr val="accent1"/>
+            </a:fillRef>
+            <a:effectRef idx="2">
+              <a:schemeClr val="accent1"/>
+            </a:effectRef>
+            <a:fontRef idx="minor">
+              <a:schemeClr val="lt1"/>
+            </a:fontRef>
+          </p:style>
+        </p:sp>
+        <p:sp>
+          <p:nvSpPr>
+            <p:cNvPr id="23" name="Isosceles Triangle 22"/>
+            <p:cNvSpPr/>
+            <p:nvPr/>
+          </p:nvSpPr>
+          <p:spPr>
+            <a:xfrm>
+              <a:off x="8932333" y="3048000"/>
+              <a:ext cx="3259667" cy="3810000"/>
+            </a:xfrm>
+            <a:prstGeom prst="triangle">
+              <a:avLst>
+                <a:gd name="adj" fmla="val 100000"/>
+              </a:avLst>
+            </a:prstGeom>
+            <a:solidFill>
+              <a:schemeClr val="accent1">
+                <a:alpha val="72000"/>
+              </a:schemeClr>
+            </a:solidFill>
+            <a:ln>
+              <a:noFill/>
+            </a:ln>
+            <a:effectLst/>
+          </p:spPr>
+          <p:style>
+            <a:lnRef idx="1">
+              <a:schemeClr val="accent1"/>
+            </a:lnRef>
+            <a:fillRef idx="3">
+              <a:schemeClr val="accent1"/>
+            </a:fillRef>
+            <a:effectRef idx="2">
+              <a:schemeClr val="accent1"/>
+            </a:effectRef>
+            <a:fontRef idx="minor">
+              <a:schemeClr val="lt1"/>
+            </a:fontRef>
+          </p:style>
+        </p:sp>
+        <p:sp>
+          <p:nvSpPr>
+            <p:cNvPr id="24" name="Rectangle 27"/>
+            <p:cNvSpPr/>
+            <p:nvPr/>
+          </p:nvSpPr>
+          <p:spPr>
+            <a:xfrm>
+              <a:off x="9334500" y="-8467"/>
+              <a:ext cx="2854326" cy="6866467"/>
+            </a:xfrm>
+            <a:custGeom>
+              <a:avLst/>
+              <a:gdLst/>
+              <a:ahLst/>
+              <a:cxnLst/>
+              <a:rect l="l" t="t" r="r" b="b"/>
+              <a:pathLst>
+                <a:path w="2858013" h="6866467">
+                  <a:moveTo>
+                    <a:pt x="0" y="0"/>
+                  </a:moveTo>
+                  <a:lnTo>
+                    <a:pt x="2858013" y="0"/>
+                  </a:lnTo>
+                  <a:lnTo>
+                    <a:pt x="2858013" y="6866467"/>
+                  </a:lnTo>
+                  <a:lnTo>
+                    <a:pt x="2473942" y="6866467"/>
+                  </a:lnTo>
+                  <a:lnTo>
+                    <a:pt x="0" y="0"/>
+                  </a:lnTo>
+                  <a:close/>
+                </a:path>
+              </a:pathLst>
+            </a:custGeom>
+            <a:solidFill>
+              <a:schemeClr val="accent1">
+                <a:lumMod val="75000"/>
+                <a:alpha val="50000"/>
+              </a:schemeClr>
+            </a:solidFill>
+            <a:ln>
+              <a:noFill/>
+            </a:ln>
+            <a:effectLst/>
+          </p:spPr>
+          <p:style>
+            <a:lnRef idx="1">
+              <a:schemeClr val="accent1"/>
+            </a:lnRef>
+            <a:fillRef idx="3">
+              <a:schemeClr val="accent1"/>
+            </a:fillRef>
+            <a:effectRef idx="2">
+              <a:schemeClr val="accent1"/>
+            </a:effectRef>
+            <a:fontRef idx="minor">
+              <a:schemeClr val="lt1"/>
+            </a:fontRef>
+          </p:style>
+        </p:sp>
+        <p:sp>
+          <p:nvSpPr>
+            <p:cNvPr id="25" name="Rectangle 28"/>
+            <p:cNvSpPr/>
+            <p:nvPr/>
+          </p:nvSpPr>
+          <p:spPr>
+            <a:xfrm>
+              <a:off x="10898730" y="-8467"/>
+              <a:ext cx="1290094" cy="6866467"/>
+            </a:xfrm>
+            <a:custGeom>
+              <a:avLst/>
+              <a:gdLst/>
+              <a:ahLst/>
+              <a:cxnLst/>
+              <a:rect l="l" t="t" r="r" b="b"/>
+              <a:pathLst>
+                <a:path w="1290094" h="6858000">
+                  <a:moveTo>
+                    <a:pt x="1019735" y="0"/>
+                  </a:moveTo>
+                  <a:lnTo>
+                    <a:pt x="1290094" y="0"/>
+                  </a:lnTo>
+                  <a:lnTo>
+                    <a:pt x="1290094" y="6858000"/>
+                  </a:lnTo>
+                  <a:lnTo>
+                    <a:pt x="0" y="6858000"/>
+                  </a:lnTo>
+                  <a:lnTo>
+                    <a:pt x="1019735" y="0"/>
+                  </a:lnTo>
+                  <a:close/>
+                </a:path>
+              </a:pathLst>
+            </a:custGeom>
+            <a:solidFill>
+              <a:schemeClr val="accent1">
+                <a:lumMod val="75000"/>
+                <a:alpha val="70000"/>
+              </a:schemeClr>
+            </a:solidFill>
+            <a:ln>
+              <a:noFill/>
+            </a:ln>
+            <a:effectLst/>
+          </p:spPr>
+          <p:style>
+            <a:lnRef idx="1">
+              <a:schemeClr val="accent1"/>
+            </a:lnRef>
+            <a:fillRef idx="3">
+              <a:schemeClr val="accent1"/>
+            </a:fillRef>
+            <a:effectRef idx="2">
+              <a:schemeClr val="accent1"/>
+            </a:effectRef>
+            <a:fontRef idx="minor">
+              <a:schemeClr val="lt1"/>
+            </a:fontRef>
+          </p:style>
+        </p:sp>
+        <p:sp>
+          <p:nvSpPr>
+            <p:cNvPr id="26" name="Rectangle 29"/>
+            <p:cNvSpPr/>
+            <p:nvPr/>
+          </p:nvSpPr>
+          <p:spPr>
+            <a:xfrm>
+              <a:off x="10938999" y="-8467"/>
+              <a:ext cx="1249825" cy="6866467"/>
+            </a:xfrm>
+            <a:custGeom>
+              <a:avLst/>
+              <a:gdLst/>
+              <a:ahLst/>
+              <a:cxnLst/>
+              <a:rect l="l" t="t" r="r" b="b"/>
+              <a:pathLst>
+                <a:path w="1249825" h="6858000">
+                  <a:moveTo>
+                    <a:pt x="0" y="0"/>
+                  </a:moveTo>
+                  <a:lnTo>
+                    <a:pt x="1249825" y="0"/>
+                  </a:lnTo>
+                  <a:lnTo>
+                    <a:pt x="1249825" y="6858000"/>
+                  </a:lnTo>
+                  <a:lnTo>
+                    <a:pt x="1109382" y="6858000"/>
+                  </a:lnTo>
+                  <a:lnTo>
+                    <a:pt x="0" y="0"/>
+                  </a:lnTo>
+                  <a:close/>
+                </a:path>
+              </a:pathLst>
+            </a:custGeom>
+            <a:solidFill>
+              <a:schemeClr val="accent1">
+                <a:lumMod val="50000"/>
+                <a:alpha val="80000"/>
+              </a:schemeClr>
+            </a:solidFill>
+            <a:ln>
+              <a:noFill/>
+            </a:ln>
+            <a:effectLst/>
+          </p:spPr>
+          <p:style>
+            <a:lnRef idx="1">
+              <a:schemeClr val="accent1"/>
+            </a:lnRef>
+            <a:fillRef idx="3">
+              <a:schemeClr val="accent1"/>
+            </a:fillRef>
+            <a:effectRef idx="2">
+              <a:schemeClr val="accent1"/>
+            </a:effectRef>
+            <a:fontRef idx="minor">
+              <a:schemeClr val="lt1"/>
+            </a:fontRef>
+          </p:style>
+        </p:sp>
+        <p:sp>
+          <p:nvSpPr>
+            <p:cNvPr id="27" name="Isosceles Triangle 26"/>
+            <p:cNvSpPr/>
+            <p:nvPr/>
+          </p:nvSpPr>
+          <p:spPr>
+            <a:xfrm>
+              <a:off x="10371666" y="3589867"/>
+              <a:ext cx="1817159" cy="3268133"/>
+            </a:xfrm>
+            <a:prstGeom prst="triangle">
+              <a:avLst>
+                <a:gd name="adj" fmla="val 100000"/>
+              </a:avLst>
+            </a:prstGeom>
+            <a:solidFill>
+              <a:schemeClr val="accent1">
+                <a:lumMod val="50000"/>
+                <a:alpha val="66000"/>
+              </a:schemeClr>
+            </a:solidFill>
+            <a:ln>
+              <a:noFill/>
+            </a:ln>
+            <a:effectLst/>
+          </p:spPr>
+          <p:style>
+            <a:lnRef idx="1">
+              <a:schemeClr val="accent1"/>
+            </a:lnRef>
+            <a:fillRef idx="3">
+              <a:schemeClr val="accent1"/>
+            </a:fillRef>
+            <a:effectRef idx="2">
+              <a:schemeClr val="accent1"/>
+            </a:effectRef>
+            <a:fontRef idx="minor">
+              <a:schemeClr val="lt1"/>
+            </a:fontRef>
+          </p:style>
+        </p:sp>
+        <p:sp>
+          <p:nvSpPr>
+            <p:cNvPr id="29" name="Isosceles Triangle 28"/>
+            <p:cNvSpPr/>
+            <p:nvPr/>
+          </p:nvSpPr>
+          <p:spPr>
+            <a:xfrm rot="10800000">
+              <a:off x="0" y="0"/>
+              <a:ext cx="842596" cy="5666154"/>
+            </a:xfrm>
+            <a:prstGeom prst="triangle">
+              <a:avLst>
+                <a:gd name="adj" fmla="val 100000"/>
+              </a:avLst>
+            </a:prstGeom>
+            <a:solidFill>
+              <a:schemeClr val="accent1">
+                <a:lumMod val="75000"/>
+                <a:alpha val="70000"/>
+              </a:schemeClr>
+            </a:solidFill>
+            <a:ln>
+              <a:noFill/>
+            </a:ln>
+            <a:effectLst/>
+          </p:spPr>
+          <p:style>
+            <a:lnRef idx="1">
+              <a:schemeClr val="accent1"/>
+            </a:lnRef>
+            <a:fillRef idx="3">
+              <a:schemeClr val="accent1"/>
+            </a:fillRef>
+            <a:effectRef idx="2">
+              <a:schemeClr val="accent1"/>
+            </a:effectRef>
+            <a:fontRef idx="minor">
+              <a:schemeClr val="lt1"/>
+            </a:fontRef>
+          </p:style>
+        </p:sp>
+      </p:grpSp>
       <p:sp>
         <p:nvSpPr>
           <p:cNvPr id="2" name="Title 1"/>
@@ -158,51 +677,65 @@
         </p:nvSpPr>
         <p:spPr>
           <a:xfrm>
-            <a:off x="685800" y="1597819"/>
-            <a:ext cx="7772400" cy="1102519"/>
+            <a:off x="1507067" y="2404534"/>
+            <a:ext cx="7766936" cy="1646302"/>
           </a:xfrm>
         </p:spPr>
         <p:txBody>
-          <a:bodyPr/>
-          <a:lstStyle/>
-          <a:p>
-            <a:r>
-              <a:rPr lang="en-US"/>
-              <a:t>Click to edit Master title style</a:t>
-            </a:r>
-          </a:p>
-        </p:txBody>
-      </p:sp>
-      <p:sp>
-        <p:nvSpPr>
-          <p:cNvPr id="3" name="Subtitle 2"/>
-          <p:cNvSpPr>
-            <a:spLocks noGrp="1"/>
-          </p:cNvSpPr>
-          <p:nvPr>
-            <p:ph type="subTitle" idx="1"/>
-          </p:nvPr>
-        </p:nvSpPr>
-        <p:spPr>
-          <a:xfrm>
-            <a:off x="1371600" y="2914650"/>
-            <a:ext cx="6400800" cy="1314450"/>
-          </a:xfrm>
-        </p:spPr>
-        <p:txBody>
-          <a:bodyPr/>
+          <a:bodyPr anchor="b">
+            <a:noAutofit/>
+          </a:bodyPr>
           <a:lstStyle>
-            <a:lvl1pPr marL="0" indent="0" algn="ctr">
-              <a:buNone/>
-              <a:defRPr>
+            <a:lvl1pPr algn="r">
+              <a:defRPr sz="5400">
                 <a:solidFill>
-                  <a:schemeClr val="tx1">
-                    <a:tint val="75000"/>
+                  <a:schemeClr val="accent1">
+                    <a:lumMod val="75000"/>
                   </a:schemeClr>
                 </a:solidFill>
               </a:defRPr>
             </a:lvl1pPr>
-            <a:lvl2pPr marL="342900" indent="0" algn="ctr">
+          </a:lstStyle>
+          <a:p>
+            <a:r>
+              <a:rPr lang="en-US"/>
+              <a:t>Click to edit Master title style</a:t>
+            </a:r>
+            <a:endParaRPr lang="en-US" dirty="0"/>
+          </a:p>
+        </p:txBody>
+      </p:sp>
+      <p:sp>
+        <p:nvSpPr>
+          <p:cNvPr id="3" name="Subtitle 2"/>
+          <p:cNvSpPr>
+            <a:spLocks noGrp="1"/>
+          </p:cNvSpPr>
+          <p:nvPr>
+            <p:ph type="subTitle" idx="1"/>
+          </p:nvPr>
+        </p:nvSpPr>
+        <p:spPr>
+          <a:xfrm>
+            <a:off x="1507067" y="4050833"/>
+            <a:ext cx="7766936" cy="1096899"/>
+          </a:xfrm>
+        </p:spPr>
+        <p:txBody>
+          <a:bodyPr anchor="t"/>
+          <a:lstStyle>
+            <a:lvl1pPr marL="0" indent="0" algn="r">
+              <a:buNone/>
+              <a:defRPr>
+                <a:solidFill>
+                  <a:schemeClr val="tx1">
+                    <a:lumMod val="50000"/>
+                    <a:lumOff val="50000"/>
+                  </a:schemeClr>
+                </a:solidFill>
+              </a:defRPr>
+            </a:lvl1pPr>
+            <a:lvl2pPr marL="457200" indent="0" algn="ctr">
               <a:buNone/>
               <a:defRPr>
                 <a:solidFill>
@@ -212,7 +745,7 @@
                 </a:solidFill>
               </a:defRPr>
             </a:lvl2pPr>
-            <a:lvl3pPr marL="685800" indent="0" algn="ctr">
+            <a:lvl3pPr marL="914400" indent="0" algn="ctr">
               <a:buNone/>
               <a:defRPr>
                 <a:solidFill>
@@ -222,7 +755,7 @@
                 </a:solidFill>
               </a:defRPr>
             </a:lvl3pPr>
-            <a:lvl4pPr marL="1028700" indent="0" algn="ctr">
+            <a:lvl4pPr marL="1371600" indent="0" algn="ctr">
               <a:buNone/>
               <a:defRPr>
                 <a:solidFill>
@@ -232,7 +765,7 @@
                 </a:solidFill>
               </a:defRPr>
             </a:lvl4pPr>
-            <a:lvl5pPr marL="1371600" indent="0" algn="ctr">
+            <a:lvl5pPr marL="1828800" indent="0" algn="ctr">
               <a:buNone/>
               <a:defRPr>
                 <a:solidFill>
@@ -242,7 +775,7 @@
                 </a:solidFill>
               </a:defRPr>
             </a:lvl5pPr>
-            <a:lvl6pPr marL="1714500" indent="0" algn="ctr">
+            <a:lvl6pPr marL="2286000" indent="0" algn="ctr">
               <a:buNone/>
               <a:defRPr>
                 <a:solidFill>
@@ -252,7 +785,7 @@
                 </a:solidFill>
               </a:defRPr>
             </a:lvl6pPr>
-            <a:lvl7pPr marL="2057400" indent="0" algn="ctr">
+            <a:lvl7pPr marL="2743200" indent="0" algn="ctr">
               <a:buNone/>
               <a:defRPr>
                 <a:solidFill>
@@ -262,7 +795,7 @@
                 </a:solidFill>
               </a:defRPr>
             </a:lvl7pPr>
-            <a:lvl8pPr marL="2400300" indent="0" algn="ctr">
+            <a:lvl8pPr marL="3200400" indent="0" algn="ctr">
               <a:buNone/>
               <a:defRPr>
                 <a:solidFill>
@@ -272,7 +805,7 @@
                 </a:solidFill>
               </a:defRPr>
             </a:lvl8pPr>
-            <a:lvl9pPr marL="2743200" indent="0" algn="ctr">
+            <a:lvl9pPr marL="3657600" indent="0" algn="ctr">
               <a:buNone/>
               <a:defRPr>
                 <a:solidFill>
@@ -288,6 +821,7 @@
               <a:rPr lang="en-US"/>
               <a:t>Click to edit Master subtitle style</a:t>
             </a:r>
+            <a:endParaRPr lang="en-US" dirty="0"/>
           </a:p>
         </p:txBody>
       </p:sp>
@@ -306,9 +840,9 @@
           <a:bodyPr/>
           <a:lstStyle/>
           <a:p>
-            <a:fld id="{241EB5C9-1307-BA42-ABA2-0BC069CD8E7F}" type="datetimeFigureOut">
+            <a:fld id="{14944FB1-0CD8-0746-80A3-696B1A6FDE32}" type="datetimeFigureOut">
               <a:rPr lang="en-US" smtClean="0"/>
-              <a:t>1/2/22</a:t>
+              <a:t>12/4/22</a:t>
             </a:fld>
             <a:endParaRPr lang="en-US"/>
           </a:p>
@@ -348,7 +882,7 @@
           <a:bodyPr/>
           <a:lstStyle/>
           <a:p>
-            <a:fld id="{C5EF2332-01BF-834F-8236-50238282D533}" type="slidenum">
+            <a:fld id="{4F7D2259-B806-324B-B539-490406F98CA6}" type="slidenum">
               <a:rPr lang="en-US" smtClean="0"/>
               <a:t>‹#›</a:t>
             </a:fld>
@@ -359,7 +893,7 @@
     </p:spTree>
     <p:extLst>
       <p:ext uri="{BB962C8B-B14F-4D97-AF65-F5344CB8AC3E}">
-        <p14:creationId xmlns:p14="http://schemas.microsoft.com/office/powerpoint/2010/main" val="1444357513"/>
+        <p14:creationId xmlns:p14="http://schemas.microsoft.com/office/powerpoint/2010/main" val="3904694749"/>
       </p:ext>
     </p:extLst>
   </p:cSld>
@@ -370,6 +904,1599 @@
 </file>
 
 <file path=ppt/slideLayouts/slideLayout10.xml><?xml version="1.0" encoding="utf-8"?>
+<p:sldLayout xmlns:a="http://schemas.openxmlformats.org/drawingml/2006/main" xmlns:r="http://schemas.openxmlformats.org/officeDocument/2006/relationships" xmlns:p="http://schemas.openxmlformats.org/presentationml/2006/main" preserve="1">
+  <p:cSld name="Title and Caption">
+    <p:spTree>
+      <p:nvGrpSpPr>
+        <p:cNvPr id="1" name=""/>
+        <p:cNvGrpSpPr/>
+        <p:nvPr/>
+      </p:nvGrpSpPr>
+      <p:grpSpPr>
+        <a:xfrm>
+          <a:off x="0" y="0"/>
+          <a:ext cx="0" cy="0"/>
+          <a:chOff x="0" y="0"/>
+          <a:chExt cx="0" cy="0"/>
+        </a:xfrm>
+      </p:grpSpPr>
+      <p:sp>
+        <p:nvSpPr>
+          <p:cNvPr id="2" name="Title 1"/>
+          <p:cNvSpPr>
+            <a:spLocks noGrp="1"/>
+          </p:cNvSpPr>
+          <p:nvPr>
+            <p:ph type="title"/>
+          </p:nvPr>
+        </p:nvSpPr>
+        <p:spPr>
+          <a:xfrm>
+            <a:off x="677335" y="609600"/>
+            <a:ext cx="8596668" cy="3403600"/>
+          </a:xfrm>
+        </p:spPr>
+        <p:txBody>
+          <a:bodyPr anchor="ctr">
+            <a:normAutofit/>
+          </a:bodyPr>
+          <a:lstStyle>
+            <a:lvl1pPr algn="l">
+              <a:defRPr sz="4400" b="0" cap="none"/>
+            </a:lvl1pPr>
+          </a:lstStyle>
+          <a:p>
+            <a:r>
+              <a:rPr lang="en-US"/>
+              <a:t>Click to edit Master title style</a:t>
+            </a:r>
+            <a:endParaRPr lang="en-US" dirty="0"/>
+          </a:p>
+        </p:txBody>
+      </p:sp>
+      <p:sp>
+        <p:nvSpPr>
+          <p:cNvPr id="3" name="Text Placeholder 2"/>
+          <p:cNvSpPr>
+            <a:spLocks noGrp="1"/>
+          </p:cNvSpPr>
+          <p:nvPr>
+            <p:ph type="body" idx="1"/>
+          </p:nvPr>
+        </p:nvSpPr>
+        <p:spPr>
+          <a:xfrm>
+            <a:off x="677335" y="4470400"/>
+            <a:ext cx="8596668" cy="1570962"/>
+          </a:xfrm>
+        </p:spPr>
+        <p:txBody>
+          <a:bodyPr anchor="ctr">
+            <a:normAutofit/>
+          </a:bodyPr>
+          <a:lstStyle>
+            <a:lvl1pPr marL="0" indent="0" algn="l">
+              <a:buNone/>
+              <a:defRPr sz="1800">
+                <a:solidFill>
+                  <a:schemeClr val="tx1">
+                    <a:lumMod val="75000"/>
+                    <a:lumOff val="25000"/>
+                  </a:schemeClr>
+                </a:solidFill>
+              </a:defRPr>
+            </a:lvl1pPr>
+            <a:lvl2pPr marL="457200" indent="0">
+              <a:buNone/>
+              <a:defRPr sz="1800">
+                <a:solidFill>
+                  <a:schemeClr val="tx1">
+                    <a:tint val="75000"/>
+                  </a:schemeClr>
+                </a:solidFill>
+              </a:defRPr>
+            </a:lvl2pPr>
+            <a:lvl3pPr marL="914400" indent="0">
+              <a:buNone/>
+              <a:defRPr sz="1600">
+                <a:solidFill>
+                  <a:schemeClr val="tx1">
+                    <a:tint val="75000"/>
+                  </a:schemeClr>
+                </a:solidFill>
+              </a:defRPr>
+            </a:lvl3pPr>
+            <a:lvl4pPr marL="1371600" indent="0">
+              <a:buNone/>
+              <a:defRPr sz="1400">
+                <a:solidFill>
+                  <a:schemeClr val="tx1">
+                    <a:tint val="75000"/>
+                  </a:schemeClr>
+                </a:solidFill>
+              </a:defRPr>
+            </a:lvl4pPr>
+            <a:lvl5pPr marL="1828800" indent="0">
+              <a:buNone/>
+              <a:defRPr sz="1400">
+                <a:solidFill>
+                  <a:schemeClr val="tx1">
+                    <a:tint val="75000"/>
+                  </a:schemeClr>
+                </a:solidFill>
+              </a:defRPr>
+            </a:lvl5pPr>
+            <a:lvl6pPr marL="2286000" indent="0">
+              <a:buNone/>
+              <a:defRPr sz="1400">
+                <a:solidFill>
+                  <a:schemeClr val="tx1">
+                    <a:tint val="75000"/>
+                  </a:schemeClr>
+                </a:solidFill>
+              </a:defRPr>
+            </a:lvl6pPr>
+            <a:lvl7pPr marL="2743200" indent="0">
+              <a:buNone/>
+              <a:defRPr sz="1400">
+                <a:solidFill>
+                  <a:schemeClr val="tx1">
+                    <a:tint val="75000"/>
+                  </a:schemeClr>
+                </a:solidFill>
+              </a:defRPr>
+            </a:lvl7pPr>
+            <a:lvl8pPr marL="3200400" indent="0">
+              <a:buNone/>
+              <a:defRPr sz="1400">
+                <a:solidFill>
+                  <a:schemeClr val="tx1">
+                    <a:tint val="75000"/>
+                  </a:schemeClr>
+                </a:solidFill>
+              </a:defRPr>
+            </a:lvl8pPr>
+            <a:lvl9pPr marL="3657600" indent="0">
+              <a:buNone/>
+              <a:defRPr sz="1400">
+                <a:solidFill>
+                  <a:schemeClr val="tx1">
+                    <a:tint val="75000"/>
+                  </a:schemeClr>
+                </a:solidFill>
+              </a:defRPr>
+            </a:lvl9pPr>
+          </a:lstStyle>
+          <a:p>
+            <a:pPr lvl="0"/>
+            <a:r>
+              <a:rPr lang="en-US"/>
+              <a:t>Click to edit Master text styles</a:t>
+            </a:r>
+          </a:p>
+        </p:txBody>
+      </p:sp>
+      <p:sp>
+        <p:nvSpPr>
+          <p:cNvPr id="4" name="Date Placeholder 3"/>
+          <p:cNvSpPr>
+            <a:spLocks noGrp="1"/>
+          </p:cNvSpPr>
+          <p:nvPr>
+            <p:ph type="dt" sz="half" idx="10"/>
+          </p:nvPr>
+        </p:nvSpPr>
+        <p:spPr/>
+        <p:txBody>
+          <a:bodyPr/>
+          <a:lstStyle/>
+          <a:p>
+            <a:fld id="{14944FB1-0CD8-0746-80A3-696B1A6FDE32}" type="datetimeFigureOut">
+              <a:rPr lang="en-US" smtClean="0"/>
+              <a:t>12/4/22</a:t>
+            </a:fld>
+            <a:endParaRPr lang="en-US"/>
+          </a:p>
+        </p:txBody>
+      </p:sp>
+      <p:sp>
+        <p:nvSpPr>
+          <p:cNvPr id="5" name="Footer Placeholder 4"/>
+          <p:cNvSpPr>
+            <a:spLocks noGrp="1"/>
+          </p:cNvSpPr>
+          <p:nvPr>
+            <p:ph type="ftr" sz="quarter" idx="11"/>
+          </p:nvPr>
+        </p:nvSpPr>
+        <p:spPr/>
+        <p:txBody>
+          <a:bodyPr/>
+          <a:lstStyle/>
+          <a:p>
+            <a:endParaRPr lang="en-US"/>
+          </a:p>
+        </p:txBody>
+      </p:sp>
+      <p:sp>
+        <p:nvSpPr>
+          <p:cNvPr id="6" name="Slide Number Placeholder 5"/>
+          <p:cNvSpPr>
+            <a:spLocks noGrp="1"/>
+          </p:cNvSpPr>
+          <p:nvPr>
+            <p:ph type="sldNum" sz="quarter" idx="12"/>
+          </p:nvPr>
+        </p:nvSpPr>
+        <p:spPr/>
+        <p:txBody>
+          <a:bodyPr/>
+          <a:lstStyle/>
+          <a:p>
+            <a:fld id="{4F7D2259-B806-324B-B539-490406F98CA6}" type="slidenum">
+              <a:rPr lang="en-US" smtClean="0"/>
+              <a:t>‹#›</a:t>
+            </a:fld>
+            <a:endParaRPr lang="en-US"/>
+          </a:p>
+        </p:txBody>
+      </p:sp>
+    </p:spTree>
+    <p:extLst>
+      <p:ext uri="{BB962C8B-B14F-4D97-AF65-F5344CB8AC3E}">
+        <p14:creationId xmlns:p14="http://schemas.microsoft.com/office/powerpoint/2010/main" val="3388252382"/>
+      </p:ext>
+    </p:extLst>
+  </p:cSld>
+  <p:clrMapOvr>
+    <a:masterClrMapping/>
+  </p:clrMapOvr>
+</p:sldLayout>
+</file>
+
+<file path=ppt/slideLayouts/slideLayout11.xml><?xml version="1.0" encoding="utf-8"?>
+<p:sldLayout xmlns:a="http://schemas.openxmlformats.org/drawingml/2006/main" xmlns:r="http://schemas.openxmlformats.org/officeDocument/2006/relationships" xmlns:p="http://schemas.openxmlformats.org/presentationml/2006/main" preserve="1">
+  <p:cSld name="Quote with Caption">
+    <p:spTree>
+      <p:nvGrpSpPr>
+        <p:cNvPr id="1" name=""/>
+        <p:cNvGrpSpPr/>
+        <p:nvPr/>
+      </p:nvGrpSpPr>
+      <p:grpSpPr>
+        <a:xfrm>
+          <a:off x="0" y="0"/>
+          <a:ext cx="0" cy="0"/>
+          <a:chOff x="0" y="0"/>
+          <a:chExt cx="0" cy="0"/>
+        </a:xfrm>
+      </p:grpSpPr>
+      <p:sp>
+        <p:nvSpPr>
+          <p:cNvPr id="2" name="Title 1"/>
+          <p:cNvSpPr>
+            <a:spLocks noGrp="1"/>
+          </p:cNvSpPr>
+          <p:nvPr>
+            <p:ph type="title"/>
+          </p:nvPr>
+        </p:nvSpPr>
+        <p:spPr>
+          <a:xfrm>
+            <a:off x="931334" y="609600"/>
+            <a:ext cx="8094134" cy="3022600"/>
+          </a:xfrm>
+        </p:spPr>
+        <p:txBody>
+          <a:bodyPr anchor="ctr">
+            <a:normAutofit/>
+          </a:bodyPr>
+          <a:lstStyle>
+            <a:lvl1pPr algn="l">
+              <a:defRPr sz="4400" b="0" cap="none"/>
+            </a:lvl1pPr>
+          </a:lstStyle>
+          <a:p>
+            <a:r>
+              <a:rPr lang="en-US"/>
+              <a:t>Click to edit Master title style</a:t>
+            </a:r>
+            <a:endParaRPr lang="en-US" dirty="0"/>
+          </a:p>
+        </p:txBody>
+      </p:sp>
+      <p:sp>
+        <p:nvSpPr>
+          <p:cNvPr id="23" name="Text Placeholder 9"/>
+          <p:cNvSpPr>
+            <a:spLocks noGrp="1"/>
+          </p:cNvSpPr>
+          <p:nvPr>
+            <p:ph type="body" sz="quarter" idx="13"/>
+          </p:nvPr>
+        </p:nvSpPr>
+        <p:spPr>
+          <a:xfrm>
+            <a:off x="1366139" y="3632200"/>
+            <a:ext cx="7224524" cy="381000"/>
+          </a:xfrm>
+        </p:spPr>
+        <p:txBody>
+          <a:bodyPr anchor="ctr">
+            <a:noAutofit/>
+          </a:bodyPr>
+          <a:lstStyle>
+            <a:lvl1pPr marL="0" indent="0">
+              <a:buFontTx/>
+              <a:buNone/>
+              <a:defRPr sz="1600">
+                <a:solidFill>
+                  <a:schemeClr val="tx1">
+                    <a:lumMod val="50000"/>
+                    <a:lumOff val="50000"/>
+                  </a:schemeClr>
+                </a:solidFill>
+              </a:defRPr>
+            </a:lvl1pPr>
+            <a:lvl2pPr marL="457200" indent="0">
+              <a:buFontTx/>
+              <a:buNone/>
+              <a:defRPr/>
+            </a:lvl2pPr>
+            <a:lvl3pPr marL="914400" indent="0">
+              <a:buFontTx/>
+              <a:buNone/>
+              <a:defRPr/>
+            </a:lvl3pPr>
+            <a:lvl4pPr marL="1371600" indent="0">
+              <a:buFontTx/>
+              <a:buNone/>
+              <a:defRPr/>
+            </a:lvl4pPr>
+            <a:lvl5pPr marL="1828800" indent="0">
+              <a:buFontTx/>
+              <a:buNone/>
+              <a:defRPr/>
+            </a:lvl5pPr>
+          </a:lstStyle>
+          <a:p>
+            <a:pPr lvl="0"/>
+            <a:r>
+              <a:rPr lang="en-US"/>
+              <a:t>Click to edit Master text styles</a:t>
+            </a:r>
+          </a:p>
+        </p:txBody>
+      </p:sp>
+      <p:sp>
+        <p:nvSpPr>
+          <p:cNvPr id="3" name="Text Placeholder 2"/>
+          <p:cNvSpPr>
+            <a:spLocks noGrp="1"/>
+          </p:cNvSpPr>
+          <p:nvPr>
+            <p:ph type="body" idx="1"/>
+          </p:nvPr>
+        </p:nvSpPr>
+        <p:spPr>
+          <a:xfrm>
+            <a:off x="677335" y="4470400"/>
+            <a:ext cx="8596668" cy="1570962"/>
+          </a:xfrm>
+        </p:spPr>
+        <p:txBody>
+          <a:bodyPr anchor="ctr">
+            <a:normAutofit/>
+          </a:bodyPr>
+          <a:lstStyle>
+            <a:lvl1pPr marL="0" indent="0" algn="l">
+              <a:buNone/>
+              <a:defRPr sz="1800">
+                <a:solidFill>
+                  <a:schemeClr val="tx1">
+                    <a:lumMod val="75000"/>
+                    <a:lumOff val="25000"/>
+                  </a:schemeClr>
+                </a:solidFill>
+              </a:defRPr>
+            </a:lvl1pPr>
+            <a:lvl2pPr marL="457200" indent="0">
+              <a:buNone/>
+              <a:defRPr sz="1800">
+                <a:solidFill>
+                  <a:schemeClr val="tx1">
+                    <a:tint val="75000"/>
+                  </a:schemeClr>
+                </a:solidFill>
+              </a:defRPr>
+            </a:lvl2pPr>
+            <a:lvl3pPr marL="914400" indent="0">
+              <a:buNone/>
+              <a:defRPr sz="1600">
+                <a:solidFill>
+                  <a:schemeClr val="tx1">
+                    <a:tint val="75000"/>
+                  </a:schemeClr>
+                </a:solidFill>
+              </a:defRPr>
+            </a:lvl3pPr>
+            <a:lvl4pPr marL="1371600" indent="0">
+              <a:buNone/>
+              <a:defRPr sz="1400">
+                <a:solidFill>
+                  <a:schemeClr val="tx1">
+                    <a:tint val="75000"/>
+                  </a:schemeClr>
+                </a:solidFill>
+              </a:defRPr>
+            </a:lvl4pPr>
+            <a:lvl5pPr marL="1828800" indent="0">
+              <a:buNone/>
+              <a:defRPr sz="1400">
+                <a:solidFill>
+                  <a:schemeClr val="tx1">
+                    <a:tint val="75000"/>
+                  </a:schemeClr>
+                </a:solidFill>
+              </a:defRPr>
+            </a:lvl5pPr>
+            <a:lvl6pPr marL="2286000" indent="0">
+              <a:buNone/>
+              <a:defRPr sz="1400">
+                <a:solidFill>
+                  <a:schemeClr val="tx1">
+                    <a:tint val="75000"/>
+                  </a:schemeClr>
+                </a:solidFill>
+              </a:defRPr>
+            </a:lvl6pPr>
+            <a:lvl7pPr marL="2743200" indent="0">
+              <a:buNone/>
+              <a:defRPr sz="1400">
+                <a:solidFill>
+                  <a:schemeClr val="tx1">
+                    <a:tint val="75000"/>
+                  </a:schemeClr>
+                </a:solidFill>
+              </a:defRPr>
+            </a:lvl7pPr>
+            <a:lvl8pPr marL="3200400" indent="0">
+              <a:buNone/>
+              <a:defRPr sz="1400">
+                <a:solidFill>
+                  <a:schemeClr val="tx1">
+                    <a:tint val="75000"/>
+                  </a:schemeClr>
+                </a:solidFill>
+              </a:defRPr>
+            </a:lvl8pPr>
+            <a:lvl9pPr marL="3657600" indent="0">
+              <a:buNone/>
+              <a:defRPr sz="1400">
+                <a:solidFill>
+                  <a:schemeClr val="tx1">
+                    <a:tint val="75000"/>
+                  </a:schemeClr>
+                </a:solidFill>
+              </a:defRPr>
+            </a:lvl9pPr>
+          </a:lstStyle>
+          <a:p>
+            <a:pPr lvl="0"/>
+            <a:r>
+              <a:rPr lang="en-US"/>
+              <a:t>Click to edit Master text styles</a:t>
+            </a:r>
+          </a:p>
+        </p:txBody>
+      </p:sp>
+      <p:sp>
+        <p:nvSpPr>
+          <p:cNvPr id="4" name="Date Placeholder 3"/>
+          <p:cNvSpPr>
+            <a:spLocks noGrp="1"/>
+          </p:cNvSpPr>
+          <p:nvPr>
+            <p:ph type="dt" sz="half" idx="10"/>
+          </p:nvPr>
+        </p:nvSpPr>
+        <p:spPr/>
+        <p:txBody>
+          <a:bodyPr/>
+          <a:lstStyle/>
+          <a:p>
+            <a:fld id="{14944FB1-0CD8-0746-80A3-696B1A6FDE32}" type="datetimeFigureOut">
+              <a:rPr lang="en-US" smtClean="0"/>
+              <a:t>12/4/22</a:t>
+            </a:fld>
+            <a:endParaRPr lang="en-US"/>
+          </a:p>
+        </p:txBody>
+      </p:sp>
+      <p:sp>
+        <p:nvSpPr>
+          <p:cNvPr id="5" name="Footer Placeholder 4"/>
+          <p:cNvSpPr>
+            <a:spLocks noGrp="1"/>
+          </p:cNvSpPr>
+          <p:nvPr>
+            <p:ph type="ftr" sz="quarter" idx="11"/>
+          </p:nvPr>
+        </p:nvSpPr>
+        <p:spPr/>
+        <p:txBody>
+          <a:bodyPr/>
+          <a:lstStyle/>
+          <a:p>
+            <a:endParaRPr lang="en-US"/>
+          </a:p>
+        </p:txBody>
+      </p:sp>
+      <p:sp>
+        <p:nvSpPr>
+          <p:cNvPr id="6" name="Slide Number Placeholder 5"/>
+          <p:cNvSpPr>
+            <a:spLocks noGrp="1"/>
+          </p:cNvSpPr>
+          <p:nvPr>
+            <p:ph type="sldNum" sz="quarter" idx="12"/>
+          </p:nvPr>
+        </p:nvSpPr>
+        <p:spPr/>
+        <p:txBody>
+          <a:bodyPr/>
+          <a:lstStyle/>
+          <a:p>
+            <a:fld id="{4F7D2259-B806-324B-B539-490406F98CA6}" type="slidenum">
+              <a:rPr lang="en-US" smtClean="0"/>
+              <a:t>‹#›</a:t>
+            </a:fld>
+            <a:endParaRPr lang="en-US"/>
+          </a:p>
+        </p:txBody>
+      </p:sp>
+      <p:sp>
+        <p:nvSpPr>
+          <p:cNvPr id="24" name="TextBox 23"/>
+          <p:cNvSpPr txBox="1"/>
+          <p:nvPr/>
+        </p:nvSpPr>
+        <p:spPr>
+          <a:xfrm>
+            <a:off x="541870" y="790378"/>
+            <a:ext cx="609600" cy="584776"/>
+          </a:xfrm>
+          <a:prstGeom prst="rect">
+            <a:avLst/>
+          </a:prstGeom>
+        </p:spPr>
+        <p:txBody>
+          <a:bodyPr vert="horz" lIns="91440" tIns="45720" rIns="91440" bIns="45720" rtlCol="0" anchor="ctr">
+            <a:noAutofit/>
+          </a:bodyPr>
+          <a:lstStyle/>
+          <a:p>
+            <a:pPr lvl="0"/>
+            <a:r>
+              <a:rPr lang="en-US" sz="8000" baseline="0" dirty="0">
+                <a:ln w="3175" cmpd="sng">
+                  <a:noFill/>
+                </a:ln>
+                <a:solidFill>
+                  <a:schemeClr val="accent1"/>
+                </a:solidFill>
+                <a:effectLst/>
+                <a:latin typeface="Arial"/>
+              </a:rPr>
+              <a:t>“</a:t>
+            </a:r>
+          </a:p>
+        </p:txBody>
+      </p:sp>
+      <p:sp>
+        <p:nvSpPr>
+          <p:cNvPr id="25" name="TextBox 24"/>
+          <p:cNvSpPr txBox="1"/>
+          <p:nvPr/>
+        </p:nvSpPr>
+        <p:spPr>
+          <a:xfrm>
+            <a:off x="8893011" y="2886556"/>
+            <a:ext cx="609600" cy="584776"/>
+          </a:xfrm>
+          <a:prstGeom prst="rect">
+            <a:avLst/>
+          </a:prstGeom>
+        </p:spPr>
+        <p:txBody>
+          <a:bodyPr vert="horz" lIns="91440" tIns="45720" rIns="91440" bIns="45720" rtlCol="0" anchor="ctr">
+            <a:noAutofit/>
+          </a:bodyPr>
+          <a:lstStyle/>
+          <a:p>
+            <a:pPr lvl="0"/>
+            <a:r>
+              <a:rPr lang="en-US" sz="8000" baseline="0" dirty="0">
+                <a:ln w="3175" cmpd="sng">
+                  <a:noFill/>
+                </a:ln>
+                <a:solidFill>
+                  <a:schemeClr val="accent1"/>
+                </a:solidFill>
+                <a:effectLst/>
+                <a:latin typeface="Arial"/>
+              </a:rPr>
+              <a:t>”</a:t>
+            </a:r>
+          </a:p>
+        </p:txBody>
+      </p:sp>
+    </p:spTree>
+    <p:extLst>
+      <p:ext uri="{BB962C8B-B14F-4D97-AF65-F5344CB8AC3E}">
+        <p14:creationId xmlns:p14="http://schemas.microsoft.com/office/powerpoint/2010/main" val="732764514"/>
+      </p:ext>
+    </p:extLst>
+  </p:cSld>
+  <p:clrMapOvr>
+    <a:masterClrMapping/>
+  </p:clrMapOvr>
+</p:sldLayout>
+</file>
+
+<file path=ppt/slideLayouts/slideLayout12.xml><?xml version="1.0" encoding="utf-8"?>
+<p:sldLayout xmlns:a="http://schemas.openxmlformats.org/drawingml/2006/main" xmlns:r="http://schemas.openxmlformats.org/officeDocument/2006/relationships" xmlns:p="http://schemas.openxmlformats.org/presentationml/2006/main" preserve="1">
+  <p:cSld name="Name Card">
+    <p:spTree>
+      <p:nvGrpSpPr>
+        <p:cNvPr id="1" name=""/>
+        <p:cNvGrpSpPr/>
+        <p:nvPr/>
+      </p:nvGrpSpPr>
+      <p:grpSpPr>
+        <a:xfrm>
+          <a:off x="0" y="0"/>
+          <a:ext cx="0" cy="0"/>
+          <a:chOff x="0" y="0"/>
+          <a:chExt cx="0" cy="0"/>
+        </a:xfrm>
+      </p:grpSpPr>
+      <p:sp>
+        <p:nvSpPr>
+          <p:cNvPr id="2" name="Title 1"/>
+          <p:cNvSpPr>
+            <a:spLocks noGrp="1"/>
+          </p:cNvSpPr>
+          <p:nvPr>
+            <p:ph type="title"/>
+          </p:nvPr>
+        </p:nvSpPr>
+        <p:spPr>
+          <a:xfrm>
+            <a:off x="677335" y="1931988"/>
+            <a:ext cx="8596668" cy="2595460"/>
+          </a:xfrm>
+        </p:spPr>
+        <p:txBody>
+          <a:bodyPr anchor="b">
+            <a:normAutofit/>
+          </a:bodyPr>
+          <a:lstStyle>
+            <a:lvl1pPr algn="l">
+              <a:defRPr sz="4400" b="0" cap="none"/>
+            </a:lvl1pPr>
+          </a:lstStyle>
+          <a:p>
+            <a:r>
+              <a:rPr lang="en-US"/>
+              <a:t>Click to edit Master title style</a:t>
+            </a:r>
+            <a:endParaRPr lang="en-US" dirty="0"/>
+          </a:p>
+        </p:txBody>
+      </p:sp>
+      <p:sp>
+        <p:nvSpPr>
+          <p:cNvPr id="3" name="Text Placeholder 2"/>
+          <p:cNvSpPr>
+            <a:spLocks noGrp="1"/>
+          </p:cNvSpPr>
+          <p:nvPr>
+            <p:ph type="body" idx="1"/>
+          </p:nvPr>
+        </p:nvSpPr>
+        <p:spPr>
+          <a:xfrm>
+            <a:off x="677335" y="4527448"/>
+            <a:ext cx="8596668" cy="1513914"/>
+          </a:xfrm>
+        </p:spPr>
+        <p:txBody>
+          <a:bodyPr anchor="t">
+            <a:normAutofit/>
+          </a:bodyPr>
+          <a:lstStyle>
+            <a:lvl1pPr marL="0" indent="0" algn="l">
+              <a:buNone/>
+              <a:defRPr sz="1800">
+                <a:solidFill>
+                  <a:schemeClr val="tx1">
+                    <a:lumMod val="75000"/>
+                    <a:lumOff val="25000"/>
+                  </a:schemeClr>
+                </a:solidFill>
+              </a:defRPr>
+            </a:lvl1pPr>
+            <a:lvl2pPr marL="457200" indent="0">
+              <a:buNone/>
+              <a:defRPr sz="1800">
+                <a:solidFill>
+                  <a:schemeClr val="tx1">
+                    <a:tint val="75000"/>
+                  </a:schemeClr>
+                </a:solidFill>
+              </a:defRPr>
+            </a:lvl2pPr>
+            <a:lvl3pPr marL="914400" indent="0">
+              <a:buNone/>
+              <a:defRPr sz="1600">
+                <a:solidFill>
+                  <a:schemeClr val="tx1">
+                    <a:tint val="75000"/>
+                  </a:schemeClr>
+                </a:solidFill>
+              </a:defRPr>
+            </a:lvl3pPr>
+            <a:lvl4pPr marL="1371600" indent="0">
+              <a:buNone/>
+              <a:defRPr sz="1400">
+                <a:solidFill>
+                  <a:schemeClr val="tx1">
+                    <a:tint val="75000"/>
+                  </a:schemeClr>
+                </a:solidFill>
+              </a:defRPr>
+            </a:lvl4pPr>
+            <a:lvl5pPr marL="1828800" indent="0">
+              <a:buNone/>
+              <a:defRPr sz="1400">
+                <a:solidFill>
+                  <a:schemeClr val="tx1">
+                    <a:tint val="75000"/>
+                  </a:schemeClr>
+                </a:solidFill>
+              </a:defRPr>
+            </a:lvl5pPr>
+            <a:lvl6pPr marL="2286000" indent="0">
+              <a:buNone/>
+              <a:defRPr sz="1400">
+                <a:solidFill>
+                  <a:schemeClr val="tx1">
+                    <a:tint val="75000"/>
+                  </a:schemeClr>
+                </a:solidFill>
+              </a:defRPr>
+            </a:lvl6pPr>
+            <a:lvl7pPr marL="2743200" indent="0">
+              <a:buNone/>
+              <a:defRPr sz="1400">
+                <a:solidFill>
+                  <a:schemeClr val="tx1">
+                    <a:tint val="75000"/>
+                  </a:schemeClr>
+                </a:solidFill>
+              </a:defRPr>
+            </a:lvl7pPr>
+            <a:lvl8pPr marL="3200400" indent="0">
+              <a:buNone/>
+              <a:defRPr sz="1400">
+                <a:solidFill>
+                  <a:schemeClr val="tx1">
+                    <a:tint val="75000"/>
+                  </a:schemeClr>
+                </a:solidFill>
+              </a:defRPr>
+            </a:lvl8pPr>
+            <a:lvl9pPr marL="3657600" indent="0">
+              <a:buNone/>
+              <a:defRPr sz="1400">
+                <a:solidFill>
+                  <a:schemeClr val="tx1">
+                    <a:tint val="75000"/>
+                  </a:schemeClr>
+                </a:solidFill>
+              </a:defRPr>
+            </a:lvl9pPr>
+          </a:lstStyle>
+          <a:p>
+            <a:pPr lvl="0"/>
+            <a:r>
+              <a:rPr lang="en-US"/>
+              <a:t>Click to edit Master text styles</a:t>
+            </a:r>
+          </a:p>
+        </p:txBody>
+      </p:sp>
+      <p:sp>
+        <p:nvSpPr>
+          <p:cNvPr id="4" name="Date Placeholder 3"/>
+          <p:cNvSpPr>
+            <a:spLocks noGrp="1"/>
+          </p:cNvSpPr>
+          <p:nvPr>
+            <p:ph type="dt" sz="half" idx="10"/>
+          </p:nvPr>
+        </p:nvSpPr>
+        <p:spPr/>
+        <p:txBody>
+          <a:bodyPr/>
+          <a:lstStyle/>
+          <a:p>
+            <a:fld id="{14944FB1-0CD8-0746-80A3-696B1A6FDE32}" type="datetimeFigureOut">
+              <a:rPr lang="en-US" smtClean="0"/>
+              <a:t>12/4/22</a:t>
+            </a:fld>
+            <a:endParaRPr lang="en-US"/>
+          </a:p>
+        </p:txBody>
+      </p:sp>
+      <p:sp>
+        <p:nvSpPr>
+          <p:cNvPr id="5" name="Footer Placeholder 4"/>
+          <p:cNvSpPr>
+            <a:spLocks noGrp="1"/>
+          </p:cNvSpPr>
+          <p:nvPr>
+            <p:ph type="ftr" sz="quarter" idx="11"/>
+          </p:nvPr>
+        </p:nvSpPr>
+        <p:spPr/>
+        <p:txBody>
+          <a:bodyPr/>
+          <a:lstStyle/>
+          <a:p>
+            <a:endParaRPr lang="en-US"/>
+          </a:p>
+        </p:txBody>
+      </p:sp>
+      <p:sp>
+        <p:nvSpPr>
+          <p:cNvPr id="6" name="Slide Number Placeholder 5"/>
+          <p:cNvSpPr>
+            <a:spLocks noGrp="1"/>
+          </p:cNvSpPr>
+          <p:nvPr>
+            <p:ph type="sldNum" sz="quarter" idx="12"/>
+          </p:nvPr>
+        </p:nvSpPr>
+        <p:spPr/>
+        <p:txBody>
+          <a:bodyPr/>
+          <a:lstStyle/>
+          <a:p>
+            <a:fld id="{4F7D2259-B806-324B-B539-490406F98CA6}" type="slidenum">
+              <a:rPr lang="en-US" smtClean="0"/>
+              <a:t>‹#›</a:t>
+            </a:fld>
+            <a:endParaRPr lang="en-US"/>
+          </a:p>
+        </p:txBody>
+      </p:sp>
+    </p:spTree>
+    <p:extLst>
+      <p:ext uri="{BB962C8B-B14F-4D97-AF65-F5344CB8AC3E}">
+        <p14:creationId xmlns:p14="http://schemas.microsoft.com/office/powerpoint/2010/main" val="3614611440"/>
+      </p:ext>
+    </p:extLst>
+  </p:cSld>
+  <p:clrMapOvr>
+    <a:masterClrMapping/>
+  </p:clrMapOvr>
+</p:sldLayout>
+</file>
+
+<file path=ppt/slideLayouts/slideLayout13.xml><?xml version="1.0" encoding="utf-8"?>
+<p:sldLayout xmlns:a="http://schemas.openxmlformats.org/drawingml/2006/main" xmlns:r="http://schemas.openxmlformats.org/officeDocument/2006/relationships" xmlns:p="http://schemas.openxmlformats.org/presentationml/2006/main" preserve="1">
+  <p:cSld name="Quote Name Card">
+    <p:spTree>
+      <p:nvGrpSpPr>
+        <p:cNvPr id="1" name=""/>
+        <p:cNvGrpSpPr/>
+        <p:nvPr/>
+      </p:nvGrpSpPr>
+      <p:grpSpPr>
+        <a:xfrm>
+          <a:off x="0" y="0"/>
+          <a:ext cx="0" cy="0"/>
+          <a:chOff x="0" y="0"/>
+          <a:chExt cx="0" cy="0"/>
+        </a:xfrm>
+      </p:grpSpPr>
+      <p:sp>
+        <p:nvSpPr>
+          <p:cNvPr id="2" name="Title 1"/>
+          <p:cNvSpPr>
+            <a:spLocks noGrp="1"/>
+          </p:cNvSpPr>
+          <p:nvPr>
+            <p:ph type="title"/>
+          </p:nvPr>
+        </p:nvSpPr>
+        <p:spPr>
+          <a:xfrm>
+            <a:off x="931334" y="609600"/>
+            <a:ext cx="8094134" cy="3022600"/>
+          </a:xfrm>
+        </p:spPr>
+        <p:txBody>
+          <a:bodyPr anchor="ctr">
+            <a:normAutofit/>
+          </a:bodyPr>
+          <a:lstStyle>
+            <a:lvl1pPr algn="l">
+              <a:defRPr sz="4400" b="0" cap="none"/>
+            </a:lvl1pPr>
+          </a:lstStyle>
+          <a:p>
+            <a:r>
+              <a:rPr lang="en-US"/>
+              <a:t>Click to edit Master title style</a:t>
+            </a:r>
+            <a:endParaRPr lang="en-US" dirty="0"/>
+          </a:p>
+        </p:txBody>
+      </p:sp>
+      <p:sp>
+        <p:nvSpPr>
+          <p:cNvPr id="23" name="Text Placeholder 9"/>
+          <p:cNvSpPr>
+            <a:spLocks noGrp="1"/>
+          </p:cNvSpPr>
+          <p:nvPr>
+            <p:ph type="body" sz="quarter" idx="13"/>
+          </p:nvPr>
+        </p:nvSpPr>
+        <p:spPr>
+          <a:xfrm>
+            <a:off x="677332" y="4013200"/>
+            <a:ext cx="8596669" cy="514248"/>
+          </a:xfrm>
+        </p:spPr>
+        <p:txBody>
+          <a:bodyPr anchor="b">
+            <a:noAutofit/>
+          </a:bodyPr>
+          <a:lstStyle>
+            <a:lvl1pPr marL="0" indent="0">
+              <a:buFontTx/>
+              <a:buNone/>
+              <a:defRPr sz="2400">
+                <a:solidFill>
+                  <a:schemeClr val="tx1">
+                    <a:lumMod val="75000"/>
+                    <a:lumOff val="25000"/>
+                  </a:schemeClr>
+                </a:solidFill>
+              </a:defRPr>
+            </a:lvl1pPr>
+            <a:lvl2pPr marL="457200" indent="0">
+              <a:buFontTx/>
+              <a:buNone/>
+              <a:defRPr/>
+            </a:lvl2pPr>
+            <a:lvl3pPr marL="914400" indent="0">
+              <a:buFontTx/>
+              <a:buNone/>
+              <a:defRPr/>
+            </a:lvl3pPr>
+            <a:lvl4pPr marL="1371600" indent="0">
+              <a:buFontTx/>
+              <a:buNone/>
+              <a:defRPr/>
+            </a:lvl4pPr>
+            <a:lvl5pPr marL="1828800" indent="0">
+              <a:buFontTx/>
+              <a:buNone/>
+              <a:defRPr/>
+            </a:lvl5pPr>
+          </a:lstStyle>
+          <a:p>
+            <a:pPr lvl="0"/>
+            <a:r>
+              <a:rPr lang="en-US"/>
+              <a:t>Click to edit Master text styles</a:t>
+            </a:r>
+          </a:p>
+        </p:txBody>
+      </p:sp>
+      <p:sp>
+        <p:nvSpPr>
+          <p:cNvPr id="3" name="Text Placeholder 2"/>
+          <p:cNvSpPr>
+            <a:spLocks noGrp="1"/>
+          </p:cNvSpPr>
+          <p:nvPr>
+            <p:ph type="body" idx="1"/>
+          </p:nvPr>
+        </p:nvSpPr>
+        <p:spPr>
+          <a:xfrm>
+            <a:off x="677335" y="4527448"/>
+            <a:ext cx="8596668" cy="1513914"/>
+          </a:xfrm>
+        </p:spPr>
+        <p:txBody>
+          <a:bodyPr anchor="t">
+            <a:normAutofit/>
+          </a:bodyPr>
+          <a:lstStyle>
+            <a:lvl1pPr marL="0" indent="0" algn="l">
+              <a:buNone/>
+              <a:defRPr sz="1800">
+                <a:solidFill>
+                  <a:schemeClr val="tx1">
+                    <a:lumMod val="50000"/>
+                    <a:lumOff val="50000"/>
+                  </a:schemeClr>
+                </a:solidFill>
+              </a:defRPr>
+            </a:lvl1pPr>
+            <a:lvl2pPr marL="457200" indent="0">
+              <a:buNone/>
+              <a:defRPr sz="1800">
+                <a:solidFill>
+                  <a:schemeClr val="tx1">
+                    <a:tint val="75000"/>
+                  </a:schemeClr>
+                </a:solidFill>
+              </a:defRPr>
+            </a:lvl2pPr>
+            <a:lvl3pPr marL="914400" indent="0">
+              <a:buNone/>
+              <a:defRPr sz="1600">
+                <a:solidFill>
+                  <a:schemeClr val="tx1">
+                    <a:tint val="75000"/>
+                  </a:schemeClr>
+                </a:solidFill>
+              </a:defRPr>
+            </a:lvl3pPr>
+            <a:lvl4pPr marL="1371600" indent="0">
+              <a:buNone/>
+              <a:defRPr sz="1400">
+                <a:solidFill>
+                  <a:schemeClr val="tx1">
+                    <a:tint val="75000"/>
+                  </a:schemeClr>
+                </a:solidFill>
+              </a:defRPr>
+            </a:lvl4pPr>
+            <a:lvl5pPr marL="1828800" indent="0">
+              <a:buNone/>
+              <a:defRPr sz="1400">
+                <a:solidFill>
+                  <a:schemeClr val="tx1">
+                    <a:tint val="75000"/>
+                  </a:schemeClr>
+                </a:solidFill>
+              </a:defRPr>
+            </a:lvl5pPr>
+            <a:lvl6pPr marL="2286000" indent="0">
+              <a:buNone/>
+              <a:defRPr sz="1400">
+                <a:solidFill>
+                  <a:schemeClr val="tx1">
+                    <a:tint val="75000"/>
+                  </a:schemeClr>
+                </a:solidFill>
+              </a:defRPr>
+            </a:lvl6pPr>
+            <a:lvl7pPr marL="2743200" indent="0">
+              <a:buNone/>
+              <a:defRPr sz="1400">
+                <a:solidFill>
+                  <a:schemeClr val="tx1">
+                    <a:tint val="75000"/>
+                  </a:schemeClr>
+                </a:solidFill>
+              </a:defRPr>
+            </a:lvl7pPr>
+            <a:lvl8pPr marL="3200400" indent="0">
+              <a:buNone/>
+              <a:defRPr sz="1400">
+                <a:solidFill>
+                  <a:schemeClr val="tx1">
+                    <a:tint val="75000"/>
+                  </a:schemeClr>
+                </a:solidFill>
+              </a:defRPr>
+            </a:lvl8pPr>
+            <a:lvl9pPr marL="3657600" indent="0">
+              <a:buNone/>
+              <a:defRPr sz="1400">
+                <a:solidFill>
+                  <a:schemeClr val="tx1">
+                    <a:tint val="75000"/>
+                  </a:schemeClr>
+                </a:solidFill>
+              </a:defRPr>
+            </a:lvl9pPr>
+          </a:lstStyle>
+          <a:p>
+            <a:pPr lvl="0"/>
+            <a:r>
+              <a:rPr lang="en-US"/>
+              <a:t>Click to edit Master text styles</a:t>
+            </a:r>
+          </a:p>
+        </p:txBody>
+      </p:sp>
+      <p:sp>
+        <p:nvSpPr>
+          <p:cNvPr id="4" name="Date Placeholder 3"/>
+          <p:cNvSpPr>
+            <a:spLocks noGrp="1"/>
+          </p:cNvSpPr>
+          <p:nvPr>
+            <p:ph type="dt" sz="half" idx="10"/>
+          </p:nvPr>
+        </p:nvSpPr>
+        <p:spPr/>
+        <p:txBody>
+          <a:bodyPr/>
+          <a:lstStyle/>
+          <a:p>
+            <a:fld id="{14944FB1-0CD8-0746-80A3-696B1A6FDE32}" type="datetimeFigureOut">
+              <a:rPr lang="en-US" smtClean="0"/>
+              <a:t>12/4/22</a:t>
+            </a:fld>
+            <a:endParaRPr lang="en-US"/>
+          </a:p>
+        </p:txBody>
+      </p:sp>
+      <p:sp>
+        <p:nvSpPr>
+          <p:cNvPr id="5" name="Footer Placeholder 4"/>
+          <p:cNvSpPr>
+            <a:spLocks noGrp="1"/>
+          </p:cNvSpPr>
+          <p:nvPr>
+            <p:ph type="ftr" sz="quarter" idx="11"/>
+          </p:nvPr>
+        </p:nvSpPr>
+        <p:spPr/>
+        <p:txBody>
+          <a:bodyPr/>
+          <a:lstStyle/>
+          <a:p>
+            <a:endParaRPr lang="en-US"/>
+          </a:p>
+        </p:txBody>
+      </p:sp>
+      <p:sp>
+        <p:nvSpPr>
+          <p:cNvPr id="6" name="Slide Number Placeholder 5"/>
+          <p:cNvSpPr>
+            <a:spLocks noGrp="1"/>
+          </p:cNvSpPr>
+          <p:nvPr>
+            <p:ph type="sldNum" sz="quarter" idx="12"/>
+          </p:nvPr>
+        </p:nvSpPr>
+        <p:spPr/>
+        <p:txBody>
+          <a:bodyPr/>
+          <a:lstStyle/>
+          <a:p>
+            <a:fld id="{4F7D2259-B806-324B-B539-490406F98CA6}" type="slidenum">
+              <a:rPr lang="en-US" smtClean="0"/>
+              <a:t>‹#›</a:t>
+            </a:fld>
+            <a:endParaRPr lang="en-US"/>
+          </a:p>
+        </p:txBody>
+      </p:sp>
+      <p:sp>
+        <p:nvSpPr>
+          <p:cNvPr id="24" name="TextBox 23"/>
+          <p:cNvSpPr txBox="1"/>
+          <p:nvPr/>
+        </p:nvSpPr>
+        <p:spPr>
+          <a:xfrm>
+            <a:off x="541870" y="790378"/>
+            <a:ext cx="609600" cy="584776"/>
+          </a:xfrm>
+          <a:prstGeom prst="rect">
+            <a:avLst/>
+          </a:prstGeom>
+        </p:spPr>
+        <p:txBody>
+          <a:bodyPr vert="horz" lIns="91440" tIns="45720" rIns="91440" bIns="45720" rtlCol="0" anchor="ctr">
+            <a:noAutofit/>
+          </a:bodyPr>
+          <a:lstStyle/>
+          <a:p>
+            <a:pPr lvl="0"/>
+            <a:r>
+              <a:rPr lang="en-US" sz="8000" baseline="0" dirty="0">
+                <a:ln w="3175" cmpd="sng">
+                  <a:noFill/>
+                </a:ln>
+                <a:solidFill>
+                  <a:schemeClr val="accent1"/>
+                </a:solidFill>
+                <a:effectLst/>
+                <a:latin typeface="Arial"/>
+              </a:rPr>
+              <a:t>“</a:t>
+            </a:r>
+          </a:p>
+        </p:txBody>
+      </p:sp>
+      <p:sp>
+        <p:nvSpPr>
+          <p:cNvPr id="25" name="TextBox 24"/>
+          <p:cNvSpPr txBox="1"/>
+          <p:nvPr/>
+        </p:nvSpPr>
+        <p:spPr>
+          <a:xfrm>
+            <a:off x="8893011" y="2886556"/>
+            <a:ext cx="609600" cy="584776"/>
+          </a:xfrm>
+          <a:prstGeom prst="rect">
+            <a:avLst/>
+          </a:prstGeom>
+        </p:spPr>
+        <p:txBody>
+          <a:bodyPr vert="horz" lIns="91440" tIns="45720" rIns="91440" bIns="45720" rtlCol="0" anchor="ctr">
+            <a:noAutofit/>
+          </a:bodyPr>
+          <a:lstStyle/>
+          <a:p>
+            <a:pPr lvl="0"/>
+            <a:r>
+              <a:rPr lang="en-US" sz="8000" baseline="0" dirty="0">
+                <a:ln w="3175" cmpd="sng">
+                  <a:noFill/>
+                </a:ln>
+                <a:solidFill>
+                  <a:schemeClr val="accent1"/>
+                </a:solidFill>
+                <a:effectLst/>
+                <a:latin typeface="Arial"/>
+              </a:rPr>
+              <a:t>”</a:t>
+            </a:r>
+          </a:p>
+        </p:txBody>
+      </p:sp>
+    </p:spTree>
+    <p:extLst>
+      <p:ext uri="{BB962C8B-B14F-4D97-AF65-F5344CB8AC3E}">
+        <p14:creationId xmlns:p14="http://schemas.microsoft.com/office/powerpoint/2010/main" val="3514345151"/>
+      </p:ext>
+    </p:extLst>
+  </p:cSld>
+  <p:clrMapOvr>
+    <a:masterClrMapping/>
+  </p:clrMapOvr>
+</p:sldLayout>
+</file>
+
+<file path=ppt/slideLayouts/slideLayout14.xml><?xml version="1.0" encoding="utf-8"?>
+<p:sldLayout xmlns:a="http://schemas.openxmlformats.org/drawingml/2006/main" xmlns:r="http://schemas.openxmlformats.org/officeDocument/2006/relationships" xmlns:p="http://schemas.openxmlformats.org/presentationml/2006/main" preserve="1">
+  <p:cSld name="True or False">
+    <p:spTree>
+      <p:nvGrpSpPr>
+        <p:cNvPr id="1" name=""/>
+        <p:cNvGrpSpPr/>
+        <p:nvPr/>
+      </p:nvGrpSpPr>
+      <p:grpSpPr>
+        <a:xfrm>
+          <a:off x="0" y="0"/>
+          <a:ext cx="0" cy="0"/>
+          <a:chOff x="0" y="0"/>
+          <a:chExt cx="0" cy="0"/>
+        </a:xfrm>
+      </p:grpSpPr>
+      <p:sp>
+        <p:nvSpPr>
+          <p:cNvPr id="2" name="Title 1"/>
+          <p:cNvSpPr>
+            <a:spLocks noGrp="1"/>
+          </p:cNvSpPr>
+          <p:nvPr>
+            <p:ph type="title"/>
+          </p:nvPr>
+        </p:nvSpPr>
+        <p:spPr>
+          <a:xfrm>
+            <a:off x="685799" y="609600"/>
+            <a:ext cx="8588203" cy="3022600"/>
+          </a:xfrm>
+        </p:spPr>
+        <p:txBody>
+          <a:bodyPr anchor="ctr">
+            <a:normAutofit/>
+          </a:bodyPr>
+          <a:lstStyle>
+            <a:lvl1pPr algn="l">
+              <a:defRPr sz="4400" b="0" cap="none"/>
+            </a:lvl1pPr>
+          </a:lstStyle>
+          <a:p>
+            <a:r>
+              <a:rPr lang="en-US"/>
+              <a:t>Click to edit Master title style</a:t>
+            </a:r>
+            <a:endParaRPr lang="en-US" dirty="0"/>
+          </a:p>
+        </p:txBody>
+      </p:sp>
+      <p:sp>
+        <p:nvSpPr>
+          <p:cNvPr id="23" name="Text Placeholder 9"/>
+          <p:cNvSpPr>
+            <a:spLocks noGrp="1"/>
+          </p:cNvSpPr>
+          <p:nvPr>
+            <p:ph type="body" sz="quarter" idx="13"/>
+          </p:nvPr>
+        </p:nvSpPr>
+        <p:spPr>
+          <a:xfrm>
+            <a:off x="677332" y="4013200"/>
+            <a:ext cx="8596669" cy="514248"/>
+          </a:xfrm>
+        </p:spPr>
+        <p:txBody>
+          <a:bodyPr anchor="b">
+            <a:noAutofit/>
+          </a:bodyPr>
+          <a:lstStyle>
+            <a:lvl1pPr marL="0" indent="0">
+              <a:buFontTx/>
+              <a:buNone/>
+              <a:defRPr sz="2400">
+                <a:solidFill>
+                  <a:schemeClr val="accent1"/>
+                </a:solidFill>
+              </a:defRPr>
+            </a:lvl1pPr>
+            <a:lvl2pPr marL="457200" indent="0">
+              <a:buFontTx/>
+              <a:buNone/>
+              <a:defRPr/>
+            </a:lvl2pPr>
+            <a:lvl3pPr marL="914400" indent="0">
+              <a:buFontTx/>
+              <a:buNone/>
+              <a:defRPr/>
+            </a:lvl3pPr>
+            <a:lvl4pPr marL="1371600" indent="0">
+              <a:buFontTx/>
+              <a:buNone/>
+              <a:defRPr/>
+            </a:lvl4pPr>
+            <a:lvl5pPr marL="1828800" indent="0">
+              <a:buFontTx/>
+              <a:buNone/>
+              <a:defRPr/>
+            </a:lvl5pPr>
+          </a:lstStyle>
+          <a:p>
+            <a:pPr lvl="0"/>
+            <a:r>
+              <a:rPr lang="en-US"/>
+              <a:t>Click to edit Master text styles</a:t>
+            </a:r>
+          </a:p>
+        </p:txBody>
+      </p:sp>
+      <p:sp>
+        <p:nvSpPr>
+          <p:cNvPr id="3" name="Text Placeholder 2"/>
+          <p:cNvSpPr>
+            <a:spLocks noGrp="1"/>
+          </p:cNvSpPr>
+          <p:nvPr>
+            <p:ph type="body" idx="1"/>
+          </p:nvPr>
+        </p:nvSpPr>
+        <p:spPr>
+          <a:xfrm>
+            <a:off x="677335" y="4527448"/>
+            <a:ext cx="8596668" cy="1513914"/>
+          </a:xfrm>
+        </p:spPr>
+        <p:txBody>
+          <a:bodyPr anchor="t">
+            <a:normAutofit/>
+          </a:bodyPr>
+          <a:lstStyle>
+            <a:lvl1pPr marL="0" indent="0" algn="l">
+              <a:buNone/>
+              <a:defRPr sz="1800">
+                <a:solidFill>
+                  <a:schemeClr val="tx1">
+                    <a:lumMod val="50000"/>
+                    <a:lumOff val="50000"/>
+                  </a:schemeClr>
+                </a:solidFill>
+              </a:defRPr>
+            </a:lvl1pPr>
+            <a:lvl2pPr marL="457200" indent="0">
+              <a:buNone/>
+              <a:defRPr sz="1800">
+                <a:solidFill>
+                  <a:schemeClr val="tx1">
+                    <a:tint val="75000"/>
+                  </a:schemeClr>
+                </a:solidFill>
+              </a:defRPr>
+            </a:lvl2pPr>
+            <a:lvl3pPr marL="914400" indent="0">
+              <a:buNone/>
+              <a:defRPr sz="1600">
+                <a:solidFill>
+                  <a:schemeClr val="tx1">
+                    <a:tint val="75000"/>
+                  </a:schemeClr>
+                </a:solidFill>
+              </a:defRPr>
+            </a:lvl3pPr>
+            <a:lvl4pPr marL="1371600" indent="0">
+              <a:buNone/>
+              <a:defRPr sz="1400">
+                <a:solidFill>
+                  <a:schemeClr val="tx1">
+                    <a:tint val="75000"/>
+                  </a:schemeClr>
+                </a:solidFill>
+              </a:defRPr>
+            </a:lvl4pPr>
+            <a:lvl5pPr marL="1828800" indent="0">
+              <a:buNone/>
+              <a:defRPr sz="1400">
+                <a:solidFill>
+                  <a:schemeClr val="tx1">
+                    <a:tint val="75000"/>
+                  </a:schemeClr>
+                </a:solidFill>
+              </a:defRPr>
+            </a:lvl5pPr>
+            <a:lvl6pPr marL="2286000" indent="0">
+              <a:buNone/>
+              <a:defRPr sz="1400">
+                <a:solidFill>
+                  <a:schemeClr val="tx1">
+                    <a:tint val="75000"/>
+                  </a:schemeClr>
+                </a:solidFill>
+              </a:defRPr>
+            </a:lvl6pPr>
+            <a:lvl7pPr marL="2743200" indent="0">
+              <a:buNone/>
+              <a:defRPr sz="1400">
+                <a:solidFill>
+                  <a:schemeClr val="tx1">
+                    <a:tint val="75000"/>
+                  </a:schemeClr>
+                </a:solidFill>
+              </a:defRPr>
+            </a:lvl7pPr>
+            <a:lvl8pPr marL="3200400" indent="0">
+              <a:buNone/>
+              <a:defRPr sz="1400">
+                <a:solidFill>
+                  <a:schemeClr val="tx1">
+                    <a:tint val="75000"/>
+                  </a:schemeClr>
+                </a:solidFill>
+              </a:defRPr>
+            </a:lvl8pPr>
+            <a:lvl9pPr marL="3657600" indent="0">
+              <a:buNone/>
+              <a:defRPr sz="1400">
+                <a:solidFill>
+                  <a:schemeClr val="tx1">
+                    <a:tint val="75000"/>
+                  </a:schemeClr>
+                </a:solidFill>
+              </a:defRPr>
+            </a:lvl9pPr>
+          </a:lstStyle>
+          <a:p>
+            <a:pPr lvl="0"/>
+            <a:r>
+              <a:rPr lang="en-US"/>
+              <a:t>Click to edit Master text styles</a:t>
+            </a:r>
+          </a:p>
+        </p:txBody>
+      </p:sp>
+      <p:sp>
+        <p:nvSpPr>
+          <p:cNvPr id="4" name="Date Placeholder 3"/>
+          <p:cNvSpPr>
+            <a:spLocks noGrp="1"/>
+          </p:cNvSpPr>
+          <p:nvPr>
+            <p:ph type="dt" sz="half" idx="10"/>
+          </p:nvPr>
+        </p:nvSpPr>
+        <p:spPr/>
+        <p:txBody>
+          <a:bodyPr/>
+          <a:lstStyle/>
+          <a:p>
+            <a:fld id="{14944FB1-0CD8-0746-80A3-696B1A6FDE32}" type="datetimeFigureOut">
+              <a:rPr lang="en-US" smtClean="0"/>
+              <a:t>12/4/22</a:t>
+            </a:fld>
+            <a:endParaRPr lang="en-US"/>
+          </a:p>
+        </p:txBody>
+      </p:sp>
+      <p:sp>
+        <p:nvSpPr>
+          <p:cNvPr id="5" name="Footer Placeholder 4"/>
+          <p:cNvSpPr>
+            <a:spLocks noGrp="1"/>
+          </p:cNvSpPr>
+          <p:nvPr>
+            <p:ph type="ftr" sz="quarter" idx="11"/>
+          </p:nvPr>
+        </p:nvSpPr>
+        <p:spPr/>
+        <p:txBody>
+          <a:bodyPr/>
+          <a:lstStyle/>
+          <a:p>
+            <a:endParaRPr lang="en-US"/>
+          </a:p>
+        </p:txBody>
+      </p:sp>
+      <p:sp>
+        <p:nvSpPr>
+          <p:cNvPr id="6" name="Slide Number Placeholder 5"/>
+          <p:cNvSpPr>
+            <a:spLocks noGrp="1"/>
+          </p:cNvSpPr>
+          <p:nvPr>
+            <p:ph type="sldNum" sz="quarter" idx="12"/>
+          </p:nvPr>
+        </p:nvSpPr>
+        <p:spPr/>
+        <p:txBody>
+          <a:bodyPr/>
+          <a:lstStyle/>
+          <a:p>
+            <a:fld id="{4F7D2259-B806-324B-B539-490406F98CA6}" type="slidenum">
+              <a:rPr lang="en-US" smtClean="0"/>
+              <a:t>‹#›</a:t>
+            </a:fld>
+            <a:endParaRPr lang="en-US"/>
+          </a:p>
+        </p:txBody>
+      </p:sp>
+    </p:spTree>
+    <p:extLst>
+      <p:ext uri="{BB962C8B-B14F-4D97-AF65-F5344CB8AC3E}">
+        <p14:creationId xmlns:p14="http://schemas.microsoft.com/office/powerpoint/2010/main" val="2719107831"/>
+      </p:ext>
+    </p:extLst>
+  </p:cSld>
+  <p:clrMapOvr>
+    <a:masterClrMapping/>
+  </p:clrMapOvr>
+</p:sldLayout>
+</file>
+
+<file path=ppt/slideLayouts/slideLayout15.xml><?xml version="1.0" encoding="utf-8"?>
 <p:sldLayout xmlns:a="http://schemas.openxmlformats.org/drawingml/2006/main" xmlns:r="http://schemas.openxmlformats.org/officeDocument/2006/relationships" xmlns:p="http://schemas.openxmlformats.org/presentationml/2006/main" type="vertTx" preserve="1">
   <p:cSld name="Title and Vertical Text">
     <p:spTree>
@@ -405,6 +2532,7 @@
               <a:rPr lang="en-US"/>
               <a:t>Click to edit Master title style</a:t>
             </a:r>
+            <a:endParaRPr lang="en-US" dirty="0"/>
           </a:p>
         </p:txBody>
       </p:sp>
@@ -456,6 +2584,7 @@
               <a:rPr lang="en-US"/>
               <a:t>Fifth level</a:t>
             </a:r>
+            <a:endParaRPr lang="en-US" dirty="0"/>
           </a:p>
         </p:txBody>
       </p:sp>
@@ -474,9 +2603,9 @@
           <a:bodyPr/>
           <a:lstStyle/>
           <a:p>
-            <a:fld id="{241EB5C9-1307-BA42-ABA2-0BC069CD8E7F}" type="datetimeFigureOut">
+            <a:fld id="{14944FB1-0CD8-0746-80A3-696B1A6FDE32}" type="datetimeFigureOut">
               <a:rPr lang="en-US" smtClean="0"/>
-              <a:t>1/2/22</a:t>
+              <a:t>12/4/22</a:t>
             </a:fld>
             <a:endParaRPr lang="en-US"/>
           </a:p>
@@ -516,7 +2645,7 @@
           <a:bodyPr/>
           <a:lstStyle/>
           <a:p>
-            <a:fld id="{C5EF2332-01BF-834F-8236-50238282D533}" type="slidenum">
+            <a:fld id="{4F7D2259-B806-324B-B539-490406F98CA6}" type="slidenum">
               <a:rPr lang="en-US" smtClean="0"/>
               <a:t>‹#›</a:t>
             </a:fld>
@@ -527,7 +2656,7 @@
     </p:spTree>
     <p:extLst>
       <p:ext uri="{BB962C8B-B14F-4D97-AF65-F5344CB8AC3E}">
-        <p14:creationId xmlns:p14="http://schemas.microsoft.com/office/powerpoint/2010/main" val="313914798"/>
+        <p14:creationId xmlns:p14="http://schemas.microsoft.com/office/powerpoint/2010/main" val="3193249881"/>
       </p:ext>
     </p:extLst>
   </p:cSld>
@@ -537,7 +2666,7 @@
 </p:sldLayout>
 </file>
 
-<file path=ppt/slideLayouts/slideLayout11.xml><?xml version="1.0" encoding="utf-8"?>
+<file path=ppt/slideLayouts/slideLayout16.xml><?xml version="1.0" encoding="utf-8"?>
 <p:sldLayout xmlns:a="http://schemas.openxmlformats.org/drawingml/2006/main" xmlns:r="http://schemas.openxmlformats.org/officeDocument/2006/relationships" xmlns:p="http://schemas.openxmlformats.org/presentationml/2006/main" type="vertTitleAndTx" preserve="1">
   <p:cSld name="Vertical Title and Text">
     <p:spTree>
@@ -566,18 +2695,19 @@
         </p:nvSpPr>
         <p:spPr>
           <a:xfrm>
-            <a:off x="6629400" y="205979"/>
-            <a:ext cx="2057400" cy="4388644"/>
+            <a:off x="7967673" y="609599"/>
+            <a:ext cx="1304743" cy="5251451"/>
           </a:xfrm>
         </p:spPr>
         <p:txBody>
-          <a:bodyPr vert="eaVert"/>
+          <a:bodyPr vert="eaVert" anchor="ctr"/>
           <a:lstStyle/>
           <a:p>
             <a:r>
               <a:rPr lang="en-US"/>
               <a:t>Click to edit Master title style</a:t>
             </a:r>
+            <a:endParaRPr lang="en-US" dirty="0"/>
           </a:p>
         </p:txBody>
       </p:sp>
@@ -593,8 +2723,8 @@
         </p:nvSpPr>
         <p:spPr>
           <a:xfrm>
-            <a:off x="457200" y="205979"/>
-            <a:ext cx="6019800" cy="4388644"/>
+            <a:off x="677335" y="609600"/>
+            <a:ext cx="7060150" cy="5251450"/>
           </a:xfrm>
         </p:spPr>
         <p:txBody>
@@ -634,6 +2764,7 @@
               <a:rPr lang="en-US"/>
               <a:t>Fifth level</a:t>
             </a:r>
+            <a:endParaRPr lang="en-US" dirty="0"/>
           </a:p>
         </p:txBody>
       </p:sp>
@@ -652,9 +2783,9 @@
           <a:bodyPr/>
           <a:lstStyle/>
           <a:p>
-            <a:fld id="{241EB5C9-1307-BA42-ABA2-0BC069CD8E7F}" type="datetimeFigureOut">
+            <a:fld id="{14944FB1-0CD8-0746-80A3-696B1A6FDE32}" type="datetimeFigureOut">
               <a:rPr lang="en-US" smtClean="0"/>
-              <a:t>1/2/22</a:t>
+              <a:t>12/4/22</a:t>
             </a:fld>
             <a:endParaRPr lang="en-US"/>
           </a:p>
@@ -694,7 +2825,7 @@
           <a:bodyPr/>
           <a:lstStyle/>
           <a:p>
-            <a:fld id="{C5EF2332-01BF-834F-8236-50238282D533}" type="slidenum">
+            <a:fld id="{4F7D2259-B806-324B-B539-490406F98CA6}" type="slidenum">
               <a:rPr lang="en-US" smtClean="0"/>
               <a:t>‹#›</a:t>
             </a:fld>
@@ -705,7 +2836,7 @@
     </p:spTree>
     <p:extLst>
       <p:ext uri="{BB962C8B-B14F-4D97-AF65-F5344CB8AC3E}">
-        <p14:creationId xmlns:p14="http://schemas.microsoft.com/office/powerpoint/2010/main" val="2581529045"/>
+        <p14:creationId xmlns:p14="http://schemas.microsoft.com/office/powerpoint/2010/main" val="2062923028"/>
       </p:ext>
     </p:extLst>
   </p:cSld>
@@ -751,6 +2882,7 @@
               <a:rPr lang="en-US"/>
               <a:t>Click to edit Master title style</a:t>
             </a:r>
+            <a:endParaRPr lang="en-US" dirty="0"/>
           </a:p>
         </p:txBody>
       </p:sp>
@@ -802,6 +2934,7 @@
               <a:rPr lang="en-US"/>
               <a:t>Fifth level</a:t>
             </a:r>
+            <a:endParaRPr lang="en-US" dirty="0"/>
           </a:p>
         </p:txBody>
       </p:sp>
@@ -820,9 +2953,9 @@
           <a:bodyPr/>
           <a:lstStyle/>
           <a:p>
-            <a:fld id="{241EB5C9-1307-BA42-ABA2-0BC069CD8E7F}" type="datetimeFigureOut">
+            <a:fld id="{14944FB1-0CD8-0746-80A3-696B1A6FDE32}" type="datetimeFigureOut">
               <a:rPr lang="en-US" smtClean="0"/>
-              <a:t>1/2/22</a:t>
+              <a:t>12/4/22</a:t>
             </a:fld>
             <a:endParaRPr lang="en-US"/>
           </a:p>
@@ -862,7 +2995,7 @@
           <a:bodyPr/>
           <a:lstStyle/>
           <a:p>
-            <a:fld id="{C5EF2332-01BF-834F-8236-50238282D533}" type="slidenum">
+            <a:fld id="{4F7D2259-B806-324B-B539-490406F98CA6}" type="slidenum">
               <a:rPr lang="en-US" smtClean="0"/>
               <a:t>‹#›</a:t>
             </a:fld>
@@ -873,7 +3006,7 @@
     </p:spTree>
     <p:extLst>
       <p:ext uri="{BB962C8B-B14F-4D97-AF65-F5344CB8AC3E}">
-        <p14:creationId xmlns:p14="http://schemas.microsoft.com/office/powerpoint/2010/main" val="338346009"/>
+        <p14:creationId xmlns:p14="http://schemas.microsoft.com/office/powerpoint/2010/main" val="4047919658"/>
       </p:ext>
     </p:extLst>
   </p:cSld>
@@ -912,57 +3045,59 @@
         </p:nvSpPr>
         <p:spPr>
           <a:xfrm>
-            <a:off x="722313" y="3305176"/>
-            <a:ext cx="7772400" cy="1021556"/>
+            <a:off x="677335" y="2700867"/>
+            <a:ext cx="8596668" cy="1826581"/>
           </a:xfrm>
         </p:spPr>
         <p:txBody>
+          <a:bodyPr anchor="b"/>
+          <a:lstStyle>
+            <a:lvl1pPr algn="l">
+              <a:defRPr sz="4000" b="0" cap="none"/>
+            </a:lvl1pPr>
+          </a:lstStyle>
+          <a:p>
+            <a:r>
+              <a:rPr lang="en-US"/>
+              <a:t>Click to edit Master title style</a:t>
+            </a:r>
+            <a:endParaRPr lang="en-US" dirty="0"/>
+          </a:p>
+        </p:txBody>
+      </p:sp>
+      <p:sp>
+        <p:nvSpPr>
+          <p:cNvPr id="3" name="Text Placeholder 2"/>
+          <p:cNvSpPr>
+            <a:spLocks noGrp="1"/>
+          </p:cNvSpPr>
+          <p:nvPr>
+            <p:ph type="body" idx="1"/>
+          </p:nvPr>
+        </p:nvSpPr>
+        <p:spPr>
+          <a:xfrm>
+            <a:off x="677335" y="4527448"/>
+            <a:ext cx="8596668" cy="860400"/>
+          </a:xfrm>
+        </p:spPr>
+        <p:txBody>
           <a:bodyPr anchor="t"/>
           <a:lstStyle>
-            <a:lvl1pPr algn="l">
-              <a:defRPr sz="3000" b="1" cap="all"/>
-            </a:lvl1pPr>
-          </a:lstStyle>
-          <a:p>
-            <a:r>
-              <a:rPr lang="en-US"/>
-              <a:t>Click to edit Master title style</a:t>
-            </a:r>
-          </a:p>
-        </p:txBody>
-      </p:sp>
-      <p:sp>
-        <p:nvSpPr>
-          <p:cNvPr id="3" name="Text Placeholder 2"/>
-          <p:cNvSpPr>
-            <a:spLocks noGrp="1"/>
-          </p:cNvSpPr>
-          <p:nvPr>
-            <p:ph type="body" idx="1"/>
-          </p:nvPr>
-        </p:nvSpPr>
-        <p:spPr>
-          <a:xfrm>
-            <a:off x="722313" y="2180035"/>
-            <a:ext cx="7772400" cy="1125140"/>
-          </a:xfrm>
-        </p:spPr>
-        <p:txBody>
-          <a:bodyPr anchor="b"/>
-          <a:lstStyle>
-            <a:lvl1pPr marL="0" indent="0">
-              <a:buNone/>
-              <a:defRPr sz="1500">
+            <a:lvl1pPr marL="0" indent="0" algn="l">
+              <a:buNone/>
+              <a:defRPr sz="2000">
                 <a:solidFill>
                   <a:schemeClr val="tx1">
-                    <a:tint val="75000"/>
+                    <a:lumMod val="50000"/>
+                    <a:lumOff val="50000"/>
                   </a:schemeClr>
                 </a:solidFill>
               </a:defRPr>
             </a:lvl1pPr>
-            <a:lvl2pPr marL="342900" indent="0">
-              <a:buNone/>
-              <a:defRPr sz="1350">
+            <a:lvl2pPr marL="457200" indent="0">
+              <a:buNone/>
+              <a:defRPr sz="1800">
                 <a:solidFill>
                   <a:schemeClr val="tx1">
                     <a:tint val="75000"/>
@@ -970,9 +3105,9 @@
                 </a:solidFill>
               </a:defRPr>
             </a:lvl2pPr>
-            <a:lvl3pPr marL="685800" indent="0">
-              <a:buNone/>
-              <a:defRPr sz="1200">
+            <a:lvl3pPr marL="914400" indent="0">
+              <a:buNone/>
+              <a:defRPr sz="1600">
                 <a:solidFill>
                   <a:schemeClr val="tx1">
                     <a:tint val="75000"/>
@@ -980,9 +3115,9 @@
                 </a:solidFill>
               </a:defRPr>
             </a:lvl3pPr>
-            <a:lvl4pPr marL="1028700" indent="0">
-              <a:buNone/>
-              <a:defRPr sz="1050">
+            <a:lvl4pPr marL="1371600" indent="0">
+              <a:buNone/>
+              <a:defRPr sz="1400">
                 <a:solidFill>
                   <a:schemeClr val="tx1">
                     <a:tint val="75000"/>
@@ -990,9 +3125,9 @@
                 </a:solidFill>
               </a:defRPr>
             </a:lvl4pPr>
-            <a:lvl5pPr marL="1371600" indent="0">
-              <a:buNone/>
-              <a:defRPr sz="1050">
+            <a:lvl5pPr marL="1828800" indent="0">
+              <a:buNone/>
+              <a:defRPr sz="1400">
                 <a:solidFill>
                   <a:schemeClr val="tx1">
                     <a:tint val="75000"/>
@@ -1000,9 +3135,9 @@
                 </a:solidFill>
               </a:defRPr>
             </a:lvl5pPr>
-            <a:lvl6pPr marL="1714500" indent="0">
-              <a:buNone/>
-              <a:defRPr sz="1050">
+            <a:lvl6pPr marL="2286000" indent="0">
+              <a:buNone/>
+              <a:defRPr sz="1400">
                 <a:solidFill>
                   <a:schemeClr val="tx1">
                     <a:tint val="75000"/>
@@ -1010,9 +3145,9 @@
                 </a:solidFill>
               </a:defRPr>
             </a:lvl6pPr>
-            <a:lvl7pPr marL="2057400" indent="0">
-              <a:buNone/>
-              <a:defRPr sz="1050">
+            <a:lvl7pPr marL="2743200" indent="0">
+              <a:buNone/>
+              <a:defRPr sz="1400">
                 <a:solidFill>
                   <a:schemeClr val="tx1">
                     <a:tint val="75000"/>
@@ -1020,9 +3155,9 @@
                 </a:solidFill>
               </a:defRPr>
             </a:lvl7pPr>
-            <a:lvl8pPr marL="2400300" indent="0">
-              <a:buNone/>
-              <a:defRPr sz="1050">
+            <a:lvl8pPr marL="3200400" indent="0">
+              <a:buNone/>
+              <a:defRPr sz="1400">
                 <a:solidFill>
                   <a:schemeClr val="tx1">
                     <a:tint val="75000"/>
@@ -1030,9 +3165,9 @@
                 </a:solidFill>
               </a:defRPr>
             </a:lvl8pPr>
-            <a:lvl9pPr marL="2743200" indent="0">
-              <a:buNone/>
-              <a:defRPr sz="1050">
+            <a:lvl9pPr marL="3657600" indent="0">
+              <a:buNone/>
+              <a:defRPr sz="1400">
                 <a:solidFill>
                   <a:schemeClr val="tx1">
                     <a:tint val="75000"/>
@@ -1065,9 +3200,9 @@
           <a:bodyPr/>
           <a:lstStyle/>
           <a:p>
-            <a:fld id="{241EB5C9-1307-BA42-ABA2-0BC069CD8E7F}" type="datetimeFigureOut">
+            <a:fld id="{14944FB1-0CD8-0746-80A3-696B1A6FDE32}" type="datetimeFigureOut">
               <a:rPr lang="en-US" smtClean="0"/>
-              <a:t>1/2/22</a:t>
+              <a:t>12/4/22</a:t>
             </a:fld>
             <a:endParaRPr lang="en-US"/>
           </a:p>
@@ -1107,7 +3242,7 @@
           <a:bodyPr/>
           <a:lstStyle/>
           <a:p>
-            <a:fld id="{C5EF2332-01BF-834F-8236-50238282D533}" type="slidenum">
+            <a:fld id="{4F7D2259-B806-324B-B539-490406F98CA6}" type="slidenum">
               <a:rPr lang="en-US" smtClean="0"/>
               <a:t>‹#›</a:t>
             </a:fld>
@@ -1118,7 +3253,7 @@
     </p:spTree>
     <p:extLst>
       <p:ext uri="{BB962C8B-B14F-4D97-AF65-F5344CB8AC3E}">
-        <p14:creationId xmlns:p14="http://schemas.microsoft.com/office/powerpoint/2010/main" val="1073069076"/>
+        <p14:creationId xmlns:p14="http://schemas.microsoft.com/office/powerpoint/2010/main" val="3308885884"/>
       </p:ext>
     </p:extLst>
   </p:cSld>
@@ -1164,6 +3299,7 @@
               <a:rPr lang="en-US"/>
               <a:t>Click to edit Master title style</a:t>
             </a:r>
+            <a:endParaRPr lang="en-US" dirty="0"/>
           </a:p>
         </p:txBody>
       </p:sp>
@@ -1179,41 +3315,13 @@
         </p:nvSpPr>
         <p:spPr>
           <a:xfrm>
-            <a:off x="457200" y="1200151"/>
-            <a:ext cx="4038600" cy="3394472"/>
+            <a:off x="677334" y="2160589"/>
+            <a:ext cx="4184035" cy="3880772"/>
           </a:xfrm>
         </p:spPr>
         <p:txBody>
           <a:bodyPr/>
-          <a:lstStyle>
-            <a:lvl1pPr>
-              <a:defRPr sz="2100"/>
-            </a:lvl1pPr>
-            <a:lvl2pPr>
-              <a:defRPr sz="1800"/>
-            </a:lvl2pPr>
-            <a:lvl3pPr>
-              <a:defRPr sz="1500"/>
-            </a:lvl3pPr>
-            <a:lvl4pPr>
-              <a:defRPr sz="1350"/>
-            </a:lvl4pPr>
-            <a:lvl5pPr>
-              <a:defRPr sz="1350"/>
-            </a:lvl5pPr>
-            <a:lvl6pPr>
-              <a:defRPr sz="1350"/>
-            </a:lvl6pPr>
-            <a:lvl7pPr>
-              <a:defRPr sz="1350"/>
-            </a:lvl7pPr>
-            <a:lvl8pPr>
-              <a:defRPr sz="1350"/>
-            </a:lvl8pPr>
-            <a:lvl9pPr>
-              <a:defRPr sz="1350"/>
-            </a:lvl9pPr>
-          </a:lstStyle>
+          <a:lstStyle/>
           <a:p>
             <a:pPr lvl="0"/>
             <a:r>
@@ -1248,6 +3356,7 @@
               <a:rPr lang="en-US"/>
               <a:t>Fifth level</a:t>
             </a:r>
+            <a:endParaRPr lang="en-US" dirty="0"/>
           </a:p>
         </p:txBody>
       </p:sp>
@@ -1263,41 +3372,13 @@
         </p:nvSpPr>
         <p:spPr>
           <a:xfrm>
-            <a:off x="4648200" y="1200151"/>
-            <a:ext cx="4038600" cy="3394472"/>
+            <a:off x="5089970" y="2160589"/>
+            <a:ext cx="4184034" cy="3880773"/>
           </a:xfrm>
         </p:spPr>
         <p:txBody>
           <a:bodyPr/>
-          <a:lstStyle>
-            <a:lvl1pPr>
-              <a:defRPr sz="2100"/>
-            </a:lvl1pPr>
-            <a:lvl2pPr>
-              <a:defRPr sz="1800"/>
-            </a:lvl2pPr>
-            <a:lvl3pPr>
-              <a:defRPr sz="1500"/>
-            </a:lvl3pPr>
-            <a:lvl4pPr>
-              <a:defRPr sz="1350"/>
-            </a:lvl4pPr>
-            <a:lvl5pPr>
-              <a:defRPr sz="1350"/>
-            </a:lvl5pPr>
-            <a:lvl6pPr>
-              <a:defRPr sz="1350"/>
-            </a:lvl6pPr>
-            <a:lvl7pPr>
-              <a:defRPr sz="1350"/>
-            </a:lvl7pPr>
-            <a:lvl8pPr>
-              <a:defRPr sz="1350"/>
-            </a:lvl8pPr>
-            <a:lvl9pPr>
-              <a:defRPr sz="1350"/>
-            </a:lvl9pPr>
-          </a:lstStyle>
+          <a:lstStyle/>
           <a:p>
             <a:pPr lvl="0"/>
             <a:r>
@@ -1332,6 +3413,7 @@
               <a:rPr lang="en-US"/>
               <a:t>Fifth level</a:t>
             </a:r>
+            <a:endParaRPr lang="en-US" dirty="0"/>
           </a:p>
         </p:txBody>
       </p:sp>
@@ -1350,9 +3432,9 @@
           <a:bodyPr/>
           <a:lstStyle/>
           <a:p>
-            <a:fld id="{241EB5C9-1307-BA42-ABA2-0BC069CD8E7F}" type="datetimeFigureOut">
+            <a:fld id="{14944FB1-0CD8-0746-80A3-696B1A6FDE32}" type="datetimeFigureOut">
               <a:rPr lang="en-US" smtClean="0"/>
-              <a:t>1/2/22</a:t>
+              <a:t>12/4/22</a:t>
             </a:fld>
             <a:endParaRPr lang="en-US"/>
           </a:p>
@@ -1392,7 +3474,7 @@
           <a:bodyPr/>
           <a:lstStyle/>
           <a:p>
-            <a:fld id="{C5EF2332-01BF-834F-8236-50238282D533}" type="slidenum">
+            <a:fld id="{4F7D2259-B806-324B-B539-490406F98CA6}" type="slidenum">
               <a:rPr lang="en-US" smtClean="0"/>
               <a:t>‹#›</a:t>
             </a:fld>
@@ -1403,7 +3485,7 @@
     </p:spTree>
     <p:extLst>
       <p:ext uri="{BB962C8B-B14F-4D97-AF65-F5344CB8AC3E}">
-        <p14:creationId xmlns:p14="http://schemas.microsoft.com/office/powerpoint/2010/main" val="2619886245"/>
+        <p14:creationId xmlns:p14="http://schemas.microsoft.com/office/powerpoint/2010/main" val="787508820"/>
       </p:ext>
     </p:extLst>
   </p:cSld>
@@ -1453,6 +3535,7 @@
               <a:rPr lang="en-US"/>
               <a:t>Click to edit Master title style</a:t>
             </a:r>
+            <a:endParaRPr lang="en-US" dirty="0"/>
           </a:p>
         </p:txBody>
       </p:sp>
@@ -1468,48 +3551,50 @@
         </p:nvSpPr>
         <p:spPr>
           <a:xfrm>
-            <a:off x="457200" y="1151335"/>
-            <a:ext cx="4040188" cy="479822"/>
+            <a:off x="675745" y="2160983"/>
+            <a:ext cx="4185623" cy="576262"/>
           </a:xfrm>
         </p:spPr>
         <p:txBody>
-          <a:bodyPr anchor="b"/>
+          <a:bodyPr anchor="b">
+            <a:noAutofit/>
+          </a:bodyPr>
           <a:lstStyle>
             <a:lvl1pPr marL="0" indent="0">
               <a:buNone/>
+              <a:defRPr sz="2400" b="0"/>
+            </a:lvl1pPr>
+            <a:lvl2pPr marL="457200" indent="0">
+              <a:buNone/>
+              <a:defRPr sz="2000" b="1"/>
+            </a:lvl2pPr>
+            <a:lvl3pPr marL="914400" indent="0">
+              <a:buNone/>
               <a:defRPr sz="1800" b="1"/>
-            </a:lvl1pPr>
-            <a:lvl2pPr marL="342900" indent="0">
-              <a:buNone/>
-              <a:defRPr sz="1500" b="1"/>
-            </a:lvl2pPr>
-            <a:lvl3pPr marL="685800" indent="0">
-              <a:buNone/>
-              <a:defRPr sz="1350" b="1"/>
             </a:lvl3pPr>
-            <a:lvl4pPr marL="1028700" indent="0">
-              <a:buNone/>
-              <a:defRPr sz="1200" b="1"/>
+            <a:lvl4pPr marL="1371600" indent="0">
+              <a:buNone/>
+              <a:defRPr sz="1600" b="1"/>
             </a:lvl4pPr>
-            <a:lvl5pPr marL="1371600" indent="0">
-              <a:buNone/>
-              <a:defRPr sz="1200" b="1"/>
+            <a:lvl5pPr marL="1828800" indent="0">
+              <a:buNone/>
+              <a:defRPr sz="1600" b="1"/>
             </a:lvl5pPr>
-            <a:lvl6pPr marL="1714500" indent="0">
-              <a:buNone/>
-              <a:defRPr sz="1200" b="1"/>
+            <a:lvl6pPr marL="2286000" indent="0">
+              <a:buNone/>
+              <a:defRPr sz="1600" b="1"/>
             </a:lvl6pPr>
-            <a:lvl7pPr marL="2057400" indent="0">
-              <a:buNone/>
-              <a:defRPr sz="1200" b="1"/>
+            <a:lvl7pPr marL="2743200" indent="0">
+              <a:buNone/>
+              <a:defRPr sz="1600" b="1"/>
             </a:lvl7pPr>
-            <a:lvl8pPr marL="2400300" indent="0">
-              <a:buNone/>
-              <a:defRPr sz="1200" b="1"/>
+            <a:lvl8pPr marL="3200400" indent="0">
+              <a:buNone/>
+              <a:defRPr sz="1600" b="1"/>
             </a:lvl8pPr>
-            <a:lvl9pPr marL="2743200" indent="0">
-              <a:buNone/>
-              <a:defRPr sz="1200" b="1"/>
+            <a:lvl9pPr marL="3657600" indent="0">
+              <a:buNone/>
+              <a:defRPr sz="1600" b="1"/>
             </a:lvl9pPr>
           </a:lstStyle>
           <a:p>
@@ -1533,39 +3618,109 @@
         </p:nvSpPr>
         <p:spPr>
           <a:xfrm>
-            <a:off x="457200" y="1631156"/>
-            <a:ext cx="4040188" cy="2963466"/>
+            <a:off x="675745" y="2737245"/>
+            <a:ext cx="4185623" cy="3304117"/>
           </a:xfrm>
         </p:spPr>
         <p:txBody>
-          <a:bodyPr/>
+          <a:bodyPr>
+            <a:normAutofit/>
+          </a:bodyPr>
+          <a:lstStyle/>
+          <a:p>
+            <a:pPr lvl="0"/>
+            <a:r>
+              <a:rPr lang="en-US"/>
+              <a:t>Click to edit Master text styles</a:t>
+            </a:r>
+          </a:p>
+          <a:p>
+            <a:pPr lvl="1"/>
+            <a:r>
+              <a:rPr lang="en-US"/>
+              <a:t>Second level</a:t>
+            </a:r>
+          </a:p>
+          <a:p>
+            <a:pPr lvl="2"/>
+            <a:r>
+              <a:rPr lang="en-US"/>
+              <a:t>Third level</a:t>
+            </a:r>
+          </a:p>
+          <a:p>
+            <a:pPr lvl="3"/>
+            <a:r>
+              <a:rPr lang="en-US"/>
+              <a:t>Fourth level</a:t>
+            </a:r>
+          </a:p>
+          <a:p>
+            <a:pPr lvl="4"/>
+            <a:r>
+              <a:rPr lang="en-US"/>
+              <a:t>Fifth level</a:t>
+            </a:r>
+            <a:endParaRPr lang="en-US" dirty="0"/>
+          </a:p>
+        </p:txBody>
+      </p:sp>
+      <p:sp>
+        <p:nvSpPr>
+          <p:cNvPr id="5" name="Text Placeholder 4"/>
+          <p:cNvSpPr>
+            <a:spLocks noGrp="1"/>
+          </p:cNvSpPr>
+          <p:nvPr>
+            <p:ph type="body" sz="quarter" idx="3"/>
+          </p:nvPr>
+        </p:nvSpPr>
+        <p:spPr>
+          <a:xfrm>
+            <a:off x="5088383" y="2160983"/>
+            <a:ext cx="4185618" cy="576262"/>
+          </a:xfrm>
+        </p:spPr>
+        <p:txBody>
+          <a:bodyPr anchor="b">
+            <a:noAutofit/>
+          </a:bodyPr>
           <a:lstStyle>
-            <a:lvl1pPr>
-              <a:defRPr sz="1800"/>
+            <a:lvl1pPr marL="0" indent="0">
+              <a:buNone/>
+              <a:defRPr sz="2400" b="0"/>
             </a:lvl1pPr>
-            <a:lvl2pPr>
-              <a:defRPr sz="1500"/>
+            <a:lvl2pPr marL="457200" indent="0">
+              <a:buNone/>
+              <a:defRPr sz="2000" b="1"/>
             </a:lvl2pPr>
-            <a:lvl3pPr>
-              <a:defRPr sz="1350"/>
+            <a:lvl3pPr marL="914400" indent="0">
+              <a:buNone/>
+              <a:defRPr sz="1800" b="1"/>
             </a:lvl3pPr>
-            <a:lvl4pPr>
-              <a:defRPr sz="1200"/>
+            <a:lvl4pPr marL="1371600" indent="0">
+              <a:buNone/>
+              <a:defRPr sz="1600" b="1"/>
             </a:lvl4pPr>
-            <a:lvl5pPr>
-              <a:defRPr sz="1200"/>
+            <a:lvl5pPr marL="1828800" indent="0">
+              <a:buNone/>
+              <a:defRPr sz="1600" b="1"/>
             </a:lvl5pPr>
-            <a:lvl6pPr>
-              <a:defRPr sz="1200"/>
+            <a:lvl6pPr marL="2286000" indent="0">
+              <a:buNone/>
+              <a:defRPr sz="1600" b="1"/>
             </a:lvl6pPr>
-            <a:lvl7pPr>
-              <a:defRPr sz="1200"/>
+            <a:lvl7pPr marL="2743200" indent="0">
+              <a:buNone/>
+              <a:defRPr sz="1600" b="1"/>
             </a:lvl7pPr>
-            <a:lvl8pPr>
-              <a:defRPr sz="1200"/>
+            <a:lvl8pPr marL="3200400" indent="0">
+              <a:buNone/>
+              <a:defRPr sz="1600" b="1"/>
             </a:lvl8pPr>
-            <a:lvl9pPr>
-              <a:defRPr sz="1200"/>
+            <a:lvl9pPr marL="3657600" indent="0">
+              <a:buNone/>
+              <a:defRPr sz="1600" b="1"/>
             </a:lvl9pPr>
           </a:lstStyle>
           <a:p>
@@ -1575,92 +3730,29 @@
               <a:t>Click to edit Master text styles</a:t>
             </a:r>
           </a:p>
-          <a:p>
-            <a:pPr lvl="1"/>
-            <a:r>
-              <a:rPr lang="en-US"/>
-              <a:t>Second level</a:t>
-            </a:r>
-          </a:p>
-          <a:p>
-            <a:pPr lvl="2"/>
-            <a:r>
-              <a:rPr lang="en-US"/>
-              <a:t>Third level</a:t>
-            </a:r>
-          </a:p>
-          <a:p>
-            <a:pPr lvl="3"/>
-            <a:r>
-              <a:rPr lang="en-US"/>
-              <a:t>Fourth level</a:t>
-            </a:r>
-          </a:p>
-          <a:p>
-            <a:pPr lvl="4"/>
-            <a:r>
-              <a:rPr lang="en-US"/>
-              <a:t>Fifth level</a:t>
-            </a:r>
-          </a:p>
-        </p:txBody>
-      </p:sp>
-      <p:sp>
-        <p:nvSpPr>
-          <p:cNvPr id="5" name="Text Placeholder 4"/>
-          <p:cNvSpPr>
-            <a:spLocks noGrp="1"/>
-          </p:cNvSpPr>
-          <p:nvPr>
-            <p:ph type="body" sz="quarter" idx="3"/>
+        </p:txBody>
+      </p:sp>
+      <p:sp>
+        <p:nvSpPr>
+          <p:cNvPr id="6" name="Content Placeholder 5"/>
+          <p:cNvSpPr>
+            <a:spLocks noGrp="1"/>
+          </p:cNvSpPr>
+          <p:nvPr>
+            <p:ph sz="quarter" idx="4"/>
           </p:nvPr>
         </p:nvSpPr>
         <p:spPr>
           <a:xfrm>
-            <a:off x="4645026" y="1151335"/>
-            <a:ext cx="4041775" cy="479822"/>
+            <a:off x="5088384" y="2737245"/>
+            <a:ext cx="4185617" cy="3304117"/>
           </a:xfrm>
         </p:spPr>
         <p:txBody>
-          <a:bodyPr anchor="b"/>
-          <a:lstStyle>
-            <a:lvl1pPr marL="0" indent="0">
-              <a:buNone/>
-              <a:defRPr sz="1800" b="1"/>
-            </a:lvl1pPr>
-            <a:lvl2pPr marL="342900" indent="0">
-              <a:buNone/>
-              <a:defRPr sz="1500" b="1"/>
-            </a:lvl2pPr>
-            <a:lvl3pPr marL="685800" indent="0">
-              <a:buNone/>
-              <a:defRPr sz="1350" b="1"/>
-            </a:lvl3pPr>
-            <a:lvl4pPr marL="1028700" indent="0">
-              <a:buNone/>
-              <a:defRPr sz="1200" b="1"/>
-            </a:lvl4pPr>
-            <a:lvl5pPr marL="1371600" indent="0">
-              <a:buNone/>
-              <a:defRPr sz="1200" b="1"/>
-            </a:lvl5pPr>
-            <a:lvl6pPr marL="1714500" indent="0">
-              <a:buNone/>
-              <a:defRPr sz="1200" b="1"/>
-            </a:lvl6pPr>
-            <a:lvl7pPr marL="2057400" indent="0">
-              <a:buNone/>
-              <a:defRPr sz="1200" b="1"/>
-            </a:lvl7pPr>
-            <a:lvl8pPr marL="2400300" indent="0">
-              <a:buNone/>
-              <a:defRPr sz="1200" b="1"/>
-            </a:lvl8pPr>
-            <a:lvl9pPr marL="2743200" indent="0">
-              <a:buNone/>
-              <a:defRPr sz="1200" b="1"/>
-            </a:lvl9pPr>
-          </a:lstStyle>
+          <a:bodyPr>
+            <a:normAutofit/>
+          </a:bodyPr>
+          <a:lstStyle/>
           <a:p>
             <a:pPr lvl="0"/>
             <a:r>
@@ -1668,110 +3760,55 @@
               <a:t>Click to edit Master text styles</a:t>
             </a:r>
           </a:p>
-        </p:txBody>
-      </p:sp>
-      <p:sp>
-        <p:nvSpPr>
-          <p:cNvPr id="6" name="Content Placeholder 5"/>
-          <p:cNvSpPr>
-            <a:spLocks noGrp="1"/>
-          </p:cNvSpPr>
-          <p:nvPr>
-            <p:ph sz="quarter" idx="4"/>
-          </p:nvPr>
-        </p:nvSpPr>
-        <p:spPr>
-          <a:xfrm>
-            <a:off x="4645026" y="1631156"/>
-            <a:ext cx="4041775" cy="2963466"/>
-          </a:xfrm>
-        </p:spPr>
+          <a:p>
+            <a:pPr lvl="1"/>
+            <a:r>
+              <a:rPr lang="en-US"/>
+              <a:t>Second level</a:t>
+            </a:r>
+          </a:p>
+          <a:p>
+            <a:pPr lvl="2"/>
+            <a:r>
+              <a:rPr lang="en-US"/>
+              <a:t>Third level</a:t>
+            </a:r>
+          </a:p>
+          <a:p>
+            <a:pPr lvl="3"/>
+            <a:r>
+              <a:rPr lang="en-US"/>
+              <a:t>Fourth level</a:t>
+            </a:r>
+          </a:p>
+          <a:p>
+            <a:pPr lvl="4"/>
+            <a:r>
+              <a:rPr lang="en-US"/>
+              <a:t>Fifth level</a:t>
+            </a:r>
+            <a:endParaRPr lang="en-US" dirty="0"/>
+          </a:p>
+        </p:txBody>
+      </p:sp>
+      <p:sp>
+        <p:nvSpPr>
+          <p:cNvPr id="7" name="Date Placeholder 6"/>
+          <p:cNvSpPr>
+            <a:spLocks noGrp="1"/>
+          </p:cNvSpPr>
+          <p:nvPr>
+            <p:ph type="dt" sz="half" idx="10"/>
+          </p:nvPr>
+        </p:nvSpPr>
+        <p:spPr/>
         <p:txBody>
           <a:bodyPr/>
-          <a:lstStyle>
-            <a:lvl1pPr>
-              <a:defRPr sz="1800"/>
-            </a:lvl1pPr>
-            <a:lvl2pPr>
-              <a:defRPr sz="1500"/>
-            </a:lvl2pPr>
-            <a:lvl3pPr>
-              <a:defRPr sz="1350"/>
-            </a:lvl3pPr>
-            <a:lvl4pPr>
-              <a:defRPr sz="1200"/>
-            </a:lvl4pPr>
-            <a:lvl5pPr>
-              <a:defRPr sz="1200"/>
-            </a:lvl5pPr>
-            <a:lvl6pPr>
-              <a:defRPr sz="1200"/>
-            </a:lvl6pPr>
-            <a:lvl7pPr>
-              <a:defRPr sz="1200"/>
-            </a:lvl7pPr>
-            <a:lvl8pPr>
-              <a:defRPr sz="1200"/>
-            </a:lvl8pPr>
-            <a:lvl9pPr>
-              <a:defRPr sz="1200"/>
-            </a:lvl9pPr>
-          </a:lstStyle>
-          <a:p>
-            <a:pPr lvl="0"/>
-            <a:r>
-              <a:rPr lang="en-US"/>
-              <a:t>Click to edit Master text styles</a:t>
-            </a:r>
-          </a:p>
-          <a:p>
-            <a:pPr lvl="1"/>
-            <a:r>
-              <a:rPr lang="en-US"/>
-              <a:t>Second level</a:t>
-            </a:r>
-          </a:p>
-          <a:p>
-            <a:pPr lvl="2"/>
-            <a:r>
-              <a:rPr lang="en-US"/>
-              <a:t>Third level</a:t>
-            </a:r>
-          </a:p>
-          <a:p>
-            <a:pPr lvl="3"/>
-            <a:r>
-              <a:rPr lang="en-US"/>
-              <a:t>Fourth level</a:t>
-            </a:r>
-          </a:p>
-          <a:p>
-            <a:pPr lvl="4"/>
-            <a:r>
-              <a:rPr lang="en-US"/>
-              <a:t>Fifth level</a:t>
-            </a:r>
-          </a:p>
-        </p:txBody>
-      </p:sp>
-      <p:sp>
-        <p:nvSpPr>
-          <p:cNvPr id="7" name="Date Placeholder 6"/>
-          <p:cNvSpPr>
-            <a:spLocks noGrp="1"/>
-          </p:cNvSpPr>
-          <p:nvPr>
-            <p:ph type="dt" sz="half" idx="10"/>
-          </p:nvPr>
-        </p:nvSpPr>
-        <p:spPr/>
-        <p:txBody>
-          <a:bodyPr/>
-          <a:lstStyle/>
-          <a:p>
-            <a:fld id="{241EB5C9-1307-BA42-ABA2-0BC069CD8E7F}" type="datetimeFigureOut">
+          <a:lstStyle/>
+          <a:p>
+            <a:fld id="{14944FB1-0CD8-0746-80A3-696B1A6FDE32}" type="datetimeFigureOut">
               <a:rPr lang="en-US" smtClean="0"/>
-              <a:t>1/2/22</a:t>
+              <a:t>12/4/22</a:t>
             </a:fld>
             <a:endParaRPr lang="en-US"/>
           </a:p>
@@ -1811,7 +3848,7 @@
           <a:bodyPr/>
           <a:lstStyle/>
           <a:p>
-            <a:fld id="{C5EF2332-01BF-834F-8236-50238282D533}" type="slidenum">
+            <a:fld id="{4F7D2259-B806-324B-B539-490406F98CA6}" type="slidenum">
               <a:rPr lang="en-US" smtClean="0"/>
               <a:t>‹#›</a:t>
             </a:fld>
@@ -1822,7 +3859,7 @@
     </p:spTree>
     <p:extLst>
       <p:ext uri="{BB962C8B-B14F-4D97-AF65-F5344CB8AC3E}">
-        <p14:creationId xmlns:p14="http://schemas.microsoft.com/office/powerpoint/2010/main" val="2535793967"/>
+        <p14:creationId xmlns:p14="http://schemas.microsoft.com/office/powerpoint/2010/main" val="4006549770"/>
       </p:ext>
     </p:extLst>
   </p:cSld>
@@ -1859,36 +3896,42 @@
             <p:ph type="title"/>
           </p:nvPr>
         </p:nvSpPr>
+        <p:spPr>
+          <a:xfrm>
+            <a:off x="677334" y="609600"/>
+            <a:ext cx="8596668" cy="1320800"/>
+          </a:xfrm>
+        </p:spPr>
+        <p:txBody>
+          <a:bodyPr/>
+          <a:lstStyle/>
+          <a:p>
+            <a:r>
+              <a:rPr lang="en-US"/>
+              <a:t>Click to edit Master title style</a:t>
+            </a:r>
+            <a:endParaRPr lang="en-US" dirty="0"/>
+          </a:p>
+        </p:txBody>
+      </p:sp>
+      <p:sp>
+        <p:nvSpPr>
+          <p:cNvPr id="3" name="Date Placeholder 2"/>
+          <p:cNvSpPr>
+            <a:spLocks noGrp="1"/>
+          </p:cNvSpPr>
+          <p:nvPr>
+            <p:ph type="dt" sz="half" idx="10"/>
+          </p:nvPr>
+        </p:nvSpPr>
         <p:spPr/>
         <p:txBody>
           <a:bodyPr/>
           <a:lstStyle/>
           <a:p>
-            <a:r>
-              <a:rPr lang="en-US"/>
-              <a:t>Click to edit Master title style</a:t>
-            </a:r>
-          </a:p>
-        </p:txBody>
-      </p:sp>
-      <p:sp>
-        <p:nvSpPr>
-          <p:cNvPr id="3" name="Date Placeholder 2"/>
-          <p:cNvSpPr>
-            <a:spLocks noGrp="1"/>
-          </p:cNvSpPr>
-          <p:nvPr>
-            <p:ph type="dt" sz="half" idx="10"/>
-          </p:nvPr>
-        </p:nvSpPr>
-        <p:spPr/>
-        <p:txBody>
-          <a:bodyPr/>
-          <a:lstStyle/>
-          <a:p>
-            <a:fld id="{241EB5C9-1307-BA42-ABA2-0BC069CD8E7F}" type="datetimeFigureOut">
+            <a:fld id="{14944FB1-0CD8-0746-80A3-696B1A6FDE32}" type="datetimeFigureOut">
               <a:rPr lang="en-US" smtClean="0"/>
-              <a:t>1/2/22</a:t>
+              <a:t>12/4/22</a:t>
             </a:fld>
             <a:endParaRPr lang="en-US"/>
           </a:p>
@@ -1928,7 +3971,7 @@
           <a:bodyPr/>
           <a:lstStyle/>
           <a:p>
-            <a:fld id="{C5EF2332-01BF-834F-8236-50238282D533}" type="slidenum">
+            <a:fld id="{4F7D2259-B806-324B-B539-490406F98CA6}" type="slidenum">
               <a:rPr lang="en-US" smtClean="0"/>
               <a:t>‹#›</a:t>
             </a:fld>
@@ -1939,7 +3982,7 @@
     </p:spTree>
     <p:extLst>
       <p:ext uri="{BB962C8B-B14F-4D97-AF65-F5344CB8AC3E}">
-        <p14:creationId xmlns:p14="http://schemas.microsoft.com/office/powerpoint/2010/main" val="3472721253"/>
+        <p14:creationId xmlns:p14="http://schemas.microsoft.com/office/powerpoint/2010/main" val="3023289769"/>
       </p:ext>
     </p:extLst>
   </p:cSld>
@@ -1981,9 +4024,9 @@
           <a:bodyPr/>
           <a:lstStyle/>
           <a:p>
-            <a:fld id="{241EB5C9-1307-BA42-ABA2-0BC069CD8E7F}" type="datetimeFigureOut">
+            <a:fld id="{14944FB1-0CD8-0746-80A3-696B1A6FDE32}" type="datetimeFigureOut">
               <a:rPr lang="en-US" smtClean="0"/>
-              <a:t>1/2/22</a:t>
+              <a:t>12/4/22</a:t>
             </a:fld>
             <a:endParaRPr lang="en-US"/>
           </a:p>
@@ -2023,7 +4066,7 @@
           <a:bodyPr/>
           <a:lstStyle/>
           <a:p>
-            <a:fld id="{C5EF2332-01BF-834F-8236-50238282D533}" type="slidenum">
+            <a:fld id="{4F7D2259-B806-324B-B539-490406F98CA6}" type="slidenum">
               <a:rPr lang="en-US" smtClean="0"/>
               <a:t>‹#›</a:t>
             </a:fld>
@@ -2034,7 +4077,7 @@
     </p:spTree>
     <p:extLst>
       <p:ext uri="{BB962C8B-B14F-4D97-AF65-F5344CB8AC3E}">
-        <p14:creationId xmlns:p14="http://schemas.microsoft.com/office/powerpoint/2010/main" val="2130901097"/>
+        <p14:creationId xmlns:p14="http://schemas.microsoft.com/office/powerpoint/2010/main" val="1081280785"/>
       </p:ext>
     </p:extLst>
   </p:cSld>
@@ -2073,15 +4116,17 @@
         </p:nvSpPr>
         <p:spPr>
           <a:xfrm>
-            <a:off x="457201" y="204787"/>
-            <a:ext cx="3008313" cy="871538"/>
+            <a:off x="677334" y="1498604"/>
+            <a:ext cx="3854528" cy="1278466"/>
           </a:xfrm>
         </p:spPr>
         <p:txBody>
-          <a:bodyPr anchor="b"/>
+          <a:bodyPr anchor="b">
+            <a:normAutofit/>
+          </a:bodyPr>
           <a:lstStyle>
-            <a:lvl1pPr algn="l">
-              <a:defRPr sz="1500" b="1"/>
+            <a:lvl1pPr>
+              <a:defRPr sz="2000"/>
             </a:lvl1pPr>
           </a:lstStyle>
           <a:p>
@@ -2089,6 +4134,7 @@
               <a:rPr lang="en-US"/>
               <a:t>Click to edit Master title style</a:t>
             </a:r>
+            <a:endParaRPr lang="en-US" dirty="0"/>
           </a:p>
         </p:txBody>
       </p:sp>
@@ -2104,39 +4150,109 @@
         </p:nvSpPr>
         <p:spPr>
           <a:xfrm>
-            <a:off x="3575050" y="204788"/>
-            <a:ext cx="5111750" cy="4389835"/>
+            <a:off x="4760461" y="514924"/>
+            <a:ext cx="4513541" cy="5526437"/>
           </a:xfrm>
         </p:spPr>
         <p:txBody>
-          <a:bodyPr/>
+          <a:bodyPr>
+            <a:normAutofit/>
+          </a:bodyPr>
+          <a:lstStyle/>
+          <a:p>
+            <a:pPr lvl="0"/>
+            <a:r>
+              <a:rPr lang="en-US"/>
+              <a:t>Click to edit Master text styles</a:t>
+            </a:r>
+          </a:p>
+          <a:p>
+            <a:pPr lvl="1"/>
+            <a:r>
+              <a:rPr lang="en-US"/>
+              <a:t>Second level</a:t>
+            </a:r>
+          </a:p>
+          <a:p>
+            <a:pPr lvl="2"/>
+            <a:r>
+              <a:rPr lang="en-US"/>
+              <a:t>Third level</a:t>
+            </a:r>
+          </a:p>
+          <a:p>
+            <a:pPr lvl="3"/>
+            <a:r>
+              <a:rPr lang="en-US"/>
+              <a:t>Fourth level</a:t>
+            </a:r>
+          </a:p>
+          <a:p>
+            <a:pPr lvl="4"/>
+            <a:r>
+              <a:rPr lang="en-US"/>
+              <a:t>Fifth level</a:t>
+            </a:r>
+            <a:endParaRPr lang="en-US" dirty="0"/>
+          </a:p>
+        </p:txBody>
+      </p:sp>
+      <p:sp>
+        <p:nvSpPr>
+          <p:cNvPr id="4" name="Text Placeholder 3"/>
+          <p:cNvSpPr>
+            <a:spLocks noGrp="1"/>
+          </p:cNvSpPr>
+          <p:nvPr>
+            <p:ph type="body" sz="half" idx="2"/>
+          </p:nvPr>
+        </p:nvSpPr>
+        <p:spPr>
+          <a:xfrm>
+            <a:off x="677334" y="2777069"/>
+            <a:ext cx="3854528" cy="2584449"/>
+          </a:xfrm>
+        </p:spPr>
+        <p:txBody>
+          <a:bodyPr>
+            <a:normAutofit/>
+          </a:bodyPr>
           <a:lstStyle>
-            <a:lvl1pPr>
-              <a:defRPr sz="2400"/>
+            <a:lvl1pPr marL="0" indent="0">
+              <a:buNone/>
+              <a:defRPr sz="1400"/>
             </a:lvl1pPr>
-            <a:lvl2pPr>
-              <a:defRPr sz="2100"/>
+            <a:lvl2pPr marL="457063" indent="0">
+              <a:buNone/>
+              <a:defRPr sz="1400"/>
             </a:lvl2pPr>
-            <a:lvl3pPr>
-              <a:defRPr sz="1800"/>
+            <a:lvl3pPr marL="914126" indent="0">
+              <a:buNone/>
+              <a:defRPr sz="1200"/>
             </a:lvl3pPr>
-            <a:lvl4pPr>
-              <a:defRPr sz="1500"/>
+            <a:lvl4pPr marL="1371189" indent="0">
+              <a:buNone/>
+              <a:defRPr sz="1000"/>
             </a:lvl4pPr>
-            <a:lvl5pPr>
-              <a:defRPr sz="1500"/>
+            <a:lvl5pPr marL="1828251" indent="0">
+              <a:buNone/>
+              <a:defRPr sz="1000"/>
             </a:lvl5pPr>
-            <a:lvl6pPr>
-              <a:defRPr sz="1500"/>
+            <a:lvl6pPr marL="2285314" indent="0">
+              <a:buNone/>
+              <a:defRPr sz="1000"/>
             </a:lvl6pPr>
-            <a:lvl7pPr>
-              <a:defRPr sz="1500"/>
+            <a:lvl7pPr marL="2742377" indent="0">
+              <a:buNone/>
+              <a:defRPr sz="1000"/>
             </a:lvl7pPr>
-            <a:lvl8pPr>
-              <a:defRPr sz="1500"/>
+            <a:lvl8pPr marL="3199440" indent="0">
+              <a:buNone/>
+              <a:defRPr sz="1000"/>
             </a:lvl8pPr>
-            <a:lvl9pPr>
-              <a:defRPr sz="1500"/>
+            <a:lvl9pPr marL="3656503" indent="0">
+              <a:buNone/>
+              <a:defRPr sz="1000"/>
             </a:lvl9pPr>
           </a:lstStyle>
           <a:p>
@@ -2146,119 +4262,26 @@
               <a:t>Click to edit Master text styles</a:t>
             </a:r>
           </a:p>
-          <a:p>
-            <a:pPr lvl="1"/>
-            <a:r>
-              <a:rPr lang="en-US"/>
-              <a:t>Second level</a:t>
-            </a:r>
-          </a:p>
-          <a:p>
-            <a:pPr lvl="2"/>
-            <a:r>
-              <a:rPr lang="en-US"/>
-              <a:t>Third level</a:t>
-            </a:r>
-          </a:p>
-          <a:p>
-            <a:pPr lvl="3"/>
-            <a:r>
-              <a:rPr lang="en-US"/>
-              <a:t>Fourth level</a:t>
-            </a:r>
-          </a:p>
-          <a:p>
-            <a:pPr lvl="4"/>
-            <a:r>
-              <a:rPr lang="en-US"/>
-              <a:t>Fifth level</a:t>
-            </a:r>
-          </a:p>
-        </p:txBody>
-      </p:sp>
-      <p:sp>
-        <p:nvSpPr>
-          <p:cNvPr id="4" name="Text Placeholder 3"/>
-          <p:cNvSpPr>
-            <a:spLocks noGrp="1"/>
-          </p:cNvSpPr>
-          <p:nvPr>
-            <p:ph type="body" sz="half" idx="2"/>
-          </p:nvPr>
-        </p:nvSpPr>
-        <p:spPr>
-          <a:xfrm>
-            <a:off x="457201" y="1076326"/>
-            <a:ext cx="3008313" cy="3518297"/>
-          </a:xfrm>
-        </p:spPr>
+        </p:txBody>
+      </p:sp>
+      <p:sp>
+        <p:nvSpPr>
+          <p:cNvPr id="5" name="Date Placeholder 4"/>
+          <p:cNvSpPr>
+            <a:spLocks noGrp="1"/>
+          </p:cNvSpPr>
+          <p:nvPr>
+            <p:ph type="dt" sz="half" idx="10"/>
+          </p:nvPr>
+        </p:nvSpPr>
+        <p:spPr/>
         <p:txBody>
           <a:bodyPr/>
-          <a:lstStyle>
-            <a:lvl1pPr marL="0" indent="0">
-              <a:buNone/>
-              <a:defRPr sz="1050"/>
-            </a:lvl1pPr>
-            <a:lvl2pPr marL="342900" indent="0">
-              <a:buNone/>
-              <a:defRPr sz="900"/>
-            </a:lvl2pPr>
-            <a:lvl3pPr marL="685800" indent="0">
-              <a:buNone/>
-              <a:defRPr sz="750"/>
-            </a:lvl3pPr>
-            <a:lvl4pPr marL="1028700" indent="0">
-              <a:buNone/>
-              <a:defRPr sz="675"/>
-            </a:lvl4pPr>
-            <a:lvl5pPr marL="1371600" indent="0">
-              <a:buNone/>
-              <a:defRPr sz="675"/>
-            </a:lvl5pPr>
-            <a:lvl6pPr marL="1714500" indent="0">
-              <a:buNone/>
-              <a:defRPr sz="675"/>
-            </a:lvl6pPr>
-            <a:lvl7pPr marL="2057400" indent="0">
-              <a:buNone/>
-              <a:defRPr sz="675"/>
-            </a:lvl7pPr>
-            <a:lvl8pPr marL="2400300" indent="0">
-              <a:buNone/>
-              <a:defRPr sz="675"/>
-            </a:lvl8pPr>
-            <a:lvl9pPr marL="2743200" indent="0">
-              <a:buNone/>
-              <a:defRPr sz="675"/>
-            </a:lvl9pPr>
-          </a:lstStyle>
-          <a:p>
-            <a:pPr lvl="0"/>
-            <a:r>
-              <a:rPr lang="en-US"/>
-              <a:t>Click to edit Master text styles</a:t>
-            </a:r>
-          </a:p>
-        </p:txBody>
-      </p:sp>
-      <p:sp>
-        <p:nvSpPr>
-          <p:cNvPr id="5" name="Date Placeholder 4"/>
-          <p:cNvSpPr>
-            <a:spLocks noGrp="1"/>
-          </p:cNvSpPr>
-          <p:nvPr>
-            <p:ph type="dt" sz="half" idx="10"/>
-          </p:nvPr>
-        </p:nvSpPr>
-        <p:spPr/>
-        <p:txBody>
-          <a:bodyPr/>
-          <a:lstStyle/>
-          <a:p>
-            <a:fld id="{241EB5C9-1307-BA42-ABA2-0BC069CD8E7F}" type="datetimeFigureOut">
+          <a:lstStyle/>
+          <a:p>
+            <a:fld id="{14944FB1-0CD8-0746-80A3-696B1A6FDE32}" type="datetimeFigureOut">
               <a:rPr lang="en-US" smtClean="0"/>
-              <a:t>1/2/22</a:t>
+              <a:t>12/4/22</a:t>
             </a:fld>
             <a:endParaRPr lang="en-US"/>
           </a:p>
@@ -2298,7 +4321,7 @@
           <a:bodyPr/>
           <a:lstStyle/>
           <a:p>
-            <a:fld id="{C5EF2332-01BF-834F-8236-50238282D533}" type="slidenum">
+            <a:fld id="{4F7D2259-B806-324B-B539-490406F98CA6}" type="slidenum">
               <a:rPr lang="en-US" smtClean="0"/>
               <a:t>‹#›</a:t>
             </a:fld>
@@ -2309,7 +4332,7 @@
     </p:spTree>
     <p:extLst>
       <p:ext uri="{BB962C8B-B14F-4D97-AF65-F5344CB8AC3E}">
-        <p14:creationId xmlns:p14="http://schemas.microsoft.com/office/powerpoint/2010/main" val="3540895647"/>
+        <p14:creationId xmlns:p14="http://schemas.microsoft.com/office/powerpoint/2010/main" val="854132045"/>
       </p:ext>
     </p:extLst>
   </p:cSld>
@@ -2348,15 +4371,17 @@
         </p:nvSpPr>
         <p:spPr>
           <a:xfrm>
-            <a:off x="1792288" y="3600450"/>
-            <a:ext cx="5486400" cy="425054"/>
+            <a:off x="677334" y="4800600"/>
+            <a:ext cx="8596667" cy="566738"/>
           </a:xfrm>
         </p:spPr>
         <p:txBody>
-          <a:bodyPr anchor="b"/>
+          <a:bodyPr anchor="b">
+            <a:normAutofit/>
+          </a:bodyPr>
           <a:lstStyle>
             <a:lvl1pPr algn="l">
-              <a:defRPr sz="1500" b="1"/>
+              <a:defRPr sz="2400" b="0"/>
             </a:lvl1pPr>
           </a:lstStyle>
           <a:p>
@@ -2364,6 +4389,7 @@
               <a:rPr lang="en-US"/>
               <a:t>Click to edit Master title style</a:t>
             </a:r>
+            <a:endParaRPr lang="en-US" dirty="0"/>
           </a:p>
         </p:txBody>
       </p:sp>
@@ -2371,7 +4397,7 @@
         <p:nvSpPr>
           <p:cNvPr id="3" name="Picture Placeholder 2"/>
           <p:cNvSpPr>
-            <a:spLocks noGrp="1"/>
+            <a:spLocks noGrp="1" noChangeAspect="1"/>
           </p:cNvSpPr>
           <p:nvPr>
             <p:ph type="pic" idx="1"/>
@@ -2379,138 +4405,146 @@
         </p:nvSpPr>
         <p:spPr>
           <a:xfrm>
-            <a:off x="1792288" y="459581"/>
-            <a:ext cx="5486400" cy="3086100"/>
+            <a:off x="677334" y="609600"/>
+            <a:ext cx="8596668" cy="3845718"/>
           </a:xfrm>
         </p:spPr>
         <p:txBody>
-          <a:bodyPr/>
+          <a:bodyPr anchor="t">
+            <a:normAutofit/>
+          </a:bodyPr>
+          <a:lstStyle>
+            <a:lvl1pPr marL="0" indent="0" algn="ctr">
+              <a:buNone/>
+              <a:defRPr sz="1600"/>
+            </a:lvl1pPr>
+            <a:lvl2pPr marL="457200" indent="0">
+              <a:buNone/>
+              <a:defRPr sz="1600"/>
+            </a:lvl2pPr>
+            <a:lvl3pPr marL="914400" indent="0">
+              <a:buNone/>
+              <a:defRPr sz="1600"/>
+            </a:lvl3pPr>
+            <a:lvl4pPr marL="1371600" indent="0">
+              <a:buNone/>
+              <a:defRPr sz="1600"/>
+            </a:lvl4pPr>
+            <a:lvl5pPr marL="1828800" indent="0">
+              <a:buNone/>
+              <a:defRPr sz="1600"/>
+            </a:lvl5pPr>
+            <a:lvl6pPr marL="2286000" indent="0">
+              <a:buNone/>
+              <a:defRPr sz="1600"/>
+            </a:lvl6pPr>
+            <a:lvl7pPr marL="2743200" indent="0">
+              <a:buNone/>
+              <a:defRPr sz="1600"/>
+            </a:lvl7pPr>
+            <a:lvl8pPr marL="3200400" indent="0">
+              <a:buNone/>
+              <a:defRPr sz="1600"/>
+            </a:lvl8pPr>
+            <a:lvl9pPr marL="3657600" indent="0">
+              <a:buNone/>
+              <a:defRPr sz="1600"/>
+            </a:lvl9pPr>
+          </a:lstStyle>
+          <a:p>
+            <a:r>
+              <a:rPr lang="en-US"/>
+              <a:t>Click icon to add picture</a:t>
+            </a:r>
+            <a:endParaRPr lang="en-US" dirty="0"/>
+          </a:p>
+        </p:txBody>
+      </p:sp>
+      <p:sp>
+        <p:nvSpPr>
+          <p:cNvPr id="4" name="Text Placeholder 3"/>
+          <p:cNvSpPr>
+            <a:spLocks noGrp="1"/>
+          </p:cNvSpPr>
+          <p:nvPr>
+            <p:ph type="body" sz="half" idx="2"/>
+          </p:nvPr>
+        </p:nvSpPr>
+        <p:spPr>
+          <a:xfrm>
+            <a:off x="677334" y="5367338"/>
+            <a:ext cx="8596667" cy="674024"/>
+          </a:xfrm>
+        </p:spPr>
+        <p:txBody>
+          <a:bodyPr>
+            <a:normAutofit/>
+          </a:bodyPr>
           <a:lstStyle>
             <a:lvl1pPr marL="0" indent="0">
               <a:buNone/>
-              <a:defRPr sz="2400"/>
+              <a:defRPr sz="1200"/>
             </a:lvl1pPr>
-            <a:lvl2pPr marL="342900" indent="0">
-              <a:buNone/>
-              <a:defRPr sz="2100"/>
+            <a:lvl2pPr marL="457200" indent="0">
+              <a:buNone/>
+              <a:defRPr sz="1200"/>
             </a:lvl2pPr>
-            <a:lvl3pPr marL="685800" indent="0">
-              <a:buNone/>
-              <a:defRPr sz="1800"/>
+            <a:lvl3pPr marL="914400" indent="0">
+              <a:buNone/>
+              <a:defRPr sz="1000"/>
             </a:lvl3pPr>
-            <a:lvl4pPr marL="1028700" indent="0">
-              <a:buNone/>
-              <a:defRPr sz="1500"/>
+            <a:lvl4pPr marL="1371600" indent="0">
+              <a:buNone/>
+              <a:defRPr sz="900"/>
             </a:lvl4pPr>
-            <a:lvl5pPr marL="1371600" indent="0">
-              <a:buNone/>
-              <a:defRPr sz="1500"/>
+            <a:lvl5pPr marL="1828800" indent="0">
+              <a:buNone/>
+              <a:defRPr sz="900"/>
             </a:lvl5pPr>
-            <a:lvl6pPr marL="1714500" indent="0">
-              <a:buNone/>
-              <a:defRPr sz="1500"/>
+            <a:lvl6pPr marL="2286000" indent="0">
+              <a:buNone/>
+              <a:defRPr sz="900"/>
             </a:lvl6pPr>
-            <a:lvl7pPr marL="2057400" indent="0">
-              <a:buNone/>
-              <a:defRPr sz="1500"/>
+            <a:lvl7pPr marL="2743200" indent="0">
+              <a:buNone/>
+              <a:defRPr sz="900"/>
             </a:lvl7pPr>
-            <a:lvl8pPr marL="2400300" indent="0">
-              <a:buNone/>
-              <a:defRPr sz="1500"/>
+            <a:lvl8pPr marL="3200400" indent="0">
+              <a:buNone/>
+              <a:defRPr sz="900"/>
             </a:lvl8pPr>
-            <a:lvl9pPr marL="2743200" indent="0">
-              <a:buNone/>
-              <a:defRPr sz="1500"/>
+            <a:lvl9pPr marL="3657600" indent="0">
+              <a:buNone/>
+              <a:defRPr sz="900"/>
             </a:lvl9pPr>
           </a:lstStyle>
           <a:p>
-            <a:endParaRPr lang="en-US"/>
-          </a:p>
-        </p:txBody>
-      </p:sp>
-      <p:sp>
-        <p:nvSpPr>
-          <p:cNvPr id="4" name="Text Placeholder 3"/>
-          <p:cNvSpPr>
-            <a:spLocks noGrp="1"/>
-          </p:cNvSpPr>
-          <p:nvPr>
-            <p:ph type="body" sz="half" idx="2"/>
-          </p:nvPr>
-        </p:nvSpPr>
-        <p:spPr>
-          <a:xfrm>
-            <a:off x="1792288" y="4025503"/>
-            <a:ext cx="5486400" cy="603647"/>
-          </a:xfrm>
-        </p:spPr>
+            <a:pPr lvl="0"/>
+            <a:r>
+              <a:rPr lang="en-US"/>
+              <a:t>Click to edit Master text styles</a:t>
+            </a:r>
+          </a:p>
+        </p:txBody>
+      </p:sp>
+      <p:sp>
+        <p:nvSpPr>
+          <p:cNvPr id="5" name="Date Placeholder 4"/>
+          <p:cNvSpPr>
+            <a:spLocks noGrp="1"/>
+          </p:cNvSpPr>
+          <p:nvPr>
+            <p:ph type="dt" sz="half" idx="10"/>
+          </p:nvPr>
+        </p:nvSpPr>
+        <p:spPr/>
         <p:txBody>
           <a:bodyPr/>
-          <a:lstStyle>
-            <a:lvl1pPr marL="0" indent="0">
-              <a:buNone/>
-              <a:defRPr sz="1050"/>
-            </a:lvl1pPr>
-            <a:lvl2pPr marL="342900" indent="0">
-              <a:buNone/>
-              <a:defRPr sz="900"/>
-            </a:lvl2pPr>
-            <a:lvl3pPr marL="685800" indent="0">
-              <a:buNone/>
-              <a:defRPr sz="750"/>
-            </a:lvl3pPr>
-            <a:lvl4pPr marL="1028700" indent="0">
-              <a:buNone/>
-              <a:defRPr sz="675"/>
-            </a:lvl4pPr>
-            <a:lvl5pPr marL="1371600" indent="0">
-              <a:buNone/>
-              <a:defRPr sz="675"/>
-            </a:lvl5pPr>
-            <a:lvl6pPr marL="1714500" indent="0">
-              <a:buNone/>
-              <a:defRPr sz="675"/>
-            </a:lvl6pPr>
-            <a:lvl7pPr marL="2057400" indent="0">
-              <a:buNone/>
-              <a:defRPr sz="675"/>
-            </a:lvl7pPr>
-            <a:lvl8pPr marL="2400300" indent="0">
-              <a:buNone/>
-              <a:defRPr sz="675"/>
-            </a:lvl8pPr>
-            <a:lvl9pPr marL="2743200" indent="0">
-              <a:buNone/>
-              <a:defRPr sz="675"/>
-            </a:lvl9pPr>
-          </a:lstStyle>
-          <a:p>
-            <a:pPr lvl="0"/>
-            <a:r>
-              <a:rPr lang="en-US"/>
-              <a:t>Click to edit Master text styles</a:t>
-            </a:r>
-          </a:p>
-        </p:txBody>
-      </p:sp>
-      <p:sp>
-        <p:nvSpPr>
-          <p:cNvPr id="5" name="Date Placeholder 4"/>
-          <p:cNvSpPr>
-            <a:spLocks noGrp="1"/>
-          </p:cNvSpPr>
-          <p:nvPr>
-            <p:ph type="dt" sz="half" idx="10"/>
-          </p:nvPr>
-        </p:nvSpPr>
-        <p:spPr/>
-        <p:txBody>
-          <a:bodyPr/>
-          <a:lstStyle/>
-          <a:p>
-            <a:fld id="{241EB5C9-1307-BA42-ABA2-0BC069CD8E7F}" type="datetimeFigureOut">
+          <a:lstStyle/>
+          <a:p>
+            <a:fld id="{14944FB1-0CD8-0746-80A3-696B1A6FDE32}" type="datetimeFigureOut">
               <a:rPr lang="en-US" smtClean="0"/>
-              <a:t>1/2/22</a:t>
+              <a:t>12/4/22</a:t>
             </a:fld>
             <a:endParaRPr lang="en-US"/>
           </a:p>
@@ -2531,7 +4565,7 @@
           <a:bodyPr/>
           <a:lstStyle/>
           <a:p>
-            <a:endParaRPr lang="en-US"/>
+            <a:endParaRPr lang="en-US" dirty="0"/>
           </a:p>
         </p:txBody>
       </p:sp>
@@ -2550,7 +4584,7 @@
           <a:bodyPr/>
           <a:lstStyle/>
           <a:p>
-            <a:fld id="{C5EF2332-01BF-834F-8236-50238282D533}" type="slidenum">
+            <a:fld id="{4F7D2259-B806-324B-B539-490406F98CA6}" type="slidenum">
               <a:rPr lang="en-US" smtClean="0"/>
               <a:t>‹#›</a:t>
             </a:fld>
@@ -2561,7 +4595,7 @@
     </p:spTree>
     <p:extLst>
       <p:ext uri="{BB962C8B-B14F-4D97-AF65-F5344CB8AC3E}">
-        <p14:creationId xmlns:p14="http://schemas.microsoft.com/office/powerpoint/2010/main" val="3566899855"/>
+        <p14:creationId xmlns:p14="http://schemas.microsoft.com/office/powerpoint/2010/main" val="247137302"/>
       </p:ext>
     </p:extLst>
   </p:cSld>
@@ -2572,7 +4606,7 @@
 </file>
 
 <file path=ppt/slideMasters/slideMaster1.xml><?xml version="1.0" encoding="utf-8"?>
-<p:sldMaster xmlns:a="http://schemas.openxmlformats.org/drawingml/2006/main" xmlns:p="http://schemas.openxmlformats.org/presentationml/2006/main" xmlns:r="http://schemas.openxmlformats.org/officeDocument/2006/relationships">
+<p:sldMaster xmlns:a="http://schemas.openxmlformats.org/drawingml/2006/main" xmlns:r="http://schemas.openxmlformats.org/officeDocument/2006/relationships" xmlns:p="http://schemas.openxmlformats.org/presentationml/2006/main">
   <p:cSld>
     <p:bg>
       <p:bgRef idx="1001">
@@ -2593,6 +4627,538 @@
           <a:chExt cx="0" cy="0"/>
         </a:xfrm>
       </p:grpSpPr>
+      <p:grpSp>
+        <p:nvGrpSpPr>
+          <p:cNvPr id="29" name="Group 28"/>
+          <p:cNvGrpSpPr/>
+          <p:nvPr/>
+        </p:nvGrpSpPr>
+        <p:grpSpPr>
+          <a:xfrm>
+            <a:off x="0" y="-8467"/>
+            <a:ext cx="12192000" cy="6866467"/>
+            <a:chOff x="0" y="-8467"/>
+            <a:chExt cx="12192000" cy="6866467"/>
+          </a:xfrm>
+        </p:grpSpPr>
+        <p:cxnSp>
+          <p:nvCxnSpPr>
+            <p:cNvPr id="19" name="Straight Connector 18"/>
+            <p:cNvCxnSpPr/>
+            <p:nvPr/>
+          </p:nvCxnSpPr>
+          <p:spPr>
+            <a:xfrm>
+              <a:off x="9371012" y="0"/>
+              <a:ext cx="1219200" cy="6858000"/>
+            </a:xfrm>
+            <a:prstGeom prst="line">
+              <a:avLst/>
+            </a:prstGeom>
+            <a:ln w="9525">
+              <a:solidFill>
+                <a:schemeClr val="accent1">
+                  <a:alpha val="70000"/>
+                </a:schemeClr>
+              </a:solidFill>
+            </a:ln>
+          </p:spPr>
+          <p:style>
+            <a:lnRef idx="2">
+              <a:schemeClr val="accent1"/>
+            </a:lnRef>
+            <a:fillRef idx="0">
+              <a:schemeClr val="accent1"/>
+            </a:fillRef>
+            <a:effectRef idx="1">
+              <a:schemeClr val="accent1"/>
+            </a:effectRef>
+            <a:fontRef idx="minor">
+              <a:schemeClr val="tx1"/>
+            </a:fontRef>
+          </p:style>
+        </p:cxnSp>
+        <p:cxnSp>
+          <p:nvCxnSpPr>
+            <p:cNvPr id="20" name="Straight Connector 19"/>
+            <p:cNvCxnSpPr/>
+            <p:nvPr/>
+          </p:nvCxnSpPr>
+          <p:spPr>
+            <a:xfrm flipH="1">
+              <a:off x="7425267" y="3681413"/>
+              <a:ext cx="4763558" cy="3176587"/>
+            </a:xfrm>
+            <a:prstGeom prst="line">
+              <a:avLst/>
+            </a:prstGeom>
+            <a:ln w="9525">
+              <a:solidFill>
+                <a:schemeClr val="accent1">
+                  <a:alpha val="70000"/>
+                </a:schemeClr>
+              </a:solidFill>
+            </a:ln>
+          </p:spPr>
+          <p:style>
+            <a:lnRef idx="2">
+              <a:schemeClr val="accent1"/>
+            </a:lnRef>
+            <a:fillRef idx="0">
+              <a:schemeClr val="accent1"/>
+            </a:fillRef>
+            <a:effectRef idx="1">
+              <a:schemeClr val="accent1"/>
+            </a:effectRef>
+            <a:fontRef idx="minor">
+              <a:schemeClr val="tx1"/>
+            </a:fontRef>
+          </p:style>
+        </p:cxnSp>
+        <p:sp>
+          <p:nvSpPr>
+            <p:cNvPr id="21" name="Rectangle 23"/>
+            <p:cNvSpPr/>
+            <p:nvPr/>
+          </p:nvSpPr>
+          <p:spPr>
+            <a:xfrm>
+              <a:off x="9181476" y="-8467"/>
+              <a:ext cx="3007349" cy="6866467"/>
+            </a:xfrm>
+            <a:custGeom>
+              <a:avLst/>
+              <a:gdLst/>
+              <a:ahLst/>
+              <a:cxnLst/>
+              <a:rect l="l" t="t" r="r" b="b"/>
+              <a:pathLst>
+                <a:path w="3007349" h="6866467">
+                  <a:moveTo>
+                    <a:pt x="2045532" y="0"/>
+                  </a:moveTo>
+                  <a:lnTo>
+                    <a:pt x="3007349" y="0"/>
+                  </a:lnTo>
+                  <a:lnTo>
+                    <a:pt x="3007349" y="6866467"/>
+                  </a:lnTo>
+                  <a:lnTo>
+                    <a:pt x="0" y="6866467"/>
+                  </a:lnTo>
+                  <a:lnTo>
+                    <a:pt x="2045532" y="0"/>
+                  </a:lnTo>
+                  <a:close/>
+                </a:path>
+              </a:pathLst>
+            </a:custGeom>
+            <a:solidFill>
+              <a:schemeClr val="accent1">
+                <a:alpha val="36000"/>
+              </a:schemeClr>
+            </a:solidFill>
+            <a:ln>
+              <a:noFill/>
+            </a:ln>
+            <a:effectLst/>
+          </p:spPr>
+          <p:style>
+            <a:lnRef idx="1">
+              <a:schemeClr val="accent1"/>
+            </a:lnRef>
+            <a:fillRef idx="3">
+              <a:schemeClr val="accent1"/>
+            </a:fillRef>
+            <a:effectRef idx="2">
+              <a:schemeClr val="accent1"/>
+            </a:effectRef>
+            <a:fontRef idx="minor">
+              <a:schemeClr val="lt1"/>
+            </a:fontRef>
+          </p:style>
+        </p:sp>
+        <p:sp>
+          <p:nvSpPr>
+            <p:cNvPr id="22" name="Rectangle 25"/>
+            <p:cNvSpPr/>
+            <p:nvPr/>
+          </p:nvSpPr>
+          <p:spPr>
+            <a:xfrm>
+              <a:off x="9603442" y="-8467"/>
+              <a:ext cx="2588558" cy="6866467"/>
+            </a:xfrm>
+            <a:custGeom>
+              <a:avLst/>
+              <a:gdLst/>
+              <a:ahLst/>
+              <a:cxnLst/>
+              <a:rect l="l" t="t" r="r" b="b"/>
+              <a:pathLst>
+                <a:path w="2573311" h="6866467">
+                  <a:moveTo>
+                    <a:pt x="0" y="0"/>
+                  </a:moveTo>
+                  <a:lnTo>
+                    <a:pt x="2573311" y="0"/>
+                  </a:lnTo>
+                  <a:lnTo>
+                    <a:pt x="2573311" y="6866467"/>
+                  </a:lnTo>
+                  <a:lnTo>
+                    <a:pt x="1202336" y="6866467"/>
+                  </a:lnTo>
+                  <a:lnTo>
+                    <a:pt x="0" y="0"/>
+                  </a:lnTo>
+                  <a:close/>
+                </a:path>
+              </a:pathLst>
+            </a:custGeom>
+            <a:solidFill>
+              <a:schemeClr val="accent1">
+                <a:alpha val="20000"/>
+              </a:schemeClr>
+            </a:solidFill>
+            <a:ln>
+              <a:noFill/>
+            </a:ln>
+            <a:effectLst/>
+          </p:spPr>
+          <p:style>
+            <a:lnRef idx="1">
+              <a:schemeClr val="accent1"/>
+            </a:lnRef>
+            <a:fillRef idx="3">
+              <a:schemeClr val="accent1"/>
+            </a:fillRef>
+            <a:effectRef idx="2">
+              <a:schemeClr val="accent1"/>
+            </a:effectRef>
+            <a:fontRef idx="minor">
+              <a:schemeClr val="lt1"/>
+            </a:fontRef>
+          </p:style>
+        </p:sp>
+        <p:sp>
+          <p:nvSpPr>
+            <p:cNvPr id="23" name="Isosceles Triangle 22"/>
+            <p:cNvSpPr/>
+            <p:nvPr/>
+          </p:nvSpPr>
+          <p:spPr>
+            <a:xfrm>
+              <a:off x="8932333" y="3048000"/>
+              <a:ext cx="3259667" cy="3810000"/>
+            </a:xfrm>
+            <a:prstGeom prst="triangle">
+              <a:avLst>
+                <a:gd name="adj" fmla="val 100000"/>
+              </a:avLst>
+            </a:prstGeom>
+            <a:solidFill>
+              <a:schemeClr val="accent1">
+                <a:alpha val="72000"/>
+              </a:schemeClr>
+            </a:solidFill>
+            <a:ln>
+              <a:noFill/>
+            </a:ln>
+            <a:effectLst/>
+          </p:spPr>
+          <p:style>
+            <a:lnRef idx="1">
+              <a:schemeClr val="accent1"/>
+            </a:lnRef>
+            <a:fillRef idx="3">
+              <a:schemeClr val="accent1"/>
+            </a:fillRef>
+            <a:effectRef idx="2">
+              <a:schemeClr val="accent1"/>
+            </a:effectRef>
+            <a:fontRef idx="minor">
+              <a:schemeClr val="lt1"/>
+            </a:fontRef>
+          </p:style>
+        </p:sp>
+        <p:sp>
+          <p:nvSpPr>
+            <p:cNvPr id="24" name="Rectangle 27"/>
+            <p:cNvSpPr/>
+            <p:nvPr/>
+          </p:nvSpPr>
+          <p:spPr>
+            <a:xfrm>
+              <a:off x="9334500" y="-8467"/>
+              <a:ext cx="2854326" cy="6866467"/>
+            </a:xfrm>
+            <a:custGeom>
+              <a:avLst/>
+              <a:gdLst/>
+              <a:ahLst/>
+              <a:cxnLst/>
+              <a:rect l="l" t="t" r="r" b="b"/>
+              <a:pathLst>
+                <a:path w="2858013" h="6866467">
+                  <a:moveTo>
+                    <a:pt x="0" y="0"/>
+                  </a:moveTo>
+                  <a:lnTo>
+                    <a:pt x="2858013" y="0"/>
+                  </a:lnTo>
+                  <a:lnTo>
+                    <a:pt x="2858013" y="6866467"/>
+                  </a:lnTo>
+                  <a:lnTo>
+                    <a:pt x="2473942" y="6866467"/>
+                  </a:lnTo>
+                  <a:lnTo>
+                    <a:pt x="0" y="0"/>
+                  </a:lnTo>
+                  <a:close/>
+                </a:path>
+              </a:pathLst>
+            </a:custGeom>
+            <a:solidFill>
+              <a:schemeClr val="accent1">
+                <a:lumMod val="75000"/>
+                <a:alpha val="50000"/>
+              </a:schemeClr>
+            </a:solidFill>
+            <a:ln>
+              <a:noFill/>
+            </a:ln>
+            <a:effectLst/>
+          </p:spPr>
+          <p:style>
+            <a:lnRef idx="1">
+              <a:schemeClr val="accent1"/>
+            </a:lnRef>
+            <a:fillRef idx="3">
+              <a:schemeClr val="accent1"/>
+            </a:fillRef>
+            <a:effectRef idx="2">
+              <a:schemeClr val="accent1"/>
+            </a:effectRef>
+            <a:fontRef idx="minor">
+              <a:schemeClr val="lt1"/>
+            </a:fontRef>
+          </p:style>
+        </p:sp>
+        <p:sp>
+          <p:nvSpPr>
+            <p:cNvPr id="25" name="Rectangle 28"/>
+            <p:cNvSpPr/>
+            <p:nvPr/>
+          </p:nvSpPr>
+          <p:spPr>
+            <a:xfrm>
+              <a:off x="10898730" y="-8467"/>
+              <a:ext cx="1290094" cy="6866467"/>
+            </a:xfrm>
+            <a:custGeom>
+              <a:avLst/>
+              <a:gdLst/>
+              <a:ahLst/>
+              <a:cxnLst/>
+              <a:rect l="l" t="t" r="r" b="b"/>
+              <a:pathLst>
+                <a:path w="1290094" h="6858000">
+                  <a:moveTo>
+                    <a:pt x="1019735" y="0"/>
+                  </a:moveTo>
+                  <a:lnTo>
+                    <a:pt x="1290094" y="0"/>
+                  </a:lnTo>
+                  <a:lnTo>
+                    <a:pt x="1290094" y="6858000"/>
+                  </a:lnTo>
+                  <a:lnTo>
+                    <a:pt x="0" y="6858000"/>
+                  </a:lnTo>
+                  <a:lnTo>
+                    <a:pt x="1019735" y="0"/>
+                  </a:lnTo>
+                  <a:close/>
+                </a:path>
+              </a:pathLst>
+            </a:custGeom>
+            <a:solidFill>
+              <a:schemeClr val="accent1">
+                <a:lumMod val="75000"/>
+                <a:alpha val="70000"/>
+              </a:schemeClr>
+            </a:solidFill>
+            <a:ln>
+              <a:noFill/>
+            </a:ln>
+            <a:effectLst/>
+          </p:spPr>
+          <p:style>
+            <a:lnRef idx="1">
+              <a:schemeClr val="accent1"/>
+            </a:lnRef>
+            <a:fillRef idx="3">
+              <a:schemeClr val="accent1"/>
+            </a:fillRef>
+            <a:effectRef idx="2">
+              <a:schemeClr val="accent1"/>
+            </a:effectRef>
+            <a:fontRef idx="minor">
+              <a:schemeClr val="lt1"/>
+            </a:fontRef>
+          </p:style>
+        </p:sp>
+        <p:sp>
+          <p:nvSpPr>
+            <p:cNvPr id="26" name="Rectangle 29"/>
+            <p:cNvSpPr/>
+            <p:nvPr/>
+          </p:nvSpPr>
+          <p:spPr>
+            <a:xfrm>
+              <a:off x="10938999" y="-8467"/>
+              <a:ext cx="1249825" cy="6866467"/>
+            </a:xfrm>
+            <a:custGeom>
+              <a:avLst/>
+              <a:gdLst/>
+              <a:ahLst/>
+              <a:cxnLst/>
+              <a:rect l="l" t="t" r="r" b="b"/>
+              <a:pathLst>
+                <a:path w="1249825" h="6858000">
+                  <a:moveTo>
+                    <a:pt x="0" y="0"/>
+                  </a:moveTo>
+                  <a:lnTo>
+                    <a:pt x="1249825" y="0"/>
+                  </a:lnTo>
+                  <a:lnTo>
+                    <a:pt x="1249825" y="6858000"/>
+                  </a:lnTo>
+                  <a:lnTo>
+                    <a:pt x="1109382" y="6858000"/>
+                  </a:lnTo>
+                  <a:lnTo>
+                    <a:pt x="0" y="0"/>
+                  </a:lnTo>
+                  <a:close/>
+                </a:path>
+              </a:pathLst>
+            </a:custGeom>
+            <a:solidFill>
+              <a:schemeClr val="accent1">
+                <a:lumMod val="50000"/>
+                <a:alpha val="80000"/>
+              </a:schemeClr>
+            </a:solidFill>
+            <a:ln>
+              <a:noFill/>
+            </a:ln>
+            <a:effectLst/>
+          </p:spPr>
+          <p:style>
+            <a:lnRef idx="1">
+              <a:schemeClr val="accent1"/>
+            </a:lnRef>
+            <a:fillRef idx="3">
+              <a:schemeClr val="accent1"/>
+            </a:fillRef>
+            <a:effectRef idx="2">
+              <a:schemeClr val="accent1"/>
+            </a:effectRef>
+            <a:fontRef idx="minor">
+              <a:schemeClr val="lt1"/>
+            </a:fontRef>
+          </p:style>
+        </p:sp>
+        <p:sp>
+          <p:nvSpPr>
+            <p:cNvPr id="27" name="Isosceles Triangle 26"/>
+            <p:cNvSpPr/>
+            <p:nvPr/>
+          </p:nvSpPr>
+          <p:spPr>
+            <a:xfrm>
+              <a:off x="10371666" y="3589867"/>
+              <a:ext cx="1817159" cy="3268133"/>
+            </a:xfrm>
+            <a:prstGeom prst="triangle">
+              <a:avLst>
+                <a:gd name="adj" fmla="val 100000"/>
+              </a:avLst>
+            </a:prstGeom>
+            <a:solidFill>
+              <a:schemeClr val="accent1">
+                <a:lumMod val="50000"/>
+                <a:alpha val="66000"/>
+              </a:schemeClr>
+            </a:solidFill>
+            <a:ln>
+              <a:noFill/>
+            </a:ln>
+            <a:effectLst/>
+          </p:spPr>
+          <p:style>
+            <a:lnRef idx="1">
+              <a:schemeClr val="accent1"/>
+            </a:lnRef>
+            <a:fillRef idx="3">
+              <a:schemeClr val="accent1"/>
+            </a:fillRef>
+            <a:effectRef idx="2">
+              <a:schemeClr val="accent1"/>
+            </a:effectRef>
+            <a:fontRef idx="minor">
+              <a:schemeClr val="lt1"/>
+            </a:fontRef>
+          </p:style>
+        </p:sp>
+        <p:sp>
+          <p:nvSpPr>
+            <p:cNvPr id="28" name="Isosceles Triangle 27"/>
+            <p:cNvSpPr/>
+            <p:nvPr/>
+          </p:nvSpPr>
+          <p:spPr>
+            <a:xfrm>
+              <a:off x="0" y="4013200"/>
+              <a:ext cx="448733" cy="2844800"/>
+            </a:xfrm>
+            <a:prstGeom prst="triangle">
+              <a:avLst>
+                <a:gd name="adj" fmla="val 0"/>
+              </a:avLst>
+            </a:prstGeom>
+            <a:solidFill>
+              <a:schemeClr val="accent1">
+                <a:lumMod val="75000"/>
+                <a:alpha val="70000"/>
+              </a:schemeClr>
+            </a:solidFill>
+            <a:ln>
+              <a:noFill/>
+            </a:ln>
+            <a:effectLst/>
+          </p:spPr>
+          <p:style>
+            <a:lnRef idx="1">
+              <a:schemeClr val="accent1"/>
+            </a:lnRef>
+            <a:fillRef idx="3">
+              <a:schemeClr val="accent1"/>
+            </a:fillRef>
+            <a:effectRef idx="2">
+              <a:schemeClr val="accent1"/>
+            </a:effectRef>
+            <a:fontRef idx="minor">
+              <a:schemeClr val="lt1"/>
+            </a:fontRef>
+          </p:style>
+        </p:sp>
+      </p:grpSp>
       <p:sp>
         <p:nvSpPr>
           <p:cNvPr id="2" name="Title Placeholder 1"/>
@@ -2605,15 +5171,15 @@
         </p:nvSpPr>
         <p:spPr>
           <a:xfrm>
-            <a:off x="457200" y="205979"/>
-            <a:ext cx="8229600" cy="857250"/>
+            <a:off x="677334" y="609600"/>
+            <a:ext cx="8596668" cy="1320800"/>
           </a:xfrm>
           <a:prstGeom prst="rect">
             <a:avLst/>
           </a:prstGeom>
         </p:spPr>
         <p:txBody>
-          <a:bodyPr anchor="ctr" bIns="45720" lIns="91440" rIns="91440" rtlCol="0" tIns="45720" vert="horz">
+          <a:bodyPr vert="horz" lIns="91440" tIns="45720" rIns="91440" bIns="45720" rtlCol="0" anchor="t">
             <a:normAutofit/>
           </a:bodyPr>
           <a:lstStyle/>
@@ -2622,6 +5188,7 @@
               <a:rPr lang="en-US"/>
               <a:t>Click to edit Master title style</a:t>
             </a:r>
+            <a:endParaRPr lang="en-US" dirty="0"/>
           </a:p>
         </p:txBody>
       </p:sp>
@@ -2632,20 +5199,20 @@
             <a:spLocks noGrp="1"/>
           </p:cNvSpPr>
           <p:nvPr>
-            <p:ph idx="1" type="body"/>
+            <p:ph type="body" idx="1"/>
           </p:nvPr>
         </p:nvSpPr>
         <p:spPr>
           <a:xfrm>
-            <a:off x="457200" y="1200151"/>
-            <a:ext cx="8229600" cy="3394472"/>
+            <a:off x="677334" y="2160589"/>
+            <a:ext cx="8596668" cy="3880773"/>
           </a:xfrm>
           <a:prstGeom prst="rect">
             <a:avLst/>
           </a:prstGeom>
         </p:spPr>
         <p:txBody>
-          <a:bodyPr bIns="45720" lIns="91440" rIns="91440" rtlCol="0" tIns="45720" vert="horz">
+          <a:bodyPr vert="horz" lIns="91440" tIns="45720" rIns="91440" bIns="45720" rtlCol="0">
             <a:normAutofit/>
           </a:bodyPr>
           <a:lstStyle/>
@@ -2683,6 +5250,7 @@
               <a:rPr lang="en-US"/>
               <a:t>Fifth level</a:t>
             </a:r>
+            <a:endParaRPr lang="en-US" dirty="0"/>
           </a:p>
         </p:txBody>
       </p:sp>
@@ -2693,20 +5261,61 @@
             <a:spLocks noGrp="1"/>
           </p:cNvSpPr>
           <p:nvPr>
-            <p:ph idx="2" sz="half" type="dt"/>
+            <p:ph type="dt" sz="half" idx="2"/>
           </p:nvPr>
         </p:nvSpPr>
         <p:spPr>
           <a:xfrm>
-            <a:off x="457200" y="4767263"/>
-            <a:ext cx="2133600" cy="273844"/>
+            <a:off x="7205133" y="6041362"/>
+            <a:ext cx="911939" cy="365125"/>
           </a:xfrm>
           <a:prstGeom prst="rect">
             <a:avLst/>
           </a:prstGeom>
         </p:spPr>
         <p:txBody>
-          <a:bodyPr anchor="ctr" bIns="45720" lIns="91440" rIns="91440" rtlCol="0" tIns="45720" vert="horz"/>
+          <a:bodyPr vert="horz" lIns="91440" tIns="45720" rIns="91440" bIns="45720" rtlCol="0" anchor="ctr"/>
+          <a:lstStyle>
+            <a:lvl1pPr algn="r">
+              <a:defRPr sz="900">
+                <a:solidFill>
+                  <a:schemeClr val="tx1">
+                    <a:tint val="75000"/>
+                  </a:schemeClr>
+                </a:solidFill>
+              </a:defRPr>
+            </a:lvl1pPr>
+          </a:lstStyle>
+          <a:p>
+            <a:fld id="{14944FB1-0CD8-0746-80A3-696B1A6FDE32}" type="datetimeFigureOut">
+              <a:rPr lang="en-US" smtClean="0"/>
+              <a:t>12/4/22</a:t>
+            </a:fld>
+            <a:endParaRPr lang="en-US"/>
+          </a:p>
+        </p:txBody>
+      </p:sp>
+      <p:sp>
+        <p:nvSpPr>
+          <p:cNvPr id="5" name="Footer Placeholder 4"/>
+          <p:cNvSpPr>
+            <a:spLocks noGrp="1"/>
+          </p:cNvSpPr>
+          <p:nvPr>
+            <p:ph type="ftr" sz="quarter" idx="3"/>
+          </p:nvPr>
+        </p:nvSpPr>
+        <p:spPr>
+          <a:xfrm>
+            <a:off x="677334" y="6041362"/>
+            <a:ext cx="6297612" cy="365125"/>
+          </a:xfrm>
+          <a:prstGeom prst="rect">
+            <a:avLst/>
+          </a:prstGeom>
+        </p:spPr>
+        <p:txBody>
+          <a:bodyPr vert="horz" lIns="91440" tIns="45720" rIns="91440" bIns="45720" rtlCol="0" anchor="ctr"/>
           <a:lstStyle>
             <a:lvl1pPr algn="l">
               <a:defRPr sz="900">
@@ -2719,85 +5328,44 @@
             </a:lvl1pPr>
           </a:lstStyle>
           <a:p>
-            <a:fld id="{241EB5C9-1307-BA42-ABA2-0BC069CD8E7F}" type="datetimeFigureOut">
-              <a:rPr lang="en-US" smtClean="0"/>
-              <a:t>1/2/22</a:t>
-            </a:fld>
             <a:endParaRPr lang="en-US"/>
           </a:p>
         </p:txBody>
       </p:sp>
       <p:sp>
         <p:nvSpPr>
-          <p:cNvPr id="5" name="Footer Placeholder 4"/>
-          <p:cNvSpPr>
-            <a:spLocks noGrp="1"/>
-          </p:cNvSpPr>
-          <p:nvPr>
-            <p:ph idx="3" sz="quarter" type="ftr"/>
+          <p:cNvPr id="6" name="Slide Number Placeholder 5"/>
+          <p:cNvSpPr>
+            <a:spLocks noGrp="1"/>
+          </p:cNvSpPr>
+          <p:nvPr>
+            <p:ph type="sldNum" sz="quarter" idx="4"/>
           </p:nvPr>
         </p:nvSpPr>
         <p:spPr>
           <a:xfrm>
-            <a:off x="3124200" y="4767263"/>
-            <a:ext cx="2895600" cy="273844"/>
+            <a:off x="8590663" y="6041362"/>
+            <a:ext cx="683339" cy="365125"/>
           </a:xfrm>
           <a:prstGeom prst="rect">
             <a:avLst/>
           </a:prstGeom>
         </p:spPr>
         <p:txBody>
-          <a:bodyPr anchor="ctr" bIns="45720" lIns="91440" rIns="91440" rtlCol="0" tIns="45720" vert="horz"/>
+          <a:bodyPr vert="horz" lIns="91440" tIns="45720" rIns="91440" bIns="45720" rtlCol="0" anchor="ctr"/>
           <a:lstStyle>
-            <a:lvl1pPr algn="ctr">
+            <a:lvl1pPr algn="r">
               <a:defRPr sz="900">
                 <a:solidFill>
-                  <a:schemeClr val="tx1">
-                    <a:tint val="75000"/>
+                  <a:schemeClr val="accent1">
+                    <a:lumMod val="75000"/>
                   </a:schemeClr>
                 </a:solidFill>
               </a:defRPr>
             </a:lvl1pPr>
           </a:lstStyle>
           <a:p>
-            <a:endParaRPr lang="en-US"/>
-          </a:p>
-        </p:txBody>
-      </p:sp>
-      <p:sp>
-        <p:nvSpPr>
-          <p:cNvPr id="6" name="Slide Number Placeholder 5"/>
-          <p:cNvSpPr>
-            <a:spLocks noGrp="1"/>
-          </p:cNvSpPr>
-          <p:nvPr>
-            <p:ph idx="4" sz="quarter" type="sldNum"/>
-          </p:nvPr>
-        </p:nvSpPr>
-        <p:spPr>
-          <a:xfrm>
-            <a:off x="6553200" y="4767263"/>
-            <a:ext cx="2133600" cy="273844"/>
-          </a:xfrm>
-          <a:prstGeom prst="rect">
-            <a:avLst/>
-          </a:prstGeom>
-        </p:spPr>
-        <p:txBody>
-          <a:bodyPr anchor="ctr" bIns="45720" lIns="91440" rIns="91440" rtlCol="0" tIns="45720" vert="horz"/>
-          <a:lstStyle>
-            <a:lvl1pPr algn="r">
-              <a:defRPr sz="900">
-                <a:solidFill>
-                  <a:schemeClr val="tx1">
-                    <a:tint val="75000"/>
-                  </a:schemeClr>
-                </a:solidFill>
-              </a:defRPr>
-            </a:lvl1pPr>
-          </a:lstStyle>
-          <a:p>
-            <a:fld id="{C5EF2332-01BF-834F-8236-50238282D533}" type="slidenum">
+            <a:fld id="{4F7D2259-B806-324B-B539-490406F98CA6}" type="slidenum">
               <a:rPr lang="en-US" smtClean="0"/>
               <a:t>‹#›</a:t>
             </a:fld>
@@ -2808,171 +5376,342 @@
     </p:spTree>
     <p:extLst>
       <p:ext uri="{BB962C8B-B14F-4D97-AF65-F5344CB8AC3E}">
-        <p14:creationId xmlns:p14="http://schemas.microsoft.com/office/powerpoint/2010/main" val="3676200875"/>
+        <p14:creationId xmlns:p14="http://schemas.microsoft.com/office/powerpoint/2010/main" val="507601492"/>
       </p:ext>
     </p:extLst>
   </p:cSld>
-  <p:clrMap accent1="accent1" accent2="accent2" accent3="accent3" accent4="accent4" accent5="accent5" accent6="accent6" bg1="lt1" bg2="lt2" folHlink="folHlink" hlink="hlink" tx1="dk1" tx2="dk2"/>
+  <p:clrMap bg1="lt1" tx1="dk1" bg2="lt2" tx2="dk2" accent1="accent1" accent2="accent2" accent3="accent3" accent4="accent4" accent5="accent5" accent6="accent6" hlink="hlink" folHlink="folHlink"/>
   <p:sldLayoutIdLst>
-    <p:sldLayoutId id="2147483649" r:id="rId1"/>
-    <p:sldLayoutId id="2147483650" r:id="rId2"/>
-    <p:sldLayoutId id="2147483651" r:id="rId3"/>
-    <p:sldLayoutId id="2147483652" r:id="rId4"/>
-    <p:sldLayoutId id="2147483653" r:id="rId5"/>
-    <p:sldLayoutId id="2147483654" r:id="rId6"/>
-    <p:sldLayoutId id="2147483655" r:id="rId7"/>
-    <p:sldLayoutId id="2147483656" r:id="rId8"/>
-    <p:sldLayoutId id="2147483657" r:id="rId9"/>
-    <p:sldLayoutId id="2147483658" r:id="rId10"/>
-    <p:sldLayoutId id="2147483659" r:id="rId11"/>
+    <p:sldLayoutId id="2147483953" r:id="rId1"/>
+    <p:sldLayoutId id="2147483954" r:id="rId2"/>
+    <p:sldLayoutId id="2147483955" r:id="rId3"/>
+    <p:sldLayoutId id="2147483956" r:id="rId4"/>
+    <p:sldLayoutId id="2147483957" r:id="rId5"/>
+    <p:sldLayoutId id="2147483958" r:id="rId6"/>
+    <p:sldLayoutId id="2147483959" r:id="rId7"/>
+    <p:sldLayoutId id="2147483960" r:id="rId8"/>
+    <p:sldLayoutId id="2147483961" r:id="rId9"/>
+    <p:sldLayoutId id="2147483962" r:id="rId10"/>
+    <p:sldLayoutId id="2147483963" r:id="rId11"/>
+    <p:sldLayoutId id="2147483964" r:id="rId12"/>
+    <p:sldLayoutId id="2147483965" r:id="rId13"/>
+    <p:sldLayoutId id="2147483966" r:id="rId14"/>
+    <p:sldLayoutId id="2147483967" r:id="rId15"/>
+    <p:sldLayoutId id="2147483968" r:id="rId16"/>
   </p:sldLayoutIdLst>
   <p:txStyles>
     <p:titleStyle>
-      <a:lvl1pPr algn="ctr" defTabSz="342900" eaLnBrk="1" hangingPunct="1" latinLnBrk="0" rtl="0">
+      <a:lvl1pPr algn="l" defTabSz="457200" rtl="0" eaLnBrk="1" latinLnBrk="0" hangingPunct="1">
         <a:spcBef>
           <a:spcPct val="0"/>
         </a:spcBef>
         <a:buNone/>
-        <a:defRPr kern="1200" sz="3300">
+        <a:defRPr sz="3600" kern="1200">
           <a:solidFill>
-            <a:schemeClr val="tx1"/>
+            <a:schemeClr val="accent1">
+              <a:lumMod val="75000"/>
+            </a:schemeClr>
           </a:solidFill>
           <a:latin typeface="+mj-lt"/>
           <a:ea typeface="+mj-ea"/>
           <a:cs typeface="+mj-cs"/>
         </a:defRPr>
       </a:lvl1pPr>
+      <a:lvl2pPr eaLnBrk="1" hangingPunct="1">
+        <a:defRPr>
+          <a:solidFill>
+            <a:schemeClr val="tx2"/>
+          </a:solidFill>
+        </a:defRPr>
+      </a:lvl2pPr>
+      <a:lvl3pPr eaLnBrk="1" hangingPunct="1">
+        <a:defRPr>
+          <a:solidFill>
+            <a:schemeClr val="tx2"/>
+          </a:solidFill>
+        </a:defRPr>
+      </a:lvl3pPr>
+      <a:lvl4pPr eaLnBrk="1" hangingPunct="1">
+        <a:defRPr>
+          <a:solidFill>
+            <a:schemeClr val="tx2"/>
+          </a:solidFill>
+        </a:defRPr>
+      </a:lvl4pPr>
+      <a:lvl5pPr eaLnBrk="1" hangingPunct="1">
+        <a:defRPr>
+          <a:solidFill>
+            <a:schemeClr val="tx2"/>
+          </a:solidFill>
+        </a:defRPr>
+      </a:lvl5pPr>
+      <a:lvl6pPr eaLnBrk="1" hangingPunct="1">
+        <a:defRPr>
+          <a:solidFill>
+            <a:schemeClr val="tx2"/>
+          </a:solidFill>
+        </a:defRPr>
+      </a:lvl6pPr>
+      <a:lvl7pPr eaLnBrk="1" hangingPunct="1">
+        <a:defRPr>
+          <a:solidFill>
+            <a:schemeClr val="tx2"/>
+          </a:solidFill>
+        </a:defRPr>
+      </a:lvl7pPr>
+      <a:lvl8pPr eaLnBrk="1" hangingPunct="1">
+        <a:defRPr>
+          <a:solidFill>
+            <a:schemeClr val="tx2"/>
+          </a:solidFill>
+        </a:defRPr>
+      </a:lvl8pPr>
+      <a:lvl9pPr eaLnBrk="1" hangingPunct="1">
+        <a:defRPr>
+          <a:solidFill>
+            <a:schemeClr val="tx2"/>
+          </a:solidFill>
+        </a:defRPr>
+      </a:lvl9pPr>
     </p:titleStyle>
     <p:bodyStyle>
-      <a:lvl1pPr algn="l" defTabSz="342900" eaLnBrk="1" hangingPunct="1" indent="-342900" latinLnBrk="0" marL="342900" rtl="0">
+      <a:lvl1pPr marL="342900" indent="-342900" algn="l" defTabSz="457200" rtl="0" eaLnBrk="1" latinLnBrk="0" hangingPunct="1">
         <a:spcBef>
-          <a:spcPct val="20000"/>
+          <a:spcPts val="1000"/>
         </a:spcBef>
-        <a:buFont typeface="Arial"/>
-        <a:buChar char="•"/>
-        <a:defRPr kern="1200" sz="2400">
+        <a:spcAft>
+          <a:spcPts val="0"/>
+        </a:spcAft>
+        <a:buClr>
+          <a:schemeClr val="accent1">
+            <a:lumMod val="75000"/>
+          </a:schemeClr>
+        </a:buClr>
+        <a:buSzPct val="80000"/>
+        <a:buFont typeface="Wingdings 3" charset="2"/>
+        <a:buChar char=""/>
+        <a:defRPr sz="1800" kern="1200">
           <a:solidFill>
-            <a:schemeClr val="tx1"/>
+            <a:schemeClr val="tx1">
+              <a:lumMod val="75000"/>
+              <a:lumOff val="25000"/>
+            </a:schemeClr>
           </a:solidFill>
           <a:latin typeface="+mn-lt"/>
           <a:ea typeface="+mn-ea"/>
           <a:cs typeface="+mn-cs"/>
         </a:defRPr>
       </a:lvl1pPr>
-      <a:lvl2pPr algn="l" defTabSz="342900" eaLnBrk="1" hangingPunct="1" indent="-342900" latinLnBrk="0" marL="685800" rtl="0">
+      <a:lvl2pPr marL="742950" indent="-285750" algn="l" defTabSz="457200" rtl="0" eaLnBrk="1" latinLnBrk="0" hangingPunct="1">
         <a:spcBef>
-          <a:spcPct val="20000"/>
+          <a:spcPts val="1000"/>
         </a:spcBef>
-        <a:buFont typeface="Arial"/>
-        <a:buChar char="–"/>
-        <a:defRPr kern="1200" sz="2100">
+        <a:spcAft>
+          <a:spcPts val="0"/>
+        </a:spcAft>
+        <a:buClr>
+          <a:schemeClr val="accent1">
+            <a:lumMod val="75000"/>
+          </a:schemeClr>
+        </a:buClr>
+        <a:buSzPct val="80000"/>
+        <a:buFont typeface="Wingdings 3" charset="2"/>
+        <a:buChar char=""/>
+        <a:defRPr sz="1600" kern="1200">
           <a:solidFill>
-            <a:schemeClr val="tx1"/>
+            <a:schemeClr val="tx1">
+              <a:lumMod val="75000"/>
+              <a:lumOff val="25000"/>
+            </a:schemeClr>
           </a:solidFill>
           <a:latin typeface="+mn-lt"/>
           <a:ea typeface="+mn-ea"/>
           <a:cs typeface="+mn-cs"/>
         </a:defRPr>
       </a:lvl2pPr>
-      <a:lvl3pPr algn="l" defTabSz="342900" eaLnBrk="1" hangingPunct="1" indent="-342900" latinLnBrk="0" marL="1028700" rtl="0">
+      <a:lvl3pPr marL="1143000" indent="-228600" algn="l" defTabSz="457200" rtl="0" eaLnBrk="1" latinLnBrk="0" hangingPunct="1">
         <a:spcBef>
-          <a:spcPct val="20000"/>
+          <a:spcPts val="1000"/>
         </a:spcBef>
-        <a:buFont typeface="Arial"/>
-        <a:buChar char="•"/>
-        <a:defRPr kern="1200" sz="1800">
+        <a:spcAft>
+          <a:spcPts val="0"/>
+        </a:spcAft>
+        <a:buClr>
+          <a:schemeClr val="accent1">
+            <a:lumMod val="75000"/>
+          </a:schemeClr>
+        </a:buClr>
+        <a:buSzPct val="80000"/>
+        <a:buFont typeface="Wingdings 3" charset="2"/>
+        <a:buChar char=""/>
+        <a:defRPr sz="1400" kern="1200">
           <a:solidFill>
-            <a:schemeClr val="tx1"/>
+            <a:schemeClr val="tx1">
+              <a:lumMod val="75000"/>
+              <a:lumOff val="25000"/>
+            </a:schemeClr>
           </a:solidFill>
           <a:latin typeface="+mn-lt"/>
           <a:ea typeface="+mn-ea"/>
           <a:cs typeface="+mn-cs"/>
         </a:defRPr>
       </a:lvl3pPr>
-      <a:lvl4pPr algn="l" defTabSz="342900" eaLnBrk="1" hangingPunct="1" indent="-342900" latinLnBrk="0" marL="1371600" rtl="0">
+      <a:lvl4pPr marL="1600200" indent="-228600" algn="l" defTabSz="457200" rtl="0" eaLnBrk="1" latinLnBrk="0" hangingPunct="1">
         <a:spcBef>
-          <a:spcPct val="20000"/>
+          <a:spcPts val="1000"/>
         </a:spcBef>
-        <a:buFont typeface="Arial"/>
-        <a:buChar char="–"/>
-        <a:defRPr kern="1200" sz="1500">
+        <a:spcAft>
+          <a:spcPts val="0"/>
+        </a:spcAft>
+        <a:buClr>
+          <a:schemeClr val="accent1">
+            <a:lumMod val="75000"/>
+          </a:schemeClr>
+        </a:buClr>
+        <a:buSzPct val="80000"/>
+        <a:buFont typeface="Wingdings 3" charset="2"/>
+        <a:buChar char=""/>
+        <a:defRPr sz="1200" kern="1200">
           <a:solidFill>
-            <a:schemeClr val="tx1"/>
+            <a:schemeClr val="tx1">
+              <a:lumMod val="75000"/>
+              <a:lumOff val="25000"/>
+            </a:schemeClr>
           </a:solidFill>
           <a:latin typeface="+mn-lt"/>
           <a:ea typeface="+mn-ea"/>
           <a:cs typeface="+mn-cs"/>
         </a:defRPr>
       </a:lvl4pPr>
-      <a:lvl5pPr algn="l" defTabSz="342900" eaLnBrk="1" hangingPunct="1" indent="-342900" latinLnBrk="0" marL="1714500" rtl="0">
+      <a:lvl5pPr marL="2057400" indent="-228600" algn="l" defTabSz="457200" rtl="0" eaLnBrk="1" latinLnBrk="0" hangingPunct="1">
         <a:spcBef>
-          <a:spcPct val="20000"/>
+          <a:spcPts val="1000"/>
         </a:spcBef>
-        <a:buFont typeface="Arial"/>
-        <a:buChar char="»"/>
-        <a:defRPr kern="1200" sz="1500">
+        <a:spcAft>
+          <a:spcPts val="0"/>
+        </a:spcAft>
+        <a:buClr>
+          <a:schemeClr val="accent1">
+            <a:lumMod val="75000"/>
+          </a:schemeClr>
+        </a:buClr>
+        <a:buSzPct val="80000"/>
+        <a:buFont typeface="Wingdings 3" charset="2"/>
+        <a:buChar char=""/>
+        <a:defRPr sz="1200" kern="1200">
           <a:solidFill>
-            <a:schemeClr val="tx1"/>
+            <a:schemeClr val="tx1">
+              <a:lumMod val="75000"/>
+              <a:lumOff val="25000"/>
+            </a:schemeClr>
           </a:solidFill>
           <a:latin typeface="+mn-lt"/>
           <a:ea typeface="+mn-ea"/>
           <a:cs typeface="+mn-cs"/>
         </a:defRPr>
       </a:lvl5pPr>
-      <a:lvl6pPr algn="l" defTabSz="342900" eaLnBrk="1" hangingPunct="1" indent="-342900" latinLnBrk="0" marL="2057400" rtl="0">
+      <a:lvl6pPr marL="2514600" indent="-228600" algn="l" defTabSz="457200" rtl="0" eaLnBrk="1" latinLnBrk="0" hangingPunct="1">
         <a:spcBef>
-          <a:spcPct val="20000"/>
+          <a:spcPts val="1000"/>
         </a:spcBef>
-        <a:buFont typeface="Arial"/>
-        <a:buChar char="•"/>
-        <a:defRPr kern="1200" sz="1500">
+        <a:spcAft>
+          <a:spcPts val="0"/>
+        </a:spcAft>
+        <a:buClr>
+          <a:schemeClr val="accent1">
+            <a:lumMod val="75000"/>
+          </a:schemeClr>
+        </a:buClr>
+        <a:buSzPct val="80000"/>
+        <a:buFont typeface="Wingdings 3" charset="2"/>
+        <a:buChar char=""/>
+        <a:defRPr sz="1200" kern="1200">
           <a:solidFill>
-            <a:schemeClr val="tx1"/>
+            <a:schemeClr val="tx1">
+              <a:lumMod val="75000"/>
+              <a:lumOff val="25000"/>
+            </a:schemeClr>
           </a:solidFill>
           <a:latin typeface="+mn-lt"/>
           <a:ea typeface="+mn-ea"/>
           <a:cs typeface="+mn-cs"/>
         </a:defRPr>
       </a:lvl6pPr>
-      <a:lvl7pPr algn="l" defTabSz="342900" eaLnBrk="1" hangingPunct="1" indent="-342900" latinLnBrk="0" marL="2400300" rtl="0">
+      <a:lvl7pPr marL="2971800" indent="-228600" algn="l" defTabSz="457200" rtl="0" eaLnBrk="1" latinLnBrk="0" hangingPunct="1">
         <a:spcBef>
-          <a:spcPct val="20000"/>
+          <a:spcPts val="1000"/>
         </a:spcBef>
-        <a:buFont typeface="Arial"/>
-        <a:buChar char="•"/>
-        <a:defRPr kern="1200" sz="1500">
+        <a:spcAft>
+          <a:spcPts val="0"/>
+        </a:spcAft>
+        <a:buClr>
+          <a:schemeClr val="accent1">
+            <a:lumMod val="75000"/>
+          </a:schemeClr>
+        </a:buClr>
+        <a:buSzPct val="80000"/>
+        <a:buFont typeface="Wingdings 3" charset="2"/>
+        <a:buChar char=""/>
+        <a:defRPr sz="1200" kern="1200">
           <a:solidFill>
-            <a:schemeClr val="tx1"/>
+            <a:schemeClr val="tx1">
+              <a:lumMod val="75000"/>
+              <a:lumOff val="25000"/>
+            </a:schemeClr>
           </a:solidFill>
           <a:latin typeface="+mn-lt"/>
           <a:ea typeface="+mn-ea"/>
           <a:cs typeface="+mn-cs"/>
         </a:defRPr>
       </a:lvl7pPr>
-      <a:lvl8pPr algn="l" defTabSz="342900" eaLnBrk="1" hangingPunct="1" indent="-342900" latinLnBrk="0" marL="2743200" rtl="0">
+      <a:lvl8pPr marL="3429000" indent="-228600" algn="l" defTabSz="457200" rtl="0" eaLnBrk="1" latinLnBrk="0" hangingPunct="1">
         <a:spcBef>
-          <a:spcPct val="20000"/>
+          <a:spcPts val="1000"/>
         </a:spcBef>
-        <a:buFont typeface="Arial"/>
-        <a:buChar char="•"/>
-        <a:defRPr kern="1200" sz="1500">
+        <a:spcAft>
+          <a:spcPts val="0"/>
+        </a:spcAft>
+        <a:buClr>
+          <a:schemeClr val="accent1">
+            <a:lumMod val="75000"/>
+          </a:schemeClr>
+        </a:buClr>
+        <a:buSzPct val="80000"/>
+        <a:buFont typeface="Wingdings 3" charset="2"/>
+        <a:buChar char=""/>
+        <a:defRPr sz="1200" kern="1200">
           <a:solidFill>
-            <a:schemeClr val="tx1"/>
+            <a:schemeClr val="tx1">
+              <a:lumMod val="75000"/>
+              <a:lumOff val="25000"/>
+            </a:schemeClr>
           </a:solidFill>
           <a:latin typeface="+mn-lt"/>
           <a:ea typeface="+mn-ea"/>
           <a:cs typeface="+mn-cs"/>
         </a:defRPr>
       </a:lvl8pPr>
-      <a:lvl9pPr algn="l" defTabSz="342900" eaLnBrk="1" hangingPunct="1" indent="-342900" latinLnBrk="0" marL="3086100" rtl="0">
+      <a:lvl9pPr marL="3886200" indent="-228600" algn="l" defTabSz="457200" rtl="0" eaLnBrk="1" latinLnBrk="0" hangingPunct="1">
         <a:spcBef>
-          <a:spcPct val="20000"/>
+          <a:spcPts val="1000"/>
         </a:spcBef>
-        <a:buFont typeface="Arial"/>
-        <a:buChar char="•"/>
-        <a:defRPr kern="1200" sz="1500">
+        <a:spcAft>
+          <a:spcPts val="0"/>
+        </a:spcAft>
+        <a:buClr>
+          <a:schemeClr val="accent1">
+            <a:lumMod val="75000"/>
+          </a:schemeClr>
+        </a:buClr>
+        <a:buSzPct val="80000"/>
+        <a:buFont typeface="Wingdings 3" charset="2"/>
+        <a:buChar char=""/>
+        <a:defRPr sz="1200" kern="1200">
           <a:solidFill>
-            <a:schemeClr val="tx1"/>
+            <a:schemeClr val="tx1">
+              <a:lumMod val="75000"/>
+              <a:lumOff val="25000"/>
+            </a:schemeClr>
           </a:solidFill>
           <a:latin typeface="+mn-lt"/>
           <a:ea typeface="+mn-ea"/>
@@ -2984,8 +5723,8 @@
       <a:defPPr>
         <a:defRPr lang="en-US"/>
       </a:defPPr>
-      <a:lvl1pPr algn="l" defTabSz="342900" eaLnBrk="1" hangingPunct="1" latinLnBrk="0" marL="0" rtl="0">
-        <a:defRPr kern="1200" sz="1350">
+      <a:lvl1pPr marL="0" algn="l" defTabSz="457200" rtl="0" eaLnBrk="1" latinLnBrk="0" hangingPunct="1">
+        <a:defRPr sz="1800" kern="1200">
           <a:solidFill>
             <a:schemeClr val="tx1"/>
           </a:solidFill>
@@ -2994,8 +5733,8 @@
           <a:cs typeface="+mn-cs"/>
         </a:defRPr>
       </a:lvl1pPr>
-      <a:lvl2pPr algn="l" defTabSz="342900" eaLnBrk="1" hangingPunct="1" latinLnBrk="0" marL="342900" rtl="0">
-        <a:defRPr kern="1200" sz="1350">
+      <a:lvl2pPr marL="457200" algn="l" defTabSz="457200" rtl="0" eaLnBrk="1" latinLnBrk="0" hangingPunct="1">
+        <a:defRPr sz="1800" kern="1200">
           <a:solidFill>
             <a:schemeClr val="tx1"/>
           </a:solidFill>
@@ -3004,8 +5743,8 @@
           <a:cs typeface="+mn-cs"/>
         </a:defRPr>
       </a:lvl2pPr>
-      <a:lvl3pPr algn="l" defTabSz="342900" eaLnBrk="1" hangingPunct="1" latinLnBrk="0" marL="685800" rtl="0">
-        <a:defRPr kern="1200" sz="1350">
+      <a:lvl3pPr marL="914400" algn="l" defTabSz="457200" rtl="0" eaLnBrk="1" latinLnBrk="0" hangingPunct="1">
+        <a:defRPr sz="1800" kern="1200">
           <a:solidFill>
             <a:schemeClr val="tx1"/>
           </a:solidFill>
@@ -3014,8 +5753,8 @@
           <a:cs typeface="+mn-cs"/>
         </a:defRPr>
       </a:lvl3pPr>
-      <a:lvl4pPr algn="l" defTabSz="342900" eaLnBrk="1" hangingPunct="1" latinLnBrk="0" marL="1028700" rtl="0">
-        <a:defRPr kern="1200" sz="1350">
+      <a:lvl4pPr marL="1371600" algn="l" defTabSz="457200" rtl="0" eaLnBrk="1" latinLnBrk="0" hangingPunct="1">
+        <a:defRPr sz="1800" kern="1200">
           <a:solidFill>
             <a:schemeClr val="tx1"/>
           </a:solidFill>
@@ -3024,8 +5763,8 @@
           <a:cs typeface="+mn-cs"/>
         </a:defRPr>
       </a:lvl4pPr>
-      <a:lvl5pPr algn="l" defTabSz="342900" eaLnBrk="1" hangingPunct="1" latinLnBrk="0" marL="1371600" rtl="0">
-        <a:defRPr kern="1200" sz="1350">
+      <a:lvl5pPr marL="1828800" algn="l" defTabSz="457200" rtl="0" eaLnBrk="1" latinLnBrk="0" hangingPunct="1">
+        <a:defRPr sz="1800" kern="1200">
           <a:solidFill>
             <a:schemeClr val="tx1"/>
           </a:solidFill>
@@ -3034,8 +5773,8 @@
           <a:cs typeface="+mn-cs"/>
         </a:defRPr>
       </a:lvl5pPr>
-      <a:lvl6pPr algn="l" defTabSz="342900" eaLnBrk="1" hangingPunct="1" latinLnBrk="0" marL="1714500" rtl="0">
-        <a:defRPr kern="1200" sz="1350">
+      <a:lvl6pPr marL="2286000" algn="l" defTabSz="457200" rtl="0" eaLnBrk="1" latinLnBrk="0" hangingPunct="1">
+        <a:defRPr sz="1800" kern="1200">
           <a:solidFill>
             <a:schemeClr val="tx1"/>
           </a:solidFill>
@@ -3044,8 +5783,8 @@
           <a:cs typeface="+mn-cs"/>
         </a:defRPr>
       </a:lvl6pPr>
-      <a:lvl7pPr algn="l" defTabSz="342900" eaLnBrk="1" hangingPunct="1" latinLnBrk="0" marL="2057400" rtl="0">
-        <a:defRPr kern="1200" sz="1350">
+      <a:lvl7pPr marL="2743200" algn="l" defTabSz="457200" rtl="0" eaLnBrk="1" latinLnBrk="0" hangingPunct="1">
+        <a:defRPr sz="1800" kern="1200">
           <a:solidFill>
             <a:schemeClr val="tx1"/>
           </a:solidFill>
@@ -3054,8 +5793,8 @@
           <a:cs typeface="+mn-cs"/>
         </a:defRPr>
       </a:lvl7pPr>
-      <a:lvl8pPr algn="l" defTabSz="342900" eaLnBrk="1" hangingPunct="1" latinLnBrk="0" marL="2400300" rtl="0">
-        <a:defRPr kern="1200" sz="1350">
+      <a:lvl8pPr marL="3200400" algn="l" defTabSz="457200" rtl="0" eaLnBrk="1" latinLnBrk="0" hangingPunct="1">
+        <a:defRPr sz="1800" kern="1200">
           <a:solidFill>
             <a:schemeClr val="tx1"/>
           </a:solidFill>
@@ -3064,8 +5803,8 @@
           <a:cs typeface="+mn-cs"/>
         </a:defRPr>
       </a:lvl8pPr>
-      <a:lvl9pPr algn="l" defTabSz="342900" eaLnBrk="1" hangingPunct="1" latinLnBrk="0" marL="2743200" rtl="0">
-        <a:defRPr kern="1200" sz="1350">
+      <a:lvl9pPr marL="3657600" algn="l" defTabSz="457200" rtl="0" eaLnBrk="1" latinLnBrk="0" hangingPunct="1">
+        <a:defRPr sz="1800" kern="1200">
           <a:solidFill>
             <a:schemeClr val="tx1"/>
           </a:solidFill>
@@ -3076,6 +5815,11 @@
       </a:lvl9pPr>
     </p:otherStyle>
   </p:txStyles>
+  <p:extLst>
+    <p:ext uri="{27BBF7A9-308A-43DC-89C8-2F10F3537804}">
+      <p15:sldGuideLst xmlns:p15="http://schemas.microsoft.com/office/powerpoint/2012/main"/>
+    </p:ext>
+  </p:extLst>
 </p:sldMaster>
 </file>
 
@@ -3096,6 +5840,538 @@
           <a:chExt cx="0" cy="0"/>
         </a:xfrm>
       </p:grpSpPr>
+      <p:grpSp>
+        <p:nvGrpSpPr>
+          <p:cNvPr id="16" name="Group 15"/>
+          <p:cNvGrpSpPr/>
+          <p:nvPr/>
+        </p:nvGrpSpPr>
+        <p:grpSpPr>
+          <a:xfrm>
+            <a:off x="0" y="-8467"/>
+            <a:ext cx="12192000" cy="6866467"/>
+            <a:chOff x="0" y="-8467"/>
+            <a:chExt cx="12192000" cy="6866467"/>
+          </a:xfrm>
+        </p:grpSpPr>
+        <p:cxnSp>
+          <p:nvCxnSpPr>
+            <p:cNvPr id="19" name="Straight Connector 18"/>
+            <p:cNvCxnSpPr/>
+            <p:nvPr/>
+          </p:nvCxnSpPr>
+          <p:spPr>
+            <a:xfrm>
+              <a:off x="9371012" y="0"/>
+              <a:ext cx="1219200" cy="6858000"/>
+            </a:xfrm>
+            <a:prstGeom prst="line">
+              <a:avLst/>
+            </a:prstGeom>
+            <a:ln w="9525">
+              <a:solidFill>
+                <a:schemeClr val="accent1">
+                  <a:alpha val="70000"/>
+                </a:schemeClr>
+              </a:solidFill>
+            </a:ln>
+          </p:spPr>
+          <p:style>
+            <a:lnRef idx="2">
+              <a:schemeClr val="accent1"/>
+            </a:lnRef>
+            <a:fillRef idx="0">
+              <a:schemeClr val="accent1"/>
+            </a:fillRef>
+            <a:effectRef idx="1">
+              <a:schemeClr val="accent1"/>
+            </a:effectRef>
+            <a:fontRef idx="minor">
+              <a:schemeClr val="tx1"/>
+            </a:fontRef>
+          </p:style>
+        </p:cxnSp>
+        <p:cxnSp>
+          <p:nvCxnSpPr>
+            <p:cNvPr id="20" name="Straight Connector 19"/>
+            <p:cNvCxnSpPr/>
+            <p:nvPr/>
+          </p:nvCxnSpPr>
+          <p:spPr>
+            <a:xfrm flipH="1">
+              <a:off x="7425267" y="3681413"/>
+              <a:ext cx="4763558" cy="3176587"/>
+            </a:xfrm>
+            <a:prstGeom prst="line">
+              <a:avLst/>
+            </a:prstGeom>
+            <a:ln w="9525">
+              <a:solidFill>
+                <a:schemeClr val="accent1">
+                  <a:alpha val="70000"/>
+                </a:schemeClr>
+              </a:solidFill>
+            </a:ln>
+          </p:spPr>
+          <p:style>
+            <a:lnRef idx="2">
+              <a:schemeClr val="accent1"/>
+            </a:lnRef>
+            <a:fillRef idx="0">
+              <a:schemeClr val="accent1"/>
+            </a:fillRef>
+            <a:effectRef idx="1">
+              <a:schemeClr val="accent1"/>
+            </a:effectRef>
+            <a:fontRef idx="minor">
+              <a:schemeClr val="tx1"/>
+            </a:fontRef>
+          </p:style>
+        </p:cxnSp>
+        <p:sp>
+          <p:nvSpPr>
+            <p:cNvPr id="21" name="Rectangle 23"/>
+            <p:cNvSpPr/>
+            <p:nvPr/>
+          </p:nvSpPr>
+          <p:spPr>
+            <a:xfrm>
+              <a:off x="9181476" y="-8467"/>
+              <a:ext cx="3007349" cy="6866467"/>
+            </a:xfrm>
+            <a:custGeom>
+              <a:avLst/>
+              <a:gdLst/>
+              <a:ahLst/>
+              <a:cxnLst/>
+              <a:rect l="l" t="t" r="r" b="b"/>
+              <a:pathLst>
+                <a:path w="3007349" h="6866467">
+                  <a:moveTo>
+                    <a:pt x="2045532" y="0"/>
+                  </a:moveTo>
+                  <a:lnTo>
+                    <a:pt x="3007349" y="0"/>
+                  </a:lnTo>
+                  <a:lnTo>
+                    <a:pt x="3007349" y="6866467"/>
+                  </a:lnTo>
+                  <a:lnTo>
+                    <a:pt x="0" y="6866467"/>
+                  </a:lnTo>
+                  <a:lnTo>
+                    <a:pt x="2045532" y="0"/>
+                  </a:lnTo>
+                  <a:close/>
+                </a:path>
+              </a:pathLst>
+            </a:custGeom>
+            <a:solidFill>
+              <a:schemeClr val="accent1">
+                <a:alpha val="36000"/>
+              </a:schemeClr>
+            </a:solidFill>
+            <a:ln>
+              <a:noFill/>
+            </a:ln>
+            <a:effectLst/>
+          </p:spPr>
+          <p:style>
+            <a:lnRef idx="1">
+              <a:schemeClr val="accent1"/>
+            </a:lnRef>
+            <a:fillRef idx="3">
+              <a:schemeClr val="accent1"/>
+            </a:fillRef>
+            <a:effectRef idx="2">
+              <a:schemeClr val="accent1"/>
+            </a:effectRef>
+            <a:fontRef idx="minor">
+              <a:schemeClr val="lt1"/>
+            </a:fontRef>
+          </p:style>
+        </p:sp>
+        <p:sp>
+          <p:nvSpPr>
+            <p:cNvPr id="22" name="Rectangle 25"/>
+            <p:cNvSpPr/>
+            <p:nvPr/>
+          </p:nvSpPr>
+          <p:spPr>
+            <a:xfrm>
+              <a:off x="9603442" y="-8467"/>
+              <a:ext cx="2588558" cy="6866467"/>
+            </a:xfrm>
+            <a:custGeom>
+              <a:avLst/>
+              <a:gdLst/>
+              <a:ahLst/>
+              <a:cxnLst/>
+              <a:rect l="l" t="t" r="r" b="b"/>
+              <a:pathLst>
+                <a:path w="2573311" h="6866467">
+                  <a:moveTo>
+                    <a:pt x="0" y="0"/>
+                  </a:moveTo>
+                  <a:lnTo>
+                    <a:pt x="2573311" y="0"/>
+                  </a:lnTo>
+                  <a:lnTo>
+                    <a:pt x="2573311" y="6866467"/>
+                  </a:lnTo>
+                  <a:lnTo>
+                    <a:pt x="1202336" y="6866467"/>
+                  </a:lnTo>
+                  <a:lnTo>
+                    <a:pt x="0" y="0"/>
+                  </a:lnTo>
+                  <a:close/>
+                </a:path>
+              </a:pathLst>
+            </a:custGeom>
+            <a:solidFill>
+              <a:schemeClr val="accent1">
+                <a:alpha val="20000"/>
+              </a:schemeClr>
+            </a:solidFill>
+            <a:ln>
+              <a:noFill/>
+            </a:ln>
+            <a:effectLst/>
+          </p:spPr>
+          <p:style>
+            <a:lnRef idx="1">
+              <a:schemeClr val="accent1"/>
+            </a:lnRef>
+            <a:fillRef idx="3">
+              <a:schemeClr val="accent1"/>
+            </a:fillRef>
+            <a:effectRef idx="2">
+              <a:schemeClr val="accent1"/>
+            </a:effectRef>
+            <a:fontRef idx="minor">
+              <a:schemeClr val="lt1"/>
+            </a:fontRef>
+          </p:style>
+        </p:sp>
+        <p:sp>
+          <p:nvSpPr>
+            <p:cNvPr id="23" name="Isosceles Triangle 22"/>
+            <p:cNvSpPr/>
+            <p:nvPr/>
+          </p:nvSpPr>
+          <p:spPr>
+            <a:xfrm>
+              <a:off x="8932333" y="3048000"/>
+              <a:ext cx="3259667" cy="3810000"/>
+            </a:xfrm>
+            <a:prstGeom prst="triangle">
+              <a:avLst>
+                <a:gd name="adj" fmla="val 100000"/>
+              </a:avLst>
+            </a:prstGeom>
+            <a:solidFill>
+              <a:schemeClr val="accent1">
+                <a:alpha val="72000"/>
+              </a:schemeClr>
+            </a:solidFill>
+            <a:ln>
+              <a:noFill/>
+            </a:ln>
+            <a:effectLst/>
+          </p:spPr>
+          <p:style>
+            <a:lnRef idx="1">
+              <a:schemeClr val="accent1"/>
+            </a:lnRef>
+            <a:fillRef idx="3">
+              <a:schemeClr val="accent1"/>
+            </a:fillRef>
+            <a:effectRef idx="2">
+              <a:schemeClr val="accent1"/>
+            </a:effectRef>
+            <a:fontRef idx="minor">
+              <a:schemeClr val="lt1"/>
+            </a:fontRef>
+          </p:style>
+        </p:sp>
+        <p:sp>
+          <p:nvSpPr>
+            <p:cNvPr id="24" name="Rectangle 27"/>
+            <p:cNvSpPr/>
+            <p:nvPr/>
+          </p:nvSpPr>
+          <p:spPr>
+            <a:xfrm>
+              <a:off x="9334500" y="-8467"/>
+              <a:ext cx="2854326" cy="6866467"/>
+            </a:xfrm>
+            <a:custGeom>
+              <a:avLst/>
+              <a:gdLst/>
+              <a:ahLst/>
+              <a:cxnLst/>
+              <a:rect l="l" t="t" r="r" b="b"/>
+              <a:pathLst>
+                <a:path w="2858013" h="6866467">
+                  <a:moveTo>
+                    <a:pt x="0" y="0"/>
+                  </a:moveTo>
+                  <a:lnTo>
+                    <a:pt x="2858013" y="0"/>
+                  </a:lnTo>
+                  <a:lnTo>
+                    <a:pt x="2858013" y="6866467"/>
+                  </a:lnTo>
+                  <a:lnTo>
+                    <a:pt x="2473942" y="6866467"/>
+                  </a:lnTo>
+                  <a:lnTo>
+                    <a:pt x="0" y="0"/>
+                  </a:lnTo>
+                  <a:close/>
+                </a:path>
+              </a:pathLst>
+            </a:custGeom>
+            <a:solidFill>
+              <a:schemeClr val="accent1">
+                <a:lumMod val="75000"/>
+                <a:alpha val="50000"/>
+              </a:schemeClr>
+            </a:solidFill>
+            <a:ln>
+              <a:noFill/>
+            </a:ln>
+            <a:effectLst/>
+          </p:spPr>
+          <p:style>
+            <a:lnRef idx="1">
+              <a:schemeClr val="accent1"/>
+            </a:lnRef>
+            <a:fillRef idx="3">
+              <a:schemeClr val="accent1"/>
+            </a:fillRef>
+            <a:effectRef idx="2">
+              <a:schemeClr val="accent1"/>
+            </a:effectRef>
+            <a:fontRef idx="minor">
+              <a:schemeClr val="lt1"/>
+            </a:fontRef>
+          </p:style>
+        </p:sp>
+        <p:sp>
+          <p:nvSpPr>
+            <p:cNvPr id="25" name="Rectangle 28"/>
+            <p:cNvSpPr/>
+            <p:nvPr/>
+          </p:nvSpPr>
+          <p:spPr>
+            <a:xfrm>
+              <a:off x="10898730" y="-8467"/>
+              <a:ext cx="1290094" cy="6866467"/>
+            </a:xfrm>
+            <a:custGeom>
+              <a:avLst/>
+              <a:gdLst/>
+              <a:ahLst/>
+              <a:cxnLst/>
+              <a:rect l="l" t="t" r="r" b="b"/>
+              <a:pathLst>
+                <a:path w="1290094" h="6858000">
+                  <a:moveTo>
+                    <a:pt x="1019735" y="0"/>
+                  </a:moveTo>
+                  <a:lnTo>
+                    <a:pt x="1290094" y="0"/>
+                  </a:lnTo>
+                  <a:lnTo>
+                    <a:pt x="1290094" y="6858000"/>
+                  </a:lnTo>
+                  <a:lnTo>
+                    <a:pt x="0" y="6858000"/>
+                  </a:lnTo>
+                  <a:lnTo>
+                    <a:pt x="1019735" y="0"/>
+                  </a:lnTo>
+                  <a:close/>
+                </a:path>
+              </a:pathLst>
+            </a:custGeom>
+            <a:solidFill>
+              <a:schemeClr val="accent1">
+                <a:lumMod val="75000"/>
+                <a:alpha val="70000"/>
+              </a:schemeClr>
+            </a:solidFill>
+            <a:ln>
+              <a:noFill/>
+            </a:ln>
+            <a:effectLst/>
+          </p:spPr>
+          <p:style>
+            <a:lnRef idx="1">
+              <a:schemeClr val="accent1"/>
+            </a:lnRef>
+            <a:fillRef idx="3">
+              <a:schemeClr val="accent1"/>
+            </a:fillRef>
+            <a:effectRef idx="2">
+              <a:schemeClr val="accent1"/>
+            </a:effectRef>
+            <a:fontRef idx="minor">
+              <a:schemeClr val="lt1"/>
+            </a:fontRef>
+          </p:style>
+        </p:sp>
+        <p:sp>
+          <p:nvSpPr>
+            <p:cNvPr id="26" name="Rectangle 29"/>
+            <p:cNvSpPr/>
+            <p:nvPr/>
+          </p:nvSpPr>
+          <p:spPr>
+            <a:xfrm>
+              <a:off x="10938999" y="-8467"/>
+              <a:ext cx="1249825" cy="6866467"/>
+            </a:xfrm>
+            <a:custGeom>
+              <a:avLst/>
+              <a:gdLst/>
+              <a:ahLst/>
+              <a:cxnLst/>
+              <a:rect l="l" t="t" r="r" b="b"/>
+              <a:pathLst>
+                <a:path w="1249825" h="6858000">
+                  <a:moveTo>
+                    <a:pt x="0" y="0"/>
+                  </a:moveTo>
+                  <a:lnTo>
+                    <a:pt x="1249825" y="0"/>
+                  </a:lnTo>
+                  <a:lnTo>
+                    <a:pt x="1249825" y="6858000"/>
+                  </a:lnTo>
+                  <a:lnTo>
+                    <a:pt x="1109382" y="6858000"/>
+                  </a:lnTo>
+                  <a:lnTo>
+                    <a:pt x="0" y="0"/>
+                  </a:lnTo>
+                  <a:close/>
+                </a:path>
+              </a:pathLst>
+            </a:custGeom>
+            <a:solidFill>
+              <a:schemeClr val="accent1">
+                <a:lumMod val="50000"/>
+                <a:alpha val="80000"/>
+              </a:schemeClr>
+            </a:solidFill>
+            <a:ln>
+              <a:noFill/>
+            </a:ln>
+            <a:effectLst/>
+          </p:spPr>
+          <p:style>
+            <a:lnRef idx="1">
+              <a:schemeClr val="accent1"/>
+            </a:lnRef>
+            <a:fillRef idx="3">
+              <a:schemeClr val="accent1"/>
+            </a:fillRef>
+            <a:effectRef idx="2">
+              <a:schemeClr val="accent1"/>
+            </a:effectRef>
+            <a:fontRef idx="minor">
+              <a:schemeClr val="lt1"/>
+            </a:fontRef>
+          </p:style>
+        </p:sp>
+        <p:sp>
+          <p:nvSpPr>
+            <p:cNvPr id="27" name="Isosceles Triangle 26"/>
+            <p:cNvSpPr/>
+            <p:nvPr/>
+          </p:nvSpPr>
+          <p:spPr>
+            <a:xfrm>
+              <a:off x="10371666" y="3589867"/>
+              <a:ext cx="1817159" cy="3268133"/>
+            </a:xfrm>
+            <a:prstGeom prst="triangle">
+              <a:avLst>
+                <a:gd name="adj" fmla="val 100000"/>
+              </a:avLst>
+            </a:prstGeom>
+            <a:solidFill>
+              <a:schemeClr val="accent1">
+                <a:lumMod val="50000"/>
+                <a:alpha val="66000"/>
+              </a:schemeClr>
+            </a:solidFill>
+            <a:ln>
+              <a:noFill/>
+            </a:ln>
+            <a:effectLst/>
+          </p:spPr>
+          <p:style>
+            <a:lnRef idx="1">
+              <a:schemeClr val="accent1"/>
+            </a:lnRef>
+            <a:fillRef idx="3">
+              <a:schemeClr val="accent1"/>
+            </a:fillRef>
+            <a:effectRef idx="2">
+              <a:schemeClr val="accent1"/>
+            </a:effectRef>
+            <a:fontRef idx="minor">
+              <a:schemeClr val="lt1"/>
+            </a:fontRef>
+          </p:style>
+        </p:sp>
+        <p:sp>
+          <p:nvSpPr>
+            <p:cNvPr id="29" name="Isosceles Triangle 28"/>
+            <p:cNvSpPr/>
+            <p:nvPr/>
+          </p:nvSpPr>
+          <p:spPr>
+            <a:xfrm rot="10800000">
+              <a:off x="0" y="0"/>
+              <a:ext cx="842596" cy="5666154"/>
+            </a:xfrm>
+            <a:prstGeom prst="triangle">
+              <a:avLst>
+                <a:gd name="adj" fmla="val 100000"/>
+              </a:avLst>
+            </a:prstGeom>
+            <a:solidFill>
+              <a:schemeClr val="accent1">
+                <a:lumMod val="75000"/>
+                <a:alpha val="70000"/>
+              </a:schemeClr>
+            </a:solidFill>
+            <a:ln>
+              <a:noFill/>
+            </a:ln>
+            <a:effectLst/>
+          </p:spPr>
+          <p:style>
+            <a:lnRef idx="1">
+              <a:schemeClr val="accent1"/>
+            </a:lnRef>
+            <a:fillRef idx="3">
+              <a:schemeClr val="accent1"/>
+            </a:fillRef>
+            <a:effectRef idx="2">
+              <a:schemeClr val="accent1"/>
+            </a:effectRef>
+            <a:fontRef idx="minor">
+              <a:schemeClr val="lt1"/>
+            </a:fontRef>
+          </p:style>
+        </p:sp>
+      </p:grpSp>
       <p:sp>
         <p:nvSpPr>
           <p:cNvPr id="2" name="Title 1"/>
@@ -3108,20 +6384,52 @@
         </p:nvSpPr>
         <p:spPr>
           <a:xfrm>
-            <a:off x="685800" y="1597819"/>
-            <a:ext cx="7772400" cy="1102519"/>
+            <a:off x="1507067" y="2404534"/>
+            <a:ext cx="7766936" cy="1646302"/>
           </a:xfrm>
         </p:spPr>
         <p:txBody>
           <a:bodyPr/>
           <a:lstStyle/>
           <a:p>
-            <a:pPr lvl="0" indent="0" marL="0">
+            <a:pPr lvl="0" marL="0" indent="0">
               <a:buNone/>
             </a:pPr>
             <a:r>
               <a:rPr/>
-              <a:t>Characterizing breast cancer cells</a:t>
+              <a:t>Breast</a:t>
+            </a:r>
+            <a:r>
+              <a:rPr/>
+              <a:t> </a:t>
+            </a:r>
+            <a:r>
+              <a:rPr/>
+              <a:t>Cancer</a:t>
+            </a:r>
+            <a:r>
+              <a:rPr/>
+              <a:t> </a:t>
+            </a:r>
+            <a:r>
+              <a:rPr/>
+              <a:t>Diagnosis</a:t>
+            </a:r>
+            <a:r>
+              <a:rPr/>
+              <a:t> </a:t>
+            </a:r>
+            <a:r>
+              <a:rPr/>
+              <a:t>Classification</a:t>
+            </a:r>
+            <a:r>
+              <a:rPr/>
+              <a:t> </a:t>
+            </a:r>
+            <a:r>
+              <a:rPr/>
+              <a:t>Analysis</a:t>
             </a:r>
           </a:p>
         </p:txBody>
@@ -3133,27 +6441,75 @@
             <a:spLocks noGrp="1"/>
           </p:cNvSpPr>
           <p:nvPr>
-            <p:ph idx="1" type="subTitle"/>
+            <p:ph type="subTitle" idx="1"/>
           </p:nvPr>
         </p:nvSpPr>
         <p:spPr>
           <a:xfrm>
-            <a:off x="1371600" y="2914650"/>
-            <a:ext cx="6400800" cy="1314450"/>
+            <a:off x="1507067" y="4050833"/>
+            <a:ext cx="7766936" cy="1096899"/>
           </a:xfrm>
         </p:spPr>
         <p:txBody>
           <a:bodyPr/>
           <a:lstStyle/>
           <a:p>
-            <a:pPr lvl="0" indent="0" marL="0">
+            <a:pPr lvl="0" marL="0" indent="0">
               <a:buNone/>
             </a:pPr>
             <a:br/>
             <a:br/>
             <a:r>
               <a:rPr/>
-              <a:t>Austin Lackey, Ethan Powers and Danny Laposata</a:t>
+              <a:t>Austin</a:t>
+            </a:r>
+            <a:r>
+              <a:rPr/>
+              <a:t> </a:t>
+            </a:r>
+            <a:r>
+              <a:rPr/>
+              <a:t>Lackey,</a:t>
+            </a:r>
+            <a:r>
+              <a:rPr/>
+              <a:t> </a:t>
+            </a:r>
+            <a:r>
+              <a:rPr/>
+              <a:t>Ethan</a:t>
+            </a:r>
+            <a:r>
+              <a:rPr/>
+              <a:t> </a:t>
+            </a:r>
+            <a:r>
+              <a:rPr/>
+              <a:t>Powers</a:t>
+            </a:r>
+            <a:r>
+              <a:rPr/>
+              <a:t> </a:t>
+            </a:r>
+            <a:r>
+              <a:rPr/>
+              <a:t>and</a:t>
+            </a:r>
+            <a:r>
+              <a:rPr/>
+              <a:t> </a:t>
+            </a:r>
+            <a:r>
+              <a:rPr/>
+              <a:t>Danny</a:t>
+            </a:r>
+            <a:r>
+              <a:rPr/>
+              <a:t> </a:t>
+            </a:r>
+            <a:r>
+              <a:rPr/>
+              <a:t>Laposata</a:t>
             </a:r>
           </a:p>
         </p:txBody>
@@ -3165,7 +6521,7 @@
             <a:spLocks noGrp="1"/>
           </p:cNvSpPr>
           <p:nvPr>
-            <p:ph idx="10" sz="half" type="dt"/>
+            <p:ph type="dt" sz="half" idx="10"/>
           </p:nvPr>
         </p:nvSpPr>
         <p:spPr/>
@@ -3173,12 +6529,106 @@
           <a:bodyPr/>
           <a:lstStyle/>
           <a:p>
-            <a:pPr lvl="0" indent="0" marL="0">
+            <a:pPr lvl="0" marL="0" indent="0">
               <a:buNone/>
             </a:pPr>
             <a:r>
               <a:rPr/>
-              <a:t>Friday, November 9th, 2022</a:t>
+              <a:t>December</a:t>
+            </a:r>
+            <a:r>
+              <a:rPr/>
+              <a:t> </a:t>
+            </a:r>
+            <a:r>
+              <a:rPr/>
+              <a:t>9th,</a:t>
+            </a:r>
+            <a:r>
+              <a:rPr/>
+              <a:t> </a:t>
+            </a:r>
+            <a:r>
+              <a:rPr/>
+              <a:t>2022</a:t>
+            </a:r>
+          </a:p>
+        </p:txBody>
+      </p:sp>
+    </p:spTree>
+  </p:cSld>
+</p:sld>
+</file>
+
+<file path=ppt/slides/slide10.xml><?xml version="1.0" encoding="utf-8"?>
+<p:sld xmlns:a="http://schemas.openxmlformats.org/drawingml/2006/main" xmlns:r="http://schemas.openxmlformats.org/officeDocument/2006/relationships" xmlns:p="http://schemas.openxmlformats.org/presentationml/2006/main">
+  <p:cSld>
+    <p:spTree>
+      <p:nvGrpSpPr>
+        <p:cNvPr id="1" name=""/>
+        <p:cNvGrpSpPr/>
+        <p:nvPr/>
+      </p:nvGrpSpPr>
+      <p:grpSpPr>
+        <a:xfrm>
+          <a:off x="0" y="0"/>
+          <a:ext cx="0" cy="0"/>
+          <a:chOff x="0" y="0"/>
+          <a:chExt cx="0" cy="0"/>
+        </a:xfrm>
+      </p:grpSpPr>
+      <p:sp>
+        <p:nvSpPr>
+          <p:cNvPr id="2" name="Title 1"/>
+          <p:cNvSpPr>
+            <a:spLocks noGrp="1"/>
+          </p:cNvSpPr>
+          <p:nvPr>
+            <p:ph type="title"/>
+          </p:nvPr>
+        </p:nvSpPr>
+        <p:spPr/>
+        <p:txBody>
+          <a:bodyPr/>
+          <a:lstStyle/>
+          <a:p>
+            <a:pPr lvl="0" marL="0" indent="0">
+              <a:buNone/>
+            </a:pPr>
+            <a:r>
+              <a:rPr/>
+              <a:t>Works</a:t>
+            </a:r>
+            <a:r>
+              <a:rPr/>
+              <a:t> </a:t>
+            </a:r>
+            <a:r>
+              <a:rPr/>
+              <a:t>Cited</a:t>
+            </a:r>
+          </a:p>
+        </p:txBody>
+      </p:sp>
+      <p:sp>
+        <p:nvSpPr>
+          <p:cNvPr id="3" name="Content Placeholder 2"/>
+          <p:cNvSpPr>
+            <a:spLocks noGrp="1"/>
+          </p:cNvSpPr>
+          <p:nvPr>
+            <p:ph idx="1"/>
+          </p:nvPr>
+        </p:nvSpPr>
+        <p:spPr/>
+        <p:txBody>
+          <a:bodyPr/>
+          <a:lstStyle/>
+          <a:p>
+            <a:pPr lvl="1"/>
+            <a:r>
+              <a:rPr/>
+              <a:t>Insert link to kaggle dataset here</a:t>
             </a:r>
           </a:p>
         </p:txBody>
@@ -3220,12 +6670,12 @@
           <a:bodyPr/>
           <a:lstStyle/>
           <a:p>
-            <a:pPr lvl="0" indent="0" marL="0">
+            <a:pPr lvl="0" marL="0" indent="0">
               <a:buNone/>
             </a:pPr>
             <a:r>
               <a:rPr/>
-              <a:t>The data</a:t>
+              <a:t>Background</a:t>
             </a:r>
           </a:p>
         </p:txBody>
@@ -3245,61 +6695,31 @@
           <a:bodyPr/>
           <a:lstStyle/>
           <a:p>
-            <a:pPr lvl="0"/>
+            <a:pPr lvl="1"/>
             <a:r>
               <a:rPr/>
-              <a:t>We have a dataset of 569 breast cancer cells, some of which are cancerous and some of which are benign.</a:t>
-            </a:r>
-          </a:p>
-          <a:p>
-            <a:pPr lvl="0"/>
+              <a:t>Breast Cancer Diagnosis Data</a:t>
+            </a:r>
+          </a:p>
+          <a:p>
+            <a:pPr lvl="1"/>
             <a:r>
               <a:rPr/>
-              <a:t>We have 30 features for each cell, which are the measurements of the cell.</a:t>
-            </a:r>
-          </a:p>
-          <a:p>
-            <a:pPr lvl="0"/>
+              <a:t>Predict Diagnosis of Tumor based on features</a:t>
+            </a:r>
+          </a:p>
+          <a:p>
+            <a:pPr lvl="1"/>
             <a:r>
               <a:rPr/>
-              <a:t>We have a binary variable, </a:t>
-            </a:r>
-            <a:r>
-              <a:rPr>
-                <a:latin typeface="Courier"/>
-              </a:rPr>
-              <a:t>diagnosis</a:t>
-            </a:r>
+              <a:t>Reduce Type II Error (False-Negatives)</a:t>
+            </a:r>
+          </a:p>
+          <a:p>
+            <a:pPr lvl="1"/>
             <a:r>
               <a:rPr/>
-              <a:t>, which is </a:t>
-            </a:r>
-            <a:r>
-              <a:rPr>
-                <a:latin typeface="Courier"/>
-              </a:rPr>
-              <a:t>M</a:t>
-            </a:r>
-            <a:r>
-              <a:rPr/>
-              <a:t> for malignant and </a:t>
-            </a:r>
-            <a:r>
-              <a:rPr>
-                <a:latin typeface="Courier"/>
-              </a:rPr>
-              <a:t>B</a:t>
-            </a:r>
-            <a:r>
-              <a:rPr/>
-              <a:t> for benign.</a:t>
-            </a:r>
-          </a:p>
-          <a:p>
-            <a:pPr lvl="0"/>
-            <a:r>
-              <a:rPr/>
-              <a:t>Add more stuff here…</a:t>
+              <a:t>Feature Selection</a:t>
             </a:r>
           </a:p>
         </p:txBody>
@@ -3341,12 +6761,56 @@
           <a:bodyPr/>
           <a:lstStyle/>
           <a:p>
-            <a:pPr lvl="0" indent="0" marL="0">
+            <a:pPr lvl="0" marL="0" indent="0">
               <a:buNone/>
             </a:pPr>
             <a:r>
               <a:rPr/>
-              <a:t>Sample Output</a:t>
+              <a:t>Data</a:t>
+            </a:r>
+          </a:p>
+        </p:txBody>
+      </p:sp>
+      <p:sp>
+        <p:nvSpPr>
+          <p:cNvPr id="3" name="Content Placeholder 2"/>
+          <p:cNvSpPr>
+            <a:spLocks noGrp="1"/>
+          </p:cNvSpPr>
+          <p:nvPr>
+            <p:ph idx="1"/>
+          </p:nvPr>
+        </p:nvSpPr>
+        <p:spPr/>
+        <p:txBody>
+          <a:bodyPr/>
+          <a:lstStyle/>
+          <a:p>
+            <a:pPr lvl="1"/>
+            <a:r>
+              <a:rPr/>
+              <a:t>Data collected from Kaggle</a:t>
+            </a:r>
+          </a:p>
+          <a:p>
+            <a:pPr lvl="1"/>
+            <a:r>
+              <a:rPr/>
+              <a:t>Response: Diagnosis (Benign/Malignant)</a:t>
+            </a:r>
+          </a:p>
+          <a:p>
+            <a:pPr lvl="1"/>
+            <a:r>
+              <a:rPr/>
+              <a:t>Mean, SE, and “Worst” measurements of 10 variables</a:t>
+            </a:r>
+          </a:p>
+          <a:p>
+            <a:pPr lvl="1"/>
+            <a:r>
+              <a:rPr/>
+              <a:t>Training/Test Split (60/40)</a:t>
             </a:r>
           </a:p>
         </p:txBody>
@@ -3383,22 +6847,47 @@
             <p:ph type="title"/>
           </p:nvPr>
         </p:nvSpPr>
-        <p:spPr>
-          <a:xfrm>
-            <a:off x="722313" y="3305176"/>
-            <a:ext cx="7772400" cy="1021556"/>
-          </a:xfrm>
-        </p:spPr>
+        <p:spPr/>
         <p:txBody>
           <a:bodyPr/>
           <a:lstStyle/>
           <a:p>
-            <a:pPr lvl="0" indent="0" marL="0">
+            <a:pPr lvl="0" marL="0" indent="0">
               <a:buNone/>
             </a:pPr>
             <a:r>
               <a:rPr/>
-              <a:t>Exploratory Data Analysis</a:t>
+              <a:t>EDA</a:t>
+            </a:r>
+          </a:p>
+        </p:txBody>
+      </p:sp>
+      <p:sp>
+        <p:nvSpPr>
+          <p:cNvPr id="3" name="Content Placeholder 2"/>
+          <p:cNvSpPr>
+            <a:spLocks noGrp="1"/>
+          </p:cNvSpPr>
+          <p:nvPr>
+            <p:ph idx="1"/>
+          </p:nvPr>
+        </p:nvSpPr>
+        <p:spPr/>
+        <p:txBody>
+          <a:bodyPr/>
+          <a:lstStyle/>
+          <a:p>
+            <a:pPr lvl="1"/>
+            <a:r>
+              <a:rPr/>
+              <a:t>Different measurements of each variable are correlated</a:t>
+            </a:r>
+          </a:p>
+          <a:p>
+            <a:pPr lvl="1"/>
+            <a:r>
+              <a:rPr/>
+              <a:t>Relationship with Diagnosis visible for each measurement</a:t>
             </a:r>
           </a:p>
         </p:txBody>
@@ -3425,36 +6914,36 @@
           <a:chExt cx="0" cy="0"/>
         </a:xfrm>
       </p:grpSpPr>
-      <p:sp>
-        <p:nvSpPr>
-          <p:cNvPr id="2" name="Title 1"/>
-          <p:cNvSpPr>
-            <a:spLocks noGrp="1"/>
-          </p:cNvSpPr>
-          <p:nvPr>
-            <p:ph type="title"/>
-          </p:nvPr>
-        </p:nvSpPr>
-        <p:spPr>
+      <p:pic>
+        <p:nvPicPr>
+          <p:cNvPr descr="powerpoint_files/figure-pptx/unnamed-chunk-1-1.png" id="0" name="Picture 1"/>
+          <p:cNvPicPr>
+            <a:picLocks noGrp="1" noChangeAspect="1"/>
+          </p:cNvPicPr>
+          <p:nvPr/>
+        </p:nvPicPr>
+        <p:blipFill>
+          <a:blip r:embed="rId2"/>
+          <a:stretch>
+            <a:fillRect/>
+          </a:stretch>
+        </p:blipFill>
+        <p:spPr bwMode="auto">
           <a:xfrm>
-            <a:off x="722313" y="3305176"/>
-            <a:ext cx="7772400" cy="1021556"/>
+            <a:off x="2387600" y="2159000"/>
+            <a:ext cx="5168900" cy="3873500"/>
           </a:xfrm>
+          <a:prstGeom prst="rect">
+            <a:avLst/>
+          </a:prstGeom>
+          <a:noFill/>
+          <a:ln w="9525">
+            <a:noFill/>
+            <a:headEnd/>
+            <a:tailEnd/>
+          </a:ln>
         </p:spPr>
-        <p:txBody>
-          <a:bodyPr/>
-          <a:lstStyle/>
-          <a:p>
-            <a:pPr lvl="0" indent="0" marL="0">
-              <a:buNone/>
-            </a:pPr>
-            <a:r>
-              <a:rPr/>
-              <a:t>Model Building</a:t>
-            </a:r>
-          </a:p>
-        </p:txBody>
-      </p:sp>
+      </p:pic>
     </p:spTree>
   </p:cSld>
 </p:sld>
@@ -3487,22 +6976,33 @@
             <p:ph type="title"/>
           </p:nvPr>
         </p:nvSpPr>
-        <p:spPr>
-          <a:xfrm>
-            <a:off x="722313" y="3305176"/>
-            <a:ext cx="7772400" cy="1021556"/>
-          </a:xfrm>
-        </p:spPr>
+        <p:spPr/>
         <p:txBody>
           <a:bodyPr/>
           <a:lstStyle/>
           <a:p>
-            <a:pPr lvl="0" indent="0" marL="0">
+            <a:pPr lvl="0" marL="0" indent="0">
               <a:buNone/>
             </a:pPr>
             <a:r>
               <a:rPr/>
-              <a:t>Testing Accuracy</a:t>
+              <a:t>Classification</a:t>
+            </a:r>
+            <a:r>
+              <a:rPr/>
+              <a:t> </a:t>
+            </a:r>
+            <a:r>
+              <a:rPr/>
+              <a:t>Analysis:</a:t>
+            </a:r>
+            <a:r>
+              <a:rPr/>
+              <a:t> </a:t>
+            </a:r>
+            <a:r>
+              <a:rPr/>
+              <a:t>Austin</a:t>
             </a:r>
           </a:p>
         </p:txBody>
@@ -3544,24 +7044,62 @@
           <a:bodyPr/>
           <a:lstStyle/>
           <a:p>
-            <a:pPr lvl="0" indent="0" marL="0">
+            <a:pPr lvl="0" marL="0" indent="0">
               <a:buNone/>
             </a:pPr>
             <a:r>
               <a:rPr/>
-              <a:t>Works Cited</a:t>
-            </a:r>
-          </a:p>
-        </p:txBody>
-      </p:sp>
-      <p:sp>
-        <p:nvSpPr>
-          <p:cNvPr id="3" name="Content Placeholder 2"/>
-          <p:cNvSpPr>
-            <a:spLocks noGrp="1"/>
-          </p:cNvSpPr>
-          <p:nvPr>
-            <p:ph idx="1"/>
+              <a:t>Classification</a:t>
+            </a:r>
+            <a:r>
+              <a:rPr/>
+              <a:t> </a:t>
+            </a:r>
+            <a:r>
+              <a:rPr/>
+              <a:t>Analysis:</a:t>
+            </a:r>
+            <a:r>
+              <a:rPr/>
+              <a:t> </a:t>
+            </a:r>
+            <a:r>
+              <a:rPr/>
+              <a:t>Danny</a:t>
+            </a:r>
+          </a:p>
+        </p:txBody>
+      </p:sp>
+    </p:spTree>
+  </p:cSld>
+</p:sld>
+</file>
+
+<file path=ppt/slides/slide8.xml><?xml version="1.0" encoding="utf-8"?>
+<p:sld xmlns:a="http://schemas.openxmlformats.org/drawingml/2006/main" xmlns:r="http://schemas.openxmlformats.org/officeDocument/2006/relationships" xmlns:p="http://schemas.openxmlformats.org/presentationml/2006/main">
+  <p:cSld>
+    <p:spTree>
+      <p:nvGrpSpPr>
+        <p:cNvPr id="1" name=""/>
+        <p:cNvGrpSpPr/>
+        <p:nvPr/>
+      </p:nvGrpSpPr>
+      <p:grpSpPr>
+        <a:xfrm>
+          <a:off x="0" y="0"/>
+          <a:ext cx="0" cy="0"/>
+          <a:chOff x="0" y="0"/>
+          <a:chExt cx="0" cy="0"/>
+        </a:xfrm>
+      </p:grpSpPr>
+      <p:sp>
+        <p:nvSpPr>
+          <p:cNvPr id="2" name="Title 1"/>
+          <p:cNvSpPr>
+            <a:spLocks noGrp="1"/>
+          </p:cNvSpPr>
+          <p:nvPr>
+            <p:ph type="title"/>
           </p:nvPr>
         </p:nvSpPr>
         <p:spPr/>
@@ -3569,10 +7107,83 @@
           <a:bodyPr/>
           <a:lstStyle/>
           <a:p>
-            <a:pPr lvl="0"/>
+            <a:pPr lvl="0" marL="0" indent="0">
+              <a:buNone/>
+            </a:pPr>
             <a:r>
               <a:rPr/>
-              <a:t>Insert link to kaggle dataset here</a:t>
+              <a:t>Regression</a:t>
+            </a:r>
+            <a:r>
+              <a:rPr/>
+              <a:t> </a:t>
+            </a:r>
+            <a:r>
+              <a:rPr/>
+              <a:t>Analysis:</a:t>
+            </a:r>
+            <a:r>
+              <a:rPr/>
+              <a:t> </a:t>
+            </a:r>
+            <a:r>
+              <a:rPr/>
+              <a:t>Ethan</a:t>
+            </a:r>
+          </a:p>
+        </p:txBody>
+      </p:sp>
+    </p:spTree>
+  </p:cSld>
+</p:sld>
+</file>
+
+<file path=ppt/slides/slide9.xml><?xml version="1.0" encoding="utf-8"?>
+<p:sld xmlns:a="http://schemas.openxmlformats.org/drawingml/2006/main" xmlns:r="http://schemas.openxmlformats.org/officeDocument/2006/relationships" xmlns:p="http://schemas.openxmlformats.org/presentationml/2006/main">
+  <p:cSld>
+    <p:spTree>
+      <p:nvGrpSpPr>
+        <p:cNvPr id="1" name=""/>
+        <p:cNvGrpSpPr/>
+        <p:nvPr/>
+      </p:nvGrpSpPr>
+      <p:grpSpPr>
+        <a:xfrm>
+          <a:off x="0" y="0"/>
+          <a:ext cx="0" cy="0"/>
+          <a:chOff x="0" y="0"/>
+          <a:chExt cx="0" cy="0"/>
+        </a:xfrm>
+      </p:grpSpPr>
+      <p:sp>
+        <p:nvSpPr>
+          <p:cNvPr id="2" name="Title 1"/>
+          <p:cNvSpPr>
+            <a:spLocks noGrp="1"/>
+          </p:cNvSpPr>
+          <p:nvPr>
+            <p:ph type="title"/>
+          </p:nvPr>
+        </p:nvSpPr>
+        <p:spPr/>
+        <p:txBody>
+          <a:bodyPr/>
+          <a:lstStyle/>
+          <a:p>
+            <a:pPr lvl="0" marL="0" indent="0">
+              <a:buNone/>
+            </a:pPr>
+            <a:r>
+              <a:rPr/>
+              <a:t>Model</a:t>
+            </a:r>
+            <a:r>
+              <a:rPr/>
+              <a:t> </a:t>
+            </a:r>
+            <a:r>
+              <a:rPr/>
+              <a:t>Assesments</a:t>
             </a:r>
           </a:p>
         </p:txBody>
@@ -3583,9 +7194,9 @@
 </file>
 
 <file path=ppt/theme/theme1.xml><?xml version="1.0" encoding="utf-8"?>
-<a:theme xmlns:a="http://schemas.openxmlformats.org/drawingml/2006/main" name="Office Theme">
+<a:theme xmlns:a="http://schemas.openxmlformats.org/drawingml/2006/main" name="Facet">
   <a:themeElements>
-    <a:clrScheme name="Office">
+    <a:clrScheme name="Facet">
       <a:dk1>
         <a:sysClr val="windowText" lastClr="000000"/>
       </a:dk1>
@@ -3593,52 +7204,52 @@
         <a:sysClr val="window" lastClr="FFFFFF"/>
       </a:lt1>
       <a:dk2>
-        <a:srgbClr val="1F497D"/>
+        <a:srgbClr val="2C3C43"/>
       </a:dk2>
       <a:lt2>
-        <a:srgbClr val="EEECE1"/>
+        <a:srgbClr val="EBEBEB"/>
       </a:lt2>
       <a:accent1>
-        <a:srgbClr val="4F81BD"/>
+        <a:srgbClr val="F496CB"/>
       </a:accent1>
       <a:accent2>
-        <a:srgbClr val="C0504D"/>
+        <a:srgbClr val="BC356F"/>
       </a:accent2>
       <a:accent3>
-        <a:srgbClr val="9BBB59"/>
+        <a:srgbClr val="E65331"/>
       </a:accent3>
       <a:accent4>
-        <a:srgbClr val="8064A2"/>
+        <a:srgbClr val="F27E19"/>
       </a:accent4>
       <a:accent5>
-        <a:srgbClr val="4BACC6"/>
+        <a:srgbClr val="F2AC19"/>
       </a:accent5>
       <a:accent6>
-        <a:srgbClr val="F79646"/>
+        <a:srgbClr val="BC80E0"/>
       </a:accent6>
       <a:hlink>
-        <a:srgbClr val="0000FF"/>
+        <a:srgbClr val="EF5285"/>
       </a:hlink>
       <a:folHlink>
-        <a:srgbClr val="800080"/>
+        <a:srgbClr val="F77F90"/>
       </a:folHlink>
     </a:clrScheme>
-    <a:fontScheme name="Office">
+    <a:fontScheme name="Facet">
       <a:majorFont>
-        <a:latin typeface="Calibri"/>
+        <a:latin typeface="Trebuchet MS" panose="020B0603020202020204"/>
         <a:ea typeface=""/>
         <a:cs typeface=""/>
-        <a:font script="Jpan" typeface="ＭＳ Ｐゴシック"/>
+        <a:font script="Jpan" typeface="メイリオ"/>
         <a:font script="Hang" typeface="맑은 고딕"/>
-        <a:font script="Hans" typeface="宋体"/>
-        <a:font script="Hant" typeface="新細明體"/>
-        <a:font script="Arab" typeface="Times New Roman"/>
-        <a:font script="Hebr" typeface="Times New Roman"/>
-        <a:font script="Thai" typeface="Angsana New"/>
+        <a:font script="Hans" typeface="方正姚体"/>
+        <a:font script="Hant" typeface="微軟正黑體"/>
+        <a:font script="Arab" typeface="Tahoma"/>
+        <a:font script="Hebr" typeface="Arial"/>
+        <a:font script="Thai" typeface="Cordia New"/>
         <a:font script="Ethi" typeface="Nyala"/>
         <a:font script="Beng" typeface="Vrinda"/>
         <a:font script="Gujr" typeface="Shruti"/>
-        <a:font script="Khmr" typeface="MoolBoran"/>
+        <a:font script="Khmr" typeface="DaunPenh"/>
         <a:font script="Knda" typeface="Tunga"/>
         <a:font script="Guru" typeface="Raavi"/>
         <a:font script="Cans" typeface="Euphemia"/>
@@ -3655,21 +7266,21 @@
         <a:font script="Laoo" typeface="DokChampa"/>
         <a:font script="Sinh" typeface="Iskoola Pota"/>
         <a:font script="Mong" typeface="Mongolian Baiti"/>
-        <a:font script="Viet" typeface="Times New Roman"/>
+        <a:font script="Viet" typeface="Tahoma"/>
         <a:font script="Uigh" typeface="Microsoft Uighur"/>
         <a:font script="Geor" typeface="Sylfaen"/>
       </a:majorFont>
       <a:minorFont>
-        <a:latin typeface="Calibri"/>
+        <a:latin typeface="Trebuchet MS" panose="020B0603020202020204"/>
         <a:ea typeface=""/>
         <a:cs typeface=""/>
-        <a:font script="Jpan" typeface="ＭＳ Ｐゴシック"/>
-        <a:font script="Hang" typeface="맑은 고딕"/>
-        <a:font script="Hans" typeface="宋体"/>
-        <a:font script="Hant" typeface="新細明體"/>
-        <a:font script="Arab" typeface="Arial"/>
-        <a:font script="Hebr" typeface="Arial"/>
-        <a:font script="Thai" typeface="Cordia New"/>
+        <a:font script="Jpan" typeface="メイリオ"/>
+        <a:font script="Hang" typeface="HY그래픽M"/>
+        <a:font script="Hans" typeface="华文新魏"/>
+        <a:font script="Hant" typeface="微軟正黑體"/>
+        <a:font script="Arab" typeface="Tahoma"/>
+        <a:font script="Hebr" typeface="Gisha"/>
+        <a:font script="Thai" typeface="IrisUPC"/>
         <a:font script="Ethi" typeface="Nyala"/>
         <a:font script="Beng" typeface="Vrinda"/>
         <a:font script="Gujr" typeface="Shruti"/>
@@ -3695,7 +7306,7 @@
         <a:font script="Geor" typeface="Sylfaen"/>
       </a:minorFont>
     </a:fontScheme>
-    <a:fmtScheme name="Office">
+    <a:fmtScheme name="Facet">
       <a:fillStyleLst>
         <a:solidFill>
           <a:schemeClr val="phClr"/>
@@ -3704,62 +7315,50 @@
           <a:gsLst>
             <a:gs pos="0">
               <a:schemeClr val="phClr">
-                <a:tint val="50000"/>
-                <a:satMod val="300000"/>
+                <a:tint val="65000"/>
+                <a:lumMod val="110000"/>
               </a:schemeClr>
             </a:gs>
-            <a:gs pos="35000">
+            <a:gs pos="88000">
               <a:schemeClr val="phClr">
-                <a:tint val="37000"/>
-                <a:satMod val="300000"/>
-              </a:schemeClr>
-            </a:gs>
-            <a:gs pos="100000">
-              <a:schemeClr val="phClr">
-                <a:tint val="15000"/>
-                <a:satMod val="350000"/>
+                <a:tint val="90000"/>
               </a:schemeClr>
             </a:gs>
           </a:gsLst>
-          <a:lin ang="16200000" scaled="1"/>
+          <a:lin ang="5400000" scaled="0"/>
         </a:gradFill>
         <a:gradFill rotWithShape="1">
           <a:gsLst>
             <a:gs pos="0">
               <a:schemeClr val="phClr">
-                <a:tint val="100000"/>
-                <a:shade val="100000"/>
-                <a:satMod val="130000"/>
+                <a:tint val="96000"/>
+                <a:lumMod val="100000"/>
               </a:schemeClr>
             </a:gs>
-            <a:gs pos="100000">
+            <a:gs pos="78000">
               <a:schemeClr val="phClr">
-                <a:tint val="50000"/>
-                <a:shade val="100000"/>
-                <a:satMod val="350000"/>
+                <a:shade val="94000"/>
+                <a:lumMod val="94000"/>
               </a:schemeClr>
             </a:gs>
           </a:gsLst>
-          <a:lin ang="16200000" scaled="0"/>
+          <a:lin ang="5400000" scaled="0"/>
         </a:gradFill>
       </a:fillStyleLst>
       <a:lnStyleLst>
-        <a:ln w="9525" cap="flat" cmpd="sng" algn="ctr">
-          <a:solidFill>
-            <a:schemeClr val="phClr">
-              <a:shade val="95000"/>
-              <a:satMod val="105000"/>
-            </a:schemeClr>
-          </a:solidFill>
-          <a:prstDash val="solid"/>
-        </a:ln>
-        <a:ln w="25400" cap="flat" cmpd="sng" algn="ctr">
+        <a:ln w="12700" cap="rnd" cmpd="sng" algn="ctr">
           <a:solidFill>
             <a:schemeClr val="phClr"/>
           </a:solidFill>
           <a:prstDash val="solid"/>
         </a:ln>
-        <a:ln w="38100" cap="flat" cmpd="sng" algn="ctr">
+        <a:ln w="19050" cap="rnd" cmpd="sng" algn="ctr">
+          <a:solidFill>
+            <a:schemeClr val="phClr"/>
+          </a:solidFill>
+          <a:prstDash val="solid"/>
+        </a:ln>
+        <a:ln w="25400" cap="rnd" cmpd="sng" algn="ctr">
           <a:solidFill>
             <a:schemeClr val="phClr"/>
           </a:solidFill>
@@ -3768,17 +7367,11 @@
       </a:lnStyleLst>
       <a:effectStyleLst>
         <a:effectStyle>
-          <a:effectLst>
-            <a:outerShdw blurRad="40000" dist="20000" dir="5400000" rotWithShape="0">
-              <a:srgbClr val="000000">
-                <a:alpha val="38000"/>
-              </a:srgbClr>
-            </a:outerShdw>
-          </a:effectLst>
+          <a:effectLst/>
         </a:effectStyle>
         <a:effectStyle>
           <a:effectLst>
-            <a:outerShdw blurRad="40000" dist="23000" dir="5400000" rotWithShape="0">
+            <a:outerShdw blurRad="38100" dist="25400" dir="5400000" rotWithShape="0">
               <a:srgbClr val="000000">
                 <a:alpha val="35000"/>
               </a:srgbClr>
@@ -3787,7 +7380,7 @@
         </a:effectStyle>
         <a:effectStyle>
           <a:effectLst>
-            <a:outerShdw blurRad="40000" dist="23000" dir="5400000" rotWithShape="0">
+            <a:outerShdw blurRad="50800" dist="38100" dir="5400000" rotWithShape="0">
               <a:srgbClr val="000000">
                 <a:alpha val="35000"/>
               </a:srgbClr>
@@ -3797,12 +7390,10 @@
             <a:camera prst="orthographicFront">
               <a:rot lat="0" lon="0" rev="0"/>
             </a:camera>
-            <a:lightRig rig="threePt" dir="t">
-              <a:rot lat="0" lon="0" rev="1200000"/>
-            </a:lightRig>
+            <a:lightRig rig="threePt" dir="tl"/>
           </a:scene3d>
-          <a:sp3d>
-            <a:bevelT w="63500" h="25400"/>
+          <a:sp3d prstMaterial="plastic">
+            <a:bevelT w="0" h="0"/>
           </a:sp3d>
         </a:effectStyle>
       </a:effectStyleLst>
@@ -3814,233 +7405,14 @@
           <a:gsLst>
             <a:gs pos="0">
               <a:schemeClr val="phClr">
-                <a:tint val="40000"/>
-                <a:satMod val="350000"/>
+                <a:tint val="90000"/>
+                <a:lumMod val="104000"/>
               </a:schemeClr>
             </a:gs>
-            <a:gs pos="40000">
+            <a:gs pos="94000">
               <a:schemeClr val="phClr">
-                <a:tint val="45000"/>
-                <a:shade val="99000"/>
-                <a:satMod val="350000"/>
-              </a:schemeClr>
-            </a:gs>
-            <a:gs pos="100000">
-              <a:schemeClr val="phClr">
-                <a:shade val="20000"/>
-                <a:satMod val="255000"/>
-              </a:schemeClr>
-            </a:gs>
-          </a:gsLst>
-          <a:path path="circle">
-            <a:fillToRect l="50000" t="-80000" r="50000" b="180000"/>
-          </a:path>
-        </a:gradFill>
-        <a:gradFill rotWithShape="1">
-          <a:gsLst>
-            <a:gs pos="0">
-              <a:schemeClr val="phClr">
-                <a:tint val="80000"/>
-                <a:satMod val="300000"/>
-              </a:schemeClr>
-            </a:gs>
-            <a:gs pos="100000">
-              <a:schemeClr val="phClr">
-                <a:shade val="30000"/>
-                <a:satMod val="200000"/>
-              </a:schemeClr>
-            </a:gs>
-          </a:gsLst>
-          <a:path path="circle">
-            <a:fillToRect l="50000" t="50000" r="50000" b="50000"/>
-          </a:path>
-        </a:gradFill>
-      </a:bgFillStyleLst>
-    </a:fmtScheme>
-  </a:themeElements>
-  <a:objectDefaults>
-    <a:spDef>
-      <a:spPr/>
-      <a:bodyPr/>
-      <a:lstStyle/>
-      <a:style>
-        <a:lnRef idx="1">
-          <a:schemeClr val="accent1"/>
-        </a:lnRef>
-        <a:fillRef idx="3">
-          <a:schemeClr val="accent1"/>
-        </a:fillRef>
-        <a:effectRef idx="2">
-          <a:schemeClr val="accent1"/>
-        </a:effectRef>
-        <a:fontRef idx="minor">
-          <a:schemeClr val="lt1"/>
-        </a:fontRef>
-      </a:style>
-    </a:spDef>
-    <a:lnDef>
-      <a:spPr/>
-      <a:bodyPr/>
-      <a:lstStyle/>
-      <a:style>
-        <a:lnRef idx="2">
-          <a:schemeClr val="accent1"/>
-        </a:lnRef>
-        <a:fillRef idx="0">
-          <a:schemeClr val="accent1"/>
-        </a:fillRef>
-        <a:effectRef idx="1">
-          <a:schemeClr val="accent1"/>
-        </a:effectRef>
-        <a:fontRef idx="minor">
-          <a:schemeClr val="tx1"/>
-        </a:fontRef>
-      </a:style>
-    </a:lnDef>
-  </a:objectDefaults>
-  <a:extraClrSchemeLst/>
-</a:theme>
-</file>
-
-<file path=ppt/theme/theme2.xml><?xml version="1.0" encoding="utf-8"?>
-<a:theme xmlns:a="http://schemas.openxmlformats.org/drawingml/2006/main" name="Office Theme">
-  <a:themeElements>
-    <a:clrScheme name="Office">
-      <a:dk1>
-        <a:sysClr val="windowText" lastClr="000000"/>
-      </a:dk1>
-      <a:lt1>
-        <a:sysClr val="window" lastClr="FFFFFF"/>
-      </a:lt1>
-      <a:dk2>
-        <a:srgbClr val="44546A"/>
-      </a:dk2>
-      <a:lt2>
-        <a:srgbClr val="E7E6E6"/>
-      </a:lt2>
-      <a:accent1>
-        <a:srgbClr val="5B9BD5"/>
-      </a:accent1>
-      <a:accent2>
-        <a:srgbClr val="ED7D31"/>
-      </a:accent2>
-      <a:accent3>
-        <a:srgbClr val="A5A5A5"/>
-      </a:accent3>
-      <a:accent4>
-        <a:srgbClr val="FFC000"/>
-      </a:accent4>
-      <a:accent5>
-        <a:srgbClr val="4472C4"/>
-      </a:accent5>
-      <a:accent6>
-        <a:srgbClr val="70AD47"/>
-      </a:accent6>
-      <a:hlink>
-        <a:srgbClr val="0563C1"/>
-      </a:hlink>
-      <a:folHlink>
-        <a:srgbClr val="954F72"/>
-      </a:folHlink>
-    </a:clrScheme>
-    <a:fontScheme name="Office">
-      <a:majorFont>
-        <a:latin typeface="Calibri Light" panose="020F0302020204030204"/>
-        <a:ea typeface=""/>
-        <a:cs typeface=""/>
-        <a:font script="Jpan" typeface="ＭＳ Ｐゴシック"/>
-        <a:font script="Hang" typeface="맑은 고딕"/>
-        <a:font script="Hans" typeface="宋体"/>
-        <a:font script="Hant" typeface="新細明體"/>
-        <a:font script="Arab" typeface="Times New Roman"/>
-        <a:font script="Hebr" typeface="Times New Roman"/>
-        <a:font script="Thai" typeface="Angsana New"/>
-        <a:font script="Ethi" typeface="Nyala"/>
-        <a:font script="Beng" typeface="Vrinda"/>
-        <a:font script="Gujr" typeface="Shruti"/>
-        <a:font script="Khmr" typeface="MoolBoran"/>
-        <a:font script="Knda" typeface="Tunga"/>
-        <a:font script="Guru" typeface="Raavi"/>
-        <a:font script="Cans" typeface="Euphemia"/>
-        <a:font script="Cher" typeface="Plantagenet Cherokee"/>
-        <a:font script="Yiii" typeface="Microsoft Yi Baiti"/>
-        <a:font script="Tibt" typeface="Microsoft Himalaya"/>
-        <a:font script="Thaa" typeface="MV Boli"/>
-        <a:font script="Deva" typeface="Mangal"/>
-        <a:font script="Telu" typeface="Gautami"/>
-        <a:font script="Taml" typeface="Latha"/>
-        <a:font script="Syrc" typeface="Estrangelo Edessa"/>
-        <a:font script="Orya" typeface="Kalinga"/>
-        <a:font script="Mlym" typeface="Kartika"/>
-        <a:font script="Laoo" typeface="DokChampa"/>
-        <a:font script="Sinh" typeface="Iskoola Pota"/>
-        <a:font script="Mong" typeface="Mongolian Baiti"/>
-        <a:font script="Viet" typeface="Times New Roman"/>
-        <a:font script="Uigh" typeface="Microsoft Uighur"/>
-        <a:font script="Geor" typeface="Sylfaen"/>
-      </a:majorFont>
-      <a:minorFont>
-        <a:latin typeface="Calibri" panose="020F0502020204030204"/>
-        <a:ea typeface=""/>
-        <a:cs typeface=""/>
-        <a:font script="Jpan" typeface="ＭＳ Ｐゴシック"/>
-        <a:font script="Hang" typeface="맑은 고딕"/>
-        <a:font script="Hans" typeface="宋体"/>
-        <a:font script="Hant" typeface="新細明體"/>
-        <a:font script="Arab" typeface="Arial"/>
-        <a:font script="Hebr" typeface="Arial"/>
-        <a:font script="Thai" typeface="Cordia New"/>
-        <a:font script="Ethi" typeface="Nyala"/>
-        <a:font script="Beng" typeface="Vrinda"/>
-        <a:font script="Gujr" typeface="Shruti"/>
-        <a:font script="Khmr" typeface="DaunPenh"/>
-        <a:font script="Knda" typeface="Tunga"/>
-        <a:font script="Guru" typeface="Raavi"/>
-        <a:font script="Cans" typeface="Euphemia"/>
-        <a:font script="Cher" typeface="Plantagenet Cherokee"/>
-        <a:font script="Yiii" typeface="Microsoft Yi Baiti"/>
-        <a:font script="Tibt" typeface="Microsoft Himalaya"/>
-        <a:font script="Thaa" typeface="MV Boli"/>
-        <a:font script="Deva" typeface="Mangal"/>
-        <a:font script="Telu" typeface="Gautami"/>
-        <a:font script="Taml" typeface="Latha"/>
-        <a:font script="Syrc" typeface="Estrangelo Edessa"/>
-        <a:font script="Orya" typeface="Kalinga"/>
-        <a:font script="Mlym" typeface="Kartika"/>
-        <a:font script="Laoo" typeface="DokChampa"/>
-        <a:font script="Sinh" typeface="Iskoola Pota"/>
-        <a:font script="Mong" typeface="Mongolian Baiti"/>
-        <a:font script="Viet" typeface="Arial"/>
-        <a:font script="Uigh" typeface="Microsoft Uighur"/>
-        <a:font script="Geor" typeface="Sylfaen"/>
-      </a:minorFont>
-    </a:fontScheme>
-    <a:fmtScheme name="Office">
-      <a:fillStyleLst>
-        <a:solidFill>
-          <a:schemeClr val="phClr"/>
-        </a:solidFill>
-        <a:gradFill rotWithShape="1">
-          <a:gsLst>
-            <a:gs pos="0">
-              <a:schemeClr val="phClr">
-                <a:lumMod val="110000"/>
-                <a:satMod val="105000"/>
-                <a:tint val="67000"/>
-              </a:schemeClr>
-            </a:gs>
-            <a:gs pos="50000">
-              <a:schemeClr val="phClr">
-                <a:lumMod val="105000"/>
-                <a:satMod val="103000"/>
-                <a:tint val="73000"/>
-              </a:schemeClr>
-            </a:gs>
-            <a:gs pos="100000">
-              <a:schemeClr val="phClr">
-                <a:lumMod val="105000"/>
-                <a:satMod val="109000"/>
-                <a:tint val="81000"/>
+                <a:shade val="96000"/>
+                <a:lumMod val="82000"/>
               </a:schemeClr>
             </a:gs>
           </a:gsLst>
@@ -4050,105 +7422,20 @@
           <a:gsLst>
             <a:gs pos="0">
               <a:schemeClr val="phClr">
-                <a:satMod val="103000"/>
-                <a:lumMod val="102000"/>
-                <a:tint val="94000"/>
-              </a:schemeClr>
-            </a:gs>
-            <a:gs pos="50000">
-              <a:schemeClr val="phClr">
-                <a:satMod val="110000"/>
-                <a:lumMod val="100000"/>
-                <a:shade val="100000"/>
+                <a:tint val="90000"/>
+                <a:lumMod val="110000"/>
               </a:schemeClr>
             </a:gs>
             <a:gs pos="100000">
               <a:schemeClr val="phClr">
-                <a:lumMod val="99000"/>
-                <a:satMod val="120000"/>
-                <a:shade val="78000"/>
+                <a:shade val="94000"/>
+                <a:lumMod val="96000"/>
               </a:schemeClr>
             </a:gs>
           </a:gsLst>
-          <a:lin ang="5400000" scaled="0"/>
-        </a:gradFill>
-      </a:fillStyleLst>
-      <a:lnStyleLst>
-        <a:ln w="6350" cap="flat" cmpd="sng" algn="ctr">
-          <a:solidFill>
-            <a:schemeClr val="phClr"/>
-          </a:solidFill>
-          <a:prstDash val="solid"/>
-          <a:miter lim="800000"/>
-        </a:ln>
-        <a:ln w="12700" cap="flat" cmpd="sng" algn="ctr">
-          <a:solidFill>
-            <a:schemeClr val="phClr"/>
-          </a:solidFill>
-          <a:prstDash val="solid"/>
-          <a:miter lim="800000"/>
-        </a:ln>
-        <a:ln w="19050" cap="flat" cmpd="sng" algn="ctr">
-          <a:solidFill>
-            <a:schemeClr val="phClr"/>
-          </a:solidFill>
-          <a:prstDash val="solid"/>
-          <a:miter lim="800000"/>
-        </a:ln>
-      </a:lnStyleLst>
-      <a:effectStyleLst>
-        <a:effectStyle>
-          <a:effectLst/>
-        </a:effectStyle>
-        <a:effectStyle>
-          <a:effectLst/>
-        </a:effectStyle>
-        <a:effectStyle>
-          <a:effectLst>
-            <a:outerShdw blurRad="57150" dist="19050" dir="5400000" algn="ctr" rotWithShape="0">
-              <a:srgbClr val="000000">
-                <a:alpha val="63000"/>
-              </a:srgbClr>
-            </a:outerShdw>
-          </a:effectLst>
-        </a:effectStyle>
-      </a:effectStyleLst>
-      <a:bgFillStyleLst>
-        <a:solidFill>
-          <a:schemeClr val="phClr"/>
-        </a:solidFill>
-        <a:solidFill>
-          <a:schemeClr val="phClr">
-            <a:tint val="95000"/>
-            <a:satMod val="170000"/>
-          </a:schemeClr>
-        </a:solidFill>
-        <a:gradFill rotWithShape="1">
-          <a:gsLst>
-            <a:gs pos="0">
-              <a:schemeClr val="phClr">
-                <a:tint val="93000"/>
-                <a:satMod val="150000"/>
-                <a:shade val="98000"/>
-                <a:lumMod val="102000"/>
-              </a:schemeClr>
-            </a:gs>
-            <a:gs pos="50000">
-              <a:schemeClr val="phClr">
-                <a:tint val="98000"/>
-                <a:satMod val="130000"/>
-                <a:shade val="90000"/>
-                <a:lumMod val="103000"/>
-              </a:schemeClr>
-            </a:gs>
-            <a:gs pos="100000">
-              <a:schemeClr val="phClr">
-                <a:shade val="63000"/>
-                <a:satMod val="120000"/>
-              </a:schemeClr>
-            </a:gs>
-          </a:gsLst>
-          <a:lin ang="5400000" scaled="0"/>
+          <a:path path="circle">
+            <a:fillToRect l="50000" t="50000" r="100000" b="100000"/>
+          </a:path>
         </a:gradFill>
       </a:bgFillStyleLst>
     </a:fmtScheme>
@@ -4157,7 +7444,7 @@
   <a:extraClrSchemeLst/>
   <a:extLst>
     <a:ext uri="{05A4C25C-085E-4340-85A3-A5531E510DB2}">
-      <thm15:themeFamily xmlns:thm15="http://schemas.microsoft.com/office/thememl/2012/main" name="Office Theme" id="{62F939B6-93AF-4DB8-9C6B-D6C7DFDC589F}" vid="{4A3C46E8-61CC-4603-A589-7422A47A8E4A}"/>
+      <thm15:themeFamily xmlns:thm15="http://schemas.microsoft.com/office/thememl/2012/main" name="Facet" id="{C0C680CD-088A-49FC-A102-D699147F32B2}" vid="{23659B44-6E34-4CE8-8F0D-387DA7996826}"/>
     </a:ext>
   </a:extLst>
 </a:theme>

--- a/powerpoint.pptx
+++ b/powerpoint.pptx
@@ -15,6 +15,7 @@
     <p:sldId id="263" r:id="rId9"/>
     <p:sldId id="264" r:id="rId10"/>
     <p:sldId id="265" r:id="rId11"/>
+    <p:sldId id="266" r:id="rId12"/>
   </p:sldIdLst>
   <p:sldSz cx="12192000" cy="6858000"/>
   <p:notesSz cx="6858000" cy="9144000"/>
@@ -6597,6 +6598,61 @@
             </a:pPr>
             <a:r>
               <a:rPr/>
+              <a:t>Model</a:t>
+            </a:r>
+            <a:r>
+              <a:rPr/>
+              <a:t> </a:t>
+            </a:r>
+            <a:r>
+              <a:rPr/>
+              <a:t>Assesments</a:t>
+            </a:r>
+          </a:p>
+        </p:txBody>
+      </p:sp>
+    </p:spTree>
+  </p:cSld>
+</p:sld>
+</file>
+
+<file path=ppt/slides/slide11.xml><?xml version="1.0" encoding="utf-8"?>
+<p:sld xmlns:a="http://schemas.openxmlformats.org/drawingml/2006/main" xmlns:r="http://schemas.openxmlformats.org/officeDocument/2006/relationships" xmlns:p="http://schemas.openxmlformats.org/presentationml/2006/main">
+  <p:cSld>
+    <p:spTree>
+      <p:nvGrpSpPr>
+        <p:cNvPr id="1" name=""/>
+        <p:cNvGrpSpPr/>
+        <p:nvPr/>
+      </p:nvGrpSpPr>
+      <p:grpSpPr>
+        <a:xfrm>
+          <a:off x="0" y="0"/>
+          <a:ext cx="0" cy="0"/>
+          <a:chOff x="0" y="0"/>
+          <a:chExt cx="0" cy="0"/>
+        </a:xfrm>
+      </p:grpSpPr>
+      <p:sp>
+        <p:nvSpPr>
+          <p:cNvPr id="2" name="Title 1"/>
+          <p:cNvSpPr>
+            <a:spLocks noGrp="1"/>
+          </p:cNvSpPr>
+          <p:nvPr>
+            <p:ph type="title"/>
+          </p:nvPr>
+        </p:nvSpPr>
+        <p:spPr/>
+        <p:txBody>
+          <a:bodyPr/>
+          <a:lstStyle/>
+          <a:p>
+            <a:pPr lvl="0" marL="0" indent="0">
+              <a:buNone/>
+            </a:pPr>
+            <a:r>
+              <a:rPr/>
               <a:t>Works</a:t>
             </a:r>
             <a:r>
@@ -6857,37 +6913,7 @@
             </a:pPr>
             <a:r>
               <a:rPr/>
-              <a:t>EDA</a:t>
-            </a:r>
-          </a:p>
-        </p:txBody>
-      </p:sp>
-      <p:sp>
-        <p:nvSpPr>
-          <p:cNvPr id="3" name="Content Placeholder 2"/>
-          <p:cNvSpPr>
-            <a:spLocks noGrp="1"/>
-          </p:cNvSpPr>
-          <p:nvPr>
-            <p:ph idx="1"/>
-          </p:nvPr>
-        </p:nvSpPr>
-        <p:spPr/>
-        <p:txBody>
-          <a:bodyPr/>
-          <a:lstStyle/>
-          <a:p>
-            <a:pPr lvl="1"/>
-            <a:r>
-              <a:rPr/>
-              <a:t>Different measurements of each variable are correlated</a:t>
-            </a:r>
-          </a:p>
-          <a:p>
-            <a:pPr lvl="1"/>
-            <a:r>
-              <a:rPr/>
-              <a:t>Relationship with Diagnosis visible for each measurement</a:t>
+              <a:t>Features</a:t>
             </a:r>
           </a:p>
         </p:txBody>
@@ -6898,6 +6924,87 @@
 </file>
 
 <file path=ppt/slides/slide5.xml><?xml version="1.0" encoding="utf-8"?>
+<p:sld xmlns:a="http://schemas.openxmlformats.org/drawingml/2006/main" xmlns:r="http://schemas.openxmlformats.org/officeDocument/2006/relationships" xmlns:p="http://schemas.openxmlformats.org/presentationml/2006/main">
+  <p:cSld>
+    <p:spTree>
+      <p:nvGrpSpPr>
+        <p:cNvPr id="1" name=""/>
+        <p:cNvGrpSpPr/>
+        <p:nvPr/>
+      </p:nvGrpSpPr>
+      <p:grpSpPr>
+        <a:xfrm>
+          <a:off x="0" y="0"/>
+          <a:ext cx="0" cy="0"/>
+          <a:chOff x="0" y="0"/>
+          <a:chExt cx="0" cy="0"/>
+        </a:xfrm>
+      </p:grpSpPr>
+      <p:sp>
+        <p:nvSpPr>
+          <p:cNvPr id="2" name="Title 1"/>
+          <p:cNvSpPr>
+            <a:spLocks noGrp="1"/>
+          </p:cNvSpPr>
+          <p:nvPr>
+            <p:ph type="title"/>
+          </p:nvPr>
+        </p:nvSpPr>
+        <p:spPr/>
+        <p:txBody>
+          <a:bodyPr/>
+          <a:lstStyle/>
+          <a:p>
+            <a:pPr lvl="0" marL="0" indent="0">
+              <a:buNone/>
+            </a:pPr>
+            <a:r>
+              <a:rPr/>
+              <a:t>EDA</a:t>
+            </a:r>
+          </a:p>
+        </p:txBody>
+      </p:sp>
+      <p:sp>
+        <p:nvSpPr>
+          <p:cNvPr id="3" name="Content Placeholder 2"/>
+          <p:cNvSpPr>
+            <a:spLocks noGrp="1"/>
+          </p:cNvSpPr>
+          <p:nvPr>
+            <p:ph idx="1"/>
+          </p:nvPr>
+        </p:nvSpPr>
+        <p:spPr/>
+        <p:txBody>
+          <a:bodyPr/>
+          <a:lstStyle/>
+          <a:p>
+            <a:pPr lvl="0" marL="0" indent="0">
+              <a:buNone/>
+            </a:pPr>
+            <a:r>
+              <a:rPr/>
+              <a:t>Different measurements of each variable are correlated</a:t>
+            </a:r>
+          </a:p>
+          <a:p>
+            <a:pPr lvl="0" marL="0" indent="0">
+              <a:buNone/>
+            </a:pPr>
+            <a:r>
+              <a:rPr/>
+              <a:t>Relationship with Diagnosis visible for each measurement</a:t>
+            </a:r>
+          </a:p>
+        </p:txBody>
+      </p:sp>
+    </p:spTree>
+  </p:cSld>
+</p:sld>
+</file>
+
+<file path=ppt/slides/slide6.xml><?xml version="1.0" encoding="utf-8"?>
 <p:sld xmlns:a="http://schemas.openxmlformats.org/drawingml/2006/main" xmlns:r="http://schemas.openxmlformats.org/officeDocument/2006/relationships" xmlns:p="http://schemas.openxmlformats.org/presentationml/2006/main">
   <p:cSld>
     <p:spTree>
@@ -6930,8 +7037,8 @@
         </p:blipFill>
         <p:spPr bwMode="auto">
           <a:xfrm>
-            <a:off x="2387600" y="2159000"/>
-            <a:ext cx="5168900" cy="3873500"/>
+            <a:off x="2057400" y="2159000"/>
+            <a:ext cx="5816600" cy="3873500"/>
           </a:xfrm>
           <a:prstGeom prst="rect">
             <a:avLst/>
@@ -6944,69 +7051,6 @@
           </a:ln>
         </p:spPr>
       </p:pic>
-    </p:spTree>
-  </p:cSld>
-</p:sld>
-</file>
-
-<file path=ppt/slides/slide6.xml><?xml version="1.0" encoding="utf-8"?>
-<p:sld xmlns:a="http://schemas.openxmlformats.org/drawingml/2006/main" xmlns:r="http://schemas.openxmlformats.org/officeDocument/2006/relationships" xmlns:p="http://schemas.openxmlformats.org/presentationml/2006/main">
-  <p:cSld>
-    <p:spTree>
-      <p:nvGrpSpPr>
-        <p:cNvPr id="1" name=""/>
-        <p:cNvGrpSpPr/>
-        <p:nvPr/>
-      </p:nvGrpSpPr>
-      <p:grpSpPr>
-        <a:xfrm>
-          <a:off x="0" y="0"/>
-          <a:ext cx="0" cy="0"/>
-          <a:chOff x="0" y="0"/>
-          <a:chExt cx="0" cy="0"/>
-        </a:xfrm>
-      </p:grpSpPr>
-      <p:sp>
-        <p:nvSpPr>
-          <p:cNvPr id="2" name="Title 1"/>
-          <p:cNvSpPr>
-            <a:spLocks noGrp="1"/>
-          </p:cNvSpPr>
-          <p:nvPr>
-            <p:ph type="title"/>
-          </p:nvPr>
-        </p:nvSpPr>
-        <p:spPr/>
-        <p:txBody>
-          <a:bodyPr/>
-          <a:lstStyle/>
-          <a:p>
-            <a:pPr lvl="0" marL="0" indent="0">
-              <a:buNone/>
-            </a:pPr>
-            <a:r>
-              <a:rPr/>
-              <a:t>Classification</a:t>
-            </a:r>
-            <a:r>
-              <a:rPr/>
-              <a:t> </a:t>
-            </a:r>
-            <a:r>
-              <a:rPr/>
-              <a:t>Analysis:</a:t>
-            </a:r>
-            <a:r>
-              <a:rPr/>
-              <a:t> </a:t>
-            </a:r>
-            <a:r>
-              <a:rPr/>
-              <a:t>Austin</a:t>
-            </a:r>
-          </a:p>
-        </p:txBody>
-      </p:sp>
     </p:spTree>
   </p:cSld>
 </p:sld>
@@ -7065,7 +7109,7 @@
             </a:r>
             <a:r>
               <a:rPr/>
-              <a:t>Danny</a:t>
+              <a:t>Austin</a:t>
             </a:r>
           </a:p>
         </p:txBody>
@@ -7112,7 +7156,7 @@
             </a:pPr>
             <a:r>
               <a:rPr/>
-              <a:t>Regression</a:t>
+              <a:t>Classification</a:t>
             </a:r>
             <a:r>
               <a:rPr/>
@@ -7128,7 +7172,7 @@
             </a:r>
             <a:r>
               <a:rPr/>
-              <a:t>Ethan</a:t>
+              <a:t>Danny</a:t>
             </a:r>
           </a:p>
         </p:txBody>
@@ -7175,7 +7219,7 @@
             </a:pPr>
             <a:r>
               <a:rPr/>
-              <a:t>Model</a:t>
+              <a:t>Regression</a:t>
             </a:r>
             <a:r>
               <a:rPr/>
@@ -7183,7 +7227,15 @@
             </a:r>
             <a:r>
               <a:rPr/>
-              <a:t>Assesments</a:t>
+              <a:t>Analysis:</a:t>
+            </a:r>
+            <a:r>
+              <a:rPr/>
+              <a:t> </a:t>
+            </a:r>
+            <a:r>
+              <a:rPr/>
+              <a:t>Ethan</a:t>
             </a:r>
           </a:p>
         </p:txBody>

--- a/powerpoint.pptx
+++ b/powerpoint.pptx
@@ -16,6 +16,11 @@
     <p:sldId id="264" r:id="rId10"/>
     <p:sldId id="265" r:id="rId11"/>
     <p:sldId id="266" r:id="rId12"/>
+    <p:sldId id="267" r:id="rId13"/>
+    <p:sldId id="268" r:id="rId14"/>
+    <p:sldId id="269" r:id="rId15"/>
+    <p:sldId id="270" r:id="rId16"/>
+    <p:sldId id="271" r:id="rId17"/>
   </p:sldIdLst>
   <p:sldSz cx="12192000" cy="6858000"/>
   <p:notesSz cx="6858000" cy="9144000"/>
@@ -6598,432 +6603,38 @@
             </a:pPr>
             <a:r>
               <a:rPr/>
+              <a:t>Support</a:t>
+            </a:r>
+            <a:r>
+              <a:rPr/>
+              <a:t> </a:t>
+            </a:r>
+            <a:r>
+              <a:rPr/>
+              <a:t>Vector</a:t>
+            </a:r>
+            <a:r>
+              <a:rPr/>
+              <a:t> </a:t>
+            </a:r>
+            <a:r>
+              <a:rPr/>
+              <a:t>Classifier</a:t>
+            </a:r>
+            <a:r>
+              <a:rPr/>
+              <a:t> </a:t>
+            </a:r>
+            <a:r>
+              <a:rPr/>
               <a:t>Model</a:t>
             </a:r>
-            <a:r>
-              <a:rPr/>
-              <a:t> </a:t>
-            </a:r>
-            <a:r>
-              <a:rPr/>
-              <a:t>Assesments</a:t>
-            </a:r>
-          </a:p>
-        </p:txBody>
-      </p:sp>
-    </p:spTree>
-  </p:cSld>
-</p:sld>
-</file>
-
-<file path=ppt/slides/slide11.xml><?xml version="1.0" encoding="utf-8"?>
-<p:sld xmlns:a="http://schemas.openxmlformats.org/drawingml/2006/main" xmlns:r="http://schemas.openxmlformats.org/officeDocument/2006/relationships" xmlns:p="http://schemas.openxmlformats.org/presentationml/2006/main">
-  <p:cSld>
-    <p:spTree>
-      <p:nvGrpSpPr>
-        <p:cNvPr id="1" name=""/>
-        <p:cNvGrpSpPr/>
-        <p:nvPr/>
-      </p:nvGrpSpPr>
-      <p:grpSpPr>
-        <a:xfrm>
-          <a:off x="0" y="0"/>
-          <a:ext cx="0" cy="0"/>
-          <a:chOff x="0" y="0"/>
-          <a:chExt cx="0" cy="0"/>
-        </a:xfrm>
-      </p:grpSpPr>
-      <p:sp>
-        <p:nvSpPr>
-          <p:cNvPr id="2" name="Title 1"/>
-          <p:cNvSpPr>
-            <a:spLocks noGrp="1"/>
-          </p:cNvSpPr>
-          <p:nvPr>
-            <p:ph type="title"/>
-          </p:nvPr>
-        </p:nvSpPr>
-        <p:spPr/>
-        <p:txBody>
-          <a:bodyPr/>
-          <a:lstStyle/>
-          <a:p>
-            <a:pPr lvl="0" marL="0" indent="0">
-              <a:buNone/>
-            </a:pPr>
-            <a:r>
-              <a:rPr/>
-              <a:t>Works</a:t>
-            </a:r>
-            <a:r>
-              <a:rPr/>
-              <a:t> </a:t>
-            </a:r>
-            <a:r>
-              <a:rPr/>
-              <a:t>Cited</a:t>
-            </a:r>
-          </a:p>
-        </p:txBody>
-      </p:sp>
-      <p:sp>
-        <p:nvSpPr>
-          <p:cNvPr id="3" name="Content Placeholder 2"/>
-          <p:cNvSpPr>
-            <a:spLocks noGrp="1"/>
-          </p:cNvSpPr>
-          <p:nvPr>
-            <p:ph idx="1"/>
-          </p:nvPr>
-        </p:nvSpPr>
-        <p:spPr/>
-        <p:txBody>
-          <a:bodyPr/>
-          <a:lstStyle/>
-          <a:p>
-            <a:pPr lvl="1"/>
-            <a:r>
-              <a:rPr/>
-              <a:t>Insert link to kaggle dataset here</a:t>
-            </a:r>
-          </a:p>
-        </p:txBody>
-      </p:sp>
-    </p:spTree>
-  </p:cSld>
-</p:sld>
-</file>
-
-<file path=ppt/slides/slide2.xml><?xml version="1.0" encoding="utf-8"?>
-<p:sld xmlns:a="http://schemas.openxmlformats.org/drawingml/2006/main" xmlns:r="http://schemas.openxmlformats.org/officeDocument/2006/relationships" xmlns:p="http://schemas.openxmlformats.org/presentationml/2006/main">
-  <p:cSld>
-    <p:spTree>
-      <p:nvGrpSpPr>
-        <p:cNvPr id="1" name=""/>
-        <p:cNvGrpSpPr/>
-        <p:nvPr/>
-      </p:nvGrpSpPr>
-      <p:grpSpPr>
-        <a:xfrm>
-          <a:off x="0" y="0"/>
-          <a:ext cx="0" cy="0"/>
-          <a:chOff x="0" y="0"/>
-          <a:chExt cx="0" cy="0"/>
-        </a:xfrm>
-      </p:grpSpPr>
-      <p:sp>
-        <p:nvSpPr>
-          <p:cNvPr id="2" name="Title 1"/>
-          <p:cNvSpPr>
-            <a:spLocks noGrp="1"/>
-          </p:cNvSpPr>
-          <p:nvPr>
-            <p:ph type="title"/>
-          </p:nvPr>
-        </p:nvSpPr>
-        <p:spPr/>
-        <p:txBody>
-          <a:bodyPr/>
-          <a:lstStyle/>
-          <a:p>
-            <a:pPr lvl="0" marL="0" indent="0">
-              <a:buNone/>
-            </a:pPr>
-            <a:r>
-              <a:rPr/>
-              <a:t>Background</a:t>
-            </a:r>
-          </a:p>
-        </p:txBody>
-      </p:sp>
-      <p:sp>
-        <p:nvSpPr>
-          <p:cNvPr id="3" name="Content Placeholder 2"/>
-          <p:cNvSpPr>
-            <a:spLocks noGrp="1"/>
-          </p:cNvSpPr>
-          <p:nvPr>
-            <p:ph idx="1"/>
-          </p:nvPr>
-        </p:nvSpPr>
-        <p:spPr/>
-        <p:txBody>
-          <a:bodyPr/>
-          <a:lstStyle/>
-          <a:p>
-            <a:pPr lvl="1"/>
-            <a:r>
-              <a:rPr/>
-              <a:t>Breast Cancer Diagnosis Data</a:t>
-            </a:r>
-          </a:p>
-          <a:p>
-            <a:pPr lvl="1"/>
-            <a:r>
-              <a:rPr/>
-              <a:t>Predict Diagnosis of Tumor based on features</a:t>
-            </a:r>
-          </a:p>
-          <a:p>
-            <a:pPr lvl="1"/>
-            <a:r>
-              <a:rPr/>
-              <a:t>Reduce Type II Error (False-Negatives)</a:t>
-            </a:r>
-          </a:p>
-          <a:p>
-            <a:pPr lvl="1"/>
-            <a:r>
-              <a:rPr/>
-              <a:t>Feature Selection</a:t>
-            </a:r>
-          </a:p>
-        </p:txBody>
-      </p:sp>
-    </p:spTree>
-  </p:cSld>
-</p:sld>
-</file>
-
-<file path=ppt/slides/slide3.xml><?xml version="1.0" encoding="utf-8"?>
-<p:sld xmlns:a="http://schemas.openxmlformats.org/drawingml/2006/main" xmlns:r="http://schemas.openxmlformats.org/officeDocument/2006/relationships" xmlns:p="http://schemas.openxmlformats.org/presentationml/2006/main">
-  <p:cSld>
-    <p:spTree>
-      <p:nvGrpSpPr>
-        <p:cNvPr id="1" name=""/>
-        <p:cNvGrpSpPr/>
-        <p:nvPr/>
-      </p:nvGrpSpPr>
-      <p:grpSpPr>
-        <a:xfrm>
-          <a:off x="0" y="0"/>
-          <a:ext cx="0" cy="0"/>
-          <a:chOff x="0" y="0"/>
-          <a:chExt cx="0" cy="0"/>
-        </a:xfrm>
-      </p:grpSpPr>
-      <p:sp>
-        <p:nvSpPr>
-          <p:cNvPr id="2" name="Title 1"/>
-          <p:cNvSpPr>
-            <a:spLocks noGrp="1"/>
-          </p:cNvSpPr>
-          <p:nvPr>
-            <p:ph type="title"/>
-          </p:nvPr>
-        </p:nvSpPr>
-        <p:spPr/>
-        <p:txBody>
-          <a:bodyPr/>
-          <a:lstStyle/>
-          <a:p>
-            <a:pPr lvl="0" marL="0" indent="0">
-              <a:buNone/>
-            </a:pPr>
-            <a:r>
-              <a:rPr/>
-              <a:t>Data</a:t>
-            </a:r>
-          </a:p>
-        </p:txBody>
-      </p:sp>
-      <p:sp>
-        <p:nvSpPr>
-          <p:cNvPr id="3" name="Content Placeholder 2"/>
-          <p:cNvSpPr>
-            <a:spLocks noGrp="1"/>
-          </p:cNvSpPr>
-          <p:nvPr>
-            <p:ph idx="1"/>
-          </p:nvPr>
-        </p:nvSpPr>
-        <p:spPr/>
-        <p:txBody>
-          <a:bodyPr/>
-          <a:lstStyle/>
-          <a:p>
-            <a:pPr lvl="1"/>
-            <a:r>
-              <a:rPr/>
-              <a:t>Data collected from Kaggle</a:t>
-            </a:r>
-          </a:p>
-          <a:p>
-            <a:pPr lvl="1"/>
-            <a:r>
-              <a:rPr/>
-              <a:t>Response: Diagnosis (Benign/Malignant)</a:t>
-            </a:r>
-          </a:p>
-          <a:p>
-            <a:pPr lvl="1"/>
-            <a:r>
-              <a:rPr/>
-              <a:t>Mean, SE, and “Worst” measurements of 10 variables</a:t>
-            </a:r>
-          </a:p>
-          <a:p>
-            <a:pPr lvl="1"/>
-            <a:r>
-              <a:rPr/>
-              <a:t>Training/Test Split (60/40)</a:t>
-            </a:r>
-          </a:p>
-        </p:txBody>
-      </p:sp>
-    </p:spTree>
-  </p:cSld>
-</p:sld>
-</file>
-
-<file path=ppt/slides/slide4.xml><?xml version="1.0" encoding="utf-8"?>
-<p:sld xmlns:a="http://schemas.openxmlformats.org/drawingml/2006/main" xmlns:r="http://schemas.openxmlformats.org/officeDocument/2006/relationships" xmlns:p="http://schemas.openxmlformats.org/presentationml/2006/main">
-  <p:cSld>
-    <p:spTree>
-      <p:nvGrpSpPr>
-        <p:cNvPr id="1" name=""/>
-        <p:cNvGrpSpPr/>
-        <p:nvPr/>
-      </p:nvGrpSpPr>
-      <p:grpSpPr>
-        <a:xfrm>
-          <a:off x="0" y="0"/>
-          <a:ext cx="0" cy="0"/>
-          <a:chOff x="0" y="0"/>
-          <a:chExt cx="0" cy="0"/>
-        </a:xfrm>
-      </p:grpSpPr>
-      <p:sp>
-        <p:nvSpPr>
-          <p:cNvPr id="2" name="Title 1"/>
-          <p:cNvSpPr>
-            <a:spLocks noGrp="1"/>
-          </p:cNvSpPr>
-          <p:nvPr>
-            <p:ph type="title"/>
-          </p:nvPr>
-        </p:nvSpPr>
-        <p:spPr/>
-        <p:txBody>
-          <a:bodyPr/>
-          <a:lstStyle/>
-          <a:p>
-            <a:pPr lvl="0" marL="0" indent="0">
-              <a:buNone/>
-            </a:pPr>
-            <a:r>
-              <a:rPr/>
-              <a:t>Features</a:t>
-            </a:r>
-          </a:p>
-        </p:txBody>
-      </p:sp>
-    </p:spTree>
-  </p:cSld>
-</p:sld>
-</file>
-
-<file path=ppt/slides/slide5.xml><?xml version="1.0" encoding="utf-8"?>
-<p:sld xmlns:a="http://schemas.openxmlformats.org/drawingml/2006/main" xmlns:r="http://schemas.openxmlformats.org/officeDocument/2006/relationships" xmlns:p="http://schemas.openxmlformats.org/presentationml/2006/main">
-  <p:cSld>
-    <p:spTree>
-      <p:nvGrpSpPr>
-        <p:cNvPr id="1" name=""/>
-        <p:cNvGrpSpPr/>
-        <p:nvPr/>
-      </p:nvGrpSpPr>
-      <p:grpSpPr>
-        <a:xfrm>
-          <a:off x="0" y="0"/>
-          <a:ext cx="0" cy="0"/>
-          <a:chOff x="0" y="0"/>
-          <a:chExt cx="0" cy="0"/>
-        </a:xfrm>
-      </p:grpSpPr>
-      <p:sp>
-        <p:nvSpPr>
-          <p:cNvPr id="2" name="Title 1"/>
-          <p:cNvSpPr>
-            <a:spLocks noGrp="1"/>
-          </p:cNvSpPr>
-          <p:nvPr>
-            <p:ph type="title"/>
-          </p:nvPr>
-        </p:nvSpPr>
-        <p:spPr/>
-        <p:txBody>
-          <a:bodyPr/>
-          <a:lstStyle/>
-          <a:p>
-            <a:pPr lvl="0" marL="0" indent="0">
-              <a:buNone/>
-            </a:pPr>
-            <a:r>
-              <a:rPr/>
-              <a:t>EDA</a:t>
-            </a:r>
-          </a:p>
-        </p:txBody>
-      </p:sp>
-      <p:sp>
-        <p:nvSpPr>
-          <p:cNvPr id="3" name="Content Placeholder 2"/>
-          <p:cNvSpPr>
-            <a:spLocks noGrp="1"/>
-          </p:cNvSpPr>
-          <p:nvPr>
-            <p:ph idx="1"/>
-          </p:nvPr>
-        </p:nvSpPr>
-        <p:spPr/>
-        <p:txBody>
-          <a:bodyPr/>
-          <a:lstStyle/>
-          <a:p>
-            <a:pPr lvl="0" marL="0" indent="0">
-              <a:buNone/>
-            </a:pPr>
-            <a:r>
-              <a:rPr/>
-              <a:t>Different measurements of each variable are correlated</a:t>
-            </a:r>
-          </a:p>
-          <a:p>
-            <a:pPr lvl="0" marL="0" indent="0">
-              <a:buNone/>
-            </a:pPr>
-            <a:r>
-              <a:rPr/>
-              <a:t>Relationship with Diagnosis visible for each measurement</a:t>
-            </a:r>
-          </a:p>
-        </p:txBody>
-      </p:sp>
-    </p:spTree>
-  </p:cSld>
-</p:sld>
-</file>
-
-<file path=ppt/slides/slide6.xml><?xml version="1.0" encoding="utf-8"?>
-<p:sld xmlns:a="http://schemas.openxmlformats.org/drawingml/2006/main" xmlns:r="http://schemas.openxmlformats.org/officeDocument/2006/relationships" xmlns:p="http://schemas.openxmlformats.org/presentationml/2006/main">
-  <p:cSld>
-    <p:spTree>
-      <p:nvGrpSpPr>
-        <p:cNvPr id="1" name=""/>
-        <p:cNvGrpSpPr/>
-        <p:nvPr/>
-      </p:nvGrpSpPr>
-      <p:grpSpPr>
-        <a:xfrm>
-          <a:off x="0" y="0"/>
-          <a:ext cx="0" cy="0"/>
-          <a:chOff x="0" y="0"/>
-          <a:chExt cx="0" cy="0"/>
-        </a:xfrm>
-      </p:grpSpPr>
+          </a:p>
+        </p:txBody>
+      </p:sp>
       <p:pic>
         <p:nvPicPr>
-          <p:cNvPr descr="powerpoint_files/figure-pptx/unnamed-chunk-1-1.png" id="0" name="Picture 1"/>
+          <p:cNvPr descr="powerpoint_files/figure-pptx/unnamed-chunk-3-1.png" id="0" name="Picture 1"/>
           <p:cNvPicPr>
             <a:picLocks noGrp="1" noChangeAspect="1"/>
           </p:cNvPicPr>
@@ -7056,6 +6667,790 @@
 </p:sld>
 </file>
 
+<file path=ppt/slides/slide11.xml><?xml version="1.0" encoding="utf-8"?>
+<p:sld xmlns:a="http://schemas.openxmlformats.org/drawingml/2006/main" xmlns:r="http://schemas.openxmlformats.org/officeDocument/2006/relationships" xmlns:p="http://schemas.openxmlformats.org/presentationml/2006/main">
+  <p:cSld>
+    <p:spTree>
+      <p:nvGrpSpPr>
+        <p:cNvPr id="1" name=""/>
+        <p:cNvGrpSpPr/>
+        <p:nvPr/>
+      </p:nvGrpSpPr>
+      <p:grpSpPr>
+        <a:xfrm>
+          <a:off x="0" y="0"/>
+          <a:ext cx="0" cy="0"/>
+          <a:chOff x="0" y="0"/>
+          <a:chExt cx="0" cy="0"/>
+        </a:xfrm>
+      </p:grpSpPr>
+      <p:sp>
+        <p:nvSpPr>
+          <p:cNvPr id="3" name="Content Placeholder 2"/>
+          <p:cNvSpPr>
+            <a:spLocks noGrp="1"/>
+          </p:cNvSpPr>
+          <p:nvPr>
+            <p:ph idx="1"/>
+          </p:nvPr>
+        </p:nvSpPr>
+        <p:spPr/>
+        <p:txBody>
+          <a:bodyPr/>
+          <a:lstStyle/>
+          <a:p>
+            <a:pPr lvl="0" marL="0" indent="0">
+              <a:buNone/>
+            </a:pPr>
+          </a:p>
+          <a:p>
+            <a:pPr lvl="1"/>
+            <a:r>
+              <a:rPr/>
+              <a:t>Tuned cost value to 1</a:t>
+            </a:r>
+          </a:p>
+          <a:p>
+            <a:pPr lvl="1"/>
+            <a:r>
+              <a:rPr/>
+              <a:t>2 False-Negatives</a:t>
+            </a:r>
+          </a:p>
+          <a:p>
+            <a:pPr lvl="1"/>
+            <a:r>
+              <a:rPr sz="1800">
+                <a:latin typeface="Courier"/>
+              </a:rPr>
+              <a:t>svm.err</a:t>
+            </a:r>
+            <a:r>
+              <a:rPr/>
+              <a:t> % prediction accuracy</a:t>
+            </a:r>
+          </a:p>
+        </p:txBody>
+      </p:sp>
+    </p:spTree>
+  </p:cSld>
+</p:sld>
+</file>
+
+<file path=ppt/slides/slide12.xml><?xml version="1.0" encoding="utf-8"?>
+<p:sld xmlns:a="http://schemas.openxmlformats.org/drawingml/2006/main" xmlns:r="http://schemas.openxmlformats.org/officeDocument/2006/relationships" xmlns:p="http://schemas.openxmlformats.org/presentationml/2006/main">
+  <p:cSld>
+    <p:spTree>
+      <p:nvGrpSpPr>
+        <p:cNvPr id="1" name=""/>
+        <p:cNvGrpSpPr/>
+        <p:nvPr/>
+      </p:nvGrpSpPr>
+      <p:grpSpPr>
+        <a:xfrm>
+          <a:off x="0" y="0"/>
+          <a:ext cx="0" cy="0"/>
+          <a:chOff x="0" y="0"/>
+          <a:chExt cx="0" cy="0"/>
+        </a:xfrm>
+      </p:grpSpPr>
+      <p:sp>
+        <p:nvSpPr>
+          <p:cNvPr id="2" name="Title 1"/>
+          <p:cNvSpPr>
+            <a:spLocks noGrp="1"/>
+          </p:cNvSpPr>
+          <p:nvPr>
+            <p:ph type="title"/>
+          </p:nvPr>
+        </p:nvSpPr>
+        <p:spPr/>
+        <p:txBody>
+          <a:bodyPr/>
+          <a:lstStyle/>
+          <a:p>
+            <a:pPr lvl="0" marL="0" indent="0">
+              <a:buNone/>
+            </a:pPr>
+            <a:r>
+              <a:rPr/>
+              <a:t>Random</a:t>
+            </a:r>
+            <a:r>
+              <a:rPr/>
+              <a:t> </a:t>
+            </a:r>
+            <a:r>
+              <a:rPr/>
+              <a:t>Forest</a:t>
+            </a:r>
+            <a:r>
+              <a:rPr/>
+              <a:t> </a:t>
+            </a:r>
+            <a:r>
+              <a:rPr/>
+              <a:t>Model</a:t>
+            </a:r>
+          </a:p>
+        </p:txBody>
+      </p:sp>
+      <p:sp>
+        <p:nvSpPr>
+          <p:cNvPr id="3" name="Content Placeholder 2"/>
+          <p:cNvSpPr>
+            <a:spLocks noGrp="1"/>
+          </p:cNvSpPr>
+          <p:nvPr>
+            <p:ph idx="1"/>
+          </p:nvPr>
+        </p:nvSpPr>
+        <p:spPr/>
+        <p:txBody>
+          <a:bodyPr/>
+          <a:lstStyle/>
+          <a:p>
+            <a:pPr lvl="1"/>
+            <a:r>
+              <a:rPr/>
+              <a:t>1 False-Negative</a:t>
+            </a:r>
+          </a:p>
+          <a:p>
+            <a:pPr lvl="1"/>
+            <a:r>
+              <a:rPr/>
+              <a:t>95.15% prediction accuracy</a:t>
+            </a:r>
+          </a:p>
+        </p:txBody>
+      </p:sp>
+    </p:spTree>
+  </p:cSld>
+</p:sld>
+</file>
+
+<file path=ppt/slides/slide13.xml><?xml version="1.0" encoding="utf-8"?>
+<p:sld xmlns:a="http://schemas.openxmlformats.org/drawingml/2006/main" xmlns:r="http://schemas.openxmlformats.org/officeDocument/2006/relationships" xmlns:p="http://schemas.openxmlformats.org/presentationml/2006/main">
+  <p:cSld>
+    <p:spTree>
+      <p:nvGrpSpPr>
+        <p:cNvPr id="1" name=""/>
+        <p:cNvGrpSpPr/>
+        <p:nvPr/>
+      </p:nvGrpSpPr>
+      <p:grpSpPr>
+        <a:xfrm>
+          <a:off x="0" y="0"/>
+          <a:ext cx="0" cy="0"/>
+          <a:chOff x="0" y="0"/>
+          <a:chExt cx="0" cy="0"/>
+        </a:xfrm>
+      </p:grpSpPr>
+      <p:pic>
+        <p:nvPicPr>
+          <p:cNvPr descr="powerpoint_files/figure-pptx/unnamed-chunk-4-1.png" id="0" name="Picture 1"/>
+          <p:cNvPicPr>
+            <a:picLocks noGrp="1" noChangeAspect="1"/>
+          </p:cNvPicPr>
+          <p:nvPr/>
+        </p:nvPicPr>
+        <p:blipFill>
+          <a:blip r:embed="rId2"/>
+          <a:stretch>
+            <a:fillRect/>
+          </a:stretch>
+        </p:blipFill>
+        <p:spPr bwMode="auto">
+          <a:xfrm>
+            <a:off x="2057400" y="2159000"/>
+            <a:ext cx="5816600" cy="3873500"/>
+          </a:xfrm>
+          <a:prstGeom prst="rect">
+            <a:avLst/>
+          </a:prstGeom>
+          <a:noFill/>
+          <a:ln w="9525">
+            <a:noFill/>
+            <a:headEnd/>
+            <a:tailEnd/>
+          </a:ln>
+        </p:spPr>
+      </p:pic>
+    </p:spTree>
+  </p:cSld>
+</p:sld>
+</file>
+
+<file path=ppt/slides/slide14.xml><?xml version="1.0" encoding="utf-8"?>
+<p:sld xmlns:a="http://schemas.openxmlformats.org/drawingml/2006/main" xmlns:r="http://schemas.openxmlformats.org/officeDocument/2006/relationships" xmlns:p="http://schemas.openxmlformats.org/presentationml/2006/main">
+  <p:cSld>
+    <p:spTree>
+      <p:nvGrpSpPr>
+        <p:cNvPr id="1" name=""/>
+        <p:cNvGrpSpPr/>
+        <p:nvPr/>
+      </p:nvGrpSpPr>
+      <p:grpSpPr>
+        <a:xfrm>
+          <a:off x="0" y="0"/>
+          <a:ext cx="0" cy="0"/>
+          <a:chOff x="0" y="0"/>
+          <a:chExt cx="0" cy="0"/>
+        </a:xfrm>
+      </p:grpSpPr>
+      <p:sp>
+        <p:nvSpPr>
+          <p:cNvPr id="2" name="Title 1"/>
+          <p:cNvSpPr>
+            <a:spLocks noGrp="1"/>
+          </p:cNvSpPr>
+          <p:nvPr>
+            <p:ph type="title"/>
+          </p:nvPr>
+        </p:nvSpPr>
+        <p:spPr/>
+        <p:txBody>
+          <a:bodyPr/>
+          <a:lstStyle/>
+          <a:p>
+            <a:pPr lvl="0" marL="0" indent="0">
+              <a:buNone/>
+            </a:pPr>
+            <a:r>
+              <a:rPr/>
+              <a:t>Regression</a:t>
+            </a:r>
+            <a:r>
+              <a:rPr/>
+              <a:t> </a:t>
+            </a:r>
+            <a:r>
+              <a:rPr/>
+              <a:t>Analysis:</a:t>
+            </a:r>
+            <a:r>
+              <a:rPr/>
+              <a:t> </a:t>
+            </a:r>
+            <a:r>
+              <a:rPr/>
+              <a:t>Ethan</a:t>
+            </a:r>
+          </a:p>
+        </p:txBody>
+      </p:sp>
+    </p:spTree>
+  </p:cSld>
+</p:sld>
+</file>
+
+<file path=ppt/slides/slide15.xml><?xml version="1.0" encoding="utf-8"?>
+<p:sld xmlns:a="http://schemas.openxmlformats.org/drawingml/2006/main" xmlns:r="http://schemas.openxmlformats.org/officeDocument/2006/relationships" xmlns:p="http://schemas.openxmlformats.org/presentationml/2006/main">
+  <p:cSld>
+    <p:spTree>
+      <p:nvGrpSpPr>
+        <p:cNvPr id="1" name=""/>
+        <p:cNvGrpSpPr/>
+        <p:nvPr/>
+      </p:nvGrpSpPr>
+      <p:grpSpPr>
+        <a:xfrm>
+          <a:off x="0" y="0"/>
+          <a:ext cx="0" cy="0"/>
+          <a:chOff x="0" y="0"/>
+          <a:chExt cx="0" cy="0"/>
+        </a:xfrm>
+      </p:grpSpPr>
+      <p:sp>
+        <p:nvSpPr>
+          <p:cNvPr id="2" name="Title 1"/>
+          <p:cNvSpPr>
+            <a:spLocks noGrp="1"/>
+          </p:cNvSpPr>
+          <p:nvPr>
+            <p:ph type="title"/>
+          </p:nvPr>
+        </p:nvSpPr>
+        <p:spPr/>
+        <p:txBody>
+          <a:bodyPr/>
+          <a:lstStyle/>
+          <a:p>
+            <a:pPr lvl="0" marL="0" indent="0">
+              <a:buNone/>
+            </a:pPr>
+            <a:r>
+              <a:rPr/>
+              <a:t>Model</a:t>
+            </a:r>
+            <a:r>
+              <a:rPr/>
+              <a:t> </a:t>
+            </a:r>
+            <a:r>
+              <a:rPr/>
+              <a:t>Assesments</a:t>
+            </a:r>
+          </a:p>
+        </p:txBody>
+      </p:sp>
+    </p:spTree>
+  </p:cSld>
+</p:sld>
+</file>
+
+<file path=ppt/slides/slide16.xml><?xml version="1.0" encoding="utf-8"?>
+<p:sld xmlns:a="http://schemas.openxmlformats.org/drawingml/2006/main" xmlns:r="http://schemas.openxmlformats.org/officeDocument/2006/relationships" xmlns:p="http://schemas.openxmlformats.org/presentationml/2006/main">
+  <p:cSld>
+    <p:spTree>
+      <p:nvGrpSpPr>
+        <p:cNvPr id="1" name=""/>
+        <p:cNvGrpSpPr/>
+        <p:nvPr/>
+      </p:nvGrpSpPr>
+      <p:grpSpPr>
+        <a:xfrm>
+          <a:off x="0" y="0"/>
+          <a:ext cx="0" cy="0"/>
+          <a:chOff x="0" y="0"/>
+          <a:chExt cx="0" cy="0"/>
+        </a:xfrm>
+      </p:grpSpPr>
+      <p:sp>
+        <p:nvSpPr>
+          <p:cNvPr id="2" name="Title 1"/>
+          <p:cNvSpPr>
+            <a:spLocks noGrp="1"/>
+          </p:cNvSpPr>
+          <p:nvPr>
+            <p:ph type="title"/>
+          </p:nvPr>
+        </p:nvSpPr>
+        <p:spPr/>
+        <p:txBody>
+          <a:bodyPr/>
+          <a:lstStyle/>
+          <a:p>
+            <a:pPr lvl="0" marL="0" indent="0">
+              <a:buNone/>
+            </a:pPr>
+            <a:r>
+              <a:rPr/>
+              <a:t>Works</a:t>
+            </a:r>
+            <a:r>
+              <a:rPr/>
+              <a:t> </a:t>
+            </a:r>
+            <a:r>
+              <a:rPr/>
+              <a:t>Cited</a:t>
+            </a:r>
+          </a:p>
+        </p:txBody>
+      </p:sp>
+      <p:sp>
+        <p:nvSpPr>
+          <p:cNvPr id="3" name="Content Placeholder 2"/>
+          <p:cNvSpPr>
+            <a:spLocks noGrp="1"/>
+          </p:cNvSpPr>
+          <p:nvPr>
+            <p:ph idx="1"/>
+          </p:nvPr>
+        </p:nvSpPr>
+        <p:spPr/>
+        <p:txBody>
+          <a:bodyPr/>
+          <a:lstStyle/>
+          <a:p>
+            <a:pPr lvl="1"/>
+            <a:r>
+              <a:rPr/>
+              <a:t>Insert link to kaggle dataset here</a:t>
+            </a:r>
+          </a:p>
+        </p:txBody>
+      </p:sp>
+    </p:spTree>
+  </p:cSld>
+</p:sld>
+</file>
+
+<file path=ppt/slides/slide2.xml><?xml version="1.0" encoding="utf-8"?>
+<p:sld xmlns:a="http://schemas.openxmlformats.org/drawingml/2006/main" xmlns:r="http://schemas.openxmlformats.org/officeDocument/2006/relationships" xmlns:p="http://schemas.openxmlformats.org/presentationml/2006/main">
+  <p:cSld>
+    <p:spTree>
+      <p:nvGrpSpPr>
+        <p:cNvPr id="1" name=""/>
+        <p:cNvGrpSpPr/>
+        <p:nvPr/>
+      </p:nvGrpSpPr>
+      <p:grpSpPr>
+        <a:xfrm>
+          <a:off x="0" y="0"/>
+          <a:ext cx="0" cy="0"/>
+          <a:chOff x="0" y="0"/>
+          <a:chExt cx="0" cy="0"/>
+        </a:xfrm>
+      </p:grpSpPr>
+      <p:sp>
+        <p:nvSpPr>
+          <p:cNvPr id="2" name="Title 1"/>
+          <p:cNvSpPr>
+            <a:spLocks noGrp="1"/>
+          </p:cNvSpPr>
+          <p:nvPr>
+            <p:ph type="title"/>
+          </p:nvPr>
+        </p:nvSpPr>
+        <p:spPr/>
+        <p:txBody>
+          <a:bodyPr/>
+          <a:lstStyle/>
+          <a:p>
+            <a:pPr lvl="0" marL="0" indent="0">
+              <a:buNone/>
+            </a:pPr>
+            <a:r>
+              <a:rPr/>
+              <a:t>Background</a:t>
+            </a:r>
+          </a:p>
+        </p:txBody>
+      </p:sp>
+      <p:sp>
+        <p:nvSpPr>
+          <p:cNvPr id="3" name="Content Placeholder 2"/>
+          <p:cNvSpPr>
+            <a:spLocks noGrp="1"/>
+          </p:cNvSpPr>
+          <p:nvPr>
+            <p:ph idx="1"/>
+          </p:nvPr>
+        </p:nvSpPr>
+        <p:spPr/>
+        <p:txBody>
+          <a:bodyPr/>
+          <a:lstStyle/>
+          <a:p>
+            <a:pPr lvl="1"/>
+            <a:r>
+              <a:rPr/>
+              <a:t>Breast Cancer Diagnosis Data</a:t>
+            </a:r>
+          </a:p>
+          <a:p>
+            <a:pPr lvl="1"/>
+            <a:r>
+              <a:rPr/>
+              <a:t>Predict Diagnosis of Tumor based on features</a:t>
+            </a:r>
+          </a:p>
+          <a:p>
+            <a:pPr lvl="1"/>
+            <a:r>
+              <a:rPr/>
+              <a:t>Reduce Type II Error (False-Negatives)</a:t>
+            </a:r>
+          </a:p>
+          <a:p>
+            <a:pPr lvl="1"/>
+            <a:r>
+              <a:rPr/>
+              <a:t>Feature Selection</a:t>
+            </a:r>
+          </a:p>
+        </p:txBody>
+      </p:sp>
+    </p:spTree>
+  </p:cSld>
+</p:sld>
+</file>
+
+<file path=ppt/slides/slide3.xml><?xml version="1.0" encoding="utf-8"?>
+<p:sld xmlns:a="http://schemas.openxmlformats.org/drawingml/2006/main" xmlns:r="http://schemas.openxmlformats.org/officeDocument/2006/relationships" xmlns:p="http://schemas.openxmlformats.org/presentationml/2006/main">
+  <p:cSld>
+    <p:spTree>
+      <p:nvGrpSpPr>
+        <p:cNvPr id="1" name=""/>
+        <p:cNvGrpSpPr/>
+        <p:nvPr/>
+      </p:nvGrpSpPr>
+      <p:grpSpPr>
+        <a:xfrm>
+          <a:off x="0" y="0"/>
+          <a:ext cx="0" cy="0"/>
+          <a:chOff x="0" y="0"/>
+          <a:chExt cx="0" cy="0"/>
+        </a:xfrm>
+      </p:grpSpPr>
+      <p:sp>
+        <p:nvSpPr>
+          <p:cNvPr id="2" name="Title 1"/>
+          <p:cNvSpPr>
+            <a:spLocks noGrp="1"/>
+          </p:cNvSpPr>
+          <p:nvPr>
+            <p:ph type="title"/>
+          </p:nvPr>
+        </p:nvSpPr>
+        <p:spPr/>
+        <p:txBody>
+          <a:bodyPr/>
+          <a:lstStyle/>
+          <a:p>
+            <a:pPr lvl="0" marL="0" indent="0">
+              <a:buNone/>
+            </a:pPr>
+            <a:r>
+              <a:rPr/>
+              <a:t>Data</a:t>
+            </a:r>
+          </a:p>
+        </p:txBody>
+      </p:sp>
+      <p:sp>
+        <p:nvSpPr>
+          <p:cNvPr id="3" name="Content Placeholder 2"/>
+          <p:cNvSpPr>
+            <a:spLocks noGrp="1"/>
+          </p:cNvSpPr>
+          <p:nvPr>
+            <p:ph idx="1"/>
+          </p:nvPr>
+        </p:nvSpPr>
+        <p:spPr/>
+        <p:txBody>
+          <a:bodyPr/>
+          <a:lstStyle/>
+          <a:p>
+            <a:pPr lvl="1"/>
+            <a:r>
+              <a:rPr/>
+              <a:t>Data collected from Kaggle</a:t>
+            </a:r>
+          </a:p>
+          <a:p>
+            <a:pPr lvl="1"/>
+            <a:r>
+              <a:rPr/>
+              <a:t>Response: Diagnosis (Benign/Malignant)</a:t>
+            </a:r>
+          </a:p>
+          <a:p>
+            <a:pPr lvl="1"/>
+            <a:r>
+              <a:rPr/>
+              <a:t>Mean, SE, and “Worst” measurements of 10 variables</a:t>
+            </a:r>
+          </a:p>
+          <a:p>
+            <a:pPr lvl="1"/>
+            <a:r>
+              <a:rPr/>
+              <a:t>Training/Test Split (60/40)</a:t>
+            </a:r>
+          </a:p>
+        </p:txBody>
+      </p:sp>
+    </p:spTree>
+  </p:cSld>
+</p:sld>
+</file>
+
+<file path=ppt/slides/slide4.xml><?xml version="1.0" encoding="utf-8"?>
+<p:sld xmlns:a="http://schemas.openxmlformats.org/drawingml/2006/main" xmlns:r="http://schemas.openxmlformats.org/officeDocument/2006/relationships" xmlns:p="http://schemas.openxmlformats.org/presentationml/2006/main">
+  <p:cSld>
+    <p:spTree>
+      <p:nvGrpSpPr>
+        <p:cNvPr id="1" name=""/>
+        <p:cNvGrpSpPr/>
+        <p:nvPr/>
+      </p:nvGrpSpPr>
+      <p:grpSpPr>
+        <a:xfrm>
+          <a:off x="0" y="0"/>
+          <a:ext cx="0" cy="0"/>
+          <a:chOff x="0" y="0"/>
+          <a:chExt cx="0" cy="0"/>
+        </a:xfrm>
+      </p:grpSpPr>
+      <p:sp>
+        <p:nvSpPr>
+          <p:cNvPr id="2" name="Title 1"/>
+          <p:cNvSpPr>
+            <a:spLocks noGrp="1"/>
+          </p:cNvSpPr>
+          <p:nvPr>
+            <p:ph type="title"/>
+          </p:nvPr>
+        </p:nvSpPr>
+        <p:spPr/>
+        <p:txBody>
+          <a:bodyPr/>
+          <a:lstStyle/>
+          <a:p>
+            <a:pPr lvl="0" marL="0" indent="0">
+              <a:buNone/>
+            </a:pPr>
+            <a:r>
+              <a:rPr/>
+              <a:t>Features</a:t>
+            </a:r>
+          </a:p>
+        </p:txBody>
+      </p:sp>
+    </p:spTree>
+  </p:cSld>
+</p:sld>
+</file>
+
+<file path=ppt/slides/slide5.xml><?xml version="1.0" encoding="utf-8"?>
+<p:sld xmlns:a="http://schemas.openxmlformats.org/drawingml/2006/main" xmlns:r="http://schemas.openxmlformats.org/officeDocument/2006/relationships" xmlns:p="http://schemas.openxmlformats.org/presentationml/2006/main">
+  <p:cSld>
+    <p:spTree>
+      <p:nvGrpSpPr>
+        <p:cNvPr id="1" name=""/>
+        <p:cNvGrpSpPr/>
+        <p:nvPr/>
+      </p:nvGrpSpPr>
+      <p:grpSpPr>
+        <a:xfrm>
+          <a:off x="0" y="0"/>
+          <a:ext cx="0" cy="0"/>
+          <a:chOff x="0" y="0"/>
+          <a:chExt cx="0" cy="0"/>
+        </a:xfrm>
+      </p:grpSpPr>
+      <p:sp>
+        <p:nvSpPr>
+          <p:cNvPr id="2" name="Title 1"/>
+          <p:cNvSpPr>
+            <a:spLocks noGrp="1"/>
+          </p:cNvSpPr>
+          <p:nvPr>
+            <p:ph type="title"/>
+          </p:nvPr>
+        </p:nvSpPr>
+        <p:spPr/>
+        <p:txBody>
+          <a:bodyPr/>
+          <a:lstStyle/>
+          <a:p>
+            <a:pPr lvl="0" marL="0" indent="0">
+              <a:buNone/>
+            </a:pPr>
+            <a:r>
+              <a:rPr/>
+              <a:t>EDA</a:t>
+            </a:r>
+          </a:p>
+        </p:txBody>
+      </p:sp>
+      <p:sp>
+        <p:nvSpPr>
+          <p:cNvPr id="3" name="Content Placeholder 2"/>
+          <p:cNvSpPr>
+            <a:spLocks noGrp="1"/>
+          </p:cNvSpPr>
+          <p:nvPr>
+            <p:ph idx="1"/>
+          </p:nvPr>
+        </p:nvSpPr>
+        <p:spPr/>
+        <p:txBody>
+          <a:bodyPr/>
+          <a:lstStyle/>
+          <a:p>
+            <a:pPr lvl="0" marL="0" indent="0">
+              <a:buNone/>
+            </a:pPr>
+            <a:r>
+              <a:rPr/>
+              <a:t>Different measurements of each variable are correlated</a:t>
+            </a:r>
+          </a:p>
+          <a:p>
+            <a:pPr lvl="0" marL="0" indent="0">
+              <a:buNone/>
+            </a:pPr>
+            <a:r>
+              <a:rPr/>
+              <a:t>Relationship with Diagnosis visible for each measurement</a:t>
+            </a:r>
+          </a:p>
+        </p:txBody>
+      </p:sp>
+    </p:spTree>
+  </p:cSld>
+</p:sld>
+</file>
+
+<file path=ppt/slides/slide6.xml><?xml version="1.0" encoding="utf-8"?>
+<p:sld xmlns:a="http://schemas.openxmlformats.org/drawingml/2006/main" xmlns:r="http://schemas.openxmlformats.org/officeDocument/2006/relationships" xmlns:p="http://schemas.openxmlformats.org/presentationml/2006/main">
+  <p:cSld>
+    <p:spTree>
+      <p:nvGrpSpPr>
+        <p:cNvPr id="1" name=""/>
+        <p:cNvGrpSpPr/>
+        <p:nvPr/>
+      </p:nvGrpSpPr>
+      <p:grpSpPr>
+        <a:xfrm>
+          <a:off x="0" y="0"/>
+          <a:ext cx="0" cy="0"/>
+          <a:chOff x="0" y="0"/>
+          <a:chExt cx="0" cy="0"/>
+        </a:xfrm>
+      </p:grpSpPr>
+      <p:sp>
+        <p:nvSpPr>
+          <p:cNvPr id="2" name="Title 1"/>
+          <p:cNvSpPr>
+            <a:spLocks noGrp="1"/>
+          </p:cNvSpPr>
+          <p:nvPr>
+            <p:ph type="title"/>
+          </p:nvPr>
+        </p:nvSpPr>
+        <p:spPr/>
+        <p:txBody>
+          <a:bodyPr/>
+          <a:lstStyle/>
+          <a:p>
+            <a:pPr lvl="0" marL="0" indent="0">
+              <a:buNone/>
+            </a:pPr>
+            <a:r>
+              <a:rPr/>
+              <a:t>Classification</a:t>
+            </a:r>
+            <a:r>
+              <a:rPr/>
+              <a:t> </a:t>
+            </a:r>
+            <a:r>
+              <a:rPr/>
+              <a:t>Analysis:</a:t>
+            </a:r>
+            <a:r>
+              <a:rPr/>
+              <a:t> </a:t>
+            </a:r>
+            <a:r>
+              <a:rPr/>
+              <a:t>Austin</a:t>
+            </a:r>
+          </a:p>
+        </p:txBody>
+      </p:sp>
+    </p:spTree>
+  </p:cSld>
+</p:sld>
+</file>
+
 <file path=ppt/slides/slide7.xml><?xml version="1.0" encoding="utf-8"?>
 <p:sld xmlns:a="http://schemas.openxmlformats.org/drawingml/2006/main" xmlns:r="http://schemas.openxmlformats.org/officeDocument/2006/relationships" xmlns:p="http://schemas.openxmlformats.org/presentationml/2006/main">
   <p:cSld>
@@ -7109,7 +7504,72 @@
             </a:r>
             <a:r>
               <a:rPr/>
-              <a:t>Austin</a:t>
+              <a:t>Danny</a:t>
+            </a:r>
+          </a:p>
+        </p:txBody>
+      </p:sp>
+      <p:sp>
+        <p:nvSpPr>
+          <p:cNvPr id="3" name="Content Placeholder 2"/>
+          <p:cNvSpPr>
+            <a:spLocks noGrp="1"/>
+          </p:cNvSpPr>
+          <p:nvPr>
+            <p:ph idx="1"/>
+          </p:nvPr>
+        </p:nvSpPr>
+        <p:spPr/>
+        <p:txBody>
+          <a:bodyPr/>
+          <a:lstStyle/>
+          <a:p>
+            <a:pPr lvl="1"/>
+            <a:r>
+              <a:rPr/>
+              <a:t>Logistic Regression</a:t>
+            </a:r>
+          </a:p>
+          <a:p>
+            <a:pPr lvl="1"/>
+            <a:r>
+              <a:rPr/>
+              <a:t>K-Nearest Neighbors</a:t>
+            </a:r>
+          </a:p>
+          <a:p>
+            <a:pPr lvl="1"/>
+            <a:r>
+              <a:rPr/>
+              <a:t>QDA</a:t>
+            </a:r>
+          </a:p>
+          <a:p>
+            <a:pPr lvl="1"/>
+            <a:r>
+              <a:rPr/>
+              <a:t>Random Forest</a:t>
+            </a:r>
+          </a:p>
+          <a:p>
+            <a:pPr lvl="1"/>
+            <a:r>
+              <a:rPr/>
+              <a:t>xGBoost</a:t>
+            </a:r>
+          </a:p>
+          <a:p>
+            <a:pPr lvl="1"/>
+            <a:r>
+              <a:rPr/>
+              <a:t>Support Vector Classifier</a:t>
+            </a:r>
+          </a:p>
+          <a:p>
+            <a:pPr lvl="1"/>
+            <a:r>
+              <a:rPr/>
+              <a:t>Lower prediction cutoff to account for Type II Error</a:t>
             </a:r>
           </a:p>
         </p:txBody>
@@ -7156,7 +7616,7 @@
             </a:pPr>
             <a:r>
               <a:rPr/>
-              <a:t>Classification</a:t>
+              <a:t>K-Nearest</a:t>
             </a:r>
             <a:r>
               <a:rPr/>
@@ -7164,7 +7624,7 @@
             </a:r>
             <a:r>
               <a:rPr/>
-              <a:t>Analysis:</a:t>
+              <a:t>Neigbors</a:t>
             </a:r>
             <a:r>
               <a:rPr/>
@@ -7172,11 +7632,41 @@
             </a:r>
             <a:r>
               <a:rPr/>
-              <a:t>Danny</a:t>
-            </a:r>
-          </a:p>
-        </p:txBody>
-      </p:sp>
+              <a:t>Model</a:t>
+            </a:r>
+          </a:p>
+        </p:txBody>
+      </p:sp>
+      <p:pic>
+        <p:nvPicPr>
+          <p:cNvPr descr="powerpoint_files/figure-pptx/unnamed-chunk-2-1.png" id="0" name="Picture 1"/>
+          <p:cNvPicPr>
+            <a:picLocks noGrp="1" noChangeAspect="1"/>
+          </p:cNvPicPr>
+          <p:nvPr/>
+        </p:nvPicPr>
+        <p:blipFill>
+          <a:blip r:embed="rId2"/>
+          <a:stretch>
+            <a:fillRect/>
+          </a:stretch>
+        </p:blipFill>
+        <p:spPr bwMode="auto">
+          <a:xfrm>
+            <a:off x="2057400" y="2159000"/>
+            <a:ext cx="5816600" cy="3873500"/>
+          </a:xfrm>
+          <a:prstGeom prst="rect">
+            <a:avLst/>
+          </a:prstGeom>
+          <a:noFill/>
+          <a:ln w="9525">
+            <a:noFill/>
+            <a:headEnd/>
+            <a:tailEnd/>
+          </a:ln>
+        </p:spPr>
+      </p:pic>
     </p:spTree>
   </p:cSld>
 </p:sld>
@@ -7201,12 +7691,12 @@
       </p:grpSpPr>
       <p:sp>
         <p:nvSpPr>
-          <p:cNvPr id="2" name="Title 1"/>
-          <p:cNvSpPr>
-            <a:spLocks noGrp="1"/>
-          </p:cNvSpPr>
-          <p:nvPr>
-            <p:ph type="title"/>
+          <p:cNvPr id="3" name="Content Placeholder 2"/>
+          <p:cNvSpPr>
+            <a:spLocks noGrp="1"/>
+          </p:cNvSpPr>
+          <p:nvPr>
+            <p:ph idx="1"/>
           </p:nvPr>
         </p:nvSpPr>
         <p:spPr/>
@@ -7217,25 +7707,32 @@
             <a:pPr lvl="0" marL="0" indent="0">
               <a:buNone/>
             </a:pPr>
-            <a:r>
-              <a:rPr/>
-              <a:t>Regression</a:t>
-            </a:r>
-            <a:r>
-              <a:rPr/>
-              <a:t> </a:t>
-            </a:r>
-            <a:r>
-              <a:rPr/>
-              <a:t>Analysis:</a:t>
-            </a:r>
-            <a:r>
-              <a:rPr/>
-              <a:t> </a:t>
-            </a:r>
-            <a:r>
-              <a:rPr/>
-              <a:t>Ethan</a:t>
+          </a:p>
+          <a:p>
+            <a:pPr lvl="1"/>
+            <a:r>
+              <a:rPr/>
+              <a:t>Tuned neighbors value to 7</a:t>
+            </a:r>
+          </a:p>
+          <a:p>
+            <a:pPr lvl="1"/>
+            <a:r>
+              <a:rPr/>
+              <a:t>2 False-Negatives</a:t>
+            </a:r>
+          </a:p>
+          <a:p>
+            <a:pPr lvl="1"/>
+            <a:r>
+              <a:rPr sz="1800">
+                <a:latin typeface="Courier"/>
+              </a:rPr>
+              <a:t>knn.err</a:t>
+            </a:r>
+            <a:r>
+              <a:rPr/>
+              <a:t> % prediction accuracy</a:t>
             </a:r>
           </a:p>
         </p:txBody>

--- a/powerpoint.pptx
+++ b/powerpoint.pptx
@@ -1,6 +1,6 @@
 
 <file path=ppt/presentation.xml><?xml version="1.0" encoding="utf-8"?>
-<p:presentation xmlns:a="http://schemas.openxmlformats.org/drawingml/2006/main" xmlns:r="http://schemas.openxmlformats.org/officeDocument/2006/relationships" xmlns:p="http://schemas.openxmlformats.org/presentationml/2006/main" saveSubsetFonts="1" autoCompressPictures="0">
+<p:presentation xmlns:a="http://schemas.openxmlformats.org/drawingml/2006/main" xmlns:p="http://schemas.openxmlformats.org/presentationml/2006/main" xmlns:r="http://schemas.openxmlformats.org/officeDocument/2006/relationships" autoCompressPictures="0" saveSubsetFonts="1">
   <p:sldMasterIdLst>
     <p:sldMasterId id="2147483952" r:id="rId1"/>
   </p:sldMasterIdLst>
@@ -21,6 +21,16 @@
     <p:sldId id="269" r:id="rId15"/>
     <p:sldId id="270" r:id="rId16"/>
     <p:sldId id="271" r:id="rId17"/>
+    <p:sldId id="272" r:id="rId18"/>
+    <p:sldId id="273" r:id="rId19"/>
+    <p:sldId id="274" r:id="rId20"/>
+    <p:sldId id="275" r:id="rId21"/>
+    <p:sldId id="276" r:id="rId22"/>
+    <p:sldId id="277" r:id="rId23"/>
+    <p:sldId id="278" r:id="rId24"/>
+    <p:sldId id="279" r:id="rId25"/>
+    <p:sldId id="280" r:id="rId26"/>
+    <p:sldId id="281" r:id="rId27"/>
   </p:sldIdLst>
   <p:sldSz cx="12192000" cy="6858000"/>
   <p:notesSz cx="6858000" cy="9144000"/>
@@ -28,8 +38,8 @@
     <a:defPPr>
       <a:defRPr lang="en-US"/>
     </a:defPPr>
-    <a:lvl1pPr marL="0" algn="l" defTabSz="457200" rtl="0" eaLnBrk="1" latinLnBrk="0" hangingPunct="1">
-      <a:defRPr sz="1800" kern="1200">
+    <a:lvl1pPr algn="l" defTabSz="457200" eaLnBrk="1" hangingPunct="1" latinLnBrk="0" marL="0" rtl="0">
+      <a:defRPr kern="1200" sz="1800">
         <a:solidFill>
           <a:schemeClr val="tx1"/>
         </a:solidFill>
@@ -38,8 +48,8 @@
         <a:cs typeface="+mn-cs"/>
       </a:defRPr>
     </a:lvl1pPr>
-    <a:lvl2pPr marL="457200" algn="l" defTabSz="457200" rtl="0" eaLnBrk="1" latinLnBrk="0" hangingPunct="1">
-      <a:defRPr sz="1800" kern="1200">
+    <a:lvl2pPr algn="l" defTabSz="457200" eaLnBrk="1" hangingPunct="1" latinLnBrk="0" marL="457200" rtl="0">
+      <a:defRPr kern="1200" sz="1800">
         <a:solidFill>
           <a:schemeClr val="tx1"/>
         </a:solidFill>
@@ -48,8 +58,8 @@
         <a:cs typeface="+mn-cs"/>
       </a:defRPr>
     </a:lvl2pPr>
-    <a:lvl3pPr marL="914400" algn="l" defTabSz="457200" rtl="0" eaLnBrk="1" latinLnBrk="0" hangingPunct="1">
-      <a:defRPr sz="1800" kern="1200">
+    <a:lvl3pPr algn="l" defTabSz="457200" eaLnBrk="1" hangingPunct="1" latinLnBrk="0" marL="914400" rtl="0">
+      <a:defRPr kern="1200" sz="1800">
         <a:solidFill>
           <a:schemeClr val="tx1"/>
         </a:solidFill>
@@ -58,8 +68,8 @@
         <a:cs typeface="+mn-cs"/>
       </a:defRPr>
     </a:lvl3pPr>
-    <a:lvl4pPr marL="1371600" algn="l" defTabSz="457200" rtl="0" eaLnBrk="1" latinLnBrk="0" hangingPunct="1">
-      <a:defRPr sz="1800" kern="1200">
+    <a:lvl4pPr algn="l" defTabSz="457200" eaLnBrk="1" hangingPunct="1" latinLnBrk="0" marL="1371600" rtl="0">
+      <a:defRPr kern="1200" sz="1800">
         <a:solidFill>
           <a:schemeClr val="tx1"/>
         </a:solidFill>
@@ -68,8 +78,8 @@
         <a:cs typeface="+mn-cs"/>
       </a:defRPr>
     </a:lvl4pPr>
-    <a:lvl5pPr marL="1828800" algn="l" defTabSz="457200" rtl="0" eaLnBrk="1" latinLnBrk="0" hangingPunct="1">
-      <a:defRPr sz="1800" kern="1200">
+    <a:lvl5pPr algn="l" defTabSz="457200" eaLnBrk="1" hangingPunct="1" latinLnBrk="0" marL="1828800" rtl="0">
+      <a:defRPr kern="1200" sz="1800">
         <a:solidFill>
           <a:schemeClr val="tx1"/>
         </a:solidFill>
@@ -78,8 +88,8 @@
         <a:cs typeface="+mn-cs"/>
       </a:defRPr>
     </a:lvl5pPr>
-    <a:lvl6pPr marL="2286000" algn="l" defTabSz="457200" rtl="0" eaLnBrk="1" latinLnBrk="0" hangingPunct="1">
-      <a:defRPr sz="1800" kern="1200">
+    <a:lvl6pPr algn="l" defTabSz="457200" eaLnBrk="1" hangingPunct="1" latinLnBrk="0" marL="2286000" rtl="0">
+      <a:defRPr kern="1200" sz="1800">
         <a:solidFill>
           <a:schemeClr val="tx1"/>
         </a:solidFill>
@@ -88,8 +98,8 @@
         <a:cs typeface="+mn-cs"/>
       </a:defRPr>
     </a:lvl6pPr>
-    <a:lvl7pPr marL="2743200" algn="l" defTabSz="457200" rtl="0" eaLnBrk="1" latinLnBrk="0" hangingPunct="1">
-      <a:defRPr sz="1800" kern="1200">
+    <a:lvl7pPr algn="l" defTabSz="457200" eaLnBrk="1" hangingPunct="1" latinLnBrk="0" marL="2743200" rtl="0">
+      <a:defRPr kern="1200" sz="1800">
         <a:solidFill>
           <a:schemeClr val="tx1"/>
         </a:solidFill>
@@ -98,8 +108,8 @@
         <a:cs typeface="+mn-cs"/>
       </a:defRPr>
     </a:lvl7pPr>
-    <a:lvl8pPr marL="3200400" algn="l" defTabSz="457200" rtl="0" eaLnBrk="1" latinLnBrk="0" hangingPunct="1">
-      <a:defRPr sz="1800" kern="1200">
+    <a:lvl8pPr algn="l" defTabSz="457200" eaLnBrk="1" hangingPunct="1" latinLnBrk="0" marL="3200400" rtl="0">
+      <a:defRPr kern="1200" sz="1800">
         <a:solidFill>
           <a:schemeClr val="tx1"/>
         </a:solidFill>
@@ -108,8 +118,8 @@
         <a:cs typeface="+mn-cs"/>
       </a:defRPr>
     </a:lvl8pPr>
-    <a:lvl9pPr marL="3657600" algn="l" defTabSz="457200" rtl="0" eaLnBrk="1" latinLnBrk="0" hangingPunct="1">
-      <a:defRPr sz="1800" kern="1200">
+    <a:lvl9pPr algn="l" defTabSz="457200" eaLnBrk="1" hangingPunct="1" latinLnBrk="0" marL="3657600" rtl="0">
+      <a:defRPr kern="1200" sz="1800">
         <a:solidFill>
           <a:schemeClr val="tx1"/>
         </a:solidFill>
@@ -4612,7 +4622,7 @@
 </file>
 
 <file path=ppt/slideMasters/slideMaster1.xml><?xml version="1.0" encoding="utf-8"?>
-<p:sldMaster xmlns:a="http://schemas.openxmlformats.org/drawingml/2006/main" xmlns:r="http://schemas.openxmlformats.org/officeDocument/2006/relationships" xmlns:p="http://schemas.openxmlformats.org/presentationml/2006/main">
+<p:sldMaster xmlns:a="http://schemas.openxmlformats.org/drawingml/2006/main" xmlns:p="http://schemas.openxmlformats.org/presentationml/2006/main" xmlns:r="http://schemas.openxmlformats.org/officeDocument/2006/relationships">
   <p:cSld>
     <p:bg>
       <p:bgRef idx="1001">
@@ -4737,9 +4747,9 @@
               <a:gdLst/>
               <a:ahLst/>
               <a:cxnLst/>
-              <a:rect l="l" t="t" r="r" b="b"/>
+              <a:rect b="b" l="l" r="r" t="t"/>
               <a:pathLst>
-                <a:path w="3007349" h="6866467">
+                <a:path h="6866467" w="3007349">
                   <a:moveTo>
                     <a:pt x="2045532" y="0"/>
                   </a:moveTo>
@@ -4800,9 +4810,9 @@
               <a:gdLst/>
               <a:ahLst/>
               <a:cxnLst/>
-              <a:rect l="l" t="t" r="r" b="b"/>
+              <a:rect b="b" l="l" r="r" t="t"/>
               <a:pathLst>
-                <a:path w="2573311" h="6866467">
+                <a:path h="6866467" w="2573311">
                   <a:moveTo>
                     <a:pt x="0" y="0"/>
                   </a:moveTo>
@@ -4860,7 +4870,7 @@
             </a:xfrm>
             <a:prstGeom prst="triangle">
               <a:avLst>
-                <a:gd name="adj" fmla="val 100000"/>
+                <a:gd fmla="val 100000" name="adj"/>
               </a:avLst>
             </a:prstGeom>
             <a:solidFill>
@@ -4904,9 +4914,9 @@
               <a:gdLst/>
               <a:ahLst/>
               <a:cxnLst/>
-              <a:rect l="l" t="t" r="r" b="b"/>
+              <a:rect b="b" l="l" r="r" t="t"/>
               <a:pathLst>
-                <a:path w="2858013" h="6866467">
+                <a:path h="6866467" w="2858013">
                   <a:moveTo>
                     <a:pt x="0" y="0"/>
                   </a:moveTo>
@@ -4968,9 +4978,9 @@
               <a:gdLst/>
               <a:ahLst/>
               <a:cxnLst/>
-              <a:rect l="l" t="t" r="r" b="b"/>
+              <a:rect b="b" l="l" r="r" t="t"/>
               <a:pathLst>
-                <a:path w="1290094" h="6858000">
+                <a:path h="6858000" w="1290094">
                   <a:moveTo>
                     <a:pt x="1019735" y="0"/>
                   </a:moveTo>
@@ -5032,9 +5042,9 @@
               <a:gdLst/>
               <a:ahLst/>
               <a:cxnLst/>
-              <a:rect l="l" t="t" r="r" b="b"/>
+              <a:rect b="b" l="l" r="r" t="t"/>
               <a:pathLst>
-                <a:path w="1249825" h="6858000">
+                <a:path h="6858000" w="1249825">
                   <a:moveTo>
                     <a:pt x="0" y="0"/>
                   </a:moveTo>
@@ -5093,7 +5103,7 @@
             </a:xfrm>
             <a:prstGeom prst="triangle">
               <a:avLst>
-                <a:gd name="adj" fmla="val 100000"/>
+                <a:gd fmla="val 100000" name="adj"/>
               </a:avLst>
             </a:prstGeom>
             <a:solidFill>
@@ -5135,7 +5145,7 @@
             </a:xfrm>
             <a:prstGeom prst="triangle">
               <a:avLst>
-                <a:gd name="adj" fmla="val 0"/>
+                <a:gd fmla="val 0" name="adj"/>
               </a:avLst>
             </a:prstGeom>
             <a:solidFill>
@@ -5185,7 +5195,7 @@
           </a:prstGeom>
         </p:spPr>
         <p:txBody>
-          <a:bodyPr vert="horz" lIns="91440" tIns="45720" rIns="91440" bIns="45720" rtlCol="0" anchor="t">
+          <a:bodyPr anchor="t" bIns="45720" lIns="91440" rIns="91440" rtlCol="0" tIns="45720" vert="horz">
             <a:normAutofit/>
           </a:bodyPr>
           <a:lstStyle/>
@@ -5194,7 +5204,7 @@
               <a:rPr lang="en-US"/>
               <a:t>Click to edit Master title style</a:t>
             </a:r>
-            <a:endParaRPr lang="en-US" dirty="0"/>
+            <a:endParaRPr dirty="0" lang="en-US"/>
           </a:p>
         </p:txBody>
       </p:sp>
@@ -5205,7 +5215,7 @@
             <a:spLocks noGrp="1"/>
           </p:cNvSpPr>
           <p:nvPr>
-            <p:ph type="body" idx="1"/>
+            <p:ph idx="1" type="body"/>
           </p:nvPr>
         </p:nvSpPr>
         <p:spPr>
@@ -5218,7 +5228,7 @@
           </a:prstGeom>
         </p:spPr>
         <p:txBody>
-          <a:bodyPr vert="horz" lIns="91440" tIns="45720" rIns="91440" bIns="45720" rtlCol="0">
+          <a:bodyPr bIns="45720" lIns="91440" rIns="91440" rtlCol="0" tIns="45720" vert="horz">
             <a:normAutofit/>
           </a:bodyPr>
           <a:lstStyle/>
@@ -5256,7 +5266,7 @@
               <a:rPr lang="en-US"/>
               <a:t>Fifth level</a:t>
             </a:r>
-            <a:endParaRPr lang="en-US" dirty="0"/>
+            <a:endParaRPr dirty="0" lang="en-US"/>
           </a:p>
         </p:txBody>
       </p:sp>
@@ -5267,7 +5277,7 @@
             <a:spLocks noGrp="1"/>
           </p:cNvSpPr>
           <p:nvPr>
-            <p:ph type="dt" sz="half" idx="2"/>
+            <p:ph idx="2" sz="half" type="dt"/>
           </p:nvPr>
         </p:nvSpPr>
         <p:spPr>
@@ -5280,7 +5290,7 @@
           </a:prstGeom>
         </p:spPr>
         <p:txBody>
-          <a:bodyPr vert="horz" lIns="91440" tIns="45720" rIns="91440" bIns="45720" rtlCol="0" anchor="ctr"/>
+          <a:bodyPr anchor="ctr" bIns="45720" lIns="91440" rIns="91440" rtlCol="0" tIns="45720" vert="horz"/>
           <a:lstStyle>
             <a:lvl1pPr algn="r">
               <a:defRPr sz="900">
@@ -5308,7 +5318,7 @@
             <a:spLocks noGrp="1"/>
           </p:cNvSpPr>
           <p:nvPr>
-            <p:ph type="ftr" sz="quarter" idx="3"/>
+            <p:ph idx="3" sz="quarter" type="ftr"/>
           </p:nvPr>
         </p:nvSpPr>
         <p:spPr>
@@ -5321,7 +5331,7 @@
           </a:prstGeom>
         </p:spPr>
         <p:txBody>
-          <a:bodyPr vert="horz" lIns="91440" tIns="45720" rIns="91440" bIns="45720" rtlCol="0" anchor="ctr"/>
+          <a:bodyPr anchor="ctr" bIns="45720" lIns="91440" rIns="91440" rtlCol="0" tIns="45720" vert="horz"/>
           <a:lstStyle>
             <a:lvl1pPr algn="l">
               <a:defRPr sz="900">
@@ -5345,7 +5355,7 @@
             <a:spLocks noGrp="1"/>
           </p:cNvSpPr>
           <p:nvPr>
-            <p:ph type="sldNum" sz="quarter" idx="4"/>
+            <p:ph idx="4" sz="quarter" type="sldNum"/>
           </p:nvPr>
         </p:nvSpPr>
         <p:spPr>
@@ -5358,7 +5368,7 @@
           </a:prstGeom>
         </p:spPr>
         <p:txBody>
-          <a:bodyPr vert="horz" lIns="91440" tIns="45720" rIns="91440" bIns="45720" rtlCol="0" anchor="ctr"/>
+          <a:bodyPr anchor="ctr" bIns="45720" lIns="91440" rIns="91440" rtlCol="0" tIns="45720" vert="horz"/>
           <a:lstStyle>
             <a:lvl1pPr algn="r">
               <a:defRPr sz="900">
@@ -5386,7 +5396,7 @@
       </p:ext>
     </p:extLst>
   </p:cSld>
-  <p:clrMap bg1="lt1" tx1="dk1" bg2="lt2" tx2="dk2" accent1="accent1" accent2="accent2" accent3="accent3" accent4="accent4" accent5="accent5" accent6="accent6" hlink="hlink" folHlink="folHlink"/>
+  <p:clrMap accent1="accent1" accent2="accent2" accent3="accent3" accent4="accent4" accent5="accent5" accent6="accent6" bg1="lt1" bg2="lt2" folHlink="folHlink" hlink="hlink" tx1="dk1" tx2="dk2"/>
   <p:sldLayoutIdLst>
     <p:sldLayoutId id="2147483953" r:id="rId1"/>
     <p:sldLayoutId id="2147483954" r:id="rId2"/>
@@ -5407,12 +5417,12 @@
   </p:sldLayoutIdLst>
   <p:txStyles>
     <p:titleStyle>
-      <a:lvl1pPr algn="l" defTabSz="457200" rtl="0" eaLnBrk="1" latinLnBrk="0" hangingPunct="1">
+      <a:lvl1pPr algn="l" defTabSz="457200" eaLnBrk="1" hangingPunct="1" latinLnBrk="0" rtl="0">
         <a:spcBef>
           <a:spcPct val="0"/>
         </a:spcBef>
         <a:buNone/>
-        <a:defRPr sz="3600" kern="1200">
+        <a:defRPr kern="1200" sz="3600">
           <a:solidFill>
             <a:schemeClr val="accent1">
               <a:lumMod val="75000"/>
@@ -5481,7 +5491,7 @@
       </a:lvl9pPr>
     </p:titleStyle>
     <p:bodyStyle>
-      <a:lvl1pPr marL="342900" indent="-342900" algn="l" defTabSz="457200" rtl="0" eaLnBrk="1" latinLnBrk="0" hangingPunct="1">
+      <a:lvl1pPr algn="l" defTabSz="457200" eaLnBrk="1" hangingPunct="1" indent="-342900" latinLnBrk="0" marL="342900" rtl="0">
         <a:spcBef>
           <a:spcPts val="1000"/>
         </a:spcBef>
@@ -5494,9 +5504,9 @@
           </a:schemeClr>
         </a:buClr>
         <a:buSzPct val="80000"/>
-        <a:buFont typeface="Wingdings 3" charset="2"/>
+        <a:buFont charset="2" typeface="Wingdings 3"/>
         <a:buChar char=""/>
-        <a:defRPr sz="1800" kern="1200">
+        <a:defRPr kern="1200" sz="1800">
           <a:solidFill>
             <a:schemeClr val="tx1">
               <a:lumMod val="75000"/>
@@ -5508,7 +5518,7 @@
           <a:cs typeface="+mn-cs"/>
         </a:defRPr>
       </a:lvl1pPr>
-      <a:lvl2pPr marL="742950" indent="-285750" algn="l" defTabSz="457200" rtl="0" eaLnBrk="1" latinLnBrk="0" hangingPunct="1">
+      <a:lvl2pPr algn="l" defTabSz="457200" eaLnBrk="1" hangingPunct="1" indent="-285750" latinLnBrk="0" marL="742950" rtl="0">
         <a:spcBef>
           <a:spcPts val="1000"/>
         </a:spcBef>
@@ -5521,9 +5531,9 @@
           </a:schemeClr>
         </a:buClr>
         <a:buSzPct val="80000"/>
-        <a:buFont typeface="Wingdings 3" charset="2"/>
+        <a:buFont charset="2" typeface="Wingdings 3"/>
         <a:buChar char=""/>
-        <a:defRPr sz="1600" kern="1200">
+        <a:defRPr kern="1200" sz="1600">
           <a:solidFill>
             <a:schemeClr val="tx1">
               <a:lumMod val="75000"/>
@@ -5535,7 +5545,7 @@
           <a:cs typeface="+mn-cs"/>
         </a:defRPr>
       </a:lvl2pPr>
-      <a:lvl3pPr marL="1143000" indent="-228600" algn="l" defTabSz="457200" rtl="0" eaLnBrk="1" latinLnBrk="0" hangingPunct="1">
+      <a:lvl3pPr algn="l" defTabSz="457200" eaLnBrk="1" hangingPunct="1" indent="-228600" latinLnBrk="0" marL="1143000" rtl="0">
         <a:spcBef>
           <a:spcPts val="1000"/>
         </a:spcBef>
@@ -5548,9 +5558,9 @@
           </a:schemeClr>
         </a:buClr>
         <a:buSzPct val="80000"/>
-        <a:buFont typeface="Wingdings 3" charset="2"/>
+        <a:buFont charset="2" typeface="Wingdings 3"/>
         <a:buChar char=""/>
-        <a:defRPr sz="1400" kern="1200">
+        <a:defRPr kern="1200" sz="1400">
           <a:solidFill>
             <a:schemeClr val="tx1">
               <a:lumMod val="75000"/>
@@ -5562,7 +5572,7 @@
           <a:cs typeface="+mn-cs"/>
         </a:defRPr>
       </a:lvl3pPr>
-      <a:lvl4pPr marL="1600200" indent="-228600" algn="l" defTabSz="457200" rtl="0" eaLnBrk="1" latinLnBrk="0" hangingPunct="1">
+      <a:lvl4pPr algn="l" defTabSz="457200" eaLnBrk="1" hangingPunct="1" indent="-228600" latinLnBrk="0" marL="1600200" rtl="0">
         <a:spcBef>
           <a:spcPts val="1000"/>
         </a:spcBef>
@@ -5575,9 +5585,9 @@
           </a:schemeClr>
         </a:buClr>
         <a:buSzPct val="80000"/>
-        <a:buFont typeface="Wingdings 3" charset="2"/>
+        <a:buFont charset="2" typeface="Wingdings 3"/>
         <a:buChar char=""/>
-        <a:defRPr sz="1200" kern="1200">
+        <a:defRPr kern="1200" sz="1200">
           <a:solidFill>
             <a:schemeClr val="tx1">
               <a:lumMod val="75000"/>
@@ -5589,7 +5599,7 @@
           <a:cs typeface="+mn-cs"/>
         </a:defRPr>
       </a:lvl4pPr>
-      <a:lvl5pPr marL="2057400" indent="-228600" algn="l" defTabSz="457200" rtl="0" eaLnBrk="1" latinLnBrk="0" hangingPunct="1">
+      <a:lvl5pPr algn="l" defTabSz="457200" eaLnBrk="1" hangingPunct="1" indent="-228600" latinLnBrk="0" marL="2057400" rtl="0">
         <a:spcBef>
           <a:spcPts val="1000"/>
         </a:spcBef>
@@ -5602,9 +5612,9 @@
           </a:schemeClr>
         </a:buClr>
         <a:buSzPct val="80000"/>
-        <a:buFont typeface="Wingdings 3" charset="2"/>
+        <a:buFont charset="2" typeface="Wingdings 3"/>
         <a:buChar char=""/>
-        <a:defRPr sz="1200" kern="1200">
+        <a:defRPr kern="1200" sz="1200">
           <a:solidFill>
             <a:schemeClr val="tx1">
               <a:lumMod val="75000"/>
@@ -5616,7 +5626,7 @@
           <a:cs typeface="+mn-cs"/>
         </a:defRPr>
       </a:lvl5pPr>
-      <a:lvl6pPr marL="2514600" indent="-228600" algn="l" defTabSz="457200" rtl="0" eaLnBrk="1" latinLnBrk="0" hangingPunct="1">
+      <a:lvl6pPr algn="l" defTabSz="457200" eaLnBrk="1" hangingPunct="1" indent="-228600" latinLnBrk="0" marL="2514600" rtl="0">
         <a:spcBef>
           <a:spcPts val="1000"/>
         </a:spcBef>
@@ -5629,9 +5639,9 @@
           </a:schemeClr>
         </a:buClr>
         <a:buSzPct val="80000"/>
-        <a:buFont typeface="Wingdings 3" charset="2"/>
+        <a:buFont charset="2" typeface="Wingdings 3"/>
         <a:buChar char=""/>
-        <a:defRPr sz="1200" kern="1200">
+        <a:defRPr kern="1200" sz="1200">
           <a:solidFill>
             <a:schemeClr val="tx1">
               <a:lumMod val="75000"/>
@@ -5643,7 +5653,7 @@
           <a:cs typeface="+mn-cs"/>
         </a:defRPr>
       </a:lvl6pPr>
-      <a:lvl7pPr marL="2971800" indent="-228600" algn="l" defTabSz="457200" rtl="0" eaLnBrk="1" latinLnBrk="0" hangingPunct="1">
+      <a:lvl7pPr algn="l" defTabSz="457200" eaLnBrk="1" hangingPunct="1" indent="-228600" latinLnBrk="0" marL="2971800" rtl="0">
         <a:spcBef>
           <a:spcPts val="1000"/>
         </a:spcBef>
@@ -5656,9 +5666,9 @@
           </a:schemeClr>
         </a:buClr>
         <a:buSzPct val="80000"/>
-        <a:buFont typeface="Wingdings 3" charset="2"/>
+        <a:buFont charset="2" typeface="Wingdings 3"/>
         <a:buChar char=""/>
-        <a:defRPr sz="1200" kern="1200">
+        <a:defRPr kern="1200" sz="1200">
           <a:solidFill>
             <a:schemeClr val="tx1">
               <a:lumMod val="75000"/>
@@ -5670,7 +5680,7 @@
           <a:cs typeface="+mn-cs"/>
         </a:defRPr>
       </a:lvl7pPr>
-      <a:lvl8pPr marL="3429000" indent="-228600" algn="l" defTabSz="457200" rtl="0" eaLnBrk="1" latinLnBrk="0" hangingPunct="1">
+      <a:lvl8pPr algn="l" defTabSz="457200" eaLnBrk="1" hangingPunct="1" indent="-228600" latinLnBrk="0" marL="3429000" rtl="0">
         <a:spcBef>
           <a:spcPts val="1000"/>
         </a:spcBef>
@@ -5683,9 +5693,9 @@
           </a:schemeClr>
         </a:buClr>
         <a:buSzPct val="80000"/>
-        <a:buFont typeface="Wingdings 3" charset="2"/>
+        <a:buFont charset="2" typeface="Wingdings 3"/>
         <a:buChar char=""/>
-        <a:defRPr sz="1200" kern="1200">
+        <a:defRPr kern="1200" sz="1200">
           <a:solidFill>
             <a:schemeClr val="tx1">
               <a:lumMod val="75000"/>
@@ -5697,7 +5707,7 @@
           <a:cs typeface="+mn-cs"/>
         </a:defRPr>
       </a:lvl8pPr>
-      <a:lvl9pPr marL="3886200" indent="-228600" algn="l" defTabSz="457200" rtl="0" eaLnBrk="1" latinLnBrk="0" hangingPunct="1">
+      <a:lvl9pPr algn="l" defTabSz="457200" eaLnBrk="1" hangingPunct="1" indent="-228600" latinLnBrk="0" marL="3886200" rtl="0">
         <a:spcBef>
           <a:spcPts val="1000"/>
         </a:spcBef>
@@ -5710,9 +5720,9 @@
           </a:schemeClr>
         </a:buClr>
         <a:buSzPct val="80000"/>
-        <a:buFont typeface="Wingdings 3" charset="2"/>
+        <a:buFont charset="2" typeface="Wingdings 3"/>
         <a:buChar char=""/>
-        <a:defRPr sz="1200" kern="1200">
+        <a:defRPr kern="1200" sz="1200">
           <a:solidFill>
             <a:schemeClr val="tx1">
               <a:lumMod val="75000"/>
@@ -5729,8 +5739,8 @@
       <a:defPPr>
         <a:defRPr lang="en-US"/>
       </a:defPPr>
-      <a:lvl1pPr marL="0" algn="l" defTabSz="457200" rtl="0" eaLnBrk="1" latinLnBrk="0" hangingPunct="1">
-        <a:defRPr sz="1800" kern="1200">
+      <a:lvl1pPr algn="l" defTabSz="457200" eaLnBrk="1" hangingPunct="1" latinLnBrk="0" marL="0" rtl="0">
+        <a:defRPr kern="1200" sz="1800">
           <a:solidFill>
             <a:schemeClr val="tx1"/>
           </a:solidFill>
@@ -5739,8 +5749,8 @@
           <a:cs typeface="+mn-cs"/>
         </a:defRPr>
       </a:lvl1pPr>
-      <a:lvl2pPr marL="457200" algn="l" defTabSz="457200" rtl="0" eaLnBrk="1" latinLnBrk="0" hangingPunct="1">
-        <a:defRPr sz="1800" kern="1200">
+      <a:lvl2pPr algn="l" defTabSz="457200" eaLnBrk="1" hangingPunct="1" latinLnBrk="0" marL="457200" rtl="0">
+        <a:defRPr kern="1200" sz="1800">
           <a:solidFill>
             <a:schemeClr val="tx1"/>
           </a:solidFill>
@@ -5749,8 +5759,8 @@
           <a:cs typeface="+mn-cs"/>
         </a:defRPr>
       </a:lvl2pPr>
-      <a:lvl3pPr marL="914400" algn="l" defTabSz="457200" rtl="0" eaLnBrk="1" latinLnBrk="0" hangingPunct="1">
-        <a:defRPr sz="1800" kern="1200">
+      <a:lvl3pPr algn="l" defTabSz="457200" eaLnBrk="1" hangingPunct="1" latinLnBrk="0" marL="914400" rtl="0">
+        <a:defRPr kern="1200" sz="1800">
           <a:solidFill>
             <a:schemeClr val="tx1"/>
           </a:solidFill>
@@ -5759,8 +5769,8 @@
           <a:cs typeface="+mn-cs"/>
         </a:defRPr>
       </a:lvl3pPr>
-      <a:lvl4pPr marL="1371600" algn="l" defTabSz="457200" rtl="0" eaLnBrk="1" latinLnBrk="0" hangingPunct="1">
-        <a:defRPr sz="1800" kern="1200">
+      <a:lvl4pPr algn="l" defTabSz="457200" eaLnBrk="1" hangingPunct="1" latinLnBrk="0" marL="1371600" rtl="0">
+        <a:defRPr kern="1200" sz="1800">
           <a:solidFill>
             <a:schemeClr val="tx1"/>
           </a:solidFill>
@@ -5769,8 +5779,8 @@
           <a:cs typeface="+mn-cs"/>
         </a:defRPr>
       </a:lvl4pPr>
-      <a:lvl5pPr marL="1828800" algn="l" defTabSz="457200" rtl="0" eaLnBrk="1" latinLnBrk="0" hangingPunct="1">
-        <a:defRPr sz="1800" kern="1200">
+      <a:lvl5pPr algn="l" defTabSz="457200" eaLnBrk="1" hangingPunct="1" latinLnBrk="0" marL="1828800" rtl="0">
+        <a:defRPr kern="1200" sz="1800">
           <a:solidFill>
             <a:schemeClr val="tx1"/>
           </a:solidFill>
@@ -5779,8 +5789,8 @@
           <a:cs typeface="+mn-cs"/>
         </a:defRPr>
       </a:lvl5pPr>
-      <a:lvl6pPr marL="2286000" algn="l" defTabSz="457200" rtl="0" eaLnBrk="1" latinLnBrk="0" hangingPunct="1">
-        <a:defRPr sz="1800" kern="1200">
+      <a:lvl6pPr algn="l" defTabSz="457200" eaLnBrk="1" hangingPunct="1" latinLnBrk="0" marL="2286000" rtl="0">
+        <a:defRPr kern="1200" sz="1800">
           <a:solidFill>
             <a:schemeClr val="tx1"/>
           </a:solidFill>
@@ -5789,8 +5799,8 @@
           <a:cs typeface="+mn-cs"/>
         </a:defRPr>
       </a:lvl6pPr>
-      <a:lvl7pPr marL="2743200" algn="l" defTabSz="457200" rtl="0" eaLnBrk="1" latinLnBrk="0" hangingPunct="1">
-        <a:defRPr sz="1800" kern="1200">
+      <a:lvl7pPr algn="l" defTabSz="457200" eaLnBrk="1" hangingPunct="1" latinLnBrk="0" marL="2743200" rtl="0">
+        <a:defRPr kern="1200" sz="1800">
           <a:solidFill>
             <a:schemeClr val="tx1"/>
           </a:solidFill>
@@ -5799,8 +5809,8 @@
           <a:cs typeface="+mn-cs"/>
         </a:defRPr>
       </a:lvl7pPr>
-      <a:lvl8pPr marL="3200400" algn="l" defTabSz="457200" rtl="0" eaLnBrk="1" latinLnBrk="0" hangingPunct="1">
-        <a:defRPr sz="1800" kern="1200">
+      <a:lvl8pPr algn="l" defTabSz="457200" eaLnBrk="1" hangingPunct="1" latinLnBrk="0" marL="3200400" rtl="0">
+        <a:defRPr kern="1200" sz="1800">
           <a:solidFill>
             <a:schemeClr val="tx1"/>
           </a:solidFill>
@@ -5809,8 +5819,8 @@
           <a:cs typeface="+mn-cs"/>
         </a:defRPr>
       </a:lvl8pPr>
-      <a:lvl9pPr marL="3657600" algn="l" defTabSz="457200" rtl="0" eaLnBrk="1" latinLnBrk="0" hangingPunct="1">
-        <a:defRPr sz="1800" kern="1200">
+      <a:lvl9pPr algn="l" defTabSz="457200" eaLnBrk="1" hangingPunct="1" latinLnBrk="0" marL="3657600" rtl="0">
+        <a:defRPr kern="1200" sz="1800">
           <a:solidFill>
             <a:schemeClr val="tx1"/>
           </a:solidFill>
@@ -5846,538 +5856,6 @@
           <a:chExt cx="0" cy="0"/>
         </a:xfrm>
       </p:grpSpPr>
-      <p:grpSp>
-        <p:nvGrpSpPr>
-          <p:cNvPr id="16" name="Group 15"/>
-          <p:cNvGrpSpPr/>
-          <p:nvPr/>
-        </p:nvGrpSpPr>
-        <p:grpSpPr>
-          <a:xfrm>
-            <a:off x="0" y="-8467"/>
-            <a:ext cx="12192000" cy="6866467"/>
-            <a:chOff x="0" y="-8467"/>
-            <a:chExt cx="12192000" cy="6866467"/>
-          </a:xfrm>
-        </p:grpSpPr>
-        <p:cxnSp>
-          <p:nvCxnSpPr>
-            <p:cNvPr id="19" name="Straight Connector 18"/>
-            <p:cNvCxnSpPr/>
-            <p:nvPr/>
-          </p:nvCxnSpPr>
-          <p:spPr>
-            <a:xfrm>
-              <a:off x="9371012" y="0"/>
-              <a:ext cx="1219200" cy="6858000"/>
-            </a:xfrm>
-            <a:prstGeom prst="line">
-              <a:avLst/>
-            </a:prstGeom>
-            <a:ln w="9525">
-              <a:solidFill>
-                <a:schemeClr val="accent1">
-                  <a:alpha val="70000"/>
-                </a:schemeClr>
-              </a:solidFill>
-            </a:ln>
-          </p:spPr>
-          <p:style>
-            <a:lnRef idx="2">
-              <a:schemeClr val="accent1"/>
-            </a:lnRef>
-            <a:fillRef idx="0">
-              <a:schemeClr val="accent1"/>
-            </a:fillRef>
-            <a:effectRef idx="1">
-              <a:schemeClr val="accent1"/>
-            </a:effectRef>
-            <a:fontRef idx="minor">
-              <a:schemeClr val="tx1"/>
-            </a:fontRef>
-          </p:style>
-        </p:cxnSp>
-        <p:cxnSp>
-          <p:nvCxnSpPr>
-            <p:cNvPr id="20" name="Straight Connector 19"/>
-            <p:cNvCxnSpPr/>
-            <p:nvPr/>
-          </p:nvCxnSpPr>
-          <p:spPr>
-            <a:xfrm flipH="1">
-              <a:off x="7425267" y="3681413"/>
-              <a:ext cx="4763558" cy="3176587"/>
-            </a:xfrm>
-            <a:prstGeom prst="line">
-              <a:avLst/>
-            </a:prstGeom>
-            <a:ln w="9525">
-              <a:solidFill>
-                <a:schemeClr val="accent1">
-                  <a:alpha val="70000"/>
-                </a:schemeClr>
-              </a:solidFill>
-            </a:ln>
-          </p:spPr>
-          <p:style>
-            <a:lnRef idx="2">
-              <a:schemeClr val="accent1"/>
-            </a:lnRef>
-            <a:fillRef idx="0">
-              <a:schemeClr val="accent1"/>
-            </a:fillRef>
-            <a:effectRef idx="1">
-              <a:schemeClr val="accent1"/>
-            </a:effectRef>
-            <a:fontRef idx="minor">
-              <a:schemeClr val="tx1"/>
-            </a:fontRef>
-          </p:style>
-        </p:cxnSp>
-        <p:sp>
-          <p:nvSpPr>
-            <p:cNvPr id="21" name="Rectangle 23"/>
-            <p:cNvSpPr/>
-            <p:nvPr/>
-          </p:nvSpPr>
-          <p:spPr>
-            <a:xfrm>
-              <a:off x="9181476" y="-8467"/>
-              <a:ext cx="3007349" cy="6866467"/>
-            </a:xfrm>
-            <a:custGeom>
-              <a:avLst/>
-              <a:gdLst/>
-              <a:ahLst/>
-              <a:cxnLst/>
-              <a:rect l="l" t="t" r="r" b="b"/>
-              <a:pathLst>
-                <a:path w="3007349" h="6866467">
-                  <a:moveTo>
-                    <a:pt x="2045532" y="0"/>
-                  </a:moveTo>
-                  <a:lnTo>
-                    <a:pt x="3007349" y="0"/>
-                  </a:lnTo>
-                  <a:lnTo>
-                    <a:pt x="3007349" y="6866467"/>
-                  </a:lnTo>
-                  <a:lnTo>
-                    <a:pt x="0" y="6866467"/>
-                  </a:lnTo>
-                  <a:lnTo>
-                    <a:pt x="2045532" y="0"/>
-                  </a:lnTo>
-                  <a:close/>
-                </a:path>
-              </a:pathLst>
-            </a:custGeom>
-            <a:solidFill>
-              <a:schemeClr val="accent1">
-                <a:alpha val="36000"/>
-              </a:schemeClr>
-            </a:solidFill>
-            <a:ln>
-              <a:noFill/>
-            </a:ln>
-            <a:effectLst/>
-          </p:spPr>
-          <p:style>
-            <a:lnRef idx="1">
-              <a:schemeClr val="accent1"/>
-            </a:lnRef>
-            <a:fillRef idx="3">
-              <a:schemeClr val="accent1"/>
-            </a:fillRef>
-            <a:effectRef idx="2">
-              <a:schemeClr val="accent1"/>
-            </a:effectRef>
-            <a:fontRef idx="minor">
-              <a:schemeClr val="lt1"/>
-            </a:fontRef>
-          </p:style>
-        </p:sp>
-        <p:sp>
-          <p:nvSpPr>
-            <p:cNvPr id="22" name="Rectangle 25"/>
-            <p:cNvSpPr/>
-            <p:nvPr/>
-          </p:nvSpPr>
-          <p:spPr>
-            <a:xfrm>
-              <a:off x="9603442" y="-8467"/>
-              <a:ext cx="2588558" cy="6866467"/>
-            </a:xfrm>
-            <a:custGeom>
-              <a:avLst/>
-              <a:gdLst/>
-              <a:ahLst/>
-              <a:cxnLst/>
-              <a:rect l="l" t="t" r="r" b="b"/>
-              <a:pathLst>
-                <a:path w="2573311" h="6866467">
-                  <a:moveTo>
-                    <a:pt x="0" y="0"/>
-                  </a:moveTo>
-                  <a:lnTo>
-                    <a:pt x="2573311" y="0"/>
-                  </a:lnTo>
-                  <a:lnTo>
-                    <a:pt x="2573311" y="6866467"/>
-                  </a:lnTo>
-                  <a:lnTo>
-                    <a:pt x="1202336" y="6866467"/>
-                  </a:lnTo>
-                  <a:lnTo>
-                    <a:pt x="0" y="0"/>
-                  </a:lnTo>
-                  <a:close/>
-                </a:path>
-              </a:pathLst>
-            </a:custGeom>
-            <a:solidFill>
-              <a:schemeClr val="accent1">
-                <a:alpha val="20000"/>
-              </a:schemeClr>
-            </a:solidFill>
-            <a:ln>
-              <a:noFill/>
-            </a:ln>
-            <a:effectLst/>
-          </p:spPr>
-          <p:style>
-            <a:lnRef idx="1">
-              <a:schemeClr val="accent1"/>
-            </a:lnRef>
-            <a:fillRef idx="3">
-              <a:schemeClr val="accent1"/>
-            </a:fillRef>
-            <a:effectRef idx="2">
-              <a:schemeClr val="accent1"/>
-            </a:effectRef>
-            <a:fontRef idx="minor">
-              <a:schemeClr val="lt1"/>
-            </a:fontRef>
-          </p:style>
-        </p:sp>
-        <p:sp>
-          <p:nvSpPr>
-            <p:cNvPr id="23" name="Isosceles Triangle 22"/>
-            <p:cNvSpPr/>
-            <p:nvPr/>
-          </p:nvSpPr>
-          <p:spPr>
-            <a:xfrm>
-              <a:off x="8932333" y="3048000"/>
-              <a:ext cx="3259667" cy="3810000"/>
-            </a:xfrm>
-            <a:prstGeom prst="triangle">
-              <a:avLst>
-                <a:gd name="adj" fmla="val 100000"/>
-              </a:avLst>
-            </a:prstGeom>
-            <a:solidFill>
-              <a:schemeClr val="accent1">
-                <a:alpha val="72000"/>
-              </a:schemeClr>
-            </a:solidFill>
-            <a:ln>
-              <a:noFill/>
-            </a:ln>
-            <a:effectLst/>
-          </p:spPr>
-          <p:style>
-            <a:lnRef idx="1">
-              <a:schemeClr val="accent1"/>
-            </a:lnRef>
-            <a:fillRef idx="3">
-              <a:schemeClr val="accent1"/>
-            </a:fillRef>
-            <a:effectRef idx="2">
-              <a:schemeClr val="accent1"/>
-            </a:effectRef>
-            <a:fontRef idx="minor">
-              <a:schemeClr val="lt1"/>
-            </a:fontRef>
-          </p:style>
-        </p:sp>
-        <p:sp>
-          <p:nvSpPr>
-            <p:cNvPr id="24" name="Rectangle 27"/>
-            <p:cNvSpPr/>
-            <p:nvPr/>
-          </p:nvSpPr>
-          <p:spPr>
-            <a:xfrm>
-              <a:off x="9334500" y="-8467"/>
-              <a:ext cx="2854326" cy="6866467"/>
-            </a:xfrm>
-            <a:custGeom>
-              <a:avLst/>
-              <a:gdLst/>
-              <a:ahLst/>
-              <a:cxnLst/>
-              <a:rect l="l" t="t" r="r" b="b"/>
-              <a:pathLst>
-                <a:path w="2858013" h="6866467">
-                  <a:moveTo>
-                    <a:pt x="0" y="0"/>
-                  </a:moveTo>
-                  <a:lnTo>
-                    <a:pt x="2858013" y="0"/>
-                  </a:lnTo>
-                  <a:lnTo>
-                    <a:pt x="2858013" y="6866467"/>
-                  </a:lnTo>
-                  <a:lnTo>
-                    <a:pt x="2473942" y="6866467"/>
-                  </a:lnTo>
-                  <a:lnTo>
-                    <a:pt x="0" y="0"/>
-                  </a:lnTo>
-                  <a:close/>
-                </a:path>
-              </a:pathLst>
-            </a:custGeom>
-            <a:solidFill>
-              <a:schemeClr val="accent1">
-                <a:lumMod val="75000"/>
-                <a:alpha val="50000"/>
-              </a:schemeClr>
-            </a:solidFill>
-            <a:ln>
-              <a:noFill/>
-            </a:ln>
-            <a:effectLst/>
-          </p:spPr>
-          <p:style>
-            <a:lnRef idx="1">
-              <a:schemeClr val="accent1"/>
-            </a:lnRef>
-            <a:fillRef idx="3">
-              <a:schemeClr val="accent1"/>
-            </a:fillRef>
-            <a:effectRef idx="2">
-              <a:schemeClr val="accent1"/>
-            </a:effectRef>
-            <a:fontRef idx="minor">
-              <a:schemeClr val="lt1"/>
-            </a:fontRef>
-          </p:style>
-        </p:sp>
-        <p:sp>
-          <p:nvSpPr>
-            <p:cNvPr id="25" name="Rectangle 28"/>
-            <p:cNvSpPr/>
-            <p:nvPr/>
-          </p:nvSpPr>
-          <p:spPr>
-            <a:xfrm>
-              <a:off x="10898730" y="-8467"/>
-              <a:ext cx="1290094" cy="6866467"/>
-            </a:xfrm>
-            <a:custGeom>
-              <a:avLst/>
-              <a:gdLst/>
-              <a:ahLst/>
-              <a:cxnLst/>
-              <a:rect l="l" t="t" r="r" b="b"/>
-              <a:pathLst>
-                <a:path w="1290094" h="6858000">
-                  <a:moveTo>
-                    <a:pt x="1019735" y="0"/>
-                  </a:moveTo>
-                  <a:lnTo>
-                    <a:pt x="1290094" y="0"/>
-                  </a:lnTo>
-                  <a:lnTo>
-                    <a:pt x="1290094" y="6858000"/>
-                  </a:lnTo>
-                  <a:lnTo>
-                    <a:pt x="0" y="6858000"/>
-                  </a:lnTo>
-                  <a:lnTo>
-                    <a:pt x="1019735" y="0"/>
-                  </a:lnTo>
-                  <a:close/>
-                </a:path>
-              </a:pathLst>
-            </a:custGeom>
-            <a:solidFill>
-              <a:schemeClr val="accent1">
-                <a:lumMod val="75000"/>
-                <a:alpha val="70000"/>
-              </a:schemeClr>
-            </a:solidFill>
-            <a:ln>
-              <a:noFill/>
-            </a:ln>
-            <a:effectLst/>
-          </p:spPr>
-          <p:style>
-            <a:lnRef idx="1">
-              <a:schemeClr val="accent1"/>
-            </a:lnRef>
-            <a:fillRef idx="3">
-              <a:schemeClr val="accent1"/>
-            </a:fillRef>
-            <a:effectRef idx="2">
-              <a:schemeClr val="accent1"/>
-            </a:effectRef>
-            <a:fontRef idx="minor">
-              <a:schemeClr val="lt1"/>
-            </a:fontRef>
-          </p:style>
-        </p:sp>
-        <p:sp>
-          <p:nvSpPr>
-            <p:cNvPr id="26" name="Rectangle 29"/>
-            <p:cNvSpPr/>
-            <p:nvPr/>
-          </p:nvSpPr>
-          <p:spPr>
-            <a:xfrm>
-              <a:off x="10938999" y="-8467"/>
-              <a:ext cx="1249825" cy="6866467"/>
-            </a:xfrm>
-            <a:custGeom>
-              <a:avLst/>
-              <a:gdLst/>
-              <a:ahLst/>
-              <a:cxnLst/>
-              <a:rect l="l" t="t" r="r" b="b"/>
-              <a:pathLst>
-                <a:path w="1249825" h="6858000">
-                  <a:moveTo>
-                    <a:pt x="0" y="0"/>
-                  </a:moveTo>
-                  <a:lnTo>
-                    <a:pt x="1249825" y="0"/>
-                  </a:lnTo>
-                  <a:lnTo>
-                    <a:pt x="1249825" y="6858000"/>
-                  </a:lnTo>
-                  <a:lnTo>
-                    <a:pt x="1109382" y="6858000"/>
-                  </a:lnTo>
-                  <a:lnTo>
-                    <a:pt x="0" y="0"/>
-                  </a:lnTo>
-                  <a:close/>
-                </a:path>
-              </a:pathLst>
-            </a:custGeom>
-            <a:solidFill>
-              <a:schemeClr val="accent1">
-                <a:lumMod val="50000"/>
-                <a:alpha val="80000"/>
-              </a:schemeClr>
-            </a:solidFill>
-            <a:ln>
-              <a:noFill/>
-            </a:ln>
-            <a:effectLst/>
-          </p:spPr>
-          <p:style>
-            <a:lnRef idx="1">
-              <a:schemeClr val="accent1"/>
-            </a:lnRef>
-            <a:fillRef idx="3">
-              <a:schemeClr val="accent1"/>
-            </a:fillRef>
-            <a:effectRef idx="2">
-              <a:schemeClr val="accent1"/>
-            </a:effectRef>
-            <a:fontRef idx="minor">
-              <a:schemeClr val="lt1"/>
-            </a:fontRef>
-          </p:style>
-        </p:sp>
-        <p:sp>
-          <p:nvSpPr>
-            <p:cNvPr id="27" name="Isosceles Triangle 26"/>
-            <p:cNvSpPr/>
-            <p:nvPr/>
-          </p:nvSpPr>
-          <p:spPr>
-            <a:xfrm>
-              <a:off x="10371666" y="3589867"/>
-              <a:ext cx="1817159" cy="3268133"/>
-            </a:xfrm>
-            <a:prstGeom prst="triangle">
-              <a:avLst>
-                <a:gd name="adj" fmla="val 100000"/>
-              </a:avLst>
-            </a:prstGeom>
-            <a:solidFill>
-              <a:schemeClr val="accent1">
-                <a:lumMod val="50000"/>
-                <a:alpha val="66000"/>
-              </a:schemeClr>
-            </a:solidFill>
-            <a:ln>
-              <a:noFill/>
-            </a:ln>
-            <a:effectLst/>
-          </p:spPr>
-          <p:style>
-            <a:lnRef idx="1">
-              <a:schemeClr val="accent1"/>
-            </a:lnRef>
-            <a:fillRef idx="3">
-              <a:schemeClr val="accent1"/>
-            </a:fillRef>
-            <a:effectRef idx="2">
-              <a:schemeClr val="accent1"/>
-            </a:effectRef>
-            <a:fontRef idx="minor">
-              <a:schemeClr val="lt1"/>
-            </a:fontRef>
-          </p:style>
-        </p:sp>
-        <p:sp>
-          <p:nvSpPr>
-            <p:cNvPr id="29" name="Isosceles Triangle 28"/>
-            <p:cNvSpPr/>
-            <p:nvPr/>
-          </p:nvSpPr>
-          <p:spPr>
-            <a:xfrm rot="10800000">
-              <a:off x="0" y="0"/>
-              <a:ext cx="842596" cy="5666154"/>
-            </a:xfrm>
-            <a:prstGeom prst="triangle">
-              <a:avLst>
-                <a:gd name="adj" fmla="val 100000"/>
-              </a:avLst>
-            </a:prstGeom>
-            <a:solidFill>
-              <a:schemeClr val="accent1">
-                <a:lumMod val="75000"/>
-                <a:alpha val="70000"/>
-              </a:schemeClr>
-            </a:solidFill>
-            <a:ln>
-              <a:noFill/>
-            </a:ln>
-            <a:effectLst/>
-          </p:spPr>
-          <p:style>
-            <a:lnRef idx="1">
-              <a:schemeClr val="accent1"/>
-            </a:lnRef>
-            <a:fillRef idx="3">
-              <a:schemeClr val="accent1"/>
-            </a:fillRef>
-            <a:effectRef idx="2">
-              <a:schemeClr val="accent1"/>
-            </a:effectRef>
-            <a:fontRef idx="minor">
-              <a:schemeClr val="lt1"/>
-            </a:fontRef>
-          </p:style>
-        </p:sp>
-      </p:grpSp>
       <p:sp>
         <p:nvSpPr>
           <p:cNvPr id="2" name="Title 1"/>
@@ -6398,44 +5876,12 @@
           <a:bodyPr/>
           <a:lstStyle/>
           <a:p>
-            <a:pPr lvl="0" marL="0" indent="0">
+            <a:pPr lvl="0" indent="0" marL="0">
               <a:buNone/>
             </a:pPr>
             <a:r>
               <a:rPr/>
-              <a:t>Breast</a:t>
-            </a:r>
-            <a:r>
-              <a:rPr/>
-              <a:t> </a:t>
-            </a:r>
-            <a:r>
-              <a:rPr/>
-              <a:t>Cancer</a:t>
-            </a:r>
-            <a:r>
-              <a:rPr/>
-              <a:t> </a:t>
-            </a:r>
-            <a:r>
-              <a:rPr/>
-              <a:t>Diagnosis</a:t>
-            </a:r>
-            <a:r>
-              <a:rPr/>
-              <a:t> </a:t>
-            </a:r>
-            <a:r>
-              <a:rPr/>
-              <a:t>Classification</a:t>
-            </a:r>
-            <a:r>
-              <a:rPr/>
-              <a:t> </a:t>
-            </a:r>
-            <a:r>
-              <a:rPr/>
-              <a:t>Analysis</a:t>
+              <a:t>Breast Cancer Diagnosis Classification Analysis</a:t>
             </a:r>
           </a:p>
         </p:txBody>
@@ -6447,7 +5893,7 @@
             <a:spLocks noGrp="1"/>
           </p:cNvSpPr>
           <p:nvPr>
-            <p:ph type="subTitle" idx="1"/>
+            <p:ph idx="1" type="subTitle"/>
           </p:nvPr>
         </p:nvSpPr>
         <p:spPr>
@@ -6460,103 +5906,39 @@
           <a:bodyPr/>
           <a:lstStyle/>
           <a:p>
-            <a:pPr lvl="0" marL="0" indent="0">
+            <a:pPr lvl="0" indent="0" marL="0">
               <a:buNone/>
             </a:pPr>
             <a:br/>
             <a:br/>
             <a:r>
               <a:rPr/>
-              <a:t>Austin</a:t>
-            </a:r>
+              <a:t>Austin Lackey, Ethan Powers and Danny Laposata</a:t>
+            </a:r>
+          </a:p>
+        </p:txBody>
+      </p:sp>
+      <p:sp>
+        <p:nvSpPr>
+          <p:cNvPr id="4" name="Date Placeholder 3"/>
+          <p:cNvSpPr>
+            <a:spLocks noGrp="1"/>
+          </p:cNvSpPr>
+          <p:nvPr>
+            <p:ph idx="10" sz="half" type="dt"/>
+          </p:nvPr>
+        </p:nvSpPr>
+        <p:spPr/>
+        <p:txBody>
+          <a:bodyPr/>
+          <a:lstStyle/>
+          <a:p>
+            <a:pPr lvl="0" indent="0" marL="0">
+              <a:buNone/>
+            </a:pPr>
             <a:r>
               <a:rPr/>
-              <a:t> </a:t>
-            </a:r>
-            <a:r>
-              <a:rPr/>
-              <a:t>Lackey,</a:t>
-            </a:r>
-            <a:r>
-              <a:rPr/>
-              <a:t> </a:t>
-            </a:r>
-            <a:r>
-              <a:rPr/>
-              <a:t>Ethan</a:t>
-            </a:r>
-            <a:r>
-              <a:rPr/>
-              <a:t> </a:t>
-            </a:r>
-            <a:r>
-              <a:rPr/>
-              <a:t>Powers</a:t>
-            </a:r>
-            <a:r>
-              <a:rPr/>
-              <a:t> </a:t>
-            </a:r>
-            <a:r>
-              <a:rPr/>
-              <a:t>and</a:t>
-            </a:r>
-            <a:r>
-              <a:rPr/>
-              <a:t> </a:t>
-            </a:r>
-            <a:r>
-              <a:rPr/>
-              <a:t>Danny</a:t>
-            </a:r>
-            <a:r>
-              <a:rPr/>
-              <a:t> </a:t>
-            </a:r>
-            <a:r>
-              <a:rPr/>
-              <a:t>Laposata</a:t>
-            </a:r>
-          </a:p>
-        </p:txBody>
-      </p:sp>
-      <p:sp>
-        <p:nvSpPr>
-          <p:cNvPr id="4" name="Date Placeholder 3"/>
-          <p:cNvSpPr>
-            <a:spLocks noGrp="1"/>
-          </p:cNvSpPr>
-          <p:nvPr>
-            <p:ph type="dt" sz="half" idx="10"/>
-          </p:nvPr>
-        </p:nvSpPr>
-        <p:spPr/>
-        <p:txBody>
-          <a:bodyPr/>
-          <a:lstStyle/>
-          <a:p>
-            <a:pPr lvl="0" marL="0" indent="0">
-              <a:buNone/>
-            </a:pPr>
-            <a:r>
-              <a:rPr/>
-              <a:t>December</a:t>
-            </a:r>
-            <a:r>
-              <a:rPr/>
-              <a:t> </a:t>
-            </a:r>
-            <a:r>
-              <a:rPr/>
-              <a:t>9th,</a:t>
-            </a:r>
-            <a:r>
-              <a:rPr/>
-              <a:t> </a:t>
-            </a:r>
-            <a:r>
-              <a:rPr/>
-              <a:t>2022</a:t>
+              <a:t>December 9th, 2022</a:t>
             </a:r>
           </a:p>
         </p:txBody>
@@ -6598,43 +5980,19 @@
           <a:bodyPr/>
           <a:lstStyle/>
           <a:p>
-            <a:pPr lvl="0" marL="0" indent="0">
+            <a:pPr lvl="0" indent="0" marL="0">
               <a:buNone/>
             </a:pPr>
             <a:r>
               <a:rPr/>
-              <a:t>Support</a:t>
-            </a:r>
-            <a:r>
-              <a:rPr/>
-              <a:t> </a:t>
-            </a:r>
-            <a:r>
-              <a:rPr/>
-              <a:t>Vector</a:t>
-            </a:r>
-            <a:r>
-              <a:rPr/>
-              <a:t> </a:t>
-            </a:r>
-            <a:r>
-              <a:rPr/>
-              <a:t>Classifier</a:t>
-            </a:r>
-            <a:r>
-              <a:rPr/>
-              <a:t> </a:t>
-            </a:r>
-            <a:r>
-              <a:rPr/>
-              <a:t>Model</a:t>
+              <a:t>Tuned KNN</a:t>
             </a:r>
           </a:p>
         </p:txBody>
       </p:sp>
       <p:pic>
         <p:nvPicPr>
-          <p:cNvPr descr="powerpoint_files/figure-pptx/unnamed-chunk-3-1.png" id="0" name="Picture 1"/>
+          <p:cNvPr descr="powerpoint_files/figure-pptx/tuned_knn_plot-1.png" id="0" name="Picture 1"/>
           <p:cNvPicPr>
             <a:picLocks noGrp="1" noChangeAspect="1"/>
           </p:cNvPicPr>
@@ -6648,8 +6006,8 @@
         </p:blipFill>
         <p:spPr bwMode="auto">
           <a:xfrm>
-            <a:off x="2057400" y="2159000"/>
-            <a:ext cx="5816600" cy="3873500"/>
+            <a:off x="1574800" y="2159000"/>
+            <a:ext cx="6781800" cy="3873500"/>
           </a:xfrm>
           <a:prstGeom prst="rect">
             <a:avLst/>
@@ -6686,12 +6044,12 @@
       </p:grpSpPr>
       <p:sp>
         <p:nvSpPr>
-          <p:cNvPr id="3" name="Content Placeholder 2"/>
-          <p:cNvSpPr>
-            <a:spLocks noGrp="1"/>
-          </p:cNvSpPr>
-          <p:nvPr>
-            <p:ph idx="1"/>
+          <p:cNvPr id="2" name="Title 1"/>
+          <p:cNvSpPr>
+            <a:spLocks noGrp="1"/>
+          </p:cNvSpPr>
+          <p:nvPr>
+            <p:ph type="title"/>
           </p:nvPr>
         </p:nvSpPr>
         <p:spPr/>
@@ -6699,39 +6057,84 @@
           <a:bodyPr/>
           <a:lstStyle/>
           <a:p>
-            <a:pPr lvl="0" marL="0" indent="0">
+            <a:pPr lvl="0" indent="0" marL="0">
               <a:buNone/>
             </a:pPr>
-          </a:p>
-          <a:p>
-            <a:pPr lvl="1"/>
             <a:r>
               <a:rPr/>
-              <a:t>Tuned cost value to 1</a:t>
-            </a:r>
-          </a:p>
-          <a:p>
-            <a:pPr lvl="1"/>
-            <a:r>
-              <a:rPr/>
-              <a:t>2 False-Negatives</a:t>
-            </a:r>
-          </a:p>
-          <a:p>
-            <a:pPr lvl="1"/>
-            <a:r>
-              <a:rPr sz="1800">
-                <a:latin typeface="Courier"/>
-              </a:rPr>
-              <a:t>svm.err</a:t>
-            </a:r>
-            <a:r>
-              <a:rPr/>
-              <a:t> % prediction accuracy</a:t>
-            </a:r>
-          </a:p>
-        </p:txBody>
-      </p:sp>
+              <a:t>Tuned KNN Parameters</a:t>
+            </a:r>
+          </a:p>
+        </p:txBody>
+      </p:sp>
+      <mc:AlternateContent xmlns:mc="http://schemas.openxmlformats.org/markup-compatibility/2006">
+        <mc:Choice xmlns:a14="http://schemas.microsoft.com/office/drawing/2010/main" Requires="a14">
+          <p:sp>
+            <p:nvSpPr>
+              <p:cNvPr id="3" name="Content Placeholder 2"/>
+              <p:cNvSpPr>
+                <a:spLocks noGrp="1"/>
+              </p:cNvSpPr>
+              <p:nvPr>
+                <p:ph idx="1"/>
+              </p:nvPr>
+            </p:nvSpPr>
+            <p:spPr/>
+            <p:txBody>
+              <a:bodyPr/>
+              <a:lstStyle/>
+              <a:p>
+                <a:pPr lvl="0"/>
+                <a:r>
+                  <a:rPr/>
+                  <a:t>Using all features</a:t>
+                </a:r>
+              </a:p>
+              <a:p>
+                <a:pPr lvl="0"/>
+                <a:r>
+                  <a:rPr/>
+                  <a:t>10-fold cross validation repeated 10 times</a:t>
+                </a:r>
+              </a:p>
+              <a:p>
+                <a:pPr lvl="0"/>
+                <a14:m>
+                  <m:oMath xmlns:m="http://schemas.openxmlformats.org/officeDocument/2006/math">
+                    <m:r>
+                      <m:t>k</m:t>
+                    </m:r>
+                    <m:r>
+                      <m:rPr>
+                        <m:sty m:val="p"/>
+                      </m:rPr>
+                      <m:t>=</m:t>
+                    </m:r>
+                  </m:oMath>
+                </a14:m>
+                <a:r>
+                  <a:rPr/>
+                  <a:t> 10 neighbors</a:t>
+                </a:r>
+              </a:p>
+              <a:p>
+                <a:pPr lvl="0"/>
+                <a:r>
+                  <a:rPr/>
+                  <a:t>Type II Error: 0.0440529</a:t>
+                </a:r>
+              </a:p>
+              <a:p>
+                <a:pPr lvl="0"/>
+                <a:r>
+                  <a:rPr/>
+                  <a:t>Accuracy: 0.9339207</a:t>
+                </a:r>
+              </a:p>
+            </p:txBody>
+          </p:sp>
+        </mc:Choice>
+      </mc:AlternateContent>
     </p:spTree>
   </p:cSld>
 </p:sld>
@@ -6764,63 +6167,22 @@
             <p:ph type="title"/>
           </p:nvPr>
         </p:nvSpPr>
-        <p:spPr/>
-        <p:txBody>
-          <a:bodyPr/>
-          <a:lstStyle/>
-          <a:p>
-            <a:pPr lvl="0" marL="0" indent="0">
+        <p:spPr>
+          <a:xfrm>
+            <a:off x="677335" y="2700867"/>
+            <a:ext cx="8596668" cy="1826581"/>
+          </a:xfrm>
+        </p:spPr>
+        <p:txBody>
+          <a:bodyPr/>
+          <a:lstStyle/>
+          <a:p>
+            <a:pPr lvl="0" indent="0" marL="0">
               <a:buNone/>
             </a:pPr>
             <a:r>
               <a:rPr/>
-              <a:t>Random</a:t>
-            </a:r>
-            <a:r>
-              <a:rPr/>
-              <a:t> </a:t>
-            </a:r>
-            <a:r>
-              <a:rPr/>
-              <a:t>Forest</a:t>
-            </a:r>
-            <a:r>
-              <a:rPr/>
-              <a:t> </a:t>
-            </a:r>
-            <a:r>
-              <a:rPr/>
-              <a:t>Model</a:t>
-            </a:r>
-          </a:p>
-        </p:txBody>
-      </p:sp>
-      <p:sp>
-        <p:nvSpPr>
-          <p:cNvPr id="3" name="Content Placeholder 2"/>
-          <p:cNvSpPr>
-            <a:spLocks noGrp="1"/>
-          </p:cNvSpPr>
-          <p:nvPr>
-            <p:ph idx="1"/>
-          </p:nvPr>
-        </p:nvSpPr>
-        <p:spPr/>
-        <p:txBody>
-          <a:bodyPr/>
-          <a:lstStyle/>
-          <a:p>
-            <a:pPr lvl="1"/>
-            <a:r>
-              <a:rPr/>
-              <a:t>1 False-Negative</a:t>
-            </a:r>
-          </a:p>
-          <a:p>
-            <a:pPr lvl="1"/>
-            <a:r>
-              <a:rPr/>
-              <a:t>95.15% prediction accuracy</a:t>
+              <a:t>Random Forrest</a:t>
             </a:r>
           </a:p>
         </p:txBody>
@@ -6847,9 +6209,34 @@
           <a:chExt cx="0" cy="0"/>
         </a:xfrm>
       </p:grpSpPr>
+      <p:sp>
+        <p:nvSpPr>
+          <p:cNvPr id="2" name="Title 1"/>
+          <p:cNvSpPr>
+            <a:spLocks noGrp="1"/>
+          </p:cNvSpPr>
+          <p:nvPr>
+            <p:ph type="title"/>
+          </p:nvPr>
+        </p:nvSpPr>
+        <p:spPr/>
+        <p:txBody>
+          <a:bodyPr/>
+          <a:lstStyle/>
+          <a:p>
+            <a:pPr lvl="0" indent="0" marL="0">
+              <a:buNone/>
+            </a:pPr>
+            <a:r>
+              <a:rPr/>
+              <a:t>Tuning Random Forrest</a:t>
+            </a:r>
+          </a:p>
+        </p:txBody>
+      </p:sp>
       <p:pic>
         <p:nvPicPr>
-          <p:cNvPr descr="powerpoint_files/figure-pptx/unnamed-chunk-4-1.png" id="0" name="Picture 1"/>
+          <p:cNvPr descr="powerpoint_files/figure-pptx/rf_tuning_plot-1.png" id="0" name="Picture 1"/>
           <p:cNvPicPr>
             <a:picLocks noGrp="1" noChangeAspect="1"/>
           </p:cNvPicPr>
@@ -6863,8 +6250,8 @@
         </p:blipFill>
         <p:spPr bwMode="auto">
           <a:xfrm>
-            <a:off x="2057400" y="2159000"/>
-            <a:ext cx="5816600" cy="3873500"/>
+            <a:off x="1574800" y="2159000"/>
+            <a:ext cx="6781800" cy="3873500"/>
           </a:xfrm>
           <a:prstGeom prst="rect">
             <a:avLst/>
@@ -6914,32 +6301,46 @@
           <a:bodyPr/>
           <a:lstStyle/>
           <a:p>
-            <a:pPr lvl="0" marL="0" indent="0">
+            <a:pPr lvl="0" indent="0" marL="0">
               <a:buNone/>
             </a:pPr>
             <a:r>
               <a:rPr/>
-              <a:t>Regression</a:t>
-            </a:r>
-            <a:r>
-              <a:rPr/>
-              <a:t> </a:t>
-            </a:r>
-            <a:r>
-              <a:rPr/>
-              <a:t>Analysis:</a:t>
-            </a:r>
-            <a:r>
-              <a:rPr/>
-              <a:t> </a:t>
-            </a:r>
-            <a:r>
-              <a:rPr/>
-              <a:t>Ethan</a:t>
-            </a:r>
-          </a:p>
-        </p:txBody>
-      </p:sp>
+              <a:t>Tuned Random Forrest</a:t>
+            </a:r>
+          </a:p>
+        </p:txBody>
+      </p:sp>
+      <p:pic>
+        <p:nvPicPr>
+          <p:cNvPr descr="powerpoint_files/figure-pptx/tuned_rf_plot-1.png" id="0" name="Picture 1"/>
+          <p:cNvPicPr>
+            <a:picLocks noGrp="1" noChangeAspect="1"/>
+          </p:cNvPicPr>
+          <p:nvPr/>
+        </p:nvPicPr>
+        <p:blipFill>
+          <a:blip r:embed="rId2"/>
+          <a:stretch>
+            <a:fillRect/>
+          </a:stretch>
+        </p:blipFill>
+        <p:spPr bwMode="auto">
+          <a:xfrm>
+            <a:off x="1574800" y="2159000"/>
+            <a:ext cx="6781800" cy="3873500"/>
+          </a:xfrm>
+          <a:prstGeom prst="rect">
+            <a:avLst/>
+          </a:prstGeom>
+          <a:noFill/>
+          <a:ln w="9525">
+            <a:noFill/>
+            <a:headEnd/>
+            <a:tailEnd/>
+          </a:ln>
+        </p:spPr>
+      </p:pic>
     </p:spTree>
   </p:cSld>
 </p:sld>
@@ -6977,24 +6378,84 @@
           <a:bodyPr/>
           <a:lstStyle/>
           <a:p>
-            <a:pPr lvl="0" marL="0" indent="0">
+            <a:pPr lvl="0" indent="0" marL="0">
               <a:buNone/>
             </a:pPr>
             <a:r>
               <a:rPr/>
-              <a:t>Model</a:t>
-            </a:r>
-            <a:r>
-              <a:rPr/>
-              <a:t> </a:t>
-            </a:r>
-            <a:r>
-              <a:rPr/>
-              <a:t>Assesments</a:t>
-            </a:r>
-          </a:p>
-        </p:txBody>
-      </p:sp>
+              <a:t>Tuned Random Forrest Parameters</a:t>
+            </a:r>
+          </a:p>
+        </p:txBody>
+      </p:sp>
+      <mc:AlternateContent xmlns:mc="http://schemas.openxmlformats.org/markup-compatibility/2006">
+        <mc:Choice xmlns:a14="http://schemas.microsoft.com/office/drawing/2010/main" Requires="a14">
+          <p:sp>
+            <p:nvSpPr>
+              <p:cNvPr id="3" name="Content Placeholder 2"/>
+              <p:cNvSpPr>
+                <a:spLocks noGrp="1"/>
+              </p:cNvSpPr>
+              <p:nvPr>
+                <p:ph idx="1"/>
+              </p:nvPr>
+            </p:nvSpPr>
+            <p:spPr/>
+            <p:txBody>
+              <a:bodyPr/>
+              <a:lstStyle/>
+              <a:p>
+                <a:pPr lvl="0"/>
+                <a:r>
+                  <a:rPr/>
+                  <a:t>Using all features</a:t>
+                </a:r>
+              </a:p>
+              <a:p>
+                <a:pPr lvl="0"/>
+                <a:r>
+                  <a:rPr/>
+                  <a:t>10-fold cross validation repeated 10 times</a:t>
+                </a:r>
+              </a:p>
+              <a:p>
+                <a:pPr lvl="0"/>
+                <a14:m>
+                  <m:oMath xmlns:m="http://schemas.openxmlformats.org/officeDocument/2006/math">
+                    <m:r>
+                      <m:t>n</m:t>
+                    </m:r>
+                    <m:r>
+                      <m:rPr>
+                        <m:sty m:val="p"/>
+                      </m:rPr>
+                      <m:t>=</m:t>
+                    </m:r>
+                  </m:oMath>
+                </a14:m>
+                <a:r>
+                  <a:rPr/>
+                  <a:t> 21 trees</a:t>
+                </a:r>
+              </a:p>
+              <a:p>
+                <a:pPr lvl="0"/>
+                <a:r>
+                  <a:rPr/>
+                  <a:t>Type II Error: 0.0220264</a:t>
+                </a:r>
+              </a:p>
+              <a:p>
+                <a:pPr lvl="0"/>
+                <a:r>
+                  <a:rPr/>
+                  <a:t>Accuracy: 0.9603524</a:t>
+                </a:r>
+              </a:p>
+            </p:txBody>
+          </p:sp>
+        </mc:Choice>
+      </mc:AlternateContent>
     </p:spTree>
   </p:cSld>
 </p:sld>
@@ -7032,20 +6493,257 @@
           <a:bodyPr/>
           <a:lstStyle/>
           <a:p>
-            <a:pPr lvl="0" marL="0" indent="0">
+            <a:pPr lvl="0" indent="0" marL="0">
               <a:buNone/>
             </a:pPr>
             <a:r>
               <a:rPr/>
-              <a:t>Works</a:t>
-            </a:r>
+              <a:t>Radial Support Vector Machine</a:t>
+            </a:r>
+          </a:p>
+        </p:txBody>
+      </p:sp>
+      <p:pic>
+        <p:nvPicPr>
+          <p:cNvPr descr="powerpoint_files/figure-pptx/austin_svm_plot-1.png" id="0" name="Picture 1"/>
+          <p:cNvPicPr>
+            <a:picLocks noGrp="1" noChangeAspect="1"/>
+          </p:cNvPicPr>
+          <p:nvPr/>
+        </p:nvPicPr>
+        <p:blipFill>
+          <a:blip r:embed="rId2"/>
+          <a:stretch>
+            <a:fillRect/>
+          </a:stretch>
+        </p:blipFill>
+        <p:spPr bwMode="auto">
+          <a:xfrm>
+            <a:off x="1574800" y="2159000"/>
+            <a:ext cx="6781800" cy="3873500"/>
+          </a:xfrm>
+          <a:prstGeom prst="rect">
+            <a:avLst/>
+          </a:prstGeom>
+          <a:noFill/>
+          <a:ln w="9525">
+            <a:noFill/>
+            <a:headEnd/>
+            <a:tailEnd/>
+          </a:ln>
+        </p:spPr>
+      </p:pic>
+    </p:spTree>
+  </p:cSld>
+</p:sld>
+</file>
+
+<file path=ppt/slides/slide17.xml><?xml version="1.0" encoding="utf-8"?>
+<p:sld xmlns:a="http://schemas.openxmlformats.org/drawingml/2006/main" xmlns:r="http://schemas.openxmlformats.org/officeDocument/2006/relationships" xmlns:p="http://schemas.openxmlformats.org/presentationml/2006/main">
+  <p:cSld>
+    <p:spTree>
+      <p:nvGrpSpPr>
+        <p:cNvPr id="1" name=""/>
+        <p:cNvGrpSpPr/>
+        <p:nvPr/>
+      </p:nvGrpSpPr>
+      <p:grpSpPr>
+        <a:xfrm>
+          <a:off x="0" y="0"/>
+          <a:ext cx="0" cy="0"/>
+          <a:chOff x="0" y="0"/>
+          <a:chExt cx="0" cy="0"/>
+        </a:xfrm>
+      </p:grpSpPr>
+      <p:sp>
+        <p:nvSpPr>
+          <p:cNvPr id="2" name="Title 1"/>
+          <p:cNvSpPr>
+            <a:spLocks noGrp="1"/>
+          </p:cNvSpPr>
+          <p:nvPr>
+            <p:ph type="title"/>
+          </p:nvPr>
+        </p:nvSpPr>
+        <p:spPr/>
+        <p:txBody>
+          <a:bodyPr/>
+          <a:lstStyle/>
+          <a:p>
+            <a:pPr lvl="0" indent="0" marL="0">
+              <a:buNone/>
+            </a:pPr>
             <a:r>
               <a:rPr/>
-              <a:t> </a:t>
-            </a:r>
+              <a:t>Radial Support Vector Machine Parameters</a:t>
+            </a:r>
+          </a:p>
+        </p:txBody>
+      </p:sp>
+      <p:sp>
+        <p:nvSpPr>
+          <p:cNvPr id="3" name="Content Placeholder 2"/>
+          <p:cNvSpPr>
+            <a:spLocks noGrp="1"/>
+          </p:cNvSpPr>
+          <p:nvPr>
+            <p:ph idx="1"/>
+          </p:nvPr>
+        </p:nvSpPr>
+        <p:spPr/>
+        <p:txBody>
+          <a:bodyPr/>
+          <a:lstStyle/>
+          <a:p>
+            <a:pPr lvl="0"/>
             <a:r>
               <a:rPr/>
-              <a:t>Cited</a:t>
+              <a:t>Using all features</a:t>
+            </a:r>
+          </a:p>
+          <a:p>
+            <a:pPr lvl="0"/>
+            <a:r>
+              <a:rPr/>
+              <a:t>10-fold cross validation repeated 10 times</a:t>
+            </a:r>
+          </a:p>
+          <a:p>
+            <a:pPr lvl="0"/>
+            <a:r>
+              <a:rPr/>
+              <a:t>Type II Error: 0.0044053</a:t>
+            </a:r>
+          </a:p>
+          <a:p>
+            <a:pPr lvl="0"/>
+            <a:r>
+              <a:rPr/>
+              <a:t>Accuracy: 0.969163</a:t>
+            </a:r>
+          </a:p>
+        </p:txBody>
+      </p:sp>
+    </p:spTree>
+  </p:cSld>
+</p:sld>
+</file>
+
+<file path=ppt/slides/slide18.xml><?xml version="1.0" encoding="utf-8"?>
+<p:sld xmlns:a="http://schemas.openxmlformats.org/drawingml/2006/main" xmlns:r="http://schemas.openxmlformats.org/officeDocument/2006/relationships" xmlns:p="http://schemas.openxmlformats.org/presentationml/2006/main">
+  <p:cSld>
+    <p:spTree>
+      <p:nvGrpSpPr>
+        <p:cNvPr id="1" name=""/>
+        <p:cNvGrpSpPr/>
+        <p:nvPr/>
+      </p:nvGrpSpPr>
+      <p:grpSpPr>
+        <a:xfrm>
+          <a:off x="0" y="0"/>
+          <a:ext cx="0" cy="0"/>
+          <a:chOff x="0" y="0"/>
+          <a:chExt cx="0" cy="0"/>
+        </a:xfrm>
+      </p:grpSpPr>
+      <p:sp>
+        <p:nvSpPr>
+          <p:cNvPr id="2" name="Title 1"/>
+          <p:cNvSpPr>
+            <a:spLocks noGrp="1"/>
+          </p:cNvSpPr>
+          <p:nvPr>
+            <p:ph type="title"/>
+          </p:nvPr>
+        </p:nvSpPr>
+        <p:spPr/>
+        <p:txBody>
+          <a:bodyPr/>
+          <a:lstStyle/>
+          <a:p>
+            <a:pPr lvl="0" indent="0" marL="0">
+              <a:buNone/>
+            </a:pPr>
+            <a:r>
+              <a:rPr/>
+              <a:t>Tuned Radial Support Vector Machine</a:t>
+            </a:r>
+          </a:p>
+        </p:txBody>
+      </p:sp>
+      <p:pic>
+        <p:nvPicPr>
+          <p:cNvPr descr="powerpoint_files/figure-pptx/austin_svm_plot2-1.png" id="0" name="Picture 1"/>
+          <p:cNvPicPr>
+            <a:picLocks noGrp="1" noChangeAspect="1"/>
+          </p:cNvPicPr>
+          <p:nvPr/>
+        </p:nvPicPr>
+        <p:blipFill>
+          <a:blip r:embed="rId2"/>
+          <a:stretch>
+            <a:fillRect/>
+          </a:stretch>
+        </p:blipFill>
+        <p:spPr bwMode="auto">
+          <a:xfrm>
+            <a:off x="1574800" y="2159000"/>
+            <a:ext cx="6781800" cy="3873500"/>
+          </a:xfrm>
+          <a:prstGeom prst="rect">
+            <a:avLst/>
+          </a:prstGeom>
+          <a:noFill/>
+          <a:ln w="9525">
+            <a:noFill/>
+            <a:headEnd/>
+            <a:tailEnd/>
+          </a:ln>
+        </p:spPr>
+      </p:pic>
+    </p:spTree>
+  </p:cSld>
+</p:sld>
+</file>
+
+<file path=ppt/slides/slide19.xml><?xml version="1.0" encoding="utf-8"?>
+<p:sld xmlns:a="http://schemas.openxmlformats.org/drawingml/2006/main" xmlns:r="http://schemas.openxmlformats.org/officeDocument/2006/relationships" xmlns:p="http://schemas.openxmlformats.org/presentationml/2006/main">
+  <p:cSld>
+    <p:spTree>
+      <p:nvGrpSpPr>
+        <p:cNvPr id="1" name=""/>
+        <p:cNvGrpSpPr/>
+        <p:nvPr/>
+      </p:nvGrpSpPr>
+      <p:grpSpPr>
+        <a:xfrm>
+          <a:off x="0" y="0"/>
+          <a:ext cx="0" cy="0"/>
+          <a:chOff x="0" y="0"/>
+          <a:chExt cx="0" cy="0"/>
+        </a:xfrm>
+      </p:grpSpPr>
+      <p:sp>
+        <p:nvSpPr>
+          <p:cNvPr id="2" name="Title 1"/>
+          <p:cNvSpPr>
+            <a:spLocks noGrp="1"/>
+          </p:cNvSpPr>
+          <p:nvPr>
+            <p:ph type="title"/>
+          </p:nvPr>
+        </p:nvSpPr>
+        <p:spPr/>
+        <p:txBody>
+          <a:bodyPr/>
+          <a:lstStyle/>
+          <a:p>
+            <a:pPr lvl="0" indent="0" marL="0">
+              <a:buNone/>
+            </a:pPr>
+            <a:r>
+              <a:rPr/>
+              <a:t>Tuned Radial Support Vector Machine Parameters</a:t>
             </a:r>
           </a:p>
         </p:txBody>
@@ -7065,10 +6763,31 @@
           <a:bodyPr/>
           <a:lstStyle/>
           <a:p>
-            <a:pPr lvl="1"/>
+            <a:pPr lvl="0"/>
             <a:r>
               <a:rPr/>
-              <a:t>Insert link to kaggle dataset here</a:t>
+              <a:t>Using all features</a:t>
+            </a:r>
+          </a:p>
+          <a:p>
+            <a:pPr lvl="0"/>
+            <a:r>
+              <a:rPr/>
+              <a:t>10-fold cross validation repeated 10 times</a:t>
+            </a:r>
+          </a:p>
+          <a:p>
+            <a:pPr lvl="0"/>
+            <a:r>
+              <a:rPr/>
+              <a:t>Type II Error: 0.0088106</a:t>
+            </a:r>
+          </a:p>
+          <a:p>
+            <a:pPr lvl="0"/>
+            <a:r>
+              <a:rPr/>
+              <a:t>Accuracy: 0.9735683</a:t>
             </a:r>
           </a:p>
         </p:txBody>
@@ -7110,7 +6829,7 @@
           <a:bodyPr/>
           <a:lstStyle/>
           <a:p>
-            <a:pPr lvl="0" marL="0" indent="0">
+            <a:pPr lvl="0" indent="0" marL="0">
               <a:buNone/>
             </a:pPr>
             <a:r>
@@ -7135,31 +6854,686 @@
           <a:bodyPr/>
           <a:lstStyle/>
           <a:p>
-            <a:pPr lvl="1"/>
+            <a:pPr lvl="0"/>
+            <a:r>
+              <a:rPr/>
+              <a:t>Many people are diagnosed with breast cancer each year</a:t>
+            </a:r>
+          </a:p>
+          <a:p>
+            <a:pPr lvl="0"/>
             <a:r>
               <a:rPr/>
               <a:t>Breast Cancer Diagnosis Data</a:t>
             </a:r>
           </a:p>
           <a:p>
+            <a:pPr lvl="0"/>
+            <a:r>
+              <a:rPr/>
+              <a:t>Predict Diagnosis of Tumor based on features (Malignant or Benign)</a:t>
+            </a:r>
+          </a:p>
+          <a:p>
+            <a:pPr lvl="0"/>
+            <a:r>
+              <a:rPr i="1"/>
+              <a:t>Modivation:</a:t>
+            </a:r>
+            <a:r>
+              <a:rPr/>
+              <a:t> Reduce Type II Error (False-Negatives)</a:t>
+            </a:r>
+          </a:p>
+          <a:p>
             <a:pPr lvl="1"/>
             <a:r>
               <a:rPr/>
-              <a:t>Predict Diagnosis of Tumor based on features</a:t>
-            </a:r>
-          </a:p>
-          <a:p>
-            <a:pPr lvl="1"/>
+              <a:t>Feature and Model Selection</a:t>
+            </a:r>
+          </a:p>
+        </p:txBody>
+      </p:sp>
+    </p:spTree>
+  </p:cSld>
+</p:sld>
+</file>
+
+<file path=ppt/slides/slide20.xml><?xml version="1.0" encoding="utf-8"?>
+<p:sld xmlns:a="http://schemas.openxmlformats.org/drawingml/2006/main" xmlns:r="http://schemas.openxmlformats.org/officeDocument/2006/relationships" xmlns:p="http://schemas.openxmlformats.org/presentationml/2006/main">
+  <p:cSld>
+    <p:spTree>
+      <p:nvGrpSpPr>
+        <p:cNvPr id="1" name=""/>
+        <p:cNvGrpSpPr/>
+        <p:nvPr/>
+      </p:nvGrpSpPr>
+      <p:grpSpPr>
+        <a:xfrm>
+          <a:off x="0" y="0"/>
+          <a:ext cx="0" cy="0"/>
+          <a:chOff x="0" y="0"/>
+          <a:chExt cx="0" cy="0"/>
+        </a:xfrm>
+      </p:grpSpPr>
+      <p:sp>
+        <p:nvSpPr>
+          <p:cNvPr id="2" name="Title 1"/>
+          <p:cNvSpPr>
+            <a:spLocks noGrp="1"/>
+          </p:cNvSpPr>
+          <p:nvPr>
+            <p:ph type="title"/>
+          </p:nvPr>
+        </p:nvSpPr>
+        <p:spPr/>
+        <p:txBody>
+          <a:bodyPr/>
+          <a:lstStyle/>
+          <a:p>
+            <a:pPr lvl="0" indent="0" marL="0">
+              <a:buNone/>
+            </a:pPr>
             <a:r>
               <a:rPr/>
-              <a:t>Reduce Type II Error (False-Negatives)</a:t>
-            </a:r>
-          </a:p>
-          <a:p>
-            <a:pPr lvl="1"/>
+              <a:t>Classification Analysis: Danny</a:t>
+            </a:r>
+          </a:p>
+        </p:txBody>
+      </p:sp>
+      <p:sp>
+        <p:nvSpPr>
+          <p:cNvPr id="3" name="Content Placeholder 2"/>
+          <p:cNvSpPr>
+            <a:spLocks noGrp="1"/>
+          </p:cNvSpPr>
+          <p:nvPr>
+            <p:ph idx="1"/>
+          </p:nvPr>
+        </p:nvSpPr>
+        <p:spPr/>
+        <p:txBody>
+          <a:bodyPr/>
+          <a:lstStyle/>
+          <a:p>
+            <a:pPr lvl="0"/>
             <a:r>
               <a:rPr/>
-              <a:t>Feature Selection</a:t>
+              <a:t>Logistic Regression</a:t>
+            </a:r>
+          </a:p>
+          <a:p>
+            <a:pPr lvl="0"/>
+            <a:r>
+              <a:rPr/>
+              <a:t>K-Nearest Neighbors</a:t>
+            </a:r>
+          </a:p>
+          <a:p>
+            <a:pPr lvl="0"/>
+            <a:r>
+              <a:rPr/>
+              <a:t>QDA</a:t>
+            </a:r>
+          </a:p>
+          <a:p>
+            <a:pPr lvl="0"/>
+            <a:r>
+              <a:rPr/>
+              <a:t>Random Forest</a:t>
+            </a:r>
+          </a:p>
+          <a:p>
+            <a:pPr lvl="0"/>
+            <a:r>
+              <a:rPr/>
+              <a:t>xGBoost</a:t>
+            </a:r>
+          </a:p>
+          <a:p>
+            <a:pPr lvl="0"/>
+            <a:r>
+              <a:rPr/>
+              <a:t>Support Vector Classifier</a:t>
+            </a:r>
+          </a:p>
+          <a:p>
+            <a:pPr lvl="0"/>
+            <a:r>
+              <a:rPr/>
+              <a:t>Lower prediction cutoff to account for Type II Error</a:t>
+            </a:r>
+          </a:p>
+        </p:txBody>
+      </p:sp>
+    </p:spTree>
+  </p:cSld>
+</p:sld>
+</file>
+
+<file path=ppt/slides/slide21.xml><?xml version="1.0" encoding="utf-8"?>
+<p:sld xmlns:a="http://schemas.openxmlformats.org/drawingml/2006/main" xmlns:r="http://schemas.openxmlformats.org/officeDocument/2006/relationships" xmlns:p="http://schemas.openxmlformats.org/presentationml/2006/main">
+  <p:cSld>
+    <p:spTree>
+      <p:nvGrpSpPr>
+        <p:cNvPr id="1" name=""/>
+        <p:cNvGrpSpPr/>
+        <p:nvPr/>
+      </p:nvGrpSpPr>
+      <p:grpSpPr>
+        <a:xfrm>
+          <a:off x="0" y="0"/>
+          <a:ext cx="0" cy="0"/>
+          <a:chOff x="0" y="0"/>
+          <a:chExt cx="0" cy="0"/>
+        </a:xfrm>
+      </p:grpSpPr>
+      <p:sp>
+        <p:nvSpPr>
+          <p:cNvPr id="2" name="Title 1"/>
+          <p:cNvSpPr>
+            <a:spLocks noGrp="1"/>
+          </p:cNvSpPr>
+          <p:nvPr>
+            <p:ph type="title"/>
+          </p:nvPr>
+        </p:nvSpPr>
+        <p:spPr>
+          <a:xfrm>
+            <a:off x="677334" y="1498604"/>
+            <a:ext cx="3854528" cy="1278466"/>
+          </a:xfrm>
+        </p:spPr>
+        <p:txBody>
+          <a:bodyPr/>
+          <a:lstStyle/>
+          <a:p>
+            <a:pPr lvl="0" indent="0" marL="0">
+              <a:buNone/>
+            </a:pPr>
+            <a:r>
+              <a:rPr/>
+              <a:t>K-Nearest Neigbors Model</a:t>
+            </a:r>
+          </a:p>
+        </p:txBody>
+      </p:sp>
+      <p:sp>
+        <p:nvSpPr>
+          <p:cNvPr id="4" name="Text Placeholder 3"/>
+          <p:cNvSpPr>
+            <a:spLocks noGrp="1"/>
+          </p:cNvSpPr>
+          <p:nvPr>
+            <p:ph idx="2" sz="half" type="body"/>
+          </p:nvPr>
+        </p:nvSpPr>
+        <p:spPr/>
+        <p:txBody>
+          <a:bodyPr/>
+          <a:lstStyle/>
+          <a:p>
+            <a:pPr lvl="0"/>
+            <a:r>
+              <a:rPr/>
+              <a:t>Tuned neighbors value to 7</a:t>
+            </a:r>
+          </a:p>
+          <a:p>
+            <a:pPr lvl="0"/>
+            <a:r>
+              <a:rPr/>
+              <a:t>2 False-Negatives</a:t>
+            </a:r>
+          </a:p>
+          <a:p>
+            <a:pPr lvl="0"/>
+            <a:r>
+              <a:rPr>
+                <a:latin typeface="Courier"/>
+              </a:rPr>
+              <a:t>knn.err</a:t>
+            </a:r>
+            <a:r>
+              <a:rPr/>
+              <a:t> % prediction accuracy</a:t>
+            </a:r>
+          </a:p>
+        </p:txBody>
+      </p:sp>
+      <p:pic>
+        <p:nvPicPr>
+          <p:cNvPr descr="powerpoint_files/figure-pptx/unnamed-chunk-4-1.png" id="0" name="Picture 1"/>
+          <p:cNvPicPr>
+            <a:picLocks noGrp="1" noChangeAspect="1"/>
+          </p:cNvPicPr>
+          <p:nvPr/>
+        </p:nvPicPr>
+        <p:blipFill>
+          <a:blip r:embed="rId2"/>
+          <a:stretch>
+            <a:fillRect/>
+          </a:stretch>
+        </p:blipFill>
+        <p:spPr bwMode="auto">
+          <a:xfrm>
+            <a:off x="4749800" y="1981200"/>
+            <a:ext cx="4508500" cy="2578100"/>
+          </a:xfrm>
+          <a:prstGeom prst="rect">
+            <a:avLst/>
+          </a:prstGeom>
+          <a:noFill/>
+          <a:ln w="9525">
+            <a:noFill/>
+            <a:headEnd/>
+            <a:tailEnd/>
+          </a:ln>
+        </p:spPr>
+      </p:pic>
+    </p:spTree>
+  </p:cSld>
+</p:sld>
+</file>
+
+<file path=ppt/slides/slide22.xml><?xml version="1.0" encoding="utf-8"?>
+<p:sld xmlns:a="http://schemas.openxmlformats.org/drawingml/2006/main" xmlns:r="http://schemas.openxmlformats.org/officeDocument/2006/relationships" xmlns:p="http://schemas.openxmlformats.org/presentationml/2006/main">
+  <p:cSld>
+    <p:spTree>
+      <p:nvGrpSpPr>
+        <p:cNvPr id="1" name=""/>
+        <p:cNvGrpSpPr/>
+        <p:nvPr/>
+      </p:nvGrpSpPr>
+      <p:grpSpPr>
+        <a:xfrm>
+          <a:off x="0" y="0"/>
+          <a:ext cx="0" cy="0"/>
+          <a:chOff x="0" y="0"/>
+          <a:chExt cx="0" cy="0"/>
+        </a:xfrm>
+      </p:grpSpPr>
+      <p:sp>
+        <p:nvSpPr>
+          <p:cNvPr id="2" name="Title 1"/>
+          <p:cNvSpPr>
+            <a:spLocks noGrp="1"/>
+          </p:cNvSpPr>
+          <p:nvPr>
+            <p:ph type="title"/>
+          </p:nvPr>
+        </p:nvSpPr>
+        <p:spPr>
+          <a:xfrm>
+            <a:off x="677334" y="1498604"/>
+            <a:ext cx="3854528" cy="1278466"/>
+          </a:xfrm>
+        </p:spPr>
+        <p:txBody>
+          <a:bodyPr/>
+          <a:lstStyle/>
+          <a:p>
+            <a:pPr lvl="0" indent="0" marL="0">
+              <a:buNone/>
+            </a:pPr>
+            <a:r>
+              <a:rPr/>
+              <a:t>Support Vector Classifier Model</a:t>
+            </a:r>
+          </a:p>
+        </p:txBody>
+      </p:sp>
+      <p:sp>
+        <p:nvSpPr>
+          <p:cNvPr id="4" name="Text Placeholder 3"/>
+          <p:cNvSpPr>
+            <a:spLocks noGrp="1"/>
+          </p:cNvSpPr>
+          <p:nvPr>
+            <p:ph idx="2" sz="half" type="body"/>
+          </p:nvPr>
+        </p:nvSpPr>
+        <p:spPr/>
+        <p:txBody>
+          <a:bodyPr/>
+          <a:lstStyle/>
+          <a:p>
+            <a:pPr lvl="0"/>
+            <a:r>
+              <a:rPr/>
+              <a:t>Tuned cost value to 1</a:t>
+            </a:r>
+          </a:p>
+          <a:p>
+            <a:pPr lvl="0"/>
+            <a:r>
+              <a:rPr/>
+              <a:t>2 False-Negatives</a:t>
+            </a:r>
+          </a:p>
+          <a:p>
+            <a:pPr lvl="0"/>
+            <a:r>
+              <a:rPr>
+                <a:latin typeface="Courier"/>
+              </a:rPr>
+              <a:t>svm.err</a:t>
+            </a:r>
+            <a:r>
+              <a:rPr/>
+              <a:t> % prediction accuracy</a:t>
+            </a:r>
+          </a:p>
+        </p:txBody>
+      </p:sp>
+      <p:pic>
+        <p:nvPicPr>
+          <p:cNvPr descr="powerpoint_files/figure-pptx/unnamed-chunk-6-1.png" id="0" name="Picture 1"/>
+          <p:cNvPicPr>
+            <a:picLocks noGrp="1" noChangeAspect="1"/>
+          </p:cNvPicPr>
+          <p:nvPr/>
+        </p:nvPicPr>
+        <p:blipFill>
+          <a:blip r:embed="rId2"/>
+          <a:stretch>
+            <a:fillRect/>
+          </a:stretch>
+        </p:blipFill>
+        <p:spPr bwMode="auto">
+          <a:xfrm>
+            <a:off x="4749800" y="1981200"/>
+            <a:ext cx="4508500" cy="2578100"/>
+          </a:xfrm>
+          <a:prstGeom prst="rect">
+            <a:avLst/>
+          </a:prstGeom>
+          <a:noFill/>
+          <a:ln w="9525">
+            <a:noFill/>
+            <a:headEnd/>
+            <a:tailEnd/>
+          </a:ln>
+        </p:spPr>
+      </p:pic>
+    </p:spTree>
+  </p:cSld>
+</p:sld>
+</file>
+
+<file path=ppt/slides/slide23.xml><?xml version="1.0" encoding="utf-8"?>
+<p:sld xmlns:a="http://schemas.openxmlformats.org/drawingml/2006/main" xmlns:r="http://schemas.openxmlformats.org/officeDocument/2006/relationships" xmlns:p="http://schemas.openxmlformats.org/presentationml/2006/main">
+  <p:cSld>
+    <p:spTree>
+      <p:nvGrpSpPr>
+        <p:cNvPr id="1" name=""/>
+        <p:cNvGrpSpPr/>
+        <p:nvPr/>
+      </p:nvGrpSpPr>
+      <p:grpSpPr>
+        <a:xfrm>
+          <a:off x="0" y="0"/>
+          <a:ext cx="0" cy="0"/>
+          <a:chOff x="0" y="0"/>
+          <a:chExt cx="0" cy="0"/>
+        </a:xfrm>
+      </p:grpSpPr>
+      <p:sp>
+        <p:nvSpPr>
+          <p:cNvPr id="2" name="Title 1"/>
+          <p:cNvSpPr>
+            <a:spLocks noGrp="1"/>
+          </p:cNvSpPr>
+          <p:nvPr>
+            <p:ph type="title"/>
+          </p:nvPr>
+        </p:nvSpPr>
+        <p:spPr>
+          <a:xfrm>
+            <a:off x="677334" y="1498604"/>
+            <a:ext cx="3854528" cy="1278466"/>
+          </a:xfrm>
+        </p:spPr>
+        <p:txBody>
+          <a:bodyPr/>
+          <a:lstStyle/>
+          <a:p>
+            <a:pPr lvl="0" indent="0" marL="0">
+              <a:buNone/>
+            </a:pPr>
+            <a:r>
+              <a:rPr/>
+              <a:t>Random Forest Model</a:t>
+            </a:r>
+          </a:p>
+        </p:txBody>
+      </p:sp>
+      <p:sp>
+        <p:nvSpPr>
+          <p:cNvPr id="4" name="Text Placeholder 3"/>
+          <p:cNvSpPr>
+            <a:spLocks noGrp="1"/>
+          </p:cNvSpPr>
+          <p:nvPr>
+            <p:ph idx="2" sz="half" type="body"/>
+          </p:nvPr>
+        </p:nvSpPr>
+        <p:spPr/>
+        <p:txBody>
+          <a:bodyPr/>
+          <a:lstStyle/>
+          <a:p>
+            <a:pPr lvl="0"/>
+            <a:r>
+              <a:rPr/>
+              <a:t>1 False-Negative</a:t>
+            </a:r>
+          </a:p>
+          <a:p>
+            <a:pPr lvl="0"/>
+            <a:r>
+              <a:rPr>
+                <a:latin typeface="Courier"/>
+              </a:rPr>
+              <a:t>rf.err</a:t>
+            </a:r>
+            <a:r>
+              <a:rPr/>
+              <a:t> % prediction accuracy</a:t>
+            </a:r>
+          </a:p>
+        </p:txBody>
+      </p:sp>
+      <p:pic>
+        <p:nvPicPr>
+          <p:cNvPr descr="powerpoint_files/figure-pptx/unnamed-chunk-8-1.png" id="0" name="Picture 1"/>
+          <p:cNvPicPr>
+            <a:picLocks noGrp="1" noChangeAspect="1"/>
+          </p:cNvPicPr>
+          <p:nvPr/>
+        </p:nvPicPr>
+        <p:blipFill>
+          <a:blip r:embed="rId2"/>
+          <a:stretch>
+            <a:fillRect/>
+          </a:stretch>
+        </p:blipFill>
+        <p:spPr bwMode="auto">
+          <a:xfrm>
+            <a:off x="4749800" y="1981200"/>
+            <a:ext cx="4508500" cy="2578100"/>
+          </a:xfrm>
+          <a:prstGeom prst="rect">
+            <a:avLst/>
+          </a:prstGeom>
+          <a:noFill/>
+          <a:ln w="9525">
+            <a:noFill/>
+            <a:headEnd/>
+            <a:tailEnd/>
+          </a:ln>
+        </p:spPr>
+      </p:pic>
+    </p:spTree>
+  </p:cSld>
+</p:sld>
+</file>
+
+<file path=ppt/slides/slide24.xml><?xml version="1.0" encoding="utf-8"?>
+<p:sld xmlns:a="http://schemas.openxmlformats.org/drawingml/2006/main" xmlns:r="http://schemas.openxmlformats.org/officeDocument/2006/relationships" xmlns:p="http://schemas.openxmlformats.org/presentationml/2006/main">
+  <p:cSld>
+    <p:spTree>
+      <p:nvGrpSpPr>
+        <p:cNvPr id="1" name=""/>
+        <p:cNvGrpSpPr/>
+        <p:nvPr/>
+      </p:nvGrpSpPr>
+      <p:grpSpPr>
+        <a:xfrm>
+          <a:off x="0" y="0"/>
+          <a:ext cx="0" cy="0"/>
+          <a:chOff x="0" y="0"/>
+          <a:chExt cx="0" cy="0"/>
+        </a:xfrm>
+      </p:grpSpPr>
+      <p:sp>
+        <p:nvSpPr>
+          <p:cNvPr id="2" name="Title 1"/>
+          <p:cNvSpPr>
+            <a:spLocks noGrp="1"/>
+          </p:cNvSpPr>
+          <p:nvPr>
+            <p:ph type="title"/>
+          </p:nvPr>
+        </p:nvSpPr>
+        <p:spPr/>
+        <p:txBody>
+          <a:bodyPr/>
+          <a:lstStyle/>
+          <a:p>
+            <a:pPr lvl="0" indent="0" marL="0">
+              <a:buNone/>
+            </a:pPr>
+            <a:r>
+              <a:rPr/>
+              <a:t>Regression Analysis: Ethan</a:t>
+            </a:r>
+          </a:p>
+        </p:txBody>
+      </p:sp>
+    </p:spTree>
+  </p:cSld>
+</p:sld>
+</file>
+
+<file path=ppt/slides/slide25.xml><?xml version="1.0" encoding="utf-8"?>
+<p:sld xmlns:a="http://schemas.openxmlformats.org/drawingml/2006/main" xmlns:r="http://schemas.openxmlformats.org/officeDocument/2006/relationships" xmlns:p="http://schemas.openxmlformats.org/presentationml/2006/main">
+  <p:cSld>
+    <p:spTree>
+      <p:nvGrpSpPr>
+        <p:cNvPr id="1" name=""/>
+        <p:cNvGrpSpPr/>
+        <p:nvPr/>
+      </p:nvGrpSpPr>
+      <p:grpSpPr>
+        <a:xfrm>
+          <a:off x="0" y="0"/>
+          <a:ext cx="0" cy="0"/>
+          <a:chOff x="0" y="0"/>
+          <a:chExt cx="0" cy="0"/>
+        </a:xfrm>
+      </p:grpSpPr>
+      <p:sp>
+        <p:nvSpPr>
+          <p:cNvPr id="2" name="Title 1"/>
+          <p:cNvSpPr>
+            <a:spLocks noGrp="1"/>
+          </p:cNvSpPr>
+          <p:nvPr>
+            <p:ph type="title"/>
+          </p:nvPr>
+        </p:nvSpPr>
+        <p:spPr/>
+        <p:txBody>
+          <a:bodyPr/>
+          <a:lstStyle/>
+          <a:p>
+            <a:pPr lvl="0" indent="0" marL="0">
+              <a:buNone/>
+            </a:pPr>
+            <a:r>
+              <a:rPr/>
+              <a:t>Model Assesments</a:t>
+            </a:r>
+          </a:p>
+        </p:txBody>
+      </p:sp>
+    </p:spTree>
+  </p:cSld>
+</p:sld>
+</file>
+
+<file path=ppt/slides/slide26.xml><?xml version="1.0" encoding="utf-8"?>
+<p:sld xmlns:a="http://schemas.openxmlformats.org/drawingml/2006/main" xmlns:r="http://schemas.openxmlformats.org/officeDocument/2006/relationships" xmlns:p="http://schemas.openxmlformats.org/presentationml/2006/main">
+  <p:cSld>
+    <p:spTree>
+      <p:nvGrpSpPr>
+        <p:cNvPr id="1" name=""/>
+        <p:cNvGrpSpPr/>
+        <p:nvPr/>
+      </p:nvGrpSpPr>
+      <p:grpSpPr>
+        <a:xfrm>
+          <a:off x="0" y="0"/>
+          <a:ext cx="0" cy="0"/>
+          <a:chOff x="0" y="0"/>
+          <a:chExt cx="0" cy="0"/>
+        </a:xfrm>
+      </p:grpSpPr>
+      <p:sp>
+        <p:nvSpPr>
+          <p:cNvPr id="2" name="Title 1"/>
+          <p:cNvSpPr>
+            <a:spLocks noGrp="1"/>
+          </p:cNvSpPr>
+          <p:nvPr>
+            <p:ph type="title"/>
+          </p:nvPr>
+        </p:nvSpPr>
+        <p:spPr/>
+        <p:txBody>
+          <a:bodyPr/>
+          <a:lstStyle/>
+          <a:p>
+            <a:pPr lvl="0" indent="0" marL="0">
+              <a:buNone/>
+            </a:pPr>
+            <a:r>
+              <a:rPr/>
+              <a:t>Works Cited</a:t>
+            </a:r>
+          </a:p>
+        </p:txBody>
+      </p:sp>
+      <p:sp>
+        <p:nvSpPr>
+          <p:cNvPr id="3" name="Content Placeholder 2"/>
+          <p:cNvSpPr>
+            <a:spLocks noGrp="1"/>
+          </p:cNvSpPr>
+          <p:nvPr>
+            <p:ph idx="1"/>
+          </p:nvPr>
+        </p:nvSpPr>
+        <p:spPr/>
+        <p:txBody>
+          <a:bodyPr/>
+          <a:lstStyle/>
+          <a:p>
+            <a:pPr lvl="0"/>
+            <a:r>
+              <a:rPr/>
+              <a:t>Insert link to kaggle dataset here</a:t>
             </a:r>
           </a:p>
         </p:txBody>
@@ -7201,7 +7575,7 @@
           <a:bodyPr/>
           <a:lstStyle/>
           <a:p>
-            <a:pPr lvl="0" marL="0" indent="0">
+            <a:pPr lvl="0" indent="0" marL="0">
               <a:buNone/>
             </a:pPr>
             <a:r>
@@ -7226,28 +7600,28 @@
           <a:bodyPr/>
           <a:lstStyle/>
           <a:p>
-            <a:pPr lvl="1"/>
+            <a:pPr lvl="0"/>
             <a:r>
               <a:rPr/>
               <a:t>Data collected from Kaggle</a:t>
             </a:r>
           </a:p>
           <a:p>
-            <a:pPr lvl="1"/>
+            <a:pPr lvl="0"/>
             <a:r>
               <a:rPr/>
               <a:t>Response: Diagnosis (Benign/Malignant)</a:t>
             </a:r>
           </a:p>
           <a:p>
-            <a:pPr lvl="1"/>
+            <a:pPr lvl="0"/>
             <a:r>
               <a:rPr/>
               <a:t>Mean, SE, and “Worst” measurements of 10 variables</a:t>
             </a:r>
           </a:p>
           <a:p>
-            <a:pPr lvl="1"/>
+            <a:pPr lvl="0"/>
             <a:r>
               <a:rPr/>
               <a:t>Training/Test Split (60/40)</a:t>
@@ -7292,7 +7666,7 @@
           <a:bodyPr/>
           <a:lstStyle/>
           <a:p>
-            <a:pPr lvl="0" marL="0" indent="0">
+            <a:pPr lvl="0" indent="0" marL="0">
               <a:buNone/>
             </a:pPr>
             <a:r>
@@ -7339,7 +7713,7 @@
           <a:bodyPr/>
           <a:lstStyle/>
           <a:p>
-            <a:pPr lvl="0" marL="0" indent="0">
+            <a:pPr lvl="0" indent="0" marL="0">
               <a:buNone/>
             </a:pPr>
             <a:r>
@@ -7364,7 +7738,7 @@
           <a:bodyPr/>
           <a:lstStyle/>
           <a:p>
-            <a:pPr lvl="0" marL="0" indent="0">
+            <a:pPr lvl="0" indent="0" marL="0">
               <a:buNone/>
             </a:pPr>
             <a:r>
@@ -7373,7 +7747,7 @@
             </a:r>
           </a:p>
           <a:p>
-            <a:pPr lvl="0" marL="0" indent="0">
+            <a:pPr lvl="0" indent="0" marL="0">
               <a:buNone/>
             </a:pPr>
             <a:r>
@@ -7420,28 +7794,12 @@
           <a:bodyPr/>
           <a:lstStyle/>
           <a:p>
-            <a:pPr lvl="0" marL="0" indent="0">
+            <a:pPr lvl="0" indent="0" marL="0">
               <a:buNone/>
             </a:pPr>
             <a:r>
               <a:rPr/>
-              <a:t>Classification</a:t>
-            </a:r>
-            <a:r>
-              <a:rPr/>
-              <a:t> </a:t>
-            </a:r>
-            <a:r>
-              <a:rPr/>
-              <a:t>Analysis:</a:t>
-            </a:r>
-            <a:r>
-              <a:rPr/>
-              <a:t> </a:t>
-            </a:r>
-            <a:r>
-              <a:rPr/>
-              <a:t>Austin</a:t>
+              <a:t>Classification Analysis: Austin</a:t>
             </a:r>
           </a:p>
         </p:txBody>
@@ -7478,98 +7836,22 @@
             <p:ph type="title"/>
           </p:nvPr>
         </p:nvSpPr>
-        <p:spPr/>
-        <p:txBody>
-          <a:bodyPr/>
-          <a:lstStyle/>
-          <a:p>
-            <a:pPr lvl="0" marL="0" indent="0">
+        <p:spPr>
+          <a:xfrm>
+            <a:off x="677335" y="2700867"/>
+            <a:ext cx="8596668" cy="1826581"/>
+          </a:xfrm>
+        </p:spPr>
+        <p:txBody>
+          <a:bodyPr/>
+          <a:lstStyle/>
+          <a:p>
+            <a:pPr lvl="0" indent="0" marL="0">
               <a:buNone/>
             </a:pPr>
             <a:r>
               <a:rPr/>
-              <a:t>Classification</a:t>
-            </a:r>
-            <a:r>
-              <a:rPr/>
-              <a:t> </a:t>
-            </a:r>
-            <a:r>
-              <a:rPr/>
-              <a:t>Analysis:</a:t>
-            </a:r>
-            <a:r>
-              <a:rPr/>
-              <a:t> </a:t>
-            </a:r>
-            <a:r>
-              <a:rPr/>
-              <a:t>Danny</a:t>
-            </a:r>
-          </a:p>
-        </p:txBody>
-      </p:sp>
-      <p:sp>
-        <p:nvSpPr>
-          <p:cNvPr id="3" name="Content Placeholder 2"/>
-          <p:cNvSpPr>
-            <a:spLocks noGrp="1"/>
-          </p:cNvSpPr>
-          <p:nvPr>
-            <p:ph idx="1"/>
-          </p:nvPr>
-        </p:nvSpPr>
-        <p:spPr/>
-        <p:txBody>
-          <a:bodyPr/>
-          <a:lstStyle/>
-          <a:p>
-            <a:pPr lvl="1"/>
-            <a:r>
-              <a:rPr/>
-              <a:t>Logistic Regression</a:t>
-            </a:r>
-          </a:p>
-          <a:p>
-            <a:pPr lvl="1"/>
-            <a:r>
-              <a:rPr/>
-              <a:t>K-Nearest Neighbors</a:t>
-            </a:r>
-          </a:p>
-          <a:p>
-            <a:pPr lvl="1"/>
-            <a:r>
-              <a:rPr/>
-              <a:t>QDA</a:t>
-            </a:r>
-          </a:p>
-          <a:p>
-            <a:pPr lvl="1"/>
-            <a:r>
-              <a:rPr/>
-              <a:t>Random Forest</a:t>
-            </a:r>
-          </a:p>
-          <a:p>
-            <a:pPr lvl="1"/>
-            <a:r>
-              <a:rPr/>
-              <a:t>xGBoost</a:t>
-            </a:r>
-          </a:p>
-          <a:p>
-            <a:pPr lvl="1"/>
-            <a:r>
-              <a:rPr/>
-              <a:t>Support Vector Classifier</a:t>
-            </a:r>
-          </a:p>
-          <a:p>
-            <a:pPr lvl="1"/>
-            <a:r>
-              <a:rPr/>
-              <a:t>Lower prediction cutoff to account for Type II Error</a:t>
+              <a:t>Models</a:t>
             </a:r>
           </a:p>
         </p:txBody>
@@ -7606,67 +7888,26 @@
             <p:ph type="title"/>
           </p:nvPr>
         </p:nvSpPr>
-        <p:spPr/>
-        <p:txBody>
-          <a:bodyPr/>
-          <a:lstStyle/>
-          <a:p>
-            <a:pPr lvl="0" marL="0" indent="0">
+        <p:spPr>
+          <a:xfrm>
+            <a:off x="677335" y="2700867"/>
+            <a:ext cx="8596668" cy="1826581"/>
+          </a:xfrm>
+        </p:spPr>
+        <p:txBody>
+          <a:bodyPr/>
+          <a:lstStyle/>
+          <a:p>
+            <a:pPr lvl="0" indent="0" marL="0">
               <a:buNone/>
             </a:pPr>
             <a:r>
               <a:rPr/>
-              <a:t>K-Nearest</a:t>
-            </a:r>
-            <a:r>
-              <a:rPr/>
-              <a:t> </a:t>
-            </a:r>
-            <a:r>
-              <a:rPr/>
-              <a:t>Neigbors</a:t>
-            </a:r>
-            <a:r>
-              <a:rPr/>
-              <a:t> </a:t>
-            </a:r>
-            <a:r>
-              <a:rPr/>
-              <a:t>Model</a:t>
-            </a:r>
-          </a:p>
-        </p:txBody>
-      </p:sp>
-      <p:pic>
-        <p:nvPicPr>
-          <p:cNvPr descr="powerpoint_files/figure-pptx/unnamed-chunk-2-1.png" id="0" name="Picture 1"/>
-          <p:cNvPicPr>
-            <a:picLocks noGrp="1" noChangeAspect="1"/>
-          </p:cNvPicPr>
-          <p:nvPr/>
-        </p:nvPicPr>
-        <p:blipFill>
-          <a:blip r:embed="rId2"/>
-          <a:stretch>
-            <a:fillRect/>
-          </a:stretch>
-        </p:blipFill>
-        <p:spPr bwMode="auto">
-          <a:xfrm>
-            <a:off x="2057400" y="2159000"/>
-            <a:ext cx="5816600" cy="3873500"/>
-          </a:xfrm>
-          <a:prstGeom prst="rect">
-            <a:avLst/>
-          </a:prstGeom>
-          <a:noFill/>
-          <a:ln w="9525">
-            <a:noFill/>
-            <a:headEnd/>
-            <a:tailEnd/>
-          </a:ln>
-        </p:spPr>
-      </p:pic>
+              <a:t>KNN Model</a:t>
+            </a:r>
+          </a:p>
+        </p:txBody>
+      </p:sp>
     </p:spTree>
   </p:cSld>
 </p:sld>
@@ -7691,12 +7932,12 @@
       </p:grpSpPr>
       <p:sp>
         <p:nvSpPr>
-          <p:cNvPr id="3" name="Content Placeholder 2"/>
-          <p:cNvSpPr>
-            <a:spLocks noGrp="1"/>
-          </p:cNvSpPr>
-          <p:nvPr>
-            <p:ph idx="1"/>
+          <p:cNvPr id="2" name="Title 1"/>
+          <p:cNvSpPr>
+            <a:spLocks noGrp="1"/>
+          </p:cNvSpPr>
+          <p:nvPr>
+            <p:ph type="title"/>
           </p:nvPr>
         </p:nvSpPr>
         <p:spPr/>
@@ -7704,39 +7945,46 @@
           <a:bodyPr/>
           <a:lstStyle/>
           <a:p>
-            <a:pPr lvl="0" marL="0" indent="0">
+            <a:pPr lvl="0" indent="0" marL="0">
               <a:buNone/>
             </a:pPr>
-          </a:p>
-          <a:p>
-            <a:pPr lvl="1"/>
             <a:r>
               <a:rPr/>
-              <a:t>Tuned neighbors value to 7</a:t>
-            </a:r>
-          </a:p>
-          <a:p>
-            <a:pPr lvl="1"/>
-            <a:r>
-              <a:rPr/>
-              <a:t>2 False-Negatives</a:t>
-            </a:r>
-          </a:p>
-          <a:p>
-            <a:pPr lvl="1"/>
-            <a:r>
-              <a:rPr sz="1800">
-                <a:latin typeface="Courier"/>
-              </a:rPr>
-              <a:t>knn.err</a:t>
-            </a:r>
-            <a:r>
-              <a:rPr/>
-              <a:t> % prediction accuracy</a:t>
-            </a:r>
-          </a:p>
-        </p:txBody>
-      </p:sp>
+              <a:t>Tuning KNN</a:t>
+            </a:r>
+          </a:p>
+        </p:txBody>
+      </p:sp>
+      <p:pic>
+        <p:nvPicPr>
+          <p:cNvPr descr="powerpoint_files/figure-pptx/knn_tuning_plot-1.png" id="0" name="Picture 1"/>
+          <p:cNvPicPr>
+            <a:picLocks noGrp="1" noChangeAspect="1"/>
+          </p:cNvPicPr>
+          <p:nvPr/>
+        </p:nvPicPr>
+        <p:blipFill>
+          <a:blip r:embed="rId2"/>
+          <a:stretch>
+            <a:fillRect/>
+          </a:stretch>
+        </p:blipFill>
+        <p:spPr bwMode="auto">
+          <a:xfrm>
+            <a:off x="1574800" y="2159000"/>
+            <a:ext cx="6781800" cy="3873500"/>
+          </a:xfrm>
+          <a:prstGeom prst="rect">
+            <a:avLst/>
+          </a:prstGeom>
+          <a:noFill/>
+          <a:ln w="9525">
+            <a:noFill/>
+            <a:headEnd/>
+            <a:tailEnd/>
+          </a:ln>
+        </p:spPr>
+      </p:pic>
     </p:spTree>
   </p:cSld>
 </p:sld>
@@ -7997,4 +8245,265 @@
     </a:ext>
   </a:extLst>
 </a:theme>
+</file>
+
+<file path=ppt/theme/theme2.xml><?xml version="1.0" encoding="utf-8"?>
+<a:theme xmlns:a="http://schemas.openxmlformats.org/drawingml/2006/main" name="Office Theme">
+  <a:themeElements>
+    <a:clrScheme name="Office">
+      <a:dk1>
+        <a:sysClr val="windowText" lastClr="000000"/>
+      </a:dk1>
+      <a:lt1>
+        <a:sysClr val="window" lastClr="FFFFFF"/>
+      </a:lt1>
+      <a:dk2>
+        <a:srgbClr val="44546A"/>
+      </a:dk2>
+      <a:lt2>
+        <a:srgbClr val="E7E6E6"/>
+      </a:lt2>
+      <a:accent1>
+        <a:srgbClr val="5B9BD5"/>
+      </a:accent1>
+      <a:accent2>
+        <a:srgbClr val="ED7D31"/>
+      </a:accent2>
+      <a:accent3>
+        <a:srgbClr val="A5A5A5"/>
+      </a:accent3>
+      <a:accent4>
+        <a:srgbClr val="FFC000"/>
+      </a:accent4>
+      <a:accent5>
+        <a:srgbClr val="4472C4"/>
+      </a:accent5>
+      <a:accent6>
+        <a:srgbClr val="70AD47"/>
+      </a:accent6>
+      <a:hlink>
+        <a:srgbClr val="0563C1"/>
+      </a:hlink>
+      <a:folHlink>
+        <a:srgbClr val="954F72"/>
+      </a:folHlink>
+    </a:clrScheme>
+    <a:fontScheme name="Office">
+      <a:majorFont>
+        <a:latin typeface="Calibri Light" panose="020F0302020204030204"/>
+        <a:ea typeface=""/>
+        <a:cs typeface=""/>
+        <a:font script="Jpan" typeface="ＭＳ Ｐゴシック"/>
+        <a:font script="Hang" typeface="맑은 고딕"/>
+        <a:font script="Hans" typeface="宋体"/>
+        <a:font script="Hant" typeface="新細明體"/>
+        <a:font script="Arab" typeface="Times New Roman"/>
+        <a:font script="Hebr" typeface="Times New Roman"/>
+        <a:font script="Thai" typeface="Angsana New"/>
+        <a:font script="Ethi" typeface="Nyala"/>
+        <a:font script="Beng" typeface="Vrinda"/>
+        <a:font script="Gujr" typeface="Shruti"/>
+        <a:font script="Khmr" typeface="MoolBoran"/>
+        <a:font script="Knda" typeface="Tunga"/>
+        <a:font script="Guru" typeface="Raavi"/>
+        <a:font script="Cans" typeface="Euphemia"/>
+        <a:font script="Cher" typeface="Plantagenet Cherokee"/>
+        <a:font script="Yiii" typeface="Microsoft Yi Baiti"/>
+        <a:font script="Tibt" typeface="Microsoft Himalaya"/>
+        <a:font script="Thaa" typeface="MV Boli"/>
+        <a:font script="Deva" typeface="Mangal"/>
+        <a:font script="Telu" typeface="Gautami"/>
+        <a:font script="Taml" typeface="Latha"/>
+        <a:font script="Syrc" typeface="Estrangelo Edessa"/>
+        <a:font script="Orya" typeface="Kalinga"/>
+        <a:font script="Mlym" typeface="Kartika"/>
+        <a:font script="Laoo" typeface="DokChampa"/>
+        <a:font script="Sinh" typeface="Iskoola Pota"/>
+        <a:font script="Mong" typeface="Mongolian Baiti"/>
+        <a:font script="Viet" typeface="Times New Roman"/>
+        <a:font script="Uigh" typeface="Microsoft Uighur"/>
+        <a:font script="Geor" typeface="Sylfaen"/>
+      </a:majorFont>
+      <a:minorFont>
+        <a:latin typeface="Calibri" panose="020F0502020204030204"/>
+        <a:ea typeface=""/>
+        <a:cs typeface=""/>
+        <a:font script="Jpan" typeface="ＭＳ Ｐゴシック"/>
+        <a:font script="Hang" typeface="맑은 고딕"/>
+        <a:font script="Hans" typeface="宋体"/>
+        <a:font script="Hant" typeface="新細明體"/>
+        <a:font script="Arab" typeface="Arial"/>
+        <a:font script="Hebr" typeface="Arial"/>
+        <a:font script="Thai" typeface="Cordia New"/>
+        <a:font script="Ethi" typeface="Nyala"/>
+        <a:font script="Beng" typeface="Vrinda"/>
+        <a:font script="Gujr" typeface="Shruti"/>
+        <a:font script="Khmr" typeface="DaunPenh"/>
+        <a:font script="Knda" typeface="Tunga"/>
+        <a:font script="Guru" typeface="Raavi"/>
+        <a:font script="Cans" typeface="Euphemia"/>
+        <a:font script="Cher" typeface="Plantagenet Cherokee"/>
+        <a:font script="Yiii" typeface="Microsoft Yi Baiti"/>
+        <a:font script="Tibt" typeface="Microsoft Himalaya"/>
+        <a:font script="Thaa" typeface="MV Boli"/>
+        <a:font script="Deva" typeface="Mangal"/>
+        <a:font script="Telu" typeface="Gautami"/>
+        <a:font script="Taml" typeface="Latha"/>
+        <a:font script="Syrc" typeface="Estrangelo Edessa"/>
+        <a:font script="Orya" typeface="Kalinga"/>
+        <a:font script="Mlym" typeface="Kartika"/>
+        <a:font script="Laoo" typeface="DokChampa"/>
+        <a:font script="Sinh" typeface="Iskoola Pota"/>
+        <a:font script="Mong" typeface="Mongolian Baiti"/>
+        <a:font script="Viet" typeface="Arial"/>
+        <a:font script="Uigh" typeface="Microsoft Uighur"/>
+        <a:font script="Geor" typeface="Sylfaen"/>
+      </a:minorFont>
+    </a:fontScheme>
+    <a:fmtScheme name="Office">
+      <a:fillStyleLst>
+        <a:solidFill>
+          <a:schemeClr val="phClr"/>
+        </a:solidFill>
+        <a:gradFill rotWithShape="1">
+          <a:gsLst>
+            <a:gs pos="0">
+              <a:schemeClr val="phClr">
+                <a:lumMod val="110000"/>
+                <a:satMod val="105000"/>
+                <a:tint val="67000"/>
+              </a:schemeClr>
+            </a:gs>
+            <a:gs pos="50000">
+              <a:schemeClr val="phClr">
+                <a:lumMod val="105000"/>
+                <a:satMod val="103000"/>
+                <a:tint val="73000"/>
+              </a:schemeClr>
+            </a:gs>
+            <a:gs pos="100000">
+              <a:schemeClr val="phClr">
+                <a:lumMod val="105000"/>
+                <a:satMod val="109000"/>
+                <a:tint val="81000"/>
+              </a:schemeClr>
+            </a:gs>
+          </a:gsLst>
+          <a:lin ang="5400000" scaled="0"/>
+        </a:gradFill>
+        <a:gradFill rotWithShape="1">
+          <a:gsLst>
+            <a:gs pos="0">
+              <a:schemeClr val="phClr">
+                <a:satMod val="103000"/>
+                <a:lumMod val="102000"/>
+                <a:tint val="94000"/>
+              </a:schemeClr>
+            </a:gs>
+            <a:gs pos="50000">
+              <a:schemeClr val="phClr">
+                <a:satMod val="110000"/>
+                <a:lumMod val="100000"/>
+                <a:shade val="100000"/>
+              </a:schemeClr>
+            </a:gs>
+            <a:gs pos="100000">
+              <a:schemeClr val="phClr">
+                <a:lumMod val="99000"/>
+                <a:satMod val="120000"/>
+                <a:shade val="78000"/>
+              </a:schemeClr>
+            </a:gs>
+          </a:gsLst>
+          <a:lin ang="5400000" scaled="0"/>
+        </a:gradFill>
+      </a:fillStyleLst>
+      <a:lnStyleLst>
+        <a:ln w="6350" cap="flat" cmpd="sng" algn="ctr">
+          <a:solidFill>
+            <a:schemeClr val="phClr"/>
+          </a:solidFill>
+          <a:prstDash val="solid"/>
+          <a:miter lim="800000"/>
+        </a:ln>
+        <a:ln w="12700" cap="flat" cmpd="sng" algn="ctr">
+          <a:solidFill>
+            <a:schemeClr val="phClr"/>
+          </a:solidFill>
+          <a:prstDash val="solid"/>
+          <a:miter lim="800000"/>
+        </a:ln>
+        <a:ln w="19050" cap="flat" cmpd="sng" algn="ctr">
+          <a:solidFill>
+            <a:schemeClr val="phClr"/>
+          </a:solidFill>
+          <a:prstDash val="solid"/>
+          <a:miter lim="800000"/>
+        </a:ln>
+      </a:lnStyleLst>
+      <a:effectStyleLst>
+        <a:effectStyle>
+          <a:effectLst/>
+        </a:effectStyle>
+        <a:effectStyle>
+          <a:effectLst/>
+        </a:effectStyle>
+        <a:effectStyle>
+          <a:effectLst>
+            <a:outerShdw blurRad="57150" dist="19050" dir="5400000" algn="ctr" rotWithShape="0">
+              <a:srgbClr val="000000">
+                <a:alpha val="63000"/>
+              </a:srgbClr>
+            </a:outerShdw>
+          </a:effectLst>
+        </a:effectStyle>
+      </a:effectStyleLst>
+      <a:bgFillStyleLst>
+        <a:solidFill>
+          <a:schemeClr val="phClr"/>
+        </a:solidFill>
+        <a:solidFill>
+          <a:schemeClr val="phClr">
+            <a:tint val="95000"/>
+            <a:satMod val="170000"/>
+          </a:schemeClr>
+        </a:solidFill>
+        <a:gradFill rotWithShape="1">
+          <a:gsLst>
+            <a:gs pos="0">
+              <a:schemeClr val="phClr">
+                <a:tint val="93000"/>
+                <a:satMod val="150000"/>
+                <a:shade val="98000"/>
+                <a:lumMod val="102000"/>
+              </a:schemeClr>
+            </a:gs>
+            <a:gs pos="50000">
+              <a:schemeClr val="phClr">
+                <a:tint val="98000"/>
+                <a:satMod val="130000"/>
+                <a:shade val="90000"/>
+                <a:lumMod val="103000"/>
+              </a:schemeClr>
+            </a:gs>
+            <a:gs pos="100000">
+              <a:schemeClr val="phClr">
+                <a:shade val="63000"/>
+                <a:satMod val="120000"/>
+              </a:schemeClr>
+            </a:gs>
+          </a:gsLst>
+          <a:lin ang="5400000" scaled="0"/>
+        </a:gradFill>
+      </a:bgFillStyleLst>
+    </a:fmtScheme>
+  </a:themeElements>
+  <a:objectDefaults/>
+  <a:extraClrSchemeLst/>
+  <a:extLst>
+    <a:ext uri="{05A4C25C-085E-4340-85A3-A5531E510DB2}">
+      <thm15:themeFamily xmlns:thm15="http://schemas.microsoft.com/office/thememl/2012/main" name="Office Theme" id="{62F939B6-93AF-4DB8-9C6B-D6C7DFDC589F}" vid="{4A3C46E8-61CC-4603-A589-7422A47A8E4A}"/>
+    </a:ext>
+  </a:extLst>
+</a:theme>
 </file>
--- a/powerpoint.pptx
+++ b/powerpoint.pptx
@@ -31,6 +31,21 @@
     <p:sldId id="279" r:id="rId25"/>
     <p:sldId id="280" r:id="rId26"/>
     <p:sldId id="281" r:id="rId27"/>
+    <p:sldId id="282" r:id="rId28"/>
+    <p:sldId id="283" r:id="rId29"/>
+    <p:sldId id="284" r:id="rId30"/>
+    <p:sldId id="285" r:id="rId31"/>
+    <p:sldId id="286" r:id="rId32"/>
+    <p:sldId id="287" r:id="rId33"/>
+    <p:sldId id="288" r:id="rId34"/>
+    <p:sldId id="289" r:id="rId35"/>
+    <p:sldId id="290" r:id="rId36"/>
+    <p:sldId id="291" r:id="rId37"/>
+    <p:sldId id="292" r:id="rId38"/>
+    <p:sldId id="293" r:id="rId39"/>
+    <p:sldId id="294" r:id="rId40"/>
+    <p:sldId id="295" r:id="rId41"/>
+    <p:sldId id="296" r:id="rId42"/>
   </p:sldIdLst>
   <p:sldSz cx="12192000" cy="6858000"/>
   <p:notesSz cx="6858000" cy="9144000"/>
@@ -5975,6 +5990,135 @@
             <p:ph type="title"/>
           </p:nvPr>
         </p:nvSpPr>
+        <p:spPr>
+          <a:xfrm>
+            <a:off x="677335" y="2700867"/>
+            <a:ext cx="8596668" cy="1826581"/>
+          </a:xfrm>
+        </p:spPr>
+        <p:txBody>
+          <a:bodyPr/>
+          <a:lstStyle/>
+          <a:p>
+            <a:pPr lvl="0" indent="0" marL="0">
+              <a:buNone/>
+            </a:pPr>
+            <a:r>
+              <a:rPr/>
+              <a:t>KNN Model</a:t>
+            </a:r>
+          </a:p>
+        </p:txBody>
+      </p:sp>
+    </p:spTree>
+  </p:cSld>
+</p:sld>
+</file>
+
+<file path=ppt/slides/slide11.xml><?xml version="1.0" encoding="utf-8"?>
+<p:sld xmlns:a="http://schemas.openxmlformats.org/drawingml/2006/main" xmlns:r="http://schemas.openxmlformats.org/officeDocument/2006/relationships" xmlns:p="http://schemas.openxmlformats.org/presentationml/2006/main">
+  <p:cSld>
+    <p:spTree>
+      <p:nvGrpSpPr>
+        <p:cNvPr id="1" name=""/>
+        <p:cNvGrpSpPr/>
+        <p:nvPr/>
+      </p:nvGrpSpPr>
+      <p:grpSpPr>
+        <a:xfrm>
+          <a:off x="0" y="0"/>
+          <a:ext cx="0" cy="0"/>
+          <a:chOff x="0" y="0"/>
+          <a:chExt cx="0" cy="0"/>
+        </a:xfrm>
+      </p:grpSpPr>
+      <p:sp>
+        <p:nvSpPr>
+          <p:cNvPr id="2" name="Title 1"/>
+          <p:cNvSpPr>
+            <a:spLocks noGrp="1"/>
+          </p:cNvSpPr>
+          <p:nvPr>
+            <p:ph type="title"/>
+          </p:nvPr>
+        </p:nvSpPr>
+        <p:spPr/>
+        <p:txBody>
+          <a:bodyPr/>
+          <a:lstStyle/>
+          <a:p>
+            <a:pPr lvl="0" indent="0" marL="0">
+              <a:buNone/>
+            </a:pPr>
+            <a:r>
+              <a:rPr/>
+              <a:t>Tuning KNN</a:t>
+            </a:r>
+          </a:p>
+        </p:txBody>
+      </p:sp>
+      <p:pic>
+        <p:nvPicPr>
+          <p:cNvPr descr="powerpoint_files/figure-pptx/knn_tuning_plot-1.png" id="0" name="Picture 1"/>
+          <p:cNvPicPr>
+            <a:picLocks noGrp="1" noChangeAspect="1"/>
+          </p:cNvPicPr>
+          <p:nvPr/>
+        </p:nvPicPr>
+        <p:blipFill>
+          <a:blip r:embed="rId2"/>
+          <a:stretch>
+            <a:fillRect/>
+          </a:stretch>
+        </p:blipFill>
+        <p:spPr bwMode="auto">
+          <a:xfrm>
+            <a:off x="1574800" y="2159000"/>
+            <a:ext cx="6781800" cy="3873500"/>
+          </a:xfrm>
+          <a:prstGeom prst="rect">
+            <a:avLst/>
+          </a:prstGeom>
+          <a:noFill/>
+          <a:ln w="9525">
+            <a:noFill/>
+            <a:headEnd/>
+            <a:tailEnd/>
+          </a:ln>
+        </p:spPr>
+      </p:pic>
+    </p:spTree>
+  </p:cSld>
+</p:sld>
+</file>
+
+<file path=ppt/slides/slide12.xml><?xml version="1.0" encoding="utf-8"?>
+<p:sld xmlns:a="http://schemas.openxmlformats.org/drawingml/2006/main" xmlns:r="http://schemas.openxmlformats.org/officeDocument/2006/relationships" xmlns:p="http://schemas.openxmlformats.org/presentationml/2006/main">
+  <p:cSld>
+    <p:spTree>
+      <p:nvGrpSpPr>
+        <p:cNvPr id="1" name=""/>
+        <p:cNvGrpSpPr/>
+        <p:nvPr/>
+      </p:nvGrpSpPr>
+      <p:grpSpPr>
+        <a:xfrm>
+          <a:off x="0" y="0"/>
+          <a:ext cx="0" cy="0"/>
+          <a:chOff x="0" y="0"/>
+          <a:chExt cx="0" cy="0"/>
+        </a:xfrm>
+      </p:grpSpPr>
+      <p:sp>
+        <p:nvSpPr>
+          <p:cNvPr id="2" name="Title 1"/>
+          <p:cNvSpPr>
+            <a:spLocks noGrp="1"/>
+          </p:cNvSpPr>
+          <p:nvPr>
+            <p:ph type="title"/>
+          </p:nvPr>
+        </p:nvSpPr>
         <p:spPr/>
         <p:txBody>
           <a:bodyPr/>
@@ -6025,7 +6169,7 @@
 </p:sld>
 </file>
 
-<file path=ppt/slides/slide11.xml><?xml version="1.0" encoding="utf-8"?>
+<file path=ppt/slides/slide13.xml><?xml version="1.0" encoding="utf-8"?>
 <p:sld xmlns:a="http://schemas.openxmlformats.org/drawingml/2006/main" xmlns:r="http://schemas.openxmlformats.org/officeDocument/2006/relationships" xmlns:p="http://schemas.openxmlformats.org/presentationml/2006/main">
   <p:cSld>
     <p:spTree>
@@ -6140,7 +6284,7 @@
 </p:sld>
 </file>
 
-<file path=ppt/slides/slide12.xml><?xml version="1.0" encoding="utf-8"?>
+<file path=ppt/slides/slide14.xml><?xml version="1.0" encoding="utf-8"?>
 <p:sld xmlns:a="http://schemas.openxmlformats.org/drawingml/2006/main" xmlns:r="http://schemas.openxmlformats.org/officeDocument/2006/relationships" xmlns:p="http://schemas.openxmlformats.org/presentationml/2006/main">
   <p:cSld>
     <p:spTree>
@@ -6192,7 +6336,7 @@
 </p:sld>
 </file>
 
-<file path=ppt/slides/slide13.xml><?xml version="1.0" encoding="utf-8"?>
+<file path=ppt/slides/slide15.xml><?xml version="1.0" encoding="utf-8"?>
 <p:sld xmlns:a="http://schemas.openxmlformats.org/drawingml/2006/main" xmlns:r="http://schemas.openxmlformats.org/officeDocument/2006/relationships" xmlns:p="http://schemas.openxmlformats.org/presentationml/2006/main">
   <p:cSld>
     <p:spTree>
@@ -6269,7 +6413,7 @@
 </p:sld>
 </file>
 
-<file path=ppt/slides/slide14.xml><?xml version="1.0" encoding="utf-8"?>
+<file path=ppt/slides/slide16.xml><?xml version="1.0" encoding="utf-8"?>
 <p:sld xmlns:a="http://schemas.openxmlformats.org/drawingml/2006/main" xmlns:r="http://schemas.openxmlformats.org/officeDocument/2006/relationships" xmlns:p="http://schemas.openxmlformats.org/presentationml/2006/main">
   <p:cSld>
     <p:spTree>
@@ -6346,7 +6490,7 @@
 </p:sld>
 </file>
 
-<file path=ppt/slides/slide15.xml><?xml version="1.0" encoding="utf-8"?>
+<file path=ppt/slides/slide17.xml><?xml version="1.0" encoding="utf-8"?>
 <p:sld xmlns:a="http://schemas.openxmlformats.org/drawingml/2006/main" xmlns:r="http://schemas.openxmlformats.org/officeDocument/2006/relationships" xmlns:p="http://schemas.openxmlformats.org/presentationml/2006/main">
   <p:cSld>
     <p:spTree>
@@ -6461,7 +6605,59 @@
 </p:sld>
 </file>
 
-<file path=ppt/slides/slide16.xml><?xml version="1.0" encoding="utf-8"?>
+<file path=ppt/slides/slide18.xml><?xml version="1.0" encoding="utf-8"?>
+<p:sld xmlns:a="http://schemas.openxmlformats.org/drawingml/2006/main" xmlns:r="http://schemas.openxmlformats.org/officeDocument/2006/relationships" xmlns:p="http://schemas.openxmlformats.org/presentationml/2006/main">
+  <p:cSld>
+    <p:spTree>
+      <p:nvGrpSpPr>
+        <p:cNvPr id="1" name=""/>
+        <p:cNvGrpSpPr/>
+        <p:nvPr/>
+      </p:nvGrpSpPr>
+      <p:grpSpPr>
+        <a:xfrm>
+          <a:off x="0" y="0"/>
+          <a:ext cx="0" cy="0"/>
+          <a:chOff x="0" y="0"/>
+          <a:chExt cx="0" cy="0"/>
+        </a:xfrm>
+      </p:grpSpPr>
+      <p:sp>
+        <p:nvSpPr>
+          <p:cNvPr id="2" name="Title 1"/>
+          <p:cNvSpPr>
+            <a:spLocks noGrp="1"/>
+          </p:cNvSpPr>
+          <p:nvPr>
+            <p:ph type="title"/>
+          </p:nvPr>
+        </p:nvSpPr>
+        <p:spPr>
+          <a:xfrm>
+            <a:off x="677335" y="2700867"/>
+            <a:ext cx="8596668" cy="1826581"/>
+          </a:xfrm>
+        </p:spPr>
+        <p:txBody>
+          <a:bodyPr/>
+          <a:lstStyle/>
+          <a:p>
+            <a:pPr lvl="0" indent="0" marL="0">
+              <a:buNone/>
+            </a:pPr>
+            <a:r>
+              <a:rPr/>
+              <a:t>Support Vector Machines</a:t>
+            </a:r>
+          </a:p>
+        </p:txBody>
+      </p:sp>
+    </p:spTree>
+  </p:cSld>
+</p:sld>
+</file>
+
+<file path=ppt/slides/slide19.xml><?xml version="1.0" encoding="utf-8"?>
 <p:sld xmlns:a="http://schemas.openxmlformats.org/drawingml/2006/main" xmlns:r="http://schemas.openxmlformats.org/officeDocument/2006/relationships" xmlns:p="http://schemas.openxmlformats.org/presentationml/2006/main">
   <p:cSld>
     <p:spTree>
@@ -6538,7 +6734,7 @@
 </p:sld>
 </file>
 
-<file path=ppt/slides/slide17.xml><?xml version="1.0" encoding="utf-8"?>
+<file path=ppt/slides/slide2.xml><?xml version="1.0" encoding="utf-8"?>
 <p:sld xmlns:a="http://schemas.openxmlformats.org/drawingml/2006/main" xmlns:r="http://schemas.openxmlformats.org/officeDocument/2006/relationships" xmlns:p="http://schemas.openxmlformats.org/presentationml/2006/main">
   <p:cSld>
     <p:spTree>
@@ -6575,7 +6771,7 @@
             </a:pPr>
             <a:r>
               <a:rPr/>
-              <a:t>Radial Support Vector Machine Parameters</a:t>
+              <a:t>Background</a:t>
             </a:r>
           </a:p>
         </p:txBody>
@@ -6598,28 +6794,28 @@
             <a:pPr lvl="0"/>
             <a:r>
               <a:rPr/>
-              <a:t>Using all features</a:t>
+              <a:t>Breast Cancer Diagnosis Data</a:t>
             </a:r>
           </a:p>
           <a:p>
             <a:pPr lvl="0"/>
             <a:r>
               <a:rPr/>
-              <a:t>10-fold cross validation repeated 10 times</a:t>
+              <a:t>Predict Diagnosis of Tumor based on features</a:t>
             </a:r>
           </a:p>
           <a:p>
             <a:pPr lvl="0"/>
             <a:r>
               <a:rPr/>
-              <a:t>Type II Error: 0.0044053</a:t>
+              <a:t>Feature Importance/Selection</a:t>
             </a:r>
           </a:p>
           <a:p>
             <a:pPr lvl="0"/>
             <a:r>
               <a:rPr/>
-              <a:t>Accuracy: 0.969163</a:t>
+              <a:t>Reduce Type II Error (False-Negatives)</a:t>
             </a:r>
           </a:p>
         </p:txBody>
@@ -6629,7 +6825,98 @@
 </p:sld>
 </file>
 
-<file path=ppt/slides/slide18.xml><?xml version="1.0" encoding="utf-8"?>
+<file path=ppt/slides/slide20.xml><?xml version="1.0" encoding="utf-8"?>
+<p:sld xmlns:a="http://schemas.openxmlformats.org/drawingml/2006/main" xmlns:r="http://schemas.openxmlformats.org/officeDocument/2006/relationships" xmlns:p="http://schemas.openxmlformats.org/presentationml/2006/main">
+  <p:cSld>
+    <p:spTree>
+      <p:nvGrpSpPr>
+        <p:cNvPr id="1" name=""/>
+        <p:cNvGrpSpPr/>
+        <p:nvPr/>
+      </p:nvGrpSpPr>
+      <p:grpSpPr>
+        <a:xfrm>
+          <a:off x="0" y="0"/>
+          <a:ext cx="0" cy="0"/>
+          <a:chOff x="0" y="0"/>
+          <a:chExt cx="0" cy="0"/>
+        </a:xfrm>
+      </p:grpSpPr>
+      <p:sp>
+        <p:nvSpPr>
+          <p:cNvPr id="2" name="Title 1"/>
+          <p:cNvSpPr>
+            <a:spLocks noGrp="1"/>
+          </p:cNvSpPr>
+          <p:nvPr>
+            <p:ph type="title"/>
+          </p:nvPr>
+        </p:nvSpPr>
+        <p:spPr/>
+        <p:txBody>
+          <a:bodyPr/>
+          <a:lstStyle/>
+          <a:p>
+            <a:pPr lvl="0" indent="0" marL="0">
+              <a:buNone/>
+            </a:pPr>
+            <a:r>
+              <a:rPr/>
+              <a:t>Radial Support Vector Machine Parameters</a:t>
+            </a:r>
+          </a:p>
+        </p:txBody>
+      </p:sp>
+      <p:sp>
+        <p:nvSpPr>
+          <p:cNvPr id="3" name="Content Placeholder 2"/>
+          <p:cNvSpPr>
+            <a:spLocks noGrp="1"/>
+          </p:cNvSpPr>
+          <p:nvPr>
+            <p:ph idx="1"/>
+          </p:nvPr>
+        </p:nvSpPr>
+        <p:spPr/>
+        <p:txBody>
+          <a:bodyPr/>
+          <a:lstStyle/>
+          <a:p>
+            <a:pPr lvl="0"/>
+            <a:r>
+              <a:rPr/>
+              <a:t>Using all features</a:t>
+            </a:r>
+          </a:p>
+          <a:p>
+            <a:pPr lvl="0"/>
+            <a:r>
+              <a:rPr/>
+              <a:t>10-fold cross validation repeated 10 times</a:t>
+            </a:r>
+          </a:p>
+          <a:p>
+            <a:pPr lvl="0"/>
+            <a:r>
+              <a:rPr/>
+              <a:t>Type II Error: 0.0044053</a:t>
+            </a:r>
+          </a:p>
+          <a:p>
+            <a:pPr lvl="0"/>
+            <a:r>
+              <a:rPr/>
+              <a:t>Accuracy: 0.969163</a:t>
+            </a:r>
+          </a:p>
+        </p:txBody>
+      </p:sp>
+    </p:spTree>
+  </p:cSld>
+</p:sld>
+</file>
+
+<file path=ppt/slides/slide21.xml><?xml version="1.0" encoding="utf-8"?>
 <p:sld xmlns:a="http://schemas.openxmlformats.org/drawingml/2006/main" xmlns:r="http://schemas.openxmlformats.org/officeDocument/2006/relationships" xmlns:p="http://schemas.openxmlformats.org/presentationml/2006/main">
   <p:cSld>
     <p:spTree>
@@ -6706,436 +6993,6 @@
 </p:sld>
 </file>
 
-<file path=ppt/slides/slide19.xml><?xml version="1.0" encoding="utf-8"?>
-<p:sld xmlns:a="http://schemas.openxmlformats.org/drawingml/2006/main" xmlns:r="http://schemas.openxmlformats.org/officeDocument/2006/relationships" xmlns:p="http://schemas.openxmlformats.org/presentationml/2006/main">
-  <p:cSld>
-    <p:spTree>
-      <p:nvGrpSpPr>
-        <p:cNvPr id="1" name=""/>
-        <p:cNvGrpSpPr/>
-        <p:nvPr/>
-      </p:nvGrpSpPr>
-      <p:grpSpPr>
-        <a:xfrm>
-          <a:off x="0" y="0"/>
-          <a:ext cx="0" cy="0"/>
-          <a:chOff x="0" y="0"/>
-          <a:chExt cx="0" cy="0"/>
-        </a:xfrm>
-      </p:grpSpPr>
-      <p:sp>
-        <p:nvSpPr>
-          <p:cNvPr id="2" name="Title 1"/>
-          <p:cNvSpPr>
-            <a:spLocks noGrp="1"/>
-          </p:cNvSpPr>
-          <p:nvPr>
-            <p:ph type="title"/>
-          </p:nvPr>
-        </p:nvSpPr>
-        <p:spPr/>
-        <p:txBody>
-          <a:bodyPr/>
-          <a:lstStyle/>
-          <a:p>
-            <a:pPr lvl="0" indent="0" marL="0">
-              <a:buNone/>
-            </a:pPr>
-            <a:r>
-              <a:rPr/>
-              <a:t>Tuned Radial Support Vector Machine Parameters</a:t>
-            </a:r>
-          </a:p>
-        </p:txBody>
-      </p:sp>
-      <p:sp>
-        <p:nvSpPr>
-          <p:cNvPr id="3" name="Content Placeholder 2"/>
-          <p:cNvSpPr>
-            <a:spLocks noGrp="1"/>
-          </p:cNvSpPr>
-          <p:nvPr>
-            <p:ph idx="1"/>
-          </p:nvPr>
-        </p:nvSpPr>
-        <p:spPr/>
-        <p:txBody>
-          <a:bodyPr/>
-          <a:lstStyle/>
-          <a:p>
-            <a:pPr lvl="0"/>
-            <a:r>
-              <a:rPr/>
-              <a:t>Using all features</a:t>
-            </a:r>
-          </a:p>
-          <a:p>
-            <a:pPr lvl="0"/>
-            <a:r>
-              <a:rPr/>
-              <a:t>10-fold cross validation repeated 10 times</a:t>
-            </a:r>
-          </a:p>
-          <a:p>
-            <a:pPr lvl="0"/>
-            <a:r>
-              <a:rPr/>
-              <a:t>Type II Error: 0.0088106</a:t>
-            </a:r>
-          </a:p>
-          <a:p>
-            <a:pPr lvl="0"/>
-            <a:r>
-              <a:rPr/>
-              <a:t>Accuracy: 0.9735683</a:t>
-            </a:r>
-          </a:p>
-        </p:txBody>
-      </p:sp>
-    </p:spTree>
-  </p:cSld>
-</p:sld>
-</file>
-
-<file path=ppt/slides/slide2.xml><?xml version="1.0" encoding="utf-8"?>
-<p:sld xmlns:a="http://schemas.openxmlformats.org/drawingml/2006/main" xmlns:r="http://schemas.openxmlformats.org/officeDocument/2006/relationships" xmlns:p="http://schemas.openxmlformats.org/presentationml/2006/main">
-  <p:cSld>
-    <p:spTree>
-      <p:nvGrpSpPr>
-        <p:cNvPr id="1" name=""/>
-        <p:cNvGrpSpPr/>
-        <p:nvPr/>
-      </p:nvGrpSpPr>
-      <p:grpSpPr>
-        <a:xfrm>
-          <a:off x="0" y="0"/>
-          <a:ext cx="0" cy="0"/>
-          <a:chOff x="0" y="0"/>
-          <a:chExt cx="0" cy="0"/>
-        </a:xfrm>
-      </p:grpSpPr>
-      <p:sp>
-        <p:nvSpPr>
-          <p:cNvPr id="2" name="Title 1"/>
-          <p:cNvSpPr>
-            <a:spLocks noGrp="1"/>
-          </p:cNvSpPr>
-          <p:nvPr>
-            <p:ph type="title"/>
-          </p:nvPr>
-        </p:nvSpPr>
-        <p:spPr/>
-        <p:txBody>
-          <a:bodyPr/>
-          <a:lstStyle/>
-          <a:p>
-            <a:pPr lvl="0" indent="0" marL="0">
-              <a:buNone/>
-            </a:pPr>
-            <a:r>
-              <a:rPr/>
-              <a:t>Background</a:t>
-            </a:r>
-          </a:p>
-        </p:txBody>
-      </p:sp>
-      <p:sp>
-        <p:nvSpPr>
-          <p:cNvPr id="3" name="Content Placeholder 2"/>
-          <p:cNvSpPr>
-            <a:spLocks noGrp="1"/>
-          </p:cNvSpPr>
-          <p:nvPr>
-            <p:ph idx="1"/>
-          </p:nvPr>
-        </p:nvSpPr>
-        <p:spPr/>
-        <p:txBody>
-          <a:bodyPr/>
-          <a:lstStyle/>
-          <a:p>
-            <a:pPr lvl="0"/>
-            <a:r>
-              <a:rPr/>
-              <a:t>Many people are diagnosed with breast cancer each year</a:t>
-            </a:r>
-          </a:p>
-          <a:p>
-            <a:pPr lvl="0"/>
-            <a:r>
-              <a:rPr/>
-              <a:t>Breast Cancer Diagnosis Data</a:t>
-            </a:r>
-          </a:p>
-          <a:p>
-            <a:pPr lvl="0"/>
-            <a:r>
-              <a:rPr/>
-              <a:t>Predict Diagnosis of Tumor based on features (Malignant or Benign)</a:t>
-            </a:r>
-          </a:p>
-          <a:p>
-            <a:pPr lvl="0"/>
-            <a:r>
-              <a:rPr i="1"/>
-              <a:t>Modivation:</a:t>
-            </a:r>
-            <a:r>
-              <a:rPr/>
-              <a:t> Reduce Type II Error (False-Negatives)</a:t>
-            </a:r>
-          </a:p>
-          <a:p>
-            <a:pPr lvl="1"/>
-            <a:r>
-              <a:rPr/>
-              <a:t>Feature and Model Selection</a:t>
-            </a:r>
-          </a:p>
-        </p:txBody>
-      </p:sp>
-    </p:spTree>
-  </p:cSld>
-</p:sld>
-</file>
-
-<file path=ppt/slides/slide20.xml><?xml version="1.0" encoding="utf-8"?>
-<p:sld xmlns:a="http://schemas.openxmlformats.org/drawingml/2006/main" xmlns:r="http://schemas.openxmlformats.org/officeDocument/2006/relationships" xmlns:p="http://schemas.openxmlformats.org/presentationml/2006/main">
-  <p:cSld>
-    <p:spTree>
-      <p:nvGrpSpPr>
-        <p:cNvPr id="1" name=""/>
-        <p:cNvGrpSpPr/>
-        <p:nvPr/>
-      </p:nvGrpSpPr>
-      <p:grpSpPr>
-        <a:xfrm>
-          <a:off x="0" y="0"/>
-          <a:ext cx="0" cy="0"/>
-          <a:chOff x="0" y="0"/>
-          <a:chExt cx="0" cy="0"/>
-        </a:xfrm>
-      </p:grpSpPr>
-      <p:sp>
-        <p:nvSpPr>
-          <p:cNvPr id="2" name="Title 1"/>
-          <p:cNvSpPr>
-            <a:spLocks noGrp="1"/>
-          </p:cNvSpPr>
-          <p:nvPr>
-            <p:ph type="title"/>
-          </p:nvPr>
-        </p:nvSpPr>
-        <p:spPr/>
-        <p:txBody>
-          <a:bodyPr/>
-          <a:lstStyle/>
-          <a:p>
-            <a:pPr lvl="0" indent="0" marL="0">
-              <a:buNone/>
-            </a:pPr>
-            <a:r>
-              <a:rPr/>
-              <a:t>Classification Analysis: Danny</a:t>
-            </a:r>
-          </a:p>
-        </p:txBody>
-      </p:sp>
-      <p:sp>
-        <p:nvSpPr>
-          <p:cNvPr id="3" name="Content Placeholder 2"/>
-          <p:cNvSpPr>
-            <a:spLocks noGrp="1"/>
-          </p:cNvSpPr>
-          <p:nvPr>
-            <p:ph idx="1"/>
-          </p:nvPr>
-        </p:nvSpPr>
-        <p:spPr/>
-        <p:txBody>
-          <a:bodyPr/>
-          <a:lstStyle/>
-          <a:p>
-            <a:pPr lvl="0"/>
-            <a:r>
-              <a:rPr/>
-              <a:t>Logistic Regression</a:t>
-            </a:r>
-          </a:p>
-          <a:p>
-            <a:pPr lvl="0"/>
-            <a:r>
-              <a:rPr/>
-              <a:t>K-Nearest Neighbors</a:t>
-            </a:r>
-          </a:p>
-          <a:p>
-            <a:pPr lvl="0"/>
-            <a:r>
-              <a:rPr/>
-              <a:t>QDA</a:t>
-            </a:r>
-          </a:p>
-          <a:p>
-            <a:pPr lvl="0"/>
-            <a:r>
-              <a:rPr/>
-              <a:t>Random Forest</a:t>
-            </a:r>
-          </a:p>
-          <a:p>
-            <a:pPr lvl="0"/>
-            <a:r>
-              <a:rPr/>
-              <a:t>xGBoost</a:t>
-            </a:r>
-          </a:p>
-          <a:p>
-            <a:pPr lvl="0"/>
-            <a:r>
-              <a:rPr/>
-              <a:t>Support Vector Classifier</a:t>
-            </a:r>
-          </a:p>
-          <a:p>
-            <a:pPr lvl="0"/>
-            <a:r>
-              <a:rPr/>
-              <a:t>Lower prediction cutoff to account for Type II Error</a:t>
-            </a:r>
-          </a:p>
-        </p:txBody>
-      </p:sp>
-    </p:spTree>
-  </p:cSld>
-</p:sld>
-</file>
-
-<file path=ppt/slides/slide21.xml><?xml version="1.0" encoding="utf-8"?>
-<p:sld xmlns:a="http://schemas.openxmlformats.org/drawingml/2006/main" xmlns:r="http://schemas.openxmlformats.org/officeDocument/2006/relationships" xmlns:p="http://schemas.openxmlformats.org/presentationml/2006/main">
-  <p:cSld>
-    <p:spTree>
-      <p:nvGrpSpPr>
-        <p:cNvPr id="1" name=""/>
-        <p:cNvGrpSpPr/>
-        <p:nvPr/>
-      </p:nvGrpSpPr>
-      <p:grpSpPr>
-        <a:xfrm>
-          <a:off x="0" y="0"/>
-          <a:ext cx="0" cy="0"/>
-          <a:chOff x="0" y="0"/>
-          <a:chExt cx="0" cy="0"/>
-        </a:xfrm>
-      </p:grpSpPr>
-      <p:sp>
-        <p:nvSpPr>
-          <p:cNvPr id="2" name="Title 1"/>
-          <p:cNvSpPr>
-            <a:spLocks noGrp="1"/>
-          </p:cNvSpPr>
-          <p:nvPr>
-            <p:ph type="title"/>
-          </p:nvPr>
-        </p:nvSpPr>
-        <p:spPr>
-          <a:xfrm>
-            <a:off x="677334" y="1498604"/>
-            <a:ext cx="3854528" cy="1278466"/>
-          </a:xfrm>
-        </p:spPr>
-        <p:txBody>
-          <a:bodyPr/>
-          <a:lstStyle/>
-          <a:p>
-            <a:pPr lvl="0" indent="0" marL="0">
-              <a:buNone/>
-            </a:pPr>
-            <a:r>
-              <a:rPr/>
-              <a:t>K-Nearest Neigbors Model</a:t>
-            </a:r>
-          </a:p>
-        </p:txBody>
-      </p:sp>
-      <p:sp>
-        <p:nvSpPr>
-          <p:cNvPr id="4" name="Text Placeholder 3"/>
-          <p:cNvSpPr>
-            <a:spLocks noGrp="1"/>
-          </p:cNvSpPr>
-          <p:nvPr>
-            <p:ph idx="2" sz="half" type="body"/>
-          </p:nvPr>
-        </p:nvSpPr>
-        <p:spPr/>
-        <p:txBody>
-          <a:bodyPr/>
-          <a:lstStyle/>
-          <a:p>
-            <a:pPr lvl="0"/>
-            <a:r>
-              <a:rPr/>
-              <a:t>Tuned neighbors value to 7</a:t>
-            </a:r>
-          </a:p>
-          <a:p>
-            <a:pPr lvl="0"/>
-            <a:r>
-              <a:rPr/>
-              <a:t>2 False-Negatives</a:t>
-            </a:r>
-          </a:p>
-          <a:p>
-            <a:pPr lvl="0"/>
-            <a:r>
-              <a:rPr>
-                <a:latin typeface="Courier"/>
-              </a:rPr>
-              <a:t>knn.err</a:t>
-            </a:r>
-            <a:r>
-              <a:rPr/>
-              <a:t> % prediction accuracy</a:t>
-            </a:r>
-          </a:p>
-        </p:txBody>
-      </p:sp>
-      <p:pic>
-        <p:nvPicPr>
-          <p:cNvPr descr="powerpoint_files/figure-pptx/unnamed-chunk-4-1.png" id="0" name="Picture 1"/>
-          <p:cNvPicPr>
-            <a:picLocks noGrp="1" noChangeAspect="1"/>
-          </p:cNvPicPr>
-          <p:nvPr/>
-        </p:nvPicPr>
-        <p:blipFill>
-          <a:blip r:embed="rId2"/>
-          <a:stretch>
-            <a:fillRect/>
-          </a:stretch>
-        </p:blipFill>
-        <p:spPr bwMode="auto">
-          <a:xfrm>
-            <a:off x="4749800" y="1981200"/>
-            <a:ext cx="4508500" cy="2578100"/>
-          </a:xfrm>
-          <a:prstGeom prst="rect">
-            <a:avLst/>
-          </a:prstGeom>
-          <a:noFill/>
-          <a:ln w="9525">
-            <a:noFill/>
-            <a:headEnd/>
-            <a:tailEnd/>
-          </a:ln>
-        </p:spPr>
-      </p:pic>
-    </p:spTree>
-  </p:cSld>
-</p:sld>
-</file>
-
 <file path=ppt/slides/slide22.xml><?xml version="1.0" encoding="utf-8"?>
 <p:sld xmlns:a="http://schemas.openxmlformats.org/drawingml/2006/main" xmlns:r="http://schemas.openxmlformats.org/officeDocument/2006/relationships" xmlns:p="http://schemas.openxmlformats.org/presentationml/2006/main">
   <p:cSld>
@@ -7163,12 +7020,7 @@
             <p:ph type="title"/>
           </p:nvPr>
         </p:nvSpPr>
-        <p:spPr>
-          <a:xfrm>
-            <a:off x="677334" y="1498604"/>
-            <a:ext cx="3854528" cy="1278466"/>
-          </a:xfrm>
-        </p:spPr>
+        <p:spPr/>
         <p:txBody>
           <a:bodyPr/>
           <a:lstStyle/>
@@ -7178,19 +7030,19 @@
             </a:pPr>
             <a:r>
               <a:rPr/>
-              <a:t>Support Vector Classifier Model</a:t>
-            </a:r>
-          </a:p>
-        </p:txBody>
-      </p:sp>
-      <p:sp>
-        <p:nvSpPr>
-          <p:cNvPr id="4" name="Text Placeholder 3"/>
-          <p:cNvSpPr>
-            <a:spLocks noGrp="1"/>
-          </p:cNvSpPr>
-          <p:nvPr>
-            <p:ph idx="2" sz="half" type="body"/>
+              <a:t>Tuned Radial Support Vector Machine Parameters</a:t>
+            </a:r>
+          </a:p>
+        </p:txBody>
+      </p:sp>
+      <p:sp>
+        <p:nvSpPr>
+          <p:cNvPr id="3" name="Content Placeholder 2"/>
+          <p:cNvSpPr>
+            <a:spLocks noGrp="1"/>
+          </p:cNvSpPr>
+          <p:nvPr>
+            <p:ph idx="1"/>
           </p:nvPr>
         </p:nvSpPr>
         <p:spPr/>
@@ -7201,61 +7053,32 @@
             <a:pPr lvl="0"/>
             <a:r>
               <a:rPr/>
-              <a:t>Tuned cost value to 1</a:t>
+              <a:t>Using all features</a:t>
             </a:r>
           </a:p>
           <a:p>
             <a:pPr lvl="0"/>
             <a:r>
               <a:rPr/>
-              <a:t>2 False-Negatives</a:t>
+              <a:t>10-fold cross validation repeated 10 times</a:t>
             </a:r>
           </a:p>
           <a:p>
             <a:pPr lvl="0"/>
             <a:r>
-              <a:rPr>
-                <a:latin typeface="Courier"/>
-              </a:rPr>
-              <a:t>svm.err</a:t>
-            </a:r>
-            <a:r>
-              <a:rPr/>
-              <a:t> % prediction accuracy</a:t>
-            </a:r>
-          </a:p>
-        </p:txBody>
-      </p:sp>
-      <p:pic>
-        <p:nvPicPr>
-          <p:cNvPr descr="powerpoint_files/figure-pptx/unnamed-chunk-6-1.png" id="0" name="Picture 1"/>
-          <p:cNvPicPr>
-            <a:picLocks noGrp="1" noChangeAspect="1"/>
-          </p:cNvPicPr>
-          <p:nvPr/>
-        </p:nvPicPr>
-        <p:blipFill>
-          <a:blip r:embed="rId2"/>
-          <a:stretch>
-            <a:fillRect/>
-          </a:stretch>
-        </p:blipFill>
-        <p:spPr bwMode="auto">
-          <a:xfrm>
-            <a:off x="4749800" y="1981200"/>
-            <a:ext cx="4508500" cy="2578100"/>
-          </a:xfrm>
-          <a:prstGeom prst="rect">
-            <a:avLst/>
-          </a:prstGeom>
-          <a:noFill/>
-          <a:ln w="9525">
-            <a:noFill/>
-            <a:headEnd/>
-            <a:tailEnd/>
-          </a:ln>
-        </p:spPr>
-      </p:pic>
+              <a:rPr/>
+              <a:t>Type II Error: 0.0088106</a:t>
+            </a:r>
+          </a:p>
+          <a:p>
+            <a:pPr lvl="0"/>
+            <a:r>
+              <a:rPr/>
+              <a:t>Accuracy: 0.9735683</a:t>
+            </a:r>
+          </a:p>
+        </p:txBody>
+      </p:sp>
     </p:spTree>
   </p:cSld>
 </p:sld>
@@ -7288,12 +7111,7 @@
             <p:ph type="title"/>
           </p:nvPr>
         </p:nvSpPr>
-        <p:spPr>
-          <a:xfrm>
-            <a:off x="677334" y="1498604"/>
-            <a:ext cx="3854528" cy="1278466"/>
-          </a:xfrm>
-        </p:spPr>
+        <p:spPr/>
         <p:txBody>
           <a:bodyPr/>
           <a:lstStyle/>
@@ -7303,19 +7121,19 @@
             </a:pPr>
             <a:r>
               <a:rPr/>
-              <a:t>Random Forest Model</a:t>
-            </a:r>
-          </a:p>
-        </p:txBody>
-      </p:sp>
-      <p:sp>
-        <p:nvSpPr>
-          <p:cNvPr id="4" name="Text Placeholder 3"/>
-          <p:cNvSpPr>
-            <a:spLocks noGrp="1"/>
-          </p:cNvSpPr>
-          <p:nvPr>
-            <p:ph idx="2" sz="half" type="body"/>
+              <a:t>Classification Analysis: Danny</a:t>
+            </a:r>
+          </a:p>
+        </p:txBody>
+      </p:sp>
+      <p:sp>
+        <p:nvSpPr>
+          <p:cNvPr id="3" name="Content Placeholder 2"/>
+          <p:cNvSpPr>
+            <a:spLocks noGrp="1"/>
+          </p:cNvSpPr>
+          <p:nvPr>
+            <p:ph idx="1"/>
           </p:nvPr>
         </p:nvSpPr>
         <p:spPr/>
@@ -7326,54 +7144,53 @@
             <a:pPr lvl="0"/>
             <a:r>
               <a:rPr/>
-              <a:t>1 False-Negative</a:t>
+              <a:t>Logistic Regression</a:t>
             </a:r>
           </a:p>
           <a:p>
             <a:pPr lvl="0"/>
             <a:r>
-              <a:rPr>
-                <a:latin typeface="Courier"/>
-              </a:rPr>
-              <a:t>rf.err</a:t>
-            </a:r>
-            <a:r>
-              <a:rPr/>
-              <a:t> % prediction accuracy</a:t>
-            </a:r>
-          </a:p>
-        </p:txBody>
-      </p:sp>
-      <p:pic>
-        <p:nvPicPr>
-          <p:cNvPr descr="powerpoint_files/figure-pptx/unnamed-chunk-8-1.png" id="0" name="Picture 1"/>
-          <p:cNvPicPr>
-            <a:picLocks noGrp="1" noChangeAspect="1"/>
-          </p:cNvPicPr>
-          <p:nvPr/>
-        </p:nvPicPr>
-        <p:blipFill>
-          <a:blip r:embed="rId2"/>
-          <a:stretch>
-            <a:fillRect/>
-          </a:stretch>
-        </p:blipFill>
-        <p:spPr bwMode="auto">
-          <a:xfrm>
-            <a:off x="4749800" y="1981200"/>
-            <a:ext cx="4508500" cy="2578100"/>
-          </a:xfrm>
-          <a:prstGeom prst="rect">
-            <a:avLst/>
-          </a:prstGeom>
-          <a:noFill/>
-          <a:ln w="9525">
-            <a:noFill/>
-            <a:headEnd/>
-            <a:tailEnd/>
-          </a:ln>
-        </p:spPr>
-      </p:pic>
+              <a:rPr/>
+              <a:t>K-Nearest Neighbors</a:t>
+            </a:r>
+          </a:p>
+          <a:p>
+            <a:pPr lvl="0"/>
+            <a:r>
+              <a:rPr/>
+              <a:t>QDA</a:t>
+            </a:r>
+          </a:p>
+          <a:p>
+            <a:pPr lvl="0"/>
+            <a:r>
+              <a:rPr/>
+              <a:t>Random Forest</a:t>
+            </a:r>
+          </a:p>
+          <a:p>
+            <a:pPr lvl="0"/>
+            <a:r>
+              <a:rPr/>
+              <a:t>xGBoost</a:t>
+            </a:r>
+          </a:p>
+          <a:p>
+            <a:pPr lvl="0"/>
+            <a:r>
+              <a:rPr/>
+              <a:t>Support Vector Classifier</a:t>
+            </a:r>
+          </a:p>
+          <a:p>
+            <a:pPr lvl="0"/>
+            <a:r>
+              <a:rPr/>
+              <a:t>Lower prediction cutoff to account for Type II Error</a:t>
+            </a:r>
+          </a:p>
+        </p:txBody>
+      </p:sp>
     </p:spTree>
   </p:cSld>
 </p:sld>
@@ -7406,7 +7223,12 @@
             <p:ph type="title"/>
           </p:nvPr>
         </p:nvSpPr>
-        <p:spPr/>
+        <p:spPr>
+          <a:xfrm>
+            <a:off x="677335" y="2700867"/>
+            <a:ext cx="8596668" cy="1826581"/>
+          </a:xfrm>
+        </p:spPr>
         <p:txBody>
           <a:bodyPr/>
           <a:lstStyle/>
@@ -7416,7 +7238,7 @@
             </a:pPr>
             <a:r>
               <a:rPr/>
-              <a:t>Regression Analysis: Ethan</a:t>
+              <a:t>Preferred Models</a:t>
             </a:r>
           </a:p>
         </p:txBody>
@@ -7463,7 +7285,50 @@
             </a:pPr>
             <a:r>
               <a:rPr/>
-              <a:t>Model Assesments</a:t>
+              <a:t>K-Nearest Neigbors Model</a:t>
+            </a:r>
+          </a:p>
+        </p:txBody>
+      </p:sp>
+      <p:sp>
+        <p:nvSpPr>
+          <p:cNvPr id="3" name="Content Placeholder 2"/>
+          <p:cNvSpPr>
+            <a:spLocks noGrp="1"/>
+          </p:cNvSpPr>
+          <p:nvPr>
+            <p:ph idx="1"/>
+          </p:nvPr>
+        </p:nvSpPr>
+        <p:spPr/>
+        <p:txBody>
+          <a:bodyPr/>
+          <a:lstStyle/>
+          <a:p>
+            <a:pPr lvl="0"/>
+            <a:r>
+              <a:rPr/>
+              <a:t>Tuned neighbors value to 7</a:t>
+            </a:r>
+          </a:p>
+          <a:p>
+            <a:pPr lvl="0"/>
+            <a:r>
+              <a:rPr/>
+              <a:t>2 False-Negatives</a:t>
+            </a:r>
+          </a:p>
+          <a:p>
+            <a:pPr lvl="0"/>
+            <a:r>
+              <a:rPr>
+                <a:latin typeface="Courier"/>
+              </a:rPr>
+              <a:t>knn.err</a:t>
+            </a:r>
+            <a:r>
+              <a:rPr/>
+              <a:t> % prediction accuracy</a:t>
             </a:r>
           </a:p>
         </p:txBody>
@@ -7510,454 +7375,14 @@
             </a:pPr>
             <a:r>
               <a:rPr/>
-              <a:t>Works Cited</a:t>
-            </a:r>
-          </a:p>
-        </p:txBody>
-      </p:sp>
-      <p:sp>
-        <p:nvSpPr>
-          <p:cNvPr id="3" name="Content Placeholder 2"/>
-          <p:cNvSpPr>
-            <a:spLocks noGrp="1"/>
-          </p:cNvSpPr>
-          <p:nvPr>
-            <p:ph idx="1"/>
-          </p:nvPr>
-        </p:nvSpPr>
-        <p:spPr/>
-        <p:txBody>
-          <a:bodyPr/>
-          <a:lstStyle/>
-          <a:p>
-            <a:pPr lvl="0"/>
-            <a:r>
-              <a:rPr/>
-              <a:t>Insert link to kaggle dataset here</a:t>
-            </a:r>
-          </a:p>
-        </p:txBody>
-      </p:sp>
-    </p:spTree>
-  </p:cSld>
-</p:sld>
-</file>
-
-<file path=ppt/slides/slide3.xml><?xml version="1.0" encoding="utf-8"?>
-<p:sld xmlns:a="http://schemas.openxmlformats.org/drawingml/2006/main" xmlns:r="http://schemas.openxmlformats.org/officeDocument/2006/relationships" xmlns:p="http://schemas.openxmlformats.org/presentationml/2006/main">
-  <p:cSld>
-    <p:spTree>
-      <p:nvGrpSpPr>
-        <p:cNvPr id="1" name=""/>
-        <p:cNvGrpSpPr/>
-        <p:nvPr/>
-      </p:nvGrpSpPr>
-      <p:grpSpPr>
-        <a:xfrm>
-          <a:off x="0" y="0"/>
-          <a:ext cx="0" cy="0"/>
-          <a:chOff x="0" y="0"/>
-          <a:chExt cx="0" cy="0"/>
-        </a:xfrm>
-      </p:grpSpPr>
-      <p:sp>
-        <p:nvSpPr>
-          <p:cNvPr id="2" name="Title 1"/>
-          <p:cNvSpPr>
-            <a:spLocks noGrp="1"/>
-          </p:cNvSpPr>
-          <p:nvPr>
-            <p:ph type="title"/>
-          </p:nvPr>
-        </p:nvSpPr>
-        <p:spPr/>
-        <p:txBody>
-          <a:bodyPr/>
-          <a:lstStyle/>
-          <a:p>
-            <a:pPr lvl="0" indent="0" marL="0">
-              <a:buNone/>
-            </a:pPr>
-            <a:r>
-              <a:rPr/>
-              <a:t>Data</a:t>
-            </a:r>
-          </a:p>
-        </p:txBody>
-      </p:sp>
-      <p:sp>
-        <p:nvSpPr>
-          <p:cNvPr id="3" name="Content Placeholder 2"/>
-          <p:cNvSpPr>
-            <a:spLocks noGrp="1"/>
-          </p:cNvSpPr>
-          <p:nvPr>
-            <p:ph idx="1"/>
-          </p:nvPr>
-        </p:nvSpPr>
-        <p:spPr/>
-        <p:txBody>
-          <a:bodyPr/>
-          <a:lstStyle/>
-          <a:p>
-            <a:pPr lvl="0"/>
-            <a:r>
-              <a:rPr/>
-              <a:t>Data collected from Kaggle</a:t>
-            </a:r>
-          </a:p>
-          <a:p>
-            <a:pPr lvl="0"/>
-            <a:r>
-              <a:rPr/>
-              <a:t>Response: Diagnosis (Benign/Malignant)</a:t>
-            </a:r>
-          </a:p>
-          <a:p>
-            <a:pPr lvl="0"/>
-            <a:r>
-              <a:rPr/>
-              <a:t>Mean, SE, and “Worst” measurements of 10 variables</a:t>
-            </a:r>
-          </a:p>
-          <a:p>
-            <a:pPr lvl="0"/>
-            <a:r>
-              <a:rPr/>
-              <a:t>Training/Test Split (60/40)</a:t>
-            </a:r>
-          </a:p>
-        </p:txBody>
-      </p:sp>
-    </p:spTree>
-  </p:cSld>
-</p:sld>
-</file>
-
-<file path=ppt/slides/slide4.xml><?xml version="1.0" encoding="utf-8"?>
-<p:sld xmlns:a="http://schemas.openxmlformats.org/drawingml/2006/main" xmlns:r="http://schemas.openxmlformats.org/officeDocument/2006/relationships" xmlns:p="http://schemas.openxmlformats.org/presentationml/2006/main">
-  <p:cSld>
-    <p:spTree>
-      <p:nvGrpSpPr>
-        <p:cNvPr id="1" name=""/>
-        <p:cNvGrpSpPr/>
-        <p:nvPr/>
-      </p:nvGrpSpPr>
-      <p:grpSpPr>
-        <a:xfrm>
-          <a:off x="0" y="0"/>
-          <a:ext cx="0" cy="0"/>
-          <a:chOff x="0" y="0"/>
-          <a:chExt cx="0" cy="0"/>
-        </a:xfrm>
-      </p:grpSpPr>
-      <p:sp>
-        <p:nvSpPr>
-          <p:cNvPr id="2" name="Title 1"/>
-          <p:cNvSpPr>
-            <a:spLocks noGrp="1"/>
-          </p:cNvSpPr>
-          <p:nvPr>
-            <p:ph type="title"/>
-          </p:nvPr>
-        </p:nvSpPr>
-        <p:spPr/>
-        <p:txBody>
-          <a:bodyPr/>
-          <a:lstStyle/>
-          <a:p>
-            <a:pPr lvl="0" indent="0" marL="0">
-              <a:buNone/>
-            </a:pPr>
-            <a:r>
-              <a:rPr/>
-              <a:t>Features</a:t>
-            </a:r>
-          </a:p>
-        </p:txBody>
-      </p:sp>
-    </p:spTree>
-  </p:cSld>
-</p:sld>
-</file>
-
-<file path=ppt/slides/slide5.xml><?xml version="1.0" encoding="utf-8"?>
-<p:sld xmlns:a="http://schemas.openxmlformats.org/drawingml/2006/main" xmlns:r="http://schemas.openxmlformats.org/officeDocument/2006/relationships" xmlns:p="http://schemas.openxmlformats.org/presentationml/2006/main">
-  <p:cSld>
-    <p:spTree>
-      <p:nvGrpSpPr>
-        <p:cNvPr id="1" name=""/>
-        <p:cNvGrpSpPr/>
-        <p:nvPr/>
-      </p:nvGrpSpPr>
-      <p:grpSpPr>
-        <a:xfrm>
-          <a:off x="0" y="0"/>
-          <a:ext cx="0" cy="0"/>
-          <a:chOff x="0" y="0"/>
-          <a:chExt cx="0" cy="0"/>
-        </a:xfrm>
-      </p:grpSpPr>
-      <p:sp>
-        <p:nvSpPr>
-          <p:cNvPr id="2" name="Title 1"/>
-          <p:cNvSpPr>
-            <a:spLocks noGrp="1"/>
-          </p:cNvSpPr>
-          <p:nvPr>
-            <p:ph type="title"/>
-          </p:nvPr>
-        </p:nvSpPr>
-        <p:spPr/>
-        <p:txBody>
-          <a:bodyPr/>
-          <a:lstStyle/>
-          <a:p>
-            <a:pPr lvl="0" indent="0" marL="0">
-              <a:buNone/>
-            </a:pPr>
-            <a:r>
-              <a:rPr/>
-              <a:t>EDA</a:t>
-            </a:r>
-          </a:p>
-        </p:txBody>
-      </p:sp>
-      <p:sp>
-        <p:nvSpPr>
-          <p:cNvPr id="3" name="Content Placeholder 2"/>
-          <p:cNvSpPr>
-            <a:spLocks noGrp="1"/>
-          </p:cNvSpPr>
-          <p:nvPr>
-            <p:ph idx="1"/>
-          </p:nvPr>
-        </p:nvSpPr>
-        <p:spPr/>
-        <p:txBody>
-          <a:bodyPr/>
-          <a:lstStyle/>
-          <a:p>
-            <a:pPr lvl="0" indent="0" marL="0">
-              <a:buNone/>
-            </a:pPr>
-            <a:r>
-              <a:rPr/>
-              <a:t>Different measurements of each variable are correlated</a:t>
-            </a:r>
-          </a:p>
-          <a:p>
-            <a:pPr lvl="0" indent="0" marL="0">
-              <a:buNone/>
-            </a:pPr>
-            <a:r>
-              <a:rPr/>
-              <a:t>Relationship with Diagnosis visible for each measurement</a:t>
-            </a:r>
-          </a:p>
-        </p:txBody>
-      </p:sp>
-    </p:spTree>
-  </p:cSld>
-</p:sld>
-</file>
-
-<file path=ppt/slides/slide6.xml><?xml version="1.0" encoding="utf-8"?>
-<p:sld xmlns:a="http://schemas.openxmlformats.org/drawingml/2006/main" xmlns:r="http://schemas.openxmlformats.org/officeDocument/2006/relationships" xmlns:p="http://schemas.openxmlformats.org/presentationml/2006/main">
-  <p:cSld>
-    <p:spTree>
-      <p:nvGrpSpPr>
-        <p:cNvPr id="1" name=""/>
-        <p:cNvGrpSpPr/>
-        <p:nvPr/>
-      </p:nvGrpSpPr>
-      <p:grpSpPr>
-        <a:xfrm>
-          <a:off x="0" y="0"/>
-          <a:ext cx="0" cy="0"/>
-          <a:chOff x="0" y="0"/>
-          <a:chExt cx="0" cy="0"/>
-        </a:xfrm>
-      </p:grpSpPr>
-      <p:sp>
-        <p:nvSpPr>
-          <p:cNvPr id="2" name="Title 1"/>
-          <p:cNvSpPr>
-            <a:spLocks noGrp="1"/>
-          </p:cNvSpPr>
-          <p:nvPr>
-            <p:ph type="title"/>
-          </p:nvPr>
-        </p:nvSpPr>
-        <p:spPr/>
-        <p:txBody>
-          <a:bodyPr/>
-          <a:lstStyle/>
-          <a:p>
-            <a:pPr lvl="0" indent="0" marL="0">
-              <a:buNone/>
-            </a:pPr>
-            <a:r>
-              <a:rPr/>
-              <a:t>Classification Analysis: Austin</a:t>
-            </a:r>
-          </a:p>
-        </p:txBody>
-      </p:sp>
-    </p:spTree>
-  </p:cSld>
-</p:sld>
-</file>
-
-<file path=ppt/slides/slide7.xml><?xml version="1.0" encoding="utf-8"?>
-<p:sld xmlns:a="http://schemas.openxmlformats.org/drawingml/2006/main" xmlns:r="http://schemas.openxmlformats.org/officeDocument/2006/relationships" xmlns:p="http://schemas.openxmlformats.org/presentationml/2006/main">
-  <p:cSld>
-    <p:spTree>
-      <p:nvGrpSpPr>
-        <p:cNvPr id="1" name=""/>
-        <p:cNvGrpSpPr/>
-        <p:nvPr/>
-      </p:nvGrpSpPr>
-      <p:grpSpPr>
-        <a:xfrm>
-          <a:off x="0" y="0"/>
-          <a:ext cx="0" cy="0"/>
-          <a:chOff x="0" y="0"/>
-          <a:chExt cx="0" cy="0"/>
-        </a:xfrm>
-      </p:grpSpPr>
-      <p:sp>
-        <p:nvSpPr>
-          <p:cNvPr id="2" name="Title 1"/>
-          <p:cNvSpPr>
-            <a:spLocks noGrp="1"/>
-          </p:cNvSpPr>
-          <p:nvPr>
-            <p:ph type="title"/>
-          </p:nvPr>
-        </p:nvSpPr>
-        <p:spPr>
-          <a:xfrm>
-            <a:off x="677335" y="2700867"/>
-            <a:ext cx="8596668" cy="1826581"/>
-          </a:xfrm>
-        </p:spPr>
-        <p:txBody>
-          <a:bodyPr/>
-          <a:lstStyle/>
-          <a:p>
-            <a:pPr lvl="0" indent="0" marL="0">
-              <a:buNone/>
-            </a:pPr>
-            <a:r>
-              <a:rPr/>
-              <a:t>Models</a:t>
-            </a:r>
-          </a:p>
-        </p:txBody>
-      </p:sp>
-    </p:spTree>
-  </p:cSld>
-</p:sld>
-</file>
-
-<file path=ppt/slides/slide8.xml><?xml version="1.0" encoding="utf-8"?>
-<p:sld xmlns:a="http://schemas.openxmlformats.org/drawingml/2006/main" xmlns:r="http://schemas.openxmlformats.org/officeDocument/2006/relationships" xmlns:p="http://schemas.openxmlformats.org/presentationml/2006/main">
-  <p:cSld>
-    <p:spTree>
-      <p:nvGrpSpPr>
-        <p:cNvPr id="1" name=""/>
-        <p:cNvGrpSpPr/>
-        <p:nvPr/>
-      </p:nvGrpSpPr>
-      <p:grpSpPr>
-        <a:xfrm>
-          <a:off x="0" y="0"/>
-          <a:ext cx="0" cy="0"/>
-          <a:chOff x="0" y="0"/>
-          <a:chExt cx="0" cy="0"/>
-        </a:xfrm>
-      </p:grpSpPr>
-      <p:sp>
-        <p:nvSpPr>
-          <p:cNvPr id="2" name="Title 1"/>
-          <p:cNvSpPr>
-            <a:spLocks noGrp="1"/>
-          </p:cNvSpPr>
-          <p:nvPr>
-            <p:ph type="title"/>
-          </p:nvPr>
-        </p:nvSpPr>
-        <p:spPr>
-          <a:xfrm>
-            <a:off x="677335" y="2700867"/>
-            <a:ext cx="8596668" cy="1826581"/>
-          </a:xfrm>
-        </p:spPr>
-        <p:txBody>
-          <a:bodyPr/>
-          <a:lstStyle/>
-          <a:p>
-            <a:pPr lvl="0" indent="0" marL="0">
-              <a:buNone/>
-            </a:pPr>
-            <a:r>
-              <a:rPr/>
-              <a:t>KNN Model</a:t>
-            </a:r>
-          </a:p>
-        </p:txBody>
-      </p:sp>
-    </p:spTree>
-  </p:cSld>
-</p:sld>
-</file>
-
-<file path=ppt/slides/slide9.xml><?xml version="1.0" encoding="utf-8"?>
-<p:sld xmlns:a="http://schemas.openxmlformats.org/drawingml/2006/main" xmlns:r="http://schemas.openxmlformats.org/officeDocument/2006/relationships" xmlns:p="http://schemas.openxmlformats.org/presentationml/2006/main">
-  <p:cSld>
-    <p:spTree>
-      <p:nvGrpSpPr>
-        <p:cNvPr id="1" name=""/>
-        <p:cNvGrpSpPr/>
-        <p:nvPr/>
-      </p:nvGrpSpPr>
-      <p:grpSpPr>
-        <a:xfrm>
-          <a:off x="0" y="0"/>
-          <a:ext cx="0" cy="0"/>
-          <a:chOff x="0" y="0"/>
-          <a:chExt cx="0" cy="0"/>
-        </a:xfrm>
-      </p:grpSpPr>
-      <p:sp>
-        <p:nvSpPr>
-          <p:cNvPr id="2" name="Title 1"/>
-          <p:cNvSpPr>
-            <a:spLocks noGrp="1"/>
-          </p:cNvSpPr>
-          <p:nvPr>
-            <p:ph type="title"/>
-          </p:nvPr>
-        </p:nvSpPr>
-        <p:spPr/>
-        <p:txBody>
-          <a:bodyPr/>
-          <a:lstStyle/>
-          <a:p>
-            <a:pPr lvl="0" indent="0" marL="0">
-              <a:buNone/>
-            </a:pPr>
-            <a:r>
-              <a:rPr/>
-              <a:t>Tuning KNN</a:t>
+              <a:t>KNN Confusion Matrix</a:t>
             </a:r>
           </a:p>
         </p:txBody>
       </p:sp>
       <p:pic>
         <p:nvPicPr>
-          <p:cNvPr descr="powerpoint_files/figure-pptx/knn_tuning_plot-1.png" id="0" name="Picture 1"/>
+          <p:cNvPr descr="powerpoint_files/figure-pptx/unnamed-chunk-6-1.png" id="0" name="Picture 1"/>
           <p:cNvPicPr>
             <a:picLocks noGrp="1" noChangeAspect="1"/>
           </p:cNvPicPr>
@@ -7985,6 +7410,2005 @@
           </a:ln>
         </p:spPr>
       </p:pic>
+    </p:spTree>
+  </p:cSld>
+</p:sld>
+</file>
+
+<file path=ppt/slides/slide27.xml><?xml version="1.0" encoding="utf-8"?>
+<p:sld xmlns:a="http://schemas.openxmlformats.org/drawingml/2006/main" xmlns:r="http://schemas.openxmlformats.org/officeDocument/2006/relationships" xmlns:p="http://schemas.openxmlformats.org/presentationml/2006/main">
+  <p:cSld>
+    <p:spTree>
+      <p:nvGrpSpPr>
+        <p:cNvPr id="1" name=""/>
+        <p:cNvGrpSpPr/>
+        <p:nvPr/>
+      </p:nvGrpSpPr>
+      <p:grpSpPr>
+        <a:xfrm>
+          <a:off x="0" y="0"/>
+          <a:ext cx="0" cy="0"/>
+          <a:chOff x="0" y="0"/>
+          <a:chExt cx="0" cy="0"/>
+        </a:xfrm>
+      </p:grpSpPr>
+      <p:sp>
+        <p:nvSpPr>
+          <p:cNvPr id="2" name="Title 1"/>
+          <p:cNvSpPr>
+            <a:spLocks noGrp="1"/>
+          </p:cNvSpPr>
+          <p:nvPr>
+            <p:ph type="title"/>
+          </p:nvPr>
+        </p:nvSpPr>
+        <p:spPr/>
+        <p:txBody>
+          <a:bodyPr/>
+          <a:lstStyle/>
+          <a:p>
+            <a:pPr lvl="0" indent="0" marL="0">
+              <a:buNone/>
+            </a:pPr>
+            <a:r>
+              <a:rPr/>
+              <a:t>Support Vector Classifier Model</a:t>
+            </a:r>
+          </a:p>
+        </p:txBody>
+      </p:sp>
+      <p:sp>
+        <p:nvSpPr>
+          <p:cNvPr id="3" name="Content Placeholder 2"/>
+          <p:cNvSpPr>
+            <a:spLocks noGrp="1"/>
+          </p:cNvSpPr>
+          <p:nvPr>
+            <p:ph idx="1"/>
+          </p:nvPr>
+        </p:nvSpPr>
+        <p:spPr/>
+        <p:txBody>
+          <a:bodyPr/>
+          <a:lstStyle/>
+          <a:p>
+            <a:pPr lvl="0"/>
+            <a:r>
+              <a:rPr/>
+              <a:t>Tuned cost value to 1</a:t>
+            </a:r>
+          </a:p>
+          <a:p>
+            <a:pPr lvl="0"/>
+            <a:r>
+              <a:rPr/>
+              <a:t>2 False-Negatives</a:t>
+            </a:r>
+          </a:p>
+          <a:p>
+            <a:pPr lvl="0"/>
+            <a:r>
+              <a:rPr>
+                <a:latin typeface="Courier"/>
+              </a:rPr>
+              <a:t>svm.err</a:t>
+            </a:r>
+            <a:r>
+              <a:rPr/>
+              <a:t> % prediction accuracy</a:t>
+            </a:r>
+          </a:p>
+        </p:txBody>
+      </p:sp>
+    </p:spTree>
+  </p:cSld>
+</p:sld>
+</file>
+
+<file path=ppt/slides/slide28.xml><?xml version="1.0" encoding="utf-8"?>
+<p:sld xmlns:a="http://schemas.openxmlformats.org/drawingml/2006/main" xmlns:r="http://schemas.openxmlformats.org/officeDocument/2006/relationships" xmlns:p="http://schemas.openxmlformats.org/presentationml/2006/main">
+  <p:cSld>
+    <p:spTree>
+      <p:nvGrpSpPr>
+        <p:cNvPr id="1" name=""/>
+        <p:cNvGrpSpPr/>
+        <p:nvPr/>
+      </p:nvGrpSpPr>
+      <p:grpSpPr>
+        <a:xfrm>
+          <a:off x="0" y="0"/>
+          <a:ext cx="0" cy="0"/>
+          <a:chOff x="0" y="0"/>
+          <a:chExt cx="0" cy="0"/>
+        </a:xfrm>
+      </p:grpSpPr>
+      <p:sp>
+        <p:nvSpPr>
+          <p:cNvPr id="2" name="Title 1"/>
+          <p:cNvSpPr>
+            <a:spLocks noGrp="1"/>
+          </p:cNvSpPr>
+          <p:nvPr>
+            <p:ph type="title"/>
+          </p:nvPr>
+        </p:nvSpPr>
+        <p:spPr/>
+        <p:txBody>
+          <a:bodyPr/>
+          <a:lstStyle/>
+          <a:p>
+            <a:pPr lvl="0" indent="0" marL="0">
+              <a:buNone/>
+            </a:pPr>
+            <a:r>
+              <a:rPr/>
+              <a:t>SVC Confusion Matrix</a:t>
+            </a:r>
+          </a:p>
+        </p:txBody>
+      </p:sp>
+      <p:pic>
+        <p:nvPicPr>
+          <p:cNvPr descr="powerpoint_files/figure-pptx/unnamed-chunk-8-1.png" id="0" name="Picture 1"/>
+          <p:cNvPicPr>
+            <a:picLocks noGrp="1" noChangeAspect="1"/>
+          </p:cNvPicPr>
+          <p:nvPr/>
+        </p:nvPicPr>
+        <p:blipFill>
+          <a:blip r:embed="rId2"/>
+          <a:stretch>
+            <a:fillRect/>
+          </a:stretch>
+        </p:blipFill>
+        <p:spPr bwMode="auto">
+          <a:xfrm>
+            <a:off x="1574800" y="2159000"/>
+            <a:ext cx="6781800" cy="3873500"/>
+          </a:xfrm>
+          <a:prstGeom prst="rect">
+            <a:avLst/>
+          </a:prstGeom>
+          <a:noFill/>
+          <a:ln w="9525">
+            <a:noFill/>
+            <a:headEnd/>
+            <a:tailEnd/>
+          </a:ln>
+        </p:spPr>
+      </p:pic>
+    </p:spTree>
+  </p:cSld>
+</p:sld>
+</file>
+
+<file path=ppt/slides/slide29.xml><?xml version="1.0" encoding="utf-8"?>
+<p:sld xmlns:a="http://schemas.openxmlformats.org/drawingml/2006/main" xmlns:r="http://schemas.openxmlformats.org/officeDocument/2006/relationships" xmlns:p="http://schemas.openxmlformats.org/presentationml/2006/main">
+  <p:cSld>
+    <p:spTree>
+      <p:nvGrpSpPr>
+        <p:cNvPr id="1" name=""/>
+        <p:cNvGrpSpPr/>
+        <p:nvPr/>
+      </p:nvGrpSpPr>
+      <p:grpSpPr>
+        <a:xfrm>
+          <a:off x="0" y="0"/>
+          <a:ext cx="0" cy="0"/>
+          <a:chOff x="0" y="0"/>
+          <a:chExt cx="0" cy="0"/>
+        </a:xfrm>
+      </p:grpSpPr>
+      <p:sp>
+        <p:nvSpPr>
+          <p:cNvPr id="2" name="Title 1"/>
+          <p:cNvSpPr>
+            <a:spLocks noGrp="1"/>
+          </p:cNvSpPr>
+          <p:nvPr>
+            <p:ph type="title"/>
+          </p:nvPr>
+        </p:nvSpPr>
+        <p:spPr/>
+        <p:txBody>
+          <a:bodyPr/>
+          <a:lstStyle/>
+          <a:p>
+            <a:pPr lvl="0" indent="0" marL="0">
+              <a:buNone/>
+            </a:pPr>
+            <a:r>
+              <a:rPr/>
+              <a:t>Random Forest Model</a:t>
+            </a:r>
+          </a:p>
+        </p:txBody>
+      </p:sp>
+      <p:sp>
+        <p:nvSpPr>
+          <p:cNvPr id="3" name="Content Placeholder 2"/>
+          <p:cNvSpPr>
+            <a:spLocks noGrp="1"/>
+          </p:cNvSpPr>
+          <p:nvPr>
+            <p:ph idx="1"/>
+          </p:nvPr>
+        </p:nvSpPr>
+        <p:spPr/>
+        <p:txBody>
+          <a:bodyPr/>
+          <a:lstStyle/>
+          <a:p>
+            <a:pPr lvl="0"/>
+            <a:r>
+              <a:rPr/>
+              <a:t>1 False-Negative</a:t>
+            </a:r>
+          </a:p>
+          <a:p>
+            <a:pPr lvl="0"/>
+            <a:r>
+              <a:rPr>
+                <a:latin typeface="Courier"/>
+              </a:rPr>
+              <a:t>rf.err</a:t>
+            </a:r>
+            <a:r>
+              <a:rPr/>
+              <a:t> % prediction accuracy</a:t>
+            </a:r>
+          </a:p>
+        </p:txBody>
+      </p:sp>
+    </p:spTree>
+  </p:cSld>
+</p:sld>
+</file>
+
+<file path=ppt/slides/slide3.xml><?xml version="1.0" encoding="utf-8"?>
+<p:sld xmlns:a="http://schemas.openxmlformats.org/drawingml/2006/main" xmlns:r="http://schemas.openxmlformats.org/officeDocument/2006/relationships" xmlns:p="http://schemas.openxmlformats.org/presentationml/2006/main">
+  <p:cSld>
+    <p:spTree>
+      <p:nvGrpSpPr>
+        <p:cNvPr id="1" name=""/>
+        <p:cNvGrpSpPr/>
+        <p:nvPr/>
+      </p:nvGrpSpPr>
+      <p:grpSpPr>
+        <a:xfrm>
+          <a:off x="0" y="0"/>
+          <a:ext cx="0" cy="0"/>
+          <a:chOff x="0" y="0"/>
+          <a:chExt cx="0" cy="0"/>
+        </a:xfrm>
+      </p:grpSpPr>
+      <p:sp>
+        <p:nvSpPr>
+          <p:cNvPr id="2" name="Title 1"/>
+          <p:cNvSpPr>
+            <a:spLocks noGrp="1"/>
+          </p:cNvSpPr>
+          <p:nvPr>
+            <p:ph type="title"/>
+          </p:nvPr>
+        </p:nvSpPr>
+        <p:spPr/>
+        <p:txBody>
+          <a:bodyPr/>
+          <a:lstStyle/>
+          <a:p>
+            <a:pPr lvl="0" indent="0" marL="0">
+              <a:buNone/>
+            </a:pPr>
+            <a:r>
+              <a:rPr/>
+              <a:t>Data</a:t>
+            </a:r>
+          </a:p>
+        </p:txBody>
+      </p:sp>
+      <p:sp>
+        <p:nvSpPr>
+          <p:cNvPr id="3" name="Content Placeholder 2"/>
+          <p:cNvSpPr>
+            <a:spLocks noGrp="1"/>
+          </p:cNvSpPr>
+          <p:nvPr>
+            <p:ph idx="1"/>
+          </p:nvPr>
+        </p:nvSpPr>
+        <p:spPr/>
+        <p:txBody>
+          <a:bodyPr/>
+          <a:lstStyle/>
+          <a:p>
+            <a:pPr lvl="0"/>
+            <a:r>
+              <a:rPr/>
+              <a:t>Data collected from “Breast Cancer Wisconsin (Diagnostic) Data Set” from Kaggle</a:t>
+            </a:r>
+          </a:p>
+          <a:p>
+            <a:pPr lvl="0"/>
+            <a:r>
+              <a:rPr/>
+              <a:t>Response: Diagnosis</a:t>
+            </a:r>
+          </a:p>
+          <a:p>
+            <a:pPr lvl="1"/>
+            <a:r>
+              <a:rPr/>
+              <a:t>Benign: (Noncancerous Cells)</a:t>
+            </a:r>
+          </a:p>
+          <a:p>
+            <a:pPr lvl="1"/>
+            <a:r>
+              <a:rPr/>
+              <a:t>Malignant (Cancerous Cells)</a:t>
+            </a:r>
+          </a:p>
+          <a:p>
+            <a:pPr lvl="0"/>
+            <a:r>
+              <a:rPr/>
+              <a:t>Predictors: 10 variables each with 3 measurements:</a:t>
+            </a:r>
+          </a:p>
+          <a:p>
+            <a:pPr lvl="1"/>
+            <a:r>
+              <a:rPr/>
+              <a:t>Mean</a:t>
+            </a:r>
+          </a:p>
+          <a:p>
+            <a:pPr lvl="1"/>
+            <a:r>
+              <a:rPr/>
+              <a:t>Standard Error (SE)</a:t>
+            </a:r>
+          </a:p>
+          <a:p>
+            <a:pPr lvl="1"/>
+            <a:r>
+              <a:rPr/>
+              <a:t>Worst: Mean of 3 largest values of a variable</a:t>
+            </a:r>
+          </a:p>
+          <a:p>
+            <a:pPr lvl="0"/>
+            <a:r>
+              <a:rPr/>
+              <a:t>Training/Test Data Split 60/40</a:t>
+            </a:r>
+          </a:p>
+        </p:txBody>
+      </p:sp>
+    </p:spTree>
+  </p:cSld>
+</p:sld>
+</file>
+
+<file path=ppt/slides/slide30.xml><?xml version="1.0" encoding="utf-8"?>
+<p:sld xmlns:a="http://schemas.openxmlformats.org/drawingml/2006/main" xmlns:r="http://schemas.openxmlformats.org/officeDocument/2006/relationships" xmlns:p="http://schemas.openxmlformats.org/presentationml/2006/main">
+  <p:cSld>
+    <p:spTree>
+      <p:nvGrpSpPr>
+        <p:cNvPr id="1" name=""/>
+        <p:cNvGrpSpPr/>
+        <p:nvPr/>
+      </p:nvGrpSpPr>
+      <p:grpSpPr>
+        <a:xfrm>
+          <a:off x="0" y="0"/>
+          <a:ext cx="0" cy="0"/>
+          <a:chOff x="0" y="0"/>
+          <a:chExt cx="0" cy="0"/>
+        </a:xfrm>
+      </p:grpSpPr>
+      <p:sp>
+        <p:nvSpPr>
+          <p:cNvPr id="2" name="Title 1"/>
+          <p:cNvSpPr>
+            <a:spLocks noGrp="1"/>
+          </p:cNvSpPr>
+          <p:nvPr>
+            <p:ph type="title"/>
+          </p:nvPr>
+        </p:nvSpPr>
+        <p:spPr/>
+        <p:txBody>
+          <a:bodyPr/>
+          <a:lstStyle/>
+          <a:p>
+            <a:pPr lvl="0" indent="0" marL="0">
+              <a:buNone/>
+            </a:pPr>
+            <a:r>
+              <a:rPr/>
+              <a:t>RF Confusion Matrix</a:t>
+            </a:r>
+          </a:p>
+        </p:txBody>
+      </p:sp>
+      <p:pic>
+        <p:nvPicPr>
+          <p:cNvPr descr="powerpoint_files/figure-pptx/unnamed-chunk-10-1.png" id="0" name="Picture 1"/>
+          <p:cNvPicPr>
+            <a:picLocks noGrp="1" noChangeAspect="1"/>
+          </p:cNvPicPr>
+          <p:nvPr/>
+        </p:nvPicPr>
+        <p:blipFill>
+          <a:blip r:embed="rId2"/>
+          <a:stretch>
+            <a:fillRect/>
+          </a:stretch>
+        </p:blipFill>
+        <p:spPr bwMode="auto">
+          <a:xfrm>
+            <a:off x="1574800" y="2159000"/>
+            <a:ext cx="6781800" cy="3873500"/>
+          </a:xfrm>
+          <a:prstGeom prst="rect">
+            <a:avLst/>
+          </a:prstGeom>
+          <a:noFill/>
+          <a:ln w="9525">
+            <a:noFill/>
+            <a:headEnd/>
+            <a:tailEnd/>
+          </a:ln>
+        </p:spPr>
+      </p:pic>
+    </p:spTree>
+  </p:cSld>
+</p:sld>
+</file>
+
+<file path=ppt/slides/slide31.xml><?xml version="1.0" encoding="utf-8"?>
+<p:sld xmlns:a="http://schemas.openxmlformats.org/drawingml/2006/main" xmlns:r="http://schemas.openxmlformats.org/officeDocument/2006/relationships" xmlns:p="http://schemas.openxmlformats.org/presentationml/2006/main">
+  <p:cSld>
+    <p:spTree>
+      <p:nvGrpSpPr>
+        <p:cNvPr id="1" name=""/>
+        <p:cNvGrpSpPr/>
+        <p:nvPr/>
+      </p:nvGrpSpPr>
+      <p:grpSpPr>
+        <a:xfrm>
+          <a:off x="0" y="0"/>
+          <a:ext cx="0" cy="0"/>
+          <a:chOff x="0" y="0"/>
+          <a:chExt cx="0" cy="0"/>
+        </a:xfrm>
+      </p:grpSpPr>
+      <p:sp>
+        <p:nvSpPr>
+          <p:cNvPr id="2" name="Title 1"/>
+          <p:cNvSpPr>
+            <a:spLocks noGrp="1"/>
+          </p:cNvSpPr>
+          <p:nvPr>
+            <p:ph type="title"/>
+          </p:nvPr>
+        </p:nvSpPr>
+        <p:spPr/>
+        <p:txBody>
+          <a:bodyPr/>
+          <a:lstStyle/>
+          <a:p>
+            <a:pPr lvl="0" indent="0" marL="0">
+              <a:buNone/>
+            </a:pPr>
+            <a:r>
+              <a:rPr/>
+              <a:t>RF Confusion Matrix</a:t>
+            </a:r>
+          </a:p>
+        </p:txBody>
+      </p:sp>
+      <p:pic>
+        <p:nvPicPr>
+          <p:cNvPr descr="powerpoint_files/figure-pptx/unnamed-chunk-11-1.png" id="0" name="Picture 1"/>
+          <p:cNvPicPr>
+            <a:picLocks noGrp="1" noChangeAspect="1"/>
+          </p:cNvPicPr>
+          <p:nvPr/>
+        </p:nvPicPr>
+        <p:blipFill>
+          <a:blip r:embed="rId2"/>
+          <a:stretch>
+            <a:fillRect/>
+          </a:stretch>
+        </p:blipFill>
+        <p:spPr bwMode="auto">
+          <a:xfrm>
+            <a:off x="1574800" y="2159000"/>
+            <a:ext cx="6781800" cy="3873500"/>
+          </a:xfrm>
+          <a:prstGeom prst="rect">
+            <a:avLst/>
+          </a:prstGeom>
+          <a:noFill/>
+          <a:ln w="9525">
+            <a:noFill/>
+            <a:headEnd/>
+            <a:tailEnd/>
+          </a:ln>
+        </p:spPr>
+      </p:pic>
+    </p:spTree>
+  </p:cSld>
+</p:sld>
+</file>
+
+<file path=ppt/slides/slide32.xml><?xml version="1.0" encoding="utf-8"?>
+<p:sld xmlns:a="http://schemas.openxmlformats.org/drawingml/2006/main" xmlns:r="http://schemas.openxmlformats.org/officeDocument/2006/relationships" xmlns:p="http://schemas.openxmlformats.org/presentationml/2006/main">
+  <p:cSld>
+    <p:spTree>
+      <p:nvGrpSpPr>
+        <p:cNvPr id="1" name=""/>
+        <p:cNvGrpSpPr/>
+        <p:nvPr/>
+      </p:nvGrpSpPr>
+      <p:grpSpPr>
+        <a:xfrm>
+          <a:off x="0" y="0"/>
+          <a:ext cx="0" cy="0"/>
+          <a:chOff x="0" y="0"/>
+          <a:chExt cx="0" cy="0"/>
+        </a:xfrm>
+      </p:grpSpPr>
+      <p:sp>
+        <p:nvSpPr>
+          <p:cNvPr id="2" name="Title 1"/>
+          <p:cNvSpPr>
+            <a:spLocks noGrp="1"/>
+          </p:cNvSpPr>
+          <p:nvPr>
+            <p:ph type="title"/>
+          </p:nvPr>
+        </p:nvSpPr>
+        <p:spPr/>
+        <p:txBody>
+          <a:bodyPr/>
+          <a:lstStyle/>
+          <a:p>
+            <a:pPr lvl="0" indent="0" marL="0">
+              <a:buNone/>
+            </a:pPr>
+            <a:r>
+              <a:rPr/>
+              <a:t>Regression Analysis: Ethan</a:t>
+            </a:r>
+          </a:p>
+        </p:txBody>
+      </p:sp>
+      <p:sp>
+        <p:nvSpPr>
+          <p:cNvPr id="3" name="Content Placeholder 2"/>
+          <p:cNvSpPr>
+            <a:spLocks noGrp="1"/>
+          </p:cNvSpPr>
+          <p:nvPr>
+            <p:ph idx="1"/>
+          </p:nvPr>
+        </p:nvSpPr>
+        <p:spPr/>
+        <p:txBody>
+          <a:bodyPr/>
+          <a:lstStyle/>
+          <a:p>
+            <a:pPr lvl="0"/>
+            <a:r>
+              <a:rPr/>
+              <a:t>Austin Top 5 Importance Variables</a:t>
+            </a:r>
+          </a:p>
+          <a:p>
+            <a:pPr lvl="1"/>
+            <a:r>
+              <a:rPr/>
+              <a:t>*area_mean</a:t>
+            </a:r>
+          </a:p>
+          <a:p>
+            <a:pPr lvl="1"/>
+            <a:r>
+              <a:rPr/>
+              <a:t>*area_worst</a:t>
+            </a:r>
+          </a:p>
+          <a:p>
+            <a:pPr lvl="1"/>
+            <a:r>
+              <a:rPr/>
+              <a:t>*concave.points_mean</a:t>
+            </a:r>
+          </a:p>
+          <a:p>
+            <a:pPr lvl="1"/>
+            <a:r>
+              <a:rPr/>
+              <a:t>texture_mean</a:t>
+            </a:r>
+          </a:p>
+          <a:p>
+            <a:pPr lvl="1"/>
+            <a:r>
+              <a:rPr/>
+              <a:t>*radius_worst</a:t>
+            </a:r>
+          </a:p>
+          <a:p>
+            <a:pPr lvl="0"/>
+            <a:r>
+              <a:rPr/>
+              <a:t>Danny Top 5 Importance Variables</a:t>
+            </a:r>
+          </a:p>
+          <a:p>
+            <a:pPr lvl="1"/>
+            <a:r>
+              <a:rPr/>
+              <a:t>concave.points_worst</a:t>
+            </a:r>
+          </a:p>
+          <a:p>
+            <a:pPr lvl="1"/>
+            <a:r>
+              <a:rPr/>
+              <a:t>*concave.points_mean</a:t>
+            </a:r>
+          </a:p>
+          <a:p>
+            <a:pPr lvl="1"/>
+            <a:r>
+              <a:rPr/>
+              <a:t>*area_worst</a:t>
+            </a:r>
+          </a:p>
+          <a:p>
+            <a:pPr lvl="1"/>
+            <a:r>
+              <a:rPr/>
+              <a:t>*area_mean</a:t>
+            </a:r>
+          </a:p>
+          <a:p>
+            <a:pPr lvl="1"/>
+            <a:r>
+              <a:rPr/>
+              <a:t>*radius_worst</a:t>
+            </a:r>
+          </a:p>
+        </p:txBody>
+      </p:sp>
+    </p:spTree>
+  </p:cSld>
+</p:sld>
+</file>
+
+<file path=ppt/slides/slide33.xml><?xml version="1.0" encoding="utf-8"?>
+<p:sld xmlns:a="http://schemas.openxmlformats.org/drawingml/2006/main" xmlns:r="http://schemas.openxmlformats.org/officeDocument/2006/relationships" xmlns:p="http://schemas.openxmlformats.org/presentationml/2006/main">
+  <p:cSld>
+    <p:spTree>
+      <p:nvGrpSpPr>
+        <p:cNvPr id="1" name=""/>
+        <p:cNvGrpSpPr/>
+        <p:nvPr/>
+      </p:nvGrpSpPr>
+      <p:grpSpPr>
+        <a:xfrm>
+          <a:off x="0" y="0"/>
+          <a:ext cx="0" cy="0"/>
+          <a:chOff x="0" y="0"/>
+          <a:chExt cx="0" cy="0"/>
+        </a:xfrm>
+      </p:grpSpPr>
+      <p:sp>
+        <p:nvSpPr>
+          <p:cNvPr id="2" name="Title 1"/>
+          <p:cNvSpPr>
+            <a:spLocks noGrp="1"/>
+          </p:cNvSpPr>
+          <p:nvPr>
+            <p:ph type="title"/>
+          </p:nvPr>
+        </p:nvSpPr>
+        <p:spPr/>
+        <p:txBody>
+          <a:bodyPr/>
+          <a:lstStyle/>
+          <a:p>
+            <a:pPr lvl="0" indent="0" marL="0">
+              <a:buNone/>
+            </a:pPr>
+            <a:r>
+              <a:rPr/>
+              <a:t>Correlation Plot</a:t>
+            </a:r>
+          </a:p>
+        </p:txBody>
+      </p:sp>
+      <p:pic>
+        <p:nvPicPr>
+          <p:cNvPr descr="powerpoint_files/figure-pptx/unnamed-chunk-14-1.png" id="0" name="Picture 1"/>
+          <p:cNvPicPr>
+            <a:picLocks noGrp="1" noChangeAspect="1"/>
+          </p:cNvPicPr>
+          <p:nvPr/>
+        </p:nvPicPr>
+        <p:blipFill>
+          <a:blip r:embed="rId2"/>
+          <a:stretch>
+            <a:fillRect/>
+          </a:stretch>
+        </p:blipFill>
+        <p:spPr bwMode="auto">
+          <a:xfrm>
+            <a:off x="1574800" y="2159000"/>
+            <a:ext cx="6781800" cy="3873500"/>
+          </a:xfrm>
+          <a:prstGeom prst="rect">
+            <a:avLst/>
+          </a:prstGeom>
+          <a:noFill/>
+          <a:ln w="9525">
+            <a:noFill/>
+            <a:headEnd/>
+            <a:tailEnd/>
+          </a:ln>
+        </p:spPr>
+      </p:pic>
+    </p:spTree>
+  </p:cSld>
+</p:sld>
+</file>
+
+<file path=ppt/slides/slide34.xml><?xml version="1.0" encoding="utf-8"?>
+<p:sld xmlns:a="http://schemas.openxmlformats.org/drawingml/2006/main" xmlns:r="http://schemas.openxmlformats.org/officeDocument/2006/relationships" xmlns:p="http://schemas.openxmlformats.org/presentationml/2006/main">
+  <p:cSld>
+    <p:spTree>
+      <p:nvGrpSpPr>
+        <p:cNvPr id="1" name=""/>
+        <p:cNvGrpSpPr/>
+        <p:nvPr/>
+      </p:nvGrpSpPr>
+      <p:grpSpPr>
+        <a:xfrm>
+          <a:off x="0" y="0"/>
+          <a:ext cx="0" cy="0"/>
+          <a:chOff x="0" y="0"/>
+          <a:chExt cx="0" cy="0"/>
+        </a:xfrm>
+      </p:grpSpPr>
+      <p:sp>
+        <p:nvSpPr>
+          <p:cNvPr id="2" name="Title 1"/>
+          <p:cNvSpPr>
+            <a:spLocks noGrp="1"/>
+          </p:cNvSpPr>
+          <p:nvPr>
+            <p:ph type="title"/>
+          </p:nvPr>
+        </p:nvSpPr>
+        <p:spPr/>
+        <p:txBody>
+          <a:bodyPr/>
+          <a:lstStyle/>
+          <a:p>
+            <a:pPr lvl="0" indent="0" marL="0">
+              <a:buNone/>
+            </a:pPr>
+            <a:r>
+              <a:rPr/>
+              <a:t>Models</a:t>
+            </a:r>
+          </a:p>
+        </p:txBody>
+      </p:sp>
+      <p:sp>
+        <p:nvSpPr>
+          <p:cNvPr id="3" name="Content Placeholder 2"/>
+          <p:cNvSpPr>
+            <a:spLocks noGrp="1"/>
+          </p:cNvSpPr>
+          <p:nvPr>
+            <p:ph idx="1"/>
+          </p:nvPr>
+        </p:nvSpPr>
+        <p:spPr/>
+        <p:txBody>
+          <a:bodyPr/>
+          <a:lstStyle/>
+          <a:p>
+            <a:pPr lvl="0"/>
+            <a:r>
+              <a:rPr/>
+              <a:t>Calculating Training and Test Set Error</a:t>
+            </a:r>
+          </a:p>
+          <a:p>
+            <a:pPr lvl="1"/>
+            <a:r>
+              <a:rPr/>
+              <a:t>Linear Regression</a:t>
+            </a:r>
+          </a:p>
+          <a:p>
+            <a:pPr lvl="1"/>
+            <a:r>
+              <a:rPr/>
+              <a:t>Ridge Regression</a:t>
+            </a:r>
+          </a:p>
+          <a:p>
+            <a:pPr lvl="1"/>
+            <a:r>
+              <a:rPr/>
+              <a:t>Lasso Regression</a:t>
+            </a:r>
+          </a:p>
+        </p:txBody>
+      </p:sp>
+    </p:spTree>
+  </p:cSld>
+</p:sld>
+</file>
+
+<file path=ppt/slides/slide35.xml><?xml version="1.0" encoding="utf-8"?>
+<p:sld xmlns:a="http://schemas.openxmlformats.org/drawingml/2006/main" xmlns:r="http://schemas.openxmlformats.org/officeDocument/2006/relationships" xmlns:p="http://schemas.openxmlformats.org/presentationml/2006/main">
+  <p:cSld>
+    <p:spTree>
+      <p:nvGrpSpPr>
+        <p:cNvPr id="1" name=""/>
+        <p:cNvGrpSpPr/>
+        <p:nvPr/>
+      </p:nvGrpSpPr>
+      <p:grpSpPr>
+        <a:xfrm>
+          <a:off x="0" y="0"/>
+          <a:ext cx="0" cy="0"/>
+          <a:chOff x="0" y="0"/>
+          <a:chExt cx="0" cy="0"/>
+        </a:xfrm>
+      </p:grpSpPr>
+      <p:sp>
+        <p:nvSpPr>
+          <p:cNvPr id="2" name="Title 1"/>
+          <p:cNvSpPr>
+            <a:spLocks noGrp="1"/>
+          </p:cNvSpPr>
+          <p:nvPr>
+            <p:ph type="title"/>
+          </p:nvPr>
+        </p:nvSpPr>
+        <p:spPr/>
+        <p:txBody>
+          <a:bodyPr/>
+          <a:lstStyle/>
+          <a:p>
+            <a:pPr lvl="0" indent="0" marL="0">
+              <a:buNone/>
+            </a:pPr>
+            <a:r>
+              <a:rPr/>
+              <a:t>area_mean</a:t>
+            </a:r>
+          </a:p>
+        </p:txBody>
+      </p:sp>
+      <p:pic>
+        <p:nvPicPr>
+          <p:cNvPr descr="fig:  area_mean.png" id="0" name="Picture 1"/>
+          <p:cNvPicPr>
+            <a:picLocks noGrp="1" noChangeAspect="1"/>
+          </p:cNvPicPr>
+          <p:nvPr/>
+        </p:nvPicPr>
+        <p:blipFill>
+          <a:blip r:embed="rId2"/>
+          <a:stretch>
+            <a:fillRect/>
+          </a:stretch>
+        </p:blipFill>
+        <p:spPr bwMode="auto">
+          <a:xfrm>
+            <a:off x="673100" y="2362200"/>
+            <a:ext cx="8585200" cy="2946400"/>
+          </a:xfrm>
+          <a:prstGeom prst="rect">
+            <a:avLst/>
+          </a:prstGeom>
+          <a:noFill/>
+          <a:ln w="9525">
+            <a:noFill/>
+            <a:headEnd/>
+            <a:tailEnd/>
+          </a:ln>
+        </p:spPr>
+      </p:pic>
+      <p:sp>
+        <p:nvSpPr>
+          <p:cNvPr id="1" name="TextBox 3"/>
+          <p:cNvSpPr txBox="1"/>
+          <p:nvPr/>
+        </p:nvSpPr>
+        <p:spPr>
+          <a:xfrm>
+            <a:off x="673100" y="5524500"/>
+            <a:ext cx="8585200" cy="508000"/>
+          </a:xfrm>
+          <a:prstGeom prst="rect">
+            <a:avLst/>
+          </a:prstGeom>
+          <a:noFill/>
+        </p:spPr>
+        <p:txBody>
+          <a:bodyPr/>
+          <a:lstStyle/>
+          <a:p>
+            <a:pPr lvl="0" indent="0" marL="0" algn="ctr">
+              <a:buNone/>
+            </a:pPr>
+            <a:r>
+              <a:rPr/>
+              <a:t>Best Model was Ridge Regression</a:t>
+            </a:r>
+          </a:p>
+        </p:txBody>
+      </p:sp>
+    </p:spTree>
+  </p:cSld>
+</p:sld>
+</file>
+
+<file path=ppt/slides/slide36.xml><?xml version="1.0" encoding="utf-8"?>
+<p:sld xmlns:a="http://schemas.openxmlformats.org/drawingml/2006/main" xmlns:r="http://schemas.openxmlformats.org/officeDocument/2006/relationships" xmlns:p="http://schemas.openxmlformats.org/presentationml/2006/main">
+  <p:cSld>
+    <p:spTree>
+      <p:nvGrpSpPr>
+        <p:cNvPr id="1" name=""/>
+        <p:cNvGrpSpPr/>
+        <p:nvPr/>
+      </p:nvGrpSpPr>
+      <p:grpSpPr>
+        <a:xfrm>
+          <a:off x="0" y="0"/>
+          <a:ext cx="0" cy="0"/>
+          <a:chOff x="0" y="0"/>
+          <a:chExt cx="0" cy="0"/>
+        </a:xfrm>
+      </p:grpSpPr>
+      <p:sp>
+        <p:nvSpPr>
+          <p:cNvPr id="2" name="Title 1"/>
+          <p:cNvSpPr>
+            <a:spLocks noGrp="1"/>
+          </p:cNvSpPr>
+          <p:nvPr>
+            <p:ph type="title"/>
+          </p:nvPr>
+        </p:nvSpPr>
+        <p:spPr/>
+        <p:txBody>
+          <a:bodyPr/>
+          <a:lstStyle/>
+          <a:p>
+            <a:pPr lvl="0" indent="0" marL="0">
+              <a:buNone/>
+            </a:pPr>
+            <a:r>
+              <a:rPr/>
+              <a:t>area_worst</a:t>
+            </a:r>
+          </a:p>
+        </p:txBody>
+      </p:sp>
+      <p:pic>
+        <p:nvPicPr>
+          <p:cNvPr descr="fig:  area_worst.png" id="0" name="Picture 1"/>
+          <p:cNvPicPr>
+            <a:picLocks noGrp="1" noChangeAspect="1"/>
+          </p:cNvPicPr>
+          <p:nvPr/>
+        </p:nvPicPr>
+        <p:blipFill>
+          <a:blip r:embed="rId2"/>
+          <a:stretch>
+            <a:fillRect/>
+          </a:stretch>
+        </p:blipFill>
+        <p:spPr bwMode="auto">
+          <a:xfrm>
+            <a:off x="673100" y="2413000"/>
+            <a:ext cx="8585200" cy="2857500"/>
+          </a:xfrm>
+          <a:prstGeom prst="rect">
+            <a:avLst/>
+          </a:prstGeom>
+          <a:noFill/>
+          <a:ln w="9525">
+            <a:noFill/>
+            <a:headEnd/>
+            <a:tailEnd/>
+          </a:ln>
+        </p:spPr>
+      </p:pic>
+      <p:sp>
+        <p:nvSpPr>
+          <p:cNvPr id="1" name="TextBox 3"/>
+          <p:cNvSpPr txBox="1"/>
+          <p:nvPr/>
+        </p:nvSpPr>
+        <p:spPr>
+          <a:xfrm>
+            <a:off x="673100" y="5524500"/>
+            <a:ext cx="8585200" cy="508000"/>
+          </a:xfrm>
+          <a:prstGeom prst="rect">
+            <a:avLst/>
+          </a:prstGeom>
+          <a:noFill/>
+        </p:spPr>
+        <p:txBody>
+          <a:bodyPr/>
+          <a:lstStyle/>
+          <a:p>
+            <a:pPr lvl="0" indent="0" marL="0" algn="ctr">
+              <a:buNone/>
+            </a:pPr>
+            <a:r>
+              <a:rPr/>
+              <a:t>Best Model was Linear Regression</a:t>
+            </a:r>
+          </a:p>
+        </p:txBody>
+      </p:sp>
+    </p:spTree>
+  </p:cSld>
+</p:sld>
+</file>
+
+<file path=ppt/slides/slide37.xml><?xml version="1.0" encoding="utf-8"?>
+<p:sld xmlns:a="http://schemas.openxmlformats.org/drawingml/2006/main" xmlns:r="http://schemas.openxmlformats.org/officeDocument/2006/relationships" xmlns:p="http://schemas.openxmlformats.org/presentationml/2006/main">
+  <p:cSld>
+    <p:spTree>
+      <p:nvGrpSpPr>
+        <p:cNvPr id="1" name=""/>
+        <p:cNvGrpSpPr/>
+        <p:nvPr/>
+      </p:nvGrpSpPr>
+      <p:grpSpPr>
+        <a:xfrm>
+          <a:off x="0" y="0"/>
+          <a:ext cx="0" cy="0"/>
+          <a:chOff x="0" y="0"/>
+          <a:chExt cx="0" cy="0"/>
+        </a:xfrm>
+      </p:grpSpPr>
+      <p:sp>
+        <p:nvSpPr>
+          <p:cNvPr id="2" name="Title 1"/>
+          <p:cNvSpPr>
+            <a:spLocks noGrp="1"/>
+          </p:cNvSpPr>
+          <p:nvPr>
+            <p:ph type="title"/>
+          </p:nvPr>
+        </p:nvSpPr>
+        <p:spPr/>
+        <p:txBody>
+          <a:bodyPr/>
+          <a:lstStyle/>
+          <a:p>
+            <a:pPr lvl="0" indent="0" marL="0">
+              <a:buNone/>
+            </a:pPr>
+            <a:r>
+              <a:rPr/>
+              <a:t>concave.points_mean</a:t>
+            </a:r>
+          </a:p>
+        </p:txBody>
+      </p:sp>
+      <p:pic>
+        <p:nvPicPr>
+          <p:cNvPr descr="fig:  concave.points_mean.png" id="0" name="Picture 1"/>
+          <p:cNvPicPr>
+            <a:picLocks noGrp="1" noChangeAspect="1"/>
+          </p:cNvPicPr>
+          <p:nvPr/>
+        </p:nvPicPr>
+        <p:blipFill>
+          <a:blip r:embed="rId2"/>
+          <a:stretch>
+            <a:fillRect/>
+          </a:stretch>
+        </p:blipFill>
+        <p:spPr bwMode="auto">
+          <a:xfrm>
+            <a:off x="673100" y="2374900"/>
+            <a:ext cx="8585200" cy="2933700"/>
+          </a:xfrm>
+          <a:prstGeom prst="rect">
+            <a:avLst/>
+          </a:prstGeom>
+          <a:noFill/>
+          <a:ln w="9525">
+            <a:noFill/>
+            <a:headEnd/>
+            <a:tailEnd/>
+          </a:ln>
+        </p:spPr>
+      </p:pic>
+      <p:sp>
+        <p:nvSpPr>
+          <p:cNvPr id="1" name="TextBox 3"/>
+          <p:cNvSpPr txBox="1"/>
+          <p:nvPr/>
+        </p:nvSpPr>
+        <p:spPr>
+          <a:xfrm>
+            <a:off x="673100" y="5524500"/>
+            <a:ext cx="8585200" cy="508000"/>
+          </a:xfrm>
+          <a:prstGeom prst="rect">
+            <a:avLst/>
+          </a:prstGeom>
+          <a:noFill/>
+        </p:spPr>
+        <p:txBody>
+          <a:bodyPr/>
+          <a:lstStyle/>
+          <a:p>
+            <a:pPr lvl="0" indent="0" marL="0" algn="ctr">
+              <a:buNone/>
+            </a:pPr>
+            <a:r>
+              <a:rPr/>
+              <a:t>Best Model was Linear Regression</a:t>
+            </a:r>
+          </a:p>
+        </p:txBody>
+      </p:sp>
+    </p:spTree>
+  </p:cSld>
+</p:sld>
+</file>
+
+<file path=ppt/slides/slide38.xml><?xml version="1.0" encoding="utf-8"?>
+<p:sld xmlns:a="http://schemas.openxmlformats.org/drawingml/2006/main" xmlns:r="http://schemas.openxmlformats.org/officeDocument/2006/relationships" xmlns:p="http://schemas.openxmlformats.org/presentationml/2006/main">
+  <p:cSld>
+    <p:spTree>
+      <p:nvGrpSpPr>
+        <p:cNvPr id="1" name=""/>
+        <p:cNvGrpSpPr/>
+        <p:nvPr/>
+      </p:nvGrpSpPr>
+      <p:grpSpPr>
+        <a:xfrm>
+          <a:off x="0" y="0"/>
+          <a:ext cx="0" cy="0"/>
+          <a:chOff x="0" y="0"/>
+          <a:chExt cx="0" cy="0"/>
+        </a:xfrm>
+      </p:grpSpPr>
+      <p:sp>
+        <p:nvSpPr>
+          <p:cNvPr id="2" name="Title 1"/>
+          <p:cNvSpPr>
+            <a:spLocks noGrp="1"/>
+          </p:cNvSpPr>
+          <p:nvPr>
+            <p:ph type="title"/>
+          </p:nvPr>
+        </p:nvSpPr>
+        <p:spPr/>
+        <p:txBody>
+          <a:bodyPr/>
+          <a:lstStyle/>
+          <a:p>
+            <a:pPr lvl="0" indent="0" marL="0">
+              <a:buNone/>
+            </a:pPr>
+            <a:r>
+              <a:rPr/>
+              <a:t>radius_worst</a:t>
+            </a:r>
+          </a:p>
+        </p:txBody>
+      </p:sp>
+      <p:pic>
+        <p:nvPicPr>
+          <p:cNvPr descr="fig:  radius_worst.png" id="0" name="Picture 1"/>
+          <p:cNvPicPr>
+            <a:picLocks noGrp="1" noChangeAspect="1"/>
+          </p:cNvPicPr>
+          <p:nvPr/>
+        </p:nvPicPr>
+        <p:blipFill>
+          <a:blip r:embed="rId2"/>
+          <a:stretch>
+            <a:fillRect/>
+          </a:stretch>
+        </p:blipFill>
+        <p:spPr bwMode="auto">
+          <a:xfrm>
+            <a:off x="673100" y="2387600"/>
+            <a:ext cx="8585200" cy="2921000"/>
+          </a:xfrm>
+          <a:prstGeom prst="rect">
+            <a:avLst/>
+          </a:prstGeom>
+          <a:noFill/>
+          <a:ln w="9525">
+            <a:noFill/>
+            <a:headEnd/>
+            <a:tailEnd/>
+          </a:ln>
+        </p:spPr>
+      </p:pic>
+      <p:sp>
+        <p:nvSpPr>
+          <p:cNvPr id="1" name="TextBox 3"/>
+          <p:cNvSpPr txBox="1"/>
+          <p:nvPr/>
+        </p:nvSpPr>
+        <p:spPr>
+          <a:xfrm>
+            <a:off x="673100" y="5524500"/>
+            <a:ext cx="8585200" cy="508000"/>
+          </a:xfrm>
+          <a:prstGeom prst="rect">
+            <a:avLst/>
+          </a:prstGeom>
+          <a:noFill/>
+        </p:spPr>
+        <p:txBody>
+          <a:bodyPr/>
+          <a:lstStyle/>
+          <a:p>
+            <a:pPr lvl="0" indent="0" marL="0" algn="ctr">
+              <a:buNone/>
+            </a:pPr>
+            <a:r>
+              <a:rPr/>
+              <a:t>Best Model was Linear Regression</a:t>
+            </a:r>
+          </a:p>
+        </p:txBody>
+      </p:sp>
+    </p:spTree>
+  </p:cSld>
+</p:sld>
+</file>
+
+<file path=ppt/slides/slide39.xml><?xml version="1.0" encoding="utf-8"?>
+<p:sld xmlns:a="http://schemas.openxmlformats.org/drawingml/2006/main" xmlns:r="http://schemas.openxmlformats.org/officeDocument/2006/relationships" xmlns:p="http://schemas.openxmlformats.org/presentationml/2006/main">
+  <p:cSld>
+    <p:spTree>
+      <p:nvGrpSpPr>
+        <p:cNvPr id="1" name=""/>
+        <p:cNvGrpSpPr/>
+        <p:nvPr/>
+      </p:nvGrpSpPr>
+      <p:grpSpPr>
+        <a:xfrm>
+          <a:off x="0" y="0"/>
+          <a:ext cx="0" cy="0"/>
+          <a:chOff x="0" y="0"/>
+          <a:chExt cx="0" cy="0"/>
+        </a:xfrm>
+      </p:grpSpPr>
+      <p:sp>
+        <p:nvSpPr>
+          <p:cNvPr id="2" name="Title 1"/>
+          <p:cNvSpPr>
+            <a:spLocks noGrp="1"/>
+          </p:cNvSpPr>
+          <p:nvPr>
+            <p:ph type="title"/>
+          </p:nvPr>
+        </p:nvSpPr>
+        <p:spPr/>
+        <p:txBody>
+          <a:bodyPr/>
+          <a:lstStyle/>
+          <a:p>
+            <a:pPr lvl="0" indent="0" marL="0">
+              <a:buNone/>
+            </a:pPr>
+            <a:r>
+              <a:rPr/>
+              <a:t>Analysis Summary</a:t>
+            </a:r>
+          </a:p>
+        </p:txBody>
+      </p:sp>
+      <p:sp>
+        <p:nvSpPr>
+          <p:cNvPr id="3" name="Content Placeholder 2"/>
+          <p:cNvSpPr>
+            <a:spLocks noGrp="1"/>
+          </p:cNvSpPr>
+          <p:nvPr>
+            <p:ph idx="1"/>
+          </p:nvPr>
+        </p:nvSpPr>
+        <p:spPr/>
+        <p:txBody>
+          <a:bodyPr/>
+          <a:lstStyle/>
+          <a:p>
+            <a:pPr lvl="0"/>
+            <a:r>
+              <a:rPr/>
+              <a:t>Interpretation difficulties</a:t>
+            </a:r>
+          </a:p>
+          <a:p>
+            <a:pPr lvl="0"/>
+            <a:r>
+              <a:rPr/>
+              <a:t>High prediction accuracy</a:t>
+            </a:r>
+          </a:p>
+          <a:p>
+            <a:pPr lvl="0"/>
+            <a:r>
+              <a:rPr/>
+              <a:t>Successful with multiple methods of reducing Type II Error</a:t>
+            </a:r>
+          </a:p>
+        </p:txBody>
+      </p:sp>
+    </p:spTree>
+  </p:cSld>
+</p:sld>
+</file>
+
+<file path=ppt/slides/slide4.xml><?xml version="1.0" encoding="utf-8"?>
+<p:sld xmlns:a="http://schemas.openxmlformats.org/drawingml/2006/main" xmlns:r="http://schemas.openxmlformats.org/officeDocument/2006/relationships" xmlns:p="http://schemas.openxmlformats.org/presentationml/2006/main">
+  <p:cSld>
+    <p:spTree>
+      <p:nvGrpSpPr>
+        <p:cNvPr id="1" name=""/>
+        <p:cNvGrpSpPr/>
+        <p:nvPr/>
+      </p:nvGrpSpPr>
+      <p:grpSpPr>
+        <a:xfrm>
+          <a:off x="0" y="0"/>
+          <a:ext cx="0" cy="0"/>
+          <a:chOff x="0" y="0"/>
+          <a:chExt cx="0" cy="0"/>
+        </a:xfrm>
+      </p:grpSpPr>
+      <p:sp>
+        <p:nvSpPr>
+          <p:cNvPr id="2" name="Title 1"/>
+          <p:cNvSpPr>
+            <a:spLocks noGrp="1"/>
+          </p:cNvSpPr>
+          <p:nvPr>
+            <p:ph type="title"/>
+          </p:nvPr>
+        </p:nvSpPr>
+        <p:spPr/>
+        <p:txBody>
+          <a:bodyPr/>
+          <a:lstStyle/>
+          <a:p>
+            <a:pPr lvl="0" indent="0" marL="0">
+              <a:buNone/>
+            </a:pPr>
+            <a:r>
+              <a:rPr/>
+              <a:t>Variable Descriptions</a:t>
+            </a:r>
+          </a:p>
+        </p:txBody>
+      </p:sp>
+      <p:sp>
+        <p:nvSpPr>
+          <p:cNvPr id="3" name="Content Placeholder 2"/>
+          <p:cNvSpPr>
+            <a:spLocks noGrp="1"/>
+          </p:cNvSpPr>
+          <p:nvPr>
+            <p:ph idx="1"/>
+          </p:nvPr>
+        </p:nvSpPr>
+        <p:spPr/>
+        <p:txBody>
+          <a:bodyPr/>
+          <a:lstStyle/>
+          <a:p>
+            <a:pPr lvl="0"/>
+            <a:r>
+              <a:rPr/>
+              <a:t>Radius: Average Distance from cell center to cell perimeter</a:t>
+            </a:r>
+          </a:p>
+          <a:p>
+            <a:pPr lvl="0"/>
+            <a:r>
+              <a:rPr/>
+              <a:t>Texture: Standard deviation of gray-scale values; brightness of pixel of cell</a:t>
+            </a:r>
+          </a:p>
+          <a:p>
+            <a:pPr lvl="0"/>
+            <a:r>
+              <a:rPr/>
+              <a:t>Perimeter: Distance around nucleus boundary</a:t>
+            </a:r>
+          </a:p>
+          <a:p>
+            <a:pPr lvl="0"/>
+            <a:r>
+              <a:rPr/>
+              <a:t>Area: Area of the nucleus</a:t>
+            </a:r>
+          </a:p>
+          <a:p>
+            <a:pPr lvl="0"/>
+            <a:r>
+              <a:rPr/>
+              <a:t>Smoothness: Variation in cell’s radial lengths</a:t>
+            </a:r>
+          </a:p>
+          <a:p>
+            <a:pPr lvl="0"/>
+            <a:r>
+              <a:rPr/>
+              <a:t>Compactness: The Perimeter^2/Area</a:t>
+            </a:r>
+          </a:p>
+          <a:p>
+            <a:pPr lvl="0"/>
+            <a:r>
+              <a:rPr/>
+              <a:t>Concavity: Size of the indention in nucleus boundary</a:t>
+            </a:r>
+          </a:p>
+          <a:p>
+            <a:pPr lvl="0"/>
+            <a:r>
+              <a:rPr/>
+              <a:t>Concave Points: Number of points on indented section of nucleus boundary</a:t>
+            </a:r>
+          </a:p>
+          <a:p>
+            <a:pPr lvl="0"/>
+            <a:r>
+              <a:rPr/>
+              <a:t>Symmetry: Deviation of the nuclei shape from the ideal measurement</a:t>
+            </a:r>
+          </a:p>
+          <a:p>
+            <a:pPr lvl="0"/>
+            <a:r>
+              <a:rPr/>
+              <a:t>Fractal Dimension: Measurement of irregularity in nucleus boundary</a:t>
+            </a:r>
+          </a:p>
+        </p:txBody>
+      </p:sp>
+    </p:spTree>
+  </p:cSld>
+</p:sld>
+</file>
+
+<file path=ppt/slides/slide40.xml><?xml version="1.0" encoding="utf-8"?>
+<p:sld xmlns:a="http://schemas.openxmlformats.org/drawingml/2006/main" xmlns:r="http://schemas.openxmlformats.org/officeDocument/2006/relationships" xmlns:p="http://schemas.openxmlformats.org/presentationml/2006/main">
+  <p:cSld>
+    <p:spTree>
+      <p:nvGrpSpPr>
+        <p:cNvPr id="1" name=""/>
+        <p:cNvGrpSpPr/>
+        <p:nvPr/>
+      </p:nvGrpSpPr>
+      <p:grpSpPr>
+        <a:xfrm>
+          <a:off x="0" y="0"/>
+          <a:ext cx="0" cy="0"/>
+          <a:chOff x="0" y="0"/>
+          <a:chExt cx="0" cy="0"/>
+        </a:xfrm>
+      </p:grpSpPr>
+      <p:sp>
+        <p:nvSpPr>
+          <p:cNvPr id="2" name="Title 1"/>
+          <p:cNvSpPr>
+            <a:spLocks noGrp="1"/>
+          </p:cNvSpPr>
+          <p:nvPr>
+            <p:ph type="title"/>
+          </p:nvPr>
+        </p:nvSpPr>
+        <p:spPr/>
+        <p:txBody>
+          <a:bodyPr/>
+          <a:lstStyle/>
+          <a:p>
+            <a:pPr lvl="0" indent="0" marL="0">
+              <a:buNone/>
+            </a:pPr>
+            <a:r>
+              <a:rPr/>
+              <a:t>Potential Improvements</a:t>
+            </a:r>
+          </a:p>
+        </p:txBody>
+      </p:sp>
+      <p:sp>
+        <p:nvSpPr>
+          <p:cNvPr id="3" name="Content Placeholder 2"/>
+          <p:cNvSpPr>
+            <a:spLocks noGrp="1"/>
+          </p:cNvSpPr>
+          <p:nvPr>
+            <p:ph idx="1"/>
+          </p:nvPr>
+        </p:nvSpPr>
+        <p:spPr/>
+        <p:txBody>
+          <a:bodyPr/>
+          <a:lstStyle/>
+          <a:p>
+            <a:pPr lvl="0"/>
+            <a:r>
+              <a:rPr/>
+              <a:t>More data points (more observations)</a:t>
+            </a:r>
+          </a:p>
+          <a:p>
+            <a:pPr lvl="0"/>
+            <a:r>
+              <a:rPr/>
+              <a:t>More features (more variables)</a:t>
+            </a:r>
+          </a:p>
+          <a:p>
+            <a:pPr lvl="0"/>
+            <a:r>
+              <a:rPr/>
+              <a:t>More proccessing power</a:t>
+            </a:r>
+          </a:p>
+        </p:txBody>
+      </p:sp>
+    </p:spTree>
+  </p:cSld>
+</p:sld>
+</file>
+
+<file path=ppt/slides/slide41.xml><?xml version="1.0" encoding="utf-8"?>
+<p:sld xmlns:a="http://schemas.openxmlformats.org/drawingml/2006/main" xmlns:r="http://schemas.openxmlformats.org/officeDocument/2006/relationships" xmlns:p="http://schemas.openxmlformats.org/presentationml/2006/main">
+  <p:cSld>
+    <p:spTree>
+      <p:nvGrpSpPr>
+        <p:cNvPr id="1" name=""/>
+        <p:cNvGrpSpPr/>
+        <p:nvPr/>
+      </p:nvGrpSpPr>
+      <p:grpSpPr>
+        <a:xfrm>
+          <a:off x="0" y="0"/>
+          <a:ext cx="0" cy="0"/>
+          <a:chOff x="0" y="0"/>
+          <a:chExt cx="0" cy="0"/>
+        </a:xfrm>
+      </p:grpSpPr>
+      <p:sp>
+        <p:nvSpPr>
+          <p:cNvPr id="2" name="Title 1"/>
+          <p:cNvSpPr>
+            <a:spLocks noGrp="1"/>
+          </p:cNvSpPr>
+          <p:nvPr>
+            <p:ph type="title"/>
+          </p:nvPr>
+        </p:nvSpPr>
+        <p:spPr/>
+        <p:txBody>
+          <a:bodyPr/>
+          <a:lstStyle/>
+          <a:p>
+            <a:pPr lvl="0" indent="0" marL="0">
+              <a:buNone/>
+            </a:pPr>
+            <a:r>
+              <a:rPr/>
+              <a:t>Works Cited</a:t>
+            </a:r>
+          </a:p>
+        </p:txBody>
+      </p:sp>
+      <p:sp>
+        <p:nvSpPr>
+          <p:cNvPr id="3" name="Content Placeholder 2"/>
+          <p:cNvSpPr>
+            <a:spLocks noGrp="1"/>
+          </p:cNvSpPr>
+          <p:nvPr>
+            <p:ph idx="1"/>
+          </p:nvPr>
+        </p:nvSpPr>
+        <p:spPr/>
+        <p:txBody>
+          <a:bodyPr/>
+          <a:lstStyle/>
+          <a:p>
+            <a:pPr lvl="0"/>
+            <a:r>
+              <a:rPr/>
+              <a:t>Breast Cancer Wisconsin (Diagnostic) Data Set:</a:t>
+            </a:r>
+          </a:p>
+          <a:p>
+            <a:pPr lvl="1"/>
+            <a:r>
+              <a:rPr>
+                <a:hlinkClick r:id="rId2"/>
+              </a:rPr>
+              <a:t>https://www.kaggle.com/datasets/uciml/breast-cancer-wisconsin-data?datasetId=180&amp;sortBy=voteCount</a:t>
+            </a:r>
+          </a:p>
+          <a:p>
+            <a:pPr lvl="0"/>
+            <a:r>
+              <a:rPr/>
+              <a:t>Definition of Features (Variables):</a:t>
+            </a:r>
+          </a:p>
+          <a:p>
+            <a:pPr lvl="1"/>
+            <a:r>
+              <a:rPr>
+                <a:hlinkClick r:id="rId3"/>
+              </a:rPr>
+              <a:t>https://www.causeweb.org/usproc/sites/default/files/usclap/2017-2/Evaluating_Benign_and_Malignant_Breast_Cancer_Cells_from_Fine-Needle_Aspirates.pdf</a:t>
+            </a:r>
+          </a:p>
+        </p:txBody>
+      </p:sp>
+    </p:spTree>
+  </p:cSld>
+</p:sld>
+</file>
+
+<file path=ppt/slides/slide5.xml><?xml version="1.0" encoding="utf-8"?>
+<p:sld xmlns:a="http://schemas.openxmlformats.org/drawingml/2006/main" xmlns:r="http://schemas.openxmlformats.org/officeDocument/2006/relationships" xmlns:p="http://schemas.openxmlformats.org/presentationml/2006/main">
+  <p:cSld>
+    <p:spTree>
+      <p:nvGrpSpPr>
+        <p:cNvPr id="1" name=""/>
+        <p:cNvGrpSpPr/>
+        <p:nvPr/>
+      </p:nvGrpSpPr>
+      <p:grpSpPr>
+        <a:xfrm>
+          <a:off x="0" y="0"/>
+          <a:ext cx="0" cy="0"/>
+          <a:chOff x="0" y="0"/>
+          <a:chExt cx="0" cy="0"/>
+        </a:xfrm>
+      </p:grpSpPr>
+      <p:sp>
+        <p:nvSpPr>
+          <p:cNvPr id="2" name="Title 1"/>
+          <p:cNvSpPr>
+            <a:spLocks noGrp="1"/>
+          </p:cNvSpPr>
+          <p:nvPr>
+            <p:ph type="title"/>
+          </p:nvPr>
+        </p:nvSpPr>
+        <p:spPr/>
+        <p:txBody>
+          <a:bodyPr/>
+          <a:lstStyle/>
+          <a:p>
+            <a:pPr lvl="0" indent="0" marL="0">
+              <a:buNone/>
+            </a:pPr>
+            <a:r>
+              <a:rPr/>
+              <a:t>EDA</a:t>
+            </a:r>
+          </a:p>
+        </p:txBody>
+      </p:sp>
+      <p:pic>
+        <p:nvPicPr>
+          <p:cNvPr descr="powerpoint_files/figure-pptx/unnamed-chunk-1-1.png" id="0" name="Picture 1"/>
+          <p:cNvPicPr>
+            <a:picLocks noGrp="1" noChangeAspect="1"/>
+          </p:cNvPicPr>
+          <p:nvPr/>
+        </p:nvPicPr>
+        <p:blipFill>
+          <a:blip r:embed="rId2"/>
+          <a:stretch>
+            <a:fillRect/>
+          </a:stretch>
+        </p:blipFill>
+        <p:spPr bwMode="auto">
+          <a:xfrm>
+            <a:off x="1574800" y="2159000"/>
+            <a:ext cx="6781800" cy="3873500"/>
+          </a:xfrm>
+          <a:prstGeom prst="rect">
+            <a:avLst/>
+          </a:prstGeom>
+          <a:noFill/>
+          <a:ln w="9525">
+            <a:noFill/>
+            <a:headEnd/>
+            <a:tailEnd/>
+          </a:ln>
+        </p:spPr>
+      </p:pic>
+    </p:spTree>
+  </p:cSld>
+</p:sld>
+</file>
+
+<file path=ppt/slides/slide6.xml><?xml version="1.0" encoding="utf-8"?>
+<p:sld xmlns:a="http://schemas.openxmlformats.org/drawingml/2006/main" xmlns:r="http://schemas.openxmlformats.org/officeDocument/2006/relationships" xmlns:p="http://schemas.openxmlformats.org/presentationml/2006/main">
+  <p:cSld>
+    <p:spTree>
+      <p:nvGrpSpPr>
+        <p:cNvPr id="1" name=""/>
+        <p:cNvGrpSpPr/>
+        <p:nvPr/>
+      </p:nvGrpSpPr>
+      <p:grpSpPr>
+        <a:xfrm>
+          <a:off x="0" y="0"/>
+          <a:ext cx="0" cy="0"/>
+          <a:chOff x="0" y="0"/>
+          <a:chExt cx="0" cy="0"/>
+        </a:xfrm>
+      </p:grpSpPr>
+      <p:sp>
+        <p:nvSpPr>
+          <p:cNvPr id="2" name="Title 1"/>
+          <p:cNvSpPr>
+            <a:spLocks noGrp="1"/>
+          </p:cNvSpPr>
+          <p:nvPr>
+            <p:ph type="title"/>
+          </p:nvPr>
+        </p:nvSpPr>
+        <p:spPr/>
+        <p:txBody>
+          <a:bodyPr/>
+          <a:lstStyle/>
+          <a:p>
+            <a:pPr lvl="0" indent="0" marL="0">
+              <a:buNone/>
+            </a:pPr>
+            <a:r>
+              <a:rPr/>
+              <a:t>EDA</a:t>
+            </a:r>
+          </a:p>
+        </p:txBody>
+      </p:sp>
+      <p:pic>
+        <p:nvPicPr>
+          <p:cNvPr descr="powerpoint_files/figure-pptx/unnamed-chunk-2-1.png" id="0" name="Picture 1"/>
+          <p:cNvPicPr>
+            <a:picLocks noGrp="1" noChangeAspect="1"/>
+          </p:cNvPicPr>
+          <p:nvPr/>
+        </p:nvPicPr>
+        <p:blipFill>
+          <a:blip r:embed="rId2"/>
+          <a:stretch>
+            <a:fillRect/>
+          </a:stretch>
+        </p:blipFill>
+        <p:spPr bwMode="auto">
+          <a:xfrm>
+            <a:off x="1574800" y="2159000"/>
+            <a:ext cx="6781800" cy="3873500"/>
+          </a:xfrm>
+          <a:prstGeom prst="rect">
+            <a:avLst/>
+          </a:prstGeom>
+          <a:noFill/>
+          <a:ln w="9525">
+            <a:noFill/>
+            <a:headEnd/>
+            <a:tailEnd/>
+          </a:ln>
+        </p:spPr>
+      </p:pic>
+    </p:spTree>
+  </p:cSld>
+</p:sld>
+</file>
+
+<file path=ppt/slides/slide7.xml><?xml version="1.0" encoding="utf-8"?>
+<p:sld xmlns:a="http://schemas.openxmlformats.org/drawingml/2006/main" xmlns:r="http://schemas.openxmlformats.org/officeDocument/2006/relationships" xmlns:p="http://schemas.openxmlformats.org/presentationml/2006/main">
+  <p:cSld>
+    <p:spTree>
+      <p:nvGrpSpPr>
+        <p:cNvPr id="1" name=""/>
+        <p:cNvGrpSpPr/>
+        <p:nvPr/>
+      </p:nvGrpSpPr>
+      <p:grpSpPr>
+        <a:xfrm>
+          <a:off x="0" y="0"/>
+          <a:ext cx="0" cy="0"/>
+          <a:chOff x="0" y="0"/>
+          <a:chExt cx="0" cy="0"/>
+        </a:xfrm>
+      </p:grpSpPr>
+      <p:sp>
+        <p:nvSpPr>
+          <p:cNvPr id="2" name="Title 1"/>
+          <p:cNvSpPr>
+            <a:spLocks noGrp="1"/>
+          </p:cNvSpPr>
+          <p:nvPr>
+            <p:ph type="title"/>
+          </p:nvPr>
+        </p:nvSpPr>
+        <p:spPr/>
+        <p:txBody>
+          <a:bodyPr/>
+          <a:lstStyle/>
+          <a:p>
+            <a:pPr lvl="0" indent="0" marL="0">
+              <a:buNone/>
+            </a:pPr>
+            <a:r>
+              <a:rPr/>
+              <a:t>Diagnosis Distribution</a:t>
+            </a:r>
+          </a:p>
+        </p:txBody>
+      </p:sp>
+      <p:pic>
+        <p:nvPicPr>
+          <p:cNvPr descr="powerpoint_files/figure-pptx/unnamed-chunk-4-1.png" id="0" name="Picture 1"/>
+          <p:cNvPicPr>
+            <a:picLocks noGrp="1" noChangeAspect="1"/>
+          </p:cNvPicPr>
+          <p:nvPr/>
+        </p:nvPicPr>
+        <p:blipFill>
+          <a:blip r:embed="rId2"/>
+          <a:stretch>
+            <a:fillRect/>
+          </a:stretch>
+        </p:blipFill>
+        <p:spPr bwMode="auto">
+          <a:xfrm>
+            <a:off x="1574800" y="2159000"/>
+            <a:ext cx="6781800" cy="3873500"/>
+          </a:xfrm>
+          <a:prstGeom prst="rect">
+            <a:avLst/>
+          </a:prstGeom>
+          <a:noFill/>
+          <a:ln w="9525">
+            <a:noFill/>
+            <a:headEnd/>
+            <a:tailEnd/>
+          </a:ln>
+        </p:spPr>
+      </p:pic>
+    </p:spTree>
+  </p:cSld>
+</p:sld>
+</file>
+
+<file path=ppt/slides/slide8.xml><?xml version="1.0" encoding="utf-8"?>
+<p:sld xmlns:a="http://schemas.openxmlformats.org/drawingml/2006/main" xmlns:r="http://schemas.openxmlformats.org/officeDocument/2006/relationships" xmlns:p="http://schemas.openxmlformats.org/presentationml/2006/main">
+  <p:cSld>
+    <p:spTree>
+      <p:nvGrpSpPr>
+        <p:cNvPr id="1" name=""/>
+        <p:cNvGrpSpPr/>
+        <p:nvPr/>
+      </p:nvGrpSpPr>
+      <p:grpSpPr>
+        <a:xfrm>
+          <a:off x="0" y="0"/>
+          <a:ext cx="0" cy="0"/>
+          <a:chOff x="0" y="0"/>
+          <a:chExt cx="0" cy="0"/>
+        </a:xfrm>
+      </p:grpSpPr>
+      <p:sp>
+        <p:nvSpPr>
+          <p:cNvPr id="2" name="Title 1"/>
+          <p:cNvSpPr>
+            <a:spLocks noGrp="1"/>
+          </p:cNvSpPr>
+          <p:nvPr>
+            <p:ph type="title"/>
+          </p:nvPr>
+        </p:nvSpPr>
+        <p:spPr/>
+        <p:txBody>
+          <a:bodyPr/>
+          <a:lstStyle/>
+          <a:p>
+            <a:pPr lvl="0" indent="0" marL="0">
+              <a:buNone/>
+            </a:pPr>
+            <a:r>
+              <a:rPr/>
+              <a:t>Classification Analysis: Austin</a:t>
+            </a:r>
+          </a:p>
+        </p:txBody>
+      </p:sp>
+    </p:spTree>
+  </p:cSld>
+</p:sld>
+</file>
+
+<file path=ppt/slides/slide9.xml><?xml version="1.0" encoding="utf-8"?>
+<p:sld xmlns:a="http://schemas.openxmlformats.org/drawingml/2006/main" xmlns:r="http://schemas.openxmlformats.org/officeDocument/2006/relationships" xmlns:p="http://schemas.openxmlformats.org/presentationml/2006/main">
+  <p:cSld>
+    <p:spTree>
+      <p:nvGrpSpPr>
+        <p:cNvPr id="1" name=""/>
+        <p:cNvGrpSpPr/>
+        <p:nvPr/>
+      </p:nvGrpSpPr>
+      <p:grpSpPr>
+        <a:xfrm>
+          <a:off x="0" y="0"/>
+          <a:ext cx="0" cy="0"/>
+          <a:chOff x="0" y="0"/>
+          <a:chExt cx="0" cy="0"/>
+        </a:xfrm>
+      </p:grpSpPr>
+      <p:sp>
+        <p:nvSpPr>
+          <p:cNvPr id="2" name="Title 1"/>
+          <p:cNvSpPr>
+            <a:spLocks noGrp="1"/>
+          </p:cNvSpPr>
+          <p:nvPr>
+            <p:ph type="title"/>
+          </p:nvPr>
+        </p:nvSpPr>
+        <p:spPr>
+          <a:xfrm>
+            <a:off x="677335" y="2700867"/>
+            <a:ext cx="8596668" cy="1826581"/>
+          </a:xfrm>
+        </p:spPr>
+        <p:txBody>
+          <a:bodyPr/>
+          <a:lstStyle/>
+          <a:p>
+            <a:pPr lvl="0" indent="0" marL="0">
+              <a:buNone/>
+            </a:pPr>
+            <a:r>
+              <a:rPr/>
+              <a:t>Models</a:t>
+            </a:r>
+          </a:p>
+        </p:txBody>
+      </p:sp>
     </p:spTree>
   </p:cSld>
 </p:sld>

--- a/powerpoint.pptx
+++ b/powerpoint.pptx
@@ -1,6 +1,6 @@
 
 <file path=ppt/presentation.xml><?xml version="1.0" encoding="utf-8"?>
-<p:presentation xmlns:a="http://schemas.openxmlformats.org/drawingml/2006/main" xmlns:p="http://schemas.openxmlformats.org/presentationml/2006/main" xmlns:r="http://schemas.openxmlformats.org/officeDocument/2006/relationships" autoCompressPictures="0" saveSubsetFonts="1">
+<p:presentation xmlns:a="http://schemas.openxmlformats.org/drawingml/2006/main" xmlns:r="http://schemas.openxmlformats.org/officeDocument/2006/relationships" xmlns:p="http://schemas.openxmlformats.org/presentationml/2006/main" saveSubsetFonts="1" autoCompressPictures="0">
   <p:sldMasterIdLst>
     <p:sldMasterId id="2147483952" r:id="rId1"/>
   </p:sldMasterIdLst>
@@ -53,8 +53,8 @@
     <a:defPPr>
       <a:defRPr lang="en-US"/>
     </a:defPPr>
-    <a:lvl1pPr algn="l" defTabSz="457200" eaLnBrk="1" hangingPunct="1" latinLnBrk="0" marL="0" rtl="0">
-      <a:defRPr kern="1200" sz="1800">
+    <a:lvl1pPr marL="0" algn="l" defTabSz="457200" rtl="0" eaLnBrk="1" latinLnBrk="0" hangingPunct="1">
+      <a:defRPr sz="1800" kern="1200">
         <a:solidFill>
           <a:schemeClr val="tx1"/>
         </a:solidFill>
@@ -63,8 +63,8 @@
         <a:cs typeface="+mn-cs"/>
       </a:defRPr>
     </a:lvl1pPr>
-    <a:lvl2pPr algn="l" defTabSz="457200" eaLnBrk="1" hangingPunct="1" latinLnBrk="0" marL="457200" rtl="0">
-      <a:defRPr kern="1200" sz="1800">
+    <a:lvl2pPr marL="457200" algn="l" defTabSz="457200" rtl="0" eaLnBrk="1" latinLnBrk="0" hangingPunct="1">
+      <a:defRPr sz="1800" kern="1200">
         <a:solidFill>
           <a:schemeClr val="tx1"/>
         </a:solidFill>
@@ -73,8 +73,8 @@
         <a:cs typeface="+mn-cs"/>
       </a:defRPr>
     </a:lvl2pPr>
-    <a:lvl3pPr algn="l" defTabSz="457200" eaLnBrk="1" hangingPunct="1" latinLnBrk="0" marL="914400" rtl="0">
-      <a:defRPr kern="1200" sz="1800">
+    <a:lvl3pPr marL="914400" algn="l" defTabSz="457200" rtl="0" eaLnBrk="1" latinLnBrk="0" hangingPunct="1">
+      <a:defRPr sz="1800" kern="1200">
         <a:solidFill>
           <a:schemeClr val="tx1"/>
         </a:solidFill>
@@ -83,8 +83,8 @@
         <a:cs typeface="+mn-cs"/>
       </a:defRPr>
     </a:lvl3pPr>
-    <a:lvl4pPr algn="l" defTabSz="457200" eaLnBrk="1" hangingPunct="1" latinLnBrk="0" marL="1371600" rtl="0">
-      <a:defRPr kern="1200" sz="1800">
+    <a:lvl4pPr marL="1371600" algn="l" defTabSz="457200" rtl="0" eaLnBrk="1" latinLnBrk="0" hangingPunct="1">
+      <a:defRPr sz="1800" kern="1200">
         <a:solidFill>
           <a:schemeClr val="tx1"/>
         </a:solidFill>
@@ -93,8 +93,8 @@
         <a:cs typeface="+mn-cs"/>
       </a:defRPr>
     </a:lvl4pPr>
-    <a:lvl5pPr algn="l" defTabSz="457200" eaLnBrk="1" hangingPunct="1" latinLnBrk="0" marL="1828800" rtl="0">
-      <a:defRPr kern="1200" sz="1800">
+    <a:lvl5pPr marL="1828800" algn="l" defTabSz="457200" rtl="0" eaLnBrk="1" latinLnBrk="0" hangingPunct="1">
+      <a:defRPr sz="1800" kern="1200">
         <a:solidFill>
           <a:schemeClr val="tx1"/>
         </a:solidFill>
@@ -103,8 +103,8 @@
         <a:cs typeface="+mn-cs"/>
       </a:defRPr>
     </a:lvl5pPr>
-    <a:lvl6pPr algn="l" defTabSz="457200" eaLnBrk="1" hangingPunct="1" latinLnBrk="0" marL="2286000" rtl="0">
-      <a:defRPr kern="1200" sz="1800">
+    <a:lvl6pPr marL="2286000" algn="l" defTabSz="457200" rtl="0" eaLnBrk="1" latinLnBrk="0" hangingPunct="1">
+      <a:defRPr sz="1800" kern="1200">
         <a:solidFill>
           <a:schemeClr val="tx1"/>
         </a:solidFill>
@@ -113,8 +113,8 @@
         <a:cs typeface="+mn-cs"/>
       </a:defRPr>
     </a:lvl6pPr>
-    <a:lvl7pPr algn="l" defTabSz="457200" eaLnBrk="1" hangingPunct="1" latinLnBrk="0" marL="2743200" rtl="0">
-      <a:defRPr kern="1200" sz="1800">
+    <a:lvl7pPr marL="2743200" algn="l" defTabSz="457200" rtl="0" eaLnBrk="1" latinLnBrk="0" hangingPunct="1">
+      <a:defRPr sz="1800" kern="1200">
         <a:solidFill>
           <a:schemeClr val="tx1"/>
         </a:solidFill>
@@ -123,8 +123,8 @@
         <a:cs typeface="+mn-cs"/>
       </a:defRPr>
     </a:lvl7pPr>
-    <a:lvl8pPr algn="l" defTabSz="457200" eaLnBrk="1" hangingPunct="1" latinLnBrk="0" marL="3200400" rtl="0">
-      <a:defRPr kern="1200" sz="1800">
+    <a:lvl8pPr marL="3200400" algn="l" defTabSz="457200" rtl="0" eaLnBrk="1" latinLnBrk="0" hangingPunct="1">
+      <a:defRPr sz="1800" kern="1200">
         <a:solidFill>
           <a:schemeClr val="tx1"/>
         </a:solidFill>
@@ -133,8 +133,8 @@
         <a:cs typeface="+mn-cs"/>
       </a:defRPr>
     </a:lvl8pPr>
-    <a:lvl9pPr algn="l" defTabSz="457200" eaLnBrk="1" hangingPunct="1" latinLnBrk="0" marL="3657600" rtl="0">
-      <a:defRPr kern="1200" sz="1800">
+    <a:lvl9pPr marL="3657600" algn="l" defTabSz="457200" rtl="0" eaLnBrk="1" latinLnBrk="0" hangingPunct="1">
+      <a:defRPr sz="1800" kern="1200">
         <a:solidFill>
           <a:schemeClr val="tx1"/>
         </a:solidFill>
@@ -4637,7 +4637,7 @@
 </file>
 
 <file path=ppt/slideMasters/slideMaster1.xml><?xml version="1.0" encoding="utf-8"?>
-<p:sldMaster xmlns:a="http://schemas.openxmlformats.org/drawingml/2006/main" xmlns:p="http://schemas.openxmlformats.org/presentationml/2006/main" xmlns:r="http://schemas.openxmlformats.org/officeDocument/2006/relationships">
+<p:sldMaster xmlns:a="http://schemas.openxmlformats.org/drawingml/2006/main" xmlns:r="http://schemas.openxmlformats.org/officeDocument/2006/relationships" xmlns:p="http://schemas.openxmlformats.org/presentationml/2006/main">
   <p:cSld>
     <p:bg>
       <p:bgRef idx="1001">
@@ -4762,9 +4762,9 @@
               <a:gdLst/>
               <a:ahLst/>
               <a:cxnLst/>
-              <a:rect b="b" l="l" r="r" t="t"/>
+              <a:rect l="l" t="t" r="r" b="b"/>
               <a:pathLst>
-                <a:path h="6866467" w="3007349">
+                <a:path w="3007349" h="6866467">
                   <a:moveTo>
                     <a:pt x="2045532" y="0"/>
                   </a:moveTo>
@@ -4825,9 +4825,9 @@
               <a:gdLst/>
               <a:ahLst/>
               <a:cxnLst/>
-              <a:rect b="b" l="l" r="r" t="t"/>
+              <a:rect l="l" t="t" r="r" b="b"/>
               <a:pathLst>
-                <a:path h="6866467" w="2573311">
+                <a:path w="2573311" h="6866467">
                   <a:moveTo>
                     <a:pt x="0" y="0"/>
                   </a:moveTo>
@@ -4885,7 +4885,7 @@
             </a:xfrm>
             <a:prstGeom prst="triangle">
               <a:avLst>
-                <a:gd fmla="val 100000" name="adj"/>
+                <a:gd name="adj" fmla="val 100000"/>
               </a:avLst>
             </a:prstGeom>
             <a:solidFill>
@@ -4929,9 +4929,9 @@
               <a:gdLst/>
               <a:ahLst/>
               <a:cxnLst/>
-              <a:rect b="b" l="l" r="r" t="t"/>
+              <a:rect l="l" t="t" r="r" b="b"/>
               <a:pathLst>
-                <a:path h="6866467" w="2858013">
+                <a:path w="2858013" h="6866467">
                   <a:moveTo>
                     <a:pt x="0" y="0"/>
                   </a:moveTo>
@@ -4993,9 +4993,9 @@
               <a:gdLst/>
               <a:ahLst/>
               <a:cxnLst/>
-              <a:rect b="b" l="l" r="r" t="t"/>
+              <a:rect l="l" t="t" r="r" b="b"/>
               <a:pathLst>
-                <a:path h="6858000" w="1290094">
+                <a:path w="1290094" h="6858000">
                   <a:moveTo>
                     <a:pt x="1019735" y="0"/>
                   </a:moveTo>
@@ -5057,9 +5057,9 @@
               <a:gdLst/>
               <a:ahLst/>
               <a:cxnLst/>
-              <a:rect b="b" l="l" r="r" t="t"/>
+              <a:rect l="l" t="t" r="r" b="b"/>
               <a:pathLst>
-                <a:path h="6858000" w="1249825">
+                <a:path w="1249825" h="6858000">
                   <a:moveTo>
                     <a:pt x="0" y="0"/>
                   </a:moveTo>
@@ -5118,7 +5118,7 @@
             </a:xfrm>
             <a:prstGeom prst="triangle">
               <a:avLst>
-                <a:gd fmla="val 100000" name="adj"/>
+                <a:gd name="adj" fmla="val 100000"/>
               </a:avLst>
             </a:prstGeom>
             <a:solidFill>
@@ -5160,7 +5160,7 @@
             </a:xfrm>
             <a:prstGeom prst="triangle">
               <a:avLst>
-                <a:gd fmla="val 0" name="adj"/>
+                <a:gd name="adj" fmla="val 0"/>
               </a:avLst>
             </a:prstGeom>
             <a:solidFill>
@@ -5210,7 +5210,7 @@
           </a:prstGeom>
         </p:spPr>
         <p:txBody>
-          <a:bodyPr anchor="t" bIns="45720" lIns="91440" rIns="91440" rtlCol="0" tIns="45720" vert="horz">
+          <a:bodyPr vert="horz" lIns="91440" tIns="45720" rIns="91440" bIns="45720" rtlCol="0" anchor="t">
             <a:normAutofit/>
           </a:bodyPr>
           <a:lstStyle/>
@@ -5219,7 +5219,7 @@
               <a:rPr lang="en-US"/>
               <a:t>Click to edit Master title style</a:t>
             </a:r>
-            <a:endParaRPr dirty="0" lang="en-US"/>
+            <a:endParaRPr lang="en-US" dirty="0"/>
           </a:p>
         </p:txBody>
       </p:sp>
@@ -5230,7 +5230,7 @@
             <a:spLocks noGrp="1"/>
           </p:cNvSpPr>
           <p:nvPr>
-            <p:ph idx="1" type="body"/>
+            <p:ph type="body" idx="1"/>
           </p:nvPr>
         </p:nvSpPr>
         <p:spPr>
@@ -5243,7 +5243,7 @@
           </a:prstGeom>
         </p:spPr>
         <p:txBody>
-          <a:bodyPr bIns="45720" lIns="91440" rIns="91440" rtlCol="0" tIns="45720" vert="horz">
+          <a:bodyPr vert="horz" lIns="91440" tIns="45720" rIns="91440" bIns="45720" rtlCol="0">
             <a:normAutofit/>
           </a:bodyPr>
           <a:lstStyle/>
@@ -5281,7 +5281,7 @@
               <a:rPr lang="en-US"/>
               <a:t>Fifth level</a:t>
             </a:r>
-            <a:endParaRPr dirty="0" lang="en-US"/>
+            <a:endParaRPr lang="en-US" dirty="0"/>
           </a:p>
         </p:txBody>
       </p:sp>
@@ -5292,7 +5292,7 @@
             <a:spLocks noGrp="1"/>
           </p:cNvSpPr>
           <p:nvPr>
-            <p:ph idx="2" sz="half" type="dt"/>
+            <p:ph type="dt" sz="half" idx="2"/>
           </p:nvPr>
         </p:nvSpPr>
         <p:spPr>
@@ -5305,7 +5305,7 @@
           </a:prstGeom>
         </p:spPr>
         <p:txBody>
-          <a:bodyPr anchor="ctr" bIns="45720" lIns="91440" rIns="91440" rtlCol="0" tIns="45720" vert="horz"/>
+          <a:bodyPr vert="horz" lIns="91440" tIns="45720" rIns="91440" bIns="45720" rtlCol="0" anchor="ctr"/>
           <a:lstStyle>
             <a:lvl1pPr algn="r">
               <a:defRPr sz="900">
@@ -5333,7 +5333,7 @@
             <a:spLocks noGrp="1"/>
           </p:cNvSpPr>
           <p:nvPr>
-            <p:ph idx="3" sz="quarter" type="ftr"/>
+            <p:ph type="ftr" sz="quarter" idx="3"/>
           </p:nvPr>
         </p:nvSpPr>
         <p:spPr>
@@ -5346,7 +5346,7 @@
           </a:prstGeom>
         </p:spPr>
         <p:txBody>
-          <a:bodyPr anchor="ctr" bIns="45720" lIns="91440" rIns="91440" rtlCol="0" tIns="45720" vert="horz"/>
+          <a:bodyPr vert="horz" lIns="91440" tIns="45720" rIns="91440" bIns="45720" rtlCol="0" anchor="ctr"/>
           <a:lstStyle>
             <a:lvl1pPr algn="l">
               <a:defRPr sz="900">
@@ -5370,7 +5370,7 @@
             <a:spLocks noGrp="1"/>
           </p:cNvSpPr>
           <p:nvPr>
-            <p:ph idx="4" sz="quarter" type="sldNum"/>
+            <p:ph type="sldNum" sz="quarter" idx="4"/>
           </p:nvPr>
         </p:nvSpPr>
         <p:spPr>
@@ -5383,7 +5383,7 @@
           </a:prstGeom>
         </p:spPr>
         <p:txBody>
-          <a:bodyPr anchor="ctr" bIns="45720" lIns="91440" rIns="91440" rtlCol="0" tIns="45720" vert="horz"/>
+          <a:bodyPr vert="horz" lIns="91440" tIns="45720" rIns="91440" bIns="45720" rtlCol="0" anchor="ctr"/>
           <a:lstStyle>
             <a:lvl1pPr algn="r">
               <a:defRPr sz="900">
@@ -5411,7 +5411,7 @@
       </p:ext>
     </p:extLst>
   </p:cSld>
-  <p:clrMap accent1="accent1" accent2="accent2" accent3="accent3" accent4="accent4" accent5="accent5" accent6="accent6" bg1="lt1" bg2="lt2" folHlink="folHlink" hlink="hlink" tx1="dk1" tx2="dk2"/>
+  <p:clrMap bg1="lt1" tx1="dk1" bg2="lt2" tx2="dk2" accent1="accent1" accent2="accent2" accent3="accent3" accent4="accent4" accent5="accent5" accent6="accent6" hlink="hlink" folHlink="folHlink"/>
   <p:sldLayoutIdLst>
     <p:sldLayoutId id="2147483953" r:id="rId1"/>
     <p:sldLayoutId id="2147483954" r:id="rId2"/>
@@ -5432,12 +5432,12 @@
   </p:sldLayoutIdLst>
   <p:txStyles>
     <p:titleStyle>
-      <a:lvl1pPr algn="l" defTabSz="457200" eaLnBrk="1" hangingPunct="1" latinLnBrk="0" rtl="0">
+      <a:lvl1pPr algn="l" defTabSz="457200" rtl="0" eaLnBrk="1" latinLnBrk="0" hangingPunct="1">
         <a:spcBef>
           <a:spcPct val="0"/>
         </a:spcBef>
         <a:buNone/>
-        <a:defRPr kern="1200" sz="3600">
+        <a:defRPr sz="3600" kern="1200">
           <a:solidFill>
             <a:schemeClr val="accent1">
               <a:lumMod val="75000"/>
@@ -5506,7 +5506,7 @@
       </a:lvl9pPr>
     </p:titleStyle>
     <p:bodyStyle>
-      <a:lvl1pPr algn="l" defTabSz="457200" eaLnBrk="1" hangingPunct="1" indent="-342900" latinLnBrk="0" marL="342900" rtl="0">
+      <a:lvl1pPr marL="342900" indent="-342900" algn="l" defTabSz="457200" rtl="0" eaLnBrk="1" latinLnBrk="0" hangingPunct="1">
         <a:spcBef>
           <a:spcPts val="1000"/>
         </a:spcBef>
@@ -5519,9 +5519,9 @@
           </a:schemeClr>
         </a:buClr>
         <a:buSzPct val="80000"/>
-        <a:buFont charset="2" typeface="Wingdings 3"/>
+        <a:buFont typeface="Wingdings 3" charset="2"/>
         <a:buChar char=""/>
-        <a:defRPr kern="1200" sz="1800">
+        <a:defRPr sz="1800" kern="1200">
           <a:solidFill>
             <a:schemeClr val="tx1">
               <a:lumMod val="75000"/>
@@ -5533,7 +5533,7 @@
           <a:cs typeface="+mn-cs"/>
         </a:defRPr>
       </a:lvl1pPr>
-      <a:lvl2pPr algn="l" defTabSz="457200" eaLnBrk="1" hangingPunct="1" indent="-285750" latinLnBrk="0" marL="742950" rtl="0">
+      <a:lvl2pPr marL="742950" indent="-285750" algn="l" defTabSz="457200" rtl="0" eaLnBrk="1" latinLnBrk="0" hangingPunct="1">
         <a:spcBef>
           <a:spcPts val="1000"/>
         </a:spcBef>
@@ -5546,9 +5546,9 @@
           </a:schemeClr>
         </a:buClr>
         <a:buSzPct val="80000"/>
-        <a:buFont charset="2" typeface="Wingdings 3"/>
+        <a:buFont typeface="Wingdings 3" charset="2"/>
         <a:buChar char=""/>
-        <a:defRPr kern="1200" sz="1600">
+        <a:defRPr sz="1600" kern="1200">
           <a:solidFill>
             <a:schemeClr val="tx1">
               <a:lumMod val="75000"/>
@@ -5560,7 +5560,7 @@
           <a:cs typeface="+mn-cs"/>
         </a:defRPr>
       </a:lvl2pPr>
-      <a:lvl3pPr algn="l" defTabSz="457200" eaLnBrk="1" hangingPunct="1" indent="-228600" latinLnBrk="0" marL="1143000" rtl="0">
+      <a:lvl3pPr marL="1143000" indent="-228600" algn="l" defTabSz="457200" rtl="0" eaLnBrk="1" latinLnBrk="0" hangingPunct="1">
         <a:spcBef>
           <a:spcPts val="1000"/>
         </a:spcBef>
@@ -5573,9 +5573,9 @@
           </a:schemeClr>
         </a:buClr>
         <a:buSzPct val="80000"/>
-        <a:buFont charset="2" typeface="Wingdings 3"/>
+        <a:buFont typeface="Wingdings 3" charset="2"/>
         <a:buChar char=""/>
-        <a:defRPr kern="1200" sz="1400">
+        <a:defRPr sz="1400" kern="1200">
           <a:solidFill>
             <a:schemeClr val="tx1">
               <a:lumMod val="75000"/>
@@ -5587,7 +5587,7 @@
           <a:cs typeface="+mn-cs"/>
         </a:defRPr>
       </a:lvl3pPr>
-      <a:lvl4pPr algn="l" defTabSz="457200" eaLnBrk="1" hangingPunct="1" indent="-228600" latinLnBrk="0" marL="1600200" rtl="0">
+      <a:lvl4pPr marL="1600200" indent="-228600" algn="l" defTabSz="457200" rtl="0" eaLnBrk="1" latinLnBrk="0" hangingPunct="1">
         <a:spcBef>
           <a:spcPts val="1000"/>
         </a:spcBef>
@@ -5600,9 +5600,9 @@
           </a:schemeClr>
         </a:buClr>
         <a:buSzPct val="80000"/>
-        <a:buFont charset="2" typeface="Wingdings 3"/>
+        <a:buFont typeface="Wingdings 3" charset="2"/>
         <a:buChar char=""/>
-        <a:defRPr kern="1200" sz="1200">
+        <a:defRPr sz="1200" kern="1200">
           <a:solidFill>
             <a:schemeClr val="tx1">
               <a:lumMod val="75000"/>
@@ -5614,7 +5614,7 @@
           <a:cs typeface="+mn-cs"/>
         </a:defRPr>
       </a:lvl4pPr>
-      <a:lvl5pPr algn="l" defTabSz="457200" eaLnBrk="1" hangingPunct="1" indent="-228600" latinLnBrk="0" marL="2057400" rtl="0">
+      <a:lvl5pPr marL="2057400" indent="-228600" algn="l" defTabSz="457200" rtl="0" eaLnBrk="1" latinLnBrk="0" hangingPunct="1">
         <a:spcBef>
           <a:spcPts val="1000"/>
         </a:spcBef>
@@ -5627,9 +5627,9 @@
           </a:schemeClr>
         </a:buClr>
         <a:buSzPct val="80000"/>
-        <a:buFont charset="2" typeface="Wingdings 3"/>
+        <a:buFont typeface="Wingdings 3" charset="2"/>
         <a:buChar char=""/>
-        <a:defRPr kern="1200" sz="1200">
+        <a:defRPr sz="1200" kern="1200">
           <a:solidFill>
             <a:schemeClr val="tx1">
               <a:lumMod val="75000"/>
@@ -5641,7 +5641,7 @@
           <a:cs typeface="+mn-cs"/>
         </a:defRPr>
       </a:lvl5pPr>
-      <a:lvl6pPr algn="l" defTabSz="457200" eaLnBrk="1" hangingPunct="1" indent="-228600" latinLnBrk="0" marL="2514600" rtl="0">
+      <a:lvl6pPr marL="2514600" indent="-228600" algn="l" defTabSz="457200" rtl="0" eaLnBrk="1" latinLnBrk="0" hangingPunct="1">
         <a:spcBef>
           <a:spcPts val="1000"/>
         </a:spcBef>
@@ -5654,9 +5654,9 @@
           </a:schemeClr>
         </a:buClr>
         <a:buSzPct val="80000"/>
-        <a:buFont charset="2" typeface="Wingdings 3"/>
+        <a:buFont typeface="Wingdings 3" charset="2"/>
         <a:buChar char=""/>
-        <a:defRPr kern="1200" sz="1200">
+        <a:defRPr sz="1200" kern="1200">
           <a:solidFill>
             <a:schemeClr val="tx1">
               <a:lumMod val="75000"/>
@@ -5668,7 +5668,7 @@
           <a:cs typeface="+mn-cs"/>
         </a:defRPr>
       </a:lvl6pPr>
-      <a:lvl7pPr algn="l" defTabSz="457200" eaLnBrk="1" hangingPunct="1" indent="-228600" latinLnBrk="0" marL="2971800" rtl="0">
+      <a:lvl7pPr marL="2971800" indent="-228600" algn="l" defTabSz="457200" rtl="0" eaLnBrk="1" latinLnBrk="0" hangingPunct="1">
         <a:spcBef>
           <a:spcPts val="1000"/>
         </a:spcBef>
@@ -5681,9 +5681,9 @@
           </a:schemeClr>
         </a:buClr>
         <a:buSzPct val="80000"/>
-        <a:buFont charset="2" typeface="Wingdings 3"/>
+        <a:buFont typeface="Wingdings 3" charset="2"/>
         <a:buChar char=""/>
-        <a:defRPr kern="1200" sz="1200">
+        <a:defRPr sz="1200" kern="1200">
           <a:solidFill>
             <a:schemeClr val="tx1">
               <a:lumMod val="75000"/>
@@ -5695,7 +5695,7 @@
           <a:cs typeface="+mn-cs"/>
         </a:defRPr>
       </a:lvl7pPr>
-      <a:lvl8pPr algn="l" defTabSz="457200" eaLnBrk="1" hangingPunct="1" indent="-228600" latinLnBrk="0" marL="3429000" rtl="0">
+      <a:lvl8pPr marL="3429000" indent="-228600" algn="l" defTabSz="457200" rtl="0" eaLnBrk="1" latinLnBrk="0" hangingPunct="1">
         <a:spcBef>
           <a:spcPts val="1000"/>
         </a:spcBef>
@@ -5708,9 +5708,9 @@
           </a:schemeClr>
         </a:buClr>
         <a:buSzPct val="80000"/>
-        <a:buFont charset="2" typeface="Wingdings 3"/>
+        <a:buFont typeface="Wingdings 3" charset="2"/>
         <a:buChar char=""/>
-        <a:defRPr kern="1200" sz="1200">
+        <a:defRPr sz="1200" kern="1200">
           <a:solidFill>
             <a:schemeClr val="tx1">
               <a:lumMod val="75000"/>
@@ -5722,7 +5722,7 @@
           <a:cs typeface="+mn-cs"/>
         </a:defRPr>
       </a:lvl8pPr>
-      <a:lvl9pPr algn="l" defTabSz="457200" eaLnBrk="1" hangingPunct="1" indent="-228600" latinLnBrk="0" marL="3886200" rtl="0">
+      <a:lvl9pPr marL="3886200" indent="-228600" algn="l" defTabSz="457200" rtl="0" eaLnBrk="1" latinLnBrk="0" hangingPunct="1">
         <a:spcBef>
           <a:spcPts val="1000"/>
         </a:spcBef>
@@ -5735,9 +5735,9 @@
           </a:schemeClr>
         </a:buClr>
         <a:buSzPct val="80000"/>
-        <a:buFont charset="2" typeface="Wingdings 3"/>
+        <a:buFont typeface="Wingdings 3" charset="2"/>
         <a:buChar char=""/>
-        <a:defRPr kern="1200" sz="1200">
+        <a:defRPr sz="1200" kern="1200">
           <a:solidFill>
             <a:schemeClr val="tx1">
               <a:lumMod val="75000"/>
@@ -5754,8 +5754,8 @@
       <a:defPPr>
         <a:defRPr lang="en-US"/>
       </a:defPPr>
-      <a:lvl1pPr algn="l" defTabSz="457200" eaLnBrk="1" hangingPunct="1" latinLnBrk="0" marL="0" rtl="0">
-        <a:defRPr kern="1200" sz="1800">
+      <a:lvl1pPr marL="0" algn="l" defTabSz="457200" rtl="0" eaLnBrk="1" latinLnBrk="0" hangingPunct="1">
+        <a:defRPr sz="1800" kern="1200">
           <a:solidFill>
             <a:schemeClr val="tx1"/>
           </a:solidFill>
@@ -5764,8 +5764,8 @@
           <a:cs typeface="+mn-cs"/>
         </a:defRPr>
       </a:lvl1pPr>
-      <a:lvl2pPr algn="l" defTabSz="457200" eaLnBrk="1" hangingPunct="1" latinLnBrk="0" marL="457200" rtl="0">
-        <a:defRPr kern="1200" sz="1800">
+      <a:lvl2pPr marL="457200" algn="l" defTabSz="457200" rtl="0" eaLnBrk="1" latinLnBrk="0" hangingPunct="1">
+        <a:defRPr sz="1800" kern="1200">
           <a:solidFill>
             <a:schemeClr val="tx1"/>
           </a:solidFill>
@@ -5774,8 +5774,8 @@
           <a:cs typeface="+mn-cs"/>
         </a:defRPr>
       </a:lvl2pPr>
-      <a:lvl3pPr algn="l" defTabSz="457200" eaLnBrk="1" hangingPunct="1" latinLnBrk="0" marL="914400" rtl="0">
-        <a:defRPr kern="1200" sz="1800">
+      <a:lvl3pPr marL="914400" algn="l" defTabSz="457200" rtl="0" eaLnBrk="1" latinLnBrk="0" hangingPunct="1">
+        <a:defRPr sz="1800" kern="1200">
           <a:solidFill>
             <a:schemeClr val="tx1"/>
           </a:solidFill>
@@ -5784,8 +5784,8 @@
           <a:cs typeface="+mn-cs"/>
         </a:defRPr>
       </a:lvl3pPr>
-      <a:lvl4pPr algn="l" defTabSz="457200" eaLnBrk="1" hangingPunct="1" latinLnBrk="0" marL="1371600" rtl="0">
-        <a:defRPr kern="1200" sz="1800">
+      <a:lvl4pPr marL="1371600" algn="l" defTabSz="457200" rtl="0" eaLnBrk="1" latinLnBrk="0" hangingPunct="1">
+        <a:defRPr sz="1800" kern="1200">
           <a:solidFill>
             <a:schemeClr val="tx1"/>
           </a:solidFill>
@@ -5794,8 +5794,8 @@
           <a:cs typeface="+mn-cs"/>
         </a:defRPr>
       </a:lvl4pPr>
-      <a:lvl5pPr algn="l" defTabSz="457200" eaLnBrk="1" hangingPunct="1" latinLnBrk="0" marL="1828800" rtl="0">
-        <a:defRPr kern="1200" sz="1800">
+      <a:lvl5pPr marL="1828800" algn="l" defTabSz="457200" rtl="0" eaLnBrk="1" latinLnBrk="0" hangingPunct="1">
+        <a:defRPr sz="1800" kern="1200">
           <a:solidFill>
             <a:schemeClr val="tx1"/>
           </a:solidFill>
@@ -5804,8 +5804,8 @@
           <a:cs typeface="+mn-cs"/>
         </a:defRPr>
       </a:lvl5pPr>
-      <a:lvl6pPr algn="l" defTabSz="457200" eaLnBrk="1" hangingPunct="1" latinLnBrk="0" marL="2286000" rtl="0">
-        <a:defRPr kern="1200" sz="1800">
+      <a:lvl6pPr marL="2286000" algn="l" defTabSz="457200" rtl="0" eaLnBrk="1" latinLnBrk="0" hangingPunct="1">
+        <a:defRPr sz="1800" kern="1200">
           <a:solidFill>
             <a:schemeClr val="tx1"/>
           </a:solidFill>
@@ -5814,8 +5814,8 @@
           <a:cs typeface="+mn-cs"/>
         </a:defRPr>
       </a:lvl6pPr>
-      <a:lvl7pPr algn="l" defTabSz="457200" eaLnBrk="1" hangingPunct="1" latinLnBrk="0" marL="2743200" rtl="0">
-        <a:defRPr kern="1200" sz="1800">
+      <a:lvl7pPr marL="2743200" algn="l" defTabSz="457200" rtl="0" eaLnBrk="1" latinLnBrk="0" hangingPunct="1">
+        <a:defRPr sz="1800" kern="1200">
           <a:solidFill>
             <a:schemeClr val="tx1"/>
           </a:solidFill>
@@ -5824,8 +5824,8 @@
           <a:cs typeface="+mn-cs"/>
         </a:defRPr>
       </a:lvl7pPr>
-      <a:lvl8pPr algn="l" defTabSz="457200" eaLnBrk="1" hangingPunct="1" latinLnBrk="0" marL="3200400" rtl="0">
-        <a:defRPr kern="1200" sz="1800">
+      <a:lvl8pPr marL="3200400" algn="l" defTabSz="457200" rtl="0" eaLnBrk="1" latinLnBrk="0" hangingPunct="1">
+        <a:defRPr sz="1800" kern="1200">
           <a:solidFill>
             <a:schemeClr val="tx1"/>
           </a:solidFill>
@@ -5834,8 +5834,8 @@
           <a:cs typeface="+mn-cs"/>
         </a:defRPr>
       </a:lvl8pPr>
-      <a:lvl9pPr algn="l" defTabSz="457200" eaLnBrk="1" hangingPunct="1" latinLnBrk="0" marL="3657600" rtl="0">
-        <a:defRPr kern="1200" sz="1800">
+      <a:lvl9pPr marL="3657600" algn="l" defTabSz="457200" rtl="0" eaLnBrk="1" latinLnBrk="0" hangingPunct="1">
+        <a:defRPr sz="1800" kern="1200">
           <a:solidFill>
             <a:schemeClr val="tx1"/>
           </a:solidFill>
@@ -5871,6 +5871,538 @@
           <a:chExt cx="0" cy="0"/>
         </a:xfrm>
       </p:grpSpPr>
+      <p:grpSp>
+        <p:nvGrpSpPr>
+          <p:cNvPr id="16" name="Group 15"/>
+          <p:cNvGrpSpPr/>
+          <p:nvPr/>
+        </p:nvGrpSpPr>
+        <p:grpSpPr>
+          <a:xfrm>
+            <a:off x="0" y="-8467"/>
+            <a:ext cx="12192000" cy="6866467"/>
+            <a:chOff x="0" y="-8467"/>
+            <a:chExt cx="12192000" cy="6866467"/>
+          </a:xfrm>
+        </p:grpSpPr>
+        <p:cxnSp>
+          <p:nvCxnSpPr>
+            <p:cNvPr id="19" name="Straight Connector 18"/>
+            <p:cNvCxnSpPr/>
+            <p:nvPr/>
+          </p:nvCxnSpPr>
+          <p:spPr>
+            <a:xfrm>
+              <a:off x="9371012" y="0"/>
+              <a:ext cx="1219200" cy="6858000"/>
+            </a:xfrm>
+            <a:prstGeom prst="line">
+              <a:avLst/>
+            </a:prstGeom>
+            <a:ln w="9525">
+              <a:solidFill>
+                <a:schemeClr val="accent1">
+                  <a:alpha val="70000"/>
+                </a:schemeClr>
+              </a:solidFill>
+            </a:ln>
+          </p:spPr>
+          <p:style>
+            <a:lnRef idx="2">
+              <a:schemeClr val="accent1"/>
+            </a:lnRef>
+            <a:fillRef idx="0">
+              <a:schemeClr val="accent1"/>
+            </a:fillRef>
+            <a:effectRef idx="1">
+              <a:schemeClr val="accent1"/>
+            </a:effectRef>
+            <a:fontRef idx="minor">
+              <a:schemeClr val="tx1"/>
+            </a:fontRef>
+          </p:style>
+        </p:cxnSp>
+        <p:cxnSp>
+          <p:nvCxnSpPr>
+            <p:cNvPr id="20" name="Straight Connector 19"/>
+            <p:cNvCxnSpPr/>
+            <p:nvPr/>
+          </p:nvCxnSpPr>
+          <p:spPr>
+            <a:xfrm flipH="1">
+              <a:off x="7425267" y="3681413"/>
+              <a:ext cx="4763558" cy="3176587"/>
+            </a:xfrm>
+            <a:prstGeom prst="line">
+              <a:avLst/>
+            </a:prstGeom>
+            <a:ln w="9525">
+              <a:solidFill>
+                <a:schemeClr val="accent1">
+                  <a:alpha val="70000"/>
+                </a:schemeClr>
+              </a:solidFill>
+            </a:ln>
+          </p:spPr>
+          <p:style>
+            <a:lnRef idx="2">
+              <a:schemeClr val="accent1"/>
+            </a:lnRef>
+            <a:fillRef idx="0">
+              <a:schemeClr val="accent1"/>
+            </a:fillRef>
+            <a:effectRef idx="1">
+              <a:schemeClr val="accent1"/>
+            </a:effectRef>
+            <a:fontRef idx="minor">
+              <a:schemeClr val="tx1"/>
+            </a:fontRef>
+          </p:style>
+        </p:cxnSp>
+        <p:sp>
+          <p:nvSpPr>
+            <p:cNvPr id="21" name="Rectangle 23"/>
+            <p:cNvSpPr/>
+            <p:nvPr/>
+          </p:nvSpPr>
+          <p:spPr>
+            <a:xfrm>
+              <a:off x="9181476" y="-8467"/>
+              <a:ext cx="3007349" cy="6866467"/>
+            </a:xfrm>
+            <a:custGeom>
+              <a:avLst/>
+              <a:gdLst/>
+              <a:ahLst/>
+              <a:cxnLst/>
+              <a:rect l="l" t="t" r="r" b="b"/>
+              <a:pathLst>
+                <a:path w="3007349" h="6866467">
+                  <a:moveTo>
+                    <a:pt x="2045532" y="0"/>
+                  </a:moveTo>
+                  <a:lnTo>
+                    <a:pt x="3007349" y="0"/>
+                  </a:lnTo>
+                  <a:lnTo>
+                    <a:pt x="3007349" y="6866467"/>
+                  </a:lnTo>
+                  <a:lnTo>
+                    <a:pt x="0" y="6866467"/>
+                  </a:lnTo>
+                  <a:lnTo>
+                    <a:pt x="2045532" y="0"/>
+                  </a:lnTo>
+                  <a:close/>
+                </a:path>
+              </a:pathLst>
+            </a:custGeom>
+            <a:solidFill>
+              <a:schemeClr val="accent1">
+                <a:alpha val="36000"/>
+              </a:schemeClr>
+            </a:solidFill>
+            <a:ln>
+              <a:noFill/>
+            </a:ln>
+            <a:effectLst/>
+          </p:spPr>
+          <p:style>
+            <a:lnRef idx="1">
+              <a:schemeClr val="accent1"/>
+            </a:lnRef>
+            <a:fillRef idx="3">
+              <a:schemeClr val="accent1"/>
+            </a:fillRef>
+            <a:effectRef idx="2">
+              <a:schemeClr val="accent1"/>
+            </a:effectRef>
+            <a:fontRef idx="minor">
+              <a:schemeClr val="lt1"/>
+            </a:fontRef>
+          </p:style>
+        </p:sp>
+        <p:sp>
+          <p:nvSpPr>
+            <p:cNvPr id="22" name="Rectangle 25"/>
+            <p:cNvSpPr/>
+            <p:nvPr/>
+          </p:nvSpPr>
+          <p:spPr>
+            <a:xfrm>
+              <a:off x="9603442" y="-8467"/>
+              <a:ext cx="2588558" cy="6866467"/>
+            </a:xfrm>
+            <a:custGeom>
+              <a:avLst/>
+              <a:gdLst/>
+              <a:ahLst/>
+              <a:cxnLst/>
+              <a:rect l="l" t="t" r="r" b="b"/>
+              <a:pathLst>
+                <a:path w="2573311" h="6866467">
+                  <a:moveTo>
+                    <a:pt x="0" y="0"/>
+                  </a:moveTo>
+                  <a:lnTo>
+                    <a:pt x="2573311" y="0"/>
+                  </a:lnTo>
+                  <a:lnTo>
+                    <a:pt x="2573311" y="6866467"/>
+                  </a:lnTo>
+                  <a:lnTo>
+                    <a:pt x="1202336" y="6866467"/>
+                  </a:lnTo>
+                  <a:lnTo>
+                    <a:pt x="0" y="0"/>
+                  </a:lnTo>
+                  <a:close/>
+                </a:path>
+              </a:pathLst>
+            </a:custGeom>
+            <a:solidFill>
+              <a:schemeClr val="accent1">
+                <a:alpha val="20000"/>
+              </a:schemeClr>
+            </a:solidFill>
+            <a:ln>
+              <a:noFill/>
+            </a:ln>
+            <a:effectLst/>
+          </p:spPr>
+          <p:style>
+            <a:lnRef idx="1">
+              <a:schemeClr val="accent1"/>
+            </a:lnRef>
+            <a:fillRef idx="3">
+              <a:schemeClr val="accent1"/>
+            </a:fillRef>
+            <a:effectRef idx="2">
+              <a:schemeClr val="accent1"/>
+            </a:effectRef>
+            <a:fontRef idx="minor">
+              <a:schemeClr val="lt1"/>
+            </a:fontRef>
+          </p:style>
+        </p:sp>
+        <p:sp>
+          <p:nvSpPr>
+            <p:cNvPr id="23" name="Isosceles Triangle 22"/>
+            <p:cNvSpPr/>
+            <p:nvPr/>
+          </p:nvSpPr>
+          <p:spPr>
+            <a:xfrm>
+              <a:off x="8932333" y="3048000"/>
+              <a:ext cx="3259667" cy="3810000"/>
+            </a:xfrm>
+            <a:prstGeom prst="triangle">
+              <a:avLst>
+                <a:gd name="adj" fmla="val 100000"/>
+              </a:avLst>
+            </a:prstGeom>
+            <a:solidFill>
+              <a:schemeClr val="accent1">
+                <a:alpha val="72000"/>
+              </a:schemeClr>
+            </a:solidFill>
+            <a:ln>
+              <a:noFill/>
+            </a:ln>
+            <a:effectLst/>
+          </p:spPr>
+          <p:style>
+            <a:lnRef idx="1">
+              <a:schemeClr val="accent1"/>
+            </a:lnRef>
+            <a:fillRef idx="3">
+              <a:schemeClr val="accent1"/>
+            </a:fillRef>
+            <a:effectRef idx="2">
+              <a:schemeClr val="accent1"/>
+            </a:effectRef>
+            <a:fontRef idx="minor">
+              <a:schemeClr val="lt1"/>
+            </a:fontRef>
+          </p:style>
+        </p:sp>
+        <p:sp>
+          <p:nvSpPr>
+            <p:cNvPr id="24" name="Rectangle 27"/>
+            <p:cNvSpPr/>
+            <p:nvPr/>
+          </p:nvSpPr>
+          <p:spPr>
+            <a:xfrm>
+              <a:off x="9334500" y="-8467"/>
+              <a:ext cx="2854326" cy="6866467"/>
+            </a:xfrm>
+            <a:custGeom>
+              <a:avLst/>
+              <a:gdLst/>
+              <a:ahLst/>
+              <a:cxnLst/>
+              <a:rect l="l" t="t" r="r" b="b"/>
+              <a:pathLst>
+                <a:path w="2858013" h="6866467">
+                  <a:moveTo>
+                    <a:pt x="0" y="0"/>
+                  </a:moveTo>
+                  <a:lnTo>
+                    <a:pt x="2858013" y="0"/>
+                  </a:lnTo>
+                  <a:lnTo>
+                    <a:pt x="2858013" y="6866467"/>
+                  </a:lnTo>
+                  <a:lnTo>
+                    <a:pt x="2473942" y="6866467"/>
+                  </a:lnTo>
+                  <a:lnTo>
+                    <a:pt x="0" y="0"/>
+                  </a:lnTo>
+                  <a:close/>
+                </a:path>
+              </a:pathLst>
+            </a:custGeom>
+            <a:solidFill>
+              <a:schemeClr val="accent1">
+                <a:lumMod val="75000"/>
+                <a:alpha val="50000"/>
+              </a:schemeClr>
+            </a:solidFill>
+            <a:ln>
+              <a:noFill/>
+            </a:ln>
+            <a:effectLst/>
+          </p:spPr>
+          <p:style>
+            <a:lnRef idx="1">
+              <a:schemeClr val="accent1"/>
+            </a:lnRef>
+            <a:fillRef idx="3">
+              <a:schemeClr val="accent1"/>
+            </a:fillRef>
+            <a:effectRef idx="2">
+              <a:schemeClr val="accent1"/>
+            </a:effectRef>
+            <a:fontRef idx="minor">
+              <a:schemeClr val="lt1"/>
+            </a:fontRef>
+          </p:style>
+        </p:sp>
+        <p:sp>
+          <p:nvSpPr>
+            <p:cNvPr id="25" name="Rectangle 28"/>
+            <p:cNvSpPr/>
+            <p:nvPr/>
+          </p:nvSpPr>
+          <p:spPr>
+            <a:xfrm>
+              <a:off x="10898730" y="-8467"/>
+              <a:ext cx="1290094" cy="6866467"/>
+            </a:xfrm>
+            <a:custGeom>
+              <a:avLst/>
+              <a:gdLst/>
+              <a:ahLst/>
+              <a:cxnLst/>
+              <a:rect l="l" t="t" r="r" b="b"/>
+              <a:pathLst>
+                <a:path w="1290094" h="6858000">
+                  <a:moveTo>
+                    <a:pt x="1019735" y="0"/>
+                  </a:moveTo>
+                  <a:lnTo>
+                    <a:pt x="1290094" y="0"/>
+                  </a:lnTo>
+                  <a:lnTo>
+                    <a:pt x="1290094" y="6858000"/>
+                  </a:lnTo>
+                  <a:lnTo>
+                    <a:pt x="0" y="6858000"/>
+                  </a:lnTo>
+                  <a:lnTo>
+                    <a:pt x="1019735" y="0"/>
+                  </a:lnTo>
+                  <a:close/>
+                </a:path>
+              </a:pathLst>
+            </a:custGeom>
+            <a:solidFill>
+              <a:schemeClr val="accent1">
+                <a:lumMod val="75000"/>
+                <a:alpha val="70000"/>
+              </a:schemeClr>
+            </a:solidFill>
+            <a:ln>
+              <a:noFill/>
+            </a:ln>
+            <a:effectLst/>
+          </p:spPr>
+          <p:style>
+            <a:lnRef idx="1">
+              <a:schemeClr val="accent1"/>
+            </a:lnRef>
+            <a:fillRef idx="3">
+              <a:schemeClr val="accent1"/>
+            </a:fillRef>
+            <a:effectRef idx="2">
+              <a:schemeClr val="accent1"/>
+            </a:effectRef>
+            <a:fontRef idx="minor">
+              <a:schemeClr val="lt1"/>
+            </a:fontRef>
+          </p:style>
+        </p:sp>
+        <p:sp>
+          <p:nvSpPr>
+            <p:cNvPr id="26" name="Rectangle 29"/>
+            <p:cNvSpPr/>
+            <p:nvPr/>
+          </p:nvSpPr>
+          <p:spPr>
+            <a:xfrm>
+              <a:off x="10938999" y="-8467"/>
+              <a:ext cx="1249825" cy="6866467"/>
+            </a:xfrm>
+            <a:custGeom>
+              <a:avLst/>
+              <a:gdLst/>
+              <a:ahLst/>
+              <a:cxnLst/>
+              <a:rect l="l" t="t" r="r" b="b"/>
+              <a:pathLst>
+                <a:path w="1249825" h="6858000">
+                  <a:moveTo>
+                    <a:pt x="0" y="0"/>
+                  </a:moveTo>
+                  <a:lnTo>
+                    <a:pt x="1249825" y="0"/>
+                  </a:lnTo>
+                  <a:lnTo>
+                    <a:pt x="1249825" y="6858000"/>
+                  </a:lnTo>
+                  <a:lnTo>
+                    <a:pt x="1109382" y="6858000"/>
+                  </a:lnTo>
+                  <a:lnTo>
+                    <a:pt x="0" y="0"/>
+                  </a:lnTo>
+                  <a:close/>
+                </a:path>
+              </a:pathLst>
+            </a:custGeom>
+            <a:solidFill>
+              <a:schemeClr val="accent1">
+                <a:lumMod val="50000"/>
+                <a:alpha val="80000"/>
+              </a:schemeClr>
+            </a:solidFill>
+            <a:ln>
+              <a:noFill/>
+            </a:ln>
+            <a:effectLst/>
+          </p:spPr>
+          <p:style>
+            <a:lnRef idx="1">
+              <a:schemeClr val="accent1"/>
+            </a:lnRef>
+            <a:fillRef idx="3">
+              <a:schemeClr val="accent1"/>
+            </a:fillRef>
+            <a:effectRef idx="2">
+              <a:schemeClr val="accent1"/>
+            </a:effectRef>
+            <a:fontRef idx="minor">
+              <a:schemeClr val="lt1"/>
+            </a:fontRef>
+          </p:style>
+        </p:sp>
+        <p:sp>
+          <p:nvSpPr>
+            <p:cNvPr id="27" name="Isosceles Triangle 26"/>
+            <p:cNvSpPr/>
+            <p:nvPr/>
+          </p:nvSpPr>
+          <p:spPr>
+            <a:xfrm>
+              <a:off x="10371666" y="3589867"/>
+              <a:ext cx="1817159" cy="3268133"/>
+            </a:xfrm>
+            <a:prstGeom prst="triangle">
+              <a:avLst>
+                <a:gd name="adj" fmla="val 100000"/>
+              </a:avLst>
+            </a:prstGeom>
+            <a:solidFill>
+              <a:schemeClr val="accent1">
+                <a:lumMod val="50000"/>
+                <a:alpha val="66000"/>
+              </a:schemeClr>
+            </a:solidFill>
+            <a:ln>
+              <a:noFill/>
+            </a:ln>
+            <a:effectLst/>
+          </p:spPr>
+          <p:style>
+            <a:lnRef idx="1">
+              <a:schemeClr val="accent1"/>
+            </a:lnRef>
+            <a:fillRef idx="3">
+              <a:schemeClr val="accent1"/>
+            </a:fillRef>
+            <a:effectRef idx="2">
+              <a:schemeClr val="accent1"/>
+            </a:effectRef>
+            <a:fontRef idx="minor">
+              <a:schemeClr val="lt1"/>
+            </a:fontRef>
+          </p:style>
+        </p:sp>
+        <p:sp>
+          <p:nvSpPr>
+            <p:cNvPr id="29" name="Isosceles Triangle 28"/>
+            <p:cNvSpPr/>
+            <p:nvPr/>
+          </p:nvSpPr>
+          <p:spPr>
+            <a:xfrm rot="10800000">
+              <a:off x="0" y="0"/>
+              <a:ext cx="842596" cy="5666154"/>
+            </a:xfrm>
+            <a:prstGeom prst="triangle">
+              <a:avLst>
+                <a:gd name="adj" fmla="val 100000"/>
+              </a:avLst>
+            </a:prstGeom>
+            <a:solidFill>
+              <a:schemeClr val="accent1">
+                <a:lumMod val="75000"/>
+                <a:alpha val="70000"/>
+              </a:schemeClr>
+            </a:solidFill>
+            <a:ln>
+              <a:noFill/>
+            </a:ln>
+            <a:effectLst/>
+          </p:spPr>
+          <p:style>
+            <a:lnRef idx="1">
+              <a:schemeClr val="accent1"/>
+            </a:lnRef>
+            <a:fillRef idx="3">
+              <a:schemeClr val="accent1"/>
+            </a:fillRef>
+            <a:effectRef idx="2">
+              <a:schemeClr val="accent1"/>
+            </a:effectRef>
+            <a:fontRef idx="minor">
+              <a:schemeClr val="lt1"/>
+            </a:fontRef>
+          </p:style>
+        </p:sp>
+      </p:grpSp>
       <p:sp>
         <p:nvSpPr>
           <p:cNvPr id="2" name="Title 1"/>
@@ -5891,12 +6423,44 @@
           <a:bodyPr/>
           <a:lstStyle/>
           <a:p>
-            <a:pPr lvl="0" indent="0" marL="0">
+            <a:pPr lvl="0" marL="0" indent="0">
               <a:buNone/>
             </a:pPr>
             <a:r>
               <a:rPr/>
-              <a:t>Breast Cancer Diagnosis Classification Analysis</a:t>
+              <a:t>Breast</a:t>
+            </a:r>
+            <a:r>
+              <a:rPr/>
+              <a:t> </a:t>
+            </a:r>
+            <a:r>
+              <a:rPr/>
+              <a:t>Cancer</a:t>
+            </a:r>
+            <a:r>
+              <a:rPr/>
+              <a:t> </a:t>
+            </a:r>
+            <a:r>
+              <a:rPr/>
+              <a:t>Diagnosis</a:t>
+            </a:r>
+            <a:r>
+              <a:rPr/>
+              <a:t> </a:t>
+            </a:r>
+            <a:r>
+              <a:rPr/>
+              <a:t>Classification</a:t>
+            </a:r>
+            <a:r>
+              <a:rPr/>
+              <a:t> </a:t>
+            </a:r>
+            <a:r>
+              <a:rPr/>
+              <a:t>Analysis</a:t>
             </a:r>
           </a:p>
         </p:txBody>
@@ -5908,7 +6472,7 @@
             <a:spLocks noGrp="1"/>
           </p:cNvSpPr>
           <p:nvPr>
-            <p:ph idx="1" type="subTitle"/>
+            <p:ph type="subTitle" idx="1"/>
           </p:nvPr>
         </p:nvSpPr>
         <p:spPr>
@@ -5921,14 +6485,62 @@
           <a:bodyPr/>
           <a:lstStyle/>
           <a:p>
-            <a:pPr lvl="0" indent="0" marL="0">
+            <a:pPr lvl="0" marL="0" indent="0">
               <a:buNone/>
             </a:pPr>
             <a:br/>
             <a:br/>
             <a:r>
               <a:rPr/>
-              <a:t>Austin Lackey, Ethan Powers and Danny Laposata</a:t>
+              <a:t>Austin</a:t>
+            </a:r>
+            <a:r>
+              <a:rPr/>
+              <a:t> </a:t>
+            </a:r>
+            <a:r>
+              <a:rPr/>
+              <a:t>Lackey,</a:t>
+            </a:r>
+            <a:r>
+              <a:rPr/>
+              <a:t> </a:t>
+            </a:r>
+            <a:r>
+              <a:rPr/>
+              <a:t>Ethan</a:t>
+            </a:r>
+            <a:r>
+              <a:rPr/>
+              <a:t> </a:t>
+            </a:r>
+            <a:r>
+              <a:rPr/>
+              <a:t>Powers</a:t>
+            </a:r>
+            <a:r>
+              <a:rPr/>
+              <a:t> </a:t>
+            </a:r>
+            <a:r>
+              <a:rPr/>
+              <a:t>and</a:t>
+            </a:r>
+            <a:r>
+              <a:rPr/>
+              <a:t> </a:t>
+            </a:r>
+            <a:r>
+              <a:rPr/>
+              <a:t>Danny</a:t>
+            </a:r>
+            <a:r>
+              <a:rPr/>
+              <a:t> </a:t>
+            </a:r>
+            <a:r>
+              <a:rPr/>
+              <a:t>Laposata</a:t>
             </a:r>
           </a:p>
         </p:txBody>
@@ -5940,7 +6552,7 @@
             <a:spLocks noGrp="1"/>
           </p:cNvSpPr>
           <p:nvPr>
-            <p:ph idx="10" sz="half" type="dt"/>
+            <p:ph type="dt" sz="half" idx="10"/>
           </p:nvPr>
         </p:nvSpPr>
         <p:spPr/>
@@ -5948,12 +6560,28 @@
           <a:bodyPr/>
           <a:lstStyle/>
           <a:p>
-            <a:pPr lvl="0" indent="0" marL="0">
+            <a:pPr lvl="0" marL="0" indent="0">
               <a:buNone/>
             </a:pPr>
             <a:r>
               <a:rPr/>
-              <a:t>December 9th, 2022</a:t>
+              <a:t>December</a:t>
+            </a:r>
+            <a:r>
+              <a:rPr/>
+              <a:t> </a:t>
+            </a:r>
+            <a:r>
+              <a:rPr/>
+              <a:t>9th,</a:t>
+            </a:r>
+            <a:r>
+              <a:rPr/>
+              <a:t> </a:t>
+            </a:r>
+            <a:r>
+              <a:rPr/>
+              <a:t>2022</a:t>
             </a:r>
           </a:p>
         </p:txBody>
@@ -6000,12 +6628,20 @@
           <a:bodyPr/>
           <a:lstStyle/>
           <a:p>
-            <a:pPr lvl="0" indent="0" marL="0">
+            <a:pPr lvl="0" marL="0" indent="0">
               <a:buNone/>
             </a:pPr>
             <a:r>
               <a:rPr/>
-              <a:t>KNN Model</a:t>
+              <a:t>KNN</a:t>
+            </a:r>
+            <a:r>
+              <a:rPr/>
+              <a:t> </a:t>
+            </a:r>
+            <a:r>
+              <a:rPr/>
+              <a:t>Model</a:t>
             </a:r>
           </a:p>
         </p:txBody>
@@ -6047,12 +6683,20 @@
           <a:bodyPr/>
           <a:lstStyle/>
           <a:p>
-            <a:pPr lvl="0" indent="0" marL="0">
+            <a:pPr lvl="0" marL="0" indent="0">
               <a:buNone/>
             </a:pPr>
             <a:r>
               <a:rPr/>
-              <a:t>Tuning KNN</a:t>
+              <a:t>Tuning</a:t>
+            </a:r>
+            <a:r>
+              <a:rPr/>
+              <a:t> </a:t>
+            </a:r>
+            <a:r>
+              <a:rPr/>
+              <a:t>KNN</a:t>
             </a:r>
           </a:p>
         </p:txBody>
@@ -6124,12 +6768,20 @@
           <a:bodyPr/>
           <a:lstStyle/>
           <a:p>
-            <a:pPr lvl="0" indent="0" marL="0">
+            <a:pPr lvl="0" marL="0" indent="0">
               <a:buNone/>
             </a:pPr>
             <a:r>
               <a:rPr/>
-              <a:t>Tuned KNN</a:t>
+              <a:t>Tuned</a:t>
+            </a:r>
+            <a:r>
+              <a:rPr/>
+              <a:t> </a:t>
+            </a:r>
+            <a:r>
+              <a:rPr/>
+              <a:t>KNN</a:t>
             </a:r>
           </a:p>
         </p:txBody>
@@ -6201,12 +6853,28 @@
           <a:bodyPr/>
           <a:lstStyle/>
           <a:p>
-            <a:pPr lvl="0" indent="0" marL="0">
+            <a:pPr lvl="0" marL="0" indent="0">
               <a:buNone/>
             </a:pPr>
             <a:r>
               <a:rPr/>
-              <a:t>Tuned KNN Parameters</a:t>
+              <a:t>Tuned</a:t>
+            </a:r>
+            <a:r>
+              <a:rPr/>
+              <a:t> </a:t>
+            </a:r>
+            <a:r>
+              <a:rPr/>
+              <a:t>KNN</a:t>
+            </a:r>
+            <a:r>
+              <a:rPr/>
+              <a:t> </a:t>
+            </a:r>
+            <a:r>
+              <a:rPr/>
+              <a:t>Parameters</a:t>
             </a:r>
           </a:p>
         </p:txBody>
@@ -6228,30 +6896,27 @@
               <a:bodyPr/>
               <a:lstStyle/>
               <a:p>
-                <a:pPr lvl="0"/>
+                <a:pPr lvl="1"/>
                 <a:r>
                   <a:rPr/>
                   <a:t>Using all features</a:t>
                 </a:r>
               </a:p>
               <a:p>
-                <a:pPr lvl="0"/>
+                <a:pPr lvl="1"/>
                 <a:r>
                   <a:rPr/>
                   <a:t>10-fold cross validation repeated 10 times</a:t>
                 </a:r>
               </a:p>
               <a:p>
-                <a:pPr lvl="0"/>
+                <a:pPr lvl="1"/>
                 <a14:m>
                   <m:oMath xmlns:m="http://schemas.openxmlformats.org/officeDocument/2006/math">
                     <m:r>
                       <m:t>k</m:t>
                     </m:r>
                     <m:r>
-                      <m:rPr>
-                        <m:sty m:val="p"/>
-                      </m:rPr>
                       <m:t>=</m:t>
                     </m:r>
                   </m:oMath>
@@ -6262,14 +6927,14 @@
                 </a:r>
               </a:p>
               <a:p>
-                <a:pPr lvl="0"/>
+                <a:pPr lvl="1"/>
                 <a:r>
                   <a:rPr/>
                   <a:t>Type II Error: 0.0440529</a:t>
                 </a:r>
               </a:p>
               <a:p>
-                <a:pPr lvl="0"/>
+                <a:pPr lvl="1"/>
                 <a:r>
                   <a:rPr/>
                   <a:t>Accuracy: 0.9339207</a:t>
@@ -6321,12 +6986,20 @@
           <a:bodyPr/>
           <a:lstStyle/>
           <a:p>
-            <a:pPr lvl="0" indent="0" marL="0">
+            <a:pPr lvl="0" marL="0" indent="0">
               <a:buNone/>
             </a:pPr>
             <a:r>
               <a:rPr/>
-              <a:t>Random Forrest</a:t>
+              <a:t>Random</a:t>
+            </a:r>
+            <a:r>
+              <a:rPr/>
+              <a:t> </a:t>
+            </a:r>
+            <a:r>
+              <a:rPr/>
+              <a:t>Forrest</a:t>
             </a:r>
           </a:p>
         </p:txBody>
@@ -6368,12 +7041,28 @@
           <a:bodyPr/>
           <a:lstStyle/>
           <a:p>
-            <a:pPr lvl="0" indent="0" marL="0">
+            <a:pPr lvl="0" marL="0" indent="0">
               <a:buNone/>
             </a:pPr>
             <a:r>
               <a:rPr/>
-              <a:t>Tuning Random Forrest</a:t>
+              <a:t>Tuning</a:t>
+            </a:r>
+            <a:r>
+              <a:rPr/>
+              <a:t> </a:t>
+            </a:r>
+            <a:r>
+              <a:rPr/>
+              <a:t>Random</a:t>
+            </a:r>
+            <a:r>
+              <a:rPr/>
+              <a:t> </a:t>
+            </a:r>
+            <a:r>
+              <a:rPr/>
+              <a:t>Forrest</a:t>
             </a:r>
           </a:p>
         </p:txBody>
@@ -6445,12 +7134,28 @@
           <a:bodyPr/>
           <a:lstStyle/>
           <a:p>
-            <a:pPr lvl="0" indent="0" marL="0">
+            <a:pPr lvl="0" marL="0" indent="0">
               <a:buNone/>
             </a:pPr>
             <a:r>
               <a:rPr/>
-              <a:t>Tuned Random Forrest</a:t>
+              <a:t>Tuned</a:t>
+            </a:r>
+            <a:r>
+              <a:rPr/>
+              <a:t> </a:t>
+            </a:r>
+            <a:r>
+              <a:rPr/>
+              <a:t>Random</a:t>
+            </a:r>
+            <a:r>
+              <a:rPr/>
+              <a:t> </a:t>
+            </a:r>
+            <a:r>
+              <a:rPr/>
+              <a:t>Forrest</a:t>
             </a:r>
           </a:p>
         </p:txBody>
@@ -6522,12 +7227,36 @@
           <a:bodyPr/>
           <a:lstStyle/>
           <a:p>
-            <a:pPr lvl="0" indent="0" marL="0">
+            <a:pPr lvl="0" marL="0" indent="0">
               <a:buNone/>
             </a:pPr>
             <a:r>
               <a:rPr/>
-              <a:t>Tuned Random Forrest Parameters</a:t>
+              <a:t>Tuned</a:t>
+            </a:r>
+            <a:r>
+              <a:rPr/>
+              <a:t> </a:t>
+            </a:r>
+            <a:r>
+              <a:rPr/>
+              <a:t>Random</a:t>
+            </a:r>
+            <a:r>
+              <a:rPr/>
+              <a:t> </a:t>
+            </a:r>
+            <a:r>
+              <a:rPr/>
+              <a:t>Forrest</a:t>
+            </a:r>
+            <a:r>
+              <a:rPr/>
+              <a:t> </a:t>
+            </a:r>
+            <a:r>
+              <a:rPr/>
+              <a:t>Parameters</a:t>
             </a:r>
           </a:p>
         </p:txBody>
@@ -6549,30 +7278,27 @@
               <a:bodyPr/>
               <a:lstStyle/>
               <a:p>
-                <a:pPr lvl="0"/>
+                <a:pPr lvl="1"/>
                 <a:r>
                   <a:rPr/>
                   <a:t>Using all features</a:t>
                 </a:r>
               </a:p>
               <a:p>
-                <a:pPr lvl="0"/>
+                <a:pPr lvl="1"/>
                 <a:r>
                   <a:rPr/>
                   <a:t>10-fold cross validation repeated 10 times</a:t>
                 </a:r>
               </a:p>
               <a:p>
-                <a:pPr lvl="0"/>
+                <a:pPr lvl="1"/>
                 <a14:m>
                   <m:oMath xmlns:m="http://schemas.openxmlformats.org/officeDocument/2006/math">
                     <m:r>
                       <m:t>n</m:t>
                     </m:r>
                     <m:r>
-                      <m:rPr>
-                        <m:sty m:val="p"/>
-                      </m:rPr>
                       <m:t>=</m:t>
                     </m:r>
                   </m:oMath>
@@ -6583,14 +7309,14 @@
                 </a:r>
               </a:p>
               <a:p>
-                <a:pPr lvl="0"/>
+                <a:pPr lvl="1"/>
                 <a:r>
                   <a:rPr/>
                   <a:t>Type II Error: 0.0220264</a:t>
                 </a:r>
               </a:p>
               <a:p>
-                <a:pPr lvl="0"/>
+                <a:pPr lvl="1"/>
                 <a:r>
                   <a:rPr/>
                   <a:t>Accuracy: 0.9603524</a:t>
@@ -6642,12 +7368,28 @@
           <a:bodyPr/>
           <a:lstStyle/>
           <a:p>
-            <a:pPr lvl="0" indent="0" marL="0">
+            <a:pPr lvl="0" marL="0" indent="0">
               <a:buNone/>
             </a:pPr>
             <a:r>
               <a:rPr/>
-              <a:t>Support Vector Machines</a:t>
+              <a:t>Support</a:t>
+            </a:r>
+            <a:r>
+              <a:rPr/>
+              <a:t> </a:t>
+            </a:r>
+            <a:r>
+              <a:rPr/>
+              <a:t>Vector</a:t>
+            </a:r>
+            <a:r>
+              <a:rPr/>
+              <a:t> </a:t>
+            </a:r>
+            <a:r>
+              <a:rPr/>
+              <a:t>Machines</a:t>
             </a:r>
           </a:p>
         </p:txBody>
@@ -6689,12 +7431,36 @@
           <a:bodyPr/>
           <a:lstStyle/>
           <a:p>
-            <a:pPr lvl="0" indent="0" marL="0">
+            <a:pPr lvl="0" marL="0" indent="0">
               <a:buNone/>
             </a:pPr>
             <a:r>
               <a:rPr/>
-              <a:t>Radial Support Vector Machine</a:t>
+              <a:t>Radial</a:t>
+            </a:r>
+            <a:r>
+              <a:rPr/>
+              <a:t> </a:t>
+            </a:r>
+            <a:r>
+              <a:rPr/>
+              <a:t>Support</a:t>
+            </a:r>
+            <a:r>
+              <a:rPr/>
+              <a:t> </a:t>
+            </a:r>
+            <a:r>
+              <a:rPr/>
+              <a:t>Vector</a:t>
+            </a:r>
+            <a:r>
+              <a:rPr/>
+              <a:t> </a:t>
+            </a:r>
+            <a:r>
+              <a:rPr/>
+              <a:t>Machine</a:t>
             </a:r>
           </a:p>
         </p:txBody>
@@ -6766,7 +7532,7 @@
           <a:bodyPr/>
           <a:lstStyle/>
           <a:p>
-            <a:pPr lvl="0" indent="0" marL="0">
+            <a:pPr lvl="0" marL="0" indent="0">
               <a:buNone/>
             </a:pPr>
             <a:r>
@@ -6791,28 +7557,28 @@
           <a:bodyPr/>
           <a:lstStyle/>
           <a:p>
-            <a:pPr lvl="0"/>
+            <a:pPr lvl="1"/>
             <a:r>
               <a:rPr/>
               <a:t>Breast Cancer Diagnosis Data</a:t>
             </a:r>
           </a:p>
           <a:p>
-            <a:pPr lvl="0"/>
+            <a:pPr lvl="1"/>
             <a:r>
               <a:rPr/>
               <a:t>Predict Diagnosis of Tumor based on features</a:t>
             </a:r>
           </a:p>
           <a:p>
-            <a:pPr lvl="0"/>
+            <a:pPr lvl="1"/>
             <a:r>
               <a:rPr/>
               <a:t>Feature Importance/Selection</a:t>
             </a:r>
           </a:p>
           <a:p>
-            <a:pPr lvl="0"/>
+            <a:pPr lvl="1"/>
             <a:r>
               <a:rPr/>
               <a:t>Reduce Type II Error (False-Negatives)</a:t>
@@ -6857,12 +7623,44 @@
           <a:bodyPr/>
           <a:lstStyle/>
           <a:p>
-            <a:pPr lvl="0" indent="0" marL="0">
+            <a:pPr lvl="0" marL="0" indent="0">
               <a:buNone/>
             </a:pPr>
             <a:r>
               <a:rPr/>
-              <a:t>Radial Support Vector Machine Parameters</a:t>
+              <a:t>Radial</a:t>
+            </a:r>
+            <a:r>
+              <a:rPr/>
+              <a:t> </a:t>
+            </a:r>
+            <a:r>
+              <a:rPr/>
+              <a:t>Support</a:t>
+            </a:r>
+            <a:r>
+              <a:rPr/>
+              <a:t> </a:t>
+            </a:r>
+            <a:r>
+              <a:rPr/>
+              <a:t>Vector</a:t>
+            </a:r>
+            <a:r>
+              <a:rPr/>
+              <a:t> </a:t>
+            </a:r>
+            <a:r>
+              <a:rPr/>
+              <a:t>Machine</a:t>
+            </a:r>
+            <a:r>
+              <a:rPr/>
+              <a:t> </a:t>
+            </a:r>
+            <a:r>
+              <a:rPr/>
+              <a:t>Parameters</a:t>
             </a:r>
           </a:p>
         </p:txBody>
@@ -6882,28 +7680,28 @@
           <a:bodyPr/>
           <a:lstStyle/>
           <a:p>
-            <a:pPr lvl="0"/>
+            <a:pPr lvl="1"/>
             <a:r>
               <a:rPr/>
               <a:t>Using all features</a:t>
             </a:r>
           </a:p>
           <a:p>
-            <a:pPr lvl="0"/>
+            <a:pPr lvl="1"/>
             <a:r>
               <a:rPr/>
               <a:t>10-fold cross validation repeated 10 times</a:t>
             </a:r>
           </a:p>
           <a:p>
-            <a:pPr lvl="0"/>
+            <a:pPr lvl="1"/>
             <a:r>
               <a:rPr/>
               <a:t>Type II Error: 0.0044053</a:t>
             </a:r>
           </a:p>
           <a:p>
-            <a:pPr lvl="0"/>
+            <a:pPr lvl="1"/>
             <a:r>
               <a:rPr/>
               <a:t>Accuracy: 0.969163</a:t>
@@ -6948,12 +7746,44 @@
           <a:bodyPr/>
           <a:lstStyle/>
           <a:p>
-            <a:pPr lvl="0" indent="0" marL="0">
+            <a:pPr lvl="0" marL="0" indent="0">
               <a:buNone/>
             </a:pPr>
             <a:r>
               <a:rPr/>
-              <a:t>Tuned Radial Support Vector Machine</a:t>
+              <a:t>Tuned</a:t>
+            </a:r>
+            <a:r>
+              <a:rPr/>
+              <a:t> </a:t>
+            </a:r>
+            <a:r>
+              <a:rPr/>
+              <a:t>Radial</a:t>
+            </a:r>
+            <a:r>
+              <a:rPr/>
+              <a:t> </a:t>
+            </a:r>
+            <a:r>
+              <a:rPr/>
+              <a:t>Support</a:t>
+            </a:r>
+            <a:r>
+              <a:rPr/>
+              <a:t> </a:t>
+            </a:r>
+            <a:r>
+              <a:rPr/>
+              <a:t>Vector</a:t>
+            </a:r>
+            <a:r>
+              <a:rPr/>
+              <a:t> </a:t>
+            </a:r>
+            <a:r>
+              <a:rPr/>
+              <a:t>Machine</a:t>
             </a:r>
           </a:p>
         </p:txBody>
@@ -7025,12 +7855,52 @@
           <a:bodyPr/>
           <a:lstStyle/>
           <a:p>
-            <a:pPr lvl="0" indent="0" marL="0">
+            <a:pPr lvl="0" marL="0" indent="0">
               <a:buNone/>
             </a:pPr>
             <a:r>
               <a:rPr/>
-              <a:t>Tuned Radial Support Vector Machine Parameters</a:t>
+              <a:t>Tuned</a:t>
+            </a:r>
+            <a:r>
+              <a:rPr/>
+              <a:t> </a:t>
+            </a:r>
+            <a:r>
+              <a:rPr/>
+              <a:t>Radial</a:t>
+            </a:r>
+            <a:r>
+              <a:rPr/>
+              <a:t> </a:t>
+            </a:r>
+            <a:r>
+              <a:rPr/>
+              <a:t>Support</a:t>
+            </a:r>
+            <a:r>
+              <a:rPr/>
+              <a:t> </a:t>
+            </a:r>
+            <a:r>
+              <a:rPr/>
+              <a:t>Vector</a:t>
+            </a:r>
+            <a:r>
+              <a:rPr/>
+              <a:t> </a:t>
+            </a:r>
+            <a:r>
+              <a:rPr/>
+              <a:t>Machine</a:t>
+            </a:r>
+            <a:r>
+              <a:rPr/>
+              <a:t> </a:t>
+            </a:r>
+            <a:r>
+              <a:rPr/>
+              <a:t>Parameters</a:t>
             </a:r>
           </a:p>
         </p:txBody>
@@ -7050,28 +7920,28 @@
           <a:bodyPr/>
           <a:lstStyle/>
           <a:p>
-            <a:pPr lvl="0"/>
+            <a:pPr lvl="1"/>
             <a:r>
               <a:rPr/>
               <a:t>Using all features</a:t>
             </a:r>
           </a:p>
           <a:p>
-            <a:pPr lvl="0"/>
+            <a:pPr lvl="1"/>
             <a:r>
               <a:rPr/>
               <a:t>10-fold cross validation repeated 10 times</a:t>
             </a:r>
           </a:p>
           <a:p>
-            <a:pPr lvl="0"/>
+            <a:pPr lvl="1"/>
             <a:r>
               <a:rPr/>
               <a:t>Type II Error: 0.0088106</a:t>
             </a:r>
           </a:p>
           <a:p>
-            <a:pPr lvl="0"/>
+            <a:pPr lvl="1"/>
             <a:r>
               <a:rPr/>
               <a:t>Accuracy: 0.9735683</a:t>
@@ -7116,12 +7986,28 @@
           <a:bodyPr/>
           <a:lstStyle/>
           <a:p>
-            <a:pPr lvl="0" indent="0" marL="0">
+            <a:pPr lvl="0" marL="0" indent="0">
               <a:buNone/>
             </a:pPr>
             <a:r>
               <a:rPr/>
-              <a:t>Classification Analysis: Danny</a:t>
+              <a:t>Classification</a:t>
+            </a:r>
+            <a:r>
+              <a:rPr/>
+              <a:t> </a:t>
+            </a:r>
+            <a:r>
+              <a:rPr/>
+              <a:t>Analysis:</a:t>
+            </a:r>
+            <a:r>
+              <a:rPr/>
+              <a:t> </a:t>
+            </a:r>
+            <a:r>
+              <a:rPr/>
+              <a:t>Danny</a:t>
             </a:r>
           </a:p>
         </p:txBody>
@@ -7141,49 +8027,49 @@
           <a:bodyPr/>
           <a:lstStyle/>
           <a:p>
-            <a:pPr lvl="0"/>
+            <a:pPr lvl="1"/>
             <a:r>
               <a:rPr/>
               <a:t>Logistic Regression</a:t>
             </a:r>
           </a:p>
           <a:p>
-            <a:pPr lvl="0"/>
+            <a:pPr lvl="1"/>
             <a:r>
               <a:rPr/>
               <a:t>K-Nearest Neighbors</a:t>
             </a:r>
           </a:p>
           <a:p>
-            <a:pPr lvl="0"/>
+            <a:pPr lvl="1"/>
             <a:r>
               <a:rPr/>
               <a:t>QDA</a:t>
             </a:r>
           </a:p>
           <a:p>
-            <a:pPr lvl="0"/>
+            <a:pPr lvl="1"/>
             <a:r>
               <a:rPr/>
               <a:t>Random Forest</a:t>
             </a:r>
           </a:p>
           <a:p>
-            <a:pPr lvl="0"/>
+            <a:pPr lvl="1"/>
             <a:r>
               <a:rPr/>
               <a:t>xGBoost</a:t>
             </a:r>
           </a:p>
           <a:p>
-            <a:pPr lvl="0"/>
+            <a:pPr lvl="1"/>
             <a:r>
               <a:rPr/>
               <a:t>Support Vector Classifier</a:t>
             </a:r>
           </a:p>
           <a:p>
-            <a:pPr lvl="0"/>
+            <a:pPr lvl="1"/>
             <a:r>
               <a:rPr/>
               <a:t>Lower prediction cutoff to account for Type II Error</a:t>
@@ -7233,12 +8119,20 @@
           <a:bodyPr/>
           <a:lstStyle/>
           <a:p>
-            <a:pPr lvl="0" indent="0" marL="0">
+            <a:pPr lvl="0" marL="0" indent="0">
               <a:buNone/>
             </a:pPr>
             <a:r>
               <a:rPr/>
-              <a:t>Preferred Models</a:t>
+              <a:t>Preferred</a:t>
+            </a:r>
+            <a:r>
+              <a:rPr/>
+              <a:t> </a:t>
+            </a:r>
+            <a:r>
+              <a:rPr/>
+              <a:t>Models</a:t>
             </a:r>
           </a:p>
         </p:txBody>
@@ -7280,12 +8174,28 @@
           <a:bodyPr/>
           <a:lstStyle/>
           <a:p>
-            <a:pPr lvl="0" indent="0" marL="0">
+            <a:pPr lvl="0" marL="0" indent="0">
               <a:buNone/>
             </a:pPr>
             <a:r>
               <a:rPr/>
-              <a:t>K-Nearest Neigbors Model</a:t>
+              <a:t>K-Nearest</a:t>
+            </a:r>
+            <a:r>
+              <a:rPr/>
+              <a:t> </a:t>
+            </a:r>
+            <a:r>
+              <a:rPr/>
+              <a:t>Neigbors</a:t>
+            </a:r>
+            <a:r>
+              <a:rPr/>
+              <a:t> </a:t>
+            </a:r>
+            <a:r>
+              <a:rPr/>
+              <a:t>Model</a:t>
             </a:r>
           </a:p>
         </p:txBody>
@@ -7305,30 +8215,24 @@
           <a:bodyPr/>
           <a:lstStyle/>
           <a:p>
-            <a:pPr lvl="0"/>
+            <a:pPr lvl="1"/>
             <a:r>
               <a:rPr/>
               <a:t>Tuned neighbors value to 7</a:t>
             </a:r>
           </a:p>
           <a:p>
-            <a:pPr lvl="0"/>
+            <a:pPr lvl="1"/>
             <a:r>
               <a:rPr/>
               <a:t>2 False-Negatives</a:t>
             </a:r>
           </a:p>
           <a:p>
-            <a:pPr lvl="0"/>
-            <a:r>
-              <a:rPr>
-                <a:latin typeface="Courier"/>
-              </a:rPr>
-              <a:t>knn.err</a:t>
-            </a:r>
-            <a:r>
-              <a:rPr/>
-              <a:t> % prediction accuracy</a:t>
+            <a:pPr lvl="1"/>
+            <a:r>
+              <a:rPr/>
+              <a:t>96.04% prediction accuracy</a:t>
             </a:r>
           </a:p>
         </p:txBody>
@@ -7370,19 +8274,35 @@
           <a:bodyPr/>
           <a:lstStyle/>
           <a:p>
-            <a:pPr lvl="0" indent="0" marL="0">
+            <a:pPr lvl="0" marL="0" indent="0">
               <a:buNone/>
             </a:pPr>
             <a:r>
               <a:rPr/>
-              <a:t>KNN Confusion Matrix</a:t>
+              <a:t>KNN</a:t>
+            </a:r>
+            <a:r>
+              <a:rPr/>
+              <a:t> </a:t>
+            </a:r>
+            <a:r>
+              <a:rPr/>
+              <a:t>Confusion</a:t>
+            </a:r>
+            <a:r>
+              <a:rPr/>
+              <a:t> </a:t>
+            </a:r>
+            <a:r>
+              <a:rPr/>
+              <a:t>Matrix</a:t>
             </a:r>
           </a:p>
         </p:txBody>
       </p:sp>
       <p:pic>
         <p:nvPicPr>
-          <p:cNvPr descr="powerpoint_files/figure-pptx/unnamed-chunk-6-1.png" id="0" name="Picture 1"/>
+          <p:cNvPr descr="powerpoint_files/figure-pptx/unnamed-chunk-7-1.png" id="0" name="Picture 1"/>
           <p:cNvPicPr>
             <a:picLocks noGrp="1" noChangeAspect="1"/>
           </p:cNvPicPr>
@@ -7447,12 +8367,36 @@
           <a:bodyPr/>
           <a:lstStyle/>
           <a:p>
-            <a:pPr lvl="0" indent="0" marL="0">
+            <a:pPr lvl="0" marL="0" indent="0">
               <a:buNone/>
             </a:pPr>
             <a:r>
               <a:rPr/>
-              <a:t>Support Vector Classifier Model</a:t>
+              <a:t>Support</a:t>
+            </a:r>
+            <a:r>
+              <a:rPr/>
+              <a:t> </a:t>
+            </a:r>
+            <a:r>
+              <a:rPr/>
+              <a:t>Vector</a:t>
+            </a:r>
+            <a:r>
+              <a:rPr/>
+              <a:t> </a:t>
+            </a:r>
+            <a:r>
+              <a:rPr/>
+              <a:t>Classifier</a:t>
+            </a:r>
+            <a:r>
+              <a:rPr/>
+              <a:t> </a:t>
+            </a:r>
+            <a:r>
+              <a:rPr/>
+              <a:t>Model</a:t>
             </a:r>
           </a:p>
         </p:txBody>
@@ -7472,30 +8416,24 @@
           <a:bodyPr/>
           <a:lstStyle/>
           <a:p>
-            <a:pPr lvl="0"/>
+            <a:pPr lvl="1"/>
             <a:r>
               <a:rPr/>
               <a:t>Tuned cost value to 1</a:t>
             </a:r>
           </a:p>
           <a:p>
-            <a:pPr lvl="0"/>
+            <a:pPr lvl="1"/>
             <a:r>
               <a:rPr/>
               <a:t>2 False-Negatives</a:t>
             </a:r>
           </a:p>
           <a:p>
-            <a:pPr lvl="0"/>
-            <a:r>
-              <a:rPr>
-                <a:latin typeface="Courier"/>
-              </a:rPr>
-              <a:t>svm.err</a:t>
-            </a:r>
-            <a:r>
-              <a:rPr/>
-              <a:t> % prediction accuracy</a:t>
+            <a:pPr lvl="1"/>
+            <a:r>
+              <a:rPr/>
+              <a:t>96.48% prediction accuracy</a:t>
             </a:r>
           </a:p>
         </p:txBody>
@@ -7537,19 +8475,35 @@
           <a:bodyPr/>
           <a:lstStyle/>
           <a:p>
-            <a:pPr lvl="0" indent="0" marL="0">
+            <a:pPr lvl="0" marL="0" indent="0">
               <a:buNone/>
             </a:pPr>
             <a:r>
               <a:rPr/>
-              <a:t>SVC Confusion Matrix</a:t>
+              <a:t>SVC</a:t>
+            </a:r>
+            <a:r>
+              <a:rPr/>
+              <a:t> </a:t>
+            </a:r>
+            <a:r>
+              <a:rPr/>
+              <a:t>Confusion</a:t>
+            </a:r>
+            <a:r>
+              <a:rPr/>
+              <a:t> </a:t>
+            </a:r>
+            <a:r>
+              <a:rPr/>
+              <a:t>Matrix</a:t>
             </a:r>
           </a:p>
         </p:txBody>
       </p:sp>
       <p:pic>
         <p:nvPicPr>
-          <p:cNvPr descr="powerpoint_files/figure-pptx/unnamed-chunk-8-1.png" id="0" name="Picture 1"/>
+          <p:cNvPr descr="powerpoint_files/figure-pptx/unnamed-chunk-9-1.png" id="0" name="Picture 1"/>
           <p:cNvPicPr>
             <a:picLocks noGrp="1" noChangeAspect="1"/>
           </p:cNvPicPr>
@@ -7614,12 +8568,28 @@
           <a:bodyPr/>
           <a:lstStyle/>
           <a:p>
-            <a:pPr lvl="0" indent="0" marL="0">
+            <a:pPr lvl="0" marL="0" indent="0">
               <a:buNone/>
             </a:pPr>
             <a:r>
               <a:rPr/>
-              <a:t>Random Forest Model</a:t>
+              <a:t>Random</a:t>
+            </a:r>
+            <a:r>
+              <a:rPr/>
+              <a:t> </a:t>
+            </a:r>
+            <a:r>
+              <a:rPr/>
+              <a:t>Forest</a:t>
+            </a:r>
+            <a:r>
+              <a:rPr/>
+              <a:t> </a:t>
+            </a:r>
+            <a:r>
+              <a:rPr/>
+              <a:t>Model</a:t>
             </a:r>
           </a:p>
         </p:txBody>
@@ -7639,23 +8609,17 @@
           <a:bodyPr/>
           <a:lstStyle/>
           <a:p>
-            <a:pPr lvl="0"/>
+            <a:pPr lvl="1"/>
             <a:r>
               <a:rPr/>
               <a:t>1 False-Negative</a:t>
             </a:r>
           </a:p>
           <a:p>
-            <a:pPr lvl="0"/>
-            <a:r>
-              <a:rPr>
-                <a:latin typeface="Courier"/>
-              </a:rPr>
-              <a:t>rf.err</a:t>
-            </a:r>
-            <a:r>
-              <a:rPr/>
-              <a:t> % prediction accuracy</a:t>
+            <a:pPr lvl="1"/>
+            <a:r>
+              <a:rPr/>
+              <a:t>95.15% prediction accuracy</a:t>
             </a:r>
           </a:p>
         </p:txBody>
@@ -7697,7 +8661,7 @@
           <a:bodyPr/>
           <a:lstStyle/>
           <a:p>
-            <a:pPr lvl="0" indent="0" marL="0">
+            <a:pPr lvl="0" marL="0" indent="0">
               <a:buNone/>
             </a:pPr>
             <a:r>
@@ -7722,63 +8686,63 @@
           <a:bodyPr/>
           <a:lstStyle/>
           <a:p>
-            <a:pPr lvl="0"/>
+            <a:pPr lvl="1"/>
             <a:r>
               <a:rPr/>
               <a:t>Data collected from “Breast Cancer Wisconsin (Diagnostic) Data Set” from Kaggle</a:t>
             </a:r>
           </a:p>
           <a:p>
-            <a:pPr lvl="0"/>
+            <a:pPr lvl="1"/>
             <a:r>
               <a:rPr/>
               <a:t>Response: Diagnosis</a:t>
             </a:r>
           </a:p>
           <a:p>
+            <a:pPr lvl="2"/>
+            <a:r>
+              <a:rPr/>
+              <a:t>Benign: (Noncancerous Cells)</a:t>
+            </a:r>
+          </a:p>
+          <a:p>
+            <a:pPr lvl="2"/>
+            <a:r>
+              <a:rPr/>
+              <a:t>Malignant (Cancerous Cells)</a:t>
+            </a:r>
+          </a:p>
+          <a:p>
             <a:pPr lvl="1"/>
             <a:r>
               <a:rPr/>
-              <a:t>Benign: (Noncancerous Cells)</a:t>
+              <a:t>Predictors: 10 variables each with 3 measurements:</a:t>
+            </a:r>
+          </a:p>
+          <a:p>
+            <a:pPr lvl="2"/>
+            <a:r>
+              <a:rPr/>
+              <a:t>Mean</a:t>
+            </a:r>
+          </a:p>
+          <a:p>
+            <a:pPr lvl="2"/>
+            <a:r>
+              <a:rPr/>
+              <a:t>Standard Error (SE)</a:t>
+            </a:r>
+          </a:p>
+          <a:p>
+            <a:pPr lvl="2"/>
+            <a:r>
+              <a:rPr/>
+              <a:t>Worst: Mean of 3 largest values of a variable</a:t>
             </a:r>
           </a:p>
           <a:p>
             <a:pPr lvl="1"/>
-            <a:r>
-              <a:rPr/>
-              <a:t>Malignant (Cancerous Cells)</a:t>
-            </a:r>
-          </a:p>
-          <a:p>
-            <a:pPr lvl="0"/>
-            <a:r>
-              <a:rPr/>
-              <a:t>Predictors: 10 variables each with 3 measurements:</a:t>
-            </a:r>
-          </a:p>
-          <a:p>
-            <a:pPr lvl="1"/>
-            <a:r>
-              <a:rPr/>
-              <a:t>Mean</a:t>
-            </a:r>
-          </a:p>
-          <a:p>
-            <a:pPr lvl="1"/>
-            <a:r>
-              <a:rPr/>
-              <a:t>Standard Error (SE)</a:t>
-            </a:r>
-          </a:p>
-          <a:p>
-            <a:pPr lvl="1"/>
-            <a:r>
-              <a:rPr/>
-              <a:t>Worst: Mean of 3 largest values of a variable</a:t>
-            </a:r>
-          </a:p>
-          <a:p>
-            <a:pPr lvl="0"/>
             <a:r>
               <a:rPr/>
               <a:t>Training/Test Data Split 60/40</a:t>
@@ -7823,19 +8787,35 @@
           <a:bodyPr/>
           <a:lstStyle/>
           <a:p>
-            <a:pPr lvl="0" indent="0" marL="0">
+            <a:pPr lvl="0" marL="0" indent="0">
               <a:buNone/>
             </a:pPr>
             <a:r>
               <a:rPr/>
-              <a:t>RF Confusion Matrix</a:t>
+              <a:t>RF</a:t>
+            </a:r>
+            <a:r>
+              <a:rPr/>
+              <a:t> </a:t>
+            </a:r>
+            <a:r>
+              <a:rPr/>
+              <a:t>Confusion</a:t>
+            </a:r>
+            <a:r>
+              <a:rPr/>
+              <a:t> </a:t>
+            </a:r>
+            <a:r>
+              <a:rPr/>
+              <a:t>Matrix</a:t>
             </a:r>
           </a:p>
         </p:txBody>
       </p:sp>
       <p:pic>
         <p:nvPicPr>
-          <p:cNvPr descr="powerpoint_files/figure-pptx/unnamed-chunk-10-1.png" id="0" name="Picture 1"/>
+          <p:cNvPr descr="powerpoint_files/figure-pptx/unnamed-chunk-11-1.png" id="0" name="Picture 1"/>
           <p:cNvPicPr>
             <a:picLocks noGrp="1" noChangeAspect="1"/>
           </p:cNvPicPr>
@@ -7900,19 +8880,35 @@
           <a:bodyPr/>
           <a:lstStyle/>
           <a:p>
-            <a:pPr lvl="0" indent="0" marL="0">
+            <a:pPr lvl="0" marL="0" indent="0">
               <a:buNone/>
             </a:pPr>
             <a:r>
               <a:rPr/>
-              <a:t>RF Confusion Matrix</a:t>
+              <a:t>RF</a:t>
+            </a:r>
+            <a:r>
+              <a:rPr/>
+              <a:t> </a:t>
+            </a:r>
+            <a:r>
+              <a:rPr/>
+              <a:t>Confusion</a:t>
+            </a:r>
+            <a:r>
+              <a:rPr/>
+              <a:t> </a:t>
+            </a:r>
+            <a:r>
+              <a:rPr/>
+              <a:t>Matrix</a:t>
             </a:r>
           </a:p>
         </p:txBody>
       </p:sp>
       <p:pic>
         <p:nvPicPr>
-          <p:cNvPr descr="powerpoint_files/figure-pptx/unnamed-chunk-11-1.png" id="0" name="Picture 1"/>
+          <p:cNvPr descr="powerpoint_files/figure-pptx/unnamed-chunk-12-1.png" id="0" name="Picture 1"/>
           <p:cNvPicPr>
             <a:picLocks noGrp="1" noChangeAspect="1"/>
           </p:cNvPicPr>
@@ -7977,12 +8973,28 @@
           <a:bodyPr/>
           <a:lstStyle/>
           <a:p>
-            <a:pPr lvl="0" indent="0" marL="0">
+            <a:pPr lvl="0" marL="0" indent="0">
               <a:buNone/>
             </a:pPr>
             <a:r>
               <a:rPr/>
-              <a:t>Regression Analysis: Ethan</a:t>
+              <a:t>Regression</a:t>
+            </a:r>
+            <a:r>
+              <a:rPr/>
+              <a:t> </a:t>
+            </a:r>
+            <a:r>
+              <a:rPr/>
+              <a:t>Analysis:</a:t>
+            </a:r>
+            <a:r>
+              <a:rPr/>
+              <a:t> </a:t>
+            </a:r>
+            <a:r>
+              <a:rPr/>
+              <a:t>Ethan</a:t>
             </a:r>
           </a:p>
         </p:txBody>
@@ -8002,84 +9014,84 @@
           <a:bodyPr/>
           <a:lstStyle/>
           <a:p>
-            <a:pPr lvl="0"/>
+            <a:pPr lvl="1"/>
             <a:r>
               <a:rPr/>
               <a:t>Austin Top 5 Importance Variables</a:t>
             </a:r>
           </a:p>
           <a:p>
+            <a:pPr lvl="2"/>
+            <a:r>
+              <a:rPr/>
+              <a:t>*area_mean</a:t>
+            </a:r>
+          </a:p>
+          <a:p>
+            <a:pPr lvl="2"/>
+            <a:r>
+              <a:rPr/>
+              <a:t>*area_worst</a:t>
+            </a:r>
+          </a:p>
+          <a:p>
+            <a:pPr lvl="2"/>
+            <a:r>
+              <a:rPr/>
+              <a:t>*concave.points_mean</a:t>
+            </a:r>
+          </a:p>
+          <a:p>
+            <a:pPr lvl="2"/>
+            <a:r>
+              <a:rPr/>
+              <a:t>texture_mean</a:t>
+            </a:r>
+          </a:p>
+          <a:p>
+            <a:pPr lvl="2"/>
+            <a:r>
+              <a:rPr/>
+              <a:t>*radius_worst</a:t>
+            </a:r>
+          </a:p>
+          <a:p>
             <a:pPr lvl="1"/>
             <a:r>
               <a:rPr/>
+              <a:t>Danny Top 5 Importance Variables</a:t>
+            </a:r>
+          </a:p>
+          <a:p>
+            <a:pPr lvl="2"/>
+            <a:r>
+              <a:rPr/>
+              <a:t>concave.points_worst</a:t>
+            </a:r>
+          </a:p>
+          <a:p>
+            <a:pPr lvl="2"/>
+            <a:r>
+              <a:rPr/>
+              <a:t>*concave.points_mean</a:t>
+            </a:r>
+          </a:p>
+          <a:p>
+            <a:pPr lvl="2"/>
+            <a:r>
+              <a:rPr/>
+              <a:t>*area_worst</a:t>
+            </a:r>
+          </a:p>
+          <a:p>
+            <a:pPr lvl="2"/>
+            <a:r>
+              <a:rPr/>
               <a:t>*area_mean</a:t>
             </a:r>
           </a:p>
           <a:p>
-            <a:pPr lvl="1"/>
-            <a:r>
-              <a:rPr/>
-              <a:t>*area_worst</a:t>
-            </a:r>
-          </a:p>
-          <a:p>
-            <a:pPr lvl="1"/>
-            <a:r>
-              <a:rPr/>
-              <a:t>*concave.points_mean</a:t>
-            </a:r>
-          </a:p>
-          <a:p>
-            <a:pPr lvl="1"/>
-            <a:r>
-              <a:rPr/>
-              <a:t>texture_mean</a:t>
-            </a:r>
-          </a:p>
-          <a:p>
-            <a:pPr lvl="1"/>
-            <a:r>
-              <a:rPr/>
-              <a:t>*radius_worst</a:t>
-            </a:r>
-          </a:p>
-          <a:p>
-            <a:pPr lvl="0"/>
-            <a:r>
-              <a:rPr/>
-              <a:t>Danny Top 5 Importance Variables</a:t>
-            </a:r>
-          </a:p>
-          <a:p>
-            <a:pPr lvl="1"/>
-            <a:r>
-              <a:rPr/>
-              <a:t>concave.points_worst</a:t>
-            </a:r>
-          </a:p>
-          <a:p>
-            <a:pPr lvl="1"/>
-            <a:r>
-              <a:rPr/>
-              <a:t>*concave.points_mean</a:t>
-            </a:r>
-          </a:p>
-          <a:p>
-            <a:pPr lvl="1"/>
-            <a:r>
-              <a:rPr/>
-              <a:t>*area_worst</a:t>
-            </a:r>
-          </a:p>
-          <a:p>
-            <a:pPr lvl="1"/>
-            <a:r>
-              <a:rPr/>
-              <a:t>*area_mean</a:t>
-            </a:r>
-          </a:p>
-          <a:p>
-            <a:pPr lvl="1"/>
+            <a:pPr lvl="2"/>
             <a:r>
               <a:rPr/>
               <a:t>*radius_worst</a:t>
@@ -8124,19 +9136,27 @@
           <a:bodyPr/>
           <a:lstStyle/>
           <a:p>
-            <a:pPr lvl="0" indent="0" marL="0">
+            <a:pPr lvl="0" marL="0" indent="0">
               <a:buNone/>
             </a:pPr>
             <a:r>
               <a:rPr/>
-              <a:t>Correlation Plot</a:t>
+              <a:t>Correlation</a:t>
+            </a:r>
+            <a:r>
+              <a:rPr/>
+              <a:t> </a:t>
+            </a:r>
+            <a:r>
+              <a:rPr/>
+              <a:t>Plot</a:t>
             </a:r>
           </a:p>
         </p:txBody>
       </p:sp>
       <p:pic>
         <p:nvPicPr>
-          <p:cNvPr descr="powerpoint_files/figure-pptx/unnamed-chunk-14-1.png" id="0" name="Picture 1"/>
+          <p:cNvPr descr="powerpoint_files/figure-pptx/unnamed-chunk-15-1.png" id="0" name="Picture 1"/>
           <p:cNvPicPr>
             <a:picLocks noGrp="1" noChangeAspect="1"/>
           </p:cNvPicPr>
@@ -8201,7 +9221,7 @@
           <a:bodyPr/>
           <a:lstStyle/>
           <a:p>
-            <a:pPr lvl="0" indent="0" marL="0">
+            <a:pPr lvl="0" marL="0" indent="0">
               <a:buNone/>
             </a:pPr>
             <a:r>
@@ -8226,28 +9246,28 @@
           <a:bodyPr/>
           <a:lstStyle/>
           <a:p>
-            <a:pPr lvl="0"/>
+            <a:pPr lvl="1"/>
             <a:r>
               <a:rPr/>
               <a:t>Calculating Training and Test Set Error</a:t>
             </a:r>
           </a:p>
           <a:p>
-            <a:pPr lvl="1"/>
+            <a:pPr lvl="2"/>
             <a:r>
               <a:rPr/>
               <a:t>Linear Regression</a:t>
             </a:r>
           </a:p>
           <a:p>
-            <a:pPr lvl="1"/>
+            <a:pPr lvl="2"/>
             <a:r>
               <a:rPr/>
               <a:t>Ridge Regression</a:t>
             </a:r>
           </a:p>
           <a:p>
-            <a:pPr lvl="1"/>
+            <a:pPr lvl="2"/>
             <a:r>
               <a:rPr/>
               <a:t>Lasso Regression</a:t>
@@ -8292,7 +9312,7 @@
           <a:bodyPr/>
           <a:lstStyle/>
           <a:p>
-            <a:pPr lvl="0" indent="0" marL="0">
+            <a:pPr lvl="0" marL="0" indent="0">
               <a:buNone/>
             </a:pPr>
             <a:r>
@@ -8304,7 +9324,7 @@
       </p:sp>
       <p:pic>
         <p:nvPicPr>
-          <p:cNvPr descr="fig:  area_mean.png" id="0" name="Picture 1"/>
+          <p:cNvPr descr="area_mean.png" id="0" name="Picture 1"/>
           <p:cNvPicPr>
             <a:picLocks noGrp="1" noChangeAspect="1"/>
           </p:cNvPicPr>
@@ -8352,12 +9372,44 @@
           <a:bodyPr/>
           <a:lstStyle/>
           <a:p>
-            <a:pPr lvl="0" indent="0" marL="0" algn="ctr">
+            <a:pPr lvl="0" marL="0" indent="0" algn="ctr">
               <a:buNone/>
             </a:pPr>
             <a:r>
               <a:rPr/>
-              <a:t>Best Model was Ridge Regression</a:t>
+              <a:t>Best</a:t>
+            </a:r>
+            <a:r>
+              <a:rPr/>
+              <a:t> </a:t>
+            </a:r>
+            <a:r>
+              <a:rPr/>
+              <a:t>Model</a:t>
+            </a:r>
+            <a:r>
+              <a:rPr/>
+              <a:t> </a:t>
+            </a:r>
+            <a:r>
+              <a:rPr/>
+              <a:t>was</a:t>
+            </a:r>
+            <a:r>
+              <a:rPr/>
+              <a:t> </a:t>
+            </a:r>
+            <a:r>
+              <a:rPr/>
+              <a:t>Ridge</a:t>
+            </a:r>
+            <a:r>
+              <a:rPr/>
+              <a:t> </a:t>
+            </a:r>
+            <a:r>
+              <a:rPr/>
+              <a:t>Regression</a:t>
             </a:r>
           </a:p>
         </p:txBody>
@@ -8399,7 +9451,7 @@
           <a:bodyPr/>
           <a:lstStyle/>
           <a:p>
-            <a:pPr lvl="0" indent="0" marL="0">
+            <a:pPr lvl="0" marL="0" indent="0">
               <a:buNone/>
             </a:pPr>
             <a:r>
@@ -8411,7 +9463,7 @@
       </p:sp>
       <p:pic>
         <p:nvPicPr>
-          <p:cNvPr descr="fig:  area_worst.png" id="0" name="Picture 1"/>
+          <p:cNvPr descr="area_worst.png" id="0" name="Picture 1"/>
           <p:cNvPicPr>
             <a:picLocks noGrp="1" noChangeAspect="1"/>
           </p:cNvPicPr>
@@ -8459,12 +9511,44 @@
           <a:bodyPr/>
           <a:lstStyle/>
           <a:p>
-            <a:pPr lvl="0" indent="0" marL="0" algn="ctr">
+            <a:pPr lvl="0" marL="0" indent="0" algn="ctr">
               <a:buNone/>
             </a:pPr>
             <a:r>
               <a:rPr/>
-              <a:t>Best Model was Linear Regression</a:t>
+              <a:t>Best</a:t>
+            </a:r>
+            <a:r>
+              <a:rPr/>
+              <a:t> </a:t>
+            </a:r>
+            <a:r>
+              <a:rPr/>
+              <a:t>Model</a:t>
+            </a:r>
+            <a:r>
+              <a:rPr/>
+              <a:t> </a:t>
+            </a:r>
+            <a:r>
+              <a:rPr/>
+              <a:t>was</a:t>
+            </a:r>
+            <a:r>
+              <a:rPr/>
+              <a:t> </a:t>
+            </a:r>
+            <a:r>
+              <a:rPr/>
+              <a:t>Linear</a:t>
+            </a:r>
+            <a:r>
+              <a:rPr/>
+              <a:t> </a:t>
+            </a:r>
+            <a:r>
+              <a:rPr/>
+              <a:t>Regression</a:t>
             </a:r>
           </a:p>
         </p:txBody>
@@ -8506,7 +9590,7 @@
           <a:bodyPr/>
           <a:lstStyle/>
           <a:p>
-            <a:pPr lvl="0" indent="0" marL="0">
+            <a:pPr lvl="0" marL="0" indent="0">
               <a:buNone/>
             </a:pPr>
             <a:r>
@@ -8518,7 +9602,7 @@
       </p:sp>
       <p:pic>
         <p:nvPicPr>
-          <p:cNvPr descr="fig:  concave.points_mean.png" id="0" name="Picture 1"/>
+          <p:cNvPr descr="concave.points_mean.png" id="0" name="Picture 1"/>
           <p:cNvPicPr>
             <a:picLocks noGrp="1" noChangeAspect="1"/>
           </p:cNvPicPr>
@@ -8566,12 +9650,44 @@
           <a:bodyPr/>
           <a:lstStyle/>
           <a:p>
-            <a:pPr lvl="0" indent="0" marL="0" algn="ctr">
+            <a:pPr lvl="0" marL="0" indent="0" algn="ctr">
               <a:buNone/>
             </a:pPr>
             <a:r>
               <a:rPr/>
-              <a:t>Best Model was Linear Regression</a:t>
+              <a:t>Best</a:t>
+            </a:r>
+            <a:r>
+              <a:rPr/>
+              <a:t> </a:t>
+            </a:r>
+            <a:r>
+              <a:rPr/>
+              <a:t>Model</a:t>
+            </a:r>
+            <a:r>
+              <a:rPr/>
+              <a:t> </a:t>
+            </a:r>
+            <a:r>
+              <a:rPr/>
+              <a:t>was</a:t>
+            </a:r>
+            <a:r>
+              <a:rPr/>
+              <a:t> </a:t>
+            </a:r>
+            <a:r>
+              <a:rPr/>
+              <a:t>Linear</a:t>
+            </a:r>
+            <a:r>
+              <a:rPr/>
+              <a:t> </a:t>
+            </a:r>
+            <a:r>
+              <a:rPr/>
+              <a:t>Regression</a:t>
             </a:r>
           </a:p>
         </p:txBody>
@@ -8613,7 +9729,7 @@
           <a:bodyPr/>
           <a:lstStyle/>
           <a:p>
-            <a:pPr lvl="0" indent="0" marL="0">
+            <a:pPr lvl="0" marL="0" indent="0">
               <a:buNone/>
             </a:pPr>
             <a:r>
@@ -8625,7 +9741,7 @@
       </p:sp>
       <p:pic>
         <p:nvPicPr>
-          <p:cNvPr descr="fig:  radius_worst.png" id="0" name="Picture 1"/>
+          <p:cNvPr descr="radius_worst.png" id="0" name="Picture 1"/>
           <p:cNvPicPr>
             <a:picLocks noGrp="1" noChangeAspect="1"/>
           </p:cNvPicPr>
@@ -8673,12 +9789,44 @@
           <a:bodyPr/>
           <a:lstStyle/>
           <a:p>
-            <a:pPr lvl="0" indent="0" marL="0" algn="ctr">
+            <a:pPr lvl="0" marL="0" indent="0" algn="ctr">
               <a:buNone/>
             </a:pPr>
             <a:r>
               <a:rPr/>
-              <a:t>Best Model was Linear Regression</a:t>
+              <a:t>Best</a:t>
+            </a:r>
+            <a:r>
+              <a:rPr/>
+              <a:t> </a:t>
+            </a:r>
+            <a:r>
+              <a:rPr/>
+              <a:t>Model</a:t>
+            </a:r>
+            <a:r>
+              <a:rPr/>
+              <a:t> </a:t>
+            </a:r>
+            <a:r>
+              <a:rPr/>
+              <a:t>was</a:t>
+            </a:r>
+            <a:r>
+              <a:rPr/>
+              <a:t> </a:t>
+            </a:r>
+            <a:r>
+              <a:rPr/>
+              <a:t>Linear</a:t>
+            </a:r>
+            <a:r>
+              <a:rPr/>
+              <a:t> </a:t>
+            </a:r>
+            <a:r>
+              <a:rPr/>
+              <a:t>Regression</a:t>
             </a:r>
           </a:p>
         </p:txBody>
@@ -8720,12 +9868,20 @@
           <a:bodyPr/>
           <a:lstStyle/>
           <a:p>
-            <a:pPr lvl="0" indent="0" marL="0">
+            <a:pPr lvl="0" marL="0" indent="0">
               <a:buNone/>
             </a:pPr>
             <a:r>
               <a:rPr/>
-              <a:t>Analysis Summary</a:t>
+              <a:t>Analysis</a:t>
+            </a:r>
+            <a:r>
+              <a:rPr/>
+              <a:t> </a:t>
+            </a:r>
+            <a:r>
+              <a:rPr/>
+              <a:t>Summary</a:t>
             </a:r>
           </a:p>
         </p:txBody>
@@ -8745,21 +9901,21 @@
           <a:bodyPr/>
           <a:lstStyle/>
           <a:p>
-            <a:pPr lvl="0"/>
+            <a:pPr lvl="1"/>
             <a:r>
               <a:rPr/>
               <a:t>Interpretation difficulties</a:t>
             </a:r>
           </a:p>
           <a:p>
-            <a:pPr lvl="0"/>
+            <a:pPr lvl="1"/>
             <a:r>
               <a:rPr/>
               <a:t>High prediction accuracy</a:t>
             </a:r>
           </a:p>
           <a:p>
-            <a:pPr lvl="0"/>
+            <a:pPr lvl="1"/>
             <a:r>
               <a:rPr/>
               <a:t>Successful with multiple methods of reducing Type II Error</a:t>
@@ -8804,12 +9960,20 @@
           <a:bodyPr/>
           <a:lstStyle/>
           <a:p>
-            <a:pPr lvl="0" indent="0" marL="0">
+            <a:pPr lvl="0" marL="0" indent="0">
               <a:buNone/>
             </a:pPr>
             <a:r>
               <a:rPr/>
-              <a:t>Variable Descriptions</a:t>
+              <a:t>Variable</a:t>
+            </a:r>
+            <a:r>
+              <a:rPr/>
+              <a:t> </a:t>
+            </a:r>
+            <a:r>
+              <a:rPr/>
+              <a:t>Descriptions</a:t>
             </a:r>
           </a:p>
         </p:txBody>
@@ -8829,70 +9993,70 @@
           <a:bodyPr/>
           <a:lstStyle/>
           <a:p>
-            <a:pPr lvl="0"/>
+            <a:pPr lvl="1"/>
             <a:r>
               <a:rPr/>
               <a:t>Radius: Average Distance from cell center to cell perimeter</a:t>
             </a:r>
           </a:p>
           <a:p>
-            <a:pPr lvl="0"/>
+            <a:pPr lvl="1"/>
             <a:r>
               <a:rPr/>
               <a:t>Texture: Standard deviation of gray-scale values; brightness of pixel of cell</a:t>
             </a:r>
           </a:p>
           <a:p>
-            <a:pPr lvl="0"/>
+            <a:pPr lvl="1"/>
             <a:r>
               <a:rPr/>
               <a:t>Perimeter: Distance around nucleus boundary</a:t>
             </a:r>
           </a:p>
           <a:p>
-            <a:pPr lvl="0"/>
+            <a:pPr lvl="1"/>
             <a:r>
               <a:rPr/>
               <a:t>Area: Area of the nucleus</a:t>
             </a:r>
           </a:p>
           <a:p>
-            <a:pPr lvl="0"/>
+            <a:pPr lvl="1"/>
             <a:r>
               <a:rPr/>
               <a:t>Smoothness: Variation in cell’s radial lengths</a:t>
             </a:r>
           </a:p>
           <a:p>
-            <a:pPr lvl="0"/>
+            <a:pPr lvl="1"/>
             <a:r>
               <a:rPr/>
               <a:t>Compactness: The Perimeter^2/Area</a:t>
             </a:r>
           </a:p>
           <a:p>
-            <a:pPr lvl="0"/>
+            <a:pPr lvl="1"/>
             <a:r>
               <a:rPr/>
               <a:t>Concavity: Size of the indention in nucleus boundary</a:t>
             </a:r>
           </a:p>
           <a:p>
-            <a:pPr lvl="0"/>
+            <a:pPr lvl="1"/>
             <a:r>
               <a:rPr/>
               <a:t>Concave Points: Number of points on indented section of nucleus boundary</a:t>
             </a:r>
           </a:p>
           <a:p>
-            <a:pPr lvl="0"/>
+            <a:pPr lvl="1"/>
             <a:r>
               <a:rPr/>
               <a:t>Symmetry: Deviation of the nuclei shape from the ideal measurement</a:t>
             </a:r>
           </a:p>
           <a:p>
-            <a:pPr lvl="0"/>
+            <a:pPr lvl="1"/>
             <a:r>
               <a:rPr/>
               <a:t>Fractal Dimension: Measurement of irregularity in nucleus boundary</a:t>
@@ -8937,12 +10101,20 @@
           <a:bodyPr/>
           <a:lstStyle/>
           <a:p>
-            <a:pPr lvl="0" indent="0" marL="0">
+            <a:pPr lvl="0" marL="0" indent="0">
               <a:buNone/>
             </a:pPr>
             <a:r>
               <a:rPr/>
-              <a:t>Potential Improvements</a:t>
+              <a:t>Potential</a:t>
+            </a:r>
+            <a:r>
+              <a:rPr/>
+              <a:t> </a:t>
+            </a:r>
+            <a:r>
+              <a:rPr/>
+              <a:t>Improvements</a:t>
             </a:r>
           </a:p>
         </p:txBody>
@@ -8962,21 +10134,21 @@
           <a:bodyPr/>
           <a:lstStyle/>
           <a:p>
-            <a:pPr lvl="0"/>
+            <a:pPr lvl="1"/>
             <a:r>
               <a:rPr/>
               <a:t>More data points (more observations)</a:t>
             </a:r>
           </a:p>
           <a:p>
-            <a:pPr lvl="0"/>
+            <a:pPr lvl="1"/>
             <a:r>
               <a:rPr/>
               <a:t>More features (more variables)</a:t>
             </a:r>
           </a:p>
           <a:p>
-            <a:pPr lvl="0"/>
+            <a:pPr lvl="1"/>
             <a:r>
               <a:rPr/>
               <a:t>More proccessing power</a:t>
@@ -9021,12 +10193,20 @@
           <a:bodyPr/>
           <a:lstStyle/>
           <a:p>
-            <a:pPr lvl="0" indent="0" marL="0">
+            <a:pPr lvl="0" marL="0" indent="0">
               <a:buNone/>
             </a:pPr>
             <a:r>
               <a:rPr/>
-              <a:t>Works Cited</a:t>
+              <a:t>Works</a:t>
+            </a:r>
+            <a:r>
+              <a:rPr/>
+              <a:t> </a:t>
+            </a:r>
+            <a:r>
+              <a:rPr/>
+              <a:t>Cited</a:t>
             </a:r>
           </a:p>
         </p:txBody>
@@ -9046,14 +10226,14 @@
           <a:bodyPr/>
           <a:lstStyle/>
           <a:p>
-            <a:pPr lvl="0"/>
+            <a:pPr lvl="1"/>
             <a:r>
               <a:rPr/>
               <a:t>Breast Cancer Wisconsin (Diagnostic) Data Set:</a:t>
             </a:r>
           </a:p>
           <a:p>
-            <a:pPr lvl="1"/>
+            <a:pPr lvl="2"/>
             <a:r>
               <a:rPr>
                 <a:hlinkClick r:id="rId2"/>
@@ -9062,14 +10242,14 @@
             </a:r>
           </a:p>
           <a:p>
-            <a:pPr lvl="0"/>
+            <a:pPr lvl="1"/>
             <a:r>
               <a:rPr/>
               <a:t>Definition of Features (Variables):</a:t>
             </a:r>
           </a:p>
           <a:p>
-            <a:pPr lvl="1"/>
+            <a:pPr lvl="2"/>
             <a:r>
               <a:rPr>
                 <a:hlinkClick r:id="rId3"/>
@@ -9116,7 +10296,7 @@
           <a:bodyPr/>
           <a:lstStyle/>
           <a:p>
-            <a:pPr lvl="0" indent="0" marL="0">
+            <a:pPr lvl="0" marL="0" indent="0">
               <a:buNone/>
             </a:pPr>
             <a:r>
@@ -9193,7 +10373,7 @@
           <a:bodyPr/>
           <a:lstStyle/>
           <a:p>
-            <a:pPr lvl="0" indent="0" marL="0">
+            <a:pPr lvl="0" marL="0" indent="0">
               <a:buNone/>
             </a:pPr>
             <a:r>
@@ -9270,12 +10450,20 @@
           <a:bodyPr/>
           <a:lstStyle/>
           <a:p>
-            <a:pPr lvl="0" indent="0" marL="0">
+            <a:pPr lvl="0" marL="0" indent="0">
               <a:buNone/>
             </a:pPr>
             <a:r>
               <a:rPr/>
-              <a:t>Diagnosis Distribution</a:t>
+              <a:t>Diagnosis</a:t>
+            </a:r>
+            <a:r>
+              <a:rPr/>
+              <a:t> </a:t>
+            </a:r>
+            <a:r>
+              <a:rPr/>
+              <a:t>Distribution</a:t>
             </a:r>
           </a:p>
         </p:txBody>
@@ -9347,12 +10535,28 @@
           <a:bodyPr/>
           <a:lstStyle/>
           <a:p>
-            <a:pPr lvl="0" indent="0" marL="0">
+            <a:pPr lvl="0" marL="0" indent="0">
               <a:buNone/>
             </a:pPr>
             <a:r>
               <a:rPr/>
-              <a:t>Classification Analysis: Austin</a:t>
+              <a:t>Classification</a:t>
+            </a:r>
+            <a:r>
+              <a:rPr/>
+              <a:t> </a:t>
+            </a:r>
+            <a:r>
+              <a:rPr/>
+              <a:t>Analysis:</a:t>
+            </a:r>
+            <a:r>
+              <a:rPr/>
+              <a:t> </a:t>
+            </a:r>
+            <a:r>
+              <a:rPr/>
+              <a:t>Austin</a:t>
             </a:r>
           </a:p>
         </p:txBody>
@@ -9399,7 +10603,7 @@
           <a:bodyPr/>
           <a:lstStyle/>
           <a:p>
-            <a:pPr lvl="0" indent="0" marL="0">
+            <a:pPr lvl="0" marL="0" indent="0">
               <a:buNone/>
             </a:pPr>
             <a:r>
@@ -9669,265 +10873,4 @@
     </a:ext>
   </a:extLst>
 </a:theme>
-</file>
-
-<file path=ppt/theme/theme2.xml><?xml version="1.0" encoding="utf-8"?>
-<a:theme xmlns:a="http://schemas.openxmlformats.org/drawingml/2006/main" name="Office Theme">
-  <a:themeElements>
-    <a:clrScheme name="Office">
-      <a:dk1>
-        <a:sysClr val="windowText" lastClr="000000"/>
-      </a:dk1>
-      <a:lt1>
-        <a:sysClr val="window" lastClr="FFFFFF"/>
-      </a:lt1>
-      <a:dk2>
-        <a:srgbClr val="44546A"/>
-      </a:dk2>
-      <a:lt2>
-        <a:srgbClr val="E7E6E6"/>
-      </a:lt2>
-      <a:accent1>
-        <a:srgbClr val="5B9BD5"/>
-      </a:accent1>
-      <a:accent2>
-        <a:srgbClr val="ED7D31"/>
-      </a:accent2>
-      <a:accent3>
-        <a:srgbClr val="A5A5A5"/>
-      </a:accent3>
-      <a:accent4>
-        <a:srgbClr val="FFC000"/>
-      </a:accent4>
-      <a:accent5>
-        <a:srgbClr val="4472C4"/>
-      </a:accent5>
-      <a:accent6>
-        <a:srgbClr val="70AD47"/>
-      </a:accent6>
-      <a:hlink>
-        <a:srgbClr val="0563C1"/>
-      </a:hlink>
-      <a:folHlink>
-        <a:srgbClr val="954F72"/>
-      </a:folHlink>
-    </a:clrScheme>
-    <a:fontScheme name="Office">
-      <a:majorFont>
-        <a:latin typeface="Calibri Light" panose="020F0302020204030204"/>
-        <a:ea typeface=""/>
-        <a:cs typeface=""/>
-        <a:font script="Jpan" typeface="ＭＳ Ｐゴシック"/>
-        <a:font script="Hang" typeface="맑은 고딕"/>
-        <a:font script="Hans" typeface="宋体"/>
-        <a:font script="Hant" typeface="新細明體"/>
-        <a:font script="Arab" typeface="Times New Roman"/>
-        <a:font script="Hebr" typeface="Times New Roman"/>
-        <a:font script="Thai" typeface="Angsana New"/>
-        <a:font script="Ethi" typeface="Nyala"/>
-        <a:font script="Beng" typeface="Vrinda"/>
-        <a:font script="Gujr" typeface="Shruti"/>
-        <a:font script="Khmr" typeface="MoolBoran"/>
-        <a:font script="Knda" typeface="Tunga"/>
-        <a:font script="Guru" typeface="Raavi"/>
-        <a:font script="Cans" typeface="Euphemia"/>
-        <a:font script="Cher" typeface="Plantagenet Cherokee"/>
-        <a:font script="Yiii" typeface="Microsoft Yi Baiti"/>
-        <a:font script="Tibt" typeface="Microsoft Himalaya"/>
-        <a:font script="Thaa" typeface="MV Boli"/>
-        <a:font script="Deva" typeface="Mangal"/>
-        <a:font script="Telu" typeface="Gautami"/>
-        <a:font script="Taml" typeface="Latha"/>
-        <a:font script="Syrc" typeface="Estrangelo Edessa"/>
-        <a:font script="Orya" typeface="Kalinga"/>
-        <a:font script="Mlym" typeface="Kartika"/>
-        <a:font script="Laoo" typeface="DokChampa"/>
-        <a:font script="Sinh" typeface="Iskoola Pota"/>
-        <a:font script="Mong" typeface="Mongolian Baiti"/>
-        <a:font script="Viet" typeface="Times New Roman"/>
-        <a:font script="Uigh" typeface="Microsoft Uighur"/>
-        <a:font script="Geor" typeface="Sylfaen"/>
-      </a:majorFont>
-      <a:minorFont>
-        <a:latin typeface="Calibri" panose="020F0502020204030204"/>
-        <a:ea typeface=""/>
-        <a:cs typeface=""/>
-        <a:font script="Jpan" typeface="ＭＳ Ｐゴシック"/>
-        <a:font script="Hang" typeface="맑은 고딕"/>
-        <a:font script="Hans" typeface="宋体"/>
-        <a:font script="Hant" typeface="新細明體"/>
-        <a:font script="Arab" typeface="Arial"/>
-        <a:font script="Hebr" typeface="Arial"/>
-        <a:font script="Thai" typeface="Cordia New"/>
-        <a:font script="Ethi" typeface="Nyala"/>
-        <a:font script="Beng" typeface="Vrinda"/>
-        <a:font script="Gujr" typeface="Shruti"/>
-        <a:font script="Khmr" typeface="DaunPenh"/>
-        <a:font script="Knda" typeface="Tunga"/>
-        <a:font script="Guru" typeface="Raavi"/>
-        <a:font script="Cans" typeface="Euphemia"/>
-        <a:font script="Cher" typeface="Plantagenet Cherokee"/>
-        <a:font script="Yiii" typeface="Microsoft Yi Baiti"/>
-        <a:font script="Tibt" typeface="Microsoft Himalaya"/>
-        <a:font script="Thaa" typeface="MV Boli"/>
-        <a:font script="Deva" typeface="Mangal"/>
-        <a:font script="Telu" typeface="Gautami"/>
-        <a:font script="Taml" typeface="Latha"/>
-        <a:font script="Syrc" typeface="Estrangelo Edessa"/>
-        <a:font script="Orya" typeface="Kalinga"/>
-        <a:font script="Mlym" typeface="Kartika"/>
-        <a:font script="Laoo" typeface="DokChampa"/>
-        <a:font script="Sinh" typeface="Iskoola Pota"/>
-        <a:font script="Mong" typeface="Mongolian Baiti"/>
-        <a:font script="Viet" typeface="Arial"/>
-        <a:font script="Uigh" typeface="Microsoft Uighur"/>
-        <a:font script="Geor" typeface="Sylfaen"/>
-      </a:minorFont>
-    </a:fontScheme>
-    <a:fmtScheme name="Office">
-      <a:fillStyleLst>
-        <a:solidFill>
-          <a:schemeClr val="phClr"/>
-        </a:solidFill>
-        <a:gradFill rotWithShape="1">
-          <a:gsLst>
-            <a:gs pos="0">
-              <a:schemeClr val="phClr">
-                <a:lumMod val="110000"/>
-                <a:satMod val="105000"/>
-                <a:tint val="67000"/>
-              </a:schemeClr>
-            </a:gs>
-            <a:gs pos="50000">
-              <a:schemeClr val="phClr">
-                <a:lumMod val="105000"/>
-                <a:satMod val="103000"/>
-                <a:tint val="73000"/>
-              </a:schemeClr>
-            </a:gs>
-            <a:gs pos="100000">
-              <a:schemeClr val="phClr">
-                <a:lumMod val="105000"/>
-                <a:satMod val="109000"/>
-                <a:tint val="81000"/>
-              </a:schemeClr>
-            </a:gs>
-          </a:gsLst>
-          <a:lin ang="5400000" scaled="0"/>
-        </a:gradFill>
-        <a:gradFill rotWithShape="1">
-          <a:gsLst>
-            <a:gs pos="0">
-              <a:schemeClr val="phClr">
-                <a:satMod val="103000"/>
-                <a:lumMod val="102000"/>
-                <a:tint val="94000"/>
-              </a:schemeClr>
-            </a:gs>
-            <a:gs pos="50000">
-              <a:schemeClr val="phClr">
-                <a:satMod val="110000"/>
-                <a:lumMod val="100000"/>
-                <a:shade val="100000"/>
-              </a:schemeClr>
-            </a:gs>
-            <a:gs pos="100000">
-              <a:schemeClr val="phClr">
-                <a:lumMod val="99000"/>
-                <a:satMod val="120000"/>
-                <a:shade val="78000"/>
-              </a:schemeClr>
-            </a:gs>
-          </a:gsLst>
-          <a:lin ang="5400000" scaled="0"/>
-        </a:gradFill>
-      </a:fillStyleLst>
-      <a:lnStyleLst>
-        <a:ln w="6350" cap="flat" cmpd="sng" algn="ctr">
-          <a:solidFill>
-            <a:schemeClr val="phClr"/>
-          </a:solidFill>
-          <a:prstDash val="solid"/>
-          <a:miter lim="800000"/>
-        </a:ln>
-        <a:ln w="12700" cap="flat" cmpd="sng" algn="ctr">
-          <a:solidFill>
-            <a:schemeClr val="phClr"/>
-          </a:solidFill>
-          <a:prstDash val="solid"/>
-          <a:miter lim="800000"/>
-        </a:ln>
-        <a:ln w="19050" cap="flat" cmpd="sng" algn="ctr">
-          <a:solidFill>
-            <a:schemeClr val="phClr"/>
-          </a:solidFill>
-          <a:prstDash val="solid"/>
-          <a:miter lim="800000"/>
-        </a:ln>
-      </a:lnStyleLst>
-      <a:effectStyleLst>
-        <a:effectStyle>
-          <a:effectLst/>
-        </a:effectStyle>
-        <a:effectStyle>
-          <a:effectLst/>
-        </a:effectStyle>
-        <a:effectStyle>
-          <a:effectLst>
-            <a:outerShdw blurRad="57150" dist="19050" dir="5400000" algn="ctr" rotWithShape="0">
-              <a:srgbClr val="000000">
-                <a:alpha val="63000"/>
-              </a:srgbClr>
-            </a:outerShdw>
-          </a:effectLst>
-        </a:effectStyle>
-      </a:effectStyleLst>
-      <a:bgFillStyleLst>
-        <a:solidFill>
-          <a:schemeClr val="phClr"/>
-        </a:solidFill>
-        <a:solidFill>
-          <a:schemeClr val="phClr">
-            <a:tint val="95000"/>
-            <a:satMod val="170000"/>
-          </a:schemeClr>
-        </a:solidFill>
-        <a:gradFill rotWithShape="1">
-          <a:gsLst>
-            <a:gs pos="0">
-              <a:schemeClr val="phClr">
-                <a:tint val="93000"/>
-                <a:satMod val="150000"/>
-                <a:shade val="98000"/>
-                <a:lumMod val="102000"/>
-              </a:schemeClr>
-            </a:gs>
-            <a:gs pos="50000">
-              <a:schemeClr val="phClr">
-                <a:tint val="98000"/>
-                <a:satMod val="130000"/>
-                <a:shade val="90000"/>
-                <a:lumMod val="103000"/>
-              </a:schemeClr>
-            </a:gs>
-            <a:gs pos="100000">
-              <a:schemeClr val="phClr">
-                <a:shade val="63000"/>
-                <a:satMod val="120000"/>
-              </a:schemeClr>
-            </a:gs>
-          </a:gsLst>
-          <a:lin ang="5400000" scaled="0"/>
-        </a:gradFill>
-      </a:bgFillStyleLst>
-    </a:fmtScheme>
-  </a:themeElements>
-  <a:objectDefaults/>
-  <a:extraClrSchemeLst/>
-  <a:extLst>
-    <a:ext uri="{05A4C25C-085E-4340-85A3-A5531E510DB2}">
-      <thm15:themeFamily xmlns:thm15="http://schemas.microsoft.com/office/thememl/2012/main" name="Office Theme" id="{62F939B6-93AF-4DB8-9C6B-D6C7DFDC589F}" vid="{4A3C46E8-61CC-4603-A589-7422A47A8E4A}"/>
-    </a:ext>
-  </a:extLst>
-</a:theme>
 </file>
--- a/powerpoint.pptx
+++ b/powerpoint.pptx
@@ -1,6 +1,6 @@
 
 <file path=ppt/presentation.xml><?xml version="1.0" encoding="utf-8"?>
-<p:presentation xmlns:a="http://schemas.openxmlformats.org/drawingml/2006/main" xmlns:r="http://schemas.openxmlformats.org/officeDocument/2006/relationships" xmlns:p="http://schemas.openxmlformats.org/presentationml/2006/main" saveSubsetFonts="1" autoCompressPictures="0">
+<p:presentation xmlns:a="http://schemas.openxmlformats.org/drawingml/2006/main" xmlns:p="http://schemas.openxmlformats.org/presentationml/2006/main" xmlns:r="http://schemas.openxmlformats.org/officeDocument/2006/relationships" autoCompressPictures="0" saveSubsetFonts="1">
   <p:sldMasterIdLst>
     <p:sldMasterId id="2147483952" r:id="rId1"/>
   </p:sldMasterIdLst>
@@ -53,8 +53,8 @@
     <a:defPPr>
       <a:defRPr lang="en-US"/>
     </a:defPPr>
-    <a:lvl1pPr marL="0" algn="l" defTabSz="457200" rtl="0" eaLnBrk="1" latinLnBrk="0" hangingPunct="1">
-      <a:defRPr sz="1800" kern="1200">
+    <a:lvl1pPr algn="l" defTabSz="457200" eaLnBrk="1" hangingPunct="1" latinLnBrk="0" marL="0" rtl="0">
+      <a:defRPr kern="1200" sz="1800">
         <a:solidFill>
           <a:schemeClr val="tx1"/>
         </a:solidFill>
@@ -63,8 +63,8 @@
         <a:cs typeface="+mn-cs"/>
       </a:defRPr>
     </a:lvl1pPr>
-    <a:lvl2pPr marL="457200" algn="l" defTabSz="457200" rtl="0" eaLnBrk="1" latinLnBrk="0" hangingPunct="1">
-      <a:defRPr sz="1800" kern="1200">
+    <a:lvl2pPr algn="l" defTabSz="457200" eaLnBrk="1" hangingPunct="1" latinLnBrk="0" marL="457200" rtl="0">
+      <a:defRPr kern="1200" sz="1800">
         <a:solidFill>
           <a:schemeClr val="tx1"/>
         </a:solidFill>
@@ -73,8 +73,8 @@
         <a:cs typeface="+mn-cs"/>
       </a:defRPr>
     </a:lvl2pPr>
-    <a:lvl3pPr marL="914400" algn="l" defTabSz="457200" rtl="0" eaLnBrk="1" latinLnBrk="0" hangingPunct="1">
-      <a:defRPr sz="1800" kern="1200">
+    <a:lvl3pPr algn="l" defTabSz="457200" eaLnBrk="1" hangingPunct="1" latinLnBrk="0" marL="914400" rtl="0">
+      <a:defRPr kern="1200" sz="1800">
         <a:solidFill>
           <a:schemeClr val="tx1"/>
         </a:solidFill>
@@ -83,8 +83,8 @@
         <a:cs typeface="+mn-cs"/>
       </a:defRPr>
     </a:lvl3pPr>
-    <a:lvl4pPr marL="1371600" algn="l" defTabSz="457200" rtl="0" eaLnBrk="1" latinLnBrk="0" hangingPunct="1">
-      <a:defRPr sz="1800" kern="1200">
+    <a:lvl4pPr algn="l" defTabSz="457200" eaLnBrk="1" hangingPunct="1" latinLnBrk="0" marL="1371600" rtl="0">
+      <a:defRPr kern="1200" sz="1800">
         <a:solidFill>
           <a:schemeClr val="tx1"/>
         </a:solidFill>
@@ -93,8 +93,8 @@
         <a:cs typeface="+mn-cs"/>
       </a:defRPr>
     </a:lvl4pPr>
-    <a:lvl5pPr marL="1828800" algn="l" defTabSz="457200" rtl="0" eaLnBrk="1" latinLnBrk="0" hangingPunct="1">
-      <a:defRPr sz="1800" kern="1200">
+    <a:lvl5pPr algn="l" defTabSz="457200" eaLnBrk="1" hangingPunct="1" latinLnBrk="0" marL="1828800" rtl="0">
+      <a:defRPr kern="1200" sz="1800">
         <a:solidFill>
           <a:schemeClr val="tx1"/>
         </a:solidFill>
@@ -103,8 +103,8 @@
         <a:cs typeface="+mn-cs"/>
       </a:defRPr>
     </a:lvl5pPr>
-    <a:lvl6pPr marL="2286000" algn="l" defTabSz="457200" rtl="0" eaLnBrk="1" latinLnBrk="0" hangingPunct="1">
-      <a:defRPr sz="1800" kern="1200">
+    <a:lvl6pPr algn="l" defTabSz="457200" eaLnBrk="1" hangingPunct="1" latinLnBrk="0" marL="2286000" rtl="0">
+      <a:defRPr kern="1200" sz="1800">
         <a:solidFill>
           <a:schemeClr val="tx1"/>
         </a:solidFill>
@@ -113,8 +113,8 @@
         <a:cs typeface="+mn-cs"/>
       </a:defRPr>
     </a:lvl6pPr>
-    <a:lvl7pPr marL="2743200" algn="l" defTabSz="457200" rtl="0" eaLnBrk="1" latinLnBrk="0" hangingPunct="1">
-      <a:defRPr sz="1800" kern="1200">
+    <a:lvl7pPr algn="l" defTabSz="457200" eaLnBrk="1" hangingPunct="1" latinLnBrk="0" marL="2743200" rtl="0">
+      <a:defRPr kern="1200" sz="1800">
         <a:solidFill>
           <a:schemeClr val="tx1"/>
         </a:solidFill>
@@ -123,8 +123,8 @@
         <a:cs typeface="+mn-cs"/>
       </a:defRPr>
     </a:lvl7pPr>
-    <a:lvl8pPr marL="3200400" algn="l" defTabSz="457200" rtl="0" eaLnBrk="1" latinLnBrk="0" hangingPunct="1">
-      <a:defRPr sz="1800" kern="1200">
+    <a:lvl8pPr algn="l" defTabSz="457200" eaLnBrk="1" hangingPunct="1" latinLnBrk="0" marL="3200400" rtl="0">
+      <a:defRPr kern="1200" sz="1800">
         <a:solidFill>
           <a:schemeClr val="tx1"/>
         </a:solidFill>
@@ -133,8 +133,8 @@
         <a:cs typeface="+mn-cs"/>
       </a:defRPr>
     </a:lvl8pPr>
-    <a:lvl9pPr marL="3657600" algn="l" defTabSz="457200" rtl="0" eaLnBrk="1" latinLnBrk="0" hangingPunct="1">
-      <a:defRPr sz="1800" kern="1200">
+    <a:lvl9pPr algn="l" defTabSz="457200" eaLnBrk="1" hangingPunct="1" latinLnBrk="0" marL="3657600" rtl="0">
+      <a:defRPr kern="1200" sz="1800">
         <a:solidFill>
           <a:schemeClr val="tx1"/>
         </a:solidFill>
@@ -4637,7 +4637,7 @@
 </file>
 
 <file path=ppt/slideMasters/slideMaster1.xml><?xml version="1.0" encoding="utf-8"?>
-<p:sldMaster xmlns:a="http://schemas.openxmlformats.org/drawingml/2006/main" xmlns:r="http://schemas.openxmlformats.org/officeDocument/2006/relationships" xmlns:p="http://schemas.openxmlformats.org/presentationml/2006/main">
+<p:sldMaster xmlns:a="http://schemas.openxmlformats.org/drawingml/2006/main" xmlns:p="http://schemas.openxmlformats.org/presentationml/2006/main" xmlns:r="http://schemas.openxmlformats.org/officeDocument/2006/relationships">
   <p:cSld>
     <p:bg>
       <p:bgRef idx="1001">
@@ -4762,9 +4762,9 @@
               <a:gdLst/>
               <a:ahLst/>
               <a:cxnLst/>
-              <a:rect l="l" t="t" r="r" b="b"/>
+              <a:rect b="b" l="l" r="r" t="t"/>
               <a:pathLst>
-                <a:path w="3007349" h="6866467">
+                <a:path h="6866467" w="3007349">
                   <a:moveTo>
                     <a:pt x="2045532" y="0"/>
                   </a:moveTo>
@@ -4825,9 +4825,9 @@
               <a:gdLst/>
               <a:ahLst/>
               <a:cxnLst/>
-              <a:rect l="l" t="t" r="r" b="b"/>
+              <a:rect b="b" l="l" r="r" t="t"/>
               <a:pathLst>
-                <a:path w="2573311" h="6866467">
+                <a:path h="6866467" w="2573311">
                   <a:moveTo>
                     <a:pt x="0" y="0"/>
                   </a:moveTo>
@@ -4885,7 +4885,7 @@
             </a:xfrm>
             <a:prstGeom prst="triangle">
               <a:avLst>
-                <a:gd name="adj" fmla="val 100000"/>
+                <a:gd fmla="val 100000" name="adj"/>
               </a:avLst>
             </a:prstGeom>
             <a:solidFill>
@@ -4929,9 +4929,9 @@
               <a:gdLst/>
               <a:ahLst/>
               <a:cxnLst/>
-              <a:rect l="l" t="t" r="r" b="b"/>
+              <a:rect b="b" l="l" r="r" t="t"/>
               <a:pathLst>
-                <a:path w="2858013" h="6866467">
+                <a:path h="6866467" w="2858013">
                   <a:moveTo>
                     <a:pt x="0" y="0"/>
                   </a:moveTo>
@@ -4993,9 +4993,9 @@
               <a:gdLst/>
               <a:ahLst/>
               <a:cxnLst/>
-              <a:rect l="l" t="t" r="r" b="b"/>
+              <a:rect b="b" l="l" r="r" t="t"/>
               <a:pathLst>
-                <a:path w="1290094" h="6858000">
+                <a:path h="6858000" w="1290094">
                   <a:moveTo>
                     <a:pt x="1019735" y="0"/>
                   </a:moveTo>
@@ -5057,9 +5057,9 @@
               <a:gdLst/>
               <a:ahLst/>
               <a:cxnLst/>
-              <a:rect l="l" t="t" r="r" b="b"/>
+              <a:rect b="b" l="l" r="r" t="t"/>
               <a:pathLst>
-                <a:path w="1249825" h="6858000">
+                <a:path h="6858000" w="1249825">
                   <a:moveTo>
                     <a:pt x="0" y="0"/>
                   </a:moveTo>
@@ -5118,7 +5118,7 @@
             </a:xfrm>
             <a:prstGeom prst="triangle">
               <a:avLst>
-                <a:gd name="adj" fmla="val 100000"/>
+                <a:gd fmla="val 100000" name="adj"/>
               </a:avLst>
             </a:prstGeom>
             <a:solidFill>
@@ -5160,7 +5160,7 @@
             </a:xfrm>
             <a:prstGeom prst="triangle">
               <a:avLst>
-                <a:gd name="adj" fmla="val 0"/>
+                <a:gd fmla="val 0" name="adj"/>
               </a:avLst>
             </a:prstGeom>
             <a:solidFill>
@@ -5210,7 +5210,7 @@
           </a:prstGeom>
         </p:spPr>
         <p:txBody>
-          <a:bodyPr vert="horz" lIns="91440" tIns="45720" rIns="91440" bIns="45720" rtlCol="0" anchor="t">
+          <a:bodyPr anchor="t" bIns="45720" lIns="91440" rIns="91440" rtlCol="0" tIns="45720" vert="horz">
             <a:normAutofit/>
           </a:bodyPr>
           <a:lstStyle/>
@@ -5219,7 +5219,7 @@
               <a:rPr lang="en-US"/>
               <a:t>Click to edit Master title style</a:t>
             </a:r>
-            <a:endParaRPr lang="en-US" dirty="0"/>
+            <a:endParaRPr dirty="0" lang="en-US"/>
           </a:p>
         </p:txBody>
       </p:sp>
@@ -5230,7 +5230,7 @@
             <a:spLocks noGrp="1"/>
           </p:cNvSpPr>
           <p:nvPr>
-            <p:ph type="body" idx="1"/>
+            <p:ph idx="1" type="body"/>
           </p:nvPr>
         </p:nvSpPr>
         <p:spPr>
@@ -5243,7 +5243,7 @@
           </a:prstGeom>
         </p:spPr>
         <p:txBody>
-          <a:bodyPr vert="horz" lIns="91440" tIns="45720" rIns="91440" bIns="45720" rtlCol="0">
+          <a:bodyPr bIns="45720" lIns="91440" rIns="91440" rtlCol="0" tIns="45720" vert="horz">
             <a:normAutofit/>
           </a:bodyPr>
           <a:lstStyle/>
@@ -5281,7 +5281,7 @@
               <a:rPr lang="en-US"/>
               <a:t>Fifth level</a:t>
             </a:r>
-            <a:endParaRPr lang="en-US" dirty="0"/>
+            <a:endParaRPr dirty="0" lang="en-US"/>
           </a:p>
         </p:txBody>
       </p:sp>
@@ -5292,7 +5292,7 @@
             <a:spLocks noGrp="1"/>
           </p:cNvSpPr>
           <p:nvPr>
-            <p:ph type="dt" sz="half" idx="2"/>
+            <p:ph idx="2" sz="half" type="dt"/>
           </p:nvPr>
         </p:nvSpPr>
         <p:spPr>
@@ -5305,7 +5305,7 @@
           </a:prstGeom>
         </p:spPr>
         <p:txBody>
-          <a:bodyPr vert="horz" lIns="91440" tIns="45720" rIns="91440" bIns="45720" rtlCol="0" anchor="ctr"/>
+          <a:bodyPr anchor="ctr" bIns="45720" lIns="91440" rIns="91440" rtlCol="0" tIns="45720" vert="horz"/>
           <a:lstStyle>
             <a:lvl1pPr algn="r">
               <a:defRPr sz="900">
@@ -5333,7 +5333,7 @@
             <a:spLocks noGrp="1"/>
           </p:cNvSpPr>
           <p:nvPr>
-            <p:ph type="ftr" sz="quarter" idx="3"/>
+            <p:ph idx="3" sz="quarter" type="ftr"/>
           </p:nvPr>
         </p:nvSpPr>
         <p:spPr>
@@ -5346,7 +5346,7 @@
           </a:prstGeom>
         </p:spPr>
         <p:txBody>
-          <a:bodyPr vert="horz" lIns="91440" tIns="45720" rIns="91440" bIns="45720" rtlCol="0" anchor="ctr"/>
+          <a:bodyPr anchor="ctr" bIns="45720" lIns="91440" rIns="91440" rtlCol="0" tIns="45720" vert="horz"/>
           <a:lstStyle>
             <a:lvl1pPr algn="l">
               <a:defRPr sz="900">
@@ -5370,7 +5370,7 @@
             <a:spLocks noGrp="1"/>
           </p:cNvSpPr>
           <p:nvPr>
-            <p:ph type="sldNum" sz="quarter" idx="4"/>
+            <p:ph idx="4" sz="quarter" type="sldNum"/>
           </p:nvPr>
         </p:nvSpPr>
         <p:spPr>
@@ -5383,7 +5383,7 @@
           </a:prstGeom>
         </p:spPr>
         <p:txBody>
-          <a:bodyPr vert="horz" lIns="91440" tIns="45720" rIns="91440" bIns="45720" rtlCol="0" anchor="ctr"/>
+          <a:bodyPr anchor="ctr" bIns="45720" lIns="91440" rIns="91440" rtlCol="0" tIns="45720" vert="horz"/>
           <a:lstStyle>
             <a:lvl1pPr algn="r">
               <a:defRPr sz="900">
@@ -5411,7 +5411,7 @@
       </p:ext>
     </p:extLst>
   </p:cSld>
-  <p:clrMap bg1="lt1" tx1="dk1" bg2="lt2" tx2="dk2" accent1="accent1" accent2="accent2" accent3="accent3" accent4="accent4" accent5="accent5" accent6="accent6" hlink="hlink" folHlink="folHlink"/>
+  <p:clrMap accent1="accent1" accent2="accent2" accent3="accent3" accent4="accent4" accent5="accent5" accent6="accent6" bg1="lt1" bg2="lt2" folHlink="folHlink" hlink="hlink" tx1="dk1" tx2="dk2"/>
   <p:sldLayoutIdLst>
     <p:sldLayoutId id="2147483953" r:id="rId1"/>
     <p:sldLayoutId id="2147483954" r:id="rId2"/>
@@ -5432,12 +5432,12 @@
   </p:sldLayoutIdLst>
   <p:txStyles>
     <p:titleStyle>
-      <a:lvl1pPr algn="l" defTabSz="457200" rtl="0" eaLnBrk="1" latinLnBrk="0" hangingPunct="1">
+      <a:lvl1pPr algn="l" defTabSz="457200" eaLnBrk="1" hangingPunct="1" latinLnBrk="0" rtl="0">
         <a:spcBef>
           <a:spcPct val="0"/>
         </a:spcBef>
         <a:buNone/>
-        <a:defRPr sz="3600" kern="1200">
+        <a:defRPr kern="1200" sz="3600">
           <a:solidFill>
             <a:schemeClr val="accent1">
               <a:lumMod val="75000"/>
@@ -5506,7 +5506,7 @@
       </a:lvl9pPr>
     </p:titleStyle>
     <p:bodyStyle>
-      <a:lvl1pPr marL="342900" indent="-342900" algn="l" defTabSz="457200" rtl="0" eaLnBrk="1" latinLnBrk="0" hangingPunct="1">
+      <a:lvl1pPr algn="l" defTabSz="457200" eaLnBrk="1" hangingPunct="1" indent="-342900" latinLnBrk="0" marL="342900" rtl="0">
         <a:spcBef>
           <a:spcPts val="1000"/>
         </a:spcBef>
@@ -5519,9 +5519,9 @@
           </a:schemeClr>
         </a:buClr>
         <a:buSzPct val="80000"/>
-        <a:buFont typeface="Wingdings 3" charset="2"/>
+        <a:buFont charset="2" typeface="Wingdings 3"/>
         <a:buChar char=""/>
-        <a:defRPr sz="1800" kern="1200">
+        <a:defRPr kern="1200" sz="1800">
           <a:solidFill>
             <a:schemeClr val="tx1">
               <a:lumMod val="75000"/>
@@ -5533,7 +5533,7 @@
           <a:cs typeface="+mn-cs"/>
         </a:defRPr>
       </a:lvl1pPr>
-      <a:lvl2pPr marL="742950" indent="-285750" algn="l" defTabSz="457200" rtl="0" eaLnBrk="1" latinLnBrk="0" hangingPunct="1">
+      <a:lvl2pPr algn="l" defTabSz="457200" eaLnBrk="1" hangingPunct="1" indent="-285750" latinLnBrk="0" marL="742950" rtl="0">
         <a:spcBef>
           <a:spcPts val="1000"/>
         </a:spcBef>
@@ -5546,9 +5546,9 @@
           </a:schemeClr>
         </a:buClr>
         <a:buSzPct val="80000"/>
-        <a:buFont typeface="Wingdings 3" charset="2"/>
+        <a:buFont charset="2" typeface="Wingdings 3"/>
         <a:buChar char=""/>
-        <a:defRPr sz="1600" kern="1200">
+        <a:defRPr kern="1200" sz="1600">
           <a:solidFill>
             <a:schemeClr val="tx1">
               <a:lumMod val="75000"/>
@@ -5560,7 +5560,7 @@
           <a:cs typeface="+mn-cs"/>
         </a:defRPr>
       </a:lvl2pPr>
-      <a:lvl3pPr marL="1143000" indent="-228600" algn="l" defTabSz="457200" rtl="0" eaLnBrk="1" latinLnBrk="0" hangingPunct="1">
+      <a:lvl3pPr algn="l" defTabSz="457200" eaLnBrk="1" hangingPunct="1" indent="-228600" latinLnBrk="0" marL="1143000" rtl="0">
         <a:spcBef>
           <a:spcPts val="1000"/>
         </a:spcBef>
@@ -5573,9 +5573,9 @@
           </a:schemeClr>
         </a:buClr>
         <a:buSzPct val="80000"/>
-        <a:buFont typeface="Wingdings 3" charset="2"/>
+        <a:buFont charset="2" typeface="Wingdings 3"/>
         <a:buChar char=""/>
-        <a:defRPr sz="1400" kern="1200">
+        <a:defRPr kern="1200" sz="1400">
           <a:solidFill>
             <a:schemeClr val="tx1">
               <a:lumMod val="75000"/>
@@ -5587,7 +5587,7 @@
           <a:cs typeface="+mn-cs"/>
         </a:defRPr>
       </a:lvl3pPr>
-      <a:lvl4pPr marL="1600200" indent="-228600" algn="l" defTabSz="457200" rtl="0" eaLnBrk="1" latinLnBrk="0" hangingPunct="1">
+      <a:lvl4pPr algn="l" defTabSz="457200" eaLnBrk="1" hangingPunct="1" indent="-228600" latinLnBrk="0" marL="1600200" rtl="0">
         <a:spcBef>
           <a:spcPts val="1000"/>
         </a:spcBef>
@@ -5600,9 +5600,9 @@
           </a:schemeClr>
         </a:buClr>
         <a:buSzPct val="80000"/>
-        <a:buFont typeface="Wingdings 3" charset="2"/>
+        <a:buFont charset="2" typeface="Wingdings 3"/>
         <a:buChar char=""/>
-        <a:defRPr sz="1200" kern="1200">
+        <a:defRPr kern="1200" sz="1200">
           <a:solidFill>
             <a:schemeClr val="tx1">
               <a:lumMod val="75000"/>
@@ -5614,7 +5614,7 @@
           <a:cs typeface="+mn-cs"/>
         </a:defRPr>
       </a:lvl4pPr>
-      <a:lvl5pPr marL="2057400" indent="-228600" algn="l" defTabSz="457200" rtl="0" eaLnBrk="1" latinLnBrk="0" hangingPunct="1">
+      <a:lvl5pPr algn="l" defTabSz="457200" eaLnBrk="1" hangingPunct="1" indent="-228600" latinLnBrk="0" marL="2057400" rtl="0">
         <a:spcBef>
           <a:spcPts val="1000"/>
         </a:spcBef>
@@ -5627,9 +5627,9 @@
           </a:schemeClr>
         </a:buClr>
         <a:buSzPct val="80000"/>
-        <a:buFont typeface="Wingdings 3" charset="2"/>
+        <a:buFont charset="2" typeface="Wingdings 3"/>
         <a:buChar char=""/>
-        <a:defRPr sz="1200" kern="1200">
+        <a:defRPr kern="1200" sz="1200">
           <a:solidFill>
             <a:schemeClr val="tx1">
               <a:lumMod val="75000"/>
@@ -5641,7 +5641,7 @@
           <a:cs typeface="+mn-cs"/>
         </a:defRPr>
       </a:lvl5pPr>
-      <a:lvl6pPr marL="2514600" indent="-228600" algn="l" defTabSz="457200" rtl="0" eaLnBrk="1" latinLnBrk="0" hangingPunct="1">
+      <a:lvl6pPr algn="l" defTabSz="457200" eaLnBrk="1" hangingPunct="1" indent="-228600" latinLnBrk="0" marL="2514600" rtl="0">
         <a:spcBef>
           <a:spcPts val="1000"/>
         </a:spcBef>
@@ -5654,9 +5654,9 @@
           </a:schemeClr>
         </a:buClr>
         <a:buSzPct val="80000"/>
-        <a:buFont typeface="Wingdings 3" charset="2"/>
+        <a:buFont charset="2" typeface="Wingdings 3"/>
         <a:buChar char=""/>
-        <a:defRPr sz="1200" kern="1200">
+        <a:defRPr kern="1200" sz="1200">
           <a:solidFill>
             <a:schemeClr val="tx1">
               <a:lumMod val="75000"/>
@@ -5668,7 +5668,7 @@
           <a:cs typeface="+mn-cs"/>
         </a:defRPr>
       </a:lvl6pPr>
-      <a:lvl7pPr marL="2971800" indent="-228600" algn="l" defTabSz="457200" rtl="0" eaLnBrk="1" latinLnBrk="0" hangingPunct="1">
+      <a:lvl7pPr algn="l" defTabSz="457200" eaLnBrk="1" hangingPunct="1" indent="-228600" latinLnBrk="0" marL="2971800" rtl="0">
         <a:spcBef>
           <a:spcPts val="1000"/>
         </a:spcBef>
@@ -5681,9 +5681,9 @@
           </a:schemeClr>
         </a:buClr>
         <a:buSzPct val="80000"/>
-        <a:buFont typeface="Wingdings 3" charset="2"/>
+        <a:buFont charset="2" typeface="Wingdings 3"/>
         <a:buChar char=""/>
-        <a:defRPr sz="1200" kern="1200">
+        <a:defRPr kern="1200" sz="1200">
           <a:solidFill>
             <a:schemeClr val="tx1">
               <a:lumMod val="75000"/>
@@ -5695,7 +5695,7 @@
           <a:cs typeface="+mn-cs"/>
         </a:defRPr>
       </a:lvl7pPr>
-      <a:lvl8pPr marL="3429000" indent="-228600" algn="l" defTabSz="457200" rtl="0" eaLnBrk="1" latinLnBrk="0" hangingPunct="1">
+      <a:lvl8pPr algn="l" defTabSz="457200" eaLnBrk="1" hangingPunct="1" indent="-228600" latinLnBrk="0" marL="3429000" rtl="0">
         <a:spcBef>
           <a:spcPts val="1000"/>
         </a:spcBef>
@@ -5708,9 +5708,9 @@
           </a:schemeClr>
         </a:buClr>
         <a:buSzPct val="80000"/>
-        <a:buFont typeface="Wingdings 3" charset="2"/>
+        <a:buFont charset="2" typeface="Wingdings 3"/>
         <a:buChar char=""/>
-        <a:defRPr sz="1200" kern="1200">
+        <a:defRPr kern="1200" sz="1200">
           <a:solidFill>
             <a:schemeClr val="tx1">
               <a:lumMod val="75000"/>
@@ -5722,7 +5722,7 @@
           <a:cs typeface="+mn-cs"/>
         </a:defRPr>
       </a:lvl8pPr>
-      <a:lvl9pPr marL="3886200" indent="-228600" algn="l" defTabSz="457200" rtl="0" eaLnBrk="1" latinLnBrk="0" hangingPunct="1">
+      <a:lvl9pPr algn="l" defTabSz="457200" eaLnBrk="1" hangingPunct="1" indent="-228600" latinLnBrk="0" marL="3886200" rtl="0">
         <a:spcBef>
           <a:spcPts val="1000"/>
         </a:spcBef>
@@ -5735,9 +5735,9 @@
           </a:schemeClr>
         </a:buClr>
         <a:buSzPct val="80000"/>
-        <a:buFont typeface="Wingdings 3" charset="2"/>
+        <a:buFont charset="2" typeface="Wingdings 3"/>
         <a:buChar char=""/>
-        <a:defRPr sz="1200" kern="1200">
+        <a:defRPr kern="1200" sz="1200">
           <a:solidFill>
             <a:schemeClr val="tx1">
               <a:lumMod val="75000"/>
@@ -5754,8 +5754,8 @@
       <a:defPPr>
         <a:defRPr lang="en-US"/>
       </a:defPPr>
-      <a:lvl1pPr marL="0" algn="l" defTabSz="457200" rtl="0" eaLnBrk="1" latinLnBrk="0" hangingPunct="1">
-        <a:defRPr sz="1800" kern="1200">
+      <a:lvl1pPr algn="l" defTabSz="457200" eaLnBrk="1" hangingPunct="1" latinLnBrk="0" marL="0" rtl="0">
+        <a:defRPr kern="1200" sz="1800">
           <a:solidFill>
             <a:schemeClr val="tx1"/>
           </a:solidFill>
@@ -5764,8 +5764,8 @@
           <a:cs typeface="+mn-cs"/>
         </a:defRPr>
       </a:lvl1pPr>
-      <a:lvl2pPr marL="457200" algn="l" defTabSz="457200" rtl="0" eaLnBrk="1" latinLnBrk="0" hangingPunct="1">
-        <a:defRPr sz="1800" kern="1200">
+      <a:lvl2pPr algn="l" defTabSz="457200" eaLnBrk="1" hangingPunct="1" latinLnBrk="0" marL="457200" rtl="0">
+        <a:defRPr kern="1200" sz="1800">
           <a:solidFill>
             <a:schemeClr val="tx1"/>
           </a:solidFill>
@@ -5774,8 +5774,8 @@
           <a:cs typeface="+mn-cs"/>
         </a:defRPr>
       </a:lvl2pPr>
-      <a:lvl3pPr marL="914400" algn="l" defTabSz="457200" rtl="0" eaLnBrk="1" latinLnBrk="0" hangingPunct="1">
-        <a:defRPr sz="1800" kern="1200">
+      <a:lvl3pPr algn="l" defTabSz="457200" eaLnBrk="1" hangingPunct="1" latinLnBrk="0" marL="914400" rtl="0">
+        <a:defRPr kern="1200" sz="1800">
           <a:solidFill>
             <a:schemeClr val="tx1"/>
           </a:solidFill>
@@ -5784,8 +5784,8 @@
           <a:cs typeface="+mn-cs"/>
         </a:defRPr>
       </a:lvl3pPr>
-      <a:lvl4pPr marL="1371600" algn="l" defTabSz="457200" rtl="0" eaLnBrk="1" latinLnBrk="0" hangingPunct="1">
-        <a:defRPr sz="1800" kern="1200">
+      <a:lvl4pPr algn="l" defTabSz="457200" eaLnBrk="1" hangingPunct="1" latinLnBrk="0" marL="1371600" rtl="0">
+        <a:defRPr kern="1200" sz="1800">
           <a:solidFill>
             <a:schemeClr val="tx1"/>
           </a:solidFill>
@@ -5794,8 +5794,8 @@
           <a:cs typeface="+mn-cs"/>
         </a:defRPr>
       </a:lvl4pPr>
-      <a:lvl5pPr marL="1828800" algn="l" defTabSz="457200" rtl="0" eaLnBrk="1" latinLnBrk="0" hangingPunct="1">
-        <a:defRPr sz="1800" kern="1200">
+      <a:lvl5pPr algn="l" defTabSz="457200" eaLnBrk="1" hangingPunct="1" latinLnBrk="0" marL="1828800" rtl="0">
+        <a:defRPr kern="1200" sz="1800">
           <a:solidFill>
             <a:schemeClr val="tx1"/>
           </a:solidFill>
@@ -5804,8 +5804,8 @@
           <a:cs typeface="+mn-cs"/>
         </a:defRPr>
       </a:lvl5pPr>
-      <a:lvl6pPr marL="2286000" algn="l" defTabSz="457200" rtl="0" eaLnBrk="1" latinLnBrk="0" hangingPunct="1">
-        <a:defRPr sz="1800" kern="1200">
+      <a:lvl6pPr algn="l" defTabSz="457200" eaLnBrk="1" hangingPunct="1" latinLnBrk="0" marL="2286000" rtl="0">
+        <a:defRPr kern="1200" sz="1800">
           <a:solidFill>
             <a:schemeClr val="tx1"/>
           </a:solidFill>
@@ -5814,8 +5814,8 @@
           <a:cs typeface="+mn-cs"/>
         </a:defRPr>
       </a:lvl6pPr>
-      <a:lvl7pPr marL="2743200" algn="l" defTabSz="457200" rtl="0" eaLnBrk="1" latinLnBrk="0" hangingPunct="1">
-        <a:defRPr sz="1800" kern="1200">
+      <a:lvl7pPr algn="l" defTabSz="457200" eaLnBrk="1" hangingPunct="1" latinLnBrk="0" marL="2743200" rtl="0">
+        <a:defRPr kern="1200" sz="1800">
           <a:solidFill>
             <a:schemeClr val="tx1"/>
           </a:solidFill>
@@ -5824,8 +5824,8 @@
           <a:cs typeface="+mn-cs"/>
         </a:defRPr>
       </a:lvl7pPr>
-      <a:lvl8pPr marL="3200400" algn="l" defTabSz="457200" rtl="0" eaLnBrk="1" latinLnBrk="0" hangingPunct="1">
-        <a:defRPr sz="1800" kern="1200">
+      <a:lvl8pPr algn="l" defTabSz="457200" eaLnBrk="1" hangingPunct="1" latinLnBrk="0" marL="3200400" rtl="0">
+        <a:defRPr kern="1200" sz="1800">
           <a:solidFill>
             <a:schemeClr val="tx1"/>
           </a:solidFill>
@@ -5834,8 +5834,8 @@
           <a:cs typeface="+mn-cs"/>
         </a:defRPr>
       </a:lvl8pPr>
-      <a:lvl9pPr marL="3657600" algn="l" defTabSz="457200" rtl="0" eaLnBrk="1" latinLnBrk="0" hangingPunct="1">
-        <a:defRPr sz="1800" kern="1200">
+      <a:lvl9pPr algn="l" defTabSz="457200" eaLnBrk="1" hangingPunct="1" latinLnBrk="0" marL="3657600" rtl="0">
+        <a:defRPr kern="1200" sz="1800">
           <a:solidFill>
             <a:schemeClr val="tx1"/>
           </a:solidFill>
@@ -5871,538 +5871,6 @@
           <a:chExt cx="0" cy="0"/>
         </a:xfrm>
       </p:grpSpPr>
-      <p:grpSp>
-        <p:nvGrpSpPr>
-          <p:cNvPr id="16" name="Group 15"/>
-          <p:cNvGrpSpPr/>
-          <p:nvPr/>
-        </p:nvGrpSpPr>
-        <p:grpSpPr>
-          <a:xfrm>
-            <a:off x="0" y="-8467"/>
-            <a:ext cx="12192000" cy="6866467"/>
-            <a:chOff x="0" y="-8467"/>
-            <a:chExt cx="12192000" cy="6866467"/>
-          </a:xfrm>
-        </p:grpSpPr>
-        <p:cxnSp>
-          <p:nvCxnSpPr>
-            <p:cNvPr id="19" name="Straight Connector 18"/>
-            <p:cNvCxnSpPr/>
-            <p:nvPr/>
-          </p:nvCxnSpPr>
-          <p:spPr>
-            <a:xfrm>
-              <a:off x="9371012" y="0"/>
-              <a:ext cx="1219200" cy="6858000"/>
-            </a:xfrm>
-            <a:prstGeom prst="line">
-              <a:avLst/>
-            </a:prstGeom>
-            <a:ln w="9525">
-              <a:solidFill>
-                <a:schemeClr val="accent1">
-                  <a:alpha val="70000"/>
-                </a:schemeClr>
-              </a:solidFill>
-            </a:ln>
-          </p:spPr>
-          <p:style>
-            <a:lnRef idx="2">
-              <a:schemeClr val="accent1"/>
-            </a:lnRef>
-            <a:fillRef idx="0">
-              <a:schemeClr val="accent1"/>
-            </a:fillRef>
-            <a:effectRef idx="1">
-              <a:schemeClr val="accent1"/>
-            </a:effectRef>
-            <a:fontRef idx="minor">
-              <a:schemeClr val="tx1"/>
-            </a:fontRef>
-          </p:style>
-        </p:cxnSp>
-        <p:cxnSp>
-          <p:nvCxnSpPr>
-            <p:cNvPr id="20" name="Straight Connector 19"/>
-            <p:cNvCxnSpPr/>
-            <p:nvPr/>
-          </p:nvCxnSpPr>
-          <p:spPr>
-            <a:xfrm flipH="1">
-              <a:off x="7425267" y="3681413"/>
-              <a:ext cx="4763558" cy="3176587"/>
-            </a:xfrm>
-            <a:prstGeom prst="line">
-              <a:avLst/>
-            </a:prstGeom>
-            <a:ln w="9525">
-              <a:solidFill>
-                <a:schemeClr val="accent1">
-                  <a:alpha val="70000"/>
-                </a:schemeClr>
-              </a:solidFill>
-            </a:ln>
-          </p:spPr>
-          <p:style>
-            <a:lnRef idx="2">
-              <a:schemeClr val="accent1"/>
-            </a:lnRef>
-            <a:fillRef idx="0">
-              <a:schemeClr val="accent1"/>
-            </a:fillRef>
-            <a:effectRef idx="1">
-              <a:schemeClr val="accent1"/>
-            </a:effectRef>
-            <a:fontRef idx="minor">
-              <a:schemeClr val="tx1"/>
-            </a:fontRef>
-          </p:style>
-        </p:cxnSp>
-        <p:sp>
-          <p:nvSpPr>
-            <p:cNvPr id="21" name="Rectangle 23"/>
-            <p:cNvSpPr/>
-            <p:nvPr/>
-          </p:nvSpPr>
-          <p:spPr>
-            <a:xfrm>
-              <a:off x="9181476" y="-8467"/>
-              <a:ext cx="3007349" cy="6866467"/>
-            </a:xfrm>
-            <a:custGeom>
-              <a:avLst/>
-              <a:gdLst/>
-              <a:ahLst/>
-              <a:cxnLst/>
-              <a:rect l="l" t="t" r="r" b="b"/>
-              <a:pathLst>
-                <a:path w="3007349" h="6866467">
-                  <a:moveTo>
-                    <a:pt x="2045532" y="0"/>
-                  </a:moveTo>
-                  <a:lnTo>
-                    <a:pt x="3007349" y="0"/>
-                  </a:lnTo>
-                  <a:lnTo>
-                    <a:pt x="3007349" y="6866467"/>
-                  </a:lnTo>
-                  <a:lnTo>
-                    <a:pt x="0" y="6866467"/>
-                  </a:lnTo>
-                  <a:lnTo>
-                    <a:pt x="2045532" y="0"/>
-                  </a:lnTo>
-                  <a:close/>
-                </a:path>
-              </a:pathLst>
-            </a:custGeom>
-            <a:solidFill>
-              <a:schemeClr val="accent1">
-                <a:alpha val="36000"/>
-              </a:schemeClr>
-            </a:solidFill>
-            <a:ln>
-              <a:noFill/>
-            </a:ln>
-            <a:effectLst/>
-          </p:spPr>
-          <p:style>
-            <a:lnRef idx="1">
-              <a:schemeClr val="accent1"/>
-            </a:lnRef>
-            <a:fillRef idx="3">
-              <a:schemeClr val="accent1"/>
-            </a:fillRef>
-            <a:effectRef idx="2">
-              <a:schemeClr val="accent1"/>
-            </a:effectRef>
-            <a:fontRef idx="minor">
-              <a:schemeClr val="lt1"/>
-            </a:fontRef>
-          </p:style>
-        </p:sp>
-        <p:sp>
-          <p:nvSpPr>
-            <p:cNvPr id="22" name="Rectangle 25"/>
-            <p:cNvSpPr/>
-            <p:nvPr/>
-          </p:nvSpPr>
-          <p:spPr>
-            <a:xfrm>
-              <a:off x="9603442" y="-8467"/>
-              <a:ext cx="2588558" cy="6866467"/>
-            </a:xfrm>
-            <a:custGeom>
-              <a:avLst/>
-              <a:gdLst/>
-              <a:ahLst/>
-              <a:cxnLst/>
-              <a:rect l="l" t="t" r="r" b="b"/>
-              <a:pathLst>
-                <a:path w="2573311" h="6866467">
-                  <a:moveTo>
-                    <a:pt x="0" y="0"/>
-                  </a:moveTo>
-                  <a:lnTo>
-                    <a:pt x="2573311" y="0"/>
-                  </a:lnTo>
-                  <a:lnTo>
-                    <a:pt x="2573311" y="6866467"/>
-                  </a:lnTo>
-                  <a:lnTo>
-                    <a:pt x="1202336" y="6866467"/>
-                  </a:lnTo>
-                  <a:lnTo>
-                    <a:pt x="0" y="0"/>
-                  </a:lnTo>
-                  <a:close/>
-                </a:path>
-              </a:pathLst>
-            </a:custGeom>
-            <a:solidFill>
-              <a:schemeClr val="accent1">
-                <a:alpha val="20000"/>
-              </a:schemeClr>
-            </a:solidFill>
-            <a:ln>
-              <a:noFill/>
-            </a:ln>
-            <a:effectLst/>
-          </p:spPr>
-          <p:style>
-            <a:lnRef idx="1">
-              <a:schemeClr val="accent1"/>
-            </a:lnRef>
-            <a:fillRef idx="3">
-              <a:schemeClr val="accent1"/>
-            </a:fillRef>
-            <a:effectRef idx="2">
-              <a:schemeClr val="accent1"/>
-            </a:effectRef>
-            <a:fontRef idx="minor">
-              <a:schemeClr val="lt1"/>
-            </a:fontRef>
-          </p:style>
-        </p:sp>
-        <p:sp>
-          <p:nvSpPr>
-            <p:cNvPr id="23" name="Isosceles Triangle 22"/>
-            <p:cNvSpPr/>
-            <p:nvPr/>
-          </p:nvSpPr>
-          <p:spPr>
-            <a:xfrm>
-              <a:off x="8932333" y="3048000"/>
-              <a:ext cx="3259667" cy="3810000"/>
-            </a:xfrm>
-            <a:prstGeom prst="triangle">
-              <a:avLst>
-                <a:gd name="adj" fmla="val 100000"/>
-              </a:avLst>
-            </a:prstGeom>
-            <a:solidFill>
-              <a:schemeClr val="accent1">
-                <a:alpha val="72000"/>
-              </a:schemeClr>
-            </a:solidFill>
-            <a:ln>
-              <a:noFill/>
-            </a:ln>
-            <a:effectLst/>
-          </p:spPr>
-          <p:style>
-            <a:lnRef idx="1">
-              <a:schemeClr val="accent1"/>
-            </a:lnRef>
-            <a:fillRef idx="3">
-              <a:schemeClr val="accent1"/>
-            </a:fillRef>
-            <a:effectRef idx="2">
-              <a:schemeClr val="accent1"/>
-            </a:effectRef>
-            <a:fontRef idx="minor">
-              <a:schemeClr val="lt1"/>
-            </a:fontRef>
-          </p:style>
-        </p:sp>
-        <p:sp>
-          <p:nvSpPr>
-            <p:cNvPr id="24" name="Rectangle 27"/>
-            <p:cNvSpPr/>
-            <p:nvPr/>
-          </p:nvSpPr>
-          <p:spPr>
-            <a:xfrm>
-              <a:off x="9334500" y="-8467"/>
-              <a:ext cx="2854326" cy="6866467"/>
-            </a:xfrm>
-            <a:custGeom>
-              <a:avLst/>
-              <a:gdLst/>
-              <a:ahLst/>
-              <a:cxnLst/>
-              <a:rect l="l" t="t" r="r" b="b"/>
-              <a:pathLst>
-                <a:path w="2858013" h="6866467">
-                  <a:moveTo>
-                    <a:pt x="0" y="0"/>
-                  </a:moveTo>
-                  <a:lnTo>
-                    <a:pt x="2858013" y="0"/>
-                  </a:lnTo>
-                  <a:lnTo>
-                    <a:pt x="2858013" y="6866467"/>
-                  </a:lnTo>
-                  <a:lnTo>
-                    <a:pt x="2473942" y="6866467"/>
-                  </a:lnTo>
-                  <a:lnTo>
-                    <a:pt x="0" y="0"/>
-                  </a:lnTo>
-                  <a:close/>
-                </a:path>
-              </a:pathLst>
-            </a:custGeom>
-            <a:solidFill>
-              <a:schemeClr val="accent1">
-                <a:lumMod val="75000"/>
-                <a:alpha val="50000"/>
-              </a:schemeClr>
-            </a:solidFill>
-            <a:ln>
-              <a:noFill/>
-            </a:ln>
-            <a:effectLst/>
-          </p:spPr>
-          <p:style>
-            <a:lnRef idx="1">
-              <a:schemeClr val="accent1"/>
-            </a:lnRef>
-            <a:fillRef idx="3">
-              <a:schemeClr val="accent1"/>
-            </a:fillRef>
-            <a:effectRef idx="2">
-              <a:schemeClr val="accent1"/>
-            </a:effectRef>
-            <a:fontRef idx="minor">
-              <a:schemeClr val="lt1"/>
-            </a:fontRef>
-          </p:style>
-        </p:sp>
-        <p:sp>
-          <p:nvSpPr>
-            <p:cNvPr id="25" name="Rectangle 28"/>
-            <p:cNvSpPr/>
-            <p:nvPr/>
-          </p:nvSpPr>
-          <p:spPr>
-            <a:xfrm>
-              <a:off x="10898730" y="-8467"/>
-              <a:ext cx="1290094" cy="6866467"/>
-            </a:xfrm>
-            <a:custGeom>
-              <a:avLst/>
-              <a:gdLst/>
-              <a:ahLst/>
-              <a:cxnLst/>
-              <a:rect l="l" t="t" r="r" b="b"/>
-              <a:pathLst>
-                <a:path w="1290094" h="6858000">
-                  <a:moveTo>
-                    <a:pt x="1019735" y="0"/>
-                  </a:moveTo>
-                  <a:lnTo>
-                    <a:pt x="1290094" y="0"/>
-                  </a:lnTo>
-                  <a:lnTo>
-                    <a:pt x="1290094" y="6858000"/>
-                  </a:lnTo>
-                  <a:lnTo>
-                    <a:pt x="0" y="6858000"/>
-                  </a:lnTo>
-                  <a:lnTo>
-                    <a:pt x="1019735" y="0"/>
-                  </a:lnTo>
-                  <a:close/>
-                </a:path>
-              </a:pathLst>
-            </a:custGeom>
-            <a:solidFill>
-              <a:schemeClr val="accent1">
-                <a:lumMod val="75000"/>
-                <a:alpha val="70000"/>
-              </a:schemeClr>
-            </a:solidFill>
-            <a:ln>
-              <a:noFill/>
-            </a:ln>
-            <a:effectLst/>
-          </p:spPr>
-          <p:style>
-            <a:lnRef idx="1">
-              <a:schemeClr val="accent1"/>
-            </a:lnRef>
-            <a:fillRef idx="3">
-              <a:schemeClr val="accent1"/>
-            </a:fillRef>
-            <a:effectRef idx="2">
-              <a:schemeClr val="accent1"/>
-            </a:effectRef>
-            <a:fontRef idx="minor">
-              <a:schemeClr val="lt1"/>
-            </a:fontRef>
-          </p:style>
-        </p:sp>
-        <p:sp>
-          <p:nvSpPr>
-            <p:cNvPr id="26" name="Rectangle 29"/>
-            <p:cNvSpPr/>
-            <p:nvPr/>
-          </p:nvSpPr>
-          <p:spPr>
-            <a:xfrm>
-              <a:off x="10938999" y="-8467"/>
-              <a:ext cx="1249825" cy="6866467"/>
-            </a:xfrm>
-            <a:custGeom>
-              <a:avLst/>
-              <a:gdLst/>
-              <a:ahLst/>
-              <a:cxnLst/>
-              <a:rect l="l" t="t" r="r" b="b"/>
-              <a:pathLst>
-                <a:path w="1249825" h="6858000">
-                  <a:moveTo>
-                    <a:pt x="0" y="0"/>
-                  </a:moveTo>
-                  <a:lnTo>
-                    <a:pt x="1249825" y="0"/>
-                  </a:lnTo>
-                  <a:lnTo>
-                    <a:pt x="1249825" y="6858000"/>
-                  </a:lnTo>
-                  <a:lnTo>
-                    <a:pt x="1109382" y="6858000"/>
-                  </a:lnTo>
-                  <a:lnTo>
-                    <a:pt x="0" y="0"/>
-                  </a:lnTo>
-                  <a:close/>
-                </a:path>
-              </a:pathLst>
-            </a:custGeom>
-            <a:solidFill>
-              <a:schemeClr val="accent1">
-                <a:lumMod val="50000"/>
-                <a:alpha val="80000"/>
-              </a:schemeClr>
-            </a:solidFill>
-            <a:ln>
-              <a:noFill/>
-            </a:ln>
-            <a:effectLst/>
-          </p:spPr>
-          <p:style>
-            <a:lnRef idx="1">
-              <a:schemeClr val="accent1"/>
-            </a:lnRef>
-            <a:fillRef idx="3">
-              <a:schemeClr val="accent1"/>
-            </a:fillRef>
-            <a:effectRef idx="2">
-              <a:schemeClr val="accent1"/>
-            </a:effectRef>
-            <a:fontRef idx="minor">
-              <a:schemeClr val="lt1"/>
-            </a:fontRef>
-          </p:style>
-        </p:sp>
-        <p:sp>
-          <p:nvSpPr>
-            <p:cNvPr id="27" name="Isosceles Triangle 26"/>
-            <p:cNvSpPr/>
-            <p:nvPr/>
-          </p:nvSpPr>
-          <p:spPr>
-            <a:xfrm>
-              <a:off x="10371666" y="3589867"/>
-              <a:ext cx="1817159" cy="3268133"/>
-            </a:xfrm>
-            <a:prstGeom prst="triangle">
-              <a:avLst>
-                <a:gd name="adj" fmla="val 100000"/>
-              </a:avLst>
-            </a:prstGeom>
-            <a:solidFill>
-              <a:schemeClr val="accent1">
-                <a:lumMod val="50000"/>
-                <a:alpha val="66000"/>
-              </a:schemeClr>
-            </a:solidFill>
-            <a:ln>
-              <a:noFill/>
-            </a:ln>
-            <a:effectLst/>
-          </p:spPr>
-          <p:style>
-            <a:lnRef idx="1">
-              <a:schemeClr val="accent1"/>
-            </a:lnRef>
-            <a:fillRef idx="3">
-              <a:schemeClr val="accent1"/>
-            </a:fillRef>
-            <a:effectRef idx="2">
-              <a:schemeClr val="accent1"/>
-            </a:effectRef>
-            <a:fontRef idx="minor">
-              <a:schemeClr val="lt1"/>
-            </a:fontRef>
-          </p:style>
-        </p:sp>
-        <p:sp>
-          <p:nvSpPr>
-            <p:cNvPr id="29" name="Isosceles Triangle 28"/>
-            <p:cNvSpPr/>
-            <p:nvPr/>
-          </p:nvSpPr>
-          <p:spPr>
-            <a:xfrm rot="10800000">
-              <a:off x="0" y="0"/>
-              <a:ext cx="842596" cy="5666154"/>
-            </a:xfrm>
-            <a:prstGeom prst="triangle">
-              <a:avLst>
-                <a:gd name="adj" fmla="val 100000"/>
-              </a:avLst>
-            </a:prstGeom>
-            <a:solidFill>
-              <a:schemeClr val="accent1">
-                <a:lumMod val="75000"/>
-                <a:alpha val="70000"/>
-              </a:schemeClr>
-            </a:solidFill>
-            <a:ln>
-              <a:noFill/>
-            </a:ln>
-            <a:effectLst/>
-          </p:spPr>
-          <p:style>
-            <a:lnRef idx="1">
-              <a:schemeClr val="accent1"/>
-            </a:lnRef>
-            <a:fillRef idx="3">
-              <a:schemeClr val="accent1"/>
-            </a:fillRef>
-            <a:effectRef idx="2">
-              <a:schemeClr val="accent1"/>
-            </a:effectRef>
-            <a:fontRef idx="minor">
-              <a:schemeClr val="lt1"/>
-            </a:fontRef>
-          </p:style>
-        </p:sp>
-      </p:grpSp>
       <p:sp>
         <p:nvSpPr>
           <p:cNvPr id="2" name="Title 1"/>
@@ -6423,44 +5891,12 @@
           <a:bodyPr/>
           <a:lstStyle/>
           <a:p>
-            <a:pPr lvl="0" marL="0" indent="0">
+            <a:pPr lvl="0" indent="0" marL="0">
               <a:buNone/>
             </a:pPr>
             <a:r>
               <a:rPr/>
-              <a:t>Breast</a:t>
-            </a:r>
-            <a:r>
-              <a:rPr/>
-              <a:t> </a:t>
-            </a:r>
-            <a:r>
-              <a:rPr/>
-              <a:t>Cancer</a:t>
-            </a:r>
-            <a:r>
-              <a:rPr/>
-              <a:t> </a:t>
-            </a:r>
-            <a:r>
-              <a:rPr/>
-              <a:t>Diagnosis</a:t>
-            </a:r>
-            <a:r>
-              <a:rPr/>
-              <a:t> </a:t>
-            </a:r>
-            <a:r>
-              <a:rPr/>
-              <a:t>Classification</a:t>
-            </a:r>
-            <a:r>
-              <a:rPr/>
-              <a:t> </a:t>
-            </a:r>
-            <a:r>
-              <a:rPr/>
-              <a:t>Analysis</a:t>
+              <a:t>Breast Cancer Diagnosis Classification Analysis</a:t>
             </a:r>
           </a:p>
         </p:txBody>
@@ -6472,7 +5908,7 @@
             <a:spLocks noGrp="1"/>
           </p:cNvSpPr>
           <p:nvPr>
-            <p:ph type="subTitle" idx="1"/>
+            <p:ph idx="1" type="subTitle"/>
           </p:nvPr>
         </p:nvSpPr>
         <p:spPr>
@@ -6485,62 +5921,14 @@
           <a:bodyPr/>
           <a:lstStyle/>
           <a:p>
-            <a:pPr lvl="0" marL="0" indent="0">
+            <a:pPr lvl="0" indent="0" marL="0">
               <a:buNone/>
             </a:pPr>
             <a:br/>
             <a:br/>
             <a:r>
               <a:rPr/>
-              <a:t>Austin</a:t>
-            </a:r>
-            <a:r>
-              <a:rPr/>
-              <a:t> </a:t>
-            </a:r>
-            <a:r>
-              <a:rPr/>
-              <a:t>Lackey,</a:t>
-            </a:r>
-            <a:r>
-              <a:rPr/>
-              <a:t> </a:t>
-            </a:r>
-            <a:r>
-              <a:rPr/>
-              <a:t>Ethan</a:t>
-            </a:r>
-            <a:r>
-              <a:rPr/>
-              <a:t> </a:t>
-            </a:r>
-            <a:r>
-              <a:rPr/>
-              <a:t>Powers</a:t>
-            </a:r>
-            <a:r>
-              <a:rPr/>
-              <a:t> </a:t>
-            </a:r>
-            <a:r>
-              <a:rPr/>
-              <a:t>and</a:t>
-            </a:r>
-            <a:r>
-              <a:rPr/>
-              <a:t> </a:t>
-            </a:r>
-            <a:r>
-              <a:rPr/>
-              <a:t>Danny</a:t>
-            </a:r>
-            <a:r>
-              <a:rPr/>
-              <a:t> </a:t>
-            </a:r>
-            <a:r>
-              <a:rPr/>
-              <a:t>Laposata</a:t>
+              <a:t>Austin Lackey, Ethan Powers and Danny Laposata</a:t>
             </a:r>
           </a:p>
         </p:txBody>
@@ -6552,36 +5940,20 @@
             <a:spLocks noGrp="1"/>
           </p:cNvSpPr>
           <p:nvPr>
-            <p:ph type="dt" sz="half" idx="10"/>
-          </p:nvPr>
-        </p:nvSpPr>
-        <p:spPr/>
-        <p:txBody>
-          <a:bodyPr/>
-          <a:lstStyle/>
-          <a:p>
-            <a:pPr lvl="0" marL="0" indent="0">
+            <p:ph idx="10" sz="half" type="dt"/>
+          </p:nvPr>
+        </p:nvSpPr>
+        <p:spPr/>
+        <p:txBody>
+          <a:bodyPr/>
+          <a:lstStyle/>
+          <a:p>
+            <a:pPr lvl="0" indent="0" marL="0">
               <a:buNone/>
             </a:pPr>
             <a:r>
               <a:rPr/>
-              <a:t>December</a:t>
-            </a:r>
-            <a:r>
-              <a:rPr/>
-              <a:t> </a:t>
-            </a:r>
-            <a:r>
-              <a:rPr/>
-              <a:t>9th,</a:t>
-            </a:r>
-            <a:r>
-              <a:rPr/>
-              <a:t> </a:t>
-            </a:r>
-            <a:r>
-              <a:rPr/>
-              <a:t>2022</a:t>
+              <a:t>December 9th, 2022</a:t>
             </a:r>
           </a:p>
         </p:txBody>
@@ -6628,20 +6000,12 @@
           <a:bodyPr/>
           <a:lstStyle/>
           <a:p>
-            <a:pPr lvl="0" marL="0" indent="0">
+            <a:pPr lvl="0" indent="0" marL="0">
               <a:buNone/>
             </a:pPr>
             <a:r>
               <a:rPr/>
-              <a:t>KNN</a:t>
-            </a:r>
-            <a:r>
-              <a:rPr/>
-              <a:t> </a:t>
-            </a:r>
-            <a:r>
-              <a:rPr/>
-              <a:t>Model</a:t>
+              <a:t>KNN Model</a:t>
             </a:r>
           </a:p>
         </p:txBody>
@@ -6683,20 +6047,12 @@
           <a:bodyPr/>
           <a:lstStyle/>
           <a:p>
-            <a:pPr lvl="0" marL="0" indent="0">
+            <a:pPr lvl="0" indent="0" marL="0">
               <a:buNone/>
             </a:pPr>
             <a:r>
               <a:rPr/>
-              <a:t>Tuning</a:t>
-            </a:r>
-            <a:r>
-              <a:rPr/>
-              <a:t> </a:t>
-            </a:r>
-            <a:r>
-              <a:rPr/>
-              <a:t>KNN</a:t>
+              <a:t>Tuning KNN</a:t>
             </a:r>
           </a:p>
         </p:txBody>
@@ -6768,20 +6124,12 @@
           <a:bodyPr/>
           <a:lstStyle/>
           <a:p>
-            <a:pPr lvl="0" marL="0" indent="0">
+            <a:pPr lvl="0" indent="0" marL="0">
               <a:buNone/>
             </a:pPr>
             <a:r>
               <a:rPr/>
-              <a:t>Tuned</a:t>
-            </a:r>
-            <a:r>
-              <a:rPr/>
-              <a:t> </a:t>
-            </a:r>
-            <a:r>
-              <a:rPr/>
-              <a:t>KNN</a:t>
+              <a:t>Tuned KNN</a:t>
             </a:r>
           </a:p>
         </p:txBody>
@@ -6853,28 +6201,12 @@
           <a:bodyPr/>
           <a:lstStyle/>
           <a:p>
-            <a:pPr lvl="0" marL="0" indent="0">
+            <a:pPr lvl="0" indent="0" marL="0">
               <a:buNone/>
             </a:pPr>
             <a:r>
               <a:rPr/>
-              <a:t>Tuned</a:t>
-            </a:r>
-            <a:r>
-              <a:rPr/>
-              <a:t> </a:t>
-            </a:r>
-            <a:r>
-              <a:rPr/>
-              <a:t>KNN</a:t>
-            </a:r>
-            <a:r>
-              <a:rPr/>
-              <a:t> </a:t>
-            </a:r>
-            <a:r>
-              <a:rPr/>
-              <a:t>Parameters</a:t>
+              <a:t>Tuned KNN Parameters</a:t>
             </a:r>
           </a:p>
         </p:txBody>
@@ -6896,27 +6228,30 @@
               <a:bodyPr/>
               <a:lstStyle/>
               <a:p>
-                <a:pPr lvl="1"/>
+                <a:pPr lvl="0"/>
                 <a:r>
                   <a:rPr/>
                   <a:t>Using all features</a:t>
                 </a:r>
               </a:p>
               <a:p>
-                <a:pPr lvl="1"/>
+                <a:pPr lvl="0"/>
                 <a:r>
                   <a:rPr/>
                   <a:t>10-fold cross validation repeated 10 times</a:t>
                 </a:r>
               </a:p>
               <a:p>
-                <a:pPr lvl="1"/>
+                <a:pPr lvl="0"/>
                 <a14:m>
                   <m:oMath xmlns:m="http://schemas.openxmlformats.org/officeDocument/2006/math">
                     <m:r>
                       <m:t>k</m:t>
                     </m:r>
                     <m:r>
+                      <m:rPr>
+                        <m:sty m:val="p"/>
+                      </m:rPr>
                       <m:t>=</m:t>
                     </m:r>
                   </m:oMath>
@@ -6927,14 +6262,14 @@
                 </a:r>
               </a:p>
               <a:p>
-                <a:pPr lvl="1"/>
+                <a:pPr lvl="0"/>
                 <a:r>
                   <a:rPr/>
                   <a:t>Type II Error: 0.0440529</a:t>
                 </a:r>
               </a:p>
               <a:p>
-                <a:pPr lvl="1"/>
+                <a:pPr lvl="0"/>
                 <a:r>
                   <a:rPr/>
                   <a:t>Accuracy: 0.9339207</a:t>
@@ -6986,20 +6321,12 @@
           <a:bodyPr/>
           <a:lstStyle/>
           <a:p>
-            <a:pPr lvl="0" marL="0" indent="0">
+            <a:pPr lvl="0" indent="0" marL="0">
               <a:buNone/>
             </a:pPr>
             <a:r>
               <a:rPr/>
-              <a:t>Random</a:t>
-            </a:r>
-            <a:r>
-              <a:rPr/>
-              <a:t> </a:t>
-            </a:r>
-            <a:r>
-              <a:rPr/>
-              <a:t>Forrest</a:t>
+              <a:t>Random Forrest</a:t>
             </a:r>
           </a:p>
         </p:txBody>
@@ -7041,28 +6368,12 @@
           <a:bodyPr/>
           <a:lstStyle/>
           <a:p>
-            <a:pPr lvl="0" marL="0" indent="0">
+            <a:pPr lvl="0" indent="0" marL="0">
               <a:buNone/>
             </a:pPr>
             <a:r>
               <a:rPr/>
-              <a:t>Tuning</a:t>
-            </a:r>
-            <a:r>
-              <a:rPr/>
-              <a:t> </a:t>
-            </a:r>
-            <a:r>
-              <a:rPr/>
-              <a:t>Random</a:t>
-            </a:r>
-            <a:r>
-              <a:rPr/>
-              <a:t> </a:t>
-            </a:r>
-            <a:r>
-              <a:rPr/>
-              <a:t>Forrest</a:t>
+              <a:t>Tuning Random Forrest</a:t>
             </a:r>
           </a:p>
         </p:txBody>
@@ -7134,28 +6445,12 @@
           <a:bodyPr/>
           <a:lstStyle/>
           <a:p>
-            <a:pPr lvl="0" marL="0" indent="0">
+            <a:pPr lvl="0" indent="0" marL="0">
               <a:buNone/>
             </a:pPr>
             <a:r>
               <a:rPr/>
-              <a:t>Tuned</a:t>
-            </a:r>
-            <a:r>
-              <a:rPr/>
-              <a:t> </a:t>
-            </a:r>
-            <a:r>
-              <a:rPr/>
-              <a:t>Random</a:t>
-            </a:r>
-            <a:r>
-              <a:rPr/>
-              <a:t> </a:t>
-            </a:r>
-            <a:r>
-              <a:rPr/>
-              <a:t>Forrest</a:t>
+              <a:t>Tuned Random Forrest</a:t>
             </a:r>
           </a:p>
         </p:txBody>
@@ -7227,36 +6522,12 @@
           <a:bodyPr/>
           <a:lstStyle/>
           <a:p>
-            <a:pPr lvl="0" marL="0" indent="0">
+            <a:pPr lvl="0" indent="0" marL="0">
               <a:buNone/>
             </a:pPr>
             <a:r>
               <a:rPr/>
-              <a:t>Tuned</a:t>
-            </a:r>
-            <a:r>
-              <a:rPr/>
-              <a:t> </a:t>
-            </a:r>
-            <a:r>
-              <a:rPr/>
-              <a:t>Random</a:t>
-            </a:r>
-            <a:r>
-              <a:rPr/>
-              <a:t> </a:t>
-            </a:r>
-            <a:r>
-              <a:rPr/>
-              <a:t>Forrest</a:t>
-            </a:r>
-            <a:r>
-              <a:rPr/>
-              <a:t> </a:t>
-            </a:r>
-            <a:r>
-              <a:rPr/>
-              <a:t>Parameters</a:t>
+              <a:t>Tuned Random Forrest Parameters</a:t>
             </a:r>
           </a:p>
         </p:txBody>
@@ -7278,27 +6549,30 @@
               <a:bodyPr/>
               <a:lstStyle/>
               <a:p>
-                <a:pPr lvl="1"/>
+                <a:pPr lvl="0"/>
                 <a:r>
                   <a:rPr/>
                   <a:t>Using all features</a:t>
                 </a:r>
               </a:p>
               <a:p>
-                <a:pPr lvl="1"/>
+                <a:pPr lvl="0"/>
                 <a:r>
                   <a:rPr/>
                   <a:t>10-fold cross validation repeated 10 times</a:t>
                 </a:r>
               </a:p>
               <a:p>
-                <a:pPr lvl="1"/>
+                <a:pPr lvl="0"/>
                 <a14:m>
                   <m:oMath xmlns:m="http://schemas.openxmlformats.org/officeDocument/2006/math">
                     <m:r>
                       <m:t>n</m:t>
                     </m:r>
                     <m:r>
+                      <m:rPr>
+                        <m:sty m:val="p"/>
+                      </m:rPr>
                       <m:t>=</m:t>
                     </m:r>
                   </m:oMath>
@@ -7309,14 +6583,14 @@
                 </a:r>
               </a:p>
               <a:p>
-                <a:pPr lvl="1"/>
+                <a:pPr lvl="0"/>
                 <a:r>
                   <a:rPr/>
                   <a:t>Type II Error: 0.0220264</a:t>
                 </a:r>
               </a:p>
               <a:p>
-                <a:pPr lvl="1"/>
+                <a:pPr lvl="0"/>
                 <a:r>
                   <a:rPr/>
                   <a:t>Accuracy: 0.9603524</a:t>
@@ -7368,28 +6642,12 @@
           <a:bodyPr/>
           <a:lstStyle/>
           <a:p>
-            <a:pPr lvl="0" marL="0" indent="0">
+            <a:pPr lvl="0" indent="0" marL="0">
               <a:buNone/>
             </a:pPr>
             <a:r>
               <a:rPr/>
-              <a:t>Support</a:t>
-            </a:r>
-            <a:r>
-              <a:rPr/>
-              <a:t> </a:t>
-            </a:r>
-            <a:r>
-              <a:rPr/>
-              <a:t>Vector</a:t>
-            </a:r>
-            <a:r>
-              <a:rPr/>
-              <a:t> </a:t>
-            </a:r>
-            <a:r>
-              <a:rPr/>
-              <a:t>Machines</a:t>
+              <a:t>Support Vector Machines</a:t>
             </a:r>
           </a:p>
         </p:txBody>
@@ -7431,36 +6689,12 @@
           <a:bodyPr/>
           <a:lstStyle/>
           <a:p>
-            <a:pPr lvl="0" marL="0" indent="0">
+            <a:pPr lvl="0" indent="0" marL="0">
               <a:buNone/>
             </a:pPr>
             <a:r>
               <a:rPr/>
-              <a:t>Radial</a:t>
-            </a:r>
-            <a:r>
-              <a:rPr/>
-              <a:t> </a:t>
-            </a:r>
-            <a:r>
-              <a:rPr/>
-              <a:t>Support</a:t>
-            </a:r>
-            <a:r>
-              <a:rPr/>
-              <a:t> </a:t>
-            </a:r>
-            <a:r>
-              <a:rPr/>
-              <a:t>Vector</a:t>
-            </a:r>
-            <a:r>
-              <a:rPr/>
-              <a:t> </a:t>
-            </a:r>
-            <a:r>
-              <a:rPr/>
-              <a:t>Machine</a:t>
+              <a:t>Radial Support Vector Machine</a:t>
             </a:r>
           </a:p>
         </p:txBody>
@@ -7532,7 +6766,7 @@
           <a:bodyPr/>
           <a:lstStyle/>
           <a:p>
-            <a:pPr lvl="0" marL="0" indent="0">
+            <a:pPr lvl="0" indent="0" marL="0">
               <a:buNone/>
             </a:pPr>
             <a:r>
@@ -7557,28 +6791,28 @@
           <a:bodyPr/>
           <a:lstStyle/>
           <a:p>
-            <a:pPr lvl="1"/>
+            <a:pPr lvl="0"/>
             <a:r>
               <a:rPr/>
               <a:t>Breast Cancer Diagnosis Data</a:t>
             </a:r>
           </a:p>
           <a:p>
-            <a:pPr lvl="1"/>
+            <a:pPr lvl="0"/>
             <a:r>
               <a:rPr/>
               <a:t>Predict Diagnosis of Tumor based on features</a:t>
             </a:r>
           </a:p>
           <a:p>
-            <a:pPr lvl="1"/>
+            <a:pPr lvl="0"/>
             <a:r>
               <a:rPr/>
               <a:t>Feature Importance/Selection</a:t>
             </a:r>
           </a:p>
           <a:p>
-            <a:pPr lvl="1"/>
+            <a:pPr lvl="0"/>
             <a:r>
               <a:rPr/>
               <a:t>Reduce Type II Error (False-Negatives)</a:t>
@@ -7623,44 +6857,12 @@
           <a:bodyPr/>
           <a:lstStyle/>
           <a:p>
-            <a:pPr lvl="0" marL="0" indent="0">
+            <a:pPr lvl="0" indent="0" marL="0">
               <a:buNone/>
             </a:pPr>
             <a:r>
               <a:rPr/>
-              <a:t>Radial</a:t>
-            </a:r>
-            <a:r>
-              <a:rPr/>
-              <a:t> </a:t>
-            </a:r>
-            <a:r>
-              <a:rPr/>
-              <a:t>Support</a:t>
-            </a:r>
-            <a:r>
-              <a:rPr/>
-              <a:t> </a:t>
-            </a:r>
-            <a:r>
-              <a:rPr/>
-              <a:t>Vector</a:t>
-            </a:r>
-            <a:r>
-              <a:rPr/>
-              <a:t> </a:t>
-            </a:r>
-            <a:r>
-              <a:rPr/>
-              <a:t>Machine</a:t>
-            </a:r>
-            <a:r>
-              <a:rPr/>
-              <a:t> </a:t>
-            </a:r>
-            <a:r>
-              <a:rPr/>
-              <a:t>Parameters</a:t>
+              <a:t>Radial Support Vector Machine Parameters</a:t>
             </a:r>
           </a:p>
         </p:txBody>
@@ -7680,28 +6882,28 @@
           <a:bodyPr/>
           <a:lstStyle/>
           <a:p>
-            <a:pPr lvl="1"/>
+            <a:pPr lvl="0"/>
             <a:r>
               <a:rPr/>
               <a:t>Using all features</a:t>
             </a:r>
           </a:p>
           <a:p>
-            <a:pPr lvl="1"/>
+            <a:pPr lvl="0"/>
             <a:r>
               <a:rPr/>
               <a:t>10-fold cross validation repeated 10 times</a:t>
             </a:r>
           </a:p>
           <a:p>
-            <a:pPr lvl="1"/>
+            <a:pPr lvl="0"/>
             <a:r>
               <a:rPr/>
               <a:t>Type II Error: 0.0044053</a:t>
             </a:r>
           </a:p>
           <a:p>
-            <a:pPr lvl="1"/>
+            <a:pPr lvl="0"/>
             <a:r>
               <a:rPr/>
               <a:t>Accuracy: 0.969163</a:t>
@@ -7746,44 +6948,12 @@
           <a:bodyPr/>
           <a:lstStyle/>
           <a:p>
-            <a:pPr lvl="0" marL="0" indent="0">
+            <a:pPr lvl="0" indent="0" marL="0">
               <a:buNone/>
             </a:pPr>
             <a:r>
               <a:rPr/>
-              <a:t>Tuned</a:t>
-            </a:r>
-            <a:r>
-              <a:rPr/>
-              <a:t> </a:t>
-            </a:r>
-            <a:r>
-              <a:rPr/>
-              <a:t>Radial</a:t>
-            </a:r>
-            <a:r>
-              <a:rPr/>
-              <a:t> </a:t>
-            </a:r>
-            <a:r>
-              <a:rPr/>
-              <a:t>Support</a:t>
-            </a:r>
-            <a:r>
-              <a:rPr/>
-              <a:t> </a:t>
-            </a:r>
-            <a:r>
-              <a:rPr/>
-              <a:t>Vector</a:t>
-            </a:r>
-            <a:r>
-              <a:rPr/>
-              <a:t> </a:t>
-            </a:r>
-            <a:r>
-              <a:rPr/>
-              <a:t>Machine</a:t>
+              <a:t>Tuned Radial Support Vector Machine</a:t>
             </a:r>
           </a:p>
         </p:txBody>
@@ -7855,52 +7025,12 @@
           <a:bodyPr/>
           <a:lstStyle/>
           <a:p>
-            <a:pPr lvl="0" marL="0" indent="0">
+            <a:pPr lvl="0" indent="0" marL="0">
               <a:buNone/>
             </a:pPr>
             <a:r>
               <a:rPr/>
-              <a:t>Tuned</a:t>
-            </a:r>
-            <a:r>
-              <a:rPr/>
-              <a:t> </a:t>
-            </a:r>
-            <a:r>
-              <a:rPr/>
-              <a:t>Radial</a:t>
-            </a:r>
-            <a:r>
-              <a:rPr/>
-              <a:t> </a:t>
-            </a:r>
-            <a:r>
-              <a:rPr/>
-              <a:t>Support</a:t>
-            </a:r>
-            <a:r>
-              <a:rPr/>
-              <a:t> </a:t>
-            </a:r>
-            <a:r>
-              <a:rPr/>
-              <a:t>Vector</a:t>
-            </a:r>
-            <a:r>
-              <a:rPr/>
-              <a:t> </a:t>
-            </a:r>
-            <a:r>
-              <a:rPr/>
-              <a:t>Machine</a:t>
-            </a:r>
-            <a:r>
-              <a:rPr/>
-              <a:t> </a:t>
-            </a:r>
-            <a:r>
-              <a:rPr/>
-              <a:t>Parameters</a:t>
+              <a:t>Tuned Radial Support Vector Machine Parameters</a:t>
             </a:r>
           </a:p>
         </p:txBody>
@@ -7920,28 +7050,28 @@
           <a:bodyPr/>
           <a:lstStyle/>
           <a:p>
-            <a:pPr lvl="1"/>
+            <a:pPr lvl="0"/>
             <a:r>
               <a:rPr/>
               <a:t>Using all features</a:t>
             </a:r>
           </a:p>
           <a:p>
-            <a:pPr lvl="1"/>
+            <a:pPr lvl="0"/>
             <a:r>
               <a:rPr/>
               <a:t>10-fold cross validation repeated 10 times</a:t>
             </a:r>
           </a:p>
           <a:p>
-            <a:pPr lvl="1"/>
+            <a:pPr lvl="0"/>
             <a:r>
               <a:rPr/>
               <a:t>Type II Error: 0.0088106</a:t>
             </a:r>
           </a:p>
           <a:p>
-            <a:pPr lvl="1"/>
+            <a:pPr lvl="0"/>
             <a:r>
               <a:rPr/>
               <a:t>Accuracy: 0.9735683</a:t>
@@ -7986,28 +7116,12 @@
           <a:bodyPr/>
           <a:lstStyle/>
           <a:p>
-            <a:pPr lvl="0" marL="0" indent="0">
+            <a:pPr lvl="0" indent="0" marL="0">
               <a:buNone/>
             </a:pPr>
             <a:r>
               <a:rPr/>
-              <a:t>Classification</a:t>
-            </a:r>
-            <a:r>
-              <a:rPr/>
-              <a:t> </a:t>
-            </a:r>
-            <a:r>
-              <a:rPr/>
-              <a:t>Analysis:</a:t>
-            </a:r>
-            <a:r>
-              <a:rPr/>
-              <a:t> </a:t>
-            </a:r>
-            <a:r>
-              <a:rPr/>
-              <a:t>Danny</a:t>
+              <a:t>Classification Analysis: Danny</a:t>
             </a:r>
           </a:p>
         </p:txBody>
@@ -8027,49 +7141,49 @@
           <a:bodyPr/>
           <a:lstStyle/>
           <a:p>
-            <a:pPr lvl="1"/>
+            <a:pPr lvl="0"/>
             <a:r>
               <a:rPr/>
               <a:t>Logistic Regression</a:t>
             </a:r>
           </a:p>
           <a:p>
-            <a:pPr lvl="1"/>
+            <a:pPr lvl="0"/>
             <a:r>
               <a:rPr/>
               <a:t>K-Nearest Neighbors</a:t>
             </a:r>
           </a:p>
           <a:p>
-            <a:pPr lvl="1"/>
+            <a:pPr lvl="0"/>
             <a:r>
               <a:rPr/>
               <a:t>QDA</a:t>
             </a:r>
           </a:p>
           <a:p>
-            <a:pPr lvl="1"/>
+            <a:pPr lvl="0"/>
             <a:r>
               <a:rPr/>
               <a:t>Random Forest</a:t>
             </a:r>
           </a:p>
           <a:p>
-            <a:pPr lvl="1"/>
+            <a:pPr lvl="0"/>
             <a:r>
               <a:rPr/>
               <a:t>xGBoost</a:t>
             </a:r>
           </a:p>
           <a:p>
-            <a:pPr lvl="1"/>
+            <a:pPr lvl="0"/>
             <a:r>
               <a:rPr/>
               <a:t>Support Vector Classifier</a:t>
             </a:r>
           </a:p>
           <a:p>
-            <a:pPr lvl="1"/>
+            <a:pPr lvl="0"/>
             <a:r>
               <a:rPr/>
               <a:t>Lower prediction cutoff to account for Type II Error</a:t>
@@ -8119,20 +7233,12 @@
           <a:bodyPr/>
           <a:lstStyle/>
           <a:p>
-            <a:pPr lvl="0" marL="0" indent="0">
+            <a:pPr lvl="0" indent="0" marL="0">
               <a:buNone/>
             </a:pPr>
             <a:r>
               <a:rPr/>
-              <a:t>Preferred</a:t>
-            </a:r>
-            <a:r>
-              <a:rPr/>
-              <a:t> </a:t>
-            </a:r>
-            <a:r>
-              <a:rPr/>
-              <a:t>Models</a:t>
+              <a:t>Preferred Models</a:t>
             </a:r>
           </a:p>
         </p:txBody>
@@ -8174,28 +7280,12 @@
           <a:bodyPr/>
           <a:lstStyle/>
           <a:p>
-            <a:pPr lvl="0" marL="0" indent="0">
+            <a:pPr lvl="0" indent="0" marL="0">
               <a:buNone/>
             </a:pPr>
             <a:r>
               <a:rPr/>
-              <a:t>K-Nearest</a:t>
-            </a:r>
-            <a:r>
-              <a:rPr/>
-              <a:t> </a:t>
-            </a:r>
-            <a:r>
-              <a:rPr/>
-              <a:t>Neigbors</a:t>
-            </a:r>
-            <a:r>
-              <a:rPr/>
-              <a:t> </a:t>
-            </a:r>
-            <a:r>
-              <a:rPr/>
-              <a:t>Model</a:t>
+              <a:t>K-Nearest Neigbors Model</a:t>
             </a:r>
           </a:p>
         </p:txBody>
@@ -8215,21 +7305,21 @@
           <a:bodyPr/>
           <a:lstStyle/>
           <a:p>
-            <a:pPr lvl="1"/>
+            <a:pPr lvl="0"/>
             <a:r>
               <a:rPr/>
               <a:t>Tuned neighbors value to 7</a:t>
             </a:r>
           </a:p>
           <a:p>
-            <a:pPr lvl="1"/>
+            <a:pPr lvl="0"/>
             <a:r>
               <a:rPr/>
               <a:t>2 False-Negatives</a:t>
             </a:r>
           </a:p>
           <a:p>
-            <a:pPr lvl="1"/>
+            <a:pPr lvl="0"/>
             <a:r>
               <a:rPr/>
               <a:t>96.04% prediction accuracy</a:t>
@@ -8274,28 +7364,12 @@
           <a:bodyPr/>
           <a:lstStyle/>
           <a:p>
-            <a:pPr lvl="0" marL="0" indent="0">
+            <a:pPr lvl="0" indent="0" marL="0">
               <a:buNone/>
             </a:pPr>
             <a:r>
               <a:rPr/>
-              <a:t>KNN</a:t>
-            </a:r>
-            <a:r>
-              <a:rPr/>
-              <a:t> </a:t>
-            </a:r>
-            <a:r>
-              <a:rPr/>
-              <a:t>Confusion</a:t>
-            </a:r>
-            <a:r>
-              <a:rPr/>
-              <a:t> </a:t>
-            </a:r>
-            <a:r>
-              <a:rPr/>
-              <a:t>Matrix</a:t>
+              <a:t>KNN Confusion Matrix</a:t>
             </a:r>
           </a:p>
         </p:txBody>
@@ -8367,36 +7441,12 @@
           <a:bodyPr/>
           <a:lstStyle/>
           <a:p>
-            <a:pPr lvl="0" marL="0" indent="0">
+            <a:pPr lvl="0" indent="0" marL="0">
               <a:buNone/>
             </a:pPr>
             <a:r>
               <a:rPr/>
-              <a:t>Support</a:t>
-            </a:r>
-            <a:r>
-              <a:rPr/>
-              <a:t> </a:t>
-            </a:r>
-            <a:r>
-              <a:rPr/>
-              <a:t>Vector</a:t>
-            </a:r>
-            <a:r>
-              <a:rPr/>
-              <a:t> </a:t>
-            </a:r>
-            <a:r>
-              <a:rPr/>
-              <a:t>Classifier</a:t>
-            </a:r>
-            <a:r>
-              <a:rPr/>
-              <a:t> </a:t>
-            </a:r>
-            <a:r>
-              <a:rPr/>
-              <a:t>Model</a:t>
+              <a:t>Support Vector Classifier Model</a:t>
             </a:r>
           </a:p>
         </p:txBody>
@@ -8416,21 +7466,21 @@
           <a:bodyPr/>
           <a:lstStyle/>
           <a:p>
-            <a:pPr lvl="1"/>
+            <a:pPr lvl="0"/>
             <a:r>
               <a:rPr/>
               <a:t>Tuned cost value to 1</a:t>
             </a:r>
           </a:p>
           <a:p>
-            <a:pPr lvl="1"/>
+            <a:pPr lvl="0"/>
             <a:r>
               <a:rPr/>
               <a:t>2 False-Negatives</a:t>
             </a:r>
           </a:p>
           <a:p>
-            <a:pPr lvl="1"/>
+            <a:pPr lvl="0"/>
             <a:r>
               <a:rPr/>
               <a:t>96.48% prediction accuracy</a:t>
@@ -8475,28 +7525,12 @@
           <a:bodyPr/>
           <a:lstStyle/>
           <a:p>
-            <a:pPr lvl="0" marL="0" indent="0">
+            <a:pPr lvl="0" indent="0" marL="0">
               <a:buNone/>
             </a:pPr>
             <a:r>
               <a:rPr/>
-              <a:t>SVC</a:t>
-            </a:r>
-            <a:r>
-              <a:rPr/>
-              <a:t> </a:t>
-            </a:r>
-            <a:r>
-              <a:rPr/>
-              <a:t>Confusion</a:t>
-            </a:r>
-            <a:r>
-              <a:rPr/>
-              <a:t> </a:t>
-            </a:r>
-            <a:r>
-              <a:rPr/>
-              <a:t>Matrix</a:t>
+              <a:t>SVC Confusion Matrix</a:t>
             </a:r>
           </a:p>
         </p:txBody>
@@ -8568,28 +7602,12 @@
           <a:bodyPr/>
           <a:lstStyle/>
           <a:p>
-            <a:pPr lvl="0" marL="0" indent="0">
+            <a:pPr lvl="0" indent="0" marL="0">
               <a:buNone/>
             </a:pPr>
             <a:r>
               <a:rPr/>
-              <a:t>Random</a:t>
-            </a:r>
-            <a:r>
-              <a:rPr/>
-              <a:t> </a:t>
-            </a:r>
-            <a:r>
-              <a:rPr/>
-              <a:t>Forest</a:t>
-            </a:r>
-            <a:r>
-              <a:rPr/>
-              <a:t> </a:t>
-            </a:r>
-            <a:r>
-              <a:rPr/>
-              <a:t>Model</a:t>
+              <a:t>Random Forest Model</a:t>
             </a:r>
           </a:p>
         </p:txBody>
@@ -8609,14 +7627,14 @@
           <a:bodyPr/>
           <a:lstStyle/>
           <a:p>
-            <a:pPr lvl="1"/>
+            <a:pPr lvl="0"/>
             <a:r>
               <a:rPr/>
               <a:t>1 False-Negative</a:t>
             </a:r>
           </a:p>
           <a:p>
-            <a:pPr lvl="1"/>
+            <a:pPr lvl="0"/>
             <a:r>
               <a:rPr/>
               <a:t>95.15% prediction accuracy</a:t>
@@ -8661,7 +7679,7 @@
           <a:bodyPr/>
           <a:lstStyle/>
           <a:p>
-            <a:pPr lvl="0" marL="0" indent="0">
+            <a:pPr lvl="0" indent="0" marL="0">
               <a:buNone/>
             </a:pPr>
             <a:r>
@@ -8686,63 +7704,63 @@
           <a:bodyPr/>
           <a:lstStyle/>
           <a:p>
+            <a:pPr lvl="0"/>
+            <a:r>
+              <a:rPr/>
+              <a:t>Data collected from “Breast Cancer Wisconsin (Diagnostic) Data Set” from Kaggle</a:t>
+            </a:r>
+          </a:p>
+          <a:p>
+            <a:pPr lvl="0"/>
+            <a:r>
+              <a:rPr/>
+              <a:t>Response: Diagnosis</a:t>
+            </a:r>
+          </a:p>
+          <a:p>
             <a:pPr lvl="1"/>
             <a:r>
               <a:rPr/>
-              <a:t>Data collected from “Breast Cancer Wisconsin (Diagnostic) Data Set” from Kaggle</a:t>
+              <a:t>Benign: (Noncancerous Cells)</a:t>
             </a:r>
           </a:p>
           <a:p>
             <a:pPr lvl="1"/>
             <a:r>
               <a:rPr/>
-              <a:t>Response: Diagnosis</a:t>
-            </a:r>
-          </a:p>
-          <a:p>
-            <a:pPr lvl="2"/>
-            <a:r>
-              <a:rPr/>
-              <a:t>Benign: (Noncancerous Cells)</a:t>
-            </a:r>
-          </a:p>
-          <a:p>
-            <a:pPr lvl="2"/>
-            <a:r>
-              <a:rPr/>
               <a:t>Malignant (Cancerous Cells)</a:t>
             </a:r>
           </a:p>
           <a:p>
+            <a:pPr lvl="0"/>
+            <a:r>
+              <a:rPr/>
+              <a:t>Predictors: 10 variables each with 3 measurements:</a:t>
+            </a:r>
+          </a:p>
+          <a:p>
             <a:pPr lvl="1"/>
             <a:r>
               <a:rPr/>
-              <a:t>Predictors: 10 variables each with 3 measurements:</a:t>
-            </a:r>
-          </a:p>
-          <a:p>
-            <a:pPr lvl="2"/>
-            <a:r>
-              <a:rPr/>
               <a:t>Mean</a:t>
             </a:r>
           </a:p>
           <a:p>
-            <a:pPr lvl="2"/>
+            <a:pPr lvl="1"/>
             <a:r>
               <a:rPr/>
               <a:t>Standard Error (SE)</a:t>
             </a:r>
           </a:p>
           <a:p>
-            <a:pPr lvl="2"/>
+            <a:pPr lvl="1"/>
             <a:r>
               <a:rPr/>
               <a:t>Worst: Mean of 3 largest values of a variable</a:t>
             </a:r>
           </a:p>
           <a:p>
-            <a:pPr lvl="1"/>
+            <a:pPr lvl="0"/>
             <a:r>
               <a:rPr/>
               <a:t>Training/Test Data Split 60/40</a:t>
@@ -8787,28 +7805,12 @@
           <a:bodyPr/>
           <a:lstStyle/>
           <a:p>
-            <a:pPr lvl="0" marL="0" indent="0">
+            <a:pPr lvl="0" indent="0" marL="0">
               <a:buNone/>
             </a:pPr>
             <a:r>
               <a:rPr/>
-              <a:t>RF</a:t>
-            </a:r>
-            <a:r>
-              <a:rPr/>
-              <a:t> </a:t>
-            </a:r>
-            <a:r>
-              <a:rPr/>
-              <a:t>Confusion</a:t>
-            </a:r>
-            <a:r>
-              <a:rPr/>
-              <a:t> </a:t>
-            </a:r>
-            <a:r>
-              <a:rPr/>
-              <a:t>Matrix</a:t>
+              <a:t>RF Confusion Matrix</a:t>
             </a:r>
           </a:p>
         </p:txBody>
@@ -8880,28 +7882,12 @@
           <a:bodyPr/>
           <a:lstStyle/>
           <a:p>
-            <a:pPr lvl="0" marL="0" indent="0">
+            <a:pPr lvl="0" indent="0" marL="0">
               <a:buNone/>
             </a:pPr>
             <a:r>
               <a:rPr/>
-              <a:t>RF</a:t>
-            </a:r>
-            <a:r>
-              <a:rPr/>
-              <a:t> </a:t>
-            </a:r>
-            <a:r>
-              <a:rPr/>
-              <a:t>Confusion</a:t>
-            </a:r>
-            <a:r>
-              <a:rPr/>
-              <a:t> </a:t>
-            </a:r>
-            <a:r>
-              <a:rPr/>
-              <a:t>Matrix</a:t>
+              <a:t>RF Confusion Matrix</a:t>
             </a:r>
           </a:p>
         </p:txBody>
@@ -8973,28 +7959,12 @@
           <a:bodyPr/>
           <a:lstStyle/>
           <a:p>
-            <a:pPr lvl="0" marL="0" indent="0">
+            <a:pPr lvl="0" indent="0" marL="0">
               <a:buNone/>
             </a:pPr>
             <a:r>
               <a:rPr/>
-              <a:t>Regression</a:t>
-            </a:r>
-            <a:r>
-              <a:rPr/>
-              <a:t> </a:t>
-            </a:r>
-            <a:r>
-              <a:rPr/>
-              <a:t>Analysis:</a:t>
-            </a:r>
-            <a:r>
-              <a:rPr/>
-              <a:t> </a:t>
-            </a:r>
-            <a:r>
-              <a:rPr/>
-              <a:t>Ethan</a:t>
+              <a:t>Regression Analysis: Ethan</a:t>
             </a:r>
           </a:p>
         </p:txBody>
@@ -9014,84 +7984,84 @@
           <a:bodyPr/>
           <a:lstStyle/>
           <a:p>
+            <a:pPr lvl="0"/>
+            <a:r>
+              <a:rPr/>
+              <a:t>Austin Top 5 Importance Variables</a:t>
+            </a:r>
+          </a:p>
+          <a:p>
             <a:pPr lvl="1"/>
             <a:r>
               <a:rPr/>
-              <a:t>Austin Top 5 Importance Variables</a:t>
-            </a:r>
-          </a:p>
-          <a:p>
-            <a:pPr lvl="2"/>
-            <a:r>
-              <a:rPr/>
               <a:t>*area_mean</a:t>
             </a:r>
           </a:p>
           <a:p>
-            <a:pPr lvl="2"/>
+            <a:pPr lvl="1"/>
             <a:r>
               <a:rPr/>
               <a:t>*area_worst</a:t>
             </a:r>
           </a:p>
           <a:p>
-            <a:pPr lvl="2"/>
+            <a:pPr lvl="1"/>
             <a:r>
               <a:rPr/>
               <a:t>*concave.points_mean</a:t>
             </a:r>
           </a:p>
           <a:p>
-            <a:pPr lvl="2"/>
+            <a:pPr lvl="1"/>
             <a:r>
               <a:rPr/>
               <a:t>texture_mean</a:t>
             </a:r>
           </a:p>
           <a:p>
-            <a:pPr lvl="2"/>
+            <a:pPr lvl="1"/>
             <a:r>
               <a:rPr/>
               <a:t>*radius_worst</a:t>
             </a:r>
           </a:p>
           <a:p>
+            <a:pPr lvl="0"/>
+            <a:r>
+              <a:rPr/>
+              <a:t>Danny Top 5 Importance Variables</a:t>
+            </a:r>
+          </a:p>
+          <a:p>
             <a:pPr lvl="1"/>
             <a:r>
               <a:rPr/>
-              <a:t>Danny Top 5 Importance Variables</a:t>
-            </a:r>
-          </a:p>
-          <a:p>
-            <a:pPr lvl="2"/>
-            <a:r>
-              <a:rPr/>
               <a:t>concave.points_worst</a:t>
             </a:r>
           </a:p>
           <a:p>
-            <a:pPr lvl="2"/>
+            <a:pPr lvl="1"/>
             <a:r>
               <a:rPr/>
               <a:t>*concave.points_mean</a:t>
             </a:r>
           </a:p>
           <a:p>
-            <a:pPr lvl="2"/>
+            <a:pPr lvl="1"/>
             <a:r>
               <a:rPr/>
               <a:t>*area_worst</a:t>
             </a:r>
           </a:p>
           <a:p>
-            <a:pPr lvl="2"/>
+            <a:pPr lvl="1"/>
             <a:r>
               <a:rPr/>
               <a:t>*area_mean</a:t>
             </a:r>
           </a:p>
           <a:p>
-            <a:pPr lvl="2"/>
+            <a:pPr lvl="1"/>
             <a:r>
               <a:rPr/>
               <a:t>*radius_worst</a:t>
@@ -9136,20 +8106,12 @@
           <a:bodyPr/>
           <a:lstStyle/>
           <a:p>
-            <a:pPr lvl="0" marL="0" indent="0">
+            <a:pPr lvl="0" indent="0" marL="0">
               <a:buNone/>
             </a:pPr>
             <a:r>
               <a:rPr/>
-              <a:t>Correlation</a:t>
-            </a:r>
-            <a:r>
-              <a:rPr/>
-              <a:t> </a:t>
-            </a:r>
-            <a:r>
-              <a:rPr/>
-              <a:t>Plot</a:t>
+              <a:t>Correlation Plot</a:t>
             </a:r>
           </a:p>
         </p:txBody>
@@ -9221,7 +8183,7 @@
           <a:bodyPr/>
           <a:lstStyle/>
           <a:p>
-            <a:pPr lvl="0" marL="0" indent="0">
+            <a:pPr lvl="0" indent="0" marL="0">
               <a:buNone/>
             </a:pPr>
             <a:r>
@@ -9246,28 +8208,28 @@
           <a:bodyPr/>
           <a:lstStyle/>
           <a:p>
+            <a:pPr lvl="0"/>
+            <a:r>
+              <a:rPr/>
+              <a:t>Calculating Training and Test Set Error</a:t>
+            </a:r>
+          </a:p>
+          <a:p>
             <a:pPr lvl="1"/>
             <a:r>
               <a:rPr/>
-              <a:t>Calculating Training and Test Set Error</a:t>
-            </a:r>
-          </a:p>
-          <a:p>
-            <a:pPr lvl="2"/>
-            <a:r>
-              <a:rPr/>
               <a:t>Linear Regression</a:t>
             </a:r>
           </a:p>
           <a:p>
-            <a:pPr lvl="2"/>
+            <a:pPr lvl="1"/>
             <a:r>
               <a:rPr/>
               <a:t>Ridge Regression</a:t>
             </a:r>
           </a:p>
           <a:p>
-            <a:pPr lvl="2"/>
+            <a:pPr lvl="1"/>
             <a:r>
               <a:rPr/>
               <a:t>Lasso Regression</a:t>
@@ -9312,7 +8274,7 @@
           <a:bodyPr/>
           <a:lstStyle/>
           <a:p>
-            <a:pPr lvl="0" marL="0" indent="0">
+            <a:pPr lvl="0" indent="0" marL="0">
               <a:buNone/>
             </a:pPr>
             <a:r>
@@ -9324,7 +8286,7 @@
       </p:sp>
       <p:pic>
         <p:nvPicPr>
-          <p:cNvPr descr="area_mean.png" id="0" name="Picture 1"/>
+          <p:cNvPr descr="fig:  area_mean.png" id="0" name="Picture 1"/>
           <p:cNvPicPr>
             <a:picLocks noGrp="1" noChangeAspect="1"/>
           </p:cNvPicPr>
@@ -9372,44 +8334,12 @@
           <a:bodyPr/>
           <a:lstStyle/>
           <a:p>
-            <a:pPr lvl="0" marL="0" indent="0" algn="ctr">
+            <a:pPr lvl="0" indent="0" marL="0" algn="ctr">
               <a:buNone/>
             </a:pPr>
             <a:r>
               <a:rPr/>
-              <a:t>Best</a:t>
-            </a:r>
-            <a:r>
-              <a:rPr/>
-              <a:t> </a:t>
-            </a:r>
-            <a:r>
-              <a:rPr/>
-              <a:t>Model</a:t>
-            </a:r>
-            <a:r>
-              <a:rPr/>
-              <a:t> </a:t>
-            </a:r>
-            <a:r>
-              <a:rPr/>
-              <a:t>was</a:t>
-            </a:r>
-            <a:r>
-              <a:rPr/>
-              <a:t> </a:t>
-            </a:r>
-            <a:r>
-              <a:rPr/>
-              <a:t>Ridge</a:t>
-            </a:r>
-            <a:r>
-              <a:rPr/>
-              <a:t> </a:t>
-            </a:r>
-            <a:r>
-              <a:rPr/>
-              <a:t>Regression</a:t>
+              <a:t>Best Model was Ridge Regression</a:t>
             </a:r>
           </a:p>
         </p:txBody>
@@ -9451,7 +8381,7 @@
           <a:bodyPr/>
           <a:lstStyle/>
           <a:p>
-            <a:pPr lvl="0" marL="0" indent="0">
+            <a:pPr lvl="0" indent="0" marL="0">
               <a:buNone/>
             </a:pPr>
             <a:r>
@@ -9463,7 +8393,7 @@
       </p:sp>
       <p:pic>
         <p:nvPicPr>
-          <p:cNvPr descr="area_worst.png" id="0" name="Picture 1"/>
+          <p:cNvPr descr="fig:  area_worst.png" id="0" name="Picture 1"/>
           <p:cNvPicPr>
             <a:picLocks noGrp="1" noChangeAspect="1"/>
           </p:cNvPicPr>
@@ -9511,44 +8441,12 @@
           <a:bodyPr/>
           <a:lstStyle/>
           <a:p>
-            <a:pPr lvl="0" marL="0" indent="0" algn="ctr">
+            <a:pPr lvl="0" indent="0" marL="0" algn="ctr">
               <a:buNone/>
             </a:pPr>
             <a:r>
               <a:rPr/>
-              <a:t>Best</a:t>
-            </a:r>
-            <a:r>
-              <a:rPr/>
-              <a:t> </a:t>
-            </a:r>
-            <a:r>
-              <a:rPr/>
-              <a:t>Model</a:t>
-            </a:r>
-            <a:r>
-              <a:rPr/>
-              <a:t> </a:t>
-            </a:r>
-            <a:r>
-              <a:rPr/>
-              <a:t>was</a:t>
-            </a:r>
-            <a:r>
-              <a:rPr/>
-              <a:t> </a:t>
-            </a:r>
-            <a:r>
-              <a:rPr/>
-              <a:t>Linear</a:t>
-            </a:r>
-            <a:r>
-              <a:rPr/>
-              <a:t> </a:t>
-            </a:r>
-            <a:r>
-              <a:rPr/>
-              <a:t>Regression</a:t>
+              <a:t>Best Model was Linear Regression</a:t>
             </a:r>
           </a:p>
         </p:txBody>
@@ -9590,7 +8488,7 @@
           <a:bodyPr/>
           <a:lstStyle/>
           <a:p>
-            <a:pPr lvl="0" marL="0" indent="0">
+            <a:pPr lvl="0" indent="0" marL="0">
               <a:buNone/>
             </a:pPr>
             <a:r>
@@ -9602,7 +8500,7 @@
       </p:sp>
       <p:pic>
         <p:nvPicPr>
-          <p:cNvPr descr="concave.points_mean.png" id="0" name="Picture 1"/>
+          <p:cNvPr descr="fig:  concave.points_mean.png" id="0" name="Picture 1"/>
           <p:cNvPicPr>
             <a:picLocks noGrp="1" noChangeAspect="1"/>
           </p:cNvPicPr>
@@ -9650,44 +8548,12 @@
           <a:bodyPr/>
           <a:lstStyle/>
           <a:p>
-            <a:pPr lvl="0" marL="0" indent="0" algn="ctr">
+            <a:pPr lvl="0" indent="0" marL="0" algn="ctr">
               <a:buNone/>
             </a:pPr>
             <a:r>
               <a:rPr/>
-              <a:t>Best</a:t>
-            </a:r>
-            <a:r>
-              <a:rPr/>
-              <a:t> </a:t>
-            </a:r>
-            <a:r>
-              <a:rPr/>
-              <a:t>Model</a:t>
-            </a:r>
-            <a:r>
-              <a:rPr/>
-              <a:t> </a:t>
-            </a:r>
-            <a:r>
-              <a:rPr/>
-              <a:t>was</a:t>
-            </a:r>
-            <a:r>
-              <a:rPr/>
-              <a:t> </a:t>
-            </a:r>
-            <a:r>
-              <a:rPr/>
-              <a:t>Linear</a:t>
-            </a:r>
-            <a:r>
-              <a:rPr/>
-              <a:t> </a:t>
-            </a:r>
-            <a:r>
-              <a:rPr/>
-              <a:t>Regression</a:t>
+              <a:t>Best Model was Linear Regression</a:t>
             </a:r>
           </a:p>
         </p:txBody>
@@ -9729,7 +8595,7 @@
           <a:bodyPr/>
           <a:lstStyle/>
           <a:p>
-            <a:pPr lvl="0" marL="0" indent="0">
+            <a:pPr lvl="0" indent="0" marL="0">
               <a:buNone/>
             </a:pPr>
             <a:r>
@@ -9741,7 +8607,7 @@
       </p:sp>
       <p:pic>
         <p:nvPicPr>
-          <p:cNvPr descr="radius_worst.png" id="0" name="Picture 1"/>
+          <p:cNvPr descr="fig:  radius_worst.png" id="0" name="Picture 1"/>
           <p:cNvPicPr>
             <a:picLocks noGrp="1" noChangeAspect="1"/>
           </p:cNvPicPr>
@@ -9789,44 +8655,12 @@
           <a:bodyPr/>
           <a:lstStyle/>
           <a:p>
-            <a:pPr lvl="0" marL="0" indent="0" algn="ctr">
+            <a:pPr lvl="0" indent="0" marL="0" algn="ctr">
               <a:buNone/>
             </a:pPr>
             <a:r>
               <a:rPr/>
-              <a:t>Best</a:t>
-            </a:r>
-            <a:r>
-              <a:rPr/>
-              <a:t> </a:t>
-            </a:r>
-            <a:r>
-              <a:rPr/>
-              <a:t>Model</a:t>
-            </a:r>
-            <a:r>
-              <a:rPr/>
-              <a:t> </a:t>
-            </a:r>
-            <a:r>
-              <a:rPr/>
-              <a:t>was</a:t>
-            </a:r>
-            <a:r>
-              <a:rPr/>
-              <a:t> </a:t>
-            </a:r>
-            <a:r>
-              <a:rPr/>
-              <a:t>Linear</a:t>
-            </a:r>
-            <a:r>
-              <a:rPr/>
-              <a:t> </a:t>
-            </a:r>
-            <a:r>
-              <a:rPr/>
-              <a:t>Regression</a:t>
+              <a:t>Best Model was Linear Regression</a:t>
             </a:r>
           </a:p>
         </p:txBody>
@@ -9868,20 +8702,12 @@
           <a:bodyPr/>
           <a:lstStyle/>
           <a:p>
-            <a:pPr lvl="0" marL="0" indent="0">
+            <a:pPr lvl="0" indent="0" marL="0">
               <a:buNone/>
             </a:pPr>
             <a:r>
               <a:rPr/>
-              <a:t>Analysis</a:t>
-            </a:r>
-            <a:r>
-              <a:rPr/>
-              <a:t> </a:t>
-            </a:r>
-            <a:r>
-              <a:rPr/>
-              <a:t>Summary</a:t>
+              <a:t>Analysis Summary</a:t>
             </a:r>
           </a:p>
         </p:txBody>
@@ -9901,21 +8727,21 @@
           <a:bodyPr/>
           <a:lstStyle/>
           <a:p>
-            <a:pPr lvl="1"/>
+            <a:pPr lvl="0"/>
             <a:r>
               <a:rPr/>
               <a:t>Interpretation difficulties</a:t>
             </a:r>
           </a:p>
           <a:p>
-            <a:pPr lvl="1"/>
+            <a:pPr lvl="0"/>
             <a:r>
               <a:rPr/>
               <a:t>High prediction accuracy</a:t>
             </a:r>
           </a:p>
           <a:p>
-            <a:pPr lvl="1"/>
+            <a:pPr lvl="0"/>
             <a:r>
               <a:rPr/>
               <a:t>Successful with multiple methods of reducing Type II Error</a:t>
@@ -9960,20 +8786,12 @@
           <a:bodyPr/>
           <a:lstStyle/>
           <a:p>
-            <a:pPr lvl="0" marL="0" indent="0">
+            <a:pPr lvl="0" indent="0" marL="0">
               <a:buNone/>
             </a:pPr>
             <a:r>
               <a:rPr/>
-              <a:t>Variable</a:t>
-            </a:r>
-            <a:r>
-              <a:rPr/>
-              <a:t> </a:t>
-            </a:r>
-            <a:r>
-              <a:rPr/>
-              <a:t>Descriptions</a:t>
+              <a:t>Variable Descriptions</a:t>
             </a:r>
           </a:p>
         </p:txBody>
@@ -9993,70 +8811,70 @@
           <a:bodyPr/>
           <a:lstStyle/>
           <a:p>
-            <a:pPr lvl="1"/>
+            <a:pPr lvl="0"/>
             <a:r>
               <a:rPr/>
               <a:t>Radius: Average Distance from cell center to cell perimeter</a:t>
             </a:r>
           </a:p>
           <a:p>
-            <a:pPr lvl="1"/>
+            <a:pPr lvl="0"/>
             <a:r>
               <a:rPr/>
               <a:t>Texture: Standard deviation of gray-scale values; brightness of pixel of cell</a:t>
             </a:r>
           </a:p>
           <a:p>
-            <a:pPr lvl="1"/>
+            <a:pPr lvl="0"/>
             <a:r>
               <a:rPr/>
               <a:t>Perimeter: Distance around nucleus boundary</a:t>
             </a:r>
           </a:p>
           <a:p>
-            <a:pPr lvl="1"/>
+            <a:pPr lvl="0"/>
             <a:r>
               <a:rPr/>
               <a:t>Area: Area of the nucleus</a:t>
             </a:r>
           </a:p>
           <a:p>
-            <a:pPr lvl="1"/>
+            <a:pPr lvl="0"/>
             <a:r>
               <a:rPr/>
               <a:t>Smoothness: Variation in cell’s radial lengths</a:t>
             </a:r>
           </a:p>
           <a:p>
-            <a:pPr lvl="1"/>
+            <a:pPr lvl="0"/>
             <a:r>
               <a:rPr/>
               <a:t>Compactness: The Perimeter^2/Area</a:t>
             </a:r>
           </a:p>
           <a:p>
-            <a:pPr lvl="1"/>
+            <a:pPr lvl="0"/>
             <a:r>
               <a:rPr/>
               <a:t>Concavity: Size of the indention in nucleus boundary</a:t>
             </a:r>
           </a:p>
           <a:p>
-            <a:pPr lvl="1"/>
+            <a:pPr lvl="0"/>
             <a:r>
               <a:rPr/>
               <a:t>Concave Points: Number of points on indented section of nucleus boundary</a:t>
             </a:r>
           </a:p>
           <a:p>
-            <a:pPr lvl="1"/>
+            <a:pPr lvl="0"/>
             <a:r>
               <a:rPr/>
               <a:t>Symmetry: Deviation of the nuclei shape from the ideal measurement</a:t>
             </a:r>
           </a:p>
           <a:p>
-            <a:pPr lvl="1"/>
+            <a:pPr lvl="0"/>
             <a:r>
               <a:rPr/>
               <a:t>Fractal Dimension: Measurement of irregularity in nucleus boundary</a:t>
@@ -10101,20 +8919,12 @@
           <a:bodyPr/>
           <a:lstStyle/>
           <a:p>
-            <a:pPr lvl="0" marL="0" indent="0">
+            <a:pPr lvl="0" indent="0" marL="0">
               <a:buNone/>
             </a:pPr>
             <a:r>
               <a:rPr/>
-              <a:t>Potential</a:t>
-            </a:r>
-            <a:r>
-              <a:rPr/>
-              <a:t> </a:t>
-            </a:r>
-            <a:r>
-              <a:rPr/>
-              <a:t>Improvements</a:t>
+              <a:t>Potential Improvements</a:t>
             </a:r>
           </a:p>
         </p:txBody>
@@ -10134,21 +8944,21 @@
           <a:bodyPr/>
           <a:lstStyle/>
           <a:p>
-            <a:pPr lvl="1"/>
+            <a:pPr lvl="0"/>
             <a:r>
               <a:rPr/>
               <a:t>More data points (more observations)</a:t>
             </a:r>
           </a:p>
           <a:p>
-            <a:pPr lvl="1"/>
+            <a:pPr lvl="0"/>
             <a:r>
               <a:rPr/>
               <a:t>More features (more variables)</a:t>
             </a:r>
           </a:p>
           <a:p>
-            <a:pPr lvl="1"/>
+            <a:pPr lvl="0"/>
             <a:r>
               <a:rPr/>
               <a:t>More proccessing power</a:t>
@@ -10193,20 +9003,12 @@
           <a:bodyPr/>
           <a:lstStyle/>
           <a:p>
-            <a:pPr lvl="0" marL="0" indent="0">
+            <a:pPr lvl="0" indent="0" marL="0">
               <a:buNone/>
             </a:pPr>
             <a:r>
               <a:rPr/>
-              <a:t>Works</a:t>
-            </a:r>
-            <a:r>
-              <a:rPr/>
-              <a:t> </a:t>
-            </a:r>
-            <a:r>
-              <a:rPr/>
-              <a:t>Cited</a:t>
+              <a:t>Works Cited</a:t>
             </a:r>
           </a:p>
         </p:txBody>
@@ -10226,14 +9028,14 @@
           <a:bodyPr/>
           <a:lstStyle/>
           <a:p>
+            <a:pPr lvl="0"/>
+            <a:r>
+              <a:rPr/>
+              <a:t>Breast Cancer Wisconsin (Diagnostic) Data Set:</a:t>
+            </a:r>
+          </a:p>
+          <a:p>
             <a:pPr lvl="1"/>
-            <a:r>
-              <a:rPr/>
-              <a:t>Breast Cancer Wisconsin (Diagnostic) Data Set:</a:t>
-            </a:r>
-          </a:p>
-          <a:p>
-            <a:pPr lvl="2"/>
             <a:r>
               <a:rPr>
                 <a:hlinkClick r:id="rId2"/>
@@ -10242,14 +9044,14 @@
             </a:r>
           </a:p>
           <a:p>
+            <a:pPr lvl="0"/>
+            <a:r>
+              <a:rPr/>
+              <a:t>Definition of Features (Variables):</a:t>
+            </a:r>
+          </a:p>
+          <a:p>
             <a:pPr lvl="1"/>
-            <a:r>
-              <a:rPr/>
-              <a:t>Definition of Features (Variables):</a:t>
-            </a:r>
-          </a:p>
-          <a:p>
-            <a:pPr lvl="2"/>
             <a:r>
               <a:rPr>
                 <a:hlinkClick r:id="rId3"/>
@@ -10296,7 +9098,7 @@
           <a:bodyPr/>
           <a:lstStyle/>
           <a:p>
-            <a:pPr lvl="0" marL="0" indent="0">
+            <a:pPr lvl="0" indent="0" marL="0">
               <a:buNone/>
             </a:pPr>
             <a:r>
@@ -10373,7 +9175,7 @@
           <a:bodyPr/>
           <a:lstStyle/>
           <a:p>
-            <a:pPr lvl="0" marL="0" indent="0">
+            <a:pPr lvl="0" indent="0" marL="0">
               <a:buNone/>
             </a:pPr>
             <a:r>
@@ -10450,20 +9252,12 @@
           <a:bodyPr/>
           <a:lstStyle/>
           <a:p>
-            <a:pPr lvl="0" marL="0" indent="0">
+            <a:pPr lvl="0" indent="0" marL="0">
               <a:buNone/>
             </a:pPr>
             <a:r>
               <a:rPr/>
-              <a:t>Diagnosis</a:t>
-            </a:r>
-            <a:r>
-              <a:rPr/>
-              <a:t> </a:t>
-            </a:r>
-            <a:r>
-              <a:rPr/>
-              <a:t>Distribution</a:t>
+              <a:t>Diagnosis Distribution</a:t>
             </a:r>
           </a:p>
         </p:txBody>
@@ -10535,28 +9329,12 @@
           <a:bodyPr/>
           <a:lstStyle/>
           <a:p>
-            <a:pPr lvl="0" marL="0" indent="0">
+            <a:pPr lvl="0" indent="0" marL="0">
               <a:buNone/>
             </a:pPr>
             <a:r>
               <a:rPr/>
-              <a:t>Classification</a:t>
-            </a:r>
-            <a:r>
-              <a:rPr/>
-              <a:t> </a:t>
-            </a:r>
-            <a:r>
-              <a:rPr/>
-              <a:t>Analysis:</a:t>
-            </a:r>
-            <a:r>
-              <a:rPr/>
-              <a:t> </a:t>
-            </a:r>
-            <a:r>
-              <a:rPr/>
-              <a:t>Austin</a:t>
+              <a:t>Classification Analysis: Austin</a:t>
             </a:r>
           </a:p>
         </p:txBody>
@@ -10603,7 +9381,7 @@
           <a:bodyPr/>
           <a:lstStyle/>
           <a:p>
-            <a:pPr lvl="0" marL="0" indent="0">
+            <a:pPr lvl="0" indent="0" marL="0">
               <a:buNone/>
             </a:pPr>
             <a:r>
@@ -10873,4 +9651,265 @@
     </a:ext>
   </a:extLst>
 </a:theme>
+</file>
+
+<file path=ppt/theme/theme2.xml><?xml version="1.0" encoding="utf-8"?>
+<a:theme xmlns:a="http://schemas.openxmlformats.org/drawingml/2006/main" name="Office Theme">
+  <a:themeElements>
+    <a:clrScheme name="Office">
+      <a:dk1>
+        <a:sysClr val="windowText" lastClr="000000"/>
+      </a:dk1>
+      <a:lt1>
+        <a:sysClr val="window" lastClr="FFFFFF"/>
+      </a:lt1>
+      <a:dk2>
+        <a:srgbClr val="44546A"/>
+      </a:dk2>
+      <a:lt2>
+        <a:srgbClr val="E7E6E6"/>
+      </a:lt2>
+      <a:accent1>
+        <a:srgbClr val="5B9BD5"/>
+      </a:accent1>
+      <a:accent2>
+        <a:srgbClr val="ED7D31"/>
+      </a:accent2>
+      <a:accent3>
+        <a:srgbClr val="A5A5A5"/>
+      </a:accent3>
+      <a:accent4>
+        <a:srgbClr val="FFC000"/>
+      </a:accent4>
+      <a:accent5>
+        <a:srgbClr val="4472C4"/>
+      </a:accent5>
+      <a:accent6>
+        <a:srgbClr val="70AD47"/>
+      </a:accent6>
+      <a:hlink>
+        <a:srgbClr val="0563C1"/>
+      </a:hlink>
+      <a:folHlink>
+        <a:srgbClr val="954F72"/>
+      </a:folHlink>
+    </a:clrScheme>
+    <a:fontScheme name="Office">
+      <a:majorFont>
+        <a:latin typeface="Calibri Light" panose="020F0302020204030204"/>
+        <a:ea typeface=""/>
+        <a:cs typeface=""/>
+        <a:font script="Jpan" typeface="ＭＳ Ｐゴシック"/>
+        <a:font script="Hang" typeface="맑은 고딕"/>
+        <a:font script="Hans" typeface="宋体"/>
+        <a:font script="Hant" typeface="新細明體"/>
+        <a:font script="Arab" typeface="Times New Roman"/>
+        <a:font script="Hebr" typeface="Times New Roman"/>
+        <a:font script="Thai" typeface="Angsana New"/>
+        <a:font script="Ethi" typeface="Nyala"/>
+        <a:font script="Beng" typeface="Vrinda"/>
+        <a:font script="Gujr" typeface="Shruti"/>
+        <a:font script="Khmr" typeface="MoolBoran"/>
+        <a:font script="Knda" typeface="Tunga"/>
+        <a:font script="Guru" typeface="Raavi"/>
+        <a:font script="Cans" typeface="Euphemia"/>
+        <a:font script="Cher" typeface="Plantagenet Cherokee"/>
+        <a:font script="Yiii" typeface="Microsoft Yi Baiti"/>
+        <a:font script="Tibt" typeface="Microsoft Himalaya"/>
+        <a:font script="Thaa" typeface="MV Boli"/>
+        <a:font script="Deva" typeface="Mangal"/>
+        <a:font script="Telu" typeface="Gautami"/>
+        <a:font script="Taml" typeface="Latha"/>
+        <a:font script="Syrc" typeface="Estrangelo Edessa"/>
+        <a:font script="Orya" typeface="Kalinga"/>
+        <a:font script="Mlym" typeface="Kartika"/>
+        <a:font script="Laoo" typeface="DokChampa"/>
+        <a:font script="Sinh" typeface="Iskoola Pota"/>
+        <a:font script="Mong" typeface="Mongolian Baiti"/>
+        <a:font script="Viet" typeface="Times New Roman"/>
+        <a:font script="Uigh" typeface="Microsoft Uighur"/>
+        <a:font script="Geor" typeface="Sylfaen"/>
+      </a:majorFont>
+      <a:minorFont>
+        <a:latin typeface="Calibri" panose="020F0502020204030204"/>
+        <a:ea typeface=""/>
+        <a:cs typeface=""/>
+        <a:font script="Jpan" typeface="ＭＳ Ｐゴシック"/>
+        <a:font script="Hang" typeface="맑은 고딕"/>
+        <a:font script="Hans" typeface="宋体"/>
+        <a:font script="Hant" typeface="新細明體"/>
+        <a:font script="Arab" typeface="Arial"/>
+        <a:font script="Hebr" typeface="Arial"/>
+        <a:font script="Thai" typeface="Cordia New"/>
+        <a:font script="Ethi" typeface="Nyala"/>
+        <a:font script="Beng" typeface="Vrinda"/>
+        <a:font script="Gujr" typeface="Shruti"/>
+        <a:font script="Khmr" typeface="DaunPenh"/>
+        <a:font script="Knda" typeface="Tunga"/>
+        <a:font script="Guru" typeface="Raavi"/>
+        <a:font script="Cans" typeface="Euphemia"/>
+        <a:font script="Cher" typeface="Plantagenet Cherokee"/>
+        <a:font script="Yiii" typeface="Microsoft Yi Baiti"/>
+        <a:font script="Tibt" typeface="Microsoft Himalaya"/>
+        <a:font script="Thaa" typeface="MV Boli"/>
+        <a:font script="Deva" typeface="Mangal"/>
+        <a:font script="Telu" typeface="Gautami"/>
+        <a:font script="Taml" typeface="Latha"/>
+        <a:font script="Syrc" typeface="Estrangelo Edessa"/>
+        <a:font script="Orya" typeface="Kalinga"/>
+        <a:font script="Mlym" typeface="Kartika"/>
+        <a:font script="Laoo" typeface="DokChampa"/>
+        <a:font script="Sinh" typeface="Iskoola Pota"/>
+        <a:font script="Mong" typeface="Mongolian Baiti"/>
+        <a:font script="Viet" typeface="Arial"/>
+        <a:font script="Uigh" typeface="Microsoft Uighur"/>
+        <a:font script="Geor" typeface="Sylfaen"/>
+      </a:minorFont>
+    </a:fontScheme>
+    <a:fmtScheme name="Office">
+      <a:fillStyleLst>
+        <a:solidFill>
+          <a:schemeClr val="phClr"/>
+        </a:solidFill>
+        <a:gradFill rotWithShape="1">
+          <a:gsLst>
+            <a:gs pos="0">
+              <a:schemeClr val="phClr">
+                <a:lumMod val="110000"/>
+                <a:satMod val="105000"/>
+                <a:tint val="67000"/>
+              </a:schemeClr>
+            </a:gs>
+            <a:gs pos="50000">
+              <a:schemeClr val="phClr">
+                <a:lumMod val="105000"/>
+                <a:satMod val="103000"/>
+                <a:tint val="73000"/>
+              </a:schemeClr>
+            </a:gs>
+            <a:gs pos="100000">
+              <a:schemeClr val="phClr">
+                <a:lumMod val="105000"/>
+                <a:satMod val="109000"/>
+                <a:tint val="81000"/>
+              </a:schemeClr>
+            </a:gs>
+          </a:gsLst>
+          <a:lin ang="5400000" scaled="0"/>
+        </a:gradFill>
+        <a:gradFill rotWithShape="1">
+          <a:gsLst>
+            <a:gs pos="0">
+              <a:schemeClr val="phClr">
+                <a:satMod val="103000"/>
+                <a:lumMod val="102000"/>
+                <a:tint val="94000"/>
+              </a:schemeClr>
+            </a:gs>
+            <a:gs pos="50000">
+              <a:schemeClr val="phClr">
+                <a:satMod val="110000"/>
+                <a:lumMod val="100000"/>
+                <a:shade val="100000"/>
+              </a:schemeClr>
+            </a:gs>
+            <a:gs pos="100000">
+              <a:schemeClr val="phClr">
+                <a:lumMod val="99000"/>
+                <a:satMod val="120000"/>
+                <a:shade val="78000"/>
+              </a:schemeClr>
+            </a:gs>
+          </a:gsLst>
+          <a:lin ang="5400000" scaled="0"/>
+        </a:gradFill>
+      </a:fillStyleLst>
+      <a:lnStyleLst>
+        <a:ln w="6350" cap="flat" cmpd="sng" algn="ctr">
+          <a:solidFill>
+            <a:schemeClr val="phClr"/>
+          </a:solidFill>
+          <a:prstDash val="solid"/>
+          <a:miter lim="800000"/>
+        </a:ln>
+        <a:ln w="12700" cap="flat" cmpd="sng" algn="ctr">
+          <a:solidFill>
+            <a:schemeClr val="phClr"/>
+          </a:solidFill>
+          <a:prstDash val="solid"/>
+          <a:miter lim="800000"/>
+        </a:ln>
+        <a:ln w="19050" cap="flat" cmpd="sng" algn="ctr">
+          <a:solidFill>
+            <a:schemeClr val="phClr"/>
+          </a:solidFill>
+          <a:prstDash val="solid"/>
+          <a:miter lim="800000"/>
+        </a:ln>
+      </a:lnStyleLst>
+      <a:effectStyleLst>
+        <a:effectStyle>
+          <a:effectLst/>
+        </a:effectStyle>
+        <a:effectStyle>
+          <a:effectLst/>
+        </a:effectStyle>
+        <a:effectStyle>
+          <a:effectLst>
+            <a:outerShdw blurRad="57150" dist="19050" dir="5400000" algn="ctr" rotWithShape="0">
+              <a:srgbClr val="000000">
+                <a:alpha val="63000"/>
+              </a:srgbClr>
+            </a:outerShdw>
+          </a:effectLst>
+        </a:effectStyle>
+      </a:effectStyleLst>
+      <a:bgFillStyleLst>
+        <a:solidFill>
+          <a:schemeClr val="phClr"/>
+        </a:solidFill>
+        <a:solidFill>
+          <a:schemeClr val="phClr">
+            <a:tint val="95000"/>
+            <a:satMod val="170000"/>
+          </a:schemeClr>
+        </a:solidFill>
+        <a:gradFill rotWithShape="1">
+          <a:gsLst>
+            <a:gs pos="0">
+              <a:schemeClr val="phClr">
+                <a:tint val="93000"/>
+                <a:satMod val="150000"/>
+                <a:shade val="98000"/>
+                <a:lumMod val="102000"/>
+              </a:schemeClr>
+            </a:gs>
+            <a:gs pos="50000">
+              <a:schemeClr val="phClr">
+                <a:tint val="98000"/>
+                <a:satMod val="130000"/>
+                <a:shade val="90000"/>
+                <a:lumMod val="103000"/>
+              </a:schemeClr>
+            </a:gs>
+            <a:gs pos="100000">
+              <a:schemeClr val="phClr">
+                <a:shade val="63000"/>
+                <a:satMod val="120000"/>
+              </a:schemeClr>
+            </a:gs>
+          </a:gsLst>
+          <a:lin ang="5400000" scaled="0"/>
+        </a:gradFill>
+      </a:bgFillStyleLst>
+    </a:fmtScheme>
+  </a:themeElements>
+  <a:objectDefaults/>
+  <a:extraClrSchemeLst/>
+  <a:extLst>
+    <a:ext uri="{05A4C25C-085E-4340-85A3-A5531E510DB2}">
+      <thm15:themeFamily xmlns:thm15="http://schemas.microsoft.com/office/thememl/2012/main" name="Office Theme" id="{62F939B6-93AF-4DB8-9C6B-D6C7DFDC589F}" vid="{4A3C46E8-61CC-4603-A589-7422A47A8E4A}"/>
+    </a:ext>
+  </a:extLst>
+</a:theme>
 </file>